--- a/shell/presentations/01_git2.pptx
+++ b/shell/presentations/01_git2.pptx
@@ -5,7 +5,7 @@
     <p:sldMasterId id="2147483648" r:id="rId1"/>
   </p:sldMasterIdLst>
   <p:notesMasterIdLst>
-    <p:notesMasterId r:id="rId42"/>
+    <p:notesMasterId r:id="rId43"/>
   </p:notesMasterIdLst>
   <p:sldIdLst>
     <p:sldId id="256" r:id="rId2"/>
@@ -41,13 +41,14 @@
     <p:sldId id="551" r:id="rId32"/>
     <p:sldId id="552" r:id="rId33"/>
     <p:sldId id="553" r:id="rId34"/>
-    <p:sldId id="496" r:id="rId35"/>
-    <p:sldId id="492" r:id="rId36"/>
-    <p:sldId id="491" r:id="rId37"/>
-    <p:sldId id="264" r:id="rId38"/>
-    <p:sldId id="522" r:id="rId39"/>
-    <p:sldId id="488" r:id="rId40"/>
-    <p:sldId id="499" r:id="rId41"/>
+    <p:sldId id="554" r:id="rId35"/>
+    <p:sldId id="496" r:id="rId36"/>
+    <p:sldId id="492" r:id="rId37"/>
+    <p:sldId id="491" r:id="rId38"/>
+    <p:sldId id="264" r:id="rId39"/>
+    <p:sldId id="522" r:id="rId40"/>
+    <p:sldId id="488" r:id="rId41"/>
+    <p:sldId id="499" r:id="rId42"/>
   </p:sldIdLst>
   <p:sldSz cx="9144000" cy="6858000" type="screen4x3"/>
   <p:notesSz cx="6858000" cy="9144000"/>
@@ -1394,7 +1395,7 @@
                 <a:latin typeface="Arial" charset="0"/>
               </a:rPr>
               <a:pPr/>
-              <a:t>34</a:t>
+              <a:t>35</a:t>
             </a:fld>
             <a:endParaRPr lang="en-GB">
               <a:latin typeface="Arial" charset="0"/>
@@ -1657,7 +1658,7 @@
                 <a:latin typeface="Arial" charset="0"/>
               </a:rPr>
               <a:pPr/>
-              <a:t>35</a:t>
+              <a:t>36</a:t>
             </a:fld>
             <a:endParaRPr lang="en-GB">
               <a:latin typeface="Arial" charset="0"/>
@@ -1920,7 +1921,7 @@
                 <a:latin typeface="Arial" charset="0"/>
               </a:rPr>
               <a:pPr/>
-              <a:t>36</a:t>
+              <a:t>37</a:t>
             </a:fld>
             <a:endParaRPr lang="en-GB">
               <a:latin typeface="Arial" charset="0"/>
@@ -2184,7 +2185,7 @@
                 <a:latin typeface="Arial" charset="0"/>
               </a:rPr>
               <a:pPr/>
-              <a:t>37</a:t>
+              <a:t>38</a:t>
             </a:fld>
             <a:endParaRPr lang="en-GB">
               <a:latin typeface="Arial" charset="0"/>
@@ -18125,12 +18126,20 @@
           <a:lstStyle/>
           <a:p>
             <a:r>
-              <a:rPr lang="en-US" smtClean="0"/>
-              <a:t>Black with </a:t>
-            </a:r>
-            <a:r>
               <a:rPr lang="en-US" dirty="0" smtClean="0"/>
-              <a:t>changes using </a:t>
+              <a:t>Black </a:t>
+            </a:r>
+            <a:r>
+              <a:rPr lang="en-US" dirty="0" smtClean="0"/>
+              <a:t>Bob </a:t>
+            </a:r>
+            <a:r>
+              <a:rPr lang="en-US" dirty="0" smtClean="0"/>
+              <a:t>downloads changes </a:t>
+            </a:r>
+            <a:r>
+              <a:rPr lang="en-US" dirty="0" smtClean="0"/>
+              <a:t>using </a:t>
             </a:r>
             <a:r>
               <a:rPr lang="en-US" dirty="0" err="1" smtClean="0"/>
@@ -18348,26 +18357,14 @@
                 <a:latin typeface="Courier"/>
                 <a:cs typeface="Courier"/>
               </a:rPr>
-              <a:t> 1 file changed, 1 insertion(+)</a:t>
-            </a:r>
-          </a:p>
-          <a:p>
-            <a:pPr marL="0" indent="0">
-              <a:buNone/>
-            </a:pPr>
-            <a:r>
-              <a:rPr lang="en-US" sz="1800" dirty="0" err="1">
-                <a:latin typeface="Courier"/>
-                <a:cs typeface="Courier"/>
-              </a:rPr>
-              <a:t>apple:ncas-isc</a:t>
-            </a:r>
-            <a:r>
-              <a:rPr lang="en-US" sz="1800" dirty="0">
-                <a:latin typeface="Courier"/>
-                <a:cs typeface="Courier"/>
-              </a:rPr>
-              <a:t> sjp23$ </a:t>
+              <a:t> 1 file changed, 1 insertion(</a:t>
+            </a:r>
+            <a:r>
+              <a:rPr lang="en-US" sz="1800" dirty="0" smtClean="0">
+                <a:latin typeface="Courier"/>
+                <a:cs typeface="Courier"/>
+              </a:rPr>
+              <a:t>+)</a:t>
             </a:r>
           </a:p>
         </p:txBody>
@@ -18404,6 +18401,397 @@
       </p:grpSpPr>
       <p:sp>
         <p:nvSpPr>
+          <p:cNvPr id="2" name="Title 1"/>
+          <p:cNvSpPr>
+            <a:spLocks noGrp="1"/>
+          </p:cNvSpPr>
+          <p:nvPr>
+            <p:ph type="title"/>
+          </p:nvPr>
+        </p:nvSpPr>
+        <p:spPr/>
+        <p:txBody>
+          <a:bodyPr/>
+          <a:lstStyle/>
+          <a:p>
+            <a:r>
+              <a:rPr lang="en-US" dirty="0" smtClean="0"/>
+              <a:t>Black Bob looks at change log</a:t>
+            </a:r>
+            <a:endParaRPr lang="en-US" dirty="0"/>
+          </a:p>
+        </p:txBody>
+      </p:sp>
+      <p:sp>
+        <p:nvSpPr>
+          <p:cNvPr id="3" name="Content Placeholder 2"/>
+          <p:cNvSpPr>
+            <a:spLocks noGrp="1"/>
+          </p:cNvSpPr>
+          <p:nvPr>
+            <p:ph idx="1"/>
+          </p:nvPr>
+        </p:nvSpPr>
+        <p:spPr/>
+        <p:style>
+          <a:lnRef idx="2">
+            <a:schemeClr val="dk1">
+              <a:shade val="50000"/>
+            </a:schemeClr>
+          </a:lnRef>
+          <a:fillRef idx="1">
+            <a:schemeClr val="dk1"/>
+          </a:fillRef>
+          <a:effectRef idx="0">
+            <a:schemeClr val="dk1"/>
+          </a:effectRef>
+          <a:fontRef idx="minor">
+            <a:schemeClr val="lt1"/>
+          </a:fontRef>
+        </p:style>
+        <p:txBody>
+          <a:bodyPr/>
+          <a:lstStyle/>
+          <a:p>
+            <a:pPr marL="0" indent="0">
+              <a:buNone/>
+            </a:pPr>
+            <a:r>
+              <a:rPr lang="en-US" sz="1800" dirty="0" smtClean="0">
+                <a:latin typeface="Courier"/>
+                <a:cs typeface="Courier"/>
+              </a:rPr>
+              <a:t>$ </a:t>
+            </a:r>
+            <a:r>
+              <a:rPr lang="en-US" sz="1800" b="1" dirty="0" err="1">
+                <a:solidFill>
+                  <a:srgbClr val="FFFF00"/>
+                </a:solidFill>
+                <a:latin typeface="Courier"/>
+                <a:cs typeface="Courier"/>
+              </a:rPr>
+              <a:t>git</a:t>
+            </a:r>
+            <a:r>
+              <a:rPr lang="en-US" sz="1800" b="1" dirty="0">
+                <a:solidFill>
+                  <a:srgbClr val="FFFF00"/>
+                </a:solidFill>
+                <a:latin typeface="Courier"/>
+                <a:cs typeface="Courier"/>
+              </a:rPr>
+              <a:t> log </a:t>
+            </a:r>
+            <a:r>
+              <a:rPr lang="en-US" sz="1800" b="1" dirty="0" err="1">
+                <a:solidFill>
+                  <a:srgbClr val="FFFF00"/>
+                </a:solidFill>
+                <a:latin typeface="Courier"/>
+                <a:cs typeface="Courier"/>
+              </a:rPr>
+              <a:t>hello.txt</a:t>
+            </a:r>
+            <a:r>
+              <a:rPr lang="en-US" sz="1800" dirty="0">
+                <a:latin typeface="Courier"/>
+                <a:cs typeface="Courier"/>
+              </a:rPr>
+              <a:t> </a:t>
+            </a:r>
+          </a:p>
+          <a:p>
+            <a:pPr marL="0" indent="0">
+              <a:buNone/>
+            </a:pPr>
+            <a:r>
+              <a:rPr lang="de-DE" sz="1800" dirty="0" err="1">
+                <a:latin typeface="Courier"/>
+                <a:cs typeface="Courier"/>
+              </a:rPr>
+              <a:t>commit</a:t>
+            </a:r>
+            <a:r>
+              <a:rPr lang="de-DE" sz="1800" dirty="0">
+                <a:latin typeface="Courier"/>
+                <a:cs typeface="Courier"/>
+              </a:rPr>
+              <a:t> d274491d34d96aa92eb110e472006070e537dda0</a:t>
+            </a:r>
+          </a:p>
+          <a:p>
+            <a:pPr marL="0" indent="0">
+              <a:buNone/>
+            </a:pPr>
+            <a:r>
+              <a:rPr lang="de-DE" sz="1800" dirty="0" err="1">
+                <a:latin typeface="Courier"/>
+                <a:cs typeface="Courier"/>
+              </a:rPr>
+              <a:t>Author</a:t>
+            </a:r>
+            <a:r>
+              <a:rPr lang="de-DE" sz="1800" dirty="0">
+                <a:latin typeface="Courier"/>
+                <a:cs typeface="Courier"/>
+              </a:rPr>
+              <a:t>: Sam Pepler &lt;</a:t>
+            </a:r>
+            <a:r>
+              <a:rPr lang="de-DE" sz="1800" dirty="0" err="1">
+                <a:latin typeface="Courier"/>
+                <a:cs typeface="Courier"/>
+              </a:rPr>
+              <a:t>sam.pepler@stfc.ac.uk</a:t>
+            </a:r>
+            <a:r>
+              <a:rPr lang="de-DE" sz="1800" dirty="0">
+                <a:latin typeface="Courier"/>
+                <a:cs typeface="Courier"/>
+              </a:rPr>
+              <a:t>&gt;</a:t>
+            </a:r>
+          </a:p>
+          <a:p>
+            <a:pPr marL="0" indent="0">
+              <a:buNone/>
+            </a:pPr>
+            <a:r>
+              <a:rPr lang="de-DE" sz="1800" dirty="0">
+                <a:latin typeface="Courier"/>
+                <a:cs typeface="Courier"/>
+              </a:rPr>
+              <a:t>Date:   </a:t>
+            </a:r>
+            <a:r>
+              <a:rPr lang="de-DE" sz="1800" dirty="0" err="1">
+                <a:latin typeface="Courier"/>
+                <a:cs typeface="Courier"/>
+              </a:rPr>
+              <a:t>Fri</a:t>
+            </a:r>
+            <a:r>
+              <a:rPr lang="de-DE" sz="1800" dirty="0">
+                <a:latin typeface="Courier"/>
+                <a:cs typeface="Courier"/>
+              </a:rPr>
+              <a:t> Feb 24 12:26:47 2017 +0000</a:t>
+            </a:r>
+          </a:p>
+          <a:p>
+            <a:pPr marL="0" indent="0">
+              <a:buNone/>
+            </a:pPr>
+            <a:endParaRPr lang="de-DE" sz="1800" dirty="0">
+              <a:latin typeface="Courier"/>
+              <a:cs typeface="Courier"/>
+            </a:endParaRPr>
+          </a:p>
+          <a:p>
+            <a:pPr marL="0" indent="0">
+              <a:buNone/>
+            </a:pPr>
+            <a:r>
+              <a:rPr lang="de-DE" sz="1800" dirty="0">
+                <a:latin typeface="Courier"/>
+                <a:cs typeface="Courier"/>
+              </a:rPr>
+              <a:t>    </a:t>
+            </a:r>
+            <a:r>
+              <a:rPr lang="de-DE" sz="1800" dirty="0" err="1">
+                <a:latin typeface="Courier"/>
+                <a:cs typeface="Courier"/>
+              </a:rPr>
+              <a:t>added</a:t>
+            </a:r>
+            <a:r>
+              <a:rPr lang="de-DE" sz="1800" dirty="0">
+                <a:latin typeface="Courier"/>
+                <a:cs typeface="Courier"/>
+              </a:rPr>
+              <a:t> </a:t>
+            </a:r>
+            <a:r>
+              <a:rPr lang="de-DE" sz="1800" dirty="0" err="1">
+                <a:latin typeface="Courier"/>
+                <a:cs typeface="Courier"/>
+              </a:rPr>
+              <a:t>new</a:t>
+            </a:r>
+            <a:r>
+              <a:rPr lang="de-DE" sz="1800" dirty="0">
+                <a:latin typeface="Courier"/>
+                <a:cs typeface="Courier"/>
+              </a:rPr>
+              <a:t> </a:t>
+            </a:r>
+            <a:r>
+              <a:rPr lang="de-DE" sz="1800" dirty="0" err="1">
+                <a:latin typeface="Courier"/>
+                <a:cs typeface="Courier"/>
+              </a:rPr>
+              <a:t>line</a:t>
+            </a:r>
+            <a:endParaRPr lang="de-DE" sz="1800" dirty="0">
+              <a:latin typeface="Courier"/>
+              <a:cs typeface="Courier"/>
+            </a:endParaRPr>
+          </a:p>
+          <a:p>
+            <a:pPr marL="0" indent="0">
+              <a:buNone/>
+            </a:pPr>
+            <a:endParaRPr lang="de-DE" sz="1800" dirty="0">
+              <a:latin typeface="Courier"/>
+              <a:cs typeface="Courier"/>
+            </a:endParaRPr>
+          </a:p>
+          <a:p>
+            <a:pPr marL="0" indent="0">
+              <a:buNone/>
+            </a:pPr>
+            <a:r>
+              <a:rPr lang="de-DE" sz="1800" dirty="0" err="1">
+                <a:latin typeface="Courier"/>
+                <a:cs typeface="Courier"/>
+              </a:rPr>
+              <a:t>commit</a:t>
+            </a:r>
+            <a:r>
+              <a:rPr lang="de-DE" sz="1800" dirty="0">
+                <a:latin typeface="Courier"/>
+                <a:cs typeface="Courier"/>
+              </a:rPr>
+              <a:t> fdd3c9eb7cbea69cce46ea22326ed5c801bb75f8</a:t>
+            </a:r>
+          </a:p>
+          <a:p>
+            <a:pPr marL="0" indent="0">
+              <a:buNone/>
+            </a:pPr>
+            <a:r>
+              <a:rPr lang="de-DE" sz="1800" dirty="0" err="1">
+                <a:latin typeface="Courier"/>
+                <a:cs typeface="Courier"/>
+              </a:rPr>
+              <a:t>Author</a:t>
+            </a:r>
+            <a:r>
+              <a:rPr lang="de-DE" sz="1800" dirty="0">
+                <a:latin typeface="Courier"/>
+                <a:cs typeface="Courier"/>
+              </a:rPr>
+              <a:t>: Sam Pepler &lt;</a:t>
+            </a:r>
+            <a:r>
+              <a:rPr lang="de-DE" sz="1800" dirty="0" err="1">
+                <a:latin typeface="Courier"/>
+                <a:cs typeface="Courier"/>
+              </a:rPr>
+              <a:t>sam.pepler@stfc.ac.uk</a:t>
+            </a:r>
+            <a:r>
+              <a:rPr lang="de-DE" sz="1800" dirty="0">
+                <a:latin typeface="Courier"/>
+                <a:cs typeface="Courier"/>
+              </a:rPr>
+              <a:t>&gt;</a:t>
+            </a:r>
+          </a:p>
+          <a:p>
+            <a:pPr marL="0" indent="0">
+              <a:buNone/>
+            </a:pPr>
+            <a:r>
+              <a:rPr lang="de-DE" sz="1800" dirty="0">
+                <a:latin typeface="Courier"/>
+                <a:cs typeface="Courier"/>
+              </a:rPr>
+              <a:t>Date:   Thu Feb 23 11:13:13 2017 +0000</a:t>
+            </a:r>
+          </a:p>
+          <a:p>
+            <a:pPr marL="0" indent="0">
+              <a:buNone/>
+            </a:pPr>
+            <a:endParaRPr lang="de-DE" sz="1800" dirty="0">
+              <a:latin typeface="Courier"/>
+              <a:cs typeface="Courier"/>
+            </a:endParaRPr>
+          </a:p>
+          <a:p>
+            <a:pPr marL="0" indent="0">
+              <a:buNone/>
+            </a:pPr>
+            <a:r>
+              <a:rPr lang="de-DE" sz="1800" dirty="0">
+                <a:latin typeface="Courier"/>
+                <a:cs typeface="Courier"/>
+              </a:rPr>
+              <a:t>    </a:t>
+            </a:r>
+            <a:r>
+              <a:rPr lang="de-DE" sz="1800" dirty="0" err="1">
+                <a:latin typeface="Courier"/>
+                <a:cs typeface="Courier"/>
+              </a:rPr>
+              <a:t>added</a:t>
+            </a:r>
+            <a:r>
+              <a:rPr lang="de-DE" sz="1800" dirty="0">
+                <a:latin typeface="Courier"/>
+                <a:cs typeface="Courier"/>
+              </a:rPr>
+              <a:t> </a:t>
+            </a:r>
+            <a:r>
+              <a:rPr lang="de-DE" sz="1800" dirty="0" err="1">
+                <a:latin typeface="Courier"/>
+                <a:cs typeface="Courier"/>
+              </a:rPr>
+              <a:t>hello</a:t>
+            </a:r>
+            <a:endParaRPr lang="en-US" sz="1800" dirty="0">
+              <a:latin typeface="Courier"/>
+              <a:cs typeface="Courier"/>
+            </a:endParaRPr>
+          </a:p>
+        </p:txBody>
+      </p:sp>
+    </p:spTree>
+    <p:extLst>
+      <p:ext uri="{BB962C8B-B14F-4D97-AF65-F5344CB8AC3E}">
+        <p14:creationId xmlns:p14="http://schemas.microsoft.com/office/powerpoint/2010/main" val="1663817560"/>
+      </p:ext>
+    </p:extLst>
+  </p:cSld>
+  <p:clrMapOvr>
+    <a:masterClrMapping/>
+  </p:clrMapOvr>
+</p:sld>
+</file>
+
+<file path=ppt/slides/slide35.xml><?xml version="1.0" encoding="utf-8"?>
+<p:sld xmlns:a="http://schemas.openxmlformats.org/drawingml/2006/main" xmlns:r="http://schemas.openxmlformats.org/officeDocument/2006/relationships" xmlns:p="http://schemas.openxmlformats.org/presentationml/2006/main">
+  <p:cSld>
+    <p:spTree>
+      <p:nvGrpSpPr>
+        <p:cNvPr id="1" name=""/>
+        <p:cNvGrpSpPr/>
+        <p:nvPr/>
+      </p:nvGrpSpPr>
+      <p:grpSpPr>
+        <a:xfrm>
+          <a:off x="0" y="0"/>
+          <a:ext cx="0" cy="0"/>
+          <a:chOff x="0" y="0"/>
+          <a:chExt cx="0" cy="0"/>
+        </a:xfrm>
+      </p:grpSpPr>
+      <p:sp>
+        <p:nvSpPr>
           <p:cNvPr id="43010" name="Title 1"/>
           <p:cNvSpPr>
             <a:spLocks noGrp="1"/>
@@ -18446,7 +18834,7 @@
 </p:sld>
 </file>
 
-<file path=ppt/slides/slide35.xml><?xml version="1.0" encoding="utf-8"?>
+<file path=ppt/slides/slide36.xml><?xml version="1.0" encoding="utf-8"?>
 <p:sld xmlns:a="http://schemas.openxmlformats.org/drawingml/2006/main" xmlns:r="http://schemas.openxmlformats.org/officeDocument/2006/relationships" xmlns:p="http://schemas.openxmlformats.org/presentationml/2006/main">
   <p:cSld>
     <p:spTree>
@@ -18712,7 +19100,7 @@
 </p:sld>
 </file>
 
-<file path=ppt/slides/slide36.xml><?xml version="1.0" encoding="utf-8"?>
+<file path=ppt/slides/slide37.xml><?xml version="1.0" encoding="utf-8"?>
 <p:sld xmlns:a="http://schemas.openxmlformats.org/drawingml/2006/main" xmlns:r="http://schemas.openxmlformats.org/officeDocument/2006/relationships" xmlns:p="http://schemas.openxmlformats.org/presentationml/2006/main">
   <p:cSld>
     <p:spTree>
@@ -18973,7 +19361,7 @@
 </p:sld>
 </file>
 
-<file path=ppt/slides/slide37.xml><?xml version="1.0" encoding="utf-8"?>
+<file path=ppt/slides/slide38.xml><?xml version="1.0" encoding="utf-8"?>
 <p:sld xmlns:a="http://schemas.openxmlformats.org/drawingml/2006/main" xmlns:r="http://schemas.openxmlformats.org/officeDocument/2006/relationships" xmlns:p="http://schemas.openxmlformats.org/presentationml/2006/main">
   <p:cSld>
     <p:spTree>
@@ -19431,116 +19819,6 @@
 </p:sld>
 </file>
 
-<file path=ppt/slides/slide38.xml><?xml version="1.0" encoding="utf-8"?>
-<p:sld xmlns:a="http://schemas.openxmlformats.org/drawingml/2006/main" xmlns:r="http://schemas.openxmlformats.org/officeDocument/2006/relationships" xmlns:p="http://schemas.openxmlformats.org/presentationml/2006/main">
-  <p:cSld>
-    <p:spTree>
-      <p:nvGrpSpPr>
-        <p:cNvPr id="1" name=""/>
-        <p:cNvGrpSpPr/>
-        <p:nvPr/>
-      </p:nvGrpSpPr>
-      <p:grpSpPr>
-        <a:xfrm>
-          <a:off x="0" y="0"/>
-          <a:ext cx="0" cy="0"/>
-          <a:chOff x="0" y="0"/>
-          <a:chExt cx="0" cy="0"/>
-        </a:xfrm>
-      </p:grpSpPr>
-      <p:sp>
-        <p:nvSpPr>
-          <p:cNvPr id="46082" name="Title 1"/>
-          <p:cNvSpPr>
-            <a:spLocks noGrp="1"/>
-          </p:cNvSpPr>
-          <p:nvPr>
-            <p:ph type="title"/>
-          </p:nvPr>
-        </p:nvSpPr>
-        <p:spPr/>
-        <p:txBody>
-          <a:bodyPr/>
-          <a:lstStyle/>
-          <a:p>
-            <a:r>
-              <a:rPr lang="en-GB">
-                <a:latin typeface="Calibri" charset="0"/>
-              </a:rPr>
-              <a:t>The NCAS GitHub organisation</a:t>
-            </a:r>
-          </a:p>
-        </p:txBody>
-      </p:sp>
-      <p:sp>
-        <p:nvSpPr>
-          <p:cNvPr id="46083" name="Content Placeholder 2"/>
-          <p:cNvSpPr>
-            <a:spLocks noGrp="1"/>
-          </p:cNvSpPr>
-          <p:nvPr>
-            <p:ph idx="1"/>
-          </p:nvPr>
-        </p:nvSpPr>
-        <p:spPr/>
-        <p:txBody>
-          <a:bodyPr/>
-          <a:lstStyle/>
-          <a:p>
-            <a:pPr marL="0" indent="0">
-              <a:buFont typeface="Arial" charset="0"/>
-              <a:buNone/>
-            </a:pPr>
-            <a:r>
-              <a:rPr lang="en-GB">
-                <a:latin typeface="Calibri" charset="0"/>
-              </a:rPr>
-              <a:t>An NCAS GitHub organisation has been set up.</a:t>
-            </a:r>
-          </a:p>
-          <a:p>
-            <a:pPr marL="0" indent="0">
-              <a:buFont typeface="Arial" charset="0"/>
-              <a:buNone/>
-            </a:pPr>
-            <a:r>
-              <a:rPr lang="en-GB">
-                <a:latin typeface="Calibri" charset="0"/>
-              </a:rPr>
-              <a:t>This allows repositories to be set up that where users could share code when it has become a more formal collaboration.</a:t>
-            </a:r>
-          </a:p>
-          <a:p>
-            <a:pPr marL="0" indent="0">
-              <a:buFont typeface="Arial" charset="0"/>
-              <a:buNone/>
-            </a:pPr>
-            <a:endParaRPr lang="en-GB">
-              <a:latin typeface="Calibri" charset="0"/>
-            </a:endParaRPr>
-          </a:p>
-          <a:p>
-            <a:pPr marL="0" indent="0">
-              <a:buFont typeface="Arial" charset="0"/>
-              <a:buNone/>
-            </a:pPr>
-            <a:r>
-              <a:rPr lang="en-GB">
-                <a:latin typeface="Calibri" charset="0"/>
-              </a:rPr>
-              <a:t>If you want to become part of the NCAS GitHub please contact Ag, James or Dan and send them your GitHub account ID.</a:t>
-            </a:r>
-          </a:p>
-        </p:txBody>
-      </p:sp>
-    </p:spTree>
-  </p:cSld>
-  <p:clrMapOvr>
-    <a:masterClrMapping/>
-  </p:clrMapOvr>
-</p:sld>
-</file>
-
 <file path=ppt/slides/slide39.xml><?xml version="1.0" encoding="utf-8"?>
 <p:sld xmlns:a="http://schemas.openxmlformats.org/drawingml/2006/main" xmlns:r="http://schemas.openxmlformats.org/officeDocument/2006/relationships" xmlns:p="http://schemas.openxmlformats.org/presentationml/2006/main">
   <p:cSld>
@@ -19560,7 +19838,7 @@
       </p:grpSpPr>
       <p:sp>
         <p:nvSpPr>
-          <p:cNvPr id="48130" name="Title 1"/>
+          <p:cNvPr id="46082" name="Title 1"/>
           <p:cNvSpPr>
             <a:spLocks noGrp="1"/>
           </p:cNvSpPr>
@@ -19574,17 +19852,17 @@
           <a:lstStyle/>
           <a:p>
             <a:r>
-              <a:rPr lang="en-GB" sz="4000" b="1">
-                <a:latin typeface="Calibri" charset="0"/>
-              </a:rPr>
-              <a:t>Further information</a:t>
+              <a:rPr lang="en-GB">
+                <a:latin typeface="Calibri" charset="0"/>
+              </a:rPr>
+              <a:t>The NCAS GitHub organisation</a:t>
             </a:r>
           </a:p>
         </p:txBody>
       </p:sp>
       <p:sp>
         <p:nvSpPr>
-          <p:cNvPr id="48131" name="Content Placeholder 2"/>
+          <p:cNvPr id="46083" name="Content Placeholder 2"/>
           <p:cNvSpPr>
             <a:spLocks noGrp="1"/>
           </p:cNvSpPr>
@@ -19592,17 +19870,12 @@
             <p:ph idx="1"/>
           </p:nvPr>
         </p:nvSpPr>
-        <p:spPr>
-          <a:xfrm>
-            <a:off x="457200" y="1412875"/>
-            <a:ext cx="8229600" cy="4525963"/>
-          </a:xfrm>
-        </p:spPr>
+        <p:spPr/>
         <p:txBody>
           <a:bodyPr/>
           <a:lstStyle/>
           <a:p>
-            <a:pPr>
+            <a:pPr marL="0" indent="0">
               <a:buFont typeface="Arial" charset="0"/>
               <a:buNone/>
             </a:pPr>
@@ -19610,11 +19883,11 @@
               <a:rPr lang="en-GB">
                 <a:latin typeface="Calibri" charset="0"/>
               </a:rPr>
-              <a:t>Git documentation:</a:t>
-            </a:r>
-          </a:p>
-          <a:p>
-            <a:pPr>
+              <a:t>An NCAS GitHub organisation has been set up.</a:t>
+            </a:r>
+          </a:p>
+          <a:p>
+            <a:pPr marL="0" indent="0">
               <a:buFont typeface="Arial" charset="0"/>
               <a:buNone/>
             </a:pPr>
@@ -19622,21 +19895,20 @@
               <a:rPr lang="en-GB">
                 <a:latin typeface="Calibri" charset="0"/>
               </a:rPr>
-              <a:t>	</a:t>
-            </a:r>
-            <a:r>
-              <a:rPr lang="en-GB">
-                <a:latin typeface="Calibri" charset="0"/>
-                <a:hlinkClick r:id="rId2"/>
-              </a:rPr>
-              <a:t>http://git-scm.com/documentation</a:t>
-            </a:r>
+              <a:t>This allows repositories to be set up that where users could share code when it has become a more formal collaboration.</a:t>
+            </a:r>
+          </a:p>
+          <a:p>
+            <a:pPr marL="0" indent="0">
+              <a:buFont typeface="Arial" charset="0"/>
+              <a:buNone/>
+            </a:pPr>
             <a:endParaRPr lang="en-GB">
               <a:latin typeface="Calibri" charset="0"/>
             </a:endParaRPr>
           </a:p>
           <a:p>
-            <a:pPr>
+            <a:pPr marL="0" indent="0">
               <a:buFont typeface="Arial" charset="0"/>
               <a:buNone/>
             </a:pPr>
@@ -19644,71 +19916,8 @@
               <a:rPr lang="en-GB">
                 <a:latin typeface="Calibri" charset="0"/>
               </a:rPr>
-              <a:t>Nice Git reference:</a:t>
-            </a:r>
-          </a:p>
-          <a:p>
-            <a:pPr>
-              <a:buFont typeface="Arial" charset="0"/>
-              <a:buNone/>
-            </a:pPr>
-            <a:r>
-              <a:rPr lang="en-GB">
-                <a:latin typeface="Calibri" charset="0"/>
-              </a:rPr>
-              <a:t>	</a:t>
-            </a:r>
-            <a:r>
-              <a:rPr lang="en-GB">
-                <a:latin typeface="Calibri" charset="0"/>
-                <a:hlinkClick r:id="rId3"/>
-              </a:rPr>
-              <a:t>http://gitref.org/</a:t>
-            </a:r>
-            <a:endParaRPr lang="en-GB">
-              <a:latin typeface="Calibri" charset="0"/>
-            </a:endParaRPr>
-          </a:p>
-          <a:p>
-            <a:pPr>
-              <a:buFont typeface="Arial" charset="0"/>
-              <a:buNone/>
-            </a:pPr>
-            <a:r>
-              <a:rPr lang="en-US">
-                <a:latin typeface="Calibri" charset="0"/>
-              </a:rPr>
-              <a:t>GitHub: </a:t>
-            </a:r>
-          </a:p>
-          <a:p>
-            <a:pPr>
-              <a:buFont typeface="Arial" charset="0"/>
-              <a:buNone/>
-            </a:pPr>
-            <a:r>
-              <a:rPr lang="en-US">
-                <a:latin typeface="Calibri" charset="0"/>
-              </a:rPr>
-              <a:t>	</a:t>
-            </a:r>
-            <a:r>
-              <a:rPr lang="en-US">
-                <a:latin typeface="Calibri" charset="0"/>
-                <a:hlinkClick r:id="rId4"/>
-              </a:rPr>
-              <a:t>http://github.com</a:t>
-            </a:r>
-            <a:r>
-              <a:rPr lang="en-US">
-                <a:latin typeface="Calibri" charset="0"/>
-                <a:hlinkClick r:id="rId5"/>
-              </a:rPr>
-              <a:t>/</a:t>
-            </a:r>
-            <a:endParaRPr lang="en-GB">
-              <a:latin typeface="Calibri" charset="0"/>
-            </a:endParaRPr>
+              <a:t>If you want to become part of the NCAS GitHub please contact Ag, James or Dan and send them your GitHub account ID.</a:t>
+            </a:r>
           </a:p>
         </p:txBody>
       </p:sp>
@@ -19717,13 +19926,6 @@
   <p:clrMapOvr>
     <a:masterClrMapping/>
   </p:clrMapOvr>
-  <p:timing>
-    <p:tnLst>
-      <p:par>
-        <p:cTn xmlns:p14="http://schemas.microsoft.com/office/powerpoint/2010/main" id="1" dur="indefinite" restart="never" nodeType="tmRoot"/>
-      </p:par>
-    </p:tnLst>
-  </p:timing>
 </p:sld>
 </file>
 
@@ -19892,6 +20094,192 @@
 </file>
 
 <file path=ppt/slides/slide40.xml><?xml version="1.0" encoding="utf-8"?>
+<p:sld xmlns:a="http://schemas.openxmlformats.org/drawingml/2006/main" xmlns:r="http://schemas.openxmlformats.org/officeDocument/2006/relationships" xmlns:p="http://schemas.openxmlformats.org/presentationml/2006/main">
+  <p:cSld>
+    <p:spTree>
+      <p:nvGrpSpPr>
+        <p:cNvPr id="1" name=""/>
+        <p:cNvGrpSpPr/>
+        <p:nvPr/>
+      </p:nvGrpSpPr>
+      <p:grpSpPr>
+        <a:xfrm>
+          <a:off x="0" y="0"/>
+          <a:ext cx="0" cy="0"/>
+          <a:chOff x="0" y="0"/>
+          <a:chExt cx="0" cy="0"/>
+        </a:xfrm>
+      </p:grpSpPr>
+      <p:sp>
+        <p:nvSpPr>
+          <p:cNvPr id="48130" name="Title 1"/>
+          <p:cNvSpPr>
+            <a:spLocks noGrp="1"/>
+          </p:cNvSpPr>
+          <p:nvPr>
+            <p:ph type="title"/>
+          </p:nvPr>
+        </p:nvSpPr>
+        <p:spPr/>
+        <p:txBody>
+          <a:bodyPr/>
+          <a:lstStyle/>
+          <a:p>
+            <a:r>
+              <a:rPr lang="en-GB" sz="4000" b="1">
+                <a:latin typeface="Calibri" charset="0"/>
+              </a:rPr>
+              <a:t>Further information</a:t>
+            </a:r>
+          </a:p>
+        </p:txBody>
+      </p:sp>
+      <p:sp>
+        <p:nvSpPr>
+          <p:cNvPr id="48131" name="Content Placeholder 2"/>
+          <p:cNvSpPr>
+            <a:spLocks noGrp="1"/>
+          </p:cNvSpPr>
+          <p:nvPr>
+            <p:ph idx="1"/>
+          </p:nvPr>
+        </p:nvSpPr>
+        <p:spPr>
+          <a:xfrm>
+            <a:off x="457200" y="1412875"/>
+            <a:ext cx="8229600" cy="4525963"/>
+          </a:xfrm>
+        </p:spPr>
+        <p:txBody>
+          <a:bodyPr/>
+          <a:lstStyle/>
+          <a:p>
+            <a:pPr>
+              <a:buFont typeface="Arial" charset="0"/>
+              <a:buNone/>
+            </a:pPr>
+            <a:r>
+              <a:rPr lang="en-GB">
+                <a:latin typeface="Calibri" charset="0"/>
+              </a:rPr>
+              <a:t>Git documentation:</a:t>
+            </a:r>
+          </a:p>
+          <a:p>
+            <a:pPr>
+              <a:buFont typeface="Arial" charset="0"/>
+              <a:buNone/>
+            </a:pPr>
+            <a:r>
+              <a:rPr lang="en-GB">
+                <a:latin typeface="Calibri" charset="0"/>
+              </a:rPr>
+              <a:t>	</a:t>
+            </a:r>
+            <a:r>
+              <a:rPr lang="en-GB">
+                <a:latin typeface="Calibri" charset="0"/>
+                <a:hlinkClick r:id="rId2"/>
+              </a:rPr>
+              <a:t>http://git-scm.com/documentation</a:t>
+            </a:r>
+            <a:endParaRPr lang="en-GB">
+              <a:latin typeface="Calibri" charset="0"/>
+            </a:endParaRPr>
+          </a:p>
+          <a:p>
+            <a:pPr>
+              <a:buFont typeface="Arial" charset="0"/>
+              <a:buNone/>
+            </a:pPr>
+            <a:r>
+              <a:rPr lang="en-GB">
+                <a:latin typeface="Calibri" charset="0"/>
+              </a:rPr>
+              <a:t>Nice Git reference:</a:t>
+            </a:r>
+          </a:p>
+          <a:p>
+            <a:pPr>
+              <a:buFont typeface="Arial" charset="0"/>
+              <a:buNone/>
+            </a:pPr>
+            <a:r>
+              <a:rPr lang="en-GB">
+                <a:latin typeface="Calibri" charset="0"/>
+              </a:rPr>
+              <a:t>	</a:t>
+            </a:r>
+            <a:r>
+              <a:rPr lang="en-GB">
+                <a:latin typeface="Calibri" charset="0"/>
+                <a:hlinkClick r:id="rId3"/>
+              </a:rPr>
+              <a:t>http://gitref.org/</a:t>
+            </a:r>
+            <a:endParaRPr lang="en-GB">
+              <a:latin typeface="Calibri" charset="0"/>
+            </a:endParaRPr>
+          </a:p>
+          <a:p>
+            <a:pPr>
+              <a:buFont typeface="Arial" charset="0"/>
+              <a:buNone/>
+            </a:pPr>
+            <a:r>
+              <a:rPr lang="en-US">
+                <a:latin typeface="Calibri" charset="0"/>
+              </a:rPr>
+              <a:t>GitHub: </a:t>
+            </a:r>
+          </a:p>
+          <a:p>
+            <a:pPr>
+              <a:buFont typeface="Arial" charset="0"/>
+              <a:buNone/>
+            </a:pPr>
+            <a:r>
+              <a:rPr lang="en-US">
+                <a:latin typeface="Calibri" charset="0"/>
+              </a:rPr>
+              <a:t>	</a:t>
+            </a:r>
+            <a:r>
+              <a:rPr lang="en-US">
+                <a:latin typeface="Calibri" charset="0"/>
+                <a:hlinkClick r:id="rId4"/>
+              </a:rPr>
+              <a:t>http://github.com</a:t>
+            </a:r>
+            <a:r>
+              <a:rPr lang="en-US">
+                <a:latin typeface="Calibri" charset="0"/>
+                <a:hlinkClick r:id="rId5"/>
+              </a:rPr>
+              <a:t>/</a:t>
+            </a:r>
+            <a:endParaRPr lang="en-GB">
+              <a:latin typeface="Calibri" charset="0"/>
+            </a:endParaRPr>
+          </a:p>
+        </p:txBody>
+      </p:sp>
+    </p:spTree>
+  </p:cSld>
+  <p:clrMapOvr>
+    <a:masterClrMapping/>
+  </p:clrMapOvr>
+  <p:timing>
+    <p:tnLst>
+      <p:par>
+        <p:cTn xmlns:p14="http://schemas.microsoft.com/office/powerpoint/2010/main" id="1" dur="indefinite" restart="never" nodeType="tmRoot"/>
+      </p:par>
+    </p:tnLst>
+  </p:timing>
+</p:sld>
+</file>
+
+<file path=ppt/slides/slide41.xml><?xml version="1.0" encoding="utf-8"?>
 <p:sld xmlns:a="http://schemas.openxmlformats.org/drawingml/2006/main" xmlns:r="http://schemas.openxmlformats.org/officeDocument/2006/relationships" xmlns:p="http://schemas.openxmlformats.org/presentationml/2006/main">
   <p:cSld>
     <p:spTree>

--- a/shell/presentations/01_git2.pptx
+++ b/shell/presentations/01_git2.pptx
@@ -37,11 +37,11 @@
     <p:sldId id="545" r:id="rId28"/>
     <p:sldId id="548" r:id="rId29"/>
     <p:sldId id="550" r:id="rId30"/>
-    <p:sldId id="549" r:id="rId31"/>
-    <p:sldId id="551" r:id="rId32"/>
-    <p:sldId id="552" r:id="rId33"/>
-    <p:sldId id="553" r:id="rId34"/>
-    <p:sldId id="554" r:id="rId35"/>
+    <p:sldId id="551" r:id="rId31"/>
+    <p:sldId id="552" r:id="rId32"/>
+    <p:sldId id="553" r:id="rId33"/>
+    <p:sldId id="554" r:id="rId34"/>
+    <p:sldId id="549" r:id="rId35"/>
     <p:sldId id="496" r:id="rId36"/>
     <p:sldId id="492" r:id="rId37"/>
     <p:sldId id="491" r:id="rId38"/>
@@ -277,7 +277,7 @@
             <a:fld id="{17F80633-BAA2-0049-BDEC-E483C21777A6}" type="datetimeFigureOut">
               <a:rPr lang="en-GB"/>
               <a:pPr/>
-              <a:t>24/02/17</a:t>
+              <a:t>27/02/17</a:t>
             </a:fld>
             <a:endParaRPr lang="en-GB"/>
           </a:p>
@@ -4503,7 +4503,7 @@
             <a:fld id="{B7A367C5-1E2C-CB49-90C2-50C3BE82679A}" type="datetimeFigureOut">
               <a:rPr lang="en-GB"/>
               <a:pPr/>
-              <a:t>24/02/17</a:t>
+              <a:t>27/02/17</a:t>
             </a:fld>
             <a:endParaRPr lang="en-GB"/>
           </a:p>
@@ -4690,7 +4690,7 @@
             <a:fld id="{1AF0192A-B5CE-2E46-846F-9DA536A07A6F}" type="datetimeFigureOut">
               <a:rPr lang="en-GB"/>
               <a:pPr/>
-              <a:t>24/02/17</a:t>
+              <a:t>27/02/17</a:t>
             </a:fld>
             <a:endParaRPr lang="en-GB"/>
           </a:p>
@@ -4887,7 +4887,7 @@
             <a:fld id="{14964D74-F6FD-584B-8773-DA379A568572}" type="datetimeFigureOut">
               <a:rPr lang="en-GB"/>
               <a:pPr/>
-              <a:t>24/02/17</a:t>
+              <a:t>27/02/17</a:t>
             </a:fld>
             <a:endParaRPr lang="en-GB"/>
           </a:p>
@@ -5074,7 +5074,7 @@
             <a:fld id="{FA908017-0343-2E4A-A971-A34E43823FE2}" type="datetimeFigureOut">
               <a:rPr lang="en-GB"/>
               <a:pPr/>
-              <a:t>24/02/17</a:t>
+              <a:t>27/02/17</a:t>
             </a:fld>
             <a:endParaRPr lang="en-GB"/>
           </a:p>
@@ -5337,7 +5337,7 @@
             <a:fld id="{7262627B-B807-9440-AD38-D8B4DA6F586E}" type="datetimeFigureOut">
               <a:rPr lang="en-GB"/>
               <a:pPr/>
-              <a:t>24/02/17</a:t>
+              <a:t>27/02/17</a:t>
             </a:fld>
             <a:endParaRPr lang="en-GB"/>
           </a:p>
@@ -5642,7 +5642,7 @@
             <a:fld id="{96AD9194-77F4-8A47-892A-B7B6CD36162F}" type="datetimeFigureOut">
               <a:rPr lang="en-GB"/>
               <a:pPr/>
-              <a:t>24/02/17</a:t>
+              <a:t>27/02/17</a:t>
             </a:fld>
             <a:endParaRPr lang="en-GB"/>
           </a:p>
@@ -6081,7 +6081,7 @@
             <a:fld id="{AA9A3B28-0B63-874E-ACA7-CC8A68737EB4}" type="datetimeFigureOut">
               <a:rPr lang="en-GB"/>
               <a:pPr/>
-              <a:t>24/02/17</a:t>
+              <a:t>27/02/17</a:t>
             </a:fld>
             <a:endParaRPr lang="en-GB"/>
           </a:p>
@@ -6216,7 +6216,7 @@
             <a:fld id="{91345AEA-5A42-614B-8C2F-EAF77C40756C}" type="datetimeFigureOut">
               <a:rPr lang="en-GB"/>
               <a:pPr/>
-              <a:t>24/02/17</a:t>
+              <a:t>27/02/17</a:t>
             </a:fld>
             <a:endParaRPr lang="en-GB"/>
           </a:p>
@@ -6328,7 +6328,7 @@
             <a:fld id="{F967FF78-FFF3-D94C-8CB8-21E3487233EA}" type="datetimeFigureOut">
               <a:rPr lang="en-GB"/>
               <a:pPr/>
-              <a:t>24/02/17</a:t>
+              <a:t>27/02/17</a:t>
             </a:fld>
             <a:endParaRPr lang="en-GB"/>
           </a:p>
@@ -6622,7 +6622,7 @@
             <a:fld id="{9F21DFAE-376C-6746-8A99-31F1B1243D38}" type="datetimeFigureOut">
               <a:rPr lang="en-GB"/>
               <a:pPr/>
-              <a:t>24/02/17</a:t>
+              <a:t>27/02/17</a:t>
             </a:fld>
             <a:endParaRPr lang="en-GB"/>
           </a:p>
@@ -6895,7 +6895,7 @@
             <a:fld id="{9CC96C97-DE49-4347-998C-7CD167784C4D}" type="datetimeFigureOut">
               <a:rPr lang="en-GB"/>
               <a:pPr/>
-              <a:t>24/02/17</a:t>
+              <a:t>27/02/17</a:t>
             </a:fld>
             <a:endParaRPr lang="en-GB"/>
           </a:p>
@@ -7184,7 +7184,7 @@
             <a:fld id="{EC40E7FB-B30A-A942-A21D-EE0E54040989}" type="datetimeFigureOut">
               <a:rPr lang="en-GB"/>
               <a:pPr/>
-              <a:t>24/02/17</a:t>
+              <a:t>27/02/17</a:t>
             </a:fld>
             <a:endParaRPr lang="en-GB"/>
           </a:p>
@@ -11527,8 +11527,8 @@
         </p:nvSpPr>
         <p:spPr>
           <a:xfrm>
-            <a:off x="457200" y="1600201"/>
-            <a:ext cx="8229600" cy="4292600"/>
+            <a:off x="457200" y="1600200"/>
+            <a:ext cx="8229600" cy="4394199"/>
           </a:xfrm>
         </p:spPr>
         <p:style>
@@ -11562,13 +11562,19 @@
               <a:t>$ </a:t>
             </a:r>
             <a:r>
-              <a:rPr lang="en-US" sz="1800" dirty="0" err="1">
+              <a:rPr lang="en-US" sz="1800" b="1" dirty="0" err="1">
+                <a:solidFill>
+                  <a:srgbClr val="FFFF00"/>
+                </a:solidFill>
                 <a:latin typeface="Courier"/>
                 <a:cs typeface="Courier"/>
               </a:rPr>
               <a:t>ls</a:t>
             </a:r>
-            <a:endParaRPr lang="en-US" sz="1800" dirty="0">
+            <a:endParaRPr lang="en-US" sz="1800" b="1" dirty="0">
+              <a:solidFill>
+                <a:srgbClr val="FFFF00"/>
+              </a:solidFill>
               <a:latin typeface="Courier"/>
               <a:cs typeface="Courier"/>
             </a:endParaRPr>
@@ -11597,27 +11603,39 @@
               <a:t>$ </a:t>
             </a:r>
             <a:r>
-              <a:rPr lang="en-US" sz="1800" dirty="0" err="1">
+              <a:rPr lang="en-US" sz="1800" b="1" dirty="0" err="1">
+                <a:solidFill>
+                  <a:srgbClr val="FFFF00"/>
+                </a:solidFill>
                 <a:latin typeface="Courier"/>
                 <a:cs typeface="Courier"/>
               </a:rPr>
               <a:t>git</a:t>
             </a:r>
             <a:r>
-              <a:rPr lang="en-US" sz="1800" dirty="0">
+              <a:rPr lang="en-US" sz="1800" b="1" dirty="0">
+                <a:solidFill>
+                  <a:srgbClr val="FFFF00"/>
+                </a:solidFill>
                 <a:latin typeface="Courier"/>
                 <a:cs typeface="Courier"/>
               </a:rPr>
               <a:t> </a:t>
             </a:r>
             <a:r>
-              <a:rPr lang="en-US" sz="1800" dirty="0" err="1">
+              <a:rPr lang="en-US" sz="1800" b="1" dirty="0" err="1">
+                <a:solidFill>
+                  <a:srgbClr val="FFFF00"/>
+                </a:solidFill>
                 <a:latin typeface="Courier"/>
                 <a:cs typeface="Courier"/>
               </a:rPr>
               <a:t>init</a:t>
             </a:r>
-            <a:endParaRPr lang="en-US" sz="1800" dirty="0">
+            <a:endParaRPr lang="en-US" sz="1800" b="1" dirty="0">
+              <a:solidFill>
+                <a:srgbClr val="FFFF00"/>
+              </a:solidFill>
               <a:latin typeface="Courier"/>
               <a:cs typeface="Courier"/>
             </a:endParaRPr>
@@ -11702,14 +11720,20 @@
               <a:t>$ </a:t>
             </a:r>
             <a:r>
-              <a:rPr lang="en-US" sz="1800" dirty="0" err="1">
+              <a:rPr lang="en-US" sz="1800" b="1" dirty="0" err="1">
+                <a:solidFill>
+                  <a:srgbClr val="FFFF00"/>
+                </a:solidFill>
                 <a:latin typeface="Courier"/>
                 <a:cs typeface="Courier"/>
               </a:rPr>
               <a:t>git</a:t>
             </a:r>
             <a:r>
-              <a:rPr lang="en-US" sz="1800" dirty="0">
+              <a:rPr lang="en-US" sz="1800" b="1" dirty="0">
+                <a:solidFill>
+                  <a:srgbClr val="FFFF00"/>
+                </a:solidFill>
                 <a:latin typeface="Courier"/>
                 <a:cs typeface="Courier"/>
               </a:rPr>
@@ -11728,33 +11752,62 @@
               <a:t>$ </a:t>
             </a:r>
             <a:r>
-              <a:rPr lang="en-US" sz="1800" dirty="0" err="1">
+              <a:rPr lang="en-US" sz="1800" b="1" dirty="0" err="1">
+                <a:solidFill>
+                  <a:srgbClr val="FFFF00"/>
+                </a:solidFill>
                 <a:latin typeface="Courier"/>
                 <a:cs typeface="Courier"/>
               </a:rPr>
               <a:t>git</a:t>
             </a:r>
             <a:r>
-              <a:rPr lang="en-US" sz="1800" dirty="0">
-                <a:latin typeface="Courier"/>
-                <a:cs typeface="Courier"/>
-              </a:rPr>
-              <a:t> commit -</a:t>
-            </a:r>
-            <a:r>
-              <a:rPr lang="en-US" sz="1800" dirty="0" err="1">
-                <a:latin typeface="Courier"/>
-                <a:cs typeface="Courier"/>
-              </a:rPr>
-              <a:t>m'i</a:t>
-            </a:r>
-            <a:r>
-              <a:rPr lang="en-US" sz="1800" dirty="0">
-                <a:latin typeface="Courier"/>
-                <a:cs typeface="Courier"/>
-              </a:rPr>
-              <a:t>'</a:t>
-            </a:r>
+              <a:rPr lang="en-US" sz="1800" b="1" dirty="0">
+                <a:solidFill>
+                  <a:srgbClr val="FFFF00"/>
+                </a:solidFill>
+                <a:latin typeface="Courier"/>
+                <a:cs typeface="Courier"/>
+              </a:rPr>
+              <a:t> commit </a:t>
+            </a:r>
+            <a:r>
+              <a:rPr lang="mr-IN" sz="1800" b="1" dirty="0" smtClean="0">
+                <a:solidFill>
+                  <a:srgbClr val="FFFF00"/>
+                </a:solidFill>
+                <a:latin typeface="Courier"/>
+                <a:cs typeface="Courier"/>
+              </a:rPr>
+              <a:t>–</a:t>
+            </a:r>
+            <a:r>
+              <a:rPr lang="en-US" sz="1800" b="1" dirty="0" err="1" smtClean="0">
+                <a:solidFill>
+                  <a:srgbClr val="FFFF00"/>
+                </a:solidFill>
+                <a:latin typeface="Courier"/>
+                <a:cs typeface="Courier"/>
+              </a:rPr>
+              <a:t>m’Initial</a:t>
+            </a:r>
+            <a:r>
+              <a:rPr lang="en-US" sz="1800" b="1" dirty="0" smtClean="0">
+                <a:solidFill>
+                  <a:srgbClr val="FFFF00"/>
+                </a:solidFill>
+                <a:latin typeface="Courier"/>
+                <a:cs typeface="Courier"/>
+              </a:rPr>
+              <a:t> commit from existing files'</a:t>
+            </a:r>
+            <a:endParaRPr lang="en-US" sz="1800" b="1" dirty="0">
+              <a:solidFill>
+                <a:srgbClr val="FFFF00"/>
+              </a:solidFill>
+              <a:latin typeface="Courier"/>
+              <a:cs typeface="Courier"/>
+            </a:endParaRPr>
           </a:p>
           <a:p>
             <a:pPr marL="0" indent="0">
@@ -11768,11 +11821,18 @@
               <a:t>[master (root-commit) 71ecfcf] </a:t>
             </a:r>
             <a:r>
-              <a:rPr lang="en-US" sz="1800" dirty="0" err="1">
-                <a:latin typeface="Courier"/>
-                <a:cs typeface="Courier"/>
-              </a:rPr>
-              <a:t>i</a:t>
+              <a:rPr lang="en-US" sz="1800" dirty="0" smtClean="0">
+                <a:latin typeface="Courier"/>
+                <a:cs typeface="Courier"/>
+              </a:rPr>
+              <a:t>Initial </a:t>
+            </a:r>
+            <a:r>
+              <a:rPr lang="en-US" sz="1800" dirty="0">
+                <a:latin typeface="Courier"/>
+                <a:cs typeface="Courier"/>
+              </a:rPr>
+              <a:t>commit from existing files</a:t>
             </a:r>
             <a:endParaRPr lang="en-US" sz="1800" dirty="0">
               <a:latin typeface="Courier"/>
@@ -17091,154 +17151,6 @@
           <a:p>
             <a:r>
               <a:rPr lang="en-US" dirty="0" smtClean="0"/>
-              <a:t>Exercise</a:t>
-            </a:r>
-            <a:endParaRPr lang="en-US" dirty="0"/>
-          </a:p>
-        </p:txBody>
-      </p:sp>
-      <p:sp>
-        <p:nvSpPr>
-          <p:cNvPr id="3" name="Content Placeholder 2"/>
-          <p:cNvSpPr>
-            <a:spLocks noGrp="1"/>
-          </p:cNvSpPr>
-          <p:nvPr>
-            <p:ph idx="1"/>
-          </p:nvPr>
-        </p:nvSpPr>
-        <p:spPr/>
-        <p:style>
-          <a:lnRef idx="0">
-            <a:schemeClr val="accent1"/>
-          </a:lnRef>
-          <a:fillRef idx="3">
-            <a:schemeClr val="accent1"/>
-          </a:fillRef>
-          <a:effectRef idx="3">
-            <a:schemeClr val="accent1"/>
-          </a:effectRef>
-          <a:fontRef idx="minor">
-            <a:schemeClr val="lt1"/>
-          </a:fontRef>
-        </p:style>
-        <p:txBody>
-          <a:bodyPr/>
-          <a:lstStyle/>
-          <a:p>
-            <a:r>
-              <a:rPr lang="en-US" dirty="0" smtClean="0"/>
-              <a:t>Make a new directory in your cloned repo and a new file containing a few lines of text. </a:t>
-            </a:r>
-          </a:p>
-          <a:p>
-            <a:r>
-              <a:rPr lang="en-US" dirty="0" smtClean="0"/>
-              <a:t>Add the file and directory to your local repo with “</a:t>
-            </a:r>
-            <a:r>
-              <a:rPr lang="en-US" dirty="0" err="1" smtClean="0"/>
-              <a:t>git</a:t>
-            </a:r>
-            <a:r>
-              <a:rPr lang="en-US" dirty="0" smtClean="0"/>
-              <a:t> add”</a:t>
-            </a:r>
-          </a:p>
-          <a:p>
-            <a:r>
-              <a:rPr lang="en-US" dirty="0" smtClean="0"/>
-              <a:t>Commit the changes with “</a:t>
-            </a:r>
-            <a:r>
-              <a:rPr lang="en-US" dirty="0" err="1" smtClean="0"/>
-              <a:t>git</a:t>
-            </a:r>
-            <a:r>
-              <a:rPr lang="en-US" dirty="0" smtClean="0"/>
-              <a:t> commit”. Remember to add a </a:t>
-            </a:r>
-            <a:r>
-              <a:rPr lang="mr-IN" dirty="0" smtClean="0"/>
-              <a:t>–</a:t>
-            </a:r>
-            <a:r>
-              <a:rPr lang="en-US" dirty="0" smtClean="0"/>
-              <a:t>m message.</a:t>
-            </a:r>
-          </a:p>
-          <a:p>
-            <a:r>
-              <a:rPr lang="en-US" dirty="0" smtClean="0"/>
-              <a:t>Use “</a:t>
-            </a:r>
-            <a:r>
-              <a:rPr lang="en-US" dirty="0" err="1" smtClean="0"/>
-              <a:t>git</a:t>
-            </a:r>
-            <a:r>
-              <a:rPr lang="en-US" dirty="0" smtClean="0"/>
-              <a:t> push” to update </a:t>
-            </a:r>
-            <a:r>
-              <a:rPr lang="en-US" dirty="0" err="1" smtClean="0"/>
-              <a:t>Github</a:t>
-            </a:r>
-            <a:r>
-              <a:rPr lang="en-US" dirty="0" smtClean="0"/>
-              <a:t>. </a:t>
-            </a:r>
-            <a:endParaRPr lang="en-US" dirty="0"/>
-          </a:p>
-        </p:txBody>
-      </p:sp>
-    </p:spTree>
-    <p:extLst>
-      <p:ext uri="{BB962C8B-B14F-4D97-AF65-F5344CB8AC3E}">
-        <p14:creationId xmlns:p14="http://schemas.microsoft.com/office/powerpoint/2010/main" val="1951579686"/>
-      </p:ext>
-    </p:extLst>
-  </p:cSld>
-  <p:clrMapOvr>
-    <a:masterClrMapping/>
-  </p:clrMapOvr>
-</p:sld>
-</file>
-
-<file path=ppt/slides/slide31.xml><?xml version="1.0" encoding="utf-8"?>
-<p:sld xmlns:a="http://schemas.openxmlformats.org/drawingml/2006/main" xmlns:r="http://schemas.openxmlformats.org/officeDocument/2006/relationships" xmlns:p="http://schemas.openxmlformats.org/presentationml/2006/main">
-  <p:cSld>
-    <p:spTree>
-      <p:nvGrpSpPr>
-        <p:cNvPr id="1" name=""/>
-        <p:cNvGrpSpPr/>
-        <p:nvPr/>
-      </p:nvGrpSpPr>
-      <p:grpSpPr>
-        <a:xfrm>
-          <a:off x="0" y="0"/>
-          <a:ext cx="0" cy="0"/>
-          <a:chOff x="0" y="0"/>
-          <a:chExt cx="0" cy="0"/>
-        </a:xfrm>
-      </p:grpSpPr>
-      <p:sp>
-        <p:nvSpPr>
-          <p:cNvPr id="2" name="Title 1"/>
-          <p:cNvSpPr>
-            <a:spLocks noGrp="1"/>
-          </p:cNvSpPr>
-          <p:nvPr>
-            <p:ph type="title"/>
-          </p:nvPr>
-        </p:nvSpPr>
-        <p:spPr/>
-        <p:txBody>
-          <a:bodyPr/>
-          <a:lstStyle/>
-          <a:p>
-            <a:r>
-              <a:rPr lang="en-US" dirty="0" smtClean="0"/>
               <a:t>Working with other people</a:t>
             </a:r>
             <a:endParaRPr lang="en-US" dirty="0"/>
@@ -17742,7 +17654,7 @@
 </p:sld>
 </file>
 
-<file path=ppt/slides/slide32.xml><?xml version="1.0" encoding="utf-8"?>
+<file path=ppt/slides/slide31.xml><?xml version="1.0" encoding="utf-8"?>
 <p:sld xmlns:a="http://schemas.openxmlformats.org/drawingml/2006/main" xmlns:r="http://schemas.openxmlformats.org/officeDocument/2006/relationships" xmlns:p="http://schemas.openxmlformats.org/presentationml/2006/main">
   <p:cSld>
     <p:spTree>
@@ -18084,6 +17996,283 @@
     <p:extLst>
       <p:ext uri="{BB962C8B-B14F-4D97-AF65-F5344CB8AC3E}">
         <p14:creationId xmlns:p14="http://schemas.microsoft.com/office/powerpoint/2010/main" val="1320198394"/>
+      </p:ext>
+    </p:extLst>
+  </p:cSld>
+  <p:clrMapOvr>
+    <a:masterClrMapping/>
+  </p:clrMapOvr>
+</p:sld>
+</file>
+
+<file path=ppt/slides/slide32.xml><?xml version="1.0" encoding="utf-8"?>
+<p:sld xmlns:a="http://schemas.openxmlformats.org/drawingml/2006/main" xmlns:r="http://schemas.openxmlformats.org/officeDocument/2006/relationships" xmlns:p="http://schemas.openxmlformats.org/presentationml/2006/main">
+  <p:cSld>
+    <p:spTree>
+      <p:nvGrpSpPr>
+        <p:cNvPr id="1" name=""/>
+        <p:cNvGrpSpPr/>
+        <p:nvPr/>
+      </p:nvGrpSpPr>
+      <p:grpSpPr>
+        <a:xfrm>
+          <a:off x="0" y="0"/>
+          <a:ext cx="0" cy="0"/>
+          <a:chOff x="0" y="0"/>
+          <a:chExt cx="0" cy="0"/>
+        </a:xfrm>
+      </p:grpSpPr>
+      <p:sp>
+        <p:nvSpPr>
+          <p:cNvPr id="2" name="Title 1"/>
+          <p:cNvSpPr>
+            <a:spLocks noGrp="1"/>
+          </p:cNvSpPr>
+          <p:nvPr>
+            <p:ph type="title"/>
+          </p:nvPr>
+        </p:nvSpPr>
+        <p:spPr/>
+        <p:txBody>
+          <a:bodyPr/>
+          <a:lstStyle/>
+          <a:p>
+            <a:r>
+              <a:rPr lang="en-US" dirty="0" smtClean="0"/>
+              <a:t>Black Bob downloads changes using </a:t>
+            </a:r>
+            <a:r>
+              <a:rPr lang="en-US" dirty="0" err="1" smtClean="0"/>
+              <a:t>git</a:t>
+            </a:r>
+            <a:r>
+              <a:rPr lang="en-US" dirty="0" smtClean="0"/>
+              <a:t> pull </a:t>
+            </a:r>
+            <a:endParaRPr lang="en-US" dirty="0"/>
+          </a:p>
+        </p:txBody>
+      </p:sp>
+      <p:sp>
+        <p:nvSpPr>
+          <p:cNvPr id="3" name="Content Placeholder 2"/>
+          <p:cNvSpPr>
+            <a:spLocks noGrp="1"/>
+          </p:cNvSpPr>
+          <p:nvPr>
+            <p:ph idx="1"/>
+          </p:nvPr>
+        </p:nvSpPr>
+        <p:spPr/>
+        <p:style>
+          <a:lnRef idx="2">
+            <a:schemeClr val="dk1">
+              <a:shade val="50000"/>
+            </a:schemeClr>
+          </a:lnRef>
+          <a:fillRef idx="1">
+            <a:schemeClr val="dk1"/>
+          </a:fillRef>
+          <a:effectRef idx="0">
+            <a:schemeClr val="dk1"/>
+          </a:effectRef>
+          <a:fontRef idx="minor">
+            <a:schemeClr val="lt1"/>
+          </a:fontRef>
+        </p:style>
+        <p:txBody>
+          <a:bodyPr/>
+          <a:lstStyle/>
+          <a:p>
+            <a:pPr marL="0" indent="0">
+              <a:buNone/>
+            </a:pPr>
+            <a:r>
+              <a:rPr lang="en-US" sz="1800" dirty="0">
+                <a:latin typeface="Courier"/>
+                <a:cs typeface="Courier"/>
+              </a:rPr>
+              <a:t>$ </a:t>
+            </a:r>
+            <a:r>
+              <a:rPr lang="en-US" sz="1800" b="1" dirty="0" err="1">
+                <a:solidFill>
+                  <a:srgbClr val="FFFF00"/>
+                </a:solidFill>
+                <a:latin typeface="Courier"/>
+                <a:cs typeface="Courier"/>
+              </a:rPr>
+              <a:t>git</a:t>
+            </a:r>
+            <a:r>
+              <a:rPr lang="en-US" sz="1800" b="1" dirty="0">
+                <a:solidFill>
+                  <a:srgbClr val="FFFF00"/>
+                </a:solidFill>
+                <a:latin typeface="Courier"/>
+                <a:cs typeface="Courier"/>
+              </a:rPr>
+              <a:t> pull</a:t>
+            </a:r>
+          </a:p>
+          <a:p>
+            <a:pPr marL="0" indent="0">
+              <a:buNone/>
+            </a:pPr>
+            <a:r>
+              <a:rPr lang="en-US" sz="1800" dirty="0">
+                <a:latin typeface="Courier"/>
+                <a:cs typeface="Courier"/>
+              </a:rPr>
+              <a:t>remote: Counting objects: 3, done.</a:t>
+            </a:r>
+          </a:p>
+          <a:p>
+            <a:pPr marL="0" indent="0">
+              <a:buNone/>
+            </a:pPr>
+            <a:r>
+              <a:rPr lang="en-US" sz="1800" dirty="0">
+                <a:latin typeface="Courier"/>
+                <a:cs typeface="Courier"/>
+              </a:rPr>
+              <a:t>remote: Compressing objects: 100% (1/1), done.</a:t>
+            </a:r>
+          </a:p>
+          <a:p>
+            <a:pPr marL="0" indent="0">
+              <a:buNone/>
+            </a:pPr>
+            <a:r>
+              <a:rPr lang="en-US" sz="1800" dirty="0">
+                <a:latin typeface="Courier"/>
+                <a:cs typeface="Courier"/>
+              </a:rPr>
+              <a:t>remote: Total 3 (delta 1), reused 3 (delta 1), pack-reused 0</a:t>
+            </a:r>
+          </a:p>
+          <a:p>
+            <a:pPr marL="0" indent="0">
+              <a:buNone/>
+            </a:pPr>
+            <a:r>
+              <a:rPr lang="en-US" sz="1800" dirty="0">
+                <a:latin typeface="Courier"/>
+                <a:cs typeface="Courier"/>
+              </a:rPr>
+              <a:t>Unpacking objects: 100% (3/3), done.</a:t>
+            </a:r>
+          </a:p>
+          <a:p>
+            <a:pPr marL="0" indent="0">
+              <a:buNone/>
+            </a:pPr>
+            <a:r>
+              <a:rPr lang="en-US" sz="1800" dirty="0">
+                <a:latin typeface="Courier"/>
+                <a:cs typeface="Courier"/>
+              </a:rPr>
+              <a:t>From </a:t>
+            </a:r>
+            <a:r>
+              <a:rPr lang="en-US" sz="1800" dirty="0" err="1">
+                <a:latin typeface="Courier"/>
+                <a:cs typeface="Courier"/>
+              </a:rPr>
+              <a:t>github.com:spepler</a:t>
+            </a:r>
+            <a:r>
+              <a:rPr lang="en-US" sz="1800" dirty="0">
+                <a:latin typeface="Courier"/>
+                <a:cs typeface="Courier"/>
+              </a:rPr>
+              <a:t>/</a:t>
+            </a:r>
+            <a:r>
+              <a:rPr lang="en-US" sz="1800" dirty="0" err="1">
+                <a:latin typeface="Courier"/>
+                <a:cs typeface="Courier"/>
+              </a:rPr>
+              <a:t>ncas-isc</a:t>
+            </a:r>
+            <a:endParaRPr lang="en-US" sz="1800" dirty="0">
+              <a:latin typeface="Courier"/>
+              <a:cs typeface="Courier"/>
+            </a:endParaRPr>
+          </a:p>
+          <a:p>
+            <a:pPr marL="0" indent="0">
+              <a:buNone/>
+            </a:pPr>
+            <a:r>
+              <a:rPr lang="mr-IN" sz="1800" dirty="0">
+                <a:latin typeface="Courier"/>
+                <a:cs typeface="Courier"/>
+              </a:rPr>
+              <a:t>   fe70026..d274491  master     -&gt; origin/master</a:t>
+            </a:r>
+          </a:p>
+          <a:p>
+            <a:pPr marL="0" indent="0">
+              <a:buNone/>
+            </a:pPr>
+            <a:r>
+              <a:rPr lang="en-US" sz="1800" dirty="0">
+                <a:latin typeface="Courier"/>
+                <a:cs typeface="Courier"/>
+              </a:rPr>
+              <a:t>Updating fe70026..d274491</a:t>
+            </a:r>
+          </a:p>
+          <a:p>
+            <a:pPr marL="0" indent="0">
+              <a:buNone/>
+            </a:pPr>
+            <a:r>
+              <a:rPr lang="en-US" sz="1800" dirty="0">
+                <a:latin typeface="Courier"/>
+                <a:cs typeface="Courier"/>
+              </a:rPr>
+              <a:t>Fast-forward</a:t>
+            </a:r>
+          </a:p>
+          <a:p>
+            <a:pPr marL="0" indent="0">
+              <a:buNone/>
+            </a:pPr>
+            <a:r>
+              <a:rPr lang="hr-HR" sz="1800" dirty="0">
+                <a:latin typeface="Courier"/>
+                <a:cs typeface="Courier"/>
+              </a:rPr>
+              <a:t> hello.txt | 1 +</a:t>
+            </a:r>
+          </a:p>
+          <a:p>
+            <a:pPr marL="0" indent="0">
+              <a:buNone/>
+            </a:pPr>
+            <a:r>
+              <a:rPr lang="en-US" sz="1800" dirty="0">
+                <a:latin typeface="Courier"/>
+                <a:cs typeface="Courier"/>
+              </a:rPr>
+              <a:t> 1 file changed, 1 insertion(</a:t>
+            </a:r>
+            <a:r>
+              <a:rPr lang="en-US" sz="1800" dirty="0" smtClean="0">
+                <a:latin typeface="Courier"/>
+                <a:cs typeface="Courier"/>
+              </a:rPr>
+              <a:t>+)</a:t>
+            </a:r>
+          </a:p>
+        </p:txBody>
+      </p:sp>
+    </p:spTree>
+    <p:extLst>
+      <p:ext uri="{BB962C8B-B14F-4D97-AF65-F5344CB8AC3E}">
+        <p14:creationId xmlns:p14="http://schemas.microsoft.com/office/powerpoint/2010/main" val="9053277"/>
       </p:ext>
     </p:extLst>
   </p:cSld>
@@ -18127,27 +18316,7 @@
           <a:p>
             <a:r>
               <a:rPr lang="en-US" dirty="0" smtClean="0"/>
-              <a:t>Black </a:t>
-            </a:r>
-            <a:r>
-              <a:rPr lang="en-US" dirty="0" smtClean="0"/>
-              <a:t>Bob </a:t>
-            </a:r>
-            <a:r>
-              <a:rPr lang="en-US" dirty="0" smtClean="0"/>
-              <a:t>downloads changes </a:t>
-            </a:r>
-            <a:r>
-              <a:rPr lang="en-US" dirty="0" smtClean="0"/>
-              <a:t>using </a:t>
-            </a:r>
-            <a:r>
-              <a:rPr lang="en-US" dirty="0" err="1" smtClean="0"/>
-              <a:t>git</a:t>
-            </a:r>
-            <a:r>
-              <a:rPr lang="en-US" dirty="0" smtClean="0"/>
-              <a:t> pull </a:t>
+              <a:t>Black Bob looks at change log</a:t>
             </a:r>
             <a:endParaRPr lang="en-US" dirty="0"/>
           </a:p>
@@ -18188,31 +18357,48 @@
               <a:buNone/>
             </a:pPr>
             <a:r>
+              <a:rPr lang="en-US" sz="1800" dirty="0" smtClean="0">
+                <a:latin typeface="Courier"/>
+                <a:cs typeface="Courier"/>
+              </a:rPr>
+              <a:t>$ </a:t>
+            </a:r>
+            <a:r>
+              <a:rPr lang="en-US" sz="1800" b="1" dirty="0" err="1">
+                <a:solidFill>
+                  <a:srgbClr val="FFFF00"/>
+                </a:solidFill>
+                <a:latin typeface="Courier"/>
+                <a:cs typeface="Courier"/>
+              </a:rPr>
+              <a:t>git</a:t>
+            </a:r>
+            <a:r>
+              <a:rPr lang="en-US" sz="1800" b="1" dirty="0">
+                <a:solidFill>
+                  <a:srgbClr val="FFFF00"/>
+                </a:solidFill>
+                <a:latin typeface="Courier"/>
+                <a:cs typeface="Courier"/>
+              </a:rPr>
+              <a:t> log </a:t>
+            </a:r>
+            <a:r>
+              <a:rPr lang="en-US" sz="1800" b="1" dirty="0" err="1">
+                <a:solidFill>
+                  <a:srgbClr val="FFFF00"/>
+                </a:solidFill>
+                <a:latin typeface="Courier"/>
+                <a:cs typeface="Courier"/>
+              </a:rPr>
+              <a:t>hello.txt</a:t>
+            </a:r>
+            <a:r>
               <a:rPr lang="en-US" sz="1800" dirty="0">
                 <a:latin typeface="Courier"/>
                 <a:cs typeface="Courier"/>
               </a:rPr>
-              <a:t>$ </a:t>
-            </a:r>
-            <a:r>
-              <a:rPr lang="en-US" sz="1800" b="1" dirty="0" err="1">
-                <a:solidFill>
-                  <a:srgbClr val="FFFF00"/>
-                </a:solidFill>
-                <a:latin typeface="Courier"/>
-                <a:cs typeface="Courier"/>
-              </a:rPr>
-              <a:t>git</a:t>
-            </a:r>
-            <a:r>
-              <a:rPr lang="en-US" sz="1800" b="1" dirty="0">
-                <a:solidFill>
-                  <a:srgbClr val="FFFF00"/>
-                </a:solidFill>
-                <a:latin typeface="Courier"/>
-                <a:cs typeface="Courier"/>
-              </a:rPr>
-              <a:t> pull</a:t>
+              <a:t> </a:t>
             </a:r>
           </a:p>
           <a:p>
@@ -18220,11 +18406,18 @@
               <a:buNone/>
             </a:pPr>
             <a:r>
-              <a:rPr lang="en-US" sz="1800" dirty="0">
-                <a:latin typeface="Courier"/>
-                <a:cs typeface="Courier"/>
-              </a:rPr>
-              <a:t>remote: Counting objects: 3, done.</a:t>
+              <a:rPr lang="de-DE" sz="1800" dirty="0" err="1">
+                <a:latin typeface="Courier"/>
+                <a:cs typeface="Courier"/>
+              </a:rPr>
+              <a:t>commit</a:t>
+            </a:r>
+            <a:r>
+              <a:rPr lang="de-DE" sz="1800" dirty="0">
+                <a:latin typeface="Courier"/>
+                <a:cs typeface="Courier"/>
+              </a:rPr>
+              <a:t> d274491d34d96aa92eb110e472006070e537dda0</a:t>
             </a:r>
           </a:p>
           <a:p>
@@ -18232,11 +18425,32 @@
               <a:buNone/>
             </a:pPr>
             <a:r>
-              <a:rPr lang="en-US" sz="1800" dirty="0">
-                <a:latin typeface="Courier"/>
-                <a:cs typeface="Courier"/>
-              </a:rPr>
-              <a:t>remote: Compressing objects: 100% (1/1), done.</a:t>
+              <a:rPr lang="de-DE" sz="1800" dirty="0" err="1">
+                <a:latin typeface="Courier"/>
+                <a:cs typeface="Courier"/>
+              </a:rPr>
+              <a:t>Author</a:t>
+            </a:r>
+            <a:r>
+              <a:rPr lang="de-DE" sz="1800" dirty="0">
+                <a:latin typeface="Courier"/>
+                <a:cs typeface="Courier"/>
+              </a:rPr>
+              <a:t>: Sam Pepler &lt;</a:t>
+            </a:r>
+            <a:r>
+              <a:rPr lang="de-DE" sz="1800" dirty="0" err="1">
+                <a:latin typeface="Courier"/>
+                <a:cs typeface="Courier"/>
+              </a:rPr>
+              <a:t>sam.pepler@stfc.ac.uk</a:t>
+            </a:r>
+            <a:r>
+              <a:rPr lang="de-DE" sz="1800" dirty="0">
+                <a:latin typeface="Courier"/>
+                <a:cs typeface="Courier"/>
+              </a:rPr>
+              <a:t>&gt;</a:t>
             </a:r>
           </a:p>
           <a:p>
@@ -18244,135 +18458,212 @@
               <a:buNone/>
             </a:pPr>
             <a:r>
-              <a:rPr lang="en-US" sz="1800" dirty="0">
-                <a:latin typeface="Courier"/>
-                <a:cs typeface="Courier"/>
-              </a:rPr>
-              <a:t>remote: Total 3 (delta 1), reused 3 (delta 1), pack-reused 0</a:t>
+              <a:rPr lang="de-DE" sz="1800" dirty="0">
+                <a:latin typeface="Courier"/>
+                <a:cs typeface="Courier"/>
+              </a:rPr>
+              <a:t>Date:   </a:t>
+            </a:r>
+            <a:r>
+              <a:rPr lang="de-DE" sz="1800" dirty="0" err="1">
+                <a:latin typeface="Courier"/>
+                <a:cs typeface="Courier"/>
+              </a:rPr>
+              <a:t>Fri</a:t>
+            </a:r>
+            <a:r>
+              <a:rPr lang="de-DE" sz="1800" dirty="0">
+                <a:latin typeface="Courier"/>
+                <a:cs typeface="Courier"/>
+              </a:rPr>
+              <a:t> Feb 24 12:26:47 2017 +0000</a:t>
             </a:r>
           </a:p>
           <a:p>
             <a:pPr marL="0" indent="0">
               <a:buNone/>
             </a:pPr>
-            <a:r>
-              <a:rPr lang="en-US" sz="1800" dirty="0">
-                <a:latin typeface="Courier"/>
-                <a:cs typeface="Courier"/>
-              </a:rPr>
-              <a:t>Unpacking objects: 100% (3/3), done.</a:t>
-            </a:r>
+            <a:endParaRPr lang="de-DE" sz="1800" dirty="0">
+              <a:latin typeface="Courier"/>
+              <a:cs typeface="Courier"/>
+            </a:endParaRPr>
           </a:p>
           <a:p>
             <a:pPr marL="0" indent="0">
               <a:buNone/>
             </a:pPr>
             <a:r>
-              <a:rPr lang="en-US" sz="1800" dirty="0">
-                <a:latin typeface="Courier"/>
-                <a:cs typeface="Courier"/>
-              </a:rPr>
-              <a:t>From </a:t>
-            </a:r>
-            <a:r>
-              <a:rPr lang="en-US" sz="1800" dirty="0" err="1">
-                <a:latin typeface="Courier"/>
-                <a:cs typeface="Courier"/>
-              </a:rPr>
-              <a:t>github.com:spepler</a:t>
-            </a:r>
-            <a:r>
-              <a:rPr lang="en-US" sz="1800" dirty="0">
-                <a:latin typeface="Courier"/>
-                <a:cs typeface="Courier"/>
-              </a:rPr>
-              <a:t>/</a:t>
-            </a:r>
-            <a:r>
-              <a:rPr lang="en-US" sz="1800" dirty="0" err="1">
-                <a:latin typeface="Courier"/>
-                <a:cs typeface="Courier"/>
-              </a:rPr>
-              <a:t>ncas-isc</a:t>
+              <a:rPr lang="de-DE" sz="1800" dirty="0">
+                <a:latin typeface="Courier"/>
+                <a:cs typeface="Courier"/>
+              </a:rPr>
+              <a:t>    </a:t>
+            </a:r>
+            <a:r>
+              <a:rPr lang="de-DE" sz="1800" dirty="0" err="1">
+                <a:latin typeface="Courier"/>
+                <a:cs typeface="Courier"/>
+              </a:rPr>
+              <a:t>added</a:t>
+            </a:r>
+            <a:r>
+              <a:rPr lang="de-DE" sz="1800" dirty="0">
+                <a:latin typeface="Courier"/>
+                <a:cs typeface="Courier"/>
+              </a:rPr>
+              <a:t> </a:t>
+            </a:r>
+            <a:r>
+              <a:rPr lang="de-DE" sz="1800" dirty="0" err="1">
+                <a:latin typeface="Courier"/>
+                <a:cs typeface="Courier"/>
+              </a:rPr>
+              <a:t>new</a:t>
+            </a:r>
+            <a:r>
+              <a:rPr lang="de-DE" sz="1800" dirty="0">
+                <a:latin typeface="Courier"/>
+                <a:cs typeface="Courier"/>
+              </a:rPr>
+              <a:t> </a:t>
+            </a:r>
+            <a:r>
+              <a:rPr lang="de-DE" sz="1800" dirty="0" err="1">
+                <a:latin typeface="Courier"/>
+                <a:cs typeface="Courier"/>
+              </a:rPr>
+              <a:t>line</a:t>
+            </a:r>
+            <a:endParaRPr lang="de-DE" sz="1800" dirty="0">
+              <a:latin typeface="Courier"/>
+              <a:cs typeface="Courier"/>
+            </a:endParaRPr>
+          </a:p>
+          <a:p>
+            <a:pPr marL="0" indent="0">
+              <a:buNone/>
+            </a:pPr>
+            <a:endParaRPr lang="de-DE" sz="1800" dirty="0">
+              <a:latin typeface="Courier"/>
+              <a:cs typeface="Courier"/>
+            </a:endParaRPr>
+          </a:p>
+          <a:p>
+            <a:pPr marL="0" indent="0">
+              <a:buNone/>
+            </a:pPr>
+            <a:r>
+              <a:rPr lang="de-DE" sz="1800" dirty="0" err="1">
+                <a:latin typeface="Courier"/>
+                <a:cs typeface="Courier"/>
+              </a:rPr>
+              <a:t>commit</a:t>
+            </a:r>
+            <a:r>
+              <a:rPr lang="de-DE" sz="1800" dirty="0">
+                <a:latin typeface="Courier"/>
+                <a:cs typeface="Courier"/>
+              </a:rPr>
+              <a:t> fdd3c9eb7cbea69cce46ea22326ed5c801bb75f8</a:t>
+            </a:r>
+          </a:p>
+          <a:p>
+            <a:pPr marL="0" indent="0">
+              <a:buNone/>
+            </a:pPr>
+            <a:r>
+              <a:rPr lang="de-DE" sz="1800" dirty="0" err="1">
+                <a:latin typeface="Courier"/>
+                <a:cs typeface="Courier"/>
+              </a:rPr>
+              <a:t>Author</a:t>
+            </a:r>
+            <a:r>
+              <a:rPr lang="de-DE" sz="1800" dirty="0">
+                <a:latin typeface="Courier"/>
+                <a:cs typeface="Courier"/>
+              </a:rPr>
+              <a:t>: Sam Pepler &lt;</a:t>
+            </a:r>
+            <a:r>
+              <a:rPr lang="de-DE" sz="1800" dirty="0" err="1">
+                <a:latin typeface="Courier"/>
+                <a:cs typeface="Courier"/>
+              </a:rPr>
+              <a:t>sam.pepler@stfc.ac.uk</a:t>
+            </a:r>
+            <a:r>
+              <a:rPr lang="de-DE" sz="1800" dirty="0">
+                <a:latin typeface="Courier"/>
+                <a:cs typeface="Courier"/>
+              </a:rPr>
+              <a:t>&gt;</a:t>
+            </a:r>
+          </a:p>
+          <a:p>
+            <a:pPr marL="0" indent="0">
+              <a:buNone/>
+            </a:pPr>
+            <a:r>
+              <a:rPr lang="de-DE" sz="1800" dirty="0">
+                <a:latin typeface="Courier"/>
+                <a:cs typeface="Courier"/>
+              </a:rPr>
+              <a:t>Date:   Thu Feb 23 11:13:13 2017 +0000</a:t>
+            </a:r>
+          </a:p>
+          <a:p>
+            <a:pPr marL="0" indent="0">
+              <a:buNone/>
+            </a:pPr>
+            <a:endParaRPr lang="de-DE" sz="1800" dirty="0">
+              <a:latin typeface="Courier"/>
+              <a:cs typeface="Courier"/>
+            </a:endParaRPr>
+          </a:p>
+          <a:p>
+            <a:pPr marL="0" indent="0">
+              <a:buNone/>
+            </a:pPr>
+            <a:r>
+              <a:rPr lang="de-DE" sz="1800" dirty="0">
+                <a:latin typeface="Courier"/>
+                <a:cs typeface="Courier"/>
+              </a:rPr>
+              <a:t>    </a:t>
+            </a:r>
+            <a:r>
+              <a:rPr lang="de-DE" sz="1800" dirty="0" err="1">
+                <a:latin typeface="Courier"/>
+                <a:cs typeface="Courier"/>
+              </a:rPr>
+              <a:t>added</a:t>
+            </a:r>
+            <a:r>
+              <a:rPr lang="de-DE" sz="1800" dirty="0">
+                <a:latin typeface="Courier"/>
+                <a:cs typeface="Courier"/>
+              </a:rPr>
+              <a:t> </a:t>
+            </a:r>
+            <a:r>
+              <a:rPr lang="de-DE" sz="1800" dirty="0" err="1">
+                <a:latin typeface="Courier"/>
+                <a:cs typeface="Courier"/>
+              </a:rPr>
+              <a:t>hello</a:t>
             </a:r>
             <a:endParaRPr lang="en-US" sz="1800" dirty="0">
               <a:latin typeface="Courier"/>
               <a:cs typeface="Courier"/>
             </a:endParaRPr>
           </a:p>
-          <a:p>
-            <a:pPr marL="0" indent="0">
-              <a:buNone/>
-            </a:pPr>
-            <a:r>
-              <a:rPr lang="mr-IN" sz="1800" dirty="0">
-                <a:latin typeface="Courier"/>
-                <a:cs typeface="Courier"/>
-              </a:rPr>
-              <a:t>   fe70026..d274491  master     -&gt; origin/master</a:t>
-            </a:r>
-          </a:p>
-          <a:p>
-            <a:pPr marL="0" indent="0">
-              <a:buNone/>
-            </a:pPr>
-            <a:r>
-              <a:rPr lang="en-US" sz="1800" dirty="0">
-                <a:latin typeface="Courier"/>
-                <a:cs typeface="Courier"/>
-              </a:rPr>
-              <a:t>Updating fe70026..d274491</a:t>
-            </a:r>
-          </a:p>
-          <a:p>
-            <a:pPr marL="0" indent="0">
-              <a:buNone/>
-            </a:pPr>
-            <a:r>
-              <a:rPr lang="en-US" sz="1800" dirty="0">
-                <a:latin typeface="Courier"/>
-                <a:cs typeface="Courier"/>
-              </a:rPr>
-              <a:t>Fast-forward</a:t>
-            </a:r>
-          </a:p>
-          <a:p>
-            <a:pPr marL="0" indent="0">
-              <a:buNone/>
-            </a:pPr>
-            <a:r>
-              <a:rPr lang="hr-HR" sz="1800" dirty="0">
-                <a:latin typeface="Courier"/>
-                <a:cs typeface="Courier"/>
-              </a:rPr>
-              <a:t> hello.txt | 1 +</a:t>
-            </a:r>
-          </a:p>
-          <a:p>
-            <a:pPr marL="0" indent="0">
-              <a:buNone/>
-            </a:pPr>
-            <a:r>
-              <a:rPr lang="en-US" sz="1800" dirty="0">
-                <a:latin typeface="Courier"/>
-                <a:cs typeface="Courier"/>
-              </a:rPr>
-              <a:t> 1 file changed, 1 insertion(</a:t>
-            </a:r>
-            <a:r>
-              <a:rPr lang="en-US" sz="1800" dirty="0" smtClean="0">
-                <a:latin typeface="Courier"/>
-                <a:cs typeface="Courier"/>
-              </a:rPr>
-              <a:t>+)</a:t>
-            </a:r>
-          </a:p>
         </p:txBody>
       </p:sp>
     </p:spTree>
     <p:extLst>
       <p:ext uri="{BB962C8B-B14F-4D97-AF65-F5344CB8AC3E}">
-        <p14:creationId xmlns:p14="http://schemas.microsoft.com/office/powerpoint/2010/main" val="9053277"/>
+        <p14:creationId xmlns:p14="http://schemas.microsoft.com/office/powerpoint/2010/main" val="1663817560"/>
       </p:ext>
     </p:extLst>
   </p:cSld>
@@ -18416,7 +18707,7 @@
           <a:p>
             <a:r>
               <a:rPr lang="en-US" dirty="0" smtClean="0"/>
-              <a:t>Black Bob looks at change log</a:t>
+              <a:t>Exercise</a:t>
             </a:r>
             <a:endParaRPr lang="en-US" dirty="0"/>
           </a:p>
@@ -18432,18 +18723,21 @@
             <p:ph idx="1"/>
           </p:nvPr>
         </p:nvSpPr>
-        <p:spPr/>
+        <p:spPr>
+          <a:xfrm>
+            <a:off x="393700" y="1155700"/>
+            <a:ext cx="8229600" cy="5486400"/>
+          </a:xfrm>
+        </p:spPr>
         <p:style>
-          <a:lnRef idx="2">
-            <a:schemeClr val="dk1">
-              <a:shade val="50000"/>
-            </a:schemeClr>
+          <a:lnRef idx="0">
+            <a:schemeClr val="accent1"/>
           </a:lnRef>
-          <a:fillRef idx="1">
-            <a:schemeClr val="dk1"/>
+          <a:fillRef idx="3">
+            <a:schemeClr val="accent1"/>
           </a:fillRef>
-          <a:effectRef idx="0">
-            <a:schemeClr val="dk1"/>
+          <a:effectRef idx="3">
+            <a:schemeClr val="accent1"/>
           </a:effectRef>
           <a:fontRef idx="minor">
             <a:schemeClr val="lt1"/>
@@ -18453,18 +18747,36 @@
           <a:bodyPr/>
           <a:lstStyle/>
           <a:p>
-            <a:pPr marL="0" indent="0">
-              <a:buNone/>
-            </a:pPr>
-            <a:r>
-              <a:rPr lang="en-US" sz="1800" dirty="0" smtClean="0">
+            <a:r>
+              <a:rPr lang="en-US" sz="2800" dirty="0" smtClean="0"/>
+              <a:t>Make a new repo on </a:t>
+            </a:r>
+            <a:r>
+              <a:rPr lang="en-US" sz="2800" dirty="0" err="1" smtClean="0"/>
+              <a:t>github</a:t>
+            </a:r>
+            <a:r>
+              <a:rPr lang="en-US" sz="2800" dirty="0" smtClean="0"/>
+              <a:t> by clicking on the new repository  button. </a:t>
+            </a:r>
+          </a:p>
+          <a:p>
+            <a:r>
+              <a:rPr lang="en-US" sz="2800" dirty="0" smtClean="0"/>
+              <a:t>Clone the repository:  </a:t>
+            </a:r>
+            <a:r>
+              <a:rPr lang="en-US" sz="2000" b="1" dirty="0" smtClean="0">
+                <a:solidFill>
+                  <a:srgbClr val="FFFF00"/>
+                </a:solidFill>
                 <a:latin typeface="Courier"/>
                 <a:cs typeface="Courier"/>
               </a:rPr>
               <a:t>$ </a:t>
             </a:r>
             <a:r>
-              <a:rPr lang="en-US" sz="1800" b="1" dirty="0" err="1">
+              <a:rPr lang="en-US" sz="2000" b="1" dirty="0" err="1" smtClean="0">
                 <a:solidFill>
                   <a:srgbClr val="FFFF00"/>
                 </a:solidFill>
@@ -18474,296 +18786,221 @@
               <a:t>git</a:t>
             </a:r>
             <a:r>
-              <a:rPr lang="en-US" sz="1800" b="1" dirty="0">
+              <a:rPr lang="en-US" sz="2000" b="1" dirty="0" smtClean="0">
                 <a:solidFill>
                   <a:srgbClr val="FFFF00"/>
                 </a:solidFill>
                 <a:latin typeface="Courier"/>
                 <a:cs typeface="Courier"/>
               </a:rPr>
-              <a:t> log </a:t>
-            </a:r>
-            <a:r>
-              <a:rPr lang="en-US" sz="1800" b="1" dirty="0" err="1">
+              <a:t> clone &lt;</a:t>
+            </a:r>
+            <a:r>
+              <a:rPr lang="en-US" sz="2000" b="1" dirty="0" err="1" smtClean="0">
                 <a:solidFill>
                   <a:srgbClr val="FFFF00"/>
                 </a:solidFill>
                 <a:latin typeface="Courier"/>
                 <a:cs typeface="Courier"/>
               </a:rPr>
-              <a:t>hello.txt</a:t>
-            </a:r>
-            <a:r>
-              <a:rPr lang="en-US" sz="1800" dirty="0">
-                <a:latin typeface="Courier"/>
-                <a:cs typeface="Courier"/>
-              </a:rPr>
-              <a:t> </a:t>
-            </a:r>
-          </a:p>
-          <a:p>
-            <a:pPr marL="0" indent="0">
-              <a:buNone/>
-            </a:pPr>
-            <a:r>
-              <a:rPr lang="de-DE" sz="1800" dirty="0" err="1">
-                <a:latin typeface="Courier"/>
-                <a:cs typeface="Courier"/>
-              </a:rPr>
-              <a:t>commit</a:t>
-            </a:r>
-            <a:r>
-              <a:rPr lang="de-DE" sz="1800" dirty="0">
-                <a:latin typeface="Courier"/>
-                <a:cs typeface="Courier"/>
-              </a:rPr>
-              <a:t> d274491d34d96aa92eb110e472006070e537dda0</a:t>
-            </a:r>
-          </a:p>
-          <a:p>
-            <a:pPr marL="0" indent="0">
-              <a:buNone/>
-            </a:pPr>
-            <a:r>
-              <a:rPr lang="de-DE" sz="1800" dirty="0" err="1">
-                <a:latin typeface="Courier"/>
-                <a:cs typeface="Courier"/>
-              </a:rPr>
-              <a:t>Author</a:t>
-            </a:r>
-            <a:r>
-              <a:rPr lang="de-DE" sz="1800" dirty="0">
-                <a:latin typeface="Courier"/>
-                <a:cs typeface="Courier"/>
-              </a:rPr>
-              <a:t>: Sam Pepler &lt;</a:t>
-            </a:r>
-            <a:r>
-              <a:rPr lang="de-DE" sz="1800" dirty="0" err="1">
-                <a:latin typeface="Courier"/>
-                <a:cs typeface="Courier"/>
-              </a:rPr>
-              <a:t>sam.pepler@stfc.ac.uk</a:t>
-            </a:r>
-            <a:r>
-              <a:rPr lang="de-DE" sz="1800" dirty="0">
+              <a:t>repo_url</a:t>
+            </a:r>
+            <a:r>
+              <a:rPr lang="en-US" sz="2000" b="1" dirty="0" smtClean="0">
+                <a:solidFill>
+                  <a:srgbClr val="FFFF00"/>
+                </a:solidFill>
                 <a:latin typeface="Courier"/>
                 <a:cs typeface="Courier"/>
               </a:rPr>
               <a:t>&gt;</a:t>
             </a:r>
-          </a:p>
-          <a:p>
-            <a:pPr marL="0" indent="0">
-              <a:buNone/>
-            </a:pPr>
-            <a:r>
-              <a:rPr lang="de-DE" sz="1800" dirty="0">
-                <a:latin typeface="Courier"/>
-                <a:cs typeface="Courier"/>
-              </a:rPr>
-              <a:t>Date:   </a:t>
-            </a:r>
-            <a:r>
-              <a:rPr lang="de-DE" sz="1800" dirty="0" err="1">
-                <a:latin typeface="Courier"/>
-                <a:cs typeface="Courier"/>
-              </a:rPr>
-              <a:t>Fri</a:t>
-            </a:r>
-            <a:r>
-              <a:rPr lang="de-DE" sz="1800" dirty="0">
-                <a:latin typeface="Courier"/>
-                <a:cs typeface="Courier"/>
-              </a:rPr>
-              <a:t> Feb 24 12:26:47 2017 +0000</a:t>
-            </a:r>
-          </a:p>
-          <a:p>
-            <a:pPr marL="0" indent="0">
-              <a:buNone/>
-            </a:pPr>
-            <a:endParaRPr lang="de-DE" sz="1800" dirty="0">
+            <a:endParaRPr lang="en-US" sz="2000" b="1" dirty="0" smtClean="0">
+              <a:solidFill>
+                <a:srgbClr val="FFFF00"/>
+              </a:solidFill>
               <a:latin typeface="Courier"/>
               <a:cs typeface="Courier"/>
             </a:endParaRPr>
           </a:p>
           <a:p>
-            <a:pPr marL="0" indent="0">
-              <a:buNone/>
-            </a:pPr>
-            <a:r>
-              <a:rPr lang="de-DE" sz="1800" dirty="0">
-                <a:latin typeface="Courier"/>
-                <a:cs typeface="Courier"/>
-              </a:rPr>
-              <a:t>    </a:t>
-            </a:r>
-            <a:r>
-              <a:rPr lang="de-DE" sz="1800" dirty="0" err="1">
-                <a:latin typeface="Courier"/>
-                <a:cs typeface="Courier"/>
-              </a:rPr>
-              <a:t>added</a:t>
-            </a:r>
-            <a:r>
-              <a:rPr lang="de-DE" sz="1800" dirty="0">
-                <a:latin typeface="Courier"/>
-                <a:cs typeface="Courier"/>
-              </a:rPr>
-              <a:t> </a:t>
-            </a:r>
-            <a:r>
-              <a:rPr lang="de-DE" sz="1800" dirty="0" err="1">
-                <a:latin typeface="Courier"/>
-                <a:cs typeface="Courier"/>
-              </a:rPr>
-              <a:t>new</a:t>
-            </a:r>
-            <a:r>
-              <a:rPr lang="de-DE" sz="1800" dirty="0">
-                <a:latin typeface="Courier"/>
-                <a:cs typeface="Courier"/>
-              </a:rPr>
-              <a:t> </a:t>
-            </a:r>
-            <a:r>
-              <a:rPr lang="de-DE" sz="1800" dirty="0" err="1">
-                <a:latin typeface="Courier"/>
-                <a:cs typeface="Courier"/>
-              </a:rPr>
-              <a:t>line</a:t>
-            </a:r>
-            <a:endParaRPr lang="de-DE" sz="1800" dirty="0">
+            <a:r>
+              <a:rPr lang="en-US" sz="2800" dirty="0" smtClean="0"/>
+              <a:t>Make </a:t>
+            </a:r>
+            <a:r>
+              <a:rPr lang="en-US" sz="2800" dirty="0" smtClean="0"/>
+              <a:t>a new directory in your cloned repo and a new file containing a few lines of text. </a:t>
+            </a:r>
+          </a:p>
+          <a:p>
+            <a:r>
+              <a:rPr lang="en-US" sz="2800" dirty="0" smtClean="0"/>
+              <a:t>Add the file and directory to your local </a:t>
+            </a:r>
+            <a:r>
+              <a:rPr lang="en-US" sz="2800" dirty="0" smtClean="0"/>
+              <a:t>repo: </a:t>
+            </a:r>
+            <a:r>
+              <a:rPr lang="en-US" sz="2000" b="1" dirty="0">
+                <a:solidFill>
+                  <a:srgbClr val="FFFF00"/>
+                </a:solidFill>
+                <a:latin typeface="Courier"/>
+                <a:cs typeface="Courier"/>
+              </a:rPr>
+              <a:t>$ </a:t>
+            </a:r>
+            <a:r>
+              <a:rPr lang="en-US" sz="2000" b="1" dirty="0" err="1">
+                <a:solidFill>
+                  <a:srgbClr val="FFFF00"/>
+                </a:solidFill>
+                <a:latin typeface="Courier"/>
+                <a:cs typeface="Courier"/>
+              </a:rPr>
+              <a:t>git</a:t>
+            </a:r>
+            <a:r>
+              <a:rPr lang="en-US" sz="2000" b="1" dirty="0">
+                <a:solidFill>
+                  <a:srgbClr val="FFFF00"/>
+                </a:solidFill>
+                <a:latin typeface="Courier"/>
+                <a:cs typeface="Courier"/>
+              </a:rPr>
+              <a:t> add &lt;</a:t>
+            </a:r>
+            <a:r>
+              <a:rPr lang="en-US" sz="2000" b="1" dirty="0" err="1">
+                <a:solidFill>
+                  <a:srgbClr val="FFFF00"/>
+                </a:solidFill>
+                <a:latin typeface="Courier"/>
+                <a:cs typeface="Courier"/>
+              </a:rPr>
+              <a:t>newfile</a:t>
+            </a:r>
+            <a:r>
+              <a:rPr lang="en-US" sz="2000" b="1" dirty="0">
+                <a:solidFill>
+                  <a:srgbClr val="FFFF00"/>
+                </a:solidFill>
+                <a:latin typeface="Courier"/>
+                <a:cs typeface="Courier"/>
+              </a:rPr>
+              <a:t>&gt; &lt;</a:t>
+            </a:r>
+            <a:r>
+              <a:rPr lang="en-US" sz="2000" b="1" dirty="0" err="1">
+                <a:solidFill>
+                  <a:srgbClr val="FFFF00"/>
+                </a:solidFill>
+                <a:latin typeface="Courier"/>
+                <a:cs typeface="Courier"/>
+              </a:rPr>
+              <a:t>newdir</a:t>
+            </a:r>
+            <a:r>
+              <a:rPr lang="en-US" sz="2000" b="1" dirty="0">
+                <a:solidFill>
+                  <a:srgbClr val="FFFF00"/>
+                </a:solidFill>
+                <a:latin typeface="Courier"/>
+                <a:cs typeface="Courier"/>
+              </a:rPr>
+              <a:t>&gt;</a:t>
+            </a:r>
+          </a:p>
+          <a:p>
+            <a:r>
+              <a:rPr lang="en-US" sz="2800" dirty="0" smtClean="0"/>
+              <a:t>Commit the </a:t>
+            </a:r>
+            <a:r>
+              <a:rPr lang="en-US" sz="2800" dirty="0" smtClean="0"/>
+              <a:t>changes: </a:t>
+            </a:r>
+            <a:r>
+              <a:rPr lang="en-GB" sz="2000" b="1" dirty="0">
+                <a:solidFill>
+                  <a:srgbClr val="FFFF00"/>
+                </a:solidFill>
+                <a:latin typeface="Courier"/>
+                <a:cs typeface="Courier"/>
+              </a:rPr>
+              <a:t>$ git commit -m ‘Add some test files’</a:t>
+            </a:r>
+            <a:endParaRPr lang="en-US" sz="2000" b="1" dirty="0">
+              <a:solidFill>
+                <a:srgbClr val="FFFF00"/>
+              </a:solidFill>
               <a:latin typeface="Courier"/>
               <a:cs typeface="Courier"/>
             </a:endParaRPr>
           </a:p>
           <a:p>
-            <a:pPr marL="0" indent="0">
-              <a:buNone/>
-            </a:pPr>
-            <a:endParaRPr lang="de-DE" sz="1800" dirty="0">
+            <a:r>
+              <a:rPr lang="en-US" sz="2800" dirty="0"/>
+              <a:t>U</a:t>
+            </a:r>
+            <a:r>
+              <a:rPr lang="en-US" sz="2800" dirty="0" smtClean="0"/>
+              <a:t>pdate </a:t>
+            </a:r>
+            <a:r>
+              <a:rPr lang="en-US" sz="2800" dirty="0" err="1" smtClean="0"/>
+              <a:t>Github</a:t>
+            </a:r>
+            <a:r>
+              <a:rPr lang="en-US" sz="2800" dirty="0" smtClean="0"/>
+              <a:t> repo: </a:t>
+            </a:r>
+            <a:r>
+              <a:rPr lang="en-US" sz="2000" b="1" dirty="0">
+                <a:solidFill>
+                  <a:srgbClr val="FFFF00"/>
+                </a:solidFill>
+                <a:latin typeface="Courier"/>
+                <a:cs typeface="Courier"/>
+              </a:rPr>
+              <a:t>$ </a:t>
+            </a:r>
+            <a:r>
+              <a:rPr lang="en-US" sz="2000" b="1" dirty="0" err="1">
+                <a:solidFill>
+                  <a:srgbClr val="FFFF00"/>
+                </a:solidFill>
+                <a:latin typeface="Courier"/>
+                <a:cs typeface="Courier"/>
+              </a:rPr>
+              <a:t>git</a:t>
+            </a:r>
+            <a:r>
+              <a:rPr lang="en-US" sz="2000" b="1" dirty="0">
+                <a:solidFill>
+                  <a:srgbClr val="FFFF00"/>
+                </a:solidFill>
+                <a:latin typeface="Courier"/>
+                <a:cs typeface="Courier"/>
+              </a:rPr>
+              <a:t> push </a:t>
+            </a:r>
+            <a:endParaRPr lang="en-US" sz="2000" b="1" dirty="0">
+              <a:solidFill>
+                <a:srgbClr val="FFFF00"/>
+              </a:solidFill>
               <a:latin typeface="Courier"/>
               <a:cs typeface="Courier"/>
             </a:endParaRPr>
           </a:p>
-          <a:p>
-            <a:pPr marL="0" indent="0">
-              <a:buNone/>
-            </a:pPr>
-            <a:r>
-              <a:rPr lang="de-DE" sz="1800" dirty="0" err="1">
-                <a:latin typeface="Courier"/>
-                <a:cs typeface="Courier"/>
-              </a:rPr>
-              <a:t>commit</a:t>
-            </a:r>
-            <a:r>
-              <a:rPr lang="de-DE" sz="1800" dirty="0">
-                <a:latin typeface="Courier"/>
-                <a:cs typeface="Courier"/>
-              </a:rPr>
-              <a:t> fdd3c9eb7cbea69cce46ea22326ed5c801bb75f8</a:t>
-            </a:r>
-          </a:p>
-          <a:p>
-            <a:pPr marL="0" indent="0">
-              <a:buNone/>
-            </a:pPr>
-            <a:r>
-              <a:rPr lang="de-DE" sz="1800" dirty="0" err="1">
-                <a:latin typeface="Courier"/>
-                <a:cs typeface="Courier"/>
-              </a:rPr>
-              <a:t>Author</a:t>
-            </a:r>
-            <a:r>
-              <a:rPr lang="de-DE" sz="1800" dirty="0">
-                <a:latin typeface="Courier"/>
-                <a:cs typeface="Courier"/>
-              </a:rPr>
-              <a:t>: Sam Pepler &lt;</a:t>
-            </a:r>
-            <a:r>
-              <a:rPr lang="de-DE" sz="1800" dirty="0" err="1">
-                <a:latin typeface="Courier"/>
-                <a:cs typeface="Courier"/>
-              </a:rPr>
-              <a:t>sam.pepler@stfc.ac.uk</a:t>
-            </a:r>
-            <a:r>
-              <a:rPr lang="de-DE" sz="1800" dirty="0">
-                <a:latin typeface="Courier"/>
-                <a:cs typeface="Courier"/>
-              </a:rPr>
-              <a:t>&gt;</a:t>
-            </a:r>
-          </a:p>
-          <a:p>
-            <a:pPr marL="0" indent="0">
-              <a:buNone/>
-            </a:pPr>
-            <a:r>
-              <a:rPr lang="de-DE" sz="1800" dirty="0">
-                <a:latin typeface="Courier"/>
-                <a:cs typeface="Courier"/>
-              </a:rPr>
-              <a:t>Date:   Thu Feb 23 11:13:13 2017 +0000</a:t>
-            </a:r>
-          </a:p>
-          <a:p>
-            <a:pPr marL="0" indent="0">
-              <a:buNone/>
-            </a:pPr>
-            <a:endParaRPr lang="de-DE" sz="1800" dirty="0">
-              <a:latin typeface="Courier"/>
-              <a:cs typeface="Courier"/>
-            </a:endParaRPr>
-          </a:p>
-          <a:p>
-            <a:pPr marL="0" indent="0">
-              <a:buNone/>
-            </a:pPr>
-            <a:r>
-              <a:rPr lang="de-DE" sz="1800" dirty="0">
-                <a:latin typeface="Courier"/>
-                <a:cs typeface="Courier"/>
-              </a:rPr>
-              <a:t>    </a:t>
-            </a:r>
-            <a:r>
-              <a:rPr lang="de-DE" sz="1800" dirty="0" err="1">
-                <a:latin typeface="Courier"/>
-                <a:cs typeface="Courier"/>
-              </a:rPr>
-              <a:t>added</a:t>
-            </a:r>
-            <a:r>
-              <a:rPr lang="de-DE" sz="1800" dirty="0">
-                <a:latin typeface="Courier"/>
-                <a:cs typeface="Courier"/>
-              </a:rPr>
-              <a:t> </a:t>
-            </a:r>
-            <a:r>
-              <a:rPr lang="de-DE" sz="1800" dirty="0" err="1">
-                <a:latin typeface="Courier"/>
-                <a:cs typeface="Courier"/>
-              </a:rPr>
-              <a:t>hello</a:t>
-            </a:r>
-            <a:endParaRPr lang="en-US" sz="1800" dirty="0">
-              <a:latin typeface="Courier"/>
-              <a:cs typeface="Courier"/>
-            </a:endParaRPr>
-          </a:p>
         </p:txBody>
       </p:sp>
     </p:spTree>
     <p:extLst>
       <p:ext uri="{BB962C8B-B14F-4D97-AF65-F5344CB8AC3E}">
-        <p14:creationId xmlns:p14="http://schemas.microsoft.com/office/powerpoint/2010/main" val="1663817560"/>
+        <p14:creationId xmlns:p14="http://schemas.microsoft.com/office/powerpoint/2010/main" val="1951579686"/>
       </p:ext>
     </p:extLst>
   </p:cSld>

--- a/shell/presentations/01_git2.pptx
+++ b/shell/presentations/01_git2.pptx
@@ -14565,17 +14565,50 @@
               <a:rPr lang="en-GB" dirty="0" smtClean="0">
                 <a:ea typeface="+mn-ea"/>
               </a:rPr>
-              <a:t>You have a fork (copy) of the course material and you are going to update this with files from exercises throughout </a:t>
-            </a:r>
-            <a:r>
-              <a:rPr lang="en-GB" smtClean="0">
+              <a:t>You </a:t>
+            </a:r>
+            <a:r>
+              <a:rPr lang="en-GB" dirty="0" smtClean="0">
                 <a:ea typeface="+mn-ea"/>
               </a:rPr>
-              <a:t>the course.</a:t>
-            </a:r>
-            <a:endParaRPr lang="en-GB" dirty="0" smtClean="0">
-              <a:ea typeface="+mn-ea"/>
-            </a:endParaRPr>
+              <a:t>are </a:t>
+            </a:r>
+            <a:r>
+              <a:rPr lang="en-GB" dirty="0" smtClean="0">
+                <a:ea typeface="+mn-ea"/>
+              </a:rPr>
+              <a:t>going to </a:t>
+            </a:r>
+            <a:r>
+              <a:rPr lang="en-GB" dirty="0" smtClean="0">
+                <a:ea typeface="+mn-ea"/>
+              </a:rPr>
+              <a:t>create and update your own </a:t>
+            </a:r>
+            <a:r>
+              <a:rPr lang="en-GB" dirty="0" err="1">
+                <a:ea typeface="+mn-ea"/>
+              </a:rPr>
+              <a:t>G</a:t>
+            </a:r>
+            <a:r>
+              <a:rPr lang="en-GB" dirty="0" err="1" smtClean="0">
+                <a:ea typeface="+mn-ea"/>
+              </a:rPr>
+              <a:t>ithub</a:t>
+            </a:r>
+            <a:r>
+              <a:rPr lang="en-GB" dirty="0" smtClean="0">
+                <a:ea typeface="+mn-ea"/>
+              </a:rPr>
+              <a:t> repository </a:t>
+            </a:r>
+            <a:r>
+              <a:rPr lang="en-GB" dirty="0" smtClean="0">
+                <a:ea typeface="+mn-ea"/>
+              </a:rPr>
+              <a:t>with files from exercises throughout the course.</a:t>
+            </a:r>
           </a:p>
           <a:p>
             <a:pPr marL="0" indent="0">
@@ -14846,21 +14879,7 @@
               <a:buNone/>
             </a:pPr>
             <a:r>
-              <a:rPr lang="en-US" sz="2400" dirty="0" err="1">
-                <a:latin typeface="Courier"/>
-                <a:cs typeface="Courier"/>
-              </a:rPr>
-              <a:t>README.md</a:t>
-            </a:r>
-            <a:r>
-              <a:rPr lang="en-US" sz="2400" dirty="0">
-                <a:latin typeface="Courier"/>
-                <a:cs typeface="Courier"/>
-              </a:rPr>
-              <a:t>		</a:t>
-            </a:r>
-            <a:r>
-              <a:rPr lang="en-US" sz="2400" dirty="0" err="1">
+              <a:rPr lang="en-US" sz="2400" dirty="0" err="1" smtClean="0">
                 <a:latin typeface="Courier"/>
                 <a:cs typeface="Courier"/>
               </a:rPr>
@@ -17392,11 +17411,11 @@
               <a:buNone/>
             </a:pPr>
             <a:r>
-              <a:rPr lang="en-US" sz="1800" dirty="0" err="1">
-                <a:latin typeface="Courier"/>
-                <a:cs typeface="Courier"/>
-              </a:rPr>
-              <a:t>README.md</a:t>
+              <a:rPr lang="en-US" sz="1800" dirty="0" err="1" smtClean="0">
+                <a:latin typeface="Courier"/>
+                <a:cs typeface="Courier"/>
+              </a:rPr>
+              <a:t>hello.txt</a:t>
             </a:r>
             <a:r>
               <a:rPr lang="en-US" sz="1800" dirty="0">
@@ -17410,7 +17429,7 @@
                 <a:latin typeface="Courier"/>
                 <a:cs typeface="Courier"/>
               </a:rPr>
-              <a:t>hello.txt</a:t>
+              <a:t>hi.txt</a:t>
             </a:r>
             <a:r>
               <a:rPr lang="en-US" sz="1800" dirty="0">
@@ -17424,7 +17443,7 @@
                 <a:latin typeface="Courier"/>
                 <a:cs typeface="Courier"/>
               </a:rPr>
-              <a:t>hi.txt</a:t>
+              <a:t>mydir</a:t>
             </a:r>
             <a:r>
               <a:rPr lang="en-US" sz="1800" dirty="0">
@@ -17433,31 +17452,6 @@
               </a:rPr>
               <a:t>	</a:t>
             </a:r>
-            <a:r>
-              <a:rPr lang="en-US" sz="1800" dirty="0" err="1" smtClean="0">
-                <a:latin typeface="Courier"/>
-                <a:cs typeface="Courier"/>
-              </a:rPr>
-              <a:t>mydir</a:t>
-            </a:r>
-            <a:r>
-              <a:rPr lang="en-US" sz="1800" dirty="0">
-                <a:latin typeface="Courier"/>
-                <a:cs typeface="Courier"/>
-              </a:rPr>
-              <a:t>	</a:t>
-            </a:r>
-            <a:r>
-              <a:rPr lang="en-US" sz="1800" dirty="0" err="1" smtClean="0">
-                <a:latin typeface="Courier"/>
-                <a:cs typeface="Courier"/>
-              </a:rPr>
-              <a:t>shell_example_data</a:t>
-            </a:r>
-            <a:endParaRPr lang="en-US" sz="1800" dirty="0">
-              <a:latin typeface="Courier"/>
-              <a:cs typeface="Courier"/>
-            </a:endParaRPr>
           </a:p>
           <a:p>
             <a:pPr marL="0" indent="0">

--- a/shell/presentations/01_git2.pptx
+++ b/shell/presentations/01_git2.pptx
@@ -292,7 +292,7 @@
             <a:fld id="{17F80633-BAA2-0049-BDEC-E483C21777A6}" type="datetimeFigureOut">
               <a:rPr lang="en-GB"/>
               <a:pPr/>
-              <a:t>07/11/2017</a:t>
+              <a:t>25/09/2018</a:t>
             </a:fld>
             <a:endParaRPr lang="en-GB"/>
           </a:p>
@@ -644,10 +644,10 @@
           </a:ln>
           <a:extLst>
             <a:ext uri="{FAA26D3D-D897-4be2-8F04-BA451C77F1D7}">
-              <ma14:placeholderFlag xmlns:ma14="http://schemas.microsoft.com/office/mac/drawingml/2011/main" val="1"/>
+              <ma14:placeholderFlag xmlns:ma14="http://schemas.microsoft.com/office/mac/drawingml/2011/main" xmlns="" val="1"/>
             </a:ext>
             <a:ext uri="{909E8E84-426E-40dd-AFC4-6F175D3DCCD1}">
-              <a14:hiddenFill xmlns:a14="http://schemas.microsoft.com/office/drawing/2010/main" xmlns="">
+              <a14:hiddenFill xmlns="" xmlns:a14="http://schemas.microsoft.com/office/drawing/2010/main">
                 <a:solidFill>
                   <a:srgbClr val="FFFFFF"/>
                 </a:solidFill>
@@ -670,14 +670,14 @@
           <a:noFill/>
           <a:extLst>
             <a:ext uri="{909E8E84-426E-40dd-AFC4-6F175D3DCCD1}">
-              <a14:hiddenFill xmlns:a14="http://schemas.microsoft.com/office/drawing/2010/main" xmlns="">
+              <a14:hiddenFill xmlns="" xmlns:a14="http://schemas.microsoft.com/office/drawing/2010/main">
                 <a:solidFill>
                   <a:srgbClr val="FFFFFF"/>
                 </a:solidFill>
               </a14:hiddenFill>
             </a:ext>
             <a:ext uri="{91240B29-F687-4f45-9708-019B960494DF}">
-              <a14:hiddenLine xmlns:a14="http://schemas.microsoft.com/office/drawing/2010/main" xmlns="" w="9525">
+              <a14:hiddenLine xmlns="" xmlns:a14="http://schemas.microsoft.com/office/drawing/2010/main" w="9525">
                 <a:solidFill>
                   <a:srgbClr val="000000"/>
                 </a:solidFill>
@@ -719,14 +719,14 @@
           <a:noFill/>
           <a:extLst>
             <a:ext uri="{909E8E84-426E-40dd-AFC4-6F175D3DCCD1}">
-              <a14:hiddenFill xmlns:a14="http://schemas.microsoft.com/office/drawing/2010/main" xmlns="">
+              <a14:hiddenFill xmlns="" xmlns:a14="http://schemas.microsoft.com/office/drawing/2010/main">
                 <a:solidFill>
                   <a:srgbClr val="FFFFFF"/>
                 </a:solidFill>
               </a14:hiddenFill>
             </a:ext>
             <a:ext uri="{91240B29-F687-4f45-9708-019B960494DF}">
-              <a14:hiddenLine xmlns:a14="http://schemas.microsoft.com/office/drawing/2010/main" xmlns="" w="9525">
+              <a14:hiddenLine xmlns="" xmlns:a14="http://schemas.microsoft.com/office/drawing/2010/main" w="9525">
                 <a:solidFill>
                   <a:srgbClr val="000000"/>
                 </a:solidFill>
@@ -907,10 +907,10 @@
           </a:ln>
           <a:extLst>
             <a:ext uri="{FAA26D3D-D897-4be2-8F04-BA451C77F1D7}">
-              <ma14:placeholderFlag xmlns:ma14="http://schemas.microsoft.com/office/mac/drawingml/2011/main" val="1"/>
+              <ma14:placeholderFlag xmlns:ma14="http://schemas.microsoft.com/office/mac/drawingml/2011/main" xmlns="" val="1"/>
             </a:ext>
             <a:ext uri="{909E8E84-426E-40dd-AFC4-6F175D3DCCD1}">
-              <a14:hiddenFill xmlns:a14="http://schemas.microsoft.com/office/drawing/2010/main" xmlns="">
+              <a14:hiddenFill xmlns="" xmlns:a14="http://schemas.microsoft.com/office/drawing/2010/main">
                 <a:solidFill>
                   <a:srgbClr val="FFFFFF"/>
                 </a:solidFill>
@@ -933,14 +933,14 @@
           <a:noFill/>
           <a:extLst>
             <a:ext uri="{909E8E84-426E-40dd-AFC4-6F175D3DCCD1}">
-              <a14:hiddenFill xmlns:a14="http://schemas.microsoft.com/office/drawing/2010/main" xmlns="">
+              <a14:hiddenFill xmlns="" xmlns:a14="http://schemas.microsoft.com/office/drawing/2010/main">
                 <a:solidFill>
                   <a:srgbClr val="FFFFFF"/>
                 </a:solidFill>
               </a14:hiddenFill>
             </a:ext>
             <a:ext uri="{91240B29-F687-4f45-9708-019B960494DF}">
-              <a14:hiddenLine xmlns:a14="http://schemas.microsoft.com/office/drawing/2010/main" xmlns="" w="9525">
+              <a14:hiddenLine xmlns="" xmlns:a14="http://schemas.microsoft.com/office/drawing/2010/main" w="9525">
                 <a:solidFill>
                   <a:srgbClr val="000000"/>
                 </a:solidFill>
@@ -982,14 +982,14 @@
           <a:noFill/>
           <a:extLst>
             <a:ext uri="{909E8E84-426E-40dd-AFC4-6F175D3DCCD1}">
-              <a14:hiddenFill xmlns:a14="http://schemas.microsoft.com/office/drawing/2010/main" xmlns="">
+              <a14:hiddenFill xmlns="" xmlns:a14="http://schemas.microsoft.com/office/drawing/2010/main">
                 <a:solidFill>
                   <a:srgbClr val="FFFFFF"/>
                 </a:solidFill>
               </a14:hiddenFill>
             </a:ext>
             <a:ext uri="{91240B29-F687-4f45-9708-019B960494DF}">
-              <a14:hiddenLine xmlns:a14="http://schemas.microsoft.com/office/drawing/2010/main" xmlns="" w="9525">
+              <a14:hiddenLine xmlns="" xmlns:a14="http://schemas.microsoft.com/office/drawing/2010/main" w="9525">
                 <a:solidFill>
                   <a:srgbClr val="000000"/>
                 </a:solidFill>
@@ -1170,10 +1170,10 @@
           </a:ln>
           <a:extLst>
             <a:ext uri="{FAA26D3D-D897-4be2-8F04-BA451C77F1D7}">
-              <ma14:placeholderFlag xmlns:ma14="http://schemas.microsoft.com/office/mac/drawingml/2011/main" val="1"/>
+              <ma14:placeholderFlag xmlns:ma14="http://schemas.microsoft.com/office/mac/drawingml/2011/main" xmlns="" val="1"/>
             </a:ext>
             <a:ext uri="{909E8E84-426E-40dd-AFC4-6F175D3DCCD1}">
-              <a14:hiddenFill xmlns:a14="http://schemas.microsoft.com/office/drawing/2010/main" xmlns="">
+              <a14:hiddenFill xmlns="" xmlns:a14="http://schemas.microsoft.com/office/drawing/2010/main">
                 <a:solidFill>
                   <a:srgbClr val="FFFFFF"/>
                 </a:solidFill>
@@ -1196,14 +1196,14 @@
           <a:noFill/>
           <a:extLst>
             <a:ext uri="{909E8E84-426E-40dd-AFC4-6F175D3DCCD1}">
-              <a14:hiddenFill xmlns:a14="http://schemas.microsoft.com/office/drawing/2010/main" xmlns="">
+              <a14:hiddenFill xmlns="" xmlns:a14="http://schemas.microsoft.com/office/drawing/2010/main">
                 <a:solidFill>
                   <a:srgbClr val="FFFFFF"/>
                 </a:solidFill>
               </a14:hiddenFill>
             </a:ext>
             <a:ext uri="{91240B29-F687-4f45-9708-019B960494DF}">
-              <a14:hiddenLine xmlns:a14="http://schemas.microsoft.com/office/drawing/2010/main" xmlns="" w="9525">
+              <a14:hiddenLine xmlns="" xmlns:a14="http://schemas.microsoft.com/office/drawing/2010/main" w="9525">
                 <a:solidFill>
                   <a:srgbClr val="000000"/>
                 </a:solidFill>
@@ -1245,14 +1245,14 @@
           <a:noFill/>
           <a:extLst>
             <a:ext uri="{909E8E84-426E-40dd-AFC4-6F175D3DCCD1}">
-              <a14:hiddenFill xmlns:a14="http://schemas.microsoft.com/office/drawing/2010/main" xmlns="">
+              <a14:hiddenFill xmlns="" xmlns:a14="http://schemas.microsoft.com/office/drawing/2010/main">
                 <a:solidFill>
                   <a:srgbClr val="FFFFFF"/>
                 </a:solidFill>
               </a14:hiddenFill>
             </a:ext>
             <a:ext uri="{91240B29-F687-4f45-9708-019B960494DF}">
-              <a14:hiddenLine xmlns:a14="http://schemas.microsoft.com/office/drawing/2010/main" xmlns="" w="9525">
+              <a14:hiddenLine xmlns="" xmlns:a14="http://schemas.microsoft.com/office/drawing/2010/main" w="9525">
                 <a:solidFill>
                   <a:srgbClr val="000000"/>
                 </a:solidFill>
@@ -1433,10 +1433,10 @@
           </a:ln>
           <a:extLst>
             <a:ext uri="{FAA26D3D-D897-4be2-8F04-BA451C77F1D7}">
-              <ma14:placeholderFlag xmlns:ma14="http://schemas.microsoft.com/office/mac/drawingml/2011/main" val="1"/>
+              <ma14:placeholderFlag xmlns:ma14="http://schemas.microsoft.com/office/mac/drawingml/2011/main" xmlns="" val="1"/>
             </a:ext>
             <a:ext uri="{909E8E84-426E-40dd-AFC4-6F175D3DCCD1}">
-              <a14:hiddenFill xmlns:a14="http://schemas.microsoft.com/office/drawing/2010/main" xmlns="">
+              <a14:hiddenFill xmlns="" xmlns:a14="http://schemas.microsoft.com/office/drawing/2010/main">
                 <a:solidFill>
                   <a:srgbClr val="FFFFFF"/>
                 </a:solidFill>
@@ -1459,14 +1459,14 @@
           <a:noFill/>
           <a:extLst>
             <a:ext uri="{909E8E84-426E-40dd-AFC4-6F175D3DCCD1}">
-              <a14:hiddenFill xmlns:a14="http://schemas.microsoft.com/office/drawing/2010/main" xmlns="">
+              <a14:hiddenFill xmlns="" xmlns:a14="http://schemas.microsoft.com/office/drawing/2010/main">
                 <a:solidFill>
                   <a:srgbClr val="FFFFFF"/>
                 </a:solidFill>
               </a14:hiddenFill>
             </a:ext>
             <a:ext uri="{91240B29-F687-4f45-9708-019B960494DF}">
-              <a14:hiddenLine xmlns:a14="http://schemas.microsoft.com/office/drawing/2010/main" xmlns="" w="9525">
+              <a14:hiddenLine xmlns="" xmlns:a14="http://schemas.microsoft.com/office/drawing/2010/main" w="9525">
                 <a:solidFill>
                   <a:srgbClr val="000000"/>
                 </a:solidFill>
@@ -1508,14 +1508,14 @@
           <a:noFill/>
           <a:extLst>
             <a:ext uri="{909E8E84-426E-40dd-AFC4-6F175D3DCCD1}">
-              <a14:hiddenFill xmlns:a14="http://schemas.microsoft.com/office/drawing/2010/main" xmlns="">
+              <a14:hiddenFill xmlns="" xmlns:a14="http://schemas.microsoft.com/office/drawing/2010/main">
                 <a:solidFill>
                   <a:srgbClr val="FFFFFF"/>
                 </a:solidFill>
               </a14:hiddenFill>
             </a:ext>
             <a:ext uri="{91240B29-F687-4f45-9708-019B960494DF}">
-              <a14:hiddenLine xmlns:a14="http://schemas.microsoft.com/office/drawing/2010/main" xmlns="" w="9525">
+              <a14:hiddenLine xmlns="" xmlns:a14="http://schemas.microsoft.com/office/drawing/2010/main" w="9525">
                 <a:solidFill>
                   <a:srgbClr val="000000"/>
                 </a:solidFill>
@@ -1696,10 +1696,10 @@
           </a:ln>
           <a:extLst>
             <a:ext uri="{FAA26D3D-D897-4be2-8F04-BA451C77F1D7}">
-              <ma14:placeholderFlag xmlns:ma14="http://schemas.microsoft.com/office/mac/drawingml/2011/main" val="1"/>
+              <ma14:placeholderFlag xmlns:ma14="http://schemas.microsoft.com/office/mac/drawingml/2011/main" xmlns="" val="1"/>
             </a:ext>
             <a:ext uri="{909E8E84-426E-40dd-AFC4-6F175D3DCCD1}">
-              <a14:hiddenFill xmlns:a14="http://schemas.microsoft.com/office/drawing/2010/main" xmlns="">
+              <a14:hiddenFill xmlns="" xmlns:a14="http://schemas.microsoft.com/office/drawing/2010/main">
                 <a:solidFill>
                   <a:srgbClr val="FFFFFF"/>
                 </a:solidFill>
@@ -1722,14 +1722,14 @@
           <a:noFill/>
           <a:extLst>
             <a:ext uri="{909E8E84-426E-40dd-AFC4-6F175D3DCCD1}">
-              <a14:hiddenFill xmlns:a14="http://schemas.microsoft.com/office/drawing/2010/main" xmlns="">
+              <a14:hiddenFill xmlns="" xmlns:a14="http://schemas.microsoft.com/office/drawing/2010/main">
                 <a:solidFill>
                   <a:srgbClr val="FFFFFF"/>
                 </a:solidFill>
               </a14:hiddenFill>
             </a:ext>
             <a:ext uri="{91240B29-F687-4f45-9708-019B960494DF}">
-              <a14:hiddenLine xmlns:a14="http://schemas.microsoft.com/office/drawing/2010/main" xmlns="" w="9525">
+              <a14:hiddenLine xmlns="" xmlns:a14="http://schemas.microsoft.com/office/drawing/2010/main" w="9525">
                 <a:solidFill>
                   <a:srgbClr val="000000"/>
                 </a:solidFill>
@@ -1772,14 +1772,14 @@
           <a:noFill/>
           <a:extLst>
             <a:ext uri="{909E8E84-426E-40dd-AFC4-6F175D3DCCD1}">
-              <a14:hiddenFill xmlns:a14="http://schemas.microsoft.com/office/drawing/2010/main" xmlns="">
+              <a14:hiddenFill xmlns="" xmlns:a14="http://schemas.microsoft.com/office/drawing/2010/main">
                 <a:solidFill>
                   <a:srgbClr val="FFFFFF"/>
                 </a:solidFill>
               </a14:hiddenFill>
             </a:ext>
             <a:ext uri="{91240B29-F687-4f45-9708-019B960494DF}">
-              <a14:hiddenLine xmlns:a14="http://schemas.microsoft.com/office/drawing/2010/main" xmlns="" w="9525">
+              <a14:hiddenLine xmlns="" xmlns:a14="http://schemas.microsoft.com/office/drawing/2010/main" w="9525">
                 <a:solidFill>
                   <a:srgbClr val="000000"/>
                 </a:solidFill>
@@ -1960,10 +1960,10 @@
           </a:ln>
           <a:extLst>
             <a:ext uri="{FAA26D3D-D897-4be2-8F04-BA451C77F1D7}">
-              <ma14:placeholderFlag xmlns:ma14="http://schemas.microsoft.com/office/mac/drawingml/2011/main" val="1"/>
+              <ma14:placeholderFlag xmlns:ma14="http://schemas.microsoft.com/office/mac/drawingml/2011/main" xmlns="" val="1"/>
             </a:ext>
             <a:ext uri="{909E8E84-426E-40dd-AFC4-6F175D3DCCD1}">
-              <a14:hiddenFill xmlns:a14="http://schemas.microsoft.com/office/drawing/2010/main" xmlns="">
+              <a14:hiddenFill xmlns="" xmlns:a14="http://schemas.microsoft.com/office/drawing/2010/main">
                 <a:solidFill>
                   <a:srgbClr val="FFFFFF"/>
                 </a:solidFill>
@@ -1986,14 +1986,14 @@
           <a:noFill/>
           <a:extLst>
             <a:ext uri="{909E8E84-426E-40dd-AFC4-6F175D3DCCD1}">
-              <a14:hiddenFill xmlns:a14="http://schemas.microsoft.com/office/drawing/2010/main" xmlns="">
+              <a14:hiddenFill xmlns="" xmlns:a14="http://schemas.microsoft.com/office/drawing/2010/main">
                 <a:solidFill>
                   <a:srgbClr val="FFFFFF"/>
                 </a:solidFill>
               </a14:hiddenFill>
             </a:ext>
             <a:ext uri="{91240B29-F687-4f45-9708-019B960494DF}">
-              <a14:hiddenLine xmlns:a14="http://schemas.microsoft.com/office/drawing/2010/main" xmlns="" w="9525">
+              <a14:hiddenLine xmlns="" xmlns:a14="http://schemas.microsoft.com/office/drawing/2010/main" w="9525">
                 <a:solidFill>
                   <a:srgbClr val="000000"/>
                 </a:solidFill>
@@ -2035,14 +2035,14 @@
           <a:noFill/>
           <a:extLst>
             <a:ext uri="{909E8E84-426E-40dd-AFC4-6F175D3DCCD1}">
-              <a14:hiddenFill xmlns:a14="http://schemas.microsoft.com/office/drawing/2010/main" xmlns="">
+              <a14:hiddenFill xmlns="" xmlns:a14="http://schemas.microsoft.com/office/drawing/2010/main">
                 <a:solidFill>
                   <a:srgbClr val="FFFFFF"/>
                 </a:solidFill>
               </a14:hiddenFill>
             </a:ext>
             <a:ext uri="{91240B29-F687-4f45-9708-019B960494DF}">
-              <a14:hiddenLine xmlns:a14="http://schemas.microsoft.com/office/drawing/2010/main" xmlns="" w="9525">
+              <a14:hiddenLine xmlns="" xmlns:a14="http://schemas.microsoft.com/office/drawing/2010/main" w="9525">
                 <a:solidFill>
                   <a:srgbClr val="000000"/>
                 </a:solidFill>
@@ -2223,10 +2223,10 @@
           </a:ln>
           <a:extLst>
             <a:ext uri="{FAA26D3D-D897-4be2-8F04-BA451C77F1D7}">
-              <ma14:placeholderFlag xmlns:ma14="http://schemas.microsoft.com/office/mac/drawingml/2011/main" val="1"/>
+              <ma14:placeholderFlag xmlns:ma14="http://schemas.microsoft.com/office/mac/drawingml/2011/main" xmlns="" val="1"/>
             </a:ext>
             <a:ext uri="{909E8E84-426E-40dd-AFC4-6F175D3DCCD1}">
-              <a14:hiddenFill xmlns:a14="http://schemas.microsoft.com/office/drawing/2010/main" xmlns="">
+              <a14:hiddenFill xmlns="" xmlns:a14="http://schemas.microsoft.com/office/drawing/2010/main">
                 <a:solidFill>
                   <a:srgbClr val="FFFFFF"/>
                 </a:solidFill>
@@ -2249,14 +2249,14 @@
           <a:noFill/>
           <a:extLst>
             <a:ext uri="{909E8E84-426E-40dd-AFC4-6F175D3DCCD1}">
-              <a14:hiddenFill xmlns:a14="http://schemas.microsoft.com/office/drawing/2010/main" xmlns="">
+              <a14:hiddenFill xmlns="" xmlns:a14="http://schemas.microsoft.com/office/drawing/2010/main">
                 <a:solidFill>
                   <a:srgbClr val="FFFFFF"/>
                 </a:solidFill>
               </a14:hiddenFill>
             </a:ext>
             <a:ext uri="{91240B29-F687-4f45-9708-019B960494DF}">
-              <a14:hiddenLine xmlns:a14="http://schemas.microsoft.com/office/drawing/2010/main" xmlns="" w="9525">
+              <a14:hiddenLine xmlns="" xmlns:a14="http://schemas.microsoft.com/office/drawing/2010/main" w="9525">
                 <a:solidFill>
                   <a:srgbClr val="000000"/>
                 </a:solidFill>
@@ -2298,14 +2298,14 @@
           <a:noFill/>
           <a:extLst>
             <a:ext uri="{909E8E84-426E-40dd-AFC4-6F175D3DCCD1}">
-              <a14:hiddenFill xmlns:a14="http://schemas.microsoft.com/office/drawing/2010/main" xmlns="">
+              <a14:hiddenFill xmlns="" xmlns:a14="http://schemas.microsoft.com/office/drawing/2010/main">
                 <a:solidFill>
                   <a:srgbClr val="FFFFFF"/>
                 </a:solidFill>
               </a14:hiddenFill>
             </a:ext>
             <a:ext uri="{91240B29-F687-4f45-9708-019B960494DF}">
-              <a14:hiddenLine xmlns:a14="http://schemas.microsoft.com/office/drawing/2010/main" xmlns="" w="9525">
+              <a14:hiddenLine xmlns="" xmlns:a14="http://schemas.microsoft.com/office/drawing/2010/main" w="9525">
                 <a:solidFill>
                   <a:srgbClr val="000000"/>
                 </a:solidFill>
@@ -2486,10 +2486,10 @@
           </a:ln>
           <a:extLst>
             <a:ext uri="{FAA26D3D-D897-4be2-8F04-BA451C77F1D7}">
-              <ma14:placeholderFlag xmlns:ma14="http://schemas.microsoft.com/office/mac/drawingml/2011/main" val="1"/>
+              <ma14:placeholderFlag xmlns:ma14="http://schemas.microsoft.com/office/mac/drawingml/2011/main" xmlns="" val="1"/>
             </a:ext>
             <a:ext uri="{909E8E84-426E-40dd-AFC4-6F175D3DCCD1}">
-              <a14:hiddenFill xmlns:a14="http://schemas.microsoft.com/office/drawing/2010/main" xmlns="">
+              <a14:hiddenFill xmlns="" xmlns:a14="http://schemas.microsoft.com/office/drawing/2010/main">
                 <a:solidFill>
                   <a:srgbClr val="FFFFFF"/>
                 </a:solidFill>
@@ -2512,14 +2512,14 @@
           <a:noFill/>
           <a:extLst>
             <a:ext uri="{909E8E84-426E-40dd-AFC4-6F175D3DCCD1}">
-              <a14:hiddenFill xmlns:a14="http://schemas.microsoft.com/office/drawing/2010/main" xmlns="">
+              <a14:hiddenFill xmlns="" xmlns:a14="http://schemas.microsoft.com/office/drawing/2010/main">
                 <a:solidFill>
                   <a:srgbClr val="FFFFFF"/>
                 </a:solidFill>
               </a14:hiddenFill>
             </a:ext>
             <a:ext uri="{91240B29-F687-4f45-9708-019B960494DF}">
-              <a14:hiddenLine xmlns:a14="http://schemas.microsoft.com/office/drawing/2010/main" xmlns="" w="9525">
+              <a14:hiddenLine xmlns="" xmlns:a14="http://schemas.microsoft.com/office/drawing/2010/main" w="9525">
                 <a:solidFill>
                   <a:srgbClr val="000000"/>
                 </a:solidFill>
@@ -2561,14 +2561,14 @@
           <a:noFill/>
           <a:extLst>
             <a:ext uri="{909E8E84-426E-40dd-AFC4-6F175D3DCCD1}">
-              <a14:hiddenFill xmlns:a14="http://schemas.microsoft.com/office/drawing/2010/main" xmlns="">
+              <a14:hiddenFill xmlns="" xmlns:a14="http://schemas.microsoft.com/office/drawing/2010/main">
                 <a:solidFill>
                   <a:srgbClr val="FFFFFF"/>
                 </a:solidFill>
               </a14:hiddenFill>
             </a:ext>
             <a:ext uri="{91240B29-F687-4f45-9708-019B960494DF}">
-              <a14:hiddenLine xmlns:a14="http://schemas.microsoft.com/office/drawing/2010/main" xmlns="" w="9525">
+              <a14:hiddenLine xmlns="" xmlns:a14="http://schemas.microsoft.com/office/drawing/2010/main" w="9525">
                 <a:solidFill>
                   <a:srgbClr val="000000"/>
                 </a:solidFill>
@@ -2749,10 +2749,10 @@
           </a:ln>
           <a:extLst>
             <a:ext uri="{FAA26D3D-D897-4be2-8F04-BA451C77F1D7}">
-              <ma14:placeholderFlag xmlns:ma14="http://schemas.microsoft.com/office/mac/drawingml/2011/main" val="1"/>
+              <ma14:placeholderFlag xmlns:ma14="http://schemas.microsoft.com/office/mac/drawingml/2011/main" xmlns="" val="1"/>
             </a:ext>
             <a:ext uri="{909E8E84-426E-40dd-AFC4-6F175D3DCCD1}">
-              <a14:hiddenFill xmlns:a14="http://schemas.microsoft.com/office/drawing/2010/main" xmlns="">
+              <a14:hiddenFill xmlns="" xmlns:a14="http://schemas.microsoft.com/office/drawing/2010/main">
                 <a:solidFill>
                   <a:srgbClr val="FFFFFF"/>
                 </a:solidFill>
@@ -2775,14 +2775,14 @@
           <a:noFill/>
           <a:extLst>
             <a:ext uri="{909E8E84-426E-40dd-AFC4-6F175D3DCCD1}">
-              <a14:hiddenFill xmlns:a14="http://schemas.microsoft.com/office/drawing/2010/main" xmlns="">
+              <a14:hiddenFill xmlns="" xmlns:a14="http://schemas.microsoft.com/office/drawing/2010/main">
                 <a:solidFill>
                   <a:srgbClr val="FFFFFF"/>
                 </a:solidFill>
               </a14:hiddenFill>
             </a:ext>
             <a:ext uri="{91240B29-F687-4f45-9708-019B960494DF}">
-              <a14:hiddenLine xmlns:a14="http://schemas.microsoft.com/office/drawing/2010/main" xmlns="" w="9525">
+              <a14:hiddenLine xmlns="" xmlns:a14="http://schemas.microsoft.com/office/drawing/2010/main" w="9525">
                 <a:solidFill>
                   <a:srgbClr val="000000"/>
                 </a:solidFill>
@@ -2836,14 +2836,14 @@
           <a:noFill/>
           <a:extLst>
             <a:ext uri="{909E8E84-426E-40dd-AFC4-6F175D3DCCD1}">
-              <a14:hiddenFill xmlns:a14="http://schemas.microsoft.com/office/drawing/2010/main" xmlns="">
+              <a14:hiddenFill xmlns="" xmlns:a14="http://schemas.microsoft.com/office/drawing/2010/main">
                 <a:solidFill>
                   <a:srgbClr val="FFFFFF"/>
                 </a:solidFill>
               </a14:hiddenFill>
             </a:ext>
             <a:ext uri="{91240B29-F687-4f45-9708-019B960494DF}">
-              <a14:hiddenLine xmlns:a14="http://schemas.microsoft.com/office/drawing/2010/main" xmlns="" w="9525">
+              <a14:hiddenLine xmlns="" xmlns:a14="http://schemas.microsoft.com/office/drawing/2010/main" w="9525">
                 <a:solidFill>
                   <a:srgbClr val="000000"/>
                 </a:solidFill>
@@ -3024,10 +3024,10 @@
           </a:ln>
           <a:extLst>
             <a:ext uri="{FAA26D3D-D897-4be2-8F04-BA451C77F1D7}">
-              <ma14:placeholderFlag xmlns:ma14="http://schemas.microsoft.com/office/mac/drawingml/2011/main" val="1"/>
+              <ma14:placeholderFlag xmlns:ma14="http://schemas.microsoft.com/office/mac/drawingml/2011/main" xmlns="" val="1"/>
             </a:ext>
             <a:ext uri="{909E8E84-426E-40dd-AFC4-6F175D3DCCD1}">
-              <a14:hiddenFill xmlns:a14="http://schemas.microsoft.com/office/drawing/2010/main" xmlns="">
+              <a14:hiddenFill xmlns="" xmlns:a14="http://schemas.microsoft.com/office/drawing/2010/main">
                 <a:solidFill>
                   <a:srgbClr val="FFFFFF"/>
                 </a:solidFill>
@@ -3050,14 +3050,14 @@
           <a:noFill/>
           <a:extLst>
             <a:ext uri="{909E8E84-426E-40dd-AFC4-6F175D3DCCD1}">
-              <a14:hiddenFill xmlns:a14="http://schemas.microsoft.com/office/drawing/2010/main" xmlns="">
+              <a14:hiddenFill xmlns="" xmlns:a14="http://schemas.microsoft.com/office/drawing/2010/main">
                 <a:solidFill>
                   <a:srgbClr val="FFFFFF"/>
                 </a:solidFill>
               </a14:hiddenFill>
             </a:ext>
             <a:ext uri="{91240B29-F687-4f45-9708-019B960494DF}">
-              <a14:hiddenLine xmlns:a14="http://schemas.microsoft.com/office/drawing/2010/main" xmlns="" w="9525">
+              <a14:hiddenLine xmlns="" xmlns:a14="http://schemas.microsoft.com/office/drawing/2010/main" w="9525">
                 <a:solidFill>
                   <a:srgbClr val="000000"/>
                 </a:solidFill>
@@ -3099,14 +3099,14 @@
           <a:noFill/>
           <a:extLst>
             <a:ext uri="{909E8E84-426E-40dd-AFC4-6F175D3DCCD1}">
-              <a14:hiddenFill xmlns:a14="http://schemas.microsoft.com/office/drawing/2010/main" xmlns="">
+              <a14:hiddenFill xmlns="" xmlns:a14="http://schemas.microsoft.com/office/drawing/2010/main">
                 <a:solidFill>
                   <a:srgbClr val="FFFFFF"/>
                 </a:solidFill>
               </a14:hiddenFill>
             </a:ext>
             <a:ext uri="{91240B29-F687-4f45-9708-019B960494DF}">
-              <a14:hiddenLine xmlns:a14="http://schemas.microsoft.com/office/drawing/2010/main" xmlns="" w="9525">
+              <a14:hiddenLine xmlns="" xmlns:a14="http://schemas.microsoft.com/office/drawing/2010/main" w="9525">
                 <a:solidFill>
                   <a:srgbClr val="000000"/>
                 </a:solidFill>
@@ -3287,10 +3287,10 @@
           </a:ln>
           <a:extLst>
             <a:ext uri="{FAA26D3D-D897-4be2-8F04-BA451C77F1D7}">
-              <ma14:placeholderFlag xmlns:ma14="http://schemas.microsoft.com/office/mac/drawingml/2011/main" val="1"/>
+              <ma14:placeholderFlag xmlns:ma14="http://schemas.microsoft.com/office/mac/drawingml/2011/main" xmlns="" val="1"/>
             </a:ext>
             <a:ext uri="{909E8E84-426E-40dd-AFC4-6F175D3DCCD1}">
-              <a14:hiddenFill xmlns:a14="http://schemas.microsoft.com/office/drawing/2010/main" xmlns="">
+              <a14:hiddenFill xmlns="" xmlns:a14="http://schemas.microsoft.com/office/drawing/2010/main">
                 <a:solidFill>
                   <a:srgbClr val="FFFFFF"/>
                 </a:solidFill>
@@ -3313,14 +3313,14 @@
           <a:noFill/>
           <a:extLst>
             <a:ext uri="{909E8E84-426E-40dd-AFC4-6F175D3DCCD1}">
-              <a14:hiddenFill xmlns:a14="http://schemas.microsoft.com/office/drawing/2010/main" xmlns="">
+              <a14:hiddenFill xmlns="" xmlns:a14="http://schemas.microsoft.com/office/drawing/2010/main">
                 <a:solidFill>
                   <a:srgbClr val="FFFFFF"/>
                 </a:solidFill>
               </a14:hiddenFill>
             </a:ext>
             <a:ext uri="{91240B29-F687-4f45-9708-019B960494DF}">
-              <a14:hiddenLine xmlns:a14="http://schemas.microsoft.com/office/drawing/2010/main" xmlns="" w="9525">
+              <a14:hiddenLine xmlns="" xmlns:a14="http://schemas.microsoft.com/office/drawing/2010/main" w="9525">
                 <a:solidFill>
                   <a:srgbClr val="000000"/>
                 </a:solidFill>
@@ -3362,14 +3362,14 @@
           <a:noFill/>
           <a:extLst>
             <a:ext uri="{909E8E84-426E-40dd-AFC4-6F175D3DCCD1}">
-              <a14:hiddenFill xmlns:a14="http://schemas.microsoft.com/office/drawing/2010/main" xmlns="">
+              <a14:hiddenFill xmlns="" xmlns:a14="http://schemas.microsoft.com/office/drawing/2010/main">
                 <a:solidFill>
                   <a:srgbClr val="FFFFFF"/>
                 </a:solidFill>
               </a14:hiddenFill>
             </a:ext>
             <a:ext uri="{91240B29-F687-4f45-9708-019B960494DF}">
-              <a14:hiddenLine xmlns:a14="http://schemas.microsoft.com/office/drawing/2010/main" xmlns="" w="9525">
+              <a14:hiddenLine xmlns="" xmlns:a14="http://schemas.microsoft.com/office/drawing/2010/main" w="9525">
                 <a:solidFill>
                   <a:srgbClr val="000000"/>
                 </a:solidFill>
@@ -3550,10 +3550,10 @@
           </a:ln>
           <a:extLst>
             <a:ext uri="{FAA26D3D-D897-4be2-8F04-BA451C77F1D7}">
-              <ma14:placeholderFlag xmlns:ma14="http://schemas.microsoft.com/office/mac/drawingml/2011/main" val="1"/>
+              <ma14:placeholderFlag xmlns:ma14="http://schemas.microsoft.com/office/mac/drawingml/2011/main" xmlns="" val="1"/>
             </a:ext>
             <a:ext uri="{909E8E84-426E-40dd-AFC4-6F175D3DCCD1}">
-              <a14:hiddenFill xmlns:a14="http://schemas.microsoft.com/office/drawing/2010/main" xmlns="">
+              <a14:hiddenFill xmlns="" xmlns:a14="http://schemas.microsoft.com/office/drawing/2010/main">
                 <a:solidFill>
                   <a:srgbClr val="FFFFFF"/>
                 </a:solidFill>
@@ -3576,14 +3576,14 @@
           <a:noFill/>
           <a:extLst>
             <a:ext uri="{909E8E84-426E-40dd-AFC4-6F175D3DCCD1}">
-              <a14:hiddenFill xmlns:a14="http://schemas.microsoft.com/office/drawing/2010/main" xmlns="">
+              <a14:hiddenFill xmlns="" xmlns:a14="http://schemas.microsoft.com/office/drawing/2010/main">
                 <a:solidFill>
                   <a:srgbClr val="FFFFFF"/>
                 </a:solidFill>
               </a14:hiddenFill>
             </a:ext>
             <a:ext uri="{91240B29-F687-4f45-9708-019B960494DF}">
-              <a14:hiddenLine xmlns:a14="http://schemas.microsoft.com/office/drawing/2010/main" xmlns="" w="9525">
+              <a14:hiddenLine xmlns="" xmlns:a14="http://schemas.microsoft.com/office/drawing/2010/main" w="9525">
                 <a:solidFill>
                   <a:srgbClr val="000000"/>
                 </a:solidFill>
@@ -3625,14 +3625,14 @@
           <a:noFill/>
           <a:extLst>
             <a:ext uri="{909E8E84-426E-40dd-AFC4-6F175D3DCCD1}">
-              <a14:hiddenFill xmlns:a14="http://schemas.microsoft.com/office/drawing/2010/main" xmlns="">
+              <a14:hiddenFill xmlns="" xmlns:a14="http://schemas.microsoft.com/office/drawing/2010/main">
                 <a:solidFill>
                   <a:srgbClr val="FFFFFF"/>
                 </a:solidFill>
               </a14:hiddenFill>
             </a:ext>
             <a:ext uri="{91240B29-F687-4f45-9708-019B960494DF}">
-              <a14:hiddenLine xmlns:a14="http://schemas.microsoft.com/office/drawing/2010/main" xmlns="" w="9525">
+              <a14:hiddenLine xmlns="" xmlns:a14="http://schemas.microsoft.com/office/drawing/2010/main" w="9525">
                 <a:solidFill>
                   <a:srgbClr val="000000"/>
                 </a:solidFill>
@@ -3813,10 +3813,10 @@
           </a:ln>
           <a:extLst>
             <a:ext uri="{FAA26D3D-D897-4be2-8F04-BA451C77F1D7}">
-              <ma14:placeholderFlag xmlns:ma14="http://schemas.microsoft.com/office/mac/drawingml/2011/main" val="1"/>
+              <ma14:placeholderFlag xmlns:ma14="http://schemas.microsoft.com/office/mac/drawingml/2011/main" xmlns="" val="1"/>
             </a:ext>
             <a:ext uri="{909E8E84-426E-40dd-AFC4-6F175D3DCCD1}">
-              <a14:hiddenFill xmlns:a14="http://schemas.microsoft.com/office/drawing/2010/main" xmlns="">
+              <a14:hiddenFill xmlns="" xmlns:a14="http://schemas.microsoft.com/office/drawing/2010/main">
                 <a:solidFill>
                   <a:srgbClr val="FFFFFF"/>
                 </a:solidFill>
@@ -3839,14 +3839,14 @@
           <a:noFill/>
           <a:extLst>
             <a:ext uri="{909E8E84-426E-40dd-AFC4-6F175D3DCCD1}">
-              <a14:hiddenFill xmlns:a14="http://schemas.microsoft.com/office/drawing/2010/main" xmlns="">
+              <a14:hiddenFill xmlns="" xmlns:a14="http://schemas.microsoft.com/office/drawing/2010/main">
                 <a:solidFill>
                   <a:srgbClr val="FFFFFF"/>
                 </a:solidFill>
               </a14:hiddenFill>
             </a:ext>
             <a:ext uri="{91240B29-F687-4f45-9708-019B960494DF}">
-              <a14:hiddenLine xmlns:a14="http://schemas.microsoft.com/office/drawing/2010/main" xmlns="" w="9525">
+              <a14:hiddenLine xmlns="" xmlns:a14="http://schemas.microsoft.com/office/drawing/2010/main" w="9525">
                 <a:solidFill>
                   <a:srgbClr val="000000"/>
                 </a:solidFill>
@@ -3888,14 +3888,14 @@
           <a:noFill/>
           <a:extLst>
             <a:ext uri="{909E8E84-426E-40dd-AFC4-6F175D3DCCD1}">
-              <a14:hiddenFill xmlns:a14="http://schemas.microsoft.com/office/drawing/2010/main" xmlns="">
+              <a14:hiddenFill xmlns="" xmlns:a14="http://schemas.microsoft.com/office/drawing/2010/main">
                 <a:solidFill>
                   <a:srgbClr val="FFFFFF"/>
                 </a:solidFill>
               </a14:hiddenFill>
             </a:ext>
             <a:ext uri="{91240B29-F687-4f45-9708-019B960494DF}">
-              <a14:hiddenLine xmlns:a14="http://schemas.microsoft.com/office/drawing/2010/main" xmlns="" w="9525">
+              <a14:hiddenLine xmlns="" xmlns:a14="http://schemas.microsoft.com/office/drawing/2010/main" w="9525">
                 <a:solidFill>
                   <a:srgbClr val="000000"/>
                 </a:solidFill>
@@ -4223,7 +4223,7 @@
             <a:fld id="{B7A367C5-1E2C-CB49-90C2-50C3BE82679A}" type="datetimeFigureOut">
               <a:rPr lang="en-GB"/>
               <a:pPr/>
-              <a:t>07/11/2017</a:t>
+              <a:t>25/09/2018</a:t>
             </a:fld>
             <a:endParaRPr lang="en-GB"/>
           </a:p>
@@ -4410,7 +4410,7 @@
             <a:fld id="{1AF0192A-B5CE-2E46-846F-9DA536A07A6F}" type="datetimeFigureOut">
               <a:rPr lang="en-GB"/>
               <a:pPr/>
-              <a:t>07/11/2017</a:t>
+              <a:t>25/09/2018</a:t>
             </a:fld>
             <a:endParaRPr lang="en-GB"/>
           </a:p>
@@ -4607,7 +4607,7 @@
             <a:fld id="{14964D74-F6FD-584B-8773-DA379A568572}" type="datetimeFigureOut">
               <a:rPr lang="en-GB"/>
               <a:pPr/>
-              <a:t>07/11/2017</a:t>
+              <a:t>25/09/2018</a:t>
             </a:fld>
             <a:endParaRPr lang="en-GB"/>
           </a:p>
@@ -4794,7 +4794,7 @@
             <a:fld id="{FA908017-0343-2E4A-A971-A34E43823FE2}" type="datetimeFigureOut">
               <a:rPr lang="en-GB"/>
               <a:pPr/>
-              <a:t>07/11/2017</a:t>
+              <a:t>25/09/2018</a:t>
             </a:fld>
             <a:endParaRPr lang="en-GB"/>
           </a:p>
@@ -5057,7 +5057,7 @@
             <a:fld id="{7262627B-B807-9440-AD38-D8B4DA6F586E}" type="datetimeFigureOut">
               <a:rPr lang="en-GB"/>
               <a:pPr/>
-              <a:t>07/11/2017</a:t>
+              <a:t>25/09/2018</a:t>
             </a:fld>
             <a:endParaRPr lang="en-GB"/>
           </a:p>
@@ -5362,7 +5362,7 @@
             <a:fld id="{96AD9194-77F4-8A47-892A-B7B6CD36162F}" type="datetimeFigureOut">
               <a:rPr lang="en-GB"/>
               <a:pPr/>
-              <a:t>07/11/2017</a:t>
+              <a:t>25/09/2018</a:t>
             </a:fld>
             <a:endParaRPr lang="en-GB"/>
           </a:p>
@@ -5801,7 +5801,7 @@
             <a:fld id="{AA9A3B28-0B63-874E-ACA7-CC8A68737EB4}" type="datetimeFigureOut">
               <a:rPr lang="en-GB"/>
               <a:pPr/>
-              <a:t>07/11/2017</a:t>
+              <a:t>25/09/2018</a:t>
             </a:fld>
             <a:endParaRPr lang="en-GB"/>
           </a:p>
@@ -5936,7 +5936,7 @@
             <a:fld id="{91345AEA-5A42-614B-8C2F-EAF77C40756C}" type="datetimeFigureOut">
               <a:rPr lang="en-GB"/>
               <a:pPr/>
-              <a:t>07/11/2017</a:t>
+              <a:t>25/09/2018</a:t>
             </a:fld>
             <a:endParaRPr lang="en-GB"/>
           </a:p>
@@ -6048,7 +6048,7 @@
             <a:fld id="{F967FF78-FFF3-D94C-8CB8-21E3487233EA}" type="datetimeFigureOut">
               <a:rPr lang="en-GB"/>
               <a:pPr/>
-              <a:t>07/11/2017</a:t>
+              <a:t>25/09/2018</a:t>
             </a:fld>
             <a:endParaRPr lang="en-GB"/>
           </a:p>
@@ -6342,7 +6342,7 @@
             <a:fld id="{9F21DFAE-376C-6746-8A99-31F1B1243D38}" type="datetimeFigureOut">
               <a:rPr lang="en-GB"/>
               <a:pPr/>
-              <a:t>07/11/2017</a:t>
+              <a:t>25/09/2018</a:t>
             </a:fld>
             <a:endParaRPr lang="en-GB"/>
           </a:p>
@@ -6615,7 +6615,7 @@
             <a:fld id="{9CC96C97-DE49-4347-998C-7CD167784C4D}" type="datetimeFigureOut">
               <a:rPr lang="en-GB"/>
               <a:pPr/>
-              <a:t>07/11/2017</a:t>
+              <a:t>25/09/2018</a:t>
             </a:fld>
             <a:endParaRPr lang="en-GB"/>
           </a:p>
@@ -6737,17 +6737,17 @@
           </a:ln>
           <a:extLst>
             <a:ext uri="{FAA26D3D-D897-4be2-8F04-BA451C77F1D7}">
-              <ma14:placeholderFlag xmlns:ma14="http://schemas.microsoft.com/office/mac/drawingml/2011/main" val="1"/>
+              <ma14:placeholderFlag xmlns:ma14="http://schemas.microsoft.com/office/mac/drawingml/2011/main" xmlns="" val="1"/>
             </a:ext>
             <a:ext uri="{909E8E84-426E-40dd-AFC4-6F175D3DCCD1}">
-              <a14:hiddenFill xmlns:a14="http://schemas.microsoft.com/office/drawing/2010/main" xmlns="">
+              <a14:hiddenFill xmlns="" xmlns:a14="http://schemas.microsoft.com/office/drawing/2010/main">
                 <a:solidFill>
                   <a:srgbClr val="FFFFFF"/>
                 </a:solidFill>
               </a14:hiddenFill>
             </a:ext>
             <a:ext uri="{91240B29-F687-4f45-9708-019B960494DF}">
-              <a14:hiddenLine xmlns:a14="http://schemas.microsoft.com/office/drawing/2010/main" xmlns="" w="9525">
+              <a14:hiddenLine xmlns="" xmlns:a14="http://schemas.microsoft.com/office/drawing/2010/main" w="9525">
                 <a:solidFill>
                   <a:srgbClr val="000000"/>
                 </a:solidFill>
@@ -6799,17 +6799,17 @@
           </a:ln>
           <a:extLst>
             <a:ext uri="{FAA26D3D-D897-4be2-8F04-BA451C77F1D7}">
-              <ma14:placeholderFlag xmlns:ma14="http://schemas.microsoft.com/office/mac/drawingml/2011/main" val="1"/>
+              <ma14:placeholderFlag xmlns:ma14="http://schemas.microsoft.com/office/mac/drawingml/2011/main" xmlns="" val="1"/>
             </a:ext>
             <a:ext uri="{909E8E84-426E-40dd-AFC4-6F175D3DCCD1}">
-              <a14:hiddenFill xmlns:a14="http://schemas.microsoft.com/office/drawing/2010/main" xmlns="">
+              <a14:hiddenFill xmlns="" xmlns:a14="http://schemas.microsoft.com/office/drawing/2010/main">
                 <a:solidFill>
                   <a:srgbClr val="FFFFFF"/>
                 </a:solidFill>
               </a14:hiddenFill>
             </a:ext>
             <a:ext uri="{91240B29-F687-4f45-9708-019B960494DF}">
-              <a14:hiddenLine xmlns:a14="http://schemas.microsoft.com/office/drawing/2010/main" xmlns="" w="9525">
+              <a14:hiddenLine xmlns="" xmlns:a14="http://schemas.microsoft.com/office/drawing/2010/main" w="9525">
                 <a:solidFill>
                   <a:srgbClr val="000000"/>
                 </a:solidFill>
@@ -6904,7 +6904,7 @@
             <a:fld id="{EC40E7FB-B30A-A942-A21D-EE0E54040989}" type="datetimeFigureOut">
               <a:rPr lang="en-GB"/>
               <a:pPr/>
-              <a:t>07/11/2017</a:t>
+              <a:t>25/09/2018</a:t>
             </a:fld>
             <a:endParaRPr lang="en-GB"/>
           </a:p>
@@ -7013,7 +7013,7 @@
           <p:nvPr userDrawn="1"/>
         </p:nvPicPr>
         <p:blipFill>
-          <a:blip r:embed="rId13">
+          <a:blip r:embed="rId13" cstate="email">
             <a:extLst>
               <a:ext uri="{28A0092B-C50C-407E-A947-70E740481C1C}">
                 <a14:useLocalDpi xmlns:a14="http://schemas.microsoft.com/office/drawing/2010/main" val="0"/>
@@ -7039,14 +7039,14 @@
           </a:ln>
           <a:extLst>
             <a:ext uri="{909E8E84-426E-40dd-AFC4-6F175D3DCCD1}">
-              <a14:hiddenFill xmlns:a14="http://schemas.microsoft.com/office/drawing/2010/main" xmlns="">
+              <a14:hiddenFill xmlns="" xmlns:a14="http://schemas.microsoft.com/office/drawing/2010/main">
                 <a:solidFill>
                   <a:srgbClr val="FFFFFF"/>
                 </a:solidFill>
               </a14:hiddenFill>
             </a:ext>
             <a:ext uri="{91240B29-F687-4f45-9708-019B960494DF}">
-              <a14:hiddenLine xmlns:a14="http://schemas.microsoft.com/office/drawing/2010/main" xmlns="" w="9525">
+              <a14:hiddenLine xmlns="" xmlns:a14="http://schemas.microsoft.com/office/drawing/2010/main" w="9525">
                 <a:solidFill>
                   <a:srgbClr val="000000"/>
                 </a:solidFill>
@@ -7067,7 +7067,7 @@
           <p:nvPr userDrawn="1"/>
         </p:nvPicPr>
         <p:blipFill>
-          <a:blip r:embed="rId14">
+          <a:blip r:embed="rId14" cstate="email">
             <a:extLst>
               <a:ext uri="{28A0092B-C50C-407E-A947-70E740481C1C}">
                 <a14:useLocalDpi xmlns:a14="http://schemas.microsoft.com/office/drawing/2010/main" val="0"/>
@@ -7093,14 +7093,14 @@
           </a:ln>
           <a:extLst>
             <a:ext uri="{909E8E84-426E-40dd-AFC4-6F175D3DCCD1}">
-              <a14:hiddenFill xmlns:a14="http://schemas.microsoft.com/office/drawing/2010/main" xmlns="">
+              <a14:hiddenFill xmlns="" xmlns:a14="http://schemas.microsoft.com/office/drawing/2010/main">
                 <a:solidFill>
                   <a:srgbClr val="FFFFFF"/>
                 </a:solidFill>
               </a14:hiddenFill>
             </a:ext>
             <a:ext uri="{91240B29-F687-4f45-9708-019B960494DF}">
-              <a14:hiddenLine xmlns:a14="http://schemas.microsoft.com/office/drawing/2010/main" xmlns="" w="9525">
+              <a14:hiddenLine xmlns="" xmlns:a14="http://schemas.microsoft.com/office/drawing/2010/main" w="9525">
                 <a:solidFill>
                   <a:srgbClr val="000000"/>
                 </a:solidFill>
@@ -7669,7 +7669,7 @@
           <p:nvPr/>
         </p:nvPicPr>
         <p:blipFill>
-          <a:blip r:embed="rId2">
+          <a:blip r:embed="rId2" cstate="email">
             <a:extLst>
               <a:ext uri="{28A0092B-C50C-407E-A947-70E740481C1C}">
                 <a14:useLocalDpi xmlns:a14="http://schemas.microsoft.com/office/drawing/2010/main" val="0"/>
@@ -7695,14 +7695,14 @@
           </a:ln>
           <a:extLst>
             <a:ext uri="{909E8E84-426E-40dd-AFC4-6F175D3DCCD1}">
-              <a14:hiddenFill xmlns:a14="http://schemas.microsoft.com/office/drawing/2010/main" xmlns="">
+              <a14:hiddenFill xmlns="" xmlns:a14="http://schemas.microsoft.com/office/drawing/2010/main">
                 <a:solidFill>
                   <a:srgbClr val="FFFFFF"/>
                 </a:solidFill>
               </a14:hiddenFill>
             </a:ext>
             <a:ext uri="{91240B29-F687-4f45-9708-019B960494DF}">
-              <a14:hiddenLine xmlns:a14="http://schemas.microsoft.com/office/drawing/2010/main" xmlns="" w="9525">
+              <a14:hiddenLine xmlns="" xmlns:a14="http://schemas.microsoft.com/office/drawing/2010/main" w="9525">
                 <a:solidFill>
                   <a:srgbClr val="000000"/>
                 </a:solidFill>
@@ -7723,7 +7723,7 @@
           <p:nvPr/>
         </p:nvPicPr>
         <p:blipFill>
-          <a:blip r:embed="rId3">
+          <a:blip r:embed="rId3" cstate="email">
             <a:extLst>
               <a:ext uri="{28A0092B-C50C-407E-A947-70E740481C1C}">
                 <a14:useLocalDpi xmlns:a14="http://schemas.microsoft.com/office/drawing/2010/main" val="0"/>
@@ -7749,14 +7749,14 @@
           </a:ln>
           <a:extLst>
             <a:ext uri="{909E8E84-426E-40dd-AFC4-6F175D3DCCD1}">
-              <a14:hiddenFill xmlns:a14="http://schemas.microsoft.com/office/drawing/2010/main" xmlns="">
+              <a14:hiddenFill xmlns="" xmlns:a14="http://schemas.microsoft.com/office/drawing/2010/main">
                 <a:solidFill>
                   <a:srgbClr val="FFFFFF"/>
                 </a:solidFill>
               </a14:hiddenFill>
             </a:ext>
             <a:ext uri="{91240B29-F687-4f45-9708-019B960494DF}">
-              <a14:hiddenLine xmlns:a14="http://schemas.microsoft.com/office/drawing/2010/main" xmlns="" w="9525">
+              <a14:hiddenLine xmlns="" xmlns:a14="http://schemas.microsoft.com/office/drawing/2010/main" w="9525">
                 <a:solidFill>
                   <a:srgbClr val="000000"/>
                 </a:solidFill>
@@ -7816,18 +7816,18 @@
           <a:lstStyle/>
           <a:p>
             <a:r>
-              <a:rPr lang="en-GB">
+              <a:rPr lang="en-GB" dirty="0">
                 <a:latin typeface="Calibri" charset="0"/>
               </a:rPr>
               <a:t>GitHub: collaboration </a:t>
             </a:r>
             <a:r>
-              <a:rPr lang="en-GB" sz="3200">
+              <a:rPr lang="en-GB" sz="3200" dirty="0">
                 <a:latin typeface="Calibri" charset="0"/>
               </a:rPr>
               <a:t>(branch/fork)</a:t>
             </a:r>
-            <a:endParaRPr lang="en-GB">
+            <a:endParaRPr lang="en-GB" dirty="0">
               <a:latin typeface="Calibri" charset="0"/>
             </a:endParaRPr>
           </a:p>
@@ -7844,7 +7844,7 @@
           </p:nvPr>
         </p:nvPicPr>
         <p:blipFill>
-          <a:blip r:embed="rId3">
+          <a:blip r:embed="rId3" cstate="email">
             <a:extLst>
               <a:ext uri="{28A0092B-C50C-407E-A947-70E740481C1C}">
                 <a14:useLocalDpi xmlns:a14="http://schemas.microsoft.com/office/drawing/2010/main" val="0"/>
@@ -7872,7 +7872,7 @@
           </a:ln>
           <a:extLst>
             <a:ext uri="{909E8E84-426E-40dd-AFC4-6F175D3DCCD1}">
-              <a14:hiddenFill xmlns:a14="http://schemas.microsoft.com/office/drawing/2010/main" xmlns="">
+              <a14:hiddenFill xmlns="" xmlns:a14="http://schemas.microsoft.com/office/drawing/2010/main">
                 <a:solidFill>
                   <a:schemeClr val="accent1"/>
                 </a:solidFill>
@@ -7965,7 +7965,7 @@
           <a:lstStyle/>
           <a:p>
             <a:r>
-              <a:rPr lang="en-GB">
+              <a:rPr lang="en-GB" dirty="0">
                 <a:latin typeface="Calibri" charset="0"/>
               </a:rPr>
               <a:t>GitHub: Issue tracking</a:t>
@@ -7984,7 +7984,7 @@
           </p:nvPr>
         </p:nvPicPr>
         <p:blipFill>
-          <a:blip r:embed="rId3">
+          <a:blip r:embed="rId3" cstate="email">
             <a:extLst>
               <a:ext uri="{28A0092B-C50C-407E-A947-70E740481C1C}">
                 <a14:useLocalDpi xmlns:a14="http://schemas.microsoft.com/office/drawing/2010/main" val="0"/>
@@ -8012,7 +8012,7 @@
           </a:ln>
           <a:extLst>
             <a:ext uri="{909E8E84-426E-40dd-AFC4-6F175D3DCCD1}">
-              <a14:hiddenFill xmlns:a14="http://schemas.microsoft.com/office/drawing/2010/main" xmlns="">
+              <a14:hiddenFill xmlns="" xmlns:a14="http://schemas.microsoft.com/office/drawing/2010/main">
                 <a:solidFill>
                   <a:schemeClr val="accent1"/>
                 </a:solidFill>
@@ -8062,7 +8062,7 @@
           <a:lstStyle/>
           <a:p>
             <a:r>
-              <a:rPr lang="en-GB">
+              <a:rPr lang="en-GB" dirty="0">
                 <a:latin typeface="Calibri" charset="0"/>
               </a:rPr>
               <a:t>GitHub: history and change</a:t>
@@ -8109,7 +8109,7 @@
           </a:ln>
           <a:extLst>
             <a:ext uri="{909E8E84-426E-40dd-AFC4-6F175D3DCCD1}">
-              <a14:hiddenFill xmlns:a14="http://schemas.microsoft.com/office/drawing/2010/main" xmlns="">
+              <a14:hiddenFill xmlns="" xmlns:a14="http://schemas.microsoft.com/office/drawing/2010/main">
                 <a:solidFill>
                   <a:schemeClr val="accent1"/>
                 </a:solidFill>
@@ -8164,7 +8164,7 @@
           <a:lstStyle/>
           <a:p>
             <a:r>
-              <a:rPr lang="en-GB">
+              <a:rPr lang="en-GB" dirty="0">
                 <a:latin typeface="Calibri" charset="0"/>
               </a:rPr>
               <a:t>GitHub: wikis</a:t>
@@ -8200,7 +8200,7 @@
           <p:nvPr/>
         </p:nvPicPr>
         <p:blipFill>
-          <a:blip r:embed="rId3">
+          <a:blip r:embed="rId3" cstate="email">
             <a:extLst>
               <a:ext uri="{28A0092B-C50C-407E-A947-70E740481C1C}">
                 <a14:useLocalDpi xmlns:a14="http://schemas.microsoft.com/office/drawing/2010/main" val="0"/>
@@ -8231,10 +8231,10 @@
           </a:ln>
           <a:extLst>
             <a:ext uri="{FAA26D3D-D897-4be2-8F04-BA451C77F1D7}">
-              <ma14:placeholderFlag xmlns:ma14="http://schemas.microsoft.com/office/mac/drawingml/2011/main" val="1"/>
+              <ma14:placeholderFlag xmlns:ma14="http://schemas.microsoft.com/office/mac/drawingml/2011/main" xmlns="" val="1"/>
             </a:ext>
             <a:ext uri="{909E8E84-426E-40dd-AFC4-6F175D3DCCD1}">
-              <a14:hiddenFill xmlns:a14="http://schemas.microsoft.com/office/drawing/2010/main" xmlns="">
+              <a14:hiddenFill xmlns="" xmlns:a14="http://schemas.microsoft.com/office/drawing/2010/main">
                 <a:solidFill>
                   <a:schemeClr val="accent1"/>
                 </a:solidFill>
@@ -8532,7 +8532,7 @@
         <p:spPr>
           <a:xfrm>
             <a:off x="508000" y="1397000"/>
-            <a:ext cx="2197100" cy="1477328"/>
+            <a:ext cx="2197100" cy="1200329"/>
           </a:xfrm>
           <a:prstGeom prst="rect">
             <a:avLst/>
@@ -8546,10 +8546,14 @@
           <a:lstStyle/>
           <a:p>
             <a:r>
-              <a:rPr lang="en-US" dirty="0" smtClean="0"/>
+              <a:rPr lang="en-US" dirty="0" smtClean="0">
+                <a:latin typeface="+mn-lt"/>
+              </a:rPr>
               <a:t>This makes a copy of a repository locally. We did this at the start of the course. </a:t>
             </a:r>
-            <a:endParaRPr lang="en-US" dirty="0"/>
+            <a:endParaRPr lang="en-US" dirty="0">
+              <a:latin typeface="+mn-lt"/>
+            </a:endParaRPr>
           </a:p>
         </p:txBody>
       </p:sp>
@@ -8593,7 +8597,7 @@
           </a:ln>
           <a:extLst>
             <a:ext uri="{909E8E84-426E-40dd-AFC4-6F175D3DCCD1}">
-              <a14:hiddenFill xmlns:a14="http://schemas.microsoft.com/office/drawing/2010/main" xmlns="">
+              <a14:hiddenFill xmlns="" xmlns:a14="http://schemas.microsoft.com/office/drawing/2010/main">
                 <a:solidFill>
                   <a:schemeClr val="accent1"/>
                 </a:solidFill>
@@ -8759,7 +8763,7 @@
               <a:buNone/>
             </a:pPr>
             <a:r>
-              <a:rPr lang="en-GB">
+              <a:rPr lang="en-GB" dirty="0">
                 <a:latin typeface="Calibri" charset="0"/>
               </a:rPr>
               <a:t>Navigate to "Repositories" and click "New".</a:t>
@@ -8782,8 +8786,8 @@
         </p:blipFill>
         <p:spPr bwMode="auto">
           <a:xfrm>
-            <a:off x="614363" y="2554288"/>
-            <a:ext cx="7947025" cy="4587875"/>
+            <a:off x="889794" y="2202000"/>
+            <a:ext cx="7113587" cy="4106725"/>
           </a:xfrm>
           <a:prstGeom prst="rect">
             <a:avLst/>
@@ -8815,7 +8819,7 @@
         </p:nvSpPr>
         <p:spPr bwMode="auto">
           <a:xfrm rot="10800000">
-            <a:off x="2246313" y="3121025"/>
+            <a:off x="2256587" y="2793274"/>
             <a:ext cx="584200" cy="1462088"/>
           </a:xfrm>
           <a:prstGeom prst="downArrow">
@@ -8882,7 +8886,7 @@
         </p:nvSpPr>
         <p:spPr bwMode="auto">
           <a:xfrm rot="10800000">
-            <a:off x="7712075" y="3852863"/>
+            <a:off x="7177819" y="3369978"/>
             <a:ext cx="582613" cy="1462087"/>
           </a:xfrm>
           <a:prstGeom prst="downArrow">
@@ -9033,8 +9037,8 @@
             </a:pPr>
             <a:r>
               <a:rPr lang="en-US" sz="1800" dirty="0" smtClean="0">
-                <a:latin typeface="Courier"/>
-                <a:cs typeface="Courier"/>
+                <a:latin typeface="Courier New" panose="02070309020205020404" pitchFamily="49" charset="0"/>
+                <a:cs typeface="Courier New" panose="02070309020205020404" pitchFamily="49" charset="0"/>
               </a:rPr>
               <a:t>$ </a:t>
             </a:r>
@@ -9043,8 +9047,8 @@
                 <a:solidFill>
                   <a:srgbClr val="FFFF00"/>
                 </a:solidFill>
-                <a:latin typeface="Courier"/>
-                <a:cs typeface="Courier"/>
+                <a:latin typeface="Courier New" panose="02070309020205020404" pitchFamily="49" charset="0"/>
+                <a:cs typeface="Courier New" panose="02070309020205020404" pitchFamily="49" charset="0"/>
               </a:rPr>
               <a:t>ls</a:t>
             </a:r>
@@ -9052,8 +9056,8 @@
               <a:solidFill>
                 <a:srgbClr val="FFFF00"/>
               </a:solidFill>
-              <a:latin typeface="Courier"/>
-              <a:cs typeface="Courier"/>
+              <a:latin typeface="Courier New" panose="02070309020205020404" pitchFamily="49" charset="0"/>
+              <a:cs typeface="Courier New" panose="02070309020205020404" pitchFamily="49" charset="0"/>
             </a:endParaRPr>
           </a:p>
           <a:p>
@@ -9062,8 +9066,8 @@
             </a:pPr>
             <a:r>
               <a:rPr lang="en-US" sz="1800" dirty="0">
-                <a:latin typeface="Courier"/>
-                <a:cs typeface="Courier"/>
+                <a:latin typeface="Courier New" panose="02070309020205020404" pitchFamily="49" charset="0"/>
+                <a:cs typeface="Courier New" panose="02070309020205020404" pitchFamily="49" charset="0"/>
               </a:rPr>
               <a:t>x	y	z</a:t>
             </a:r>
@@ -9074,8 +9078,8 @@
             </a:pPr>
             <a:r>
               <a:rPr lang="en-US" sz="1800" dirty="0" smtClean="0">
-                <a:latin typeface="Courier"/>
-                <a:cs typeface="Courier"/>
+                <a:latin typeface="Courier New" panose="02070309020205020404" pitchFamily="49" charset="0"/>
+                <a:cs typeface="Courier New" panose="02070309020205020404" pitchFamily="49" charset="0"/>
               </a:rPr>
               <a:t>$ </a:t>
             </a:r>
@@ -9084,8 +9088,8 @@
                 <a:solidFill>
                   <a:srgbClr val="FFFF00"/>
                 </a:solidFill>
-                <a:latin typeface="Courier"/>
-                <a:cs typeface="Courier"/>
+                <a:latin typeface="Courier New" panose="02070309020205020404" pitchFamily="49" charset="0"/>
+                <a:cs typeface="Courier New" panose="02070309020205020404" pitchFamily="49" charset="0"/>
               </a:rPr>
               <a:t>git</a:t>
             </a:r>
@@ -9094,8 +9098,8 @@
                 <a:solidFill>
                   <a:srgbClr val="FFFF00"/>
                 </a:solidFill>
-                <a:latin typeface="Courier"/>
-                <a:cs typeface="Courier"/>
+                <a:latin typeface="Courier New" panose="02070309020205020404" pitchFamily="49" charset="0"/>
+                <a:cs typeface="Courier New" panose="02070309020205020404" pitchFamily="49" charset="0"/>
               </a:rPr>
               <a:t> </a:t>
             </a:r>
@@ -9104,8 +9108,8 @@
                 <a:solidFill>
                   <a:srgbClr val="FFFF00"/>
                 </a:solidFill>
-                <a:latin typeface="Courier"/>
-                <a:cs typeface="Courier"/>
+                <a:latin typeface="Courier New" panose="02070309020205020404" pitchFamily="49" charset="0"/>
+                <a:cs typeface="Courier New" panose="02070309020205020404" pitchFamily="49" charset="0"/>
               </a:rPr>
               <a:t>init</a:t>
             </a:r>
@@ -9113,8 +9117,8 @@
               <a:solidFill>
                 <a:srgbClr val="FFFF00"/>
               </a:solidFill>
-              <a:latin typeface="Courier"/>
-              <a:cs typeface="Courier"/>
+              <a:latin typeface="Courier New" panose="02070309020205020404" pitchFamily="49" charset="0"/>
+              <a:cs typeface="Courier New" panose="02070309020205020404" pitchFamily="49" charset="0"/>
             </a:endParaRPr>
           </a:p>
           <a:p>
@@ -9123,158 +9127,158 @@
             </a:pPr>
             <a:r>
               <a:rPr lang="en-US" sz="1800" dirty="0">
-                <a:latin typeface="Courier"/>
+                <a:latin typeface="Courier New" panose="02070309020205020404" pitchFamily="49" charset="0"/>
+                <a:cs typeface="Courier New" panose="02070309020205020404" pitchFamily="49" charset="0"/>
+              </a:rPr>
+              <a:t>Initialized empty </a:t>
+            </a:r>
+            <a:r>
+              <a:rPr lang="en-US" sz="1800" dirty="0" err="1">
+                <a:latin typeface="Courier New" panose="02070309020205020404" pitchFamily="49" charset="0"/>
+                <a:cs typeface="Courier New" panose="02070309020205020404" pitchFamily="49" charset="0"/>
+              </a:rPr>
+              <a:t>Git</a:t>
+            </a:r>
+            <a:r>
+              <a:rPr lang="en-US" sz="1800" dirty="0">
+                <a:latin typeface="Courier New" panose="02070309020205020404" pitchFamily="49" charset="0"/>
+                <a:cs typeface="Courier New" panose="02070309020205020404" pitchFamily="49" charset="0"/>
+              </a:rPr>
+              <a:t> repository in /Users/sjp23/play/</a:t>
+            </a:r>
+            <a:r>
+              <a:rPr lang="en-US" sz="1800" dirty="0" err="1">
+                <a:latin typeface="Courier New" panose="02070309020205020404" pitchFamily="49" charset="0"/>
+                <a:cs typeface="Courier New" panose="02070309020205020404" pitchFamily="49" charset="0"/>
+              </a:rPr>
+              <a:t>york_workshop_shell</a:t>
+            </a:r>
+            <a:r>
+              <a:rPr lang="en-US" sz="1800" dirty="0">
+                <a:latin typeface="Courier New" panose="02070309020205020404" pitchFamily="49" charset="0"/>
+                <a:cs typeface="Courier New" panose="02070309020205020404" pitchFamily="49" charset="0"/>
+              </a:rPr>
+              <a:t>/test-</a:t>
+            </a:r>
+            <a:r>
+              <a:rPr lang="en-US" sz="1800" dirty="0" err="1">
+                <a:latin typeface="Courier New" panose="02070309020205020404" pitchFamily="49" charset="0"/>
+                <a:cs typeface="Courier New" panose="02070309020205020404" pitchFamily="49" charset="0"/>
+              </a:rPr>
+              <a:t>pakage</a:t>
+            </a:r>
+            <a:r>
+              <a:rPr lang="en-US" sz="1800" dirty="0">
+                <a:latin typeface="Courier New" panose="02070309020205020404" pitchFamily="49" charset="0"/>
+                <a:cs typeface="Courier New" panose="02070309020205020404" pitchFamily="49" charset="0"/>
+              </a:rPr>
+              <a:t>/.</a:t>
+            </a:r>
+            <a:r>
+              <a:rPr lang="en-US" sz="1800" dirty="0" err="1">
+                <a:latin typeface="Courier New" panose="02070309020205020404" pitchFamily="49" charset="0"/>
+                <a:cs typeface="Courier New" panose="02070309020205020404" pitchFamily="49" charset="0"/>
+              </a:rPr>
+              <a:t>git</a:t>
+            </a:r>
+            <a:r>
+              <a:rPr lang="en-US" sz="1800" dirty="0">
+                <a:latin typeface="Courier New" panose="02070309020205020404" pitchFamily="49" charset="0"/>
+                <a:cs typeface="Courier New" panose="02070309020205020404" pitchFamily="49" charset="0"/>
+              </a:rPr>
+              <a:t>/</a:t>
+            </a:r>
+          </a:p>
+          <a:p>
+            <a:pPr marL="0" indent="0">
+              <a:buNone/>
+            </a:pPr>
+            <a:r>
+              <a:rPr lang="en-US" sz="1800" dirty="0" smtClean="0">
+                <a:latin typeface="Courier New" panose="02070309020205020404" pitchFamily="49" charset="0"/>
+                <a:cs typeface="Courier New" panose="02070309020205020404" pitchFamily="49" charset="0"/>
+              </a:rPr>
+              <a:t>$ </a:t>
+            </a:r>
+            <a:r>
+              <a:rPr lang="en-US" sz="1800" b="1" dirty="0" err="1">
+                <a:solidFill>
+                  <a:srgbClr val="FFFF00"/>
+                </a:solidFill>
+                <a:latin typeface="Courier New" panose="02070309020205020404" pitchFamily="49" charset="0"/>
+                <a:cs typeface="Courier New" panose="02070309020205020404" pitchFamily="49" charset="0"/>
+              </a:rPr>
+              <a:t>git</a:t>
+            </a:r>
+            <a:r>
+              <a:rPr lang="en-US" sz="1800" b="1" dirty="0">
+                <a:solidFill>
+                  <a:srgbClr val="FFFF00"/>
+                </a:solidFill>
+                <a:latin typeface="Courier New" panose="02070309020205020404" pitchFamily="49" charset="0"/>
+                <a:cs typeface="Courier New" panose="02070309020205020404" pitchFamily="49" charset="0"/>
+              </a:rPr>
+              <a:t> add .</a:t>
+            </a:r>
+          </a:p>
+          <a:p>
+            <a:pPr marL="0" indent="0">
+              <a:buNone/>
+            </a:pPr>
+            <a:r>
+              <a:rPr lang="en-US" sz="1800" dirty="0" smtClean="0">
+                <a:latin typeface="Courier New" panose="02070309020205020404" pitchFamily="49" charset="0"/>
+                <a:cs typeface="Courier New" panose="02070309020205020404" pitchFamily="49" charset="0"/>
+              </a:rPr>
+              <a:t>$ </a:t>
+            </a:r>
+            <a:r>
+              <a:rPr lang="en-US" sz="1800" b="1" dirty="0" err="1">
+                <a:solidFill>
+                  <a:srgbClr val="FFFF00"/>
+                </a:solidFill>
+                <a:latin typeface="Courier New" panose="02070309020205020404" pitchFamily="49" charset="0"/>
+                <a:cs typeface="Courier New" panose="02070309020205020404" pitchFamily="49" charset="0"/>
+              </a:rPr>
+              <a:t>git</a:t>
+            </a:r>
+            <a:r>
+              <a:rPr lang="en-US" sz="1800" b="1" dirty="0">
+                <a:solidFill>
+                  <a:srgbClr val="FFFF00"/>
+                </a:solidFill>
+                <a:latin typeface="Courier New" panose="02070309020205020404" pitchFamily="49" charset="0"/>
+                <a:cs typeface="Courier New" panose="02070309020205020404" pitchFamily="49" charset="0"/>
+              </a:rPr>
+              <a:t> commit </a:t>
+            </a:r>
+            <a:r>
+              <a:rPr lang="mr-IN" sz="1800" b="1" dirty="0" smtClean="0">
+                <a:solidFill>
+                  <a:srgbClr val="FFFF00"/>
+                </a:solidFill>
+                <a:latin typeface="Courier New" panose="02070309020205020404" pitchFamily="49" charset="0"/>
                 <a:cs typeface="Courier"/>
               </a:rPr>
-              <a:t>Initialized empty </a:t>
-            </a:r>
-            <a:r>
-              <a:rPr lang="en-US" sz="1800" dirty="0" err="1">
-                <a:latin typeface="Courier"/>
-                <a:cs typeface="Courier"/>
-              </a:rPr>
-              <a:t>Git</a:t>
-            </a:r>
-            <a:r>
-              <a:rPr lang="en-US" sz="1800" dirty="0">
-                <a:latin typeface="Courier"/>
-                <a:cs typeface="Courier"/>
-              </a:rPr>
-              <a:t> repository in /Users/sjp23/play/</a:t>
-            </a:r>
-            <a:r>
-              <a:rPr lang="en-US" sz="1800" dirty="0" err="1">
-                <a:latin typeface="Courier"/>
-                <a:cs typeface="Courier"/>
-              </a:rPr>
-              <a:t>york_workshop_shell</a:t>
-            </a:r>
-            <a:r>
-              <a:rPr lang="en-US" sz="1800" dirty="0">
-                <a:latin typeface="Courier"/>
-                <a:cs typeface="Courier"/>
-              </a:rPr>
-              <a:t>/test-</a:t>
-            </a:r>
-            <a:r>
-              <a:rPr lang="en-US" sz="1800" dirty="0" err="1">
-                <a:latin typeface="Courier"/>
-                <a:cs typeface="Courier"/>
-              </a:rPr>
-              <a:t>pakage</a:t>
-            </a:r>
-            <a:r>
-              <a:rPr lang="en-US" sz="1800" dirty="0">
-                <a:latin typeface="Courier"/>
-                <a:cs typeface="Courier"/>
-              </a:rPr>
-              <a:t>/.</a:t>
-            </a:r>
-            <a:r>
-              <a:rPr lang="en-US" sz="1800" dirty="0" err="1">
-                <a:latin typeface="Courier"/>
-                <a:cs typeface="Courier"/>
-              </a:rPr>
-              <a:t>git</a:t>
-            </a:r>
-            <a:r>
-              <a:rPr lang="en-US" sz="1800" dirty="0">
-                <a:latin typeface="Courier"/>
-                <a:cs typeface="Courier"/>
-              </a:rPr>
-              <a:t>/</a:t>
-            </a:r>
-          </a:p>
-          <a:p>
-            <a:pPr marL="0" indent="0">
-              <a:buNone/>
-            </a:pPr>
-            <a:r>
-              <a:rPr lang="en-US" sz="1800" dirty="0" smtClean="0">
-                <a:latin typeface="Courier"/>
-                <a:cs typeface="Courier"/>
-              </a:rPr>
-              <a:t>$ </a:t>
-            </a:r>
-            <a:r>
-              <a:rPr lang="en-US" sz="1800" b="1" dirty="0" err="1">
+              <a:t>–</a:t>
+            </a:r>
+            <a:r>
+              <a:rPr lang="en-US" sz="1800" b="1" dirty="0" err="1" smtClean="0">
                 <a:solidFill>
                   <a:srgbClr val="FFFF00"/>
                 </a:solidFill>
-                <a:latin typeface="Courier"/>
-                <a:cs typeface="Courier"/>
-              </a:rPr>
-              <a:t>git</a:t>
-            </a:r>
-            <a:r>
-              <a:rPr lang="en-US" sz="1800" b="1" dirty="0">
+                <a:latin typeface="Courier New" panose="02070309020205020404" pitchFamily="49" charset="0"/>
+                <a:cs typeface="Courier New" panose="02070309020205020404" pitchFamily="49" charset="0"/>
+              </a:rPr>
+              <a:t>m’Initial</a:t>
+            </a:r>
+            <a:r>
+              <a:rPr lang="en-US" sz="1800" b="1" dirty="0" smtClean="0">
                 <a:solidFill>
                   <a:srgbClr val="FFFF00"/>
                 </a:solidFill>
-                <a:latin typeface="Courier"/>
-                <a:cs typeface="Courier"/>
-              </a:rPr>
-              <a:t> add .</a:t>
-            </a:r>
-          </a:p>
-          <a:p>
-            <a:pPr marL="0" indent="0">
-              <a:buNone/>
-            </a:pPr>
-            <a:r>
-              <a:rPr lang="en-US" sz="1800" dirty="0" smtClean="0">
-                <a:latin typeface="Courier"/>
-                <a:cs typeface="Courier"/>
-              </a:rPr>
-              <a:t>$ </a:t>
-            </a:r>
-            <a:r>
-              <a:rPr lang="en-US" sz="1800" b="1" dirty="0" err="1">
-                <a:solidFill>
-                  <a:srgbClr val="FFFF00"/>
-                </a:solidFill>
-                <a:latin typeface="Courier"/>
-                <a:cs typeface="Courier"/>
-              </a:rPr>
-              <a:t>git</a:t>
-            </a:r>
-            <a:r>
-              <a:rPr lang="en-US" sz="1800" b="1" dirty="0">
-                <a:solidFill>
-                  <a:srgbClr val="FFFF00"/>
-                </a:solidFill>
-                <a:latin typeface="Courier"/>
-                <a:cs typeface="Courier"/>
-              </a:rPr>
-              <a:t> commit </a:t>
-            </a:r>
-            <a:r>
-              <a:rPr lang="mr-IN" sz="1800" b="1" dirty="0" smtClean="0">
-                <a:solidFill>
-                  <a:srgbClr val="FFFF00"/>
-                </a:solidFill>
-                <a:latin typeface="Courier"/>
-                <a:cs typeface="Courier"/>
-              </a:rPr>
-              <a:t>–</a:t>
-            </a:r>
-            <a:r>
-              <a:rPr lang="en-US" sz="1800" b="1" dirty="0" err="1" smtClean="0">
-                <a:solidFill>
-                  <a:srgbClr val="FFFF00"/>
-                </a:solidFill>
-                <a:latin typeface="Courier"/>
-                <a:cs typeface="Courier"/>
-              </a:rPr>
-              <a:t>m’Initial</a:t>
-            </a:r>
-            <a:r>
-              <a:rPr lang="en-US" sz="1800" b="1" dirty="0" smtClean="0">
-                <a:solidFill>
-                  <a:srgbClr val="FFFF00"/>
-                </a:solidFill>
-                <a:latin typeface="Courier"/>
-                <a:cs typeface="Courier"/>
+                <a:latin typeface="Courier New" panose="02070309020205020404" pitchFamily="49" charset="0"/>
+                <a:cs typeface="Courier New" panose="02070309020205020404" pitchFamily="49" charset="0"/>
               </a:rPr>
               <a:t> commit from existing files'</a:t>
             </a:r>
@@ -9282,8 +9286,8 @@
               <a:solidFill>
                 <a:srgbClr val="FFFF00"/>
               </a:solidFill>
-              <a:latin typeface="Courier"/>
-              <a:cs typeface="Courier"/>
+              <a:latin typeface="Courier New" panose="02070309020205020404" pitchFamily="49" charset="0"/>
+              <a:cs typeface="Courier New" panose="02070309020205020404" pitchFamily="49" charset="0"/>
             </a:endParaRPr>
           </a:p>
           <a:p>
@@ -9292,22 +9296,22 @@
             </a:pPr>
             <a:r>
               <a:rPr lang="en-US" sz="1800" dirty="0">
-                <a:latin typeface="Courier"/>
-                <a:cs typeface="Courier"/>
+                <a:latin typeface="Courier New" panose="02070309020205020404" pitchFamily="49" charset="0"/>
+                <a:cs typeface="Courier New" panose="02070309020205020404" pitchFamily="49" charset="0"/>
               </a:rPr>
               <a:t>[master (root-commit) 71ecfcf] </a:t>
             </a:r>
             <a:r>
               <a:rPr lang="en-US" sz="1800" dirty="0" smtClean="0">
-                <a:latin typeface="Courier"/>
-                <a:cs typeface="Courier"/>
+                <a:latin typeface="Courier New" panose="02070309020205020404" pitchFamily="49" charset="0"/>
+                <a:cs typeface="Courier New" panose="02070309020205020404" pitchFamily="49" charset="0"/>
               </a:rPr>
               <a:t>Initial </a:t>
             </a:r>
             <a:r>
               <a:rPr lang="en-US" sz="1800" dirty="0">
-                <a:latin typeface="Courier"/>
-                <a:cs typeface="Courier"/>
+                <a:latin typeface="Courier New" panose="02070309020205020404" pitchFamily="49" charset="0"/>
+                <a:cs typeface="Courier New" panose="02070309020205020404" pitchFamily="49" charset="0"/>
               </a:rPr>
               <a:t>commit from existing files</a:t>
             </a:r>
@@ -9318,8 +9322,8 @@
             </a:pPr>
             <a:r>
               <a:rPr lang="en-US" sz="1800" dirty="0">
-                <a:latin typeface="Courier"/>
-                <a:cs typeface="Courier"/>
+                <a:latin typeface="Courier New" panose="02070309020205020404" pitchFamily="49" charset="0"/>
+                <a:cs typeface="Courier New" panose="02070309020205020404" pitchFamily="49" charset="0"/>
               </a:rPr>
               <a:t> 3 files changed, 0 insertions(+), 0 deletions(-)</a:t>
             </a:r>
@@ -9330,8 +9334,8 @@
             </a:pPr>
             <a:r>
               <a:rPr lang="en-US" sz="1800" dirty="0">
-                <a:latin typeface="Courier"/>
-                <a:cs typeface="Courier"/>
+                <a:latin typeface="Courier New" panose="02070309020205020404" pitchFamily="49" charset="0"/>
+                <a:cs typeface="Courier New" panose="02070309020205020404" pitchFamily="49" charset="0"/>
               </a:rPr>
               <a:t> create mode 100644 x</a:t>
             </a:r>
@@ -9342,8 +9346,8 @@
             </a:pPr>
             <a:r>
               <a:rPr lang="en-US" sz="1800" dirty="0">
-                <a:latin typeface="Courier"/>
-                <a:cs typeface="Courier"/>
+                <a:latin typeface="Courier New" panose="02070309020205020404" pitchFamily="49" charset="0"/>
+                <a:cs typeface="Courier New" panose="02070309020205020404" pitchFamily="49" charset="0"/>
               </a:rPr>
               <a:t> create mode 100644 y</a:t>
             </a:r>
@@ -9354,21 +9358,21 @@
             </a:pPr>
             <a:r>
               <a:rPr lang="en-US" sz="1800" dirty="0">
-                <a:latin typeface="Courier"/>
-                <a:cs typeface="Courier"/>
+                <a:latin typeface="Courier New" panose="02070309020205020404" pitchFamily="49" charset="0"/>
+                <a:cs typeface="Courier New" panose="02070309020205020404" pitchFamily="49" charset="0"/>
               </a:rPr>
               <a:t> create mode 100644 </a:t>
             </a:r>
             <a:r>
               <a:rPr lang="en-US" sz="1800" dirty="0" smtClean="0">
-                <a:latin typeface="Courier"/>
-                <a:cs typeface="Courier"/>
+                <a:latin typeface="Courier New" panose="02070309020205020404" pitchFamily="49" charset="0"/>
+                <a:cs typeface="Courier New" panose="02070309020205020404" pitchFamily="49" charset="0"/>
               </a:rPr>
               <a:t>z</a:t>
             </a:r>
             <a:endParaRPr lang="en-US" sz="1800" dirty="0">
-              <a:latin typeface="Courier"/>
-              <a:cs typeface="Courier"/>
+              <a:latin typeface="Courier New" panose="02070309020205020404" pitchFamily="49" charset="0"/>
+              <a:cs typeface="Courier New" panose="02070309020205020404" pitchFamily="49" charset="0"/>
             </a:endParaRPr>
           </a:p>
         </p:txBody>
@@ -9699,7 +9703,7 @@
           <a:lstStyle/>
           <a:p>
             <a:r>
-              <a:rPr lang="en-GB">
+              <a:rPr lang="en-GB" dirty="0">
                 <a:latin typeface="Calibri" charset="0"/>
               </a:rPr>
               <a:t>Add a file to your local repo</a:t>
@@ -10056,7 +10060,7 @@
           <a:lstStyle/>
           <a:p>
             <a:r>
-              <a:rPr lang="en-GB">
+              <a:rPr lang="en-GB" dirty="0">
                 <a:latin typeface="Calibri" charset="0"/>
               </a:rPr>
               <a:t>So, what just happened?</a:t>
@@ -10085,19 +10089,19 @@
           <a:lstStyle/>
           <a:p>
             <a:r>
-              <a:rPr lang="en-GB">
+              <a:rPr lang="en-GB" dirty="0">
                 <a:latin typeface="Calibri" charset="0"/>
               </a:rPr>
               <a:t>We </a:t>
             </a:r>
             <a:r>
-              <a:rPr lang="en-GB" i="1">
+              <a:rPr lang="en-GB" i="1" dirty="0">
                 <a:latin typeface="Calibri" charset="0"/>
               </a:rPr>
               <a:t>cloned</a:t>
             </a:r>
             <a:r>
-              <a:rPr lang="en-GB">
+              <a:rPr lang="en-GB" dirty="0">
                 <a:latin typeface="Calibri" charset="0"/>
               </a:rPr>
               <a:t> the remote repository to our file system. </a:t>
@@ -10106,7 +10110,7 @@
           <a:p>
             <a:pPr lvl="1"/>
             <a:r>
-              <a:rPr lang="en-GB">
+              <a:rPr lang="en-GB" dirty="0">
                 <a:latin typeface="Calibri" charset="0"/>
               </a:rPr>
               <a:t>Now there are two identical copies of one repo.</a:t>
@@ -10114,19 +10118,19 @@
           </a:p>
           <a:p>
             <a:r>
-              <a:rPr lang="en-GB">
+              <a:rPr lang="en-GB" dirty="0">
                 <a:latin typeface="Calibri" charset="0"/>
               </a:rPr>
               <a:t>We </a:t>
             </a:r>
             <a:r>
-              <a:rPr lang="en-GB" i="1">
+              <a:rPr lang="en-GB" i="1" dirty="0">
                 <a:latin typeface="Calibri" charset="0"/>
               </a:rPr>
               <a:t>created</a:t>
             </a:r>
             <a:r>
-              <a:rPr lang="en-GB">
+              <a:rPr lang="en-GB" dirty="0">
                 <a:latin typeface="Calibri" charset="0"/>
               </a:rPr>
               <a:t> a new text file.</a:t>
@@ -10134,31 +10138,31 @@
           </a:p>
           <a:p>
             <a:r>
-              <a:rPr lang="en-GB">
+              <a:rPr lang="en-GB" dirty="0">
                 <a:latin typeface="Calibri" charset="0"/>
               </a:rPr>
               <a:t>We </a:t>
             </a:r>
             <a:r>
-              <a:rPr lang="en-GB" i="1">
+              <a:rPr lang="en-GB" i="1" dirty="0">
                 <a:latin typeface="Calibri" charset="0"/>
               </a:rPr>
               <a:t>added</a:t>
             </a:r>
             <a:r>
-              <a:rPr lang="en-GB">
+              <a:rPr lang="en-GB" dirty="0">
                 <a:latin typeface="Calibri" charset="0"/>
               </a:rPr>
               <a:t> and </a:t>
             </a:r>
             <a:r>
-              <a:rPr lang="en-GB" i="1">
+              <a:rPr lang="en-GB" i="1" dirty="0">
                 <a:latin typeface="Calibri" charset="0"/>
               </a:rPr>
               <a:t>committed</a:t>
             </a:r>
             <a:r>
-              <a:rPr lang="en-GB">
+              <a:rPr lang="en-GB" dirty="0">
                 <a:latin typeface="Calibri" charset="0"/>
               </a:rPr>
               <a:t> that new file to the local version of the repo.</a:t>
@@ -10166,19 +10170,19 @@
           </a:p>
           <a:p>
             <a:r>
-              <a:rPr lang="en-GB">
+              <a:rPr lang="en-GB" dirty="0">
                 <a:latin typeface="Calibri" charset="0"/>
               </a:rPr>
               <a:t>We used </a:t>
             </a:r>
             <a:r>
-              <a:rPr lang="en-GB" i="1">
+              <a:rPr lang="en-GB" i="1" dirty="0">
                 <a:latin typeface="Calibri" charset="0"/>
               </a:rPr>
               <a:t>push</a:t>
             </a:r>
             <a:r>
-              <a:rPr lang="en-GB">
+              <a:rPr lang="en-GB" dirty="0">
                 <a:latin typeface="Calibri" charset="0"/>
               </a:rPr>
               <a:t> to update the remote repo.</a:t>
@@ -10340,14 +10344,14 @@
           </a:ln>
           <a:extLst>
             <a:ext uri="{909E8E84-426E-40dd-AFC4-6F175D3DCCD1}">
-              <a14:hiddenFill xmlns:a14="http://schemas.microsoft.com/office/drawing/2010/main" xmlns="">
+              <a14:hiddenFill xmlns="" xmlns:a14="http://schemas.microsoft.com/office/drawing/2010/main">
                 <a:solidFill>
                   <a:srgbClr val="FFFFFF"/>
                 </a:solidFill>
               </a14:hiddenFill>
             </a:ext>
             <a:ext uri="{91240B29-F687-4f45-9708-019B960494DF}">
-              <a14:hiddenLine xmlns:a14="http://schemas.microsoft.com/office/drawing/2010/main" xmlns="" w="9525">
+              <a14:hiddenLine xmlns="" xmlns:a14="http://schemas.microsoft.com/office/drawing/2010/main" w="9525">
                 <a:solidFill>
                   <a:srgbClr val="000000"/>
                 </a:solidFill>
@@ -10467,7 +10471,7 @@
           </a:lstStyle>
           <a:p>
             <a:r>
-              <a:rPr lang="en-GB" sz="1800">
+              <a:rPr lang="en-GB" sz="1800" dirty="0">
                 <a:latin typeface="Arial" charset="0"/>
               </a:rPr>
               <a:t>     GitHub         Local</a:t>
@@ -11035,7 +11039,7 @@
           <a:lstStyle/>
           <a:p>
             <a:r>
-              <a:rPr lang="en-GB">
+              <a:rPr lang="en-GB" dirty="0">
                 <a:latin typeface="Calibri" charset="0"/>
               </a:rPr>
               <a:t>Managing code in the olden days</a:t>
@@ -11064,13 +11068,13 @@
           <a:lstStyle/>
           <a:p>
             <a:r>
-              <a:rPr lang="en-GB" sz="2800">
+              <a:rPr lang="en-GB" sz="2800" dirty="0">
                 <a:latin typeface="Calibri" charset="0"/>
               </a:rPr>
               <a:t>Create “</a:t>
             </a:r>
             <a:r>
-              <a:rPr lang="en-GB" sz="2800" i="1">
+              <a:rPr lang="en-GB" sz="2800" i="1" dirty="0" err="1">
                 <a:solidFill>
                   <a:srgbClr val="376092"/>
                 </a:solidFill>
@@ -11079,7 +11083,7 @@
               <a:t>working_dir</a:t>
             </a:r>
             <a:r>
-              <a:rPr lang="en-GB" sz="2800">
+              <a:rPr lang="en-GB" sz="2800" dirty="0">
                 <a:latin typeface="Calibri" charset="0"/>
               </a:rPr>
               <a:t>”...add some code</a:t>
@@ -11087,7 +11091,7 @@
           </a:p>
           <a:p>
             <a:r>
-              <a:rPr lang="en-GB" sz="2800">
+              <a:rPr lang="en-GB" sz="2800" dirty="0">
                 <a:latin typeface="Calibri" charset="0"/>
               </a:rPr>
               <a:t>Write some outputs...change the code</a:t>
@@ -11095,7 +11099,7 @@
           </a:p>
           <a:p>
             <a:r>
-              <a:rPr lang="en-GB" sz="2800">
+              <a:rPr lang="en-GB" sz="2800" dirty="0">
                 <a:latin typeface="Calibri" charset="0"/>
               </a:rPr>
               <a:t>Publish a paper...change the code</a:t>
@@ -11103,13 +11107,13 @@
           </a:p>
           <a:p>
             <a:r>
-              <a:rPr lang="en-GB" sz="2800">
+              <a:rPr lang="en-GB" sz="2800" dirty="0">
                 <a:latin typeface="Calibri" charset="0"/>
               </a:rPr>
               <a:t>Copy “</a:t>
             </a:r>
             <a:r>
-              <a:rPr lang="en-GB" sz="2800" i="1">
+              <a:rPr lang="en-GB" sz="2800" i="1" dirty="0" err="1">
                 <a:solidFill>
                   <a:srgbClr val="376092"/>
                 </a:solidFill>
@@ -11118,13 +11122,13 @@
               <a:t>working_dir</a:t>
             </a:r>
             <a:r>
-              <a:rPr lang="en-GB" sz="2800">
+              <a:rPr lang="en-GB" sz="2800" dirty="0">
                 <a:latin typeface="Calibri" charset="0"/>
               </a:rPr>
               <a:t>” to “</a:t>
             </a:r>
             <a:r>
-              <a:rPr lang="en-GB" sz="2800" i="1">
+              <a:rPr lang="en-GB" sz="2800" i="1" dirty="0">
                 <a:solidFill>
                   <a:srgbClr val="376092"/>
                 </a:solidFill>
@@ -11133,7 +11137,7 @@
               <a:t>working_dir2</a:t>
             </a:r>
             <a:r>
-              <a:rPr lang="en-GB" sz="2800">
+              <a:rPr lang="en-GB" sz="2800" dirty="0">
                 <a:latin typeface="Calibri" charset="0"/>
               </a:rPr>
               <a:t>”</a:t>
@@ -11141,7 +11145,7 @@
           </a:p>
           <a:p>
             <a:r>
-              <a:rPr lang="en-GB" sz="2800">
+              <a:rPr lang="en-GB" sz="2800" dirty="0">
                 <a:latin typeface="Calibri" charset="0"/>
               </a:rPr>
               <a:t>Change the code</a:t>
@@ -11149,7 +11153,7 @@
           </a:p>
           <a:p>
             <a:r>
-              <a:rPr lang="en-GB" sz="2800">
+              <a:rPr lang="en-GB" sz="2800" dirty="0">
                 <a:latin typeface="Calibri" charset="0"/>
               </a:rPr>
               <a:t>Copy a version to a CD</a:t>
@@ -11160,7 +11164,7 @@
               <a:buFont typeface="Arial" charset="0"/>
               <a:buNone/>
             </a:pPr>
-            <a:endParaRPr lang="en-GB" sz="1000" i="1">
+            <a:endParaRPr lang="en-GB" sz="1000" i="1" dirty="0">
               <a:latin typeface="Calibri" charset="0"/>
             </a:endParaRPr>
           </a:p>
@@ -11170,7 +11174,7 @@
               <a:buNone/>
             </a:pPr>
             <a:r>
-              <a:rPr lang="en-GB" sz="2800" i="1">
+              <a:rPr lang="en-GB" sz="2800" i="1" dirty="0">
                 <a:solidFill>
                   <a:srgbClr val="404040"/>
                 </a:solidFill>
@@ -11179,16 +11183,34 @@
               <a:t>...now which version is current? Is it </a:t>
             </a:r>
             <a:r>
-              <a:rPr lang="en-GB" sz="2800" i="1">
+              <a:rPr lang="en-GB" sz="2800" i="1" dirty="0">
                 <a:solidFill>
                   <a:srgbClr val="002060"/>
                 </a:solidFill>
                 <a:latin typeface="Calibri" charset="0"/>
               </a:rPr>
-              <a:t>“working_dir” or “working_dir2”? </a:t>
-            </a:r>
-            <a:r>
-              <a:rPr lang="en-GB" sz="2800" i="1">
+              <a:t>“</a:t>
+            </a:r>
+            <a:r>
+              <a:rPr lang="en-GB" sz="2800" i="1" dirty="0" err="1">
+                <a:solidFill>
+                  <a:srgbClr val="002060"/>
+                </a:solidFill>
+                <a:latin typeface="Calibri" charset="0"/>
+              </a:rPr>
+              <a:t>working_dir</a:t>
+            </a:r>
+            <a:r>
+              <a:rPr lang="en-GB" sz="2800" i="1" dirty="0">
+                <a:solidFill>
+                  <a:srgbClr val="002060"/>
+                </a:solidFill>
+                <a:latin typeface="Calibri" charset="0"/>
+              </a:rPr>
+              <a:t>” or “working_dir2”? </a:t>
+            </a:r>
+            <a:r>
+              <a:rPr lang="en-GB" sz="2800" i="1" dirty="0">
                 <a:solidFill>
                   <a:srgbClr val="404040"/>
                 </a:solidFill>
@@ -11198,12 +11220,12 @@
             </a:r>
           </a:p>
           <a:p>
-            <a:endParaRPr lang="en-GB" sz="2800">
+            <a:endParaRPr lang="en-GB" sz="2800" dirty="0">
               <a:latin typeface="Calibri" charset="0"/>
             </a:endParaRPr>
           </a:p>
           <a:p>
-            <a:endParaRPr lang="en-GB" sz="2800">
+            <a:endParaRPr lang="en-GB" sz="2800" dirty="0">
               <a:latin typeface="Calibri" charset="0"/>
             </a:endParaRPr>
           </a:p>
@@ -11574,7 +11596,7 @@
           <a:lstStyle/>
           <a:p>
             <a:r>
-              <a:rPr lang="en-GB">
+              <a:rPr lang="en-GB" dirty="0">
                 <a:latin typeface="Calibri" charset="0"/>
               </a:rPr>
               <a:t>Let's look on GitHub</a:t>
@@ -11633,7 +11655,7 @@
           <p:nvPr/>
         </p:nvPicPr>
         <p:blipFill>
-          <a:blip r:embed="rId2">
+          <a:blip r:embed="rId2" cstate="email">
             <a:extLst>
               <a:ext uri="{28A0092B-C50C-407E-A947-70E740481C1C}">
                 <a14:useLocalDpi xmlns:a14="http://schemas.microsoft.com/office/drawing/2010/main" val="0"/>
@@ -11676,17 +11698,17 @@
           </a:ln>
           <a:extLst>
             <a:ext uri="{FAA26D3D-D897-4be2-8F04-BA451C77F1D7}">
-              <ma14:placeholderFlag xmlns:ma14="http://schemas.microsoft.com/office/mac/drawingml/2011/main" val="1"/>
+              <ma14:placeholderFlag xmlns:ma14="http://schemas.microsoft.com/office/mac/drawingml/2011/main" xmlns="" val="1"/>
             </a:ext>
             <a:ext uri="{909E8E84-426E-40dd-AFC4-6F175D3DCCD1}">
-              <a14:hiddenFill xmlns:a14="http://schemas.microsoft.com/office/drawing/2010/main" xmlns="">
+              <a14:hiddenFill xmlns="" xmlns:a14="http://schemas.microsoft.com/office/drawing/2010/main">
                 <a:solidFill>
                   <a:srgbClr val="FFFFFF"/>
                 </a:solidFill>
               </a14:hiddenFill>
             </a:ext>
             <a:ext uri="{91240B29-F687-4f45-9708-019B960494DF}">
-              <a14:hiddenLine xmlns:a14="http://schemas.microsoft.com/office/drawing/2010/main" xmlns="" w="9525">
+              <a14:hiddenLine xmlns="" xmlns:a14="http://schemas.microsoft.com/office/drawing/2010/main" w="9525">
                 <a:solidFill>
                   <a:srgbClr val="000000"/>
                 </a:solidFill>
@@ -11887,7 +11909,7 @@
           <p:nvPr/>
         </p:nvPicPr>
         <p:blipFill>
-          <a:blip r:embed="rId3">
+          <a:blip r:embed="rId3" cstate="email">
             <a:extLst>
               <a:ext uri="{28A0092B-C50C-407E-A947-70E740481C1C}">
                 <a14:useLocalDpi xmlns:a14="http://schemas.microsoft.com/office/drawing/2010/main" val="0"/>
@@ -12160,8 +12182,8 @@
             </a:pPr>
             <a:r>
               <a:rPr lang="en-US" sz="2400" dirty="0" smtClean="0">
-                <a:latin typeface="Courier"/>
-                <a:cs typeface="Courier"/>
+                <a:latin typeface="Courier New" panose="02070309020205020404" pitchFamily="49" charset="0"/>
+                <a:cs typeface="Courier New" panose="02070309020205020404" pitchFamily="49" charset="0"/>
               </a:rPr>
               <a:t>$ </a:t>
             </a:r>
@@ -12170,8 +12192,8 @@
                 <a:solidFill>
                   <a:srgbClr val="FFFF00"/>
                 </a:solidFill>
-                <a:latin typeface="Courier"/>
-                <a:cs typeface="Courier"/>
+                <a:latin typeface="Courier New" panose="02070309020205020404" pitchFamily="49" charset="0"/>
+                <a:cs typeface="Courier New" panose="02070309020205020404" pitchFamily="49" charset="0"/>
               </a:rPr>
               <a:t>mkdir</a:t>
             </a:r>
@@ -12180,8 +12202,8 @@
                 <a:solidFill>
                   <a:srgbClr val="FFFF00"/>
                 </a:solidFill>
-                <a:latin typeface="Courier"/>
-                <a:cs typeface="Courier"/>
+                <a:latin typeface="Courier New" panose="02070309020205020404" pitchFamily="49" charset="0"/>
+                <a:cs typeface="Courier New" panose="02070309020205020404" pitchFamily="49" charset="0"/>
               </a:rPr>
               <a:t> </a:t>
             </a:r>
@@ -12190,8 +12212,8 @@
                 <a:solidFill>
                   <a:srgbClr val="FFFF00"/>
                 </a:solidFill>
-                <a:latin typeface="Courier"/>
-                <a:cs typeface="Courier"/>
+                <a:latin typeface="Courier New" panose="02070309020205020404" pitchFamily="49" charset="0"/>
+                <a:cs typeface="Courier New" panose="02070309020205020404" pitchFamily="49" charset="0"/>
               </a:rPr>
               <a:t>mydir</a:t>
             </a:r>
@@ -12199,8 +12221,8 @@
               <a:solidFill>
                 <a:srgbClr val="FFFF00"/>
               </a:solidFill>
-              <a:latin typeface="Courier"/>
-              <a:cs typeface="Courier"/>
+              <a:latin typeface="Courier New" panose="02070309020205020404" pitchFamily="49" charset="0"/>
+              <a:cs typeface="Courier New" panose="02070309020205020404" pitchFamily="49" charset="0"/>
             </a:endParaRPr>
           </a:p>
           <a:p>
@@ -12209,8 +12231,8 @@
             </a:pPr>
             <a:r>
               <a:rPr lang="en-US" sz="2400" dirty="0" smtClean="0">
-                <a:latin typeface="Courier"/>
-                <a:cs typeface="Courier"/>
+                <a:latin typeface="Courier New" panose="02070309020205020404" pitchFamily="49" charset="0"/>
+                <a:cs typeface="Courier New" panose="02070309020205020404" pitchFamily="49" charset="0"/>
               </a:rPr>
               <a:t>$ </a:t>
             </a:r>
@@ -12219,8 +12241,8 @@
                 <a:solidFill>
                   <a:srgbClr val="FFFF00"/>
                 </a:solidFill>
-                <a:latin typeface="Courier"/>
-                <a:cs typeface="Courier"/>
+                <a:latin typeface="Courier New" panose="02070309020205020404" pitchFamily="49" charset="0"/>
+                <a:cs typeface="Courier New" panose="02070309020205020404" pitchFamily="49" charset="0"/>
               </a:rPr>
               <a:t>echo "hi" &gt; </a:t>
             </a:r>
@@ -12229,8 +12251,8 @@
                 <a:solidFill>
                   <a:srgbClr val="FFFF00"/>
                 </a:solidFill>
-                <a:latin typeface="Courier"/>
-                <a:cs typeface="Courier"/>
+                <a:latin typeface="Courier New" panose="02070309020205020404" pitchFamily="49" charset="0"/>
+                <a:cs typeface="Courier New" panose="02070309020205020404" pitchFamily="49" charset="0"/>
               </a:rPr>
               <a:t>hi.txt</a:t>
             </a:r>
@@ -12238,8 +12260,8 @@
               <a:solidFill>
                 <a:srgbClr val="FFFF00"/>
               </a:solidFill>
-              <a:latin typeface="Courier"/>
-              <a:cs typeface="Courier"/>
+              <a:latin typeface="Courier New" panose="02070309020205020404" pitchFamily="49" charset="0"/>
+              <a:cs typeface="Courier New" panose="02070309020205020404" pitchFamily="49" charset="0"/>
             </a:endParaRPr>
           </a:p>
           <a:p>
@@ -12248,8 +12270,8 @@
             </a:pPr>
             <a:r>
               <a:rPr lang="en-US" sz="2400" dirty="0" smtClean="0">
-                <a:latin typeface="Courier"/>
-                <a:cs typeface="Courier"/>
+                <a:latin typeface="Courier New" panose="02070309020205020404" pitchFamily="49" charset="0"/>
+                <a:cs typeface="Courier New" panose="02070309020205020404" pitchFamily="49" charset="0"/>
               </a:rPr>
               <a:t>$ </a:t>
             </a:r>
@@ -12258,8 +12280,8 @@
                 <a:solidFill>
                   <a:srgbClr val="FFFF00"/>
                 </a:solidFill>
-                <a:latin typeface="Courier"/>
-                <a:cs typeface="Courier"/>
+                <a:latin typeface="Courier New" panose="02070309020205020404" pitchFamily="49" charset="0"/>
+                <a:cs typeface="Courier New" panose="02070309020205020404" pitchFamily="49" charset="0"/>
               </a:rPr>
               <a:t>echo "testing..." &gt; </a:t>
             </a:r>
@@ -12268,8 +12290,8 @@
                 <a:solidFill>
                   <a:srgbClr val="FFFF00"/>
                 </a:solidFill>
-                <a:latin typeface="Courier"/>
-                <a:cs typeface="Courier"/>
+                <a:latin typeface="Courier New" panose="02070309020205020404" pitchFamily="49" charset="0"/>
+                <a:cs typeface="Courier New" panose="02070309020205020404" pitchFamily="49" charset="0"/>
               </a:rPr>
               <a:t>mydir</a:t>
             </a:r>
@@ -12278,8 +12300,8 @@
                 <a:solidFill>
                   <a:srgbClr val="FFFF00"/>
                 </a:solidFill>
-                <a:latin typeface="Courier"/>
-                <a:cs typeface="Courier"/>
+                <a:latin typeface="Courier New" panose="02070309020205020404" pitchFamily="49" charset="0"/>
+                <a:cs typeface="Courier New" panose="02070309020205020404" pitchFamily="49" charset="0"/>
               </a:rPr>
               <a:t>/t1.</a:t>
             </a:r>
@@ -12288,8 +12310,8 @@
                 <a:solidFill>
                   <a:srgbClr val="FFFF00"/>
                 </a:solidFill>
-                <a:latin typeface="Courier"/>
-                <a:cs typeface="Courier"/>
+                <a:latin typeface="Courier New" panose="02070309020205020404" pitchFamily="49" charset="0"/>
+                <a:cs typeface="Courier New" panose="02070309020205020404" pitchFamily="49" charset="0"/>
               </a:rPr>
               <a:t>txt</a:t>
             </a:r>
@@ -12300,8 +12322,8 @@
             </a:pPr>
             <a:r>
               <a:rPr lang="en-US" sz="2400" dirty="0">
-                <a:latin typeface="Courier"/>
-                <a:cs typeface="Courier"/>
+                <a:latin typeface="Courier New" panose="02070309020205020404" pitchFamily="49" charset="0"/>
+                <a:cs typeface="Courier New" panose="02070309020205020404" pitchFamily="49" charset="0"/>
               </a:rPr>
               <a:t>$ </a:t>
             </a:r>
@@ -12310,8 +12332,8 @@
                 <a:solidFill>
                   <a:srgbClr val="FFFF00"/>
                 </a:solidFill>
-                <a:latin typeface="Courier"/>
-                <a:cs typeface="Courier"/>
+                <a:latin typeface="Courier New" panose="02070309020205020404" pitchFamily="49" charset="0"/>
+                <a:cs typeface="Courier New" panose="02070309020205020404" pitchFamily="49" charset="0"/>
               </a:rPr>
               <a:t>ls</a:t>
             </a:r>
@@ -12319,8 +12341,8 @@
               <a:solidFill>
                 <a:srgbClr val="FFFF00"/>
               </a:solidFill>
-              <a:latin typeface="Courier"/>
-              <a:cs typeface="Courier"/>
+              <a:latin typeface="Courier New" panose="02070309020205020404" pitchFamily="49" charset="0"/>
+              <a:cs typeface="Courier New" panose="02070309020205020404" pitchFamily="49" charset="0"/>
             </a:endParaRPr>
           </a:p>
           <a:p>
@@ -12329,49 +12351,49 @@
             </a:pPr>
             <a:r>
               <a:rPr lang="en-US" sz="2400" dirty="0" err="1" smtClean="0">
-                <a:latin typeface="Courier"/>
-                <a:cs typeface="Courier"/>
+                <a:latin typeface="Courier New" panose="02070309020205020404" pitchFamily="49" charset="0"/>
+                <a:cs typeface="Courier New" panose="02070309020205020404" pitchFamily="49" charset="0"/>
               </a:rPr>
               <a:t>hi.txt</a:t>
             </a:r>
             <a:r>
               <a:rPr lang="en-US" sz="2400" dirty="0">
-                <a:latin typeface="Courier"/>
-                <a:cs typeface="Courier"/>
+                <a:latin typeface="Courier New" panose="02070309020205020404" pitchFamily="49" charset="0"/>
+                <a:cs typeface="Courier New" panose="02070309020205020404" pitchFamily="49" charset="0"/>
               </a:rPr>
               <a:t>	</a:t>
             </a:r>
             <a:r>
               <a:rPr lang="en-US" sz="2400" dirty="0" err="1" smtClean="0">
-                <a:latin typeface="Courier"/>
-                <a:cs typeface="Courier"/>
+                <a:latin typeface="Courier New" panose="02070309020205020404" pitchFamily="49" charset="0"/>
+                <a:cs typeface="Courier New" panose="02070309020205020404" pitchFamily="49" charset="0"/>
               </a:rPr>
               <a:t>hello.txt</a:t>
             </a:r>
             <a:r>
               <a:rPr lang="en-US" sz="2400" dirty="0">
-                <a:latin typeface="Courier"/>
-                <a:cs typeface="Courier"/>
+                <a:latin typeface="Courier New" panose="02070309020205020404" pitchFamily="49" charset="0"/>
+                <a:cs typeface="Courier New" panose="02070309020205020404" pitchFamily="49" charset="0"/>
               </a:rPr>
               <a:t>	</a:t>
             </a:r>
             <a:r>
               <a:rPr lang="en-US" sz="2400" dirty="0" smtClean="0">
-                <a:latin typeface="Courier"/>
-                <a:cs typeface="Courier"/>
+                <a:latin typeface="Courier New" panose="02070309020205020404" pitchFamily="49" charset="0"/>
+                <a:cs typeface="Courier New" panose="02070309020205020404" pitchFamily="49" charset="0"/>
               </a:rPr>
               <a:t> </a:t>
             </a:r>
             <a:r>
               <a:rPr lang="en-US" sz="2400" dirty="0" err="1" smtClean="0">
-                <a:latin typeface="Courier"/>
-                <a:cs typeface="Courier"/>
+                <a:latin typeface="Courier New" panose="02070309020205020404" pitchFamily="49" charset="0"/>
+                <a:cs typeface="Courier New" panose="02070309020205020404" pitchFamily="49" charset="0"/>
               </a:rPr>
               <a:t>mydir</a:t>
             </a:r>
             <a:endParaRPr lang="en-US" sz="2400" dirty="0">
-              <a:latin typeface="Courier"/>
-              <a:cs typeface="Courier"/>
+              <a:latin typeface="Courier New" panose="02070309020205020404" pitchFamily="49" charset="0"/>
+              <a:cs typeface="Courier New" panose="02070309020205020404" pitchFamily="49" charset="0"/>
             </a:endParaRPr>
           </a:p>
         </p:txBody>
@@ -12481,8 +12503,8 @@
                 <a:solidFill>
                   <a:srgbClr val="FFFFFF"/>
                 </a:solidFill>
-                <a:latin typeface="Courier"/>
-                <a:cs typeface="Courier"/>
+                <a:latin typeface="Courier New" panose="02070309020205020404" pitchFamily="49" charset="0"/>
+                <a:cs typeface="Courier New" panose="02070309020205020404" pitchFamily="49" charset="0"/>
               </a:rPr>
               <a:t>$ </a:t>
             </a:r>
@@ -12491,8 +12513,8 @@
                 <a:solidFill>
                   <a:srgbClr val="FFFF00"/>
                 </a:solidFill>
-                <a:latin typeface="Courier"/>
-                <a:cs typeface="Courier"/>
+                <a:latin typeface="Courier New" panose="02070309020205020404" pitchFamily="49" charset="0"/>
+                <a:cs typeface="Courier New" panose="02070309020205020404" pitchFamily="49" charset="0"/>
               </a:rPr>
               <a:t>git</a:t>
             </a:r>
@@ -12501,8 +12523,8 @@
                 <a:solidFill>
                   <a:srgbClr val="FFFF00"/>
                 </a:solidFill>
-                <a:latin typeface="Courier"/>
-                <a:cs typeface="Courier"/>
+                <a:latin typeface="Courier New" panose="02070309020205020404" pitchFamily="49" charset="0"/>
+                <a:cs typeface="Courier New" panose="02070309020205020404" pitchFamily="49" charset="0"/>
               </a:rPr>
               <a:t> status</a:t>
             </a:r>
@@ -12513,8 +12535,8 @@
                 <a:solidFill>
                   <a:srgbClr val="FFFFFF"/>
                 </a:solidFill>
-                <a:latin typeface="Courier"/>
-                <a:cs typeface="Courier"/>
+                <a:latin typeface="Courier New" panose="02070309020205020404" pitchFamily="49" charset="0"/>
+                <a:cs typeface="Courier New" panose="02070309020205020404" pitchFamily="49" charset="0"/>
               </a:rPr>
               <a:t>On branch master</a:t>
             </a:r>
@@ -12525,8 +12547,8 @@
                 <a:solidFill>
                   <a:srgbClr val="FFFFFF"/>
                 </a:solidFill>
-                <a:latin typeface="Courier"/>
-                <a:cs typeface="Courier"/>
+                <a:latin typeface="Courier New" panose="02070309020205020404" pitchFamily="49" charset="0"/>
+                <a:cs typeface="Courier New" panose="02070309020205020404" pitchFamily="49" charset="0"/>
               </a:rPr>
               <a:t>Your branch is up-to-date with 'origin/master'.</a:t>
             </a:r>
@@ -12537,8 +12559,8 @@
                 <a:solidFill>
                   <a:srgbClr val="FFFFFF"/>
                 </a:solidFill>
-                <a:latin typeface="Courier"/>
-                <a:cs typeface="Courier"/>
+                <a:latin typeface="Courier New" panose="02070309020205020404" pitchFamily="49" charset="0"/>
+                <a:cs typeface="Courier New" panose="02070309020205020404" pitchFamily="49" charset="0"/>
               </a:rPr>
               <a:t>Untracked files:</a:t>
             </a:r>
@@ -12549,8 +12571,8 @@
                 <a:solidFill>
                   <a:srgbClr val="FFFFFF"/>
                 </a:solidFill>
-                <a:latin typeface="Courier"/>
-                <a:cs typeface="Courier"/>
+                <a:latin typeface="Courier New" panose="02070309020205020404" pitchFamily="49" charset="0"/>
+                <a:cs typeface="Courier New" panose="02070309020205020404" pitchFamily="49" charset="0"/>
               </a:rPr>
               <a:t>  (use "</a:t>
             </a:r>
@@ -12559,8 +12581,8 @@
                 <a:solidFill>
                   <a:srgbClr val="FFFFFF"/>
                 </a:solidFill>
-                <a:latin typeface="Courier"/>
-                <a:cs typeface="Courier"/>
+                <a:latin typeface="Courier New" panose="02070309020205020404" pitchFamily="49" charset="0"/>
+                <a:cs typeface="Courier New" panose="02070309020205020404" pitchFamily="49" charset="0"/>
               </a:rPr>
               <a:t>git</a:t>
             </a:r>
@@ -12569,8 +12591,8 @@
                 <a:solidFill>
                   <a:srgbClr val="FFFFFF"/>
                 </a:solidFill>
-                <a:latin typeface="Courier"/>
-                <a:cs typeface="Courier"/>
+                <a:latin typeface="Courier New" panose="02070309020205020404" pitchFamily="49" charset="0"/>
+                <a:cs typeface="Courier New" panose="02070309020205020404" pitchFamily="49" charset="0"/>
               </a:rPr>
               <a:t> add &lt;file&gt;..." to include in what will be committed)</a:t>
             </a:r>
@@ -12580,8 +12602,8 @@
               <a:solidFill>
                 <a:srgbClr val="FFFFFF"/>
               </a:solidFill>
-              <a:latin typeface="Courier"/>
-              <a:cs typeface="Courier"/>
+              <a:latin typeface="Courier New" panose="02070309020205020404" pitchFamily="49" charset="0"/>
+              <a:cs typeface="Courier New" panose="02070309020205020404" pitchFamily="49" charset="0"/>
             </a:endParaRPr>
           </a:p>
           <a:p>
@@ -12590,8 +12612,8 @@
                 <a:solidFill>
                   <a:srgbClr val="FFFFFF"/>
                 </a:solidFill>
-                <a:latin typeface="Courier"/>
-                <a:cs typeface="Courier"/>
+                <a:latin typeface="Courier New" panose="02070309020205020404" pitchFamily="49" charset="0"/>
+                <a:cs typeface="Courier New" panose="02070309020205020404" pitchFamily="49" charset="0"/>
               </a:rPr>
               <a:t>	</a:t>
             </a:r>
@@ -12600,8 +12622,8 @@
                 <a:solidFill>
                   <a:srgbClr val="FF0000"/>
                 </a:solidFill>
-                <a:latin typeface="Courier"/>
-                <a:cs typeface="Courier"/>
+                <a:latin typeface="Courier New" panose="02070309020205020404" pitchFamily="49" charset="0"/>
+                <a:cs typeface="Courier New" panose="02070309020205020404" pitchFamily="49" charset="0"/>
               </a:rPr>
               <a:t>hi.txt</a:t>
             </a:r>
@@ -12609,8 +12631,8 @@
               <a:solidFill>
                 <a:srgbClr val="FF0000"/>
               </a:solidFill>
-              <a:latin typeface="Courier"/>
-              <a:cs typeface="Courier"/>
+              <a:latin typeface="Courier New" panose="02070309020205020404" pitchFamily="49" charset="0"/>
+              <a:cs typeface="Courier New" panose="02070309020205020404" pitchFamily="49" charset="0"/>
             </a:endParaRPr>
           </a:p>
           <a:p>
@@ -12619,8 +12641,8 @@
                 <a:solidFill>
                   <a:srgbClr val="FF0000"/>
                 </a:solidFill>
-                <a:latin typeface="Courier"/>
-                <a:cs typeface="Courier"/>
+                <a:latin typeface="Courier New" panose="02070309020205020404" pitchFamily="49" charset="0"/>
+                <a:cs typeface="Courier New" panose="02070309020205020404" pitchFamily="49" charset="0"/>
               </a:rPr>
               <a:t>	</a:t>
             </a:r>
@@ -12629,8 +12651,8 @@
                 <a:solidFill>
                   <a:srgbClr val="FF0000"/>
                 </a:solidFill>
-                <a:latin typeface="Courier"/>
-                <a:cs typeface="Courier"/>
+                <a:latin typeface="Courier New" panose="02070309020205020404" pitchFamily="49" charset="0"/>
+                <a:cs typeface="Courier New" panose="02070309020205020404" pitchFamily="49" charset="0"/>
               </a:rPr>
               <a:t>mydir</a:t>
             </a:r>
@@ -12639,8 +12661,8 @@
                 <a:solidFill>
                   <a:srgbClr val="FF0000"/>
                 </a:solidFill>
-                <a:latin typeface="Courier"/>
-                <a:cs typeface="Courier"/>
+                <a:latin typeface="Courier New" panose="02070309020205020404" pitchFamily="49" charset="0"/>
+                <a:cs typeface="Courier New" panose="02070309020205020404" pitchFamily="49" charset="0"/>
               </a:rPr>
               <a:t>/</a:t>
             </a:r>
@@ -12650,8 +12672,8 @@
               <a:solidFill>
                 <a:srgbClr val="FFFFFF"/>
               </a:solidFill>
-              <a:latin typeface="Courier"/>
-              <a:cs typeface="Courier"/>
+              <a:latin typeface="Courier New" panose="02070309020205020404" pitchFamily="49" charset="0"/>
+              <a:cs typeface="Courier New" panose="02070309020205020404" pitchFamily="49" charset="0"/>
             </a:endParaRPr>
           </a:p>
           <a:p>
@@ -12660,8 +12682,8 @@
                 <a:solidFill>
                   <a:srgbClr val="FFFFFF"/>
                 </a:solidFill>
-                <a:latin typeface="Courier"/>
-                <a:cs typeface="Courier"/>
+                <a:latin typeface="Courier New" panose="02070309020205020404" pitchFamily="49" charset="0"/>
+                <a:cs typeface="Courier New" panose="02070309020205020404" pitchFamily="49" charset="0"/>
               </a:rPr>
               <a:t>nothing added to commit but untracked files present (use "</a:t>
             </a:r>
@@ -12670,8 +12692,8 @@
                 <a:solidFill>
                   <a:srgbClr val="FFFFFF"/>
                 </a:solidFill>
-                <a:latin typeface="Courier"/>
-                <a:cs typeface="Courier"/>
+                <a:latin typeface="Courier New" panose="02070309020205020404" pitchFamily="49" charset="0"/>
+                <a:cs typeface="Courier New" panose="02070309020205020404" pitchFamily="49" charset="0"/>
               </a:rPr>
               <a:t>git</a:t>
             </a:r>
@@ -12680,8 +12702,8 @@
                 <a:solidFill>
                   <a:srgbClr val="FFFFFF"/>
                 </a:solidFill>
-                <a:latin typeface="Courier"/>
-                <a:cs typeface="Courier"/>
+                <a:latin typeface="Courier New" panose="02070309020205020404" pitchFamily="49" charset="0"/>
+                <a:cs typeface="Courier New" panose="02070309020205020404" pitchFamily="49" charset="0"/>
               </a:rPr>
               <a:t> add" to track)</a:t>
             </a:r>
@@ -12696,8 +12718,8 @@
         </p:nvSpPr>
         <p:spPr>
           <a:xfrm>
-            <a:off x="1054100" y="1536700"/>
-            <a:ext cx="4343400" cy="369332"/>
+            <a:off x="609600" y="1516152"/>
+            <a:ext cx="4343400" cy="400110"/>
           </a:xfrm>
           <a:prstGeom prst="rect">
             <a:avLst/>
@@ -12711,10 +12733,14 @@
           <a:lstStyle/>
           <a:p>
             <a:r>
-              <a:rPr lang="en-US" dirty="0" smtClean="0"/>
+              <a:rPr lang="en-US" sz="2000" dirty="0" smtClean="0">
+                <a:latin typeface="+mn-lt"/>
+              </a:rPr>
               <a:t>Use to see what stage files are at</a:t>
             </a:r>
-            <a:endParaRPr lang="en-US" dirty="0"/>
+            <a:endParaRPr lang="en-US" sz="2000" dirty="0">
+              <a:latin typeface="+mn-lt"/>
+            </a:endParaRPr>
           </a:p>
         </p:txBody>
       </p:sp>
@@ -12816,8 +12842,8 @@
             </a:pPr>
             <a:r>
               <a:rPr lang="en-US" sz="1800" dirty="0" smtClean="0">
-                <a:latin typeface="Courier"/>
-                <a:cs typeface="Courier"/>
+                <a:latin typeface="Courier New" panose="02070309020205020404" pitchFamily="49" charset="0"/>
+                <a:cs typeface="Courier New" panose="02070309020205020404" pitchFamily="49" charset="0"/>
               </a:rPr>
               <a:t>$ </a:t>
             </a:r>
@@ -12826,8 +12852,8 @@
                 <a:solidFill>
                   <a:srgbClr val="FFFF00"/>
                 </a:solidFill>
-                <a:latin typeface="Courier"/>
-                <a:cs typeface="Courier"/>
+                <a:latin typeface="Courier New" panose="02070309020205020404" pitchFamily="49" charset="0"/>
+                <a:cs typeface="Courier New" panose="02070309020205020404" pitchFamily="49" charset="0"/>
               </a:rPr>
               <a:t>git</a:t>
             </a:r>
@@ -12836,8 +12862,8 @@
                 <a:solidFill>
                   <a:srgbClr val="FFFF00"/>
                 </a:solidFill>
-                <a:latin typeface="Courier"/>
-                <a:cs typeface="Courier"/>
+                <a:latin typeface="Courier New" panose="02070309020205020404" pitchFamily="49" charset="0"/>
+                <a:cs typeface="Courier New" panose="02070309020205020404" pitchFamily="49" charset="0"/>
               </a:rPr>
               <a:t> add .</a:t>
             </a:r>
@@ -12848,8 +12874,8 @@
             </a:pPr>
             <a:r>
               <a:rPr lang="en-US" sz="1800" dirty="0" smtClean="0">
-                <a:latin typeface="Courier"/>
-                <a:cs typeface="Courier"/>
+                <a:latin typeface="Courier New" panose="02070309020205020404" pitchFamily="49" charset="0"/>
+                <a:cs typeface="Courier New" panose="02070309020205020404" pitchFamily="49" charset="0"/>
               </a:rPr>
               <a:t>$ </a:t>
             </a:r>
@@ -12858,8 +12884,8 @@
                 <a:solidFill>
                   <a:srgbClr val="FFFF00"/>
                 </a:solidFill>
-                <a:latin typeface="Courier"/>
-                <a:cs typeface="Courier"/>
+                <a:latin typeface="Courier New" panose="02070309020205020404" pitchFamily="49" charset="0"/>
+                <a:cs typeface="Courier New" panose="02070309020205020404" pitchFamily="49" charset="0"/>
               </a:rPr>
               <a:t>git</a:t>
             </a:r>
@@ -12868,8 +12894,8 @@
                 <a:solidFill>
                   <a:srgbClr val="FFFF00"/>
                 </a:solidFill>
-                <a:latin typeface="Courier"/>
-                <a:cs typeface="Courier"/>
+                <a:latin typeface="Courier New" panose="02070309020205020404" pitchFamily="49" charset="0"/>
+                <a:cs typeface="Courier New" panose="02070309020205020404" pitchFamily="49" charset="0"/>
               </a:rPr>
               <a:t> status</a:t>
             </a:r>
@@ -12880,8 +12906,8 @@
             </a:pPr>
             <a:r>
               <a:rPr lang="en-US" sz="1800" dirty="0">
-                <a:latin typeface="Courier"/>
-                <a:cs typeface="Courier"/>
+                <a:latin typeface="Courier New" panose="02070309020205020404" pitchFamily="49" charset="0"/>
+                <a:cs typeface="Courier New" panose="02070309020205020404" pitchFamily="49" charset="0"/>
               </a:rPr>
               <a:t>On branch master</a:t>
             </a:r>
@@ -12892,8 +12918,8 @@
             </a:pPr>
             <a:r>
               <a:rPr lang="en-US" sz="1800" dirty="0">
-                <a:latin typeface="Courier"/>
-                <a:cs typeface="Courier"/>
+                <a:latin typeface="Courier New" panose="02070309020205020404" pitchFamily="49" charset="0"/>
+                <a:cs typeface="Courier New" panose="02070309020205020404" pitchFamily="49" charset="0"/>
               </a:rPr>
               <a:t>Your branch is up-to-date with 'origin/master'.</a:t>
             </a:r>
@@ -12904,8 +12930,8 @@
             </a:pPr>
             <a:r>
               <a:rPr lang="en-US" sz="1800" dirty="0">
-                <a:latin typeface="Courier"/>
-                <a:cs typeface="Courier"/>
+                <a:latin typeface="Courier New" panose="02070309020205020404" pitchFamily="49" charset="0"/>
+                <a:cs typeface="Courier New" panose="02070309020205020404" pitchFamily="49" charset="0"/>
               </a:rPr>
               <a:t>Changes to be committed:</a:t>
             </a:r>
@@ -12916,36 +12942,36 @@
             </a:pPr>
             <a:r>
               <a:rPr lang="en-US" sz="1800" dirty="0">
-                <a:latin typeface="Courier"/>
-                <a:cs typeface="Courier"/>
+                <a:latin typeface="Courier New" panose="02070309020205020404" pitchFamily="49" charset="0"/>
+                <a:cs typeface="Courier New" panose="02070309020205020404" pitchFamily="49" charset="0"/>
               </a:rPr>
               <a:t>  (use "</a:t>
             </a:r>
             <a:r>
               <a:rPr lang="en-US" sz="1800" dirty="0" err="1">
-                <a:latin typeface="Courier"/>
-                <a:cs typeface="Courier"/>
+                <a:latin typeface="Courier New" panose="02070309020205020404" pitchFamily="49" charset="0"/>
+                <a:cs typeface="Courier New" panose="02070309020205020404" pitchFamily="49" charset="0"/>
               </a:rPr>
               <a:t>git</a:t>
             </a:r>
             <a:r>
               <a:rPr lang="en-US" sz="1800" dirty="0">
-                <a:latin typeface="Courier"/>
-                <a:cs typeface="Courier"/>
+                <a:latin typeface="Courier New" panose="02070309020205020404" pitchFamily="49" charset="0"/>
+                <a:cs typeface="Courier New" panose="02070309020205020404" pitchFamily="49" charset="0"/>
               </a:rPr>
               <a:t> reset HEAD &lt;file&gt;..." to </a:t>
             </a:r>
             <a:r>
               <a:rPr lang="en-US" sz="1800" dirty="0" err="1">
-                <a:latin typeface="Courier"/>
-                <a:cs typeface="Courier"/>
+                <a:latin typeface="Courier New" panose="02070309020205020404" pitchFamily="49" charset="0"/>
+                <a:cs typeface="Courier New" panose="02070309020205020404" pitchFamily="49" charset="0"/>
               </a:rPr>
               <a:t>unstage</a:t>
             </a:r>
             <a:r>
               <a:rPr lang="en-US" sz="1800" dirty="0">
-                <a:latin typeface="Courier"/>
-                <a:cs typeface="Courier"/>
+                <a:latin typeface="Courier New" panose="02070309020205020404" pitchFamily="49" charset="0"/>
+                <a:cs typeface="Courier New" panose="02070309020205020404" pitchFamily="49" charset="0"/>
               </a:rPr>
               <a:t>)</a:t>
             </a:r>
@@ -12955,8 +12981,8 @@
               <a:buNone/>
             </a:pPr>
             <a:endParaRPr lang="en-US" sz="1800" dirty="0">
-              <a:latin typeface="Courier"/>
-              <a:cs typeface="Courier"/>
+              <a:latin typeface="Courier New" panose="02070309020205020404" pitchFamily="49" charset="0"/>
+              <a:cs typeface="Courier New" panose="02070309020205020404" pitchFamily="49" charset="0"/>
             </a:endParaRPr>
           </a:p>
           <a:p>
@@ -12965,8 +12991,8 @@
             </a:pPr>
             <a:r>
               <a:rPr lang="en-US" sz="1800" dirty="0">
-                <a:latin typeface="Courier"/>
-                <a:cs typeface="Courier"/>
+                <a:latin typeface="Courier New" panose="02070309020205020404" pitchFamily="49" charset="0"/>
+                <a:cs typeface="Courier New" panose="02070309020205020404" pitchFamily="49" charset="0"/>
               </a:rPr>
               <a:t>	</a:t>
             </a:r>
@@ -12975,8 +13001,8 @@
                 <a:solidFill>
                   <a:srgbClr val="66FA66"/>
                 </a:solidFill>
-                <a:latin typeface="Courier"/>
-                <a:cs typeface="Courier"/>
+                <a:latin typeface="Courier New" panose="02070309020205020404" pitchFamily="49" charset="0"/>
+                <a:cs typeface="Courier New" panose="02070309020205020404" pitchFamily="49" charset="0"/>
               </a:rPr>
               <a:t>new file:   </a:t>
             </a:r>
@@ -12985,8 +13011,8 @@
                 <a:solidFill>
                   <a:srgbClr val="66FA66"/>
                 </a:solidFill>
-                <a:latin typeface="Courier"/>
-                <a:cs typeface="Courier"/>
+                <a:latin typeface="Courier New" panose="02070309020205020404" pitchFamily="49" charset="0"/>
+                <a:cs typeface="Courier New" panose="02070309020205020404" pitchFamily="49" charset="0"/>
               </a:rPr>
               <a:t>hi.txt</a:t>
             </a:r>
@@ -12994,8 +13020,8 @@
               <a:solidFill>
                 <a:srgbClr val="66FA66"/>
               </a:solidFill>
-              <a:latin typeface="Courier"/>
-              <a:cs typeface="Courier"/>
+              <a:latin typeface="Courier New" panose="02070309020205020404" pitchFamily="49" charset="0"/>
+              <a:cs typeface="Courier New" panose="02070309020205020404" pitchFamily="49" charset="0"/>
             </a:endParaRPr>
           </a:p>
           <a:p>
@@ -13007,8 +13033,8 @@
                 <a:solidFill>
                   <a:srgbClr val="66FA66"/>
                 </a:solidFill>
-                <a:latin typeface="Courier"/>
-                <a:cs typeface="Courier"/>
+                <a:latin typeface="Courier New" panose="02070309020205020404" pitchFamily="49" charset="0"/>
+                <a:cs typeface="Courier New" panose="02070309020205020404" pitchFamily="49" charset="0"/>
               </a:rPr>
               <a:t>	new file:   </a:t>
             </a:r>
@@ -13017,8 +13043,8 @@
                 <a:solidFill>
                   <a:srgbClr val="66FA66"/>
                 </a:solidFill>
-                <a:latin typeface="Courier"/>
-                <a:cs typeface="Courier"/>
+                <a:latin typeface="Courier New" panose="02070309020205020404" pitchFamily="49" charset="0"/>
+                <a:cs typeface="Courier New" panose="02070309020205020404" pitchFamily="49" charset="0"/>
               </a:rPr>
               <a:t>mydir</a:t>
             </a:r>
@@ -13027,16 +13053,16 @@
                 <a:solidFill>
                   <a:srgbClr val="66FA66"/>
                 </a:solidFill>
-                <a:latin typeface="Courier"/>
-                <a:cs typeface="Courier"/>
+                <a:latin typeface="Courier New" panose="02070309020205020404" pitchFamily="49" charset="0"/>
+                <a:cs typeface="Courier New" panose="02070309020205020404" pitchFamily="49" charset="0"/>
               </a:rPr>
               <a:t>/t1.txt</a:t>
             </a:r>
           </a:p>
           <a:p>
             <a:endParaRPr lang="en-US" sz="1800" dirty="0">
-              <a:latin typeface="Courier"/>
-              <a:cs typeface="Courier"/>
+              <a:latin typeface="Courier New" panose="02070309020205020404" pitchFamily="49" charset="0"/>
+              <a:cs typeface="Courier New" panose="02070309020205020404" pitchFamily="49" charset="0"/>
             </a:endParaRPr>
           </a:p>
           <a:p>
@@ -13044,8 +13070,8 @@
               <a:buNone/>
             </a:pPr>
             <a:endParaRPr lang="en-US" sz="1800" dirty="0">
-              <a:latin typeface="Courier"/>
-              <a:cs typeface="Courier"/>
+              <a:latin typeface="Courier New" panose="02070309020205020404" pitchFamily="49" charset="0"/>
+              <a:cs typeface="Courier New" panose="02070309020205020404" pitchFamily="49" charset="0"/>
             </a:endParaRPr>
           </a:p>
         </p:txBody>
@@ -13058,8 +13084,8 @@
         </p:nvSpPr>
         <p:spPr>
           <a:xfrm>
-            <a:off x="901700" y="1320800"/>
-            <a:ext cx="6045200" cy="646331"/>
+            <a:off x="457200" y="1331074"/>
+            <a:ext cx="6045200" cy="707886"/>
           </a:xfrm>
           <a:prstGeom prst="rect">
             <a:avLst/>
@@ -13073,18 +13099,26 @@
           <a:lstStyle/>
           <a:p>
             <a:r>
-              <a:rPr lang="en-US" dirty="0" smtClean="0"/>
+              <a:rPr lang="en-US" sz="2000" dirty="0" smtClean="0">
+                <a:latin typeface="+mn-lt"/>
+              </a:rPr>
               <a:t>Adding files tells </a:t>
             </a:r>
             <a:r>
-              <a:rPr lang="en-US" dirty="0" err="1" smtClean="0"/>
+              <a:rPr lang="en-US" sz="2000" dirty="0" err="1" smtClean="0">
+                <a:latin typeface="+mn-lt"/>
+              </a:rPr>
               <a:t>git</a:t>
             </a:r>
             <a:r>
-              <a:rPr lang="en-US" dirty="0" smtClean="0"/>
+              <a:rPr lang="en-US" sz="2000" dirty="0" smtClean="0">
+                <a:latin typeface="+mn-lt"/>
+              </a:rPr>
               <a:t> to start looking after them or add a new version if it already knows about it.</a:t>
             </a:r>
-            <a:endParaRPr lang="en-US" dirty="0"/>
+            <a:endParaRPr lang="en-US" sz="2000" dirty="0">
+              <a:latin typeface="+mn-lt"/>
+            </a:endParaRPr>
           </a:p>
         </p:txBody>
       </p:sp>
@@ -13186,8 +13220,8 @@
             </a:pPr>
             <a:r>
               <a:rPr lang="en-US" sz="1800" dirty="0" smtClean="0">
-                <a:latin typeface="Courier"/>
-                <a:cs typeface="Courier"/>
+                <a:latin typeface="Courier New" panose="02070309020205020404" pitchFamily="49" charset="0"/>
+                <a:cs typeface="Courier New" panose="02070309020205020404" pitchFamily="49" charset="0"/>
               </a:rPr>
               <a:t>$ </a:t>
             </a:r>
@@ -13196,8 +13230,8 @@
                 <a:solidFill>
                   <a:srgbClr val="FFFF00"/>
                 </a:solidFill>
-                <a:latin typeface="Courier"/>
-                <a:cs typeface="Courier"/>
+                <a:latin typeface="Courier New" panose="02070309020205020404" pitchFamily="49" charset="0"/>
+                <a:cs typeface="Courier New" panose="02070309020205020404" pitchFamily="49" charset="0"/>
               </a:rPr>
               <a:t>echo "testing..." &gt; </a:t>
             </a:r>
@@ -13206,8 +13240,8 @@
                 <a:solidFill>
                   <a:srgbClr val="FFFF00"/>
                 </a:solidFill>
-                <a:latin typeface="Courier"/>
-                <a:cs typeface="Courier"/>
+                <a:latin typeface="Courier New" panose="02070309020205020404" pitchFamily="49" charset="0"/>
+                <a:cs typeface="Courier New" panose="02070309020205020404" pitchFamily="49" charset="0"/>
               </a:rPr>
               <a:t>mydir</a:t>
             </a:r>
@@ -13216,8 +13250,8 @@
                 <a:solidFill>
                   <a:srgbClr val="FFFF00"/>
                 </a:solidFill>
-                <a:latin typeface="Courier"/>
-                <a:cs typeface="Courier"/>
+                <a:latin typeface="Courier New" panose="02070309020205020404" pitchFamily="49" charset="0"/>
+                <a:cs typeface="Courier New" panose="02070309020205020404" pitchFamily="49" charset="0"/>
               </a:rPr>
               <a:t>/t2.txt</a:t>
             </a:r>
@@ -13228,8 +13262,8 @@
             </a:pPr>
             <a:r>
               <a:rPr lang="en-US" sz="1800" dirty="0" smtClean="0">
-                <a:latin typeface="Courier"/>
-                <a:cs typeface="Courier"/>
+                <a:latin typeface="Courier New" panose="02070309020205020404" pitchFamily="49" charset="0"/>
+                <a:cs typeface="Courier New" panose="02070309020205020404" pitchFamily="49" charset="0"/>
               </a:rPr>
               <a:t>$ </a:t>
             </a:r>
@@ -13238,8 +13272,8 @@
                 <a:solidFill>
                   <a:srgbClr val="FFFF00"/>
                 </a:solidFill>
-                <a:latin typeface="Courier"/>
-                <a:cs typeface="Courier"/>
+                <a:latin typeface="Courier New" panose="02070309020205020404" pitchFamily="49" charset="0"/>
+                <a:cs typeface="Courier New" panose="02070309020205020404" pitchFamily="49" charset="0"/>
               </a:rPr>
               <a:t>git</a:t>
             </a:r>
@@ -13248,8 +13282,8 @@
                 <a:solidFill>
                   <a:srgbClr val="FFFF00"/>
                 </a:solidFill>
-                <a:latin typeface="Courier"/>
-                <a:cs typeface="Courier"/>
+                <a:latin typeface="Courier New" panose="02070309020205020404" pitchFamily="49" charset="0"/>
+                <a:cs typeface="Courier New" panose="02070309020205020404" pitchFamily="49" charset="0"/>
               </a:rPr>
               <a:t> add </a:t>
             </a:r>
@@ -13258,8 +13292,8 @@
                 <a:solidFill>
                   <a:srgbClr val="FFFF00"/>
                 </a:solidFill>
-                <a:latin typeface="Courier"/>
-                <a:cs typeface="Courier"/>
+                <a:latin typeface="Courier New" panose="02070309020205020404" pitchFamily="49" charset="0"/>
+                <a:cs typeface="Courier New" panose="02070309020205020404" pitchFamily="49" charset="0"/>
               </a:rPr>
               <a:t>mydir</a:t>
             </a:r>
@@ -13268,8 +13302,8 @@
                 <a:solidFill>
                   <a:srgbClr val="FFFF00"/>
                 </a:solidFill>
-                <a:latin typeface="Courier"/>
-                <a:cs typeface="Courier"/>
+                <a:latin typeface="Courier New" panose="02070309020205020404" pitchFamily="49" charset="0"/>
+                <a:cs typeface="Courier New" panose="02070309020205020404" pitchFamily="49" charset="0"/>
               </a:rPr>
               <a:t>/t2.txt </a:t>
             </a:r>
@@ -13280,8 +13314,8 @@
             </a:pPr>
             <a:r>
               <a:rPr lang="en-US" sz="1800" dirty="0" smtClean="0">
-                <a:latin typeface="Courier"/>
-                <a:cs typeface="Courier"/>
+                <a:latin typeface="Courier New" panose="02070309020205020404" pitchFamily="49" charset="0"/>
+                <a:cs typeface="Courier New" panose="02070309020205020404" pitchFamily="49" charset="0"/>
               </a:rPr>
               <a:t>$ </a:t>
             </a:r>
@@ -13290,8 +13324,8 @@
                 <a:solidFill>
                   <a:srgbClr val="FFFF00"/>
                 </a:solidFill>
-                <a:latin typeface="Courier"/>
-                <a:cs typeface="Courier"/>
+                <a:latin typeface="Courier New" panose="02070309020205020404" pitchFamily="49" charset="0"/>
+                <a:cs typeface="Courier New" panose="02070309020205020404" pitchFamily="49" charset="0"/>
               </a:rPr>
               <a:t>git</a:t>
             </a:r>
@@ -13300,8 +13334,8 @@
                 <a:solidFill>
                   <a:srgbClr val="FFFF00"/>
                 </a:solidFill>
-                <a:latin typeface="Courier"/>
-                <a:cs typeface="Courier"/>
+                <a:latin typeface="Courier New" panose="02070309020205020404" pitchFamily="49" charset="0"/>
+                <a:cs typeface="Courier New" panose="02070309020205020404" pitchFamily="49" charset="0"/>
               </a:rPr>
               <a:t> status</a:t>
             </a:r>
@@ -13312,8 +13346,8 @@
             </a:pPr>
             <a:r>
               <a:rPr lang="en-US" sz="1800" dirty="0">
-                <a:latin typeface="Courier"/>
-                <a:cs typeface="Courier"/>
+                <a:latin typeface="Courier New" panose="02070309020205020404" pitchFamily="49" charset="0"/>
+                <a:cs typeface="Courier New" panose="02070309020205020404" pitchFamily="49" charset="0"/>
               </a:rPr>
               <a:t>On branch master</a:t>
             </a:r>
@@ -13324,8 +13358,8 @@
             </a:pPr>
             <a:r>
               <a:rPr lang="en-US" sz="1800" dirty="0">
-                <a:latin typeface="Courier"/>
-                <a:cs typeface="Courier"/>
+                <a:latin typeface="Courier New" panose="02070309020205020404" pitchFamily="49" charset="0"/>
+                <a:cs typeface="Courier New" panose="02070309020205020404" pitchFamily="49" charset="0"/>
               </a:rPr>
               <a:t>Your branch is up-to-date with 'origin/master'.</a:t>
             </a:r>
@@ -13336,8 +13370,8 @@
             </a:pPr>
             <a:r>
               <a:rPr lang="en-US" sz="1800" dirty="0">
-                <a:latin typeface="Courier"/>
-                <a:cs typeface="Courier"/>
+                <a:latin typeface="Courier New" panose="02070309020205020404" pitchFamily="49" charset="0"/>
+                <a:cs typeface="Courier New" panose="02070309020205020404" pitchFamily="49" charset="0"/>
               </a:rPr>
               <a:t>Changes to be committed:</a:t>
             </a:r>
@@ -13348,36 +13382,36 @@
             </a:pPr>
             <a:r>
               <a:rPr lang="en-US" sz="1800" dirty="0">
-                <a:latin typeface="Courier"/>
-                <a:cs typeface="Courier"/>
+                <a:latin typeface="Courier New" panose="02070309020205020404" pitchFamily="49" charset="0"/>
+                <a:cs typeface="Courier New" panose="02070309020205020404" pitchFamily="49" charset="0"/>
               </a:rPr>
               <a:t>  (use "</a:t>
             </a:r>
             <a:r>
               <a:rPr lang="en-US" sz="1800" dirty="0" err="1">
-                <a:latin typeface="Courier"/>
-                <a:cs typeface="Courier"/>
+                <a:latin typeface="Courier New" panose="02070309020205020404" pitchFamily="49" charset="0"/>
+                <a:cs typeface="Courier New" panose="02070309020205020404" pitchFamily="49" charset="0"/>
               </a:rPr>
               <a:t>git</a:t>
             </a:r>
             <a:r>
               <a:rPr lang="en-US" sz="1800" dirty="0">
-                <a:latin typeface="Courier"/>
-                <a:cs typeface="Courier"/>
+                <a:latin typeface="Courier New" panose="02070309020205020404" pitchFamily="49" charset="0"/>
+                <a:cs typeface="Courier New" panose="02070309020205020404" pitchFamily="49" charset="0"/>
               </a:rPr>
               <a:t> reset HEAD &lt;file&gt;..." to </a:t>
             </a:r>
             <a:r>
               <a:rPr lang="en-US" sz="1800" dirty="0" err="1">
-                <a:latin typeface="Courier"/>
-                <a:cs typeface="Courier"/>
+                <a:latin typeface="Courier New" panose="02070309020205020404" pitchFamily="49" charset="0"/>
+                <a:cs typeface="Courier New" panose="02070309020205020404" pitchFamily="49" charset="0"/>
               </a:rPr>
               <a:t>unstage</a:t>
             </a:r>
             <a:r>
               <a:rPr lang="en-US" sz="1800" dirty="0">
-                <a:latin typeface="Courier"/>
-                <a:cs typeface="Courier"/>
+                <a:latin typeface="Courier New" panose="02070309020205020404" pitchFamily="49" charset="0"/>
+                <a:cs typeface="Courier New" panose="02070309020205020404" pitchFamily="49" charset="0"/>
               </a:rPr>
               <a:t>)</a:t>
             </a:r>
@@ -13387,8 +13421,8 @@
               <a:buNone/>
             </a:pPr>
             <a:endParaRPr lang="en-US" sz="1800" dirty="0">
-              <a:latin typeface="Courier"/>
-              <a:cs typeface="Courier"/>
+              <a:latin typeface="Courier New" panose="02070309020205020404" pitchFamily="49" charset="0"/>
+              <a:cs typeface="Courier New" panose="02070309020205020404" pitchFamily="49" charset="0"/>
             </a:endParaRPr>
           </a:p>
           <a:p>
@@ -13397,8 +13431,8 @@
             </a:pPr>
             <a:r>
               <a:rPr lang="en-US" sz="1800" dirty="0">
-                <a:latin typeface="Courier"/>
-                <a:cs typeface="Courier"/>
+                <a:latin typeface="Courier New" panose="02070309020205020404" pitchFamily="49" charset="0"/>
+                <a:cs typeface="Courier New" panose="02070309020205020404" pitchFamily="49" charset="0"/>
               </a:rPr>
               <a:t>	</a:t>
             </a:r>
@@ -13407,8 +13441,8 @@
                 <a:solidFill>
                   <a:srgbClr val="66FA66"/>
                 </a:solidFill>
-                <a:latin typeface="Courier"/>
-                <a:cs typeface="Courier"/>
+                <a:latin typeface="Courier New" panose="02070309020205020404" pitchFamily="49" charset="0"/>
+                <a:cs typeface="Courier New" panose="02070309020205020404" pitchFamily="49" charset="0"/>
               </a:rPr>
               <a:t>new file:   </a:t>
             </a:r>
@@ -13417,8 +13451,8 @@
                 <a:solidFill>
                   <a:srgbClr val="66FA66"/>
                 </a:solidFill>
-                <a:latin typeface="Courier"/>
-                <a:cs typeface="Courier"/>
+                <a:latin typeface="Courier New" panose="02070309020205020404" pitchFamily="49" charset="0"/>
+                <a:cs typeface="Courier New" panose="02070309020205020404" pitchFamily="49" charset="0"/>
               </a:rPr>
               <a:t>hi.txt</a:t>
             </a:r>
@@ -13426,8 +13460,8 @@
               <a:solidFill>
                 <a:srgbClr val="66FA66"/>
               </a:solidFill>
-              <a:latin typeface="Courier"/>
-              <a:cs typeface="Courier"/>
+              <a:latin typeface="Courier New" panose="02070309020205020404" pitchFamily="49" charset="0"/>
+              <a:cs typeface="Courier New" panose="02070309020205020404" pitchFamily="49" charset="0"/>
             </a:endParaRPr>
           </a:p>
           <a:p>
@@ -13439,8 +13473,8 @@
                 <a:solidFill>
                   <a:srgbClr val="66FA66"/>
                 </a:solidFill>
-                <a:latin typeface="Courier"/>
-                <a:cs typeface="Courier"/>
+                <a:latin typeface="Courier New" panose="02070309020205020404" pitchFamily="49" charset="0"/>
+                <a:cs typeface="Courier New" panose="02070309020205020404" pitchFamily="49" charset="0"/>
               </a:rPr>
               <a:t>	new file:   </a:t>
             </a:r>
@@ -13449,8 +13483,8 @@
                 <a:solidFill>
                   <a:srgbClr val="66FA66"/>
                 </a:solidFill>
-                <a:latin typeface="Courier"/>
-                <a:cs typeface="Courier"/>
+                <a:latin typeface="Courier New" panose="02070309020205020404" pitchFamily="49" charset="0"/>
+                <a:cs typeface="Courier New" panose="02070309020205020404" pitchFamily="49" charset="0"/>
               </a:rPr>
               <a:t>mydir</a:t>
             </a:r>
@@ -13459,8 +13493,8 @@
                 <a:solidFill>
                   <a:srgbClr val="66FA66"/>
                 </a:solidFill>
-                <a:latin typeface="Courier"/>
-                <a:cs typeface="Courier"/>
+                <a:latin typeface="Courier New" panose="02070309020205020404" pitchFamily="49" charset="0"/>
+                <a:cs typeface="Courier New" panose="02070309020205020404" pitchFamily="49" charset="0"/>
               </a:rPr>
               <a:t>/t1.txt</a:t>
             </a:r>
@@ -13474,8 +13508,8 @@
                 <a:solidFill>
                   <a:srgbClr val="66FA66"/>
                 </a:solidFill>
-                <a:latin typeface="Courier"/>
-                <a:cs typeface="Courier"/>
+                <a:latin typeface="Courier New" panose="02070309020205020404" pitchFamily="49" charset="0"/>
+                <a:cs typeface="Courier New" panose="02070309020205020404" pitchFamily="49" charset="0"/>
               </a:rPr>
               <a:t>	new file:   </a:t>
             </a:r>
@@ -13484,8 +13518,8 @@
                 <a:solidFill>
                   <a:srgbClr val="66FA66"/>
                 </a:solidFill>
-                <a:latin typeface="Courier"/>
-                <a:cs typeface="Courier"/>
+                <a:latin typeface="Courier New" panose="02070309020205020404" pitchFamily="49" charset="0"/>
+                <a:cs typeface="Courier New" panose="02070309020205020404" pitchFamily="49" charset="0"/>
               </a:rPr>
               <a:t>mydir</a:t>
             </a:r>
@@ -13494,8 +13528,8 @@
                 <a:solidFill>
                   <a:srgbClr val="66FA66"/>
                 </a:solidFill>
-                <a:latin typeface="Courier"/>
-                <a:cs typeface="Courier"/>
+                <a:latin typeface="Courier New" panose="02070309020205020404" pitchFamily="49" charset="0"/>
+                <a:cs typeface="Courier New" panose="02070309020205020404" pitchFamily="49" charset="0"/>
               </a:rPr>
               <a:t>/t2.txt</a:t>
             </a:r>
@@ -13504,13 +13538,19 @@
             <a:pPr marL="0" indent="0">
               <a:buNone/>
             </a:pPr>
-            <a:endParaRPr lang="en-US" dirty="0"/>
+            <a:endParaRPr lang="en-US" dirty="0">
+              <a:latin typeface="Courier New" panose="02070309020205020404" pitchFamily="49" charset="0"/>
+              <a:cs typeface="Courier New" panose="02070309020205020404" pitchFamily="49" charset="0"/>
+            </a:endParaRPr>
           </a:p>
           <a:p>
             <a:pPr marL="0" indent="0">
               <a:buNone/>
             </a:pPr>
-            <a:endParaRPr lang="en-US" dirty="0"/>
+            <a:endParaRPr lang="en-US" dirty="0">
+              <a:latin typeface="Courier New" panose="02070309020205020404" pitchFamily="49" charset="0"/>
+              <a:cs typeface="Courier New" panose="02070309020205020404" pitchFamily="49" charset="0"/>
+            </a:endParaRPr>
           </a:p>
         </p:txBody>
       </p:sp>
@@ -13522,8 +13562,8 @@
         </p:nvSpPr>
         <p:spPr>
           <a:xfrm>
-            <a:off x="546100" y="1333501"/>
-            <a:ext cx="8293100" cy="369332"/>
+            <a:off x="457200" y="1286609"/>
+            <a:ext cx="8293100" cy="400110"/>
           </a:xfrm>
           <a:prstGeom prst="rect">
             <a:avLst/>
@@ -13537,10 +13577,14 @@
           <a:lstStyle/>
           <a:p>
             <a:r>
-              <a:rPr lang="en-US" dirty="0" smtClean="0"/>
+              <a:rPr lang="en-US" sz="2000" dirty="0" smtClean="0">
+                <a:latin typeface="+mn-lt"/>
+              </a:rPr>
               <a:t>These files are all staged to go into the repository, but are not committed yet.</a:t>
             </a:r>
-            <a:endParaRPr lang="en-US" dirty="0"/>
+            <a:endParaRPr lang="en-US" sz="2000" dirty="0">
+              <a:latin typeface="+mn-lt"/>
+            </a:endParaRPr>
           </a:p>
         </p:txBody>
       </p:sp>
@@ -13638,8 +13682,8 @@
             </a:pPr>
             <a:r>
               <a:rPr lang="en-US" sz="1800" dirty="0">
-                <a:latin typeface="Courier"/>
-                <a:cs typeface="Courier"/>
+                <a:latin typeface="Courier New" panose="02070309020205020404" pitchFamily="49" charset="0"/>
+                <a:cs typeface="Courier New" panose="02070309020205020404" pitchFamily="49" charset="0"/>
               </a:rPr>
               <a:t>$ </a:t>
             </a:r>
@@ -13648,8 +13692,8 @@
                 <a:solidFill>
                   <a:srgbClr val="FFFF00"/>
                 </a:solidFill>
-                <a:latin typeface="Courier"/>
-                <a:cs typeface="Courier"/>
+                <a:latin typeface="Courier New" panose="02070309020205020404" pitchFamily="49" charset="0"/>
+                <a:cs typeface="Courier New" panose="02070309020205020404" pitchFamily="49" charset="0"/>
               </a:rPr>
               <a:t>git</a:t>
             </a:r>
@@ -13658,8 +13702,8 @@
                 <a:solidFill>
                   <a:srgbClr val="FFFF00"/>
                 </a:solidFill>
-                <a:latin typeface="Courier"/>
-                <a:cs typeface="Courier"/>
+                <a:latin typeface="Courier New" panose="02070309020205020404" pitchFamily="49" charset="0"/>
+                <a:cs typeface="Courier New" panose="02070309020205020404" pitchFamily="49" charset="0"/>
               </a:rPr>
               <a:t> commit -m 'Adding my new greetings files'</a:t>
             </a:r>
@@ -13670,8 +13714,8 @@
             </a:pPr>
             <a:r>
               <a:rPr lang="en-US" sz="1800" dirty="0">
-                <a:latin typeface="Courier"/>
-                <a:cs typeface="Courier"/>
+                <a:latin typeface="Courier New" panose="02070309020205020404" pitchFamily="49" charset="0"/>
+                <a:cs typeface="Courier New" panose="02070309020205020404" pitchFamily="49" charset="0"/>
               </a:rPr>
               <a:t>[master fe70026] Adding my new greetings files</a:t>
             </a:r>
@@ -13682,8 +13726,8 @@
             </a:pPr>
             <a:r>
               <a:rPr lang="en-US" sz="1800" dirty="0">
-                <a:latin typeface="Courier"/>
-                <a:cs typeface="Courier"/>
+                <a:latin typeface="Courier New" panose="02070309020205020404" pitchFamily="49" charset="0"/>
+                <a:cs typeface="Courier New" panose="02070309020205020404" pitchFamily="49" charset="0"/>
               </a:rPr>
               <a:t> 3 files changed, 3 insertions(+)</a:t>
             </a:r>
@@ -13694,21 +13738,21 @@
             </a:pPr>
             <a:r>
               <a:rPr lang="en-US" sz="1800" dirty="0">
-                <a:latin typeface="Courier"/>
-                <a:cs typeface="Courier"/>
+                <a:latin typeface="Courier New" panose="02070309020205020404" pitchFamily="49" charset="0"/>
+                <a:cs typeface="Courier New" panose="02070309020205020404" pitchFamily="49" charset="0"/>
               </a:rPr>
               <a:t> create mode 100644 </a:t>
             </a:r>
             <a:r>
               <a:rPr lang="en-US" sz="1800" dirty="0" err="1">
-                <a:latin typeface="Courier"/>
-                <a:cs typeface="Courier"/>
+                <a:latin typeface="Courier New" panose="02070309020205020404" pitchFamily="49" charset="0"/>
+                <a:cs typeface="Courier New" panose="02070309020205020404" pitchFamily="49" charset="0"/>
               </a:rPr>
               <a:t>hi.txt</a:t>
             </a:r>
             <a:endParaRPr lang="en-US" sz="1800" dirty="0">
-              <a:latin typeface="Courier"/>
-              <a:cs typeface="Courier"/>
+              <a:latin typeface="Courier New" panose="02070309020205020404" pitchFamily="49" charset="0"/>
+              <a:cs typeface="Courier New" panose="02070309020205020404" pitchFamily="49" charset="0"/>
             </a:endParaRPr>
           </a:p>
           <a:p>
@@ -13717,22 +13761,22 @@
             </a:pPr>
             <a:r>
               <a:rPr lang="en-US" sz="1800" dirty="0">
-                <a:latin typeface="Courier"/>
-                <a:cs typeface="Courier"/>
+                <a:latin typeface="Courier New" panose="02070309020205020404" pitchFamily="49" charset="0"/>
+                <a:cs typeface="Courier New" panose="02070309020205020404" pitchFamily="49" charset="0"/>
               </a:rPr>
               <a:t> create mode 100644 </a:t>
             </a:r>
             <a:r>
               <a:rPr lang="en-US" sz="1800" dirty="0" err="1">
-                <a:latin typeface="Courier"/>
-                <a:cs typeface="Courier"/>
+                <a:latin typeface="Courier New" panose="02070309020205020404" pitchFamily="49" charset="0"/>
+                <a:cs typeface="Courier New" panose="02070309020205020404" pitchFamily="49" charset="0"/>
               </a:rPr>
               <a:t>mydir</a:t>
             </a:r>
             <a:r>
               <a:rPr lang="en-US" sz="1800" dirty="0">
-                <a:latin typeface="Courier"/>
-                <a:cs typeface="Courier"/>
+                <a:latin typeface="Courier New" panose="02070309020205020404" pitchFamily="49" charset="0"/>
+                <a:cs typeface="Courier New" panose="02070309020205020404" pitchFamily="49" charset="0"/>
               </a:rPr>
               <a:t>/t1.txt</a:t>
             </a:r>
@@ -13743,22 +13787,22 @@
             </a:pPr>
             <a:r>
               <a:rPr lang="en-US" sz="1800" dirty="0">
-                <a:latin typeface="Courier"/>
-                <a:cs typeface="Courier"/>
+                <a:latin typeface="Courier New" panose="02070309020205020404" pitchFamily="49" charset="0"/>
+                <a:cs typeface="Courier New" panose="02070309020205020404" pitchFamily="49" charset="0"/>
               </a:rPr>
               <a:t> create mode 100644 </a:t>
             </a:r>
             <a:r>
               <a:rPr lang="en-US" sz="1800" dirty="0" err="1">
-                <a:latin typeface="Courier"/>
-                <a:cs typeface="Courier"/>
+                <a:latin typeface="Courier New" panose="02070309020205020404" pitchFamily="49" charset="0"/>
+                <a:cs typeface="Courier New" panose="02070309020205020404" pitchFamily="49" charset="0"/>
               </a:rPr>
               <a:t>mydir</a:t>
             </a:r>
             <a:r>
               <a:rPr lang="en-US" sz="1800" dirty="0">
-                <a:latin typeface="Courier"/>
-                <a:cs typeface="Courier"/>
+                <a:latin typeface="Courier New" panose="02070309020205020404" pitchFamily="49" charset="0"/>
+                <a:cs typeface="Courier New" panose="02070309020205020404" pitchFamily="49" charset="0"/>
               </a:rPr>
               <a:t>/t2.txt</a:t>
             </a:r>
@@ -13768,8 +13812,8 @@
               <a:buNone/>
             </a:pPr>
             <a:endParaRPr lang="en-US" sz="1800" dirty="0" smtClean="0">
-              <a:latin typeface="Courier"/>
-              <a:cs typeface="Courier"/>
+              <a:latin typeface="Courier New" panose="02070309020205020404" pitchFamily="49" charset="0"/>
+              <a:cs typeface="Courier New" panose="02070309020205020404" pitchFamily="49" charset="0"/>
             </a:endParaRPr>
           </a:p>
           <a:p>
@@ -13778,8 +13822,8 @@
             </a:pPr>
             <a:r>
               <a:rPr lang="en-US" sz="1800" dirty="0" smtClean="0">
-                <a:latin typeface="Courier"/>
-                <a:cs typeface="Courier"/>
+                <a:latin typeface="Courier New" panose="02070309020205020404" pitchFamily="49" charset="0"/>
+                <a:cs typeface="Courier New" panose="02070309020205020404" pitchFamily="49" charset="0"/>
               </a:rPr>
               <a:t>$ </a:t>
             </a:r>
@@ -13788,8 +13832,8 @@
                 <a:solidFill>
                   <a:srgbClr val="FFFF00"/>
                 </a:solidFill>
-                <a:latin typeface="Courier"/>
-                <a:cs typeface="Courier"/>
+                <a:latin typeface="Courier New" panose="02070309020205020404" pitchFamily="49" charset="0"/>
+                <a:cs typeface="Courier New" panose="02070309020205020404" pitchFamily="49" charset="0"/>
               </a:rPr>
               <a:t>git</a:t>
             </a:r>
@@ -13798,8 +13842,8 @@
                 <a:solidFill>
                   <a:srgbClr val="FFFF00"/>
                 </a:solidFill>
-                <a:latin typeface="Courier"/>
-                <a:cs typeface="Courier"/>
+                <a:latin typeface="Courier New" panose="02070309020205020404" pitchFamily="49" charset="0"/>
+                <a:cs typeface="Courier New" panose="02070309020205020404" pitchFamily="49" charset="0"/>
               </a:rPr>
               <a:t> status</a:t>
             </a:r>
@@ -13810,8 +13854,8 @@
             </a:pPr>
             <a:r>
               <a:rPr lang="en-US" sz="1800" dirty="0">
-                <a:latin typeface="Courier"/>
-                <a:cs typeface="Courier"/>
+                <a:latin typeface="Courier New" panose="02070309020205020404" pitchFamily="49" charset="0"/>
+                <a:cs typeface="Courier New" panose="02070309020205020404" pitchFamily="49" charset="0"/>
               </a:rPr>
               <a:t>On branch master</a:t>
             </a:r>
@@ -13822,8 +13866,8 @@
             </a:pPr>
             <a:r>
               <a:rPr lang="en-US" sz="1800" dirty="0">
-                <a:latin typeface="Courier"/>
-                <a:cs typeface="Courier"/>
+                <a:latin typeface="Courier New" panose="02070309020205020404" pitchFamily="49" charset="0"/>
+                <a:cs typeface="Courier New" panose="02070309020205020404" pitchFamily="49" charset="0"/>
               </a:rPr>
               <a:t>Your branch is ahead of 'origin/master' by 1 commit.</a:t>
             </a:r>
@@ -13834,22 +13878,22 @@
             </a:pPr>
             <a:r>
               <a:rPr lang="en-US" sz="1800" dirty="0">
-                <a:latin typeface="Courier"/>
-                <a:cs typeface="Courier"/>
+                <a:latin typeface="Courier New" panose="02070309020205020404" pitchFamily="49" charset="0"/>
+                <a:cs typeface="Courier New" panose="02070309020205020404" pitchFamily="49" charset="0"/>
               </a:rPr>
               <a:t>  (use "</a:t>
             </a:r>
             <a:r>
               <a:rPr lang="en-US" sz="1800" dirty="0" err="1">
-                <a:latin typeface="Courier"/>
-                <a:cs typeface="Courier"/>
+                <a:latin typeface="Courier New" panose="02070309020205020404" pitchFamily="49" charset="0"/>
+                <a:cs typeface="Courier New" panose="02070309020205020404" pitchFamily="49" charset="0"/>
               </a:rPr>
               <a:t>git</a:t>
             </a:r>
             <a:r>
               <a:rPr lang="en-US" sz="1800" dirty="0">
-                <a:latin typeface="Courier"/>
-                <a:cs typeface="Courier"/>
+                <a:latin typeface="Courier New" panose="02070309020205020404" pitchFamily="49" charset="0"/>
+                <a:cs typeface="Courier New" panose="02070309020205020404" pitchFamily="49" charset="0"/>
               </a:rPr>
               <a:t> push" to publish your local commits)</a:t>
             </a:r>
@@ -13860,8 +13904,8 @@
             </a:pPr>
             <a:r>
               <a:rPr lang="en-US" sz="1800" dirty="0">
-                <a:latin typeface="Courier"/>
-                <a:cs typeface="Courier"/>
+                <a:latin typeface="Courier New" panose="02070309020205020404" pitchFamily="49" charset="0"/>
+                <a:cs typeface="Courier New" panose="02070309020205020404" pitchFamily="49" charset="0"/>
               </a:rPr>
               <a:t>nothing to commit, working tree clean</a:t>
             </a:r>
@@ -13876,8 +13920,8 @@
         </p:nvSpPr>
         <p:spPr>
           <a:xfrm>
-            <a:off x="469900" y="1219201"/>
-            <a:ext cx="8293100" cy="646331"/>
+            <a:off x="457200" y="1239749"/>
+            <a:ext cx="8293100" cy="707886"/>
           </a:xfrm>
           <a:prstGeom prst="rect">
             <a:avLst/>
@@ -13891,10 +13935,14 @@
           <a:lstStyle/>
           <a:p>
             <a:r>
-              <a:rPr lang="en-US" dirty="0" smtClean="0"/>
+              <a:rPr lang="en-US" sz="2000" dirty="0" smtClean="0">
+                <a:latin typeface="+mn-lt"/>
+              </a:rPr>
               <a:t>Now the files are in the local repository. The working tree is the same as repository. </a:t>
             </a:r>
-            <a:endParaRPr lang="en-US" dirty="0"/>
+            <a:endParaRPr lang="en-US" sz="2000" dirty="0">
+              <a:latin typeface="+mn-lt"/>
+            </a:endParaRPr>
           </a:p>
         </p:txBody>
       </p:sp>
@@ -13996,149 +14044,149 @@
             </a:pPr>
             <a:r>
               <a:rPr lang="en-US" sz="1800" dirty="0" smtClean="0">
-                <a:latin typeface="Courier"/>
+                <a:latin typeface="Courier New" panose="02070309020205020404" pitchFamily="49" charset="0"/>
+                <a:cs typeface="Courier New" panose="02070309020205020404" pitchFamily="49" charset="0"/>
+              </a:rPr>
+              <a:t>$ </a:t>
+            </a:r>
+            <a:r>
+              <a:rPr lang="en-US" sz="1800" b="1" dirty="0" err="1">
+                <a:solidFill>
+                  <a:srgbClr val="FFFF00"/>
+                </a:solidFill>
+                <a:latin typeface="Courier New" panose="02070309020205020404" pitchFamily="49" charset="0"/>
+                <a:cs typeface="Courier New" panose="02070309020205020404" pitchFamily="49" charset="0"/>
+              </a:rPr>
+              <a:t>git</a:t>
+            </a:r>
+            <a:r>
+              <a:rPr lang="en-US" sz="1800" b="1" dirty="0">
+                <a:solidFill>
+                  <a:srgbClr val="FFFF00"/>
+                </a:solidFill>
+                <a:latin typeface="Courier New" panose="02070309020205020404" pitchFamily="49" charset="0"/>
+                <a:cs typeface="Courier New" panose="02070309020205020404" pitchFamily="49" charset="0"/>
+              </a:rPr>
+              <a:t> push</a:t>
+            </a:r>
+          </a:p>
+          <a:p>
+            <a:pPr marL="0" indent="0">
+              <a:buNone/>
+            </a:pPr>
+            <a:r>
+              <a:rPr lang="en-US" sz="1800" dirty="0">
+                <a:latin typeface="Courier New" panose="02070309020205020404" pitchFamily="49" charset="0"/>
+                <a:cs typeface="Courier New" panose="02070309020205020404" pitchFamily="49" charset="0"/>
+              </a:rPr>
+              <a:t>Counting objects: 5, done.</a:t>
+            </a:r>
+          </a:p>
+          <a:p>
+            <a:pPr marL="0" indent="0">
+              <a:buNone/>
+            </a:pPr>
+            <a:r>
+              <a:rPr lang="en-US" sz="1800" dirty="0">
+                <a:latin typeface="Courier New" panose="02070309020205020404" pitchFamily="49" charset="0"/>
+                <a:cs typeface="Courier New" panose="02070309020205020404" pitchFamily="49" charset="0"/>
+              </a:rPr>
+              <a:t>Delta compression using up to 4 threads.</a:t>
+            </a:r>
+          </a:p>
+          <a:p>
+            <a:pPr marL="0" indent="0">
+              <a:buNone/>
+            </a:pPr>
+            <a:r>
+              <a:rPr lang="en-US" sz="1800" dirty="0">
+                <a:latin typeface="Courier New" panose="02070309020205020404" pitchFamily="49" charset="0"/>
+                <a:cs typeface="Courier New" panose="02070309020205020404" pitchFamily="49" charset="0"/>
+              </a:rPr>
+              <a:t>Compressing objects: 100% (3/3), done.</a:t>
+            </a:r>
+          </a:p>
+          <a:p>
+            <a:pPr marL="0" indent="0">
+              <a:buNone/>
+            </a:pPr>
+            <a:r>
+              <a:rPr lang="en-US" sz="1800" dirty="0">
+                <a:latin typeface="Courier New" panose="02070309020205020404" pitchFamily="49" charset="0"/>
+                <a:cs typeface="Courier New" panose="02070309020205020404" pitchFamily="49" charset="0"/>
+              </a:rPr>
+              <a:t>Writing objects: 100% (5/5), 465 bytes | 0 bytes/s, done.</a:t>
+            </a:r>
+          </a:p>
+          <a:p>
+            <a:pPr marL="0" indent="0">
+              <a:buNone/>
+            </a:pPr>
+            <a:r>
+              <a:rPr lang="en-US" sz="1800" dirty="0">
+                <a:latin typeface="Courier New" panose="02070309020205020404" pitchFamily="49" charset="0"/>
+                <a:cs typeface="Courier New" panose="02070309020205020404" pitchFamily="49" charset="0"/>
+              </a:rPr>
+              <a:t>Total 5 (delta 0), reused 0 (delta 0)</a:t>
+            </a:r>
+          </a:p>
+          <a:p>
+            <a:pPr marL="0" indent="0">
+              <a:buNone/>
+            </a:pPr>
+            <a:r>
+              <a:rPr lang="en-US" sz="1800" dirty="0">
+                <a:latin typeface="Courier New" panose="02070309020205020404" pitchFamily="49" charset="0"/>
+                <a:cs typeface="Courier New" panose="02070309020205020404" pitchFamily="49" charset="0"/>
+              </a:rPr>
+              <a:t>To </a:t>
+            </a:r>
+            <a:r>
+              <a:rPr lang="en-US" sz="1800" dirty="0" err="1">
+                <a:latin typeface="Courier New" panose="02070309020205020404" pitchFamily="49" charset="0"/>
+                <a:cs typeface="Courier New" panose="02070309020205020404" pitchFamily="49" charset="0"/>
+              </a:rPr>
+              <a:t>github.com:spepler</a:t>
+            </a:r>
+            <a:r>
+              <a:rPr lang="en-US" sz="1800" dirty="0">
+                <a:latin typeface="Courier New" panose="02070309020205020404" pitchFamily="49" charset="0"/>
+                <a:cs typeface="Courier New" panose="02070309020205020404" pitchFamily="49" charset="0"/>
+              </a:rPr>
+              <a:t>/</a:t>
+            </a:r>
+            <a:r>
+              <a:rPr lang="en-US" sz="1800" dirty="0" err="1">
+                <a:latin typeface="Courier New" panose="02070309020205020404" pitchFamily="49" charset="0"/>
+                <a:cs typeface="Courier New" panose="02070309020205020404" pitchFamily="49" charset="0"/>
+              </a:rPr>
+              <a:t>ncas-isc.git</a:t>
+            </a:r>
+            <a:endParaRPr lang="en-US" sz="1800" dirty="0">
+              <a:latin typeface="Courier New" panose="02070309020205020404" pitchFamily="49" charset="0"/>
+              <a:cs typeface="Courier New" panose="02070309020205020404" pitchFamily="49" charset="0"/>
+            </a:endParaRPr>
+          </a:p>
+          <a:p>
+            <a:pPr marL="0" indent="0">
+              <a:buNone/>
+            </a:pPr>
+            <a:r>
+              <a:rPr lang="mr-IN" sz="1800" dirty="0">
+                <a:latin typeface="Courier New" panose="02070309020205020404" pitchFamily="49" charset="0"/>
                 <a:cs typeface="Courier"/>
               </a:rPr>
-              <a:t>$ </a:t>
-            </a:r>
-            <a:r>
-              <a:rPr lang="en-US" sz="1800" b="1" dirty="0" err="1">
-                <a:solidFill>
-                  <a:srgbClr val="FFFF00"/>
-                </a:solidFill>
-                <a:latin typeface="Courier"/>
+              <a:t>   fdd3c9e..fe70026  master -&gt; </a:t>
+            </a:r>
+            <a:r>
+              <a:rPr lang="mr-IN" sz="1800" dirty="0" smtClean="0">
+                <a:latin typeface="Courier New" panose="02070309020205020404" pitchFamily="49" charset="0"/>
                 <a:cs typeface="Courier"/>
               </a:rPr>
-              <a:t>git</a:t>
-            </a:r>
-            <a:r>
-              <a:rPr lang="en-US" sz="1800" b="1" dirty="0">
-                <a:solidFill>
-                  <a:srgbClr val="FFFF00"/>
-                </a:solidFill>
-                <a:latin typeface="Courier"/>
-                <a:cs typeface="Courier"/>
-              </a:rPr>
-              <a:t> push</a:t>
-            </a:r>
-          </a:p>
-          <a:p>
-            <a:pPr marL="0" indent="0">
-              <a:buNone/>
-            </a:pPr>
-            <a:r>
-              <a:rPr lang="en-US" sz="1800" dirty="0">
-                <a:latin typeface="Courier"/>
-                <a:cs typeface="Courier"/>
-              </a:rPr>
-              <a:t>Counting objects: 5, done.</a:t>
-            </a:r>
-          </a:p>
-          <a:p>
-            <a:pPr marL="0" indent="0">
-              <a:buNone/>
-            </a:pPr>
-            <a:r>
-              <a:rPr lang="en-US" sz="1800" dirty="0">
-                <a:latin typeface="Courier"/>
-                <a:cs typeface="Courier"/>
-              </a:rPr>
-              <a:t>Delta compression using up to 4 threads.</a:t>
-            </a:r>
-          </a:p>
-          <a:p>
-            <a:pPr marL="0" indent="0">
-              <a:buNone/>
-            </a:pPr>
-            <a:r>
-              <a:rPr lang="en-US" sz="1800" dirty="0">
-                <a:latin typeface="Courier"/>
-                <a:cs typeface="Courier"/>
-              </a:rPr>
-              <a:t>Compressing objects: 100% (3/3), done.</a:t>
-            </a:r>
-          </a:p>
-          <a:p>
-            <a:pPr marL="0" indent="0">
-              <a:buNone/>
-            </a:pPr>
-            <a:r>
-              <a:rPr lang="en-US" sz="1800" dirty="0">
-                <a:latin typeface="Courier"/>
-                <a:cs typeface="Courier"/>
-              </a:rPr>
-              <a:t>Writing objects: 100% (5/5), 465 bytes | 0 bytes/s, done.</a:t>
-            </a:r>
-          </a:p>
-          <a:p>
-            <a:pPr marL="0" indent="0">
-              <a:buNone/>
-            </a:pPr>
-            <a:r>
-              <a:rPr lang="en-US" sz="1800" dirty="0">
-                <a:latin typeface="Courier"/>
-                <a:cs typeface="Courier"/>
-              </a:rPr>
-              <a:t>Total 5 (delta 0), reused 0 (delta 0)</a:t>
-            </a:r>
-          </a:p>
-          <a:p>
-            <a:pPr marL="0" indent="0">
-              <a:buNone/>
-            </a:pPr>
-            <a:r>
-              <a:rPr lang="en-US" sz="1800" dirty="0">
-                <a:latin typeface="Courier"/>
-                <a:cs typeface="Courier"/>
-              </a:rPr>
-              <a:t>To </a:t>
-            </a:r>
-            <a:r>
-              <a:rPr lang="en-US" sz="1800" dirty="0" err="1">
-                <a:latin typeface="Courier"/>
-                <a:cs typeface="Courier"/>
-              </a:rPr>
-              <a:t>github.com:spepler</a:t>
-            </a:r>
-            <a:r>
-              <a:rPr lang="en-US" sz="1800" dirty="0">
-                <a:latin typeface="Courier"/>
-                <a:cs typeface="Courier"/>
-              </a:rPr>
-              <a:t>/</a:t>
-            </a:r>
-            <a:r>
-              <a:rPr lang="en-US" sz="1800" dirty="0" err="1">
-                <a:latin typeface="Courier"/>
-                <a:cs typeface="Courier"/>
-              </a:rPr>
-              <a:t>ncas-isc.git</a:t>
-            </a:r>
-            <a:endParaRPr lang="en-US" sz="1800" dirty="0">
-              <a:latin typeface="Courier"/>
-              <a:cs typeface="Courier"/>
-            </a:endParaRPr>
-          </a:p>
-          <a:p>
-            <a:pPr marL="0" indent="0">
-              <a:buNone/>
-            </a:pPr>
-            <a:r>
-              <a:rPr lang="mr-IN" sz="1800" dirty="0">
-                <a:latin typeface="Courier"/>
-                <a:cs typeface="Courier"/>
-              </a:rPr>
-              <a:t>   fdd3c9e..fe70026  master -&gt; </a:t>
-            </a:r>
-            <a:r>
-              <a:rPr lang="mr-IN" sz="1800" dirty="0" smtClean="0">
-                <a:latin typeface="Courier"/>
-                <a:cs typeface="Courier"/>
-              </a:rPr>
               <a:t>master</a:t>
             </a:r>
             <a:endParaRPr lang="mr-IN" sz="1800" dirty="0">
-              <a:latin typeface="Courier"/>
+              <a:latin typeface="Courier New" panose="02070309020205020404" pitchFamily="49" charset="0"/>
               <a:cs typeface="Courier"/>
             </a:endParaRPr>
           </a:p>
@@ -14152,8 +14200,8 @@
         </p:nvSpPr>
         <p:spPr>
           <a:xfrm>
-            <a:off x="469900" y="1524001"/>
-            <a:ext cx="8293100" cy="369332"/>
+            <a:off x="292100" y="1492191"/>
+            <a:ext cx="8293100" cy="400110"/>
           </a:xfrm>
           <a:prstGeom prst="rect">
             <a:avLst/>
@@ -14167,18 +14215,26 @@
           <a:lstStyle/>
           <a:p>
             <a:r>
-              <a:rPr lang="en-US" dirty="0" smtClean="0"/>
+              <a:rPr lang="en-US" sz="2000" dirty="0" smtClean="0">
+                <a:latin typeface="+mn-lt"/>
+              </a:rPr>
               <a:t>Make the repo on </a:t>
             </a:r>
             <a:r>
-              <a:rPr lang="en-US" dirty="0" err="1" smtClean="0"/>
+              <a:rPr lang="en-US" sz="2000" dirty="0" err="1" smtClean="0">
+                <a:latin typeface="+mn-lt"/>
+              </a:rPr>
               <a:t>Github</a:t>
             </a:r>
             <a:r>
-              <a:rPr lang="en-US" dirty="0" smtClean="0"/>
+              <a:rPr lang="en-US" sz="2000" dirty="0" smtClean="0">
+                <a:latin typeface="+mn-lt"/>
+              </a:rPr>
               <a:t> match the local repo.  </a:t>
             </a:r>
-            <a:endParaRPr lang="en-US" dirty="0"/>
+            <a:endParaRPr lang="en-US" sz="2000" dirty="0">
+              <a:latin typeface="+mn-lt"/>
+            </a:endParaRPr>
           </a:p>
         </p:txBody>
       </p:sp>
@@ -14191,7 +14247,7 @@
           <p:nvPr/>
         </p:nvPicPr>
         <p:blipFill>
-          <a:blip r:embed="rId2">
+          <a:blip r:embed="rId2" cstate="email">
             <a:extLst>
               <a:ext uri="{28A0092B-C50C-407E-A947-70E740481C1C}">
                 <a14:useLocalDpi xmlns:a14="http://schemas.microsoft.com/office/drawing/2010/main" val="0"/>
@@ -14204,8 +14260,8 @@
         </p:blipFill>
         <p:spPr>
           <a:xfrm>
-            <a:off x="0" y="4569703"/>
-            <a:ext cx="9144000" cy="2288297"/>
+            <a:off x="0" y="4623371"/>
+            <a:ext cx="9144000" cy="2234629"/>
           </a:xfrm>
           <a:prstGeom prst="rect">
             <a:avLst/>
@@ -14393,8 +14449,8 @@
             </a:pPr>
             <a:r>
               <a:rPr lang="en-US" sz="1800" dirty="0">
-                <a:latin typeface="Courier"/>
-                <a:cs typeface="Courier"/>
+                <a:latin typeface="Courier New" panose="02070309020205020404" pitchFamily="49" charset="0"/>
+                <a:cs typeface="Courier New" panose="02070309020205020404" pitchFamily="49" charset="0"/>
               </a:rPr>
               <a:t>$ </a:t>
             </a:r>
@@ -14403,8 +14459,8 @@
                 <a:solidFill>
                   <a:srgbClr val="FFFF00"/>
                 </a:solidFill>
-                <a:latin typeface="Courier"/>
-                <a:cs typeface="Courier"/>
+                <a:latin typeface="Courier New" panose="02070309020205020404" pitchFamily="49" charset="0"/>
+                <a:cs typeface="Courier New" panose="02070309020205020404" pitchFamily="49" charset="0"/>
               </a:rPr>
               <a:t>git</a:t>
             </a:r>
@@ -14413,8 +14469,8 @@
                 <a:solidFill>
                   <a:srgbClr val="FFFF00"/>
                 </a:solidFill>
-                <a:latin typeface="Courier"/>
-                <a:cs typeface="Courier"/>
+                <a:latin typeface="Courier New" panose="02070309020205020404" pitchFamily="49" charset="0"/>
+                <a:cs typeface="Courier New" panose="02070309020205020404" pitchFamily="49" charset="0"/>
               </a:rPr>
               <a:t> clone </a:t>
             </a:r>
@@ -14423,8 +14479,8 @@
                 <a:solidFill>
                   <a:srgbClr val="FFFF00"/>
                 </a:solidFill>
-                <a:latin typeface="Courier"/>
-                <a:cs typeface="Courier"/>
+                <a:latin typeface="Courier New" panose="02070309020205020404" pitchFamily="49" charset="0"/>
+                <a:cs typeface="Courier New" panose="02070309020205020404" pitchFamily="49" charset="0"/>
               </a:rPr>
               <a:t>git@github.com:spepler</a:t>
             </a:r>
@@ -14433,8 +14489,8 @@
                 <a:solidFill>
                   <a:srgbClr val="FFFF00"/>
                 </a:solidFill>
-                <a:latin typeface="Courier"/>
-                <a:cs typeface="Courier"/>
+                <a:latin typeface="Courier New" panose="02070309020205020404" pitchFamily="49" charset="0"/>
+                <a:cs typeface="Courier New" panose="02070309020205020404" pitchFamily="49" charset="0"/>
               </a:rPr>
               <a:t>/</a:t>
             </a:r>
@@ -14443,8 +14499,8 @@
                 <a:solidFill>
                   <a:srgbClr val="FFFF00"/>
                 </a:solidFill>
-                <a:latin typeface="Courier"/>
-                <a:cs typeface="Courier"/>
+                <a:latin typeface="Courier New" panose="02070309020205020404" pitchFamily="49" charset="0"/>
+                <a:cs typeface="Courier New" panose="02070309020205020404" pitchFamily="49" charset="0"/>
               </a:rPr>
               <a:t>ncas-isc.git</a:t>
             </a:r>
@@ -14453,8 +14509,8 @@
                 <a:solidFill>
                   <a:srgbClr val="FFFF00"/>
                 </a:solidFill>
-                <a:latin typeface="Courier"/>
-                <a:cs typeface="Courier"/>
+                <a:latin typeface="Courier New" panose="02070309020205020404" pitchFamily="49" charset="0"/>
+                <a:cs typeface="Courier New" panose="02070309020205020404" pitchFamily="49" charset="0"/>
               </a:rPr>
               <a:t> ncas-isc2</a:t>
             </a:r>
@@ -14465,8 +14521,8 @@
             </a:pPr>
             <a:r>
               <a:rPr lang="en-US" sz="1800" dirty="0">
-                <a:latin typeface="Courier"/>
-                <a:cs typeface="Courier"/>
+                <a:latin typeface="Courier New" panose="02070309020205020404" pitchFamily="49" charset="0"/>
+                <a:cs typeface="Courier New" panose="02070309020205020404" pitchFamily="49" charset="0"/>
               </a:rPr>
               <a:t>Cloning into 'ncas-isc2'...</a:t>
             </a:r>
@@ -14477,8 +14533,8 @@
             </a:pPr>
             <a:r>
               <a:rPr lang="en-US" sz="1800" dirty="0">
-                <a:latin typeface="Courier"/>
-                <a:cs typeface="Courier"/>
+                <a:latin typeface="Courier New" panose="02070309020205020404" pitchFamily="49" charset="0"/>
+                <a:cs typeface="Courier New" panose="02070309020205020404" pitchFamily="49" charset="0"/>
               </a:rPr>
               <a:t>remote: Counting objects: 17, done.</a:t>
             </a:r>
@@ -14489,8 +14545,8 @@
             </a:pPr>
             <a:r>
               <a:rPr lang="en-US" sz="1800" dirty="0">
-                <a:latin typeface="Courier"/>
-                <a:cs typeface="Courier"/>
+                <a:latin typeface="Courier New" panose="02070309020205020404" pitchFamily="49" charset="0"/>
+                <a:cs typeface="Courier New" panose="02070309020205020404" pitchFamily="49" charset="0"/>
               </a:rPr>
               <a:t>remote: Compressing objects: 100% (11/11), done.</a:t>
             </a:r>
@@ -14501,8 +14557,8 @@
             </a:pPr>
             <a:r>
               <a:rPr lang="en-US" sz="1800" dirty="0">
-                <a:latin typeface="Courier"/>
-                <a:cs typeface="Courier"/>
+                <a:latin typeface="Courier New" panose="02070309020205020404" pitchFamily="49" charset="0"/>
+                <a:cs typeface="Courier New" panose="02070309020205020404" pitchFamily="49" charset="0"/>
               </a:rPr>
               <a:t>remote: Total 17 (delta 1), reused 16 (delta 0), pack-reused 0</a:t>
             </a:r>
@@ -14513,8 +14569,8 @@
             </a:pPr>
             <a:r>
               <a:rPr lang="en-US" sz="1800" dirty="0">
-                <a:latin typeface="Courier"/>
-                <a:cs typeface="Courier"/>
+                <a:latin typeface="Courier New" panose="02070309020205020404" pitchFamily="49" charset="0"/>
+                <a:cs typeface="Courier New" panose="02070309020205020404" pitchFamily="49" charset="0"/>
               </a:rPr>
               <a:t>Receiving objects: 100% (17/17), done.</a:t>
             </a:r>
@@ -14525,8 +14581,8 @@
             </a:pPr>
             <a:r>
               <a:rPr lang="en-US" sz="1800" dirty="0">
-                <a:latin typeface="Courier"/>
-                <a:cs typeface="Courier"/>
+                <a:latin typeface="Courier New" panose="02070309020205020404" pitchFamily="49" charset="0"/>
+                <a:cs typeface="Courier New" panose="02070309020205020404" pitchFamily="49" charset="0"/>
               </a:rPr>
               <a:t>Resolving deltas: 100% (1/1), done.</a:t>
             </a:r>
@@ -14537,8 +14593,8 @@
             </a:pPr>
             <a:r>
               <a:rPr lang="en-US" sz="1800" dirty="0" smtClean="0">
-                <a:latin typeface="Courier"/>
-                <a:cs typeface="Courier"/>
+                <a:latin typeface="Courier New" panose="02070309020205020404" pitchFamily="49" charset="0"/>
+                <a:cs typeface="Courier New" panose="02070309020205020404" pitchFamily="49" charset="0"/>
               </a:rPr>
               <a:t>$ </a:t>
             </a:r>
@@ -14547,8 +14603,8 @@
                 <a:solidFill>
                   <a:srgbClr val="FFFF00"/>
                 </a:solidFill>
-                <a:latin typeface="Courier"/>
-                <a:cs typeface="Courier"/>
+                <a:latin typeface="Courier New" panose="02070309020205020404" pitchFamily="49" charset="0"/>
+                <a:cs typeface="Courier New" panose="02070309020205020404" pitchFamily="49" charset="0"/>
               </a:rPr>
               <a:t>cd ncas-isc2</a:t>
             </a:r>
@@ -14559,8 +14615,8 @@
             </a:pPr>
             <a:r>
               <a:rPr lang="en-US" sz="1800" dirty="0" smtClean="0">
-                <a:latin typeface="Courier"/>
-                <a:cs typeface="Courier"/>
+                <a:latin typeface="Courier New" panose="02070309020205020404" pitchFamily="49" charset="0"/>
+                <a:cs typeface="Courier New" panose="02070309020205020404" pitchFamily="49" charset="0"/>
               </a:rPr>
               <a:t>$ </a:t>
             </a:r>
@@ -14569,8 +14625,8 @@
                 <a:solidFill>
                   <a:srgbClr val="FFFF00"/>
                 </a:solidFill>
-                <a:latin typeface="Courier"/>
-                <a:cs typeface="Courier"/>
+                <a:latin typeface="Courier New" panose="02070309020205020404" pitchFamily="49" charset="0"/>
+                <a:cs typeface="Courier New" panose="02070309020205020404" pitchFamily="49" charset="0"/>
               </a:rPr>
               <a:t>ls</a:t>
             </a:r>
@@ -14578,8 +14634,8 @@
               <a:solidFill>
                 <a:srgbClr val="FFFF00"/>
               </a:solidFill>
-              <a:latin typeface="Courier"/>
-              <a:cs typeface="Courier"/>
+              <a:latin typeface="Courier New" panose="02070309020205020404" pitchFamily="49" charset="0"/>
+              <a:cs typeface="Courier New" panose="02070309020205020404" pitchFamily="49" charset="0"/>
             </a:endParaRPr>
           </a:p>
           <a:p>
@@ -14588,43 +14644,43 @@
             </a:pPr>
             <a:r>
               <a:rPr lang="en-US" sz="1800" dirty="0" err="1" smtClean="0">
-                <a:latin typeface="Courier"/>
-                <a:cs typeface="Courier"/>
+                <a:latin typeface="Courier New" panose="02070309020205020404" pitchFamily="49" charset="0"/>
+                <a:cs typeface="Courier New" panose="02070309020205020404" pitchFamily="49" charset="0"/>
               </a:rPr>
               <a:t>hello.txt</a:t>
             </a:r>
             <a:r>
               <a:rPr lang="en-US" sz="1800" dirty="0">
-                <a:latin typeface="Courier"/>
-                <a:cs typeface="Courier"/>
+                <a:latin typeface="Courier New" panose="02070309020205020404" pitchFamily="49" charset="0"/>
+                <a:cs typeface="Courier New" panose="02070309020205020404" pitchFamily="49" charset="0"/>
               </a:rPr>
               <a:t>	</a:t>
             </a:r>
             <a:r>
               <a:rPr lang="en-US" sz="1800" dirty="0" err="1" smtClean="0">
-                <a:latin typeface="Courier"/>
-                <a:cs typeface="Courier"/>
+                <a:latin typeface="Courier New" panose="02070309020205020404" pitchFamily="49" charset="0"/>
+                <a:cs typeface="Courier New" panose="02070309020205020404" pitchFamily="49" charset="0"/>
               </a:rPr>
               <a:t>hi.txt</a:t>
             </a:r>
             <a:r>
               <a:rPr lang="en-US" sz="1800" dirty="0">
-                <a:latin typeface="Courier"/>
-                <a:cs typeface="Courier"/>
+                <a:latin typeface="Courier New" panose="02070309020205020404" pitchFamily="49" charset="0"/>
+                <a:cs typeface="Courier New" panose="02070309020205020404" pitchFamily="49" charset="0"/>
               </a:rPr>
               <a:t>	</a:t>
             </a:r>
             <a:r>
               <a:rPr lang="en-US" sz="1800" dirty="0" err="1" smtClean="0">
-                <a:latin typeface="Courier"/>
-                <a:cs typeface="Courier"/>
+                <a:latin typeface="Courier New" panose="02070309020205020404" pitchFamily="49" charset="0"/>
+                <a:cs typeface="Courier New" panose="02070309020205020404" pitchFamily="49" charset="0"/>
               </a:rPr>
               <a:t>mydir</a:t>
             </a:r>
             <a:r>
               <a:rPr lang="en-US" sz="1800" dirty="0">
-                <a:latin typeface="Courier"/>
-                <a:cs typeface="Courier"/>
+                <a:latin typeface="Courier New" panose="02070309020205020404" pitchFamily="49" charset="0"/>
+                <a:cs typeface="Courier New" panose="02070309020205020404" pitchFamily="49" charset="0"/>
               </a:rPr>
               <a:t>	</a:t>
             </a:r>
@@ -14635,8 +14691,8 @@
             </a:pPr>
             <a:r>
               <a:rPr lang="en-US" sz="1800" dirty="0" smtClean="0">
-                <a:latin typeface="Courier"/>
-                <a:cs typeface="Courier"/>
+                <a:latin typeface="Courier New" panose="02070309020205020404" pitchFamily="49" charset="0"/>
+                <a:cs typeface="Courier New" panose="02070309020205020404" pitchFamily="49" charset="0"/>
               </a:rPr>
               <a:t>$ </a:t>
             </a:r>
@@ -14645,8 +14701,8 @@
                 <a:solidFill>
                   <a:srgbClr val="FFFF00"/>
                 </a:solidFill>
-                <a:latin typeface="Courier"/>
-                <a:cs typeface="Courier"/>
+                <a:latin typeface="Courier New" panose="02070309020205020404" pitchFamily="49" charset="0"/>
+                <a:cs typeface="Courier New" panose="02070309020205020404" pitchFamily="49" charset="0"/>
               </a:rPr>
               <a:t>emacs</a:t>
             </a:r>
@@ -14655,8 +14711,8 @@
                 <a:solidFill>
                   <a:srgbClr val="FFFF00"/>
                 </a:solidFill>
-                <a:latin typeface="Courier"/>
-                <a:cs typeface="Courier"/>
+                <a:latin typeface="Courier New" panose="02070309020205020404" pitchFamily="49" charset="0"/>
+                <a:cs typeface="Courier New" panose="02070309020205020404" pitchFamily="49" charset="0"/>
               </a:rPr>
               <a:t> </a:t>
             </a:r>
@@ -14665,8 +14721,8 @@
                 <a:solidFill>
                   <a:srgbClr val="FFFF00"/>
                 </a:solidFill>
-                <a:latin typeface="Courier"/>
-                <a:cs typeface="Courier"/>
+                <a:latin typeface="Courier New" panose="02070309020205020404" pitchFamily="49" charset="0"/>
+                <a:cs typeface="Courier New" panose="02070309020205020404" pitchFamily="49" charset="0"/>
               </a:rPr>
               <a:t>hello.txt</a:t>
             </a:r>
@@ -14675,8 +14731,8 @@
                 <a:solidFill>
                   <a:srgbClr val="FFFF00"/>
                 </a:solidFill>
-                <a:latin typeface="Courier"/>
-                <a:cs typeface="Courier"/>
+                <a:latin typeface="Courier New" panose="02070309020205020404" pitchFamily="49" charset="0"/>
+                <a:cs typeface="Courier New" panose="02070309020205020404" pitchFamily="49" charset="0"/>
               </a:rPr>
               <a:t> </a:t>
             </a:r>
@@ -14684,8 +14740,8 @@
               <a:solidFill>
                 <a:srgbClr val="FFFF00"/>
               </a:solidFill>
-              <a:latin typeface="Courier"/>
-              <a:cs typeface="Courier"/>
+              <a:latin typeface="Courier New" panose="02070309020205020404" pitchFamily="49" charset="0"/>
+              <a:cs typeface="Courier New" panose="02070309020205020404" pitchFamily="49" charset="0"/>
             </a:endParaRPr>
           </a:p>
           <a:p>
@@ -14697,8 +14753,8 @@
                 <a:solidFill>
                   <a:schemeClr val="bg1"/>
                 </a:solidFill>
-                <a:latin typeface="Courier"/>
-                <a:cs typeface="Courier"/>
+                <a:latin typeface="Courier New" panose="02070309020205020404" pitchFamily="49" charset="0"/>
+                <a:cs typeface="Courier New" panose="02070309020205020404" pitchFamily="49" charset="0"/>
               </a:rPr>
               <a:t>$ </a:t>
             </a:r>
@@ -14707,8 +14763,8 @@
                 <a:solidFill>
                   <a:srgbClr val="FFFF00"/>
                 </a:solidFill>
-                <a:latin typeface="Courier"/>
-                <a:cs typeface="Courier"/>
+                <a:latin typeface="Courier New" panose="02070309020205020404" pitchFamily="49" charset="0"/>
+                <a:cs typeface="Courier New" panose="02070309020205020404" pitchFamily="49" charset="0"/>
               </a:rPr>
               <a:t>cat </a:t>
             </a:r>
@@ -14717,8 +14773,8 @@
                 <a:solidFill>
                   <a:srgbClr val="FFFF00"/>
                 </a:solidFill>
-                <a:latin typeface="Courier"/>
-                <a:cs typeface="Courier"/>
+                <a:latin typeface="Courier New" panose="02070309020205020404" pitchFamily="49" charset="0"/>
+                <a:cs typeface="Courier New" panose="02070309020205020404" pitchFamily="49" charset="0"/>
               </a:rPr>
               <a:t>hello.txt</a:t>
             </a:r>
@@ -14726,8 +14782,8 @@
               <a:solidFill>
                 <a:srgbClr val="FFFF00"/>
               </a:solidFill>
-              <a:latin typeface="Courier"/>
-              <a:cs typeface="Courier"/>
+              <a:latin typeface="Courier New" panose="02070309020205020404" pitchFamily="49" charset="0"/>
+              <a:cs typeface="Courier New" panose="02070309020205020404" pitchFamily="49" charset="0"/>
             </a:endParaRPr>
           </a:p>
           <a:p>
@@ -14736,8 +14792,8 @@
             </a:pPr>
             <a:r>
               <a:rPr lang="en-US" sz="1800" dirty="0">
-                <a:latin typeface="Courier"/>
-                <a:cs typeface="Courier"/>
+                <a:latin typeface="Courier New" panose="02070309020205020404" pitchFamily="49" charset="0"/>
+                <a:cs typeface="Courier New" panose="02070309020205020404" pitchFamily="49" charset="0"/>
               </a:rPr>
               <a:t>hello world</a:t>
             </a:r>
@@ -14748,8 +14804,8 @@
             </a:pPr>
             <a:r>
               <a:rPr lang="en-US" sz="1800" dirty="0">
-                <a:latin typeface="Courier"/>
-                <a:cs typeface="Courier"/>
+                <a:latin typeface="Courier New" panose="02070309020205020404" pitchFamily="49" charset="0"/>
+                <a:cs typeface="Courier New" panose="02070309020205020404" pitchFamily="49" charset="0"/>
               </a:rPr>
               <a:t>New line</a:t>
             </a:r>
@@ -14762,8 +14818,8 @@
               <a:solidFill>
                 <a:srgbClr val="FFFF00"/>
               </a:solidFill>
-              <a:latin typeface="Courier"/>
-              <a:cs typeface="Courier"/>
+              <a:latin typeface="Courier New" panose="02070309020205020404" pitchFamily="49" charset="0"/>
+              <a:cs typeface="Courier New" panose="02070309020205020404" pitchFamily="49" charset="0"/>
             </a:endParaRPr>
           </a:p>
         </p:txBody>
@@ -14862,7 +14918,7 @@
           <a:lstStyle/>
           <a:p>
             <a:r>
-              <a:rPr lang="en-GB">
+              <a:rPr lang="en-GB" dirty="0">
                 <a:latin typeface="Calibri" charset="0"/>
               </a:rPr>
               <a:t>But those days are gone!</a:t>
@@ -14891,69 +14947,69 @@
           <a:lstStyle/>
           <a:p>
             <a:r>
-              <a:rPr lang="en-GB">
+              <a:rPr lang="en-GB" dirty="0">
                 <a:latin typeface="Calibri" charset="0"/>
               </a:rPr>
               <a:t>Scientists are typically </a:t>
             </a:r>
             <a:r>
-              <a:rPr lang="en-GB" b="1">
+              <a:rPr lang="en-GB" b="1" dirty="0">
                 <a:latin typeface="Calibri" charset="0"/>
               </a:rPr>
               <a:t>required to publish data and code</a:t>
             </a:r>
             <a:r>
-              <a:rPr lang="en-GB">
+              <a:rPr lang="en-GB" dirty="0">
                 <a:latin typeface="Calibri" charset="0"/>
               </a:rPr>
               <a:t> (by their funders/institutions).</a:t>
             </a:r>
           </a:p>
           <a:p>
-            <a:endParaRPr lang="en-GB" sz="1200">
+            <a:endParaRPr lang="en-GB" sz="1200" dirty="0">
               <a:latin typeface="Calibri" charset="0"/>
             </a:endParaRPr>
           </a:p>
           <a:p>
             <a:r>
-              <a:rPr lang="en-GB">
+              <a:rPr lang="en-GB" dirty="0">
                 <a:latin typeface="Calibri" charset="0"/>
               </a:rPr>
               <a:t>Collaboration between scientists requires data-sharing; this implicitly relies on </a:t>
             </a:r>
             <a:r>
-              <a:rPr lang="en-GB" b="1">
+              <a:rPr lang="en-GB" b="1" dirty="0">
                 <a:latin typeface="Calibri" charset="0"/>
               </a:rPr>
               <a:t>code-sharing</a:t>
             </a:r>
             <a:r>
-              <a:rPr lang="en-GB">
+              <a:rPr lang="en-GB" dirty="0">
                 <a:latin typeface="Calibri" charset="0"/>
               </a:rPr>
               <a:t>.</a:t>
             </a:r>
           </a:p>
           <a:p>
-            <a:endParaRPr lang="en-GB" sz="1200">
+            <a:endParaRPr lang="en-GB" sz="1200" dirty="0">
               <a:latin typeface="Calibri" charset="0"/>
             </a:endParaRPr>
           </a:p>
           <a:p>
             <a:r>
-              <a:rPr lang="en-GB">
+              <a:rPr lang="en-GB" dirty="0">
                 <a:latin typeface="Calibri" charset="0"/>
               </a:rPr>
               <a:t>There are </a:t>
             </a:r>
             <a:r>
-              <a:rPr lang="en-GB" b="1">
+              <a:rPr lang="en-GB" b="1" dirty="0">
                 <a:latin typeface="Calibri" charset="0"/>
               </a:rPr>
               <a:t>tools that make it easy </a:t>
             </a:r>
             <a:r>
-              <a:rPr lang="en-GB">
+              <a:rPr lang="en-GB" dirty="0">
                 <a:latin typeface="Calibri" charset="0"/>
               </a:rPr>
               <a:t>to record our changes, document our workflow and “fix” releases of our code at important steps along the way.</a:t>
@@ -15177,8 +15233,8 @@
             </a:pPr>
             <a:r>
               <a:rPr lang="en-US" sz="1800" dirty="0">
-                <a:latin typeface="Courier"/>
-                <a:cs typeface="Courier"/>
+                <a:latin typeface="Courier New" panose="02070309020205020404" pitchFamily="49" charset="0"/>
+                <a:cs typeface="Courier New" panose="02070309020205020404" pitchFamily="49" charset="0"/>
               </a:rPr>
               <a:t>$ </a:t>
             </a:r>
@@ -15187,8 +15243,8 @@
                 <a:solidFill>
                   <a:srgbClr val="FFFF00"/>
                 </a:solidFill>
-                <a:latin typeface="Courier"/>
-                <a:cs typeface="Courier"/>
+                <a:latin typeface="Courier New" panose="02070309020205020404" pitchFamily="49" charset="0"/>
+                <a:cs typeface="Courier New" panose="02070309020205020404" pitchFamily="49" charset="0"/>
               </a:rPr>
               <a:t>git</a:t>
             </a:r>
@@ -15197,8 +15253,8 @@
                 <a:solidFill>
                   <a:srgbClr val="FFFF00"/>
                 </a:solidFill>
-                <a:latin typeface="Courier"/>
-                <a:cs typeface="Courier"/>
+                <a:latin typeface="Courier New" panose="02070309020205020404" pitchFamily="49" charset="0"/>
+                <a:cs typeface="Courier New" panose="02070309020205020404" pitchFamily="49" charset="0"/>
               </a:rPr>
               <a:t> add </a:t>
             </a:r>
@@ -15207,8 +15263,8 @@
                 <a:solidFill>
                   <a:srgbClr val="FFFF00"/>
                 </a:solidFill>
-                <a:latin typeface="Courier"/>
-                <a:cs typeface="Courier"/>
+                <a:latin typeface="Courier New" panose="02070309020205020404" pitchFamily="49" charset="0"/>
+                <a:cs typeface="Courier New" panose="02070309020205020404" pitchFamily="49" charset="0"/>
               </a:rPr>
               <a:t>hello.txt</a:t>
             </a:r>
@@ -15216,8 +15272,8 @@
               <a:solidFill>
                 <a:srgbClr val="FFFF00"/>
               </a:solidFill>
-              <a:latin typeface="Courier"/>
-              <a:cs typeface="Courier"/>
+              <a:latin typeface="Courier New" panose="02070309020205020404" pitchFamily="49" charset="0"/>
+              <a:cs typeface="Courier New" panose="02070309020205020404" pitchFamily="49" charset="0"/>
             </a:endParaRPr>
           </a:p>
           <a:p>
@@ -15226,211 +15282,211 @@
             </a:pPr>
             <a:r>
               <a:rPr lang="en-US" sz="1800" dirty="0" smtClean="0">
-                <a:latin typeface="Courier"/>
+                <a:latin typeface="Courier New" panose="02070309020205020404" pitchFamily="49" charset="0"/>
+                <a:cs typeface="Courier New" panose="02070309020205020404" pitchFamily="49" charset="0"/>
+              </a:rPr>
+              <a:t>$ </a:t>
+            </a:r>
+            <a:r>
+              <a:rPr lang="en-US" sz="1800" b="1" dirty="0" err="1">
+                <a:solidFill>
+                  <a:srgbClr val="FFFF00"/>
+                </a:solidFill>
+                <a:latin typeface="Courier New" panose="02070309020205020404" pitchFamily="49" charset="0"/>
+                <a:cs typeface="Courier New" panose="02070309020205020404" pitchFamily="49" charset="0"/>
+              </a:rPr>
+              <a:t>git</a:t>
+            </a:r>
+            <a:r>
+              <a:rPr lang="en-US" sz="1800" b="1" dirty="0">
+                <a:solidFill>
+                  <a:srgbClr val="FFFF00"/>
+                </a:solidFill>
+                <a:latin typeface="Courier New" panose="02070309020205020404" pitchFamily="49" charset="0"/>
+                <a:cs typeface="Courier New" panose="02070309020205020404" pitchFamily="49" charset="0"/>
+              </a:rPr>
+              <a:t> commit -m 'added new line'</a:t>
+            </a:r>
+          </a:p>
+          <a:p>
+            <a:pPr marL="0" indent="0">
+              <a:buNone/>
+            </a:pPr>
+            <a:r>
+              <a:rPr lang="en-US" sz="1800" dirty="0">
+                <a:latin typeface="Courier New" panose="02070309020205020404" pitchFamily="49" charset="0"/>
+                <a:cs typeface="Courier New" panose="02070309020205020404" pitchFamily="49" charset="0"/>
+              </a:rPr>
+              <a:t>[master d274491] added new line</a:t>
+            </a:r>
+          </a:p>
+          <a:p>
+            <a:pPr marL="0" indent="0">
+              <a:buNone/>
+            </a:pPr>
+            <a:r>
+              <a:rPr lang="en-US" sz="1800" dirty="0">
+                <a:latin typeface="Courier New" panose="02070309020205020404" pitchFamily="49" charset="0"/>
+                <a:cs typeface="Courier New" panose="02070309020205020404" pitchFamily="49" charset="0"/>
+              </a:rPr>
+              <a:t> 1 file changed, 1 insertion(+)</a:t>
+            </a:r>
+          </a:p>
+          <a:p>
+            <a:pPr marL="0" indent="0">
+              <a:buNone/>
+            </a:pPr>
+            <a:r>
+              <a:rPr lang="en-US" sz="1800" dirty="0" smtClean="0">
+                <a:latin typeface="Courier New" panose="02070309020205020404" pitchFamily="49" charset="0"/>
+                <a:cs typeface="Courier New" panose="02070309020205020404" pitchFamily="49" charset="0"/>
+              </a:rPr>
+              <a:t>$ </a:t>
+            </a:r>
+            <a:r>
+              <a:rPr lang="en-US" sz="1800" b="1" dirty="0" err="1">
+                <a:solidFill>
+                  <a:srgbClr val="FFFF00"/>
+                </a:solidFill>
+                <a:latin typeface="Courier New" panose="02070309020205020404" pitchFamily="49" charset="0"/>
+                <a:cs typeface="Courier New" panose="02070309020205020404" pitchFamily="49" charset="0"/>
+              </a:rPr>
+              <a:t>git</a:t>
+            </a:r>
+            <a:r>
+              <a:rPr lang="en-US" sz="1800" b="1" dirty="0">
+                <a:solidFill>
+                  <a:srgbClr val="FFFF00"/>
+                </a:solidFill>
+                <a:latin typeface="Courier New" panose="02070309020205020404" pitchFamily="49" charset="0"/>
+                <a:cs typeface="Courier New" panose="02070309020205020404" pitchFamily="49" charset="0"/>
+              </a:rPr>
+              <a:t> push</a:t>
+            </a:r>
+          </a:p>
+          <a:p>
+            <a:pPr marL="0" indent="0">
+              <a:buNone/>
+            </a:pPr>
+            <a:r>
+              <a:rPr lang="en-US" sz="1800" dirty="0">
+                <a:latin typeface="Courier New" panose="02070309020205020404" pitchFamily="49" charset="0"/>
+                <a:cs typeface="Courier New" panose="02070309020205020404" pitchFamily="49" charset="0"/>
+              </a:rPr>
+              <a:t>Counting objects: 3, done.</a:t>
+            </a:r>
+          </a:p>
+          <a:p>
+            <a:pPr marL="0" indent="0">
+              <a:buNone/>
+            </a:pPr>
+            <a:r>
+              <a:rPr lang="en-US" sz="1800" dirty="0">
+                <a:latin typeface="Courier New" panose="02070309020205020404" pitchFamily="49" charset="0"/>
+                <a:cs typeface="Courier New" panose="02070309020205020404" pitchFamily="49" charset="0"/>
+              </a:rPr>
+              <a:t>Delta compression using up to 4 threads.</a:t>
+            </a:r>
+          </a:p>
+          <a:p>
+            <a:pPr marL="0" indent="0">
+              <a:buNone/>
+            </a:pPr>
+            <a:r>
+              <a:rPr lang="en-US" sz="1800" dirty="0">
+                <a:latin typeface="Courier New" panose="02070309020205020404" pitchFamily="49" charset="0"/>
+                <a:cs typeface="Courier New" panose="02070309020205020404" pitchFamily="49" charset="0"/>
+              </a:rPr>
+              <a:t>Compressing objects: 100% (2/2), done.</a:t>
+            </a:r>
+          </a:p>
+          <a:p>
+            <a:pPr marL="0" indent="0">
+              <a:buNone/>
+            </a:pPr>
+            <a:r>
+              <a:rPr lang="en-US" sz="1800" dirty="0">
+                <a:latin typeface="Courier New" panose="02070309020205020404" pitchFamily="49" charset="0"/>
+                <a:cs typeface="Courier New" panose="02070309020205020404" pitchFamily="49" charset="0"/>
+              </a:rPr>
+              <a:t>Writing objects: 100% (3/3), 283 bytes | 0 bytes/s, done.</a:t>
+            </a:r>
+          </a:p>
+          <a:p>
+            <a:pPr marL="0" indent="0">
+              <a:buNone/>
+            </a:pPr>
+            <a:r>
+              <a:rPr lang="en-US" sz="1800" dirty="0">
+                <a:latin typeface="Courier New" panose="02070309020205020404" pitchFamily="49" charset="0"/>
+                <a:cs typeface="Courier New" panose="02070309020205020404" pitchFamily="49" charset="0"/>
+              </a:rPr>
+              <a:t>Total 3 (delta 1), reused 0 (delta 0)</a:t>
+            </a:r>
+          </a:p>
+          <a:p>
+            <a:pPr marL="0" indent="0">
+              <a:buNone/>
+            </a:pPr>
+            <a:r>
+              <a:rPr lang="en-US" sz="1800" dirty="0">
+                <a:latin typeface="Courier New" panose="02070309020205020404" pitchFamily="49" charset="0"/>
+                <a:cs typeface="Courier New" panose="02070309020205020404" pitchFamily="49" charset="0"/>
+              </a:rPr>
+              <a:t>remote: Resolving deltas: 100% (1/1), completed with 1 local objects.</a:t>
+            </a:r>
+          </a:p>
+          <a:p>
+            <a:pPr marL="0" indent="0">
+              <a:buNone/>
+            </a:pPr>
+            <a:r>
+              <a:rPr lang="en-US" sz="1800" dirty="0">
+                <a:latin typeface="Courier New" panose="02070309020205020404" pitchFamily="49" charset="0"/>
+                <a:cs typeface="Courier New" panose="02070309020205020404" pitchFamily="49" charset="0"/>
+              </a:rPr>
+              <a:t>To </a:t>
+            </a:r>
+            <a:r>
+              <a:rPr lang="en-US" sz="1800" dirty="0" err="1">
+                <a:latin typeface="Courier New" panose="02070309020205020404" pitchFamily="49" charset="0"/>
+                <a:cs typeface="Courier New" panose="02070309020205020404" pitchFamily="49" charset="0"/>
+              </a:rPr>
+              <a:t>github.com:spepler</a:t>
+            </a:r>
+            <a:r>
+              <a:rPr lang="en-US" sz="1800" dirty="0">
+                <a:latin typeface="Courier New" panose="02070309020205020404" pitchFamily="49" charset="0"/>
+                <a:cs typeface="Courier New" panose="02070309020205020404" pitchFamily="49" charset="0"/>
+              </a:rPr>
+              <a:t>/</a:t>
+            </a:r>
+            <a:r>
+              <a:rPr lang="en-US" sz="1800" dirty="0" err="1">
+                <a:latin typeface="Courier New" panose="02070309020205020404" pitchFamily="49" charset="0"/>
+                <a:cs typeface="Courier New" panose="02070309020205020404" pitchFamily="49" charset="0"/>
+              </a:rPr>
+              <a:t>ncas-isc.git</a:t>
+            </a:r>
+            <a:endParaRPr lang="en-US" sz="1800" dirty="0">
+              <a:latin typeface="Courier New" panose="02070309020205020404" pitchFamily="49" charset="0"/>
+              <a:cs typeface="Courier New" panose="02070309020205020404" pitchFamily="49" charset="0"/>
+            </a:endParaRPr>
+          </a:p>
+          <a:p>
+            <a:pPr marL="0" indent="0">
+              <a:buNone/>
+            </a:pPr>
+            <a:r>
+              <a:rPr lang="mr-IN" sz="1800" dirty="0">
+                <a:latin typeface="Courier New" panose="02070309020205020404" pitchFamily="49" charset="0"/>
                 <a:cs typeface="Courier"/>
               </a:rPr>
-              <a:t>$ </a:t>
-            </a:r>
-            <a:r>
-              <a:rPr lang="en-US" sz="1800" b="1" dirty="0" err="1">
-                <a:solidFill>
-                  <a:srgbClr val="FFFF00"/>
-                </a:solidFill>
-                <a:latin typeface="Courier"/>
-                <a:cs typeface="Courier"/>
-              </a:rPr>
-              <a:t>git</a:t>
-            </a:r>
-            <a:r>
-              <a:rPr lang="en-US" sz="1800" b="1" dirty="0">
-                <a:solidFill>
-                  <a:srgbClr val="FFFF00"/>
-                </a:solidFill>
-                <a:latin typeface="Courier"/>
-                <a:cs typeface="Courier"/>
-              </a:rPr>
-              <a:t> commit -m 'added new line'</a:t>
-            </a:r>
-          </a:p>
-          <a:p>
-            <a:pPr marL="0" indent="0">
-              <a:buNone/>
-            </a:pPr>
-            <a:r>
-              <a:rPr lang="en-US" sz="1800" dirty="0">
-                <a:latin typeface="Courier"/>
-                <a:cs typeface="Courier"/>
-              </a:rPr>
-              <a:t>[master d274491] added new line</a:t>
-            </a:r>
-          </a:p>
-          <a:p>
-            <a:pPr marL="0" indent="0">
-              <a:buNone/>
-            </a:pPr>
-            <a:r>
-              <a:rPr lang="en-US" sz="1800" dirty="0">
-                <a:latin typeface="Courier"/>
-                <a:cs typeface="Courier"/>
-              </a:rPr>
-              <a:t> 1 file changed, 1 insertion(+)</a:t>
-            </a:r>
-          </a:p>
-          <a:p>
-            <a:pPr marL="0" indent="0">
-              <a:buNone/>
-            </a:pPr>
-            <a:r>
-              <a:rPr lang="en-US" sz="1800" dirty="0" smtClean="0">
-                <a:latin typeface="Courier"/>
-                <a:cs typeface="Courier"/>
-              </a:rPr>
-              <a:t>$ </a:t>
-            </a:r>
-            <a:r>
-              <a:rPr lang="en-US" sz="1800" b="1" dirty="0" err="1">
-                <a:solidFill>
-                  <a:srgbClr val="FFFF00"/>
-                </a:solidFill>
-                <a:latin typeface="Courier"/>
-                <a:cs typeface="Courier"/>
-              </a:rPr>
-              <a:t>git</a:t>
-            </a:r>
-            <a:r>
-              <a:rPr lang="en-US" sz="1800" b="1" dirty="0">
-                <a:solidFill>
-                  <a:srgbClr val="FFFF00"/>
-                </a:solidFill>
-                <a:latin typeface="Courier"/>
-                <a:cs typeface="Courier"/>
-              </a:rPr>
-              <a:t> push</a:t>
-            </a:r>
-          </a:p>
-          <a:p>
-            <a:pPr marL="0" indent="0">
-              <a:buNone/>
-            </a:pPr>
-            <a:r>
-              <a:rPr lang="en-US" sz="1800" dirty="0">
-                <a:latin typeface="Courier"/>
-                <a:cs typeface="Courier"/>
-              </a:rPr>
-              <a:t>Counting objects: 3, done.</a:t>
-            </a:r>
-          </a:p>
-          <a:p>
-            <a:pPr marL="0" indent="0">
-              <a:buNone/>
-            </a:pPr>
-            <a:r>
-              <a:rPr lang="en-US" sz="1800" dirty="0">
-                <a:latin typeface="Courier"/>
-                <a:cs typeface="Courier"/>
-              </a:rPr>
-              <a:t>Delta compression using up to 4 threads.</a:t>
-            </a:r>
-          </a:p>
-          <a:p>
-            <a:pPr marL="0" indent="0">
-              <a:buNone/>
-            </a:pPr>
-            <a:r>
-              <a:rPr lang="en-US" sz="1800" dirty="0">
-                <a:latin typeface="Courier"/>
-                <a:cs typeface="Courier"/>
-              </a:rPr>
-              <a:t>Compressing objects: 100% (2/2), done.</a:t>
-            </a:r>
-          </a:p>
-          <a:p>
-            <a:pPr marL="0" indent="0">
-              <a:buNone/>
-            </a:pPr>
-            <a:r>
-              <a:rPr lang="en-US" sz="1800" dirty="0">
-                <a:latin typeface="Courier"/>
-                <a:cs typeface="Courier"/>
-              </a:rPr>
-              <a:t>Writing objects: 100% (3/3), 283 bytes | 0 bytes/s, done.</a:t>
-            </a:r>
-          </a:p>
-          <a:p>
-            <a:pPr marL="0" indent="0">
-              <a:buNone/>
-            </a:pPr>
-            <a:r>
-              <a:rPr lang="en-US" sz="1800" dirty="0">
-                <a:latin typeface="Courier"/>
-                <a:cs typeface="Courier"/>
-              </a:rPr>
-              <a:t>Total 3 (delta 1), reused 0 (delta 0)</a:t>
-            </a:r>
-          </a:p>
-          <a:p>
-            <a:pPr marL="0" indent="0">
-              <a:buNone/>
-            </a:pPr>
-            <a:r>
-              <a:rPr lang="en-US" sz="1800" dirty="0">
-                <a:latin typeface="Courier"/>
-                <a:cs typeface="Courier"/>
-              </a:rPr>
-              <a:t>remote: Resolving deltas: 100% (1/1), completed with 1 local objects.</a:t>
-            </a:r>
-          </a:p>
-          <a:p>
-            <a:pPr marL="0" indent="0">
-              <a:buNone/>
-            </a:pPr>
-            <a:r>
-              <a:rPr lang="en-US" sz="1800" dirty="0">
-                <a:latin typeface="Courier"/>
-                <a:cs typeface="Courier"/>
-              </a:rPr>
-              <a:t>To </a:t>
-            </a:r>
-            <a:r>
-              <a:rPr lang="en-US" sz="1800" dirty="0" err="1">
-                <a:latin typeface="Courier"/>
-                <a:cs typeface="Courier"/>
-              </a:rPr>
-              <a:t>github.com:spepler</a:t>
-            </a:r>
-            <a:r>
-              <a:rPr lang="en-US" sz="1800" dirty="0">
-                <a:latin typeface="Courier"/>
-                <a:cs typeface="Courier"/>
-              </a:rPr>
-              <a:t>/</a:t>
-            </a:r>
-            <a:r>
-              <a:rPr lang="en-US" sz="1800" dirty="0" err="1">
-                <a:latin typeface="Courier"/>
-                <a:cs typeface="Courier"/>
-              </a:rPr>
-              <a:t>ncas-isc.git</a:t>
+              <a:t>   fe70026..d274491  master -&gt; master</a:t>
             </a:r>
             <a:endParaRPr lang="en-US" sz="1800" dirty="0">
-              <a:latin typeface="Courier"/>
-              <a:cs typeface="Courier"/>
-            </a:endParaRPr>
-          </a:p>
-          <a:p>
-            <a:pPr marL="0" indent="0">
-              <a:buNone/>
-            </a:pPr>
-            <a:r>
-              <a:rPr lang="mr-IN" sz="1800" dirty="0">
-                <a:latin typeface="Courier"/>
-                <a:cs typeface="Courier"/>
-              </a:rPr>
-              <a:t>   fe70026..d274491  master -&gt; master</a:t>
-            </a:r>
-            <a:endParaRPr lang="en-US" sz="1800" dirty="0">
-              <a:latin typeface="Courier"/>
-              <a:cs typeface="Courier"/>
+              <a:latin typeface="Courier New" panose="02070309020205020404" pitchFamily="49" charset="0"/>
+              <a:cs typeface="Courier New" panose="02070309020205020404" pitchFamily="49" charset="0"/>
             </a:endParaRPr>
           </a:p>
         </p:txBody>
@@ -15532,30 +15588,127 @@
             </a:pPr>
             <a:r>
               <a:rPr lang="en-US" sz="1800" dirty="0">
-                <a:latin typeface="Courier"/>
+                <a:latin typeface="Courier New" panose="02070309020205020404" pitchFamily="49" charset="0"/>
+                <a:cs typeface="Courier New" panose="02070309020205020404" pitchFamily="49" charset="0"/>
+              </a:rPr>
+              <a:t>$ </a:t>
+            </a:r>
+            <a:r>
+              <a:rPr lang="en-US" sz="1800" b="1" dirty="0" err="1">
+                <a:solidFill>
+                  <a:srgbClr val="FFFF00"/>
+                </a:solidFill>
+                <a:latin typeface="Courier New" panose="02070309020205020404" pitchFamily="49" charset="0"/>
+                <a:cs typeface="Courier New" panose="02070309020205020404" pitchFamily="49" charset="0"/>
+              </a:rPr>
+              <a:t>git</a:t>
+            </a:r>
+            <a:r>
+              <a:rPr lang="en-US" sz="1800" b="1" dirty="0">
+                <a:solidFill>
+                  <a:srgbClr val="FFFF00"/>
+                </a:solidFill>
+                <a:latin typeface="Courier New" panose="02070309020205020404" pitchFamily="49" charset="0"/>
+                <a:cs typeface="Courier New" panose="02070309020205020404" pitchFamily="49" charset="0"/>
+              </a:rPr>
+              <a:t> pull</a:t>
+            </a:r>
+          </a:p>
+          <a:p>
+            <a:pPr marL="0" indent="0">
+              <a:buNone/>
+            </a:pPr>
+            <a:r>
+              <a:rPr lang="en-US" sz="1800" dirty="0">
+                <a:latin typeface="Courier New" panose="02070309020205020404" pitchFamily="49" charset="0"/>
+                <a:cs typeface="Courier New" panose="02070309020205020404" pitchFamily="49" charset="0"/>
+              </a:rPr>
+              <a:t>remote: Counting objects: 3, done.</a:t>
+            </a:r>
+          </a:p>
+          <a:p>
+            <a:pPr marL="0" indent="0">
+              <a:buNone/>
+            </a:pPr>
+            <a:r>
+              <a:rPr lang="en-US" sz="1800" dirty="0">
+                <a:latin typeface="Courier New" panose="02070309020205020404" pitchFamily="49" charset="0"/>
+                <a:cs typeface="Courier New" panose="02070309020205020404" pitchFamily="49" charset="0"/>
+              </a:rPr>
+              <a:t>remote: Compressing objects: 100% (1/1), done.</a:t>
+            </a:r>
+          </a:p>
+          <a:p>
+            <a:pPr marL="0" indent="0">
+              <a:buNone/>
+            </a:pPr>
+            <a:r>
+              <a:rPr lang="en-US" sz="1800" dirty="0">
+                <a:latin typeface="Courier New" panose="02070309020205020404" pitchFamily="49" charset="0"/>
+                <a:cs typeface="Courier New" panose="02070309020205020404" pitchFamily="49" charset="0"/>
+              </a:rPr>
+              <a:t>remote: Total 3 (delta 1), reused 3 (delta 1), pack-reused 0</a:t>
+            </a:r>
+          </a:p>
+          <a:p>
+            <a:pPr marL="0" indent="0">
+              <a:buNone/>
+            </a:pPr>
+            <a:r>
+              <a:rPr lang="en-US" sz="1800" dirty="0">
+                <a:latin typeface="Courier New" panose="02070309020205020404" pitchFamily="49" charset="0"/>
+                <a:cs typeface="Courier New" panose="02070309020205020404" pitchFamily="49" charset="0"/>
+              </a:rPr>
+              <a:t>Unpacking objects: 100% (3/3), done.</a:t>
+            </a:r>
+          </a:p>
+          <a:p>
+            <a:pPr marL="0" indent="0">
+              <a:buNone/>
+            </a:pPr>
+            <a:r>
+              <a:rPr lang="en-US" sz="1800" dirty="0">
+                <a:latin typeface="Courier New" panose="02070309020205020404" pitchFamily="49" charset="0"/>
+                <a:cs typeface="Courier New" panose="02070309020205020404" pitchFamily="49" charset="0"/>
+              </a:rPr>
+              <a:t>From </a:t>
+            </a:r>
+            <a:r>
+              <a:rPr lang="en-US" sz="1800" dirty="0" err="1">
+                <a:latin typeface="Courier New" panose="02070309020205020404" pitchFamily="49" charset="0"/>
+                <a:cs typeface="Courier New" panose="02070309020205020404" pitchFamily="49" charset="0"/>
+              </a:rPr>
+              <a:t>github.com:spepler</a:t>
+            </a:r>
+            <a:r>
+              <a:rPr lang="en-US" sz="1800" dirty="0">
+                <a:latin typeface="Courier New" panose="02070309020205020404" pitchFamily="49" charset="0"/>
+                <a:cs typeface="Courier New" panose="02070309020205020404" pitchFamily="49" charset="0"/>
+              </a:rPr>
+              <a:t>/</a:t>
+            </a:r>
+            <a:r>
+              <a:rPr lang="en-US" sz="1800" dirty="0" err="1">
+                <a:latin typeface="Courier New" panose="02070309020205020404" pitchFamily="49" charset="0"/>
+                <a:cs typeface="Courier New" panose="02070309020205020404" pitchFamily="49" charset="0"/>
+              </a:rPr>
+              <a:t>ncas-isc</a:t>
+            </a:r>
+            <a:endParaRPr lang="en-US" sz="1800" dirty="0">
+              <a:latin typeface="Courier New" panose="02070309020205020404" pitchFamily="49" charset="0"/>
+              <a:cs typeface="Courier New" panose="02070309020205020404" pitchFamily="49" charset="0"/>
+            </a:endParaRPr>
+          </a:p>
+          <a:p>
+            <a:pPr marL="0" indent="0">
+              <a:buNone/>
+            </a:pPr>
+            <a:r>
+              <a:rPr lang="mr-IN" sz="1800" dirty="0">
+                <a:latin typeface="Courier New" panose="02070309020205020404" pitchFamily="49" charset="0"/>
                 <a:cs typeface="Courier"/>
               </a:rPr>
-              <a:t>$ </a:t>
-            </a:r>
-            <a:r>
-              <a:rPr lang="en-US" sz="1800" b="1" dirty="0" err="1">
-                <a:solidFill>
-                  <a:srgbClr val="FFFF00"/>
-                </a:solidFill>
-                <a:latin typeface="Courier"/>
-                <a:cs typeface="Courier"/>
-              </a:rPr>
-              <a:t>git</a:t>
-            </a:r>
-            <a:r>
-              <a:rPr lang="en-US" sz="1800" b="1" dirty="0">
-                <a:solidFill>
-                  <a:srgbClr val="FFFF00"/>
-                </a:solidFill>
-                <a:latin typeface="Courier"/>
-                <a:cs typeface="Courier"/>
-              </a:rPr>
-              <a:t> pull</a:t>
+              <a:t>   fe70026..d274491  master     -&gt; origin/master</a:t>
             </a:r>
           </a:p>
           <a:p>
@@ -15564,10 +15717,10 @@
             </a:pPr>
             <a:r>
               <a:rPr lang="en-US" sz="1800" dirty="0">
-                <a:latin typeface="Courier"/>
-                <a:cs typeface="Courier"/>
-              </a:rPr>
-              <a:t>remote: Counting objects: 3, done.</a:t>
+                <a:latin typeface="Courier New" panose="02070309020205020404" pitchFamily="49" charset="0"/>
+                <a:cs typeface="Courier New" panose="02070309020205020404" pitchFamily="49" charset="0"/>
+              </a:rPr>
+              <a:t>Updating fe70026..d274491</a:t>
             </a:r>
           </a:p>
           <a:p>
@@ -15576,10 +15729,10 @@
             </a:pPr>
             <a:r>
               <a:rPr lang="en-US" sz="1800" dirty="0">
-                <a:latin typeface="Courier"/>
-                <a:cs typeface="Courier"/>
-              </a:rPr>
-              <a:t>remote: Compressing objects: 100% (1/1), done.</a:t>
+                <a:latin typeface="Courier New" panose="02070309020205020404" pitchFamily="49" charset="0"/>
+                <a:cs typeface="Courier New" panose="02070309020205020404" pitchFamily="49" charset="0"/>
+              </a:rPr>
+              <a:t>Fast-forward</a:t>
             </a:r>
           </a:p>
           <a:p>
@@ -15587,125 +15740,28 @@
               <a:buNone/>
             </a:pPr>
             <a:r>
+              <a:rPr lang="hr-HR" sz="1800" dirty="0">
+                <a:latin typeface="Courier New" panose="02070309020205020404" pitchFamily="49" charset="0"/>
+                <a:cs typeface="Courier New" panose="02070309020205020404" pitchFamily="49" charset="0"/>
+              </a:rPr>
+              <a:t> hello.txt | 1 +</a:t>
+            </a:r>
+          </a:p>
+          <a:p>
+            <a:pPr marL="0" indent="0">
+              <a:buNone/>
+            </a:pPr>
+            <a:r>
               <a:rPr lang="en-US" sz="1800" dirty="0">
-                <a:latin typeface="Courier"/>
-                <a:cs typeface="Courier"/>
-              </a:rPr>
-              <a:t>remote: Total 3 (delta 1), reused 3 (delta 1), pack-reused 0</a:t>
-            </a:r>
-          </a:p>
-          <a:p>
-            <a:pPr marL="0" indent="0">
-              <a:buNone/>
-            </a:pPr>
-            <a:r>
-              <a:rPr lang="en-US" sz="1800" dirty="0">
-                <a:latin typeface="Courier"/>
-                <a:cs typeface="Courier"/>
-              </a:rPr>
-              <a:t>Unpacking objects: 100% (3/3), done.</a:t>
-            </a:r>
-          </a:p>
-          <a:p>
-            <a:pPr marL="0" indent="0">
-              <a:buNone/>
-            </a:pPr>
-            <a:r>
-              <a:rPr lang="en-US" sz="1800" dirty="0">
-                <a:latin typeface="Courier"/>
-                <a:cs typeface="Courier"/>
-              </a:rPr>
-              <a:t>From </a:t>
-            </a:r>
-            <a:r>
-              <a:rPr lang="en-US" sz="1800" dirty="0" err="1">
-                <a:latin typeface="Courier"/>
-                <a:cs typeface="Courier"/>
-              </a:rPr>
-              <a:t>github.com:spepler</a:t>
-            </a:r>
-            <a:r>
-              <a:rPr lang="en-US" sz="1800" dirty="0">
-                <a:latin typeface="Courier"/>
-                <a:cs typeface="Courier"/>
-              </a:rPr>
-              <a:t>/</a:t>
-            </a:r>
-            <a:r>
-              <a:rPr lang="en-US" sz="1800" dirty="0" err="1">
-                <a:latin typeface="Courier"/>
-                <a:cs typeface="Courier"/>
-              </a:rPr>
-              <a:t>ncas-isc</a:t>
-            </a:r>
-            <a:endParaRPr lang="en-US" sz="1800" dirty="0">
-              <a:latin typeface="Courier"/>
-              <a:cs typeface="Courier"/>
-            </a:endParaRPr>
-          </a:p>
-          <a:p>
-            <a:pPr marL="0" indent="0">
-              <a:buNone/>
-            </a:pPr>
-            <a:r>
-              <a:rPr lang="mr-IN" sz="1800" dirty="0">
-                <a:latin typeface="Courier"/>
-                <a:cs typeface="Courier"/>
-              </a:rPr>
-              <a:t>   fe70026..d274491  master     -&gt; origin/master</a:t>
-            </a:r>
-          </a:p>
-          <a:p>
-            <a:pPr marL="0" indent="0">
-              <a:buNone/>
-            </a:pPr>
-            <a:r>
-              <a:rPr lang="en-US" sz="1800" dirty="0">
-                <a:latin typeface="Courier"/>
-                <a:cs typeface="Courier"/>
-              </a:rPr>
-              <a:t>Updating fe70026..d274491</a:t>
-            </a:r>
-          </a:p>
-          <a:p>
-            <a:pPr marL="0" indent="0">
-              <a:buNone/>
-            </a:pPr>
-            <a:r>
-              <a:rPr lang="en-US" sz="1800" dirty="0">
-                <a:latin typeface="Courier"/>
-                <a:cs typeface="Courier"/>
-              </a:rPr>
-              <a:t>Fast-forward</a:t>
-            </a:r>
-          </a:p>
-          <a:p>
-            <a:pPr marL="0" indent="0">
-              <a:buNone/>
-            </a:pPr>
-            <a:r>
-              <a:rPr lang="hr-HR" sz="1800" dirty="0">
-                <a:latin typeface="Courier"/>
-                <a:cs typeface="Courier"/>
-              </a:rPr>
-              <a:t> hello.txt | 1 +</a:t>
-            </a:r>
-          </a:p>
-          <a:p>
-            <a:pPr marL="0" indent="0">
-              <a:buNone/>
-            </a:pPr>
-            <a:r>
-              <a:rPr lang="en-US" sz="1800" dirty="0">
-                <a:latin typeface="Courier"/>
-                <a:cs typeface="Courier"/>
+                <a:latin typeface="Courier New" panose="02070309020205020404" pitchFamily="49" charset="0"/>
+                <a:cs typeface="Courier New" panose="02070309020205020404" pitchFamily="49" charset="0"/>
               </a:rPr>
               <a:t> 1 file changed, 1 insertion(</a:t>
             </a:r>
             <a:r>
               <a:rPr lang="en-US" sz="1800" dirty="0" smtClean="0">
-                <a:latin typeface="Courier"/>
-                <a:cs typeface="Courier"/>
+                <a:latin typeface="Courier New" panose="02070309020205020404" pitchFamily="49" charset="0"/>
+                <a:cs typeface="Courier New" panose="02070309020205020404" pitchFamily="49" charset="0"/>
               </a:rPr>
               <a:t>+)</a:t>
             </a:r>
@@ -15801,8 +15857,8 @@
             </a:pPr>
             <a:r>
               <a:rPr lang="en-US" sz="1800" dirty="0" smtClean="0">
-                <a:latin typeface="Courier"/>
-                <a:cs typeface="Courier"/>
+                <a:latin typeface="Courier New" panose="02070309020205020404" pitchFamily="49" charset="0"/>
+                <a:cs typeface="Courier New" panose="02070309020205020404" pitchFamily="49" charset="0"/>
               </a:rPr>
               <a:t>$ </a:t>
             </a:r>
@@ -15811,8 +15867,8 @@
                 <a:solidFill>
                   <a:srgbClr val="FFFF00"/>
                 </a:solidFill>
-                <a:latin typeface="Courier"/>
-                <a:cs typeface="Courier"/>
+                <a:latin typeface="Courier New" panose="02070309020205020404" pitchFamily="49" charset="0"/>
+                <a:cs typeface="Courier New" panose="02070309020205020404" pitchFamily="49" charset="0"/>
               </a:rPr>
               <a:t>git</a:t>
             </a:r>
@@ -15821,8 +15877,8 @@
                 <a:solidFill>
                   <a:srgbClr val="FFFF00"/>
                 </a:solidFill>
-                <a:latin typeface="Courier"/>
-                <a:cs typeface="Courier"/>
+                <a:latin typeface="Courier New" panose="02070309020205020404" pitchFamily="49" charset="0"/>
+                <a:cs typeface="Courier New" panose="02070309020205020404" pitchFamily="49" charset="0"/>
               </a:rPr>
               <a:t> log </a:t>
             </a:r>
@@ -15831,15 +15887,15 @@
                 <a:solidFill>
                   <a:srgbClr val="FFFF00"/>
                 </a:solidFill>
-                <a:latin typeface="Courier"/>
-                <a:cs typeface="Courier"/>
+                <a:latin typeface="Courier New" panose="02070309020205020404" pitchFamily="49" charset="0"/>
+                <a:cs typeface="Courier New" panose="02070309020205020404" pitchFamily="49" charset="0"/>
               </a:rPr>
               <a:t>hello.txt</a:t>
             </a:r>
             <a:r>
               <a:rPr lang="en-US" sz="1800" dirty="0">
-                <a:latin typeface="Courier"/>
-                <a:cs typeface="Courier"/>
+                <a:latin typeface="Courier New" panose="02070309020205020404" pitchFamily="49" charset="0"/>
+                <a:cs typeface="Courier New" panose="02070309020205020404" pitchFamily="49" charset="0"/>
               </a:rPr>
               <a:t> </a:t>
             </a:r>
@@ -15850,15 +15906,15 @@
             </a:pPr>
             <a:r>
               <a:rPr lang="de-DE" sz="1800" dirty="0" err="1">
-                <a:latin typeface="Courier"/>
-                <a:cs typeface="Courier"/>
+                <a:latin typeface="Courier New" panose="02070309020205020404" pitchFamily="49" charset="0"/>
+                <a:cs typeface="Courier New" panose="02070309020205020404" pitchFamily="49" charset="0"/>
               </a:rPr>
               <a:t>commit</a:t>
             </a:r>
             <a:r>
               <a:rPr lang="de-DE" sz="1800" dirty="0">
-                <a:latin typeface="Courier"/>
-                <a:cs typeface="Courier"/>
+                <a:latin typeface="Courier New" panose="02070309020205020404" pitchFamily="49" charset="0"/>
+                <a:cs typeface="Courier New" panose="02070309020205020404" pitchFamily="49" charset="0"/>
               </a:rPr>
               <a:t> d274491d34d96aa92eb110e472006070e537dda0</a:t>
             </a:r>
@@ -15869,29 +15925,29 @@
             </a:pPr>
             <a:r>
               <a:rPr lang="de-DE" sz="1800" dirty="0" err="1">
-                <a:latin typeface="Courier"/>
-                <a:cs typeface="Courier"/>
+                <a:latin typeface="Courier New" panose="02070309020205020404" pitchFamily="49" charset="0"/>
+                <a:cs typeface="Courier New" panose="02070309020205020404" pitchFamily="49" charset="0"/>
               </a:rPr>
               <a:t>Author</a:t>
             </a:r>
             <a:r>
               <a:rPr lang="de-DE" sz="1800" dirty="0">
-                <a:latin typeface="Courier"/>
-                <a:cs typeface="Courier"/>
+                <a:latin typeface="Courier New" panose="02070309020205020404" pitchFamily="49" charset="0"/>
+                <a:cs typeface="Courier New" panose="02070309020205020404" pitchFamily="49" charset="0"/>
               </a:rPr>
               <a:t>: Sam Pepler &lt;</a:t>
             </a:r>
             <a:r>
               <a:rPr lang="de-DE" sz="1800" dirty="0" err="1">
-                <a:latin typeface="Courier"/>
-                <a:cs typeface="Courier"/>
+                <a:latin typeface="Courier New" panose="02070309020205020404" pitchFamily="49" charset="0"/>
+                <a:cs typeface="Courier New" panose="02070309020205020404" pitchFamily="49" charset="0"/>
               </a:rPr>
               <a:t>sam.pepler@stfc.ac.uk</a:t>
             </a:r>
             <a:r>
               <a:rPr lang="de-DE" sz="1800" dirty="0">
-                <a:latin typeface="Courier"/>
-                <a:cs typeface="Courier"/>
+                <a:latin typeface="Courier New" panose="02070309020205020404" pitchFamily="49" charset="0"/>
+                <a:cs typeface="Courier New" panose="02070309020205020404" pitchFamily="49" charset="0"/>
               </a:rPr>
               <a:t>&gt;</a:t>
             </a:r>
@@ -15902,22 +15958,22 @@
             </a:pPr>
             <a:r>
               <a:rPr lang="de-DE" sz="1800" dirty="0">
-                <a:latin typeface="Courier"/>
-                <a:cs typeface="Courier"/>
+                <a:latin typeface="Courier New" panose="02070309020205020404" pitchFamily="49" charset="0"/>
+                <a:cs typeface="Courier New" panose="02070309020205020404" pitchFamily="49" charset="0"/>
               </a:rPr>
               <a:t>Date:   </a:t>
             </a:r>
             <a:r>
               <a:rPr lang="de-DE" sz="1800" dirty="0" err="1">
-                <a:latin typeface="Courier"/>
-                <a:cs typeface="Courier"/>
+                <a:latin typeface="Courier New" panose="02070309020205020404" pitchFamily="49" charset="0"/>
+                <a:cs typeface="Courier New" panose="02070309020205020404" pitchFamily="49" charset="0"/>
               </a:rPr>
               <a:t>Fri</a:t>
             </a:r>
             <a:r>
               <a:rPr lang="de-DE" sz="1800" dirty="0">
-                <a:latin typeface="Courier"/>
-                <a:cs typeface="Courier"/>
+                <a:latin typeface="Courier New" panose="02070309020205020404" pitchFamily="49" charset="0"/>
+                <a:cs typeface="Courier New" panose="02070309020205020404" pitchFamily="49" charset="0"/>
               </a:rPr>
               <a:t> Feb 24 12:26:47 2017 +0000</a:t>
             </a:r>
@@ -15927,8 +15983,8 @@
               <a:buNone/>
             </a:pPr>
             <a:endParaRPr lang="de-DE" sz="1800" dirty="0">
-              <a:latin typeface="Courier"/>
-              <a:cs typeface="Courier"/>
+              <a:latin typeface="Courier New" panose="02070309020205020404" pitchFamily="49" charset="0"/>
+              <a:cs typeface="Courier New" panose="02070309020205020404" pitchFamily="49" charset="0"/>
             </a:endParaRPr>
           </a:p>
           <a:p>
@@ -15937,49 +15993,49 @@
             </a:pPr>
             <a:r>
               <a:rPr lang="de-DE" sz="1800" dirty="0">
-                <a:latin typeface="Courier"/>
-                <a:cs typeface="Courier"/>
+                <a:latin typeface="Courier New" panose="02070309020205020404" pitchFamily="49" charset="0"/>
+                <a:cs typeface="Courier New" panose="02070309020205020404" pitchFamily="49" charset="0"/>
               </a:rPr>
               <a:t>    </a:t>
             </a:r>
             <a:r>
               <a:rPr lang="de-DE" sz="1800" dirty="0" err="1">
-                <a:latin typeface="Courier"/>
-                <a:cs typeface="Courier"/>
+                <a:latin typeface="Courier New" panose="02070309020205020404" pitchFamily="49" charset="0"/>
+                <a:cs typeface="Courier New" panose="02070309020205020404" pitchFamily="49" charset="0"/>
               </a:rPr>
               <a:t>added</a:t>
             </a:r>
             <a:r>
               <a:rPr lang="de-DE" sz="1800" dirty="0">
-                <a:latin typeface="Courier"/>
-                <a:cs typeface="Courier"/>
+                <a:latin typeface="Courier New" panose="02070309020205020404" pitchFamily="49" charset="0"/>
+                <a:cs typeface="Courier New" panose="02070309020205020404" pitchFamily="49" charset="0"/>
               </a:rPr>
               <a:t> </a:t>
             </a:r>
             <a:r>
               <a:rPr lang="de-DE" sz="1800" dirty="0" err="1">
-                <a:latin typeface="Courier"/>
-                <a:cs typeface="Courier"/>
+                <a:latin typeface="Courier New" panose="02070309020205020404" pitchFamily="49" charset="0"/>
+                <a:cs typeface="Courier New" panose="02070309020205020404" pitchFamily="49" charset="0"/>
               </a:rPr>
               <a:t>new</a:t>
             </a:r>
             <a:r>
               <a:rPr lang="de-DE" sz="1800" dirty="0">
-                <a:latin typeface="Courier"/>
-                <a:cs typeface="Courier"/>
+                <a:latin typeface="Courier New" panose="02070309020205020404" pitchFamily="49" charset="0"/>
+                <a:cs typeface="Courier New" panose="02070309020205020404" pitchFamily="49" charset="0"/>
               </a:rPr>
               <a:t> </a:t>
             </a:r>
             <a:r>
               <a:rPr lang="de-DE" sz="1800" dirty="0" err="1">
-                <a:latin typeface="Courier"/>
-                <a:cs typeface="Courier"/>
+                <a:latin typeface="Courier New" panose="02070309020205020404" pitchFamily="49" charset="0"/>
+                <a:cs typeface="Courier New" panose="02070309020205020404" pitchFamily="49" charset="0"/>
               </a:rPr>
               <a:t>line</a:t>
             </a:r>
             <a:endParaRPr lang="de-DE" sz="1800" dirty="0">
-              <a:latin typeface="Courier"/>
-              <a:cs typeface="Courier"/>
+              <a:latin typeface="Courier New" panose="02070309020205020404" pitchFamily="49" charset="0"/>
+              <a:cs typeface="Courier New" panose="02070309020205020404" pitchFamily="49" charset="0"/>
             </a:endParaRPr>
           </a:p>
           <a:p>
@@ -15987,8 +16043,8 @@
               <a:buNone/>
             </a:pPr>
             <a:endParaRPr lang="de-DE" sz="1800" dirty="0">
-              <a:latin typeface="Courier"/>
-              <a:cs typeface="Courier"/>
+              <a:latin typeface="Courier New" panose="02070309020205020404" pitchFamily="49" charset="0"/>
+              <a:cs typeface="Courier New" panose="02070309020205020404" pitchFamily="49" charset="0"/>
             </a:endParaRPr>
           </a:p>
           <a:p>
@@ -15997,15 +16053,15 @@
             </a:pPr>
             <a:r>
               <a:rPr lang="de-DE" sz="1800" dirty="0" err="1">
-                <a:latin typeface="Courier"/>
-                <a:cs typeface="Courier"/>
+                <a:latin typeface="Courier New" panose="02070309020205020404" pitchFamily="49" charset="0"/>
+                <a:cs typeface="Courier New" panose="02070309020205020404" pitchFamily="49" charset="0"/>
               </a:rPr>
               <a:t>commit</a:t>
             </a:r>
             <a:r>
               <a:rPr lang="de-DE" sz="1800" dirty="0">
-                <a:latin typeface="Courier"/>
-                <a:cs typeface="Courier"/>
+                <a:latin typeface="Courier New" panose="02070309020205020404" pitchFamily="49" charset="0"/>
+                <a:cs typeface="Courier New" panose="02070309020205020404" pitchFamily="49" charset="0"/>
               </a:rPr>
               <a:t> fdd3c9eb7cbea69cce46ea22326ed5c801bb75f8</a:t>
             </a:r>
@@ -16016,29 +16072,29 @@
             </a:pPr>
             <a:r>
               <a:rPr lang="de-DE" sz="1800" dirty="0" err="1">
-                <a:latin typeface="Courier"/>
-                <a:cs typeface="Courier"/>
+                <a:latin typeface="Courier New" panose="02070309020205020404" pitchFamily="49" charset="0"/>
+                <a:cs typeface="Courier New" panose="02070309020205020404" pitchFamily="49" charset="0"/>
               </a:rPr>
               <a:t>Author</a:t>
             </a:r>
             <a:r>
               <a:rPr lang="de-DE" sz="1800" dirty="0">
-                <a:latin typeface="Courier"/>
-                <a:cs typeface="Courier"/>
+                <a:latin typeface="Courier New" panose="02070309020205020404" pitchFamily="49" charset="0"/>
+                <a:cs typeface="Courier New" panose="02070309020205020404" pitchFamily="49" charset="0"/>
               </a:rPr>
               <a:t>: Sam Pepler &lt;</a:t>
             </a:r>
             <a:r>
               <a:rPr lang="de-DE" sz="1800" dirty="0" err="1">
-                <a:latin typeface="Courier"/>
-                <a:cs typeface="Courier"/>
+                <a:latin typeface="Courier New" panose="02070309020205020404" pitchFamily="49" charset="0"/>
+                <a:cs typeface="Courier New" panose="02070309020205020404" pitchFamily="49" charset="0"/>
               </a:rPr>
               <a:t>sam.pepler@stfc.ac.uk</a:t>
             </a:r>
             <a:r>
               <a:rPr lang="de-DE" sz="1800" dirty="0">
-                <a:latin typeface="Courier"/>
-                <a:cs typeface="Courier"/>
+                <a:latin typeface="Courier New" panose="02070309020205020404" pitchFamily="49" charset="0"/>
+                <a:cs typeface="Courier New" panose="02070309020205020404" pitchFamily="49" charset="0"/>
               </a:rPr>
               <a:t>&gt;</a:t>
             </a:r>
@@ -16049,8 +16105,8 @@
             </a:pPr>
             <a:r>
               <a:rPr lang="de-DE" sz="1800" dirty="0">
-                <a:latin typeface="Courier"/>
-                <a:cs typeface="Courier"/>
+                <a:latin typeface="Courier New" panose="02070309020205020404" pitchFamily="49" charset="0"/>
+                <a:cs typeface="Courier New" panose="02070309020205020404" pitchFamily="49" charset="0"/>
               </a:rPr>
               <a:t>Date:   Thu Feb 23 11:13:13 2017 +0000</a:t>
             </a:r>
@@ -16060,8 +16116,8 @@
               <a:buNone/>
             </a:pPr>
             <a:endParaRPr lang="de-DE" sz="1800" dirty="0">
-              <a:latin typeface="Courier"/>
-              <a:cs typeface="Courier"/>
+              <a:latin typeface="Courier New" panose="02070309020205020404" pitchFamily="49" charset="0"/>
+              <a:cs typeface="Courier New" panose="02070309020205020404" pitchFamily="49" charset="0"/>
             </a:endParaRPr>
           </a:p>
           <a:p>
@@ -16070,35 +16126,35 @@
             </a:pPr>
             <a:r>
               <a:rPr lang="de-DE" sz="1800" dirty="0">
-                <a:latin typeface="Courier"/>
-                <a:cs typeface="Courier"/>
+                <a:latin typeface="Courier New" panose="02070309020205020404" pitchFamily="49" charset="0"/>
+                <a:cs typeface="Courier New" panose="02070309020205020404" pitchFamily="49" charset="0"/>
               </a:rPr>
               <a:t>    </a:t>
             </a:r>
             <a:r>
               <a:rPr lang="de-DE" sz="1800" dirty="0" err="1">
-                <a:latin typeface="Courier"/>
-                <a:cs typeface="Courier"/>
+                <a:latin typeface="Courier New" panose="02070309020205020404" pitchFamily="49" charset="0"/>
+                <a:cs typeface="Courier New" panose="02070309020205020404" pitchFamily="49" charset="0"/>
               </a:rPr>
               <a:t>added</a:t>
             </a:r>
             <a:r>
               <a:rPr lang="de-DE" sz="1800" dirty="0">
-                <a:latin typeface="Courier"/>
-                <a:cs typeface="Courier"/>
+                <a:latin typeface="Courier New" panose="02070309020205020404" pitchFamily="49" charset="0"/>
+                <a:cs typeface="Courier New" panose="02070309020205020404" pitchFamily="49" charset="0"/>
               </a:rPr>
               <a:t> </a:t>
             </a:r>
             <a:r>
               <a:rPr lang="de-DE" sz="1800" dirty="0" err="1">
-                <a:latin typeface="Courier"/>
-                <a:cs typeface="Courier"/>
+                <a:latin typeface="Courier New" panose="02070309020205020404" pitchFamily="49" charset="0"/>
+                <a:cs typeface="Courier New" panose="02070309020205020404" pitchFamily="49" charset="0"/>
               </a:rPr>
               <a:t>hello</a:t>
             </a:r>
             <a:endParaRPr lang="en-US" sz="1800" dirty="0">
-              <a:latin typeface="Courier"/>
-              <a:cs typeface="Courier"/>
+              <a:latin typeface="Courier New" panose="02070309020205020404" pitchFamily="49" charset="0"/>
+              <a:cs typeface="Courier New" panose="02070309020205020404" pitchFamily="49" charset="0"/>
             </a:endParaRPr>
           </a:p>
         </p:txBody>
@@ -16197,11 +16253,7 @@
           <a:p>
             <a:r>
               <a:rPr lang="en-US" sz="2800" dirty="0" smtClean="0"/>
-              <a:t>Make </a:t>
-            </a:r>
-            <a:r>
-              <a:rPr lang="en-US" sz="2800" dirty="0" smtClean="0"/>
-              <a:t>a new directory in your cloned repo and a new file containing a few lines of text. </a:t>
+              <a:t>Make a new directory in your cloned repo and a new file containing a few lines of text. </a:t>
             </a:r>
           </a:p>
           <a:p>
@@ -16214,8 +16266,8 @@
                 <a:solidFill>
                   <a:srgbClr val="FFFF00"/>
                 </a:solidFill>
-                <a:latin typeface="Courier"/>
-                <a:cs typeface="Courier"/>
+                <a:latin typeface="Courier New" panose="02070309020205020404" pitchFamily="49" charset="0"/>
+                <a:cs typeface="Courier New" panose="02070309020205020404" pitchFamily="49" charset="0"/>
               </a:rPr>
               <a:t>$ </a:t>
             </a:r>
@@ -16224,8 +16276,8 @@
                 <a:solidFill>
                   <a:srgbClr val="FFFF00"/>
                 </a:solidFill>
-                <a:latin typeface="Courier"/>
-                <a:cs typeface="Courier"/>
+                <a:latin typeface="Courier New" panose="02070309020205020404" pitchFamily="49" charset="0"/>
+                <a:cs typeface="Courier New" panose="02070309020205020404" pitchFamily="49" charset="0"/>
               </a:rPr>
               <a:t>git</a:t>
             </a:r>
@@ -16234,8 +16286,8 @@
                 <a:solidFill>
                   <a:srgbClr val="FFFF00"/>
                 </a:solidFill>
-                <a:latin typeface="Courier"/>
-                <a:cs typeface="Courier"/>
+                <a:latin typeface="Courier New" panose="02070309020205020404" pitchFamily="49" charset="0"/>
+                <a:cs typeface="Courier New" panose="02070309020205020404" pitchFamily="49" charset="0"/>
               </a:rPr>
               <a:t> add &lt;</a:t>
             </a:r>
@@ -16244,8 +16296,8 @@
                 <a:solidFill>
                   <a:srgbClr val="FFFF00"/>
                 </a:solidFill>
-                <a:latin typeface="Courier"/>
-                <a:cs typeface="Courier"/>
+                <a:latin typeface="Courier New" panose="02070309020205020404" pitchFamily="49" charset="0"/>
+                <a:cs typeface="Courier New" panose="02070309020205020404" pitchFamily="49" charset="0"/>
               </a:rPr>
               <a:t>newfile</a:t>
             </a:r>
@@ -16254,8 +16306,8 @@
                 <a:solidFill>
                   <a:srgbClr val="FFFF00"/>
                 </a:solidFill>
-                <a:latin typeface="Courier"/>
-                <a:cs typeface="Courier"/>
+                <a:latin typeface="Courier New" panose="02070309020205020404" pitchFamily="49" charset="0"/>
+                <a:cs typeface="Courier New" panose="02070309020205020404" pitchFamily="49" charset="0"/>
               </a:rPr>
               <a:t>&gt; &lt;</a:t>
             </a:r>
@@ -16264,8 +16316,8 @@
                 <a:solidFill>
                   <a:srgbClr val="FFFF00"/>
                 </a:solidFill>
-                <a:latin typeface="Courier"/>
-                <a:cs typeface="Courier"/>
+                <a:latin typeface="Courier New" panose="02070309020205020404" pitchFamily="49" charset="0"/>
+                <a:cs typeface="Courier New" panose="02070309020205020404" pitchFamily="49" charset="0"/>
               </a:rPr>
               <a:t>newdir</a:t>
             </a:r>
@@ -16274,8 +16326,8 @@
                 <a:solidFill>
                   <a:srgbClr val="FFFF00"/>
                 </a:solidFill>
-                <a:latin typeface="Courier"/>
-                <a:cs typeface="Courier"/>
+                <a:latin typeface="Courier New" panose="02070309020205020404" pitchFamily="49" charset="0"/>
+                <a:cs typeface="Courier New" panose="02070309020205020404" pitchFamily="49" charset="0"/>
               </a:rPr>
               <a:t>&gt;</a:t>
             </a:r>
@@ -16290,8 +16342,8 @@
                 <a:solidFill>
                   <a:srgbClr val="FFFF00"/>
                 </a:solidFill>
-                <a:latin typeface="Courier"/>
-                <a:cs typeface="Courier"/>
+                <a:latin typeface="Courier New" panose="02070309020205020404" pitchFamily="49" charset="0"/>
+                <a:cs typeface="Courier New" panose="02070309020205020404" pitchFamily="49" charset="0"/>
               </a:rPr>
               <a:t>$ git commit -m ‘Add some test files’</a:t>
             </a:r>
@@ -16299,8 +16351,8 @@
               <a:solidFill>
                 <a:srgbClr val="FFFF00"/>
               </a:solidFill>
-              <a:latin typeface="Courier"/>
-              <a:cs typeface="Courier"/>
+              <a:latin typeface="Courier New" panose="02070309020205020404" pitchFamily="49" charset="0"/>
+              <a:cs typeface="Courier New" panose="02070309020205020404" pitchFamily="49" charset="0"/>
             </a:endParaRPr>
           </a:p>
           <a:p>
@@ -16325,8 +16377,8 @@
                 <a:solidFill>
                   <a:srgbClr val="FFFF00"/>
                 </a:solidFill>
-                <a:latin typeface="Courier"/>
-                <a:cs typeface="Courier"/>
+                <a:latin typeface="Courier New" panose="02070309020205020404" pitchFamily="49" charset="0"/>
+                <a:cs typeface="Courier New" panose="02070309020205020404" pitchFamily="49" charset="0"/>
               </a:rPr>
               <a:t>$ </a:t>
             </a:r>
@@ -16335,8 +16387,8 @@
                 <a:solidFill>
                   <a:srgbClr val="FFFF00"/>
                 </a:solidFill>
-                <a:latin typeface="Courier"/>
-                <a:cs typeface="Courier"/>
+                <a:latin typeface="Courier New" panose="02070309020205020404" pitchFamily="49" charset="0"/>
+                <a:cs typeface="Courier New" panose="02070309020205020404" pitchFamily="49" charset="0"/>
               </a:rPr>
               <a:t>git</a:t>
             </a:r>
@@ -16345,8 +16397,8 @@
                 <a:solidFill>
                   <a:srgbClr val="FFFF00"/>
                 </a:solidFill>
-                <a:latin typeface="Courier"/>
-                <a:cs typeface="Courier"/>
+                <a:latin typeface="Courier New" panose="02070309020205020404" pitchFamily="49" charset="0"/>
+                <a:cs typeface="Courier New" panose="02070309020205020404" pitchFamily="49" charset="0"/>
               </a:rPr>
               <a:t> push </a:t>
             </a:r>
@@ -16635,17 +16687,17 @@
           </a:prstGeom>
           <a:extLst>
             <a:ext uri="{FAA26D3D-D897-4be2-8F04-BA451C77F1D7}">
-              <ma14:placeholderFlag xmlns:ma14="http://schemas.microsoft.com/office/mac/drawingml/2011/main" val="1"/>
+              <ma14:placeholderFlag xmlns:ma14="http://schemas.microsoft.com/office/mac/drawingml/2011/main" xmlns="" val="1"/>
             </a:ext>
             <a:ext uri="{909E8E84-426E-40dd-AFC4-6F175D3DCCD1}">
-              <a14:hiddenFill xmlns:a14="http://schemas.microsoft.com/office/drawing/2010/main" xmlns="">
+              <a14:hiddenFill xmlns="" xmlns:a14="http://schemas.microsoft.com/office/drawing/2010/main">
                 <a:solidFill>
                   <a:srgbClr val="FFFFFF"/>
                 </a:solidFill>
               </a14:hiddenFill>
             </a:ext>
             <a:ext uri="{91240B29-F687-4f45-9708-019B960494DF}">
-              <a14:hiddenLine xmlns:a14="http://schemas.microsoft.com/office/drawing/2010/main" xmlns="" w="9525">
+              <a14:hiddenLine xmlns="" xmlns:a14="http://schemas.microsoft.com/office/drawing/2010/main" w="9525">
                 <a:solidFill>
                   <a:srgbClr val="000000"/>
                 </a:solidFill>
@@ -16887,7 +16939,7 @@
           <a:lstStyle/>
           <a:p>
             <a:r>
-              <a:rPr lang="en-GB" b="1">
+              <a:rPr lang="en-GB" b="1" dirty="0">
                 <a:latin typeface="Calibri" charset="0"/>
               </a:rPr>
               <a:t>Other tools in the Git ecosystem</a:t>
@@ -16948,11 +17000,20 @@
           <a:lstStyle/>
           <a:p>
             <a:r>
-              <a:rPr lang="en-GB" b="1">
-                <a:latin typeface="Calibri" charset="0"/>
-              </a:rPr>
-              <a:t>git gui</a:t>
-            </a:r>
+              <a:rPr lang="en-GB" b="1" dirty="0">
+                <a:latin typeface="Calibri" charset="0"/>
+              </a:rPr>
+              <a:t>git </a:t>
+            </a:r>
+            <a:r>
+              <a:rPr lang="en-GB" b="1" dirty="0" err="1">
+                <a:latin typeface="Calibri" charset="0"/>
+              </a:rPr>
+              <a:t>gui</a:t>
+            </a:r>
+            <a:endParaRPr lang="en-GB" b="1" dirty="0">
+              <a:latin typeface="Calibri" charset="0"/>
+            </a:endParaRPr>
           </a:p>
         </p:txBody>
       </p:sp>
@@ -17021,14 +17082,14 @@
           </a:ln>
           <a:extLst>
             <a:ext uri="{909E8E84-426E-40dd-AFC4-6F175D3DCCD1}">
-              <a14:hiddenFill xmlns:a14="http://schemas.microsoft.com/office/drawing/2010/main" xmlns="">
+              <a14:hiddenFill xmlns="" xmlns:a14="http://schemas.microsoft.com/office/drawing/2010/main">
                 <a:solidFill>
                   <a:srgbClr val="FFFFFF"/>
                 </a:solidFill>
               </a14:hiddenFill>
             </a:ext>
             <a:ext uri="{91240B29-F687-4f45-9708-019B960494DF}">
-              <a14:hiddenLine xmlns:a14="http://schemas.microsoft.com/office/drawing/2010/main" xmlns="" w="9525">
+              <a14:hiddenLine xmlns="" xmlns:a14="http://schemas.microsoft.com/office/drawing/2010/main" w="9525">
                 <a:solidFill>
                   <a:srgbClr val="000000"/>
                 </a:solidFill>
@@ -17153,7 +17214,7 @@
               <a:buNone/>
             </a:pPr>
             <a:r>
-              <a:rPr lang="en-US">
+              <a:rPr lang="en-US" dirty="0">
                 <a:sym typeface="Courier New" charset="0"/>
               </a:rPr>
               <a:t>Full set of GUIs for interacting with local and remote repos.</a:t>
@@ -17209,10 +17270,16 @@
           <a:lstStyle/>
           <a:p>
             <a:r>
-              <a:rPr lang="en-GB" b="1">
-                <a:latin typeface="Calibri" charset="0"/>
-              </a:rPr>
-              <a:t>TortoiseGIT (for Windows)</a:t>
+              <a:rPr lang="en-GB" b="1" dirty="0" err="1">
+                <a:latin typeface="Calibri" charset="0"/>
+              </a:rPr>
+              <a:t>TortoiseGIT</a:t>
+            </a:r>
+            <a:r>
+              <a:rPr lang="en-GB" b="1" dirty="0">
+                <a:latin typeface="Calibri" charset="0"/>
+              </a:rPr>
+              <a:t> (for Windows)</a:t>
             </a:r>
           </a:p>
         </p:txBody>
@@ -17282,14 +17349,14 @@
           </a:ln>
           <a:extLst>
             <a:ext uri="{909E8E84-426E-40dd-AFC4-6F175D3DCCD1}">
-              <a14:hiddenFill xmlns:a14="http://schemas.microsoft.com/office/drawing/2010/main" xmlns="">
+              <a14:hiddenFill xmlns="" xmlns:a14="http://schemas.microsoft.com/office/drawing/2010/main">
                 <a:solidFill>
                   <a:srgbClr val="FFFFFF"/>
                 </a:solidFill>
               </a14:hiddenFill>
             </a:ext>
             <a:ext uri="{91240B29-F687-4f45-9708-019B960494DF}">
-              <a14:hiddenLine xmlns:a14="http://schemas.microsoft.com/office/drawing/2010/main" xmlns="" w="9525">
+              <a14:hiddenLine xmlns="" xmlns:a14="http://schemas.microsoft.com/office/drawing/2010/main" w="9525">
                 <a:solidFill>
                   <a:srgbClr val="000000"/>
                 </a:solidFill>
@@ -17414,7 +17481,7 @@
               <a:buNone/>
             </a:pPr>
             <a:r>
-              <a:rPr lang="en-US">
+              <a:rPr lang="en-US" dirty="0">
                 <a:sym typeface="Courier New" charset="0"/>
               </a:rPr>
               <a:t>Provides GUIs for adding/committing/changing - including a side-by-side diff…</a:t>
@@ -17475,19 +17542,19 @@
           <a:lstStyle/>
           <a:p>
             <a:r>
-              <a:rPr lang="en-GB" b="1">
+              <a:rPr lang="en-GB" b="1" dirty="0">
                 <a:latin typeface="Calibri" charset="0"/>
               </a:rPr>
               <a:t>The </a:t>
             </a:r>
             <a:r>
-              <a:rPr lang="en-GB" b="1" i="1">
+              <a:rPr lang="en-GB" b="1" i="1" dirty="0">
                 <a:latin typeface="Calibri" charset="0"/>
               </a:rPr>
               <a:t>why</a:t>
             </a:r>
             <a:r>
-              <a:rPr lang="en-GB" b="1">
+              <a:rPr lang="en-GB" b="1" dirty="0">
                 <a:latin typeface="Calibri" charset="0"/>
               </a:rPr>
               <a:t> - one more time</a:t>
@@ -17516,146 +17583,146 @@
           <a:lstStyle/>
           <a:p>
             <a:r>
-              <a:rPr lang="en-GB" sz="2800">
+              <a:rPr lang="en-GB" sz="2800" dirty="0">
                 <a:latin typeface="Calibri" charset="0"/>
               </a:rPr>
               <a:t>Using version control will </a:t>
             </a:r>
             <a:r>
-              <a:rPr lang="en-GB" sz="2800" b="1">
+              <a:rPr lang="en-GB" sz="2800" b="1" dirty="0">
                 <a:latin typeface="Calibri" charset="0"/>
               </a:rPr>
               <a:t>save you time </a:t>
             </a:r>
             <a:r>
-              <a:rPr lang="en-GB" sz="2800">
+              <a:rPr lang="en-GB" sz="2800" dirty="0">
                 <a:latin typeface="Calibri" charset="0"/>
               </a:rPr>
               <a:t>– </a:t>
             </a:r>
             <a:r>
-              <a:rPr lang="en-GB" sz="2800" i="1">
+              <a:rPr lang="en-GB" sz="2800" i="1" dirty="0">
                 <a:latin typeface="Calibri" charset="0"/>
               </a:rPr>
               <a:t>No more accidentally deleting your workspace, or working on the wrong version of a file.</a:t>
             </a:r>
-            <a:endParaRPr lang="en-GB" sz="2800">
+            <a:endParaRPr lang="en-GB" sz="2800" dirty="0">
               <a:latin typeface="Calibri" charset="0"/>
             </a:endParaRPr>
           </a:p>
           <a:p>
             <a:r>
-              <a:rPr lang="en-GB" sz="2800">
+              <a:rPr lang="en-GB" sz="2800" dirty="0">
                 <a:latin typeface="Calibri" charset="0"/>
               </a:rPr>
               <a:t>It will </a:t>
             </a:r>
             <a:r>
-              <a:rPr lang="en-GB" sz="2800" b="1">
+              <a:rPr lang="en-GB" sz="2800" b="1" dirty="0">
                 <a:latin typeface="Calibri" charset="0"/>
               </a:rPr>
               <a:t>make you a better programmer </a:t>
             </a:r>
             <a:r>
-              <a:rPr lang="en-GB" sz="2800">
+              <a:rPr lang="en-GB" sz="2800" dirty="0">
                 <a:latin typeface="Calibri" charset="0"/>
               </a:rPr>
               <a:t>– </a:t>
             </a:r>
             <a:r>
-              <a:rPr lang="en-GB" sz="2800" i="1">
+              <a:rPr lang="en-GB" sz="2800" i="1" dirty="0">
                 <a:latin typeface="Calibri" charset="0"/>
               </a:rPr>
               <a:t>It encourages good working practices: such as documenting change.</a:t>
             </a:r>
-            <a:endParaRPr lang="en-GB" sz="2800">
+            <a:endParaRPr lang="en-GB" sz="2800" dirty="0">
               <a:latin typeface="Calibri" charset="0"/>
             </a:endParaRPr>
           </a:p>
           <a:p>
             <a:r>
-              <a:rPr lang="en-GB" sz="2800">
+              <a:rPr lang="en-GB" sz="2800" dirty="0">
                 <a:latin typeface="Calibri" charset="0"/>
               </a:rPr>
               <a:t>It will help you </a:t>
             </a:r>
             <a:r>
-              <a:rPr lang="en-GB" sz="2800" b="1">
+              <a:rPr lang="en-GB" sz="2800" b="1" dirty="0">
                 <a:latin typeface="Calibri" charset="0"/>
               </a:rPr>
               <a:t>collaborate more effectively </a:t>
             </a:r>
             <a:r>
-              <a:rPr lang="en-GB" sz="2800">
+              <a:rPr lang="en-GB" sz="2800" dirty="0">
                 <a:latin typeface="Calibri" charset="0"/>
               </a:rPr>
               <a:t>– </a:t>
             </a:r>
             <a:r>
-              <a:rPr lang="en-GB" sz="2800" i="1">
+              <a:rPr lang="en-GB" sz="2800" i="1" dirty="0">
                 <a:latin typeface="Calibri" charset="0"/>
               </a:rPr>
               <a:t>Others can access tagged releases of your code.</a:t>
             </a:r>
-            <a:endParaRPr lang="en-GB" sz="2800">
+            <a:endParaRPr lang="en-GB" sz="2800" dirty="0">
               <a:latin typeface="Calibri" charset="0"/>
             </a:endParaRPr>
           </a:p>
           <a:p>
             <a:r>
-              <a:rPr lang="en-GB" sz="2800">
+              <a:rPr lang="en-GB" sz="2800" dirty="0">
                 <a:latin typeface="Calibri" charset="0"/>
               </a:rPr>
               <a:t>It will </a:t>
             </a:r>
             <a:r>
-              <a:rPr lang="en-GB" sz="2800" b="1">
+              <a:rPr lang="en-GB" sz="2800" b="1" dirty="0">
                 <a:latin typeface="Calibri" charset="0"/>
               </a:rPr>
               <a:t>boost your scientific integrity </a:t>
             </a:r>
             <a:r>
-              <a:rPr lang="en-GB" sz="2800">
+              <a:rPr lang="en-GB" sz="2800" dirty="0">
                 <a:latin typeface="Calibri" charset="0"/>
               </a:rPr>
               <a:t>– </a:t>
             </a:r>
             <a:r>
-              <a:rPr lang="en-GB" sz="2800" i="1">
+              <a:rPr lang="en-GB" sz="2800" i="1" dirty="0">
                 <a:latin typeface="Calibri" charset="0"/>
               </a:rPr>
               <a:t>Helping you document your work; aiding reproducibility. </a:t>
             </a:r>
-            <a:endParaRPr lang="en-GB" sz="2800">
+            <a:endParaRPr lang="en-GB" sz="2800" dirty="0">
               <a:latin typeface="Calibri" charset="0"/>
             </a:endParaRPr>
           </a:p>
           <a:p>
             <a:r>
-              <a:rPr lang="en-GB" sz="2800">
+              <a:rPr lang="en-GB" sz="2800" dirty="0">
                 <a:latin typeface="Calibri" charset="0"/>
               </a:rPr>
               <a:t>It will </a:t>
             </a:r>
             <a:r>
-              <a:rPr lang="en-GB" sz="2800" b="1">
+              <a:rPr lang="en-GB" sz="2800" b="1" dirty="0">
                 <a:latin typeface="Calibri" charset="0"/>
               </a:rPr>
               <a:t>make you feel safe </a:t>
             </a:r>
             <a:r>
-              <a:rPr lang="en-GB" sz="2800">
+              <a:rPr lang="en-GB" sz="2800" dirty="0">
                 <a:latin typeface="Calibri" charset="0"/>
               </a:rPr>
               <a:t>– </a:t>
             </a:r>
             <a:r>
-              <a:rPr lang="en-GB" sz="2800" i="1">
+              <a:rPr lang="en-GB" sz="2800" i="1" dirty="0">
                 <a:latin typeface="Calibri" charset="0"/>
               </a:rPr>
               <a:t>No more waking up at 3 a.m. wondering if you backed up your work!</a:t>
             </a:r>
-            <a:endParaRPr lang="en-GB" sz="2800">
+            <a:endParaRPr lang="en-GB" sz="2800" dirty="0">
               <a:latin typeface="Calibri" charset="0"/>
             </a:endParaRPr>
           </a:p>
@@ -17928,7 +17995,7 @@
           <a:lstStyle/>
           <a:p>
             <a:r>
-              <a:rPr lang="en-GB">
+              <a:rPr lang="en-GB" dirty="0">
                 <a:latin typeface="Calibri" charset="0"/>
               </a:rPr>
               <a:t>The NCAS GitHub organisation</a:t>
@@ -17956,7 +18023,7 @@
               <a:buNone/>
             </a:pPr>
             <a:r>
-              <a:rPr lang="en-GB">
+              <a:rPr lang="en-GB" dirty="0">
                 <a:latin typeface="Calibri" charset="0"/>
               </a:rPr>
               <a:t>An NCAS GitHub organisation has been set up.</a:t>
@@ -17968,7 +18035,7 @@
               <a:buNone/>
             </a:pPr>
             <a:r>
-              <a:rPr lang="en-GB">
+              <a:rPr lang="en-GB" dirty="0">
                 <a:latin typeface="Calibri" charset="0"/>
               </a:rPr>
               <a:t>This allows repositories to be set up that where users could share code when it has become a more formal collaboration.</a:t>
@@ -17979,7 +18046,7 @@
               <a:buFont typeface="Arial" charset="0"/>
               <a:buNone/>
             </a:pPr>
-            <a:endParaRPr lang="en-GB">
+            <a:endParaRPr lang="en-GB" dirty="0">
               <a:latin typeface="Calibri" charset="0"/>
             </a:endParaRPr>
           </a:p>
@@ -17989,7 +18056,7 @@
               <a:buNone/>
             </a:pPr>
             <a:r>
-              <a:rPr lang="en-GB">
+              <a:rPr lang="en-GB" dirty="0">
                 <a:latin typeface="Calibri" charset="0"/>
               </a:rPr>
               <a:t>If you want to become part of the NCAS GitHub please contact Ag, James or Dan and send them your GitHub account ID.</a:t>
@@ -18038,7 +18105,7 @@
           <a:lstStyle/>
           <a:p>
             <a:r>
-              <a:rPr lang="en-GB" sz="4000" b="1">
+              <a:rPr lang="en-GB" sz="4000" b="1" dirty="0">
                 <a:latin typeface="Calibri" charset="0"/>
               </a:rPr>
               <a:t>Further information</a:t>
@@ -18071,7 +18138,7 @@
               <a:buNone/>
             </a:pPr>
             <a:r>
-              <a:rPr lang="en-GB">
+              <a:rPr lang="en-GB" dirty="0">
                 <a:latin typeface="Calibri" charset="0"/>
               </a:rPr>
               <a:t>Git documentation:</a:t>
@@ -18083,19 +18150,19 @@
               <a:buNone/>
             </a:pPr>
             <a:r>
-              <a:rPr lang="en-GB">
+              <a:rPr lang="en-GB" dirty="0">
                 <a:latin typeface="Calibri" charset="0"/>
               </a:rPr>
               <a:t>	</a:t>
             </a:r>
             <a:r>
-              <a:rPr lang="en-GB">
+              <a:rPr lang="en-GB" dirty="0">
                 <a:latin typeface="Calibri" charset="0"/>
                 <a:hlinkClick r:id="rId2"/>
               </a:rPr>
               <a:t>http://git-scm.com/documentation</a:t>
             </a:r>
-            <a:endParaRPr lang="en-GB">
+            <a:endParaRPr lang="en-GB" dirty="0">
               <a:latin typeface="Calibri" charset="0"/>
             </a:endParaRPr>
           </a:p>
@@ -18105,7 +18172,7 @@
               <a:buNone/>
             </a:pPr>
             <a:r>
-              <a:rPr lang="en-GB">
+              <a:rPr lang="en-GB" dirty="0">
                 <a:latin typeface="Calibri" charset="0"/>
               </a:rPr>
               <a:t>Nice Git reference:</a:t>
@@ -18117,19 +18184,19 @@
               <a:buNone/>
             </a:pPr>
             <a:r>
-              <a:rPr lang="en-GB">
+              <a:rPr lang="en-GB" dirty="0">
                 <a:latin typeface="Calibri" charset="0"/>
               </a:rPr>
               <a:t>	</a:t>
             </a:r>
             <a:r>
-              <a:rPr lang="en-GB">
+              <a:rPr lang="en-GB" dirty="0">
                 <a:latin typeface="Calibri" charset="0"/>
                 <a:hlinkClick r:id="rId3"/>
               </a:rPr>
               <a:t>http://gitref.org/</a:t>
             </a:r>
-            <a:endParaRPr lang="en-GB">
+            <a:endParaRPr lang="en-GB" dirty="0">
               <a:latin typeface="Calibri" charset="0"/>
             </a:endParaRPr>
           </a:p>
@@ -18139,7 +18206,7 @@
               <a:buNone/>
             </a:pPr>
             <a:r>
-              <a:rPr lang="en-US">
+              <a:rPr lang="en-US" dirty="0">
                 <a:latin typeface="Calibri" charset="0"/>
               </a:rPr>
               <a:t>GitHub: </a:t>
@@ -18151,26 +18218,26 @@
               <a:buNone/>
             </a:pPr>
             <a:r>
-              <a:rPr lang="en-US">
+              <a:rPr lang="en-US" dirty="0">
                 <a:latin typeface="Calibri" charset="0"/>
               </a:rPr>
               <a:t>	</a:t>
             </a:r>
             <a:r>
-              <a:rPr lang="en-US">
+              <a:rPr lang="en-US" dirty="0">
                 <a:latin typeface="Calibri" charset="0"/>
                 <a:hlinkClick r:id="rId4"/>
               </a:rPr>
               <a:t>http://github.com</a:t>
             </a:r>
             <a:r>
-              <a:rPr lang="en-US">
+              <a:rPr lang="en-US" dirty="0">
                 <a:latin typeface="Calibri" charset="0"/>
                 <a:hlinkClick r:id="rId5"/>
               </a:rPr>
               <a:t>/</a:t>
             </a:r>
-            <a:endParaRPr lang="en-GB">
+            <a:endParaRPr lang="en-GB" dirty="0">
               <a:latin typeface="Calibri" charset="0"/>
             </a:endParaRPr>
           </a:p>
@@ -18229,7 +18296,7 @@
           <a:lstStyle/>
           <a:p>
             <a:r>
-              <a:rPr lang="en-GB" b="1">
+              <a:rPr lang="en-GB" b="1" dirty="0">
                 <a:latin typeface="Calibri" charset="0"/>
               </a:rPr>
               <a:t>Introducing Git</a:t>
@@ -18262,7 +18329,7 @@
               <a:buNone/>
             </a:pPr>
             <a:r>
-              <a:rPr lang="en-GB">
+              <a:rPr lang="en-GB" dirty="0">
                 <a:latin typeface="Calibri" charset="0"/>
               </a:rPr>
               <a:t>There are many different Version Control tools:</a:t>
@@ -18270,13 +18337,13 @@
           </a:p>
           <a:p>
             <a:r>
-              <a:rPr lang="en-GB" b="1">
+              <a:rPr lang="en-GB" b="1" dirty="0">
                 <a:latin typeface="Calibri" charset="0"/>
               </a:rPr>
               <a:t>SVN</a:t>
             </a:r>
             <a:r>
-              <a:rPr lang="en-GB">
+              <a:rPr lang="en-GB" dirty="0">
                 <a:latin typeface="Calibri" charset="0"/>
               </a:rPr>
               <a:t> (Subversion) is very popular and (relatively) easy to grasp; eclipsed by…</a:t>
@@ -18284,13 +18351,13 @@
           </a:p>
           <a:p>
             <a:r>
-              <a:rPr lang="en-GB" b="1">
+              <a:rPr lang="en-GB" b="1" dirty="0">
                 <a:latin typeface="Calibri" charset="0"/>
               </a:rPr>
               <a:t>Git, </a:t>
             </a:r>
             <a:r>
-              <a:rPr lang="en-GB">
+              <a:rPr lang="en-GB" dirty="0">
                 <a:latin typeface="Calibri" charset="0"/>
               </a:rPr>
               <a:t>which is also:</a:t>
@@ -18299,7 +18366,7 @@
           <a:p>
             <a:pPr lvl="1"/>
             <a:r>
-              <a:rPr lang="en-GB">
+              <a:rPr lang="en-GB" dirty="0">
                 <a:latin typeface="Calibri" charset="0"/>
               </a:rPr>
               <a:t>More useful for collaboration</a:t>
@@ -18308,13 +18375,13 @@
           <a:p>
             <a:pPr lvl="1"/>
             <a:r>
-              <a:rPr lang="en-GB">
+              <a:rPr lang="en-GB" dirty="0">
                 <a:latin typeface="Calibri" charset="0"/>
               </a:rPr>
               <a:t>Distributed and </a:t>
             </a:r>
             <a:r>
-              <a:rPr lang="en-GB" i="1">
+              <a:rPr lang="en-GB" i="1" dirty="0">
                 <a:latin typeface="Calibri" charset="0"/>
               </a:rPr>
               <a:t>fast</a:t>
@@ -18323,7 +18390,7 @@
           <a:p>
             <a:pPr lvl="1"/>
             <a:r>
-              <a:rPr lang="en-GB">
+              <a:rPr lang="en-GB" dirty="0">
                 <a:latin typeface="Calibri" charset="0"/>
               </a:rPr>
               <a:t>Very well supported in terms of tooling</a:t>
@@ -18332,10 +18399,22 @@
           <a:p>
             <a:pPr lvl="1"/>
             <a:r>
-              <a:rPr lang="en-GB">
-                <a:latin typeface="Calibri" charset="0"/>
-              </a:rPr>
-              <a:t>Has free repository hosts  on the web (GitHub, BitBucket etc.,).</a:t>
+              <a:rPr lang="en-GB" dirty="0">
+                <a:latin typeface="Calibri" charset="0"/>
+              </a:rPr>
+              <a:t>Has free repository hosts  on the web (GitHub, </a:t>
+            </a:r>
+            <a:r>
+              <a:rPr lang="en-GB" dirty="0" err="1">
+                <a:latin typeface="Calibri" charset="0"/>
+              </a:rPr>
+              <a:t>BitBucket</a:t>
+            </a:r>
+            <a:r>
+              <a:rPr lang="en-GB" dirty="0">
+                <a:latin typeface="Calibri" charset="0"/>
+              </a:rPr>
+              <a:t> etc.,).</a:t>
             </a:r>
           </a:p>
         </p:txBody>
@@ -18388,7 +18467,7 @@
           <a:lstStyle/>
           <a:p>
             <a:r>
-              <a:rPr lang="en-GB" sz="4000" b="1">
+              <a:rPr lang="en-GB" sz="4000" b="1" dirty="0">
                 <a:latin typeface="Calibri" charset="0"/>
               </a:rPr>
               <a:t>Acknowledgements</a:t>
@@ -18416,7 +18495,7 @@
               <a:buNone/>
             </a:pPr>
             <a:r>
-              <a:rPr lang="en-GB" sz="2400">
+              <a:rPr lang="en-GB" sz="2400" dirty="0">
                 <a:latin typeface="Calibri" charset="0"/>
               </a:rPr>
               <a:t>We would like to Acknowledge the following authors for some of the content presented here:</a:t>
@@ -18427,7 +18506,7 @@
               <a:buFont typeface="Arial" charset="0"/>
               <a:buNone/>
             </a:pPr>
-            <a:endParaRPr lang="en-GB" sz="2400">
+            <a:endParaRPr lang="en-GB" sz="2400" dirty="0">
               <a:latin typeface="Calibri" charset="0"/>
             </a:endParaRPr>
           </a:p>
@@ -18436,7 +18515,7 @@
               <a:buFont typeface="Arial" charset="0"/>
               <a:buNone/>
             </a:pPr>
-            <a:endParaRPr lang="en-GB">
+            <a:endParaRPr lang="en-GB" dirty="0">
               <a:latin typeface="Calibri" charset="0"/>
             </a:endParaRPr>
           </a:p>
@@ -18446,26 +18525,38 @@
               <a:buNone/>
             </a:pPr>
             <a:r>
-              <a:rPr lang="en-GB" sz="2400" i="1">
+              <a:rPr lang="en-GB" sz="2400" i="1" dirty="0">
                 <a:latin typeface="Calibri" charset="0"/>
               </a:rPr>
               <a:t>“Introduction to GIT”.</a:t>
             </a:r>
             <a:r>
-              <a:rPr lang="en-GB" sz="2400">
-                <a:latin typeface="Calibri" charset="0"/>
-              </a:rPr>
-              <a:t> Lukas Fittl (</a:t>
-            </a:r>
-            <a:r>
-              <a:rPr lang="en-GB" sz="2400">
+              <a:rPr lang="en-GB" sz="2400" dirty="0">
+                <a:latin typeface="Calibri" charset="0"/>
+              </a:rPr>
+              <a:t> Lukas </a:t>
+            </a:r>
+            <a:r>
+              <a:rPr lang="en-GB" sz="2400" dirty="0" err="1">
+                <a:latin typeface="Calibri" charset="0"/>
+              </a:rPr>
+              <a:t>Fittl</a:t>
+            </a:r>
+            <a:r>
+              <a:rPr lang="en-GB" sz="2400" dirty="0">
+                <a:latin typeface="Calibri" charset="0"/>
+              </a:rPr>
+              <a:t> (</a:t>
+            </a:r>
+            <a:r>
+              <a:rPr lang="en-GB" sz="2400" dirty="0">
                 <a:latin typeface="Calibri" charset="0"/>
                 <a:hlinkClick r:id="rId2"/>
               </a:rPr>
               <a:t>http://fittl.com</a:t>
             </a:r>
             <a:r>
-              <a:rPr lang="en-GB" sz="2400">
+              <a:rPr lang="en-GB" sz="2400" dirty="0">
                 <a:latin typeface="Calibri" charset="0"/>
               </a:rPr>
               <a:t>).</a:t>
@@ -18477,24 +18568,24 @@
               <a:buNone/>
             </a:pPr>
             <a:r>
-              <a:rPr lang="en-GB" sz="2400">
+              <a:rPr lang="en-GB" sz="2400" dirty="0">
                 <a:latin typeface="Calibri" charset="0"/>
               </a:rPr>
               <a:t>“</a:t>
             </a:r>
             <a:r>
-              <a:rPr lang="en-GB" sz="2400" i="1">
+              <a:rPr lang="en-GB" sz="2400" i="1" dirty="0">
                 <a:latin typeface="Calibri" charset="0"/>
               </a:rPr>
               <a:t>Git and GitHub</a:t>
             </a:r>
             <a:r>
-              <a:rPr lang="en-GB" sz="2400">
+              <a:rPr lang="en-GB" sz="2400" dirty="0">
                 <a:latin typeface="Calibri" charset="0"/>
               </a:rPr>
               <a:t>”. Darren Oakley.</a:t>
             </a:r>
-            <a:endParaRPr lang="en-GB" sz="3600">
+            <a:endParaRPr lang="en-GB" sz="3600" dirty="0">
               <a:latin typeface="Calibri" charset="0"/>
             </a:endParaRPr>
           </a:p>
@@ -18503,7 +18594,7 @@
               <a:buFont typeface="Arial" charset="0"/>
               <a:buNone/>
             </a:pPr>
-            <a:endParaRPr lang="en-GB">
+            <a:endParaRPr lang="en-GB" dirty="0">
               <a:latin typeface="Calibri" charset="0"/>
             </a:endParaRPr>
           </a:p>
@@ -18557,7 +18648,7 @@
           <a:lstStyle/>
           <a:p>
             <a:r>
-              <a:rPr lang="en-GB" b="1">
+              <a:rPr lang="en-GB" b="1" dirty="0">
                 <a:latin typeface="Calibri" charset="0"/>
               </a:rPr>
               <a:t>More about Git</a:t>
@@ -18585,19 +18676,19 @@
               <a:buNone/>
             </a:pPr>
             <a:r>
-              <a:rPr lang="en-GB">
+              <a:rPr lang="en-GB" dirty="0">
                 <a:latin typeface="Calibri" charset="0"/>
               </a:rPr>
               <a:t>Git is a </a:t>
             </a:r>
             <a:r>
-              <a:rPr lang="en-GB" i="1">
+              <a:rPr lang="en-GB" i="1" dirty="0">
                 <a:latin typeface="Calibri" charset="0"/>
               </a:rPr>
               <a:t>distributed</a:t>
             </a:r>
             <a:r>
-              <a:rPr lang="en-GB">
+              <a:rPr lang="en-GB" dirty="0">
                 <a:latin typeface="Calibri" charset="0"/>
               </a:rPr>
               <a:t> Version Control System (VCS):</a:t>
@@ -18605,7 +18696,7 @@
           </a:p>
           <a:p>
             <a:r>
-              <a:rPr lang="en-GB">
+              <a:rPr lang="en-GB" dirty="0">
                 <a:latin typeface="Calibri" charset="0"/>
               </a:rPr>
               <a:t>you store a complete copy of a repository within your working copy.</a:t>
@@ -18613,7 +18704,7 @@
           </a:p>
           <a:p>
             <a:r>
-              <a:rPr lang="en-GB">
+              <a:rPr lang="en-GB" dirty="0">
                 <a:latin typeface="Calibri" charset="0"/>
               </a:rPr>
               <a:t>this means you can work offline:</a:t>
@@ -18622,7 +18713,7 @@
           <a:p>
             <a:pPr lvl="1"/>
             <a:r>
-              <a:rPr lang="en-GB">
+              <a:rPr lang="en-GB" dirty="0">
                 <a:latin typeface="Calibri" charset="0"/>
               </a:rPr>
               <a:t>there is no default ‘central’ server - if you want one, you (and your team) just nominate where it is - typically GitHub!</a:t>
@@ -18866,14 +18957,14 @@
           </a:ln>
           <a:extLst>
             <a:ext uri="{909E8E84-426E-40dd-AFC4-6F175D3DCCD1}">
-              <a14:hiddenFill xmlns:a14="http://schemas.microsoft.com/office/drawing/2010/main" xmlns="">
+              <a14:hiddenFill xmlns="" xmlns:a14="http://schemas.microsoft.com/office/drawing/2010/main">
                 <a:solidFill>
                   <a:srgbClr val="FFFFFF"/>
                 </a:solidFill>
               </a14:hiddenFill>
             </a:ext>
             <a:ext uri="{91240B29-F687-4f45-9708-019B960494DF}">
-              <a14:hiddenLine xmlns:a14="http://schemas.microsoft.com/office/drawing/2010/main" xmlns="" w="9525">
+              <a14:hiddenLine xmlns="" xmlns:a14="http://schemas.microsoft.com/office/drawing/2010/main" w="9525">
                 <a:solidFill>
                   <a:srgbClr val="000000"/>
                 </a:solidFill>
@@ -18995,14 +19086,14 @@
             <a:pPr algn="ctr"/>
             <a:r>
               <a:rPr lang="en-GB" dirty="0">
-                <a:latin typeface="Arial" charset="0"/>
+                <a:latin typeface="+mn-lt"/>
                 <a:hlinkClick r:id="rId4"/>
               </a:rPr>
               <a:t>https://github.com</a:t>
             </a:r>
             <a:r>
               <a:rPr lang="en-GB" dirty="0">
-                <a:latin typeface="Arial" charset="0"/>
+                <a:latin typeface="+mn-lt"/>
               </a:rPr>
               <a:t> </a:t>
             </a:r>
@@ -19011,12 +19102,12 @@
             <a:pPr algn="ctr"/>
             <a:r>
               <a:rPr lang="en-GB" dirty="0" smtClean="0">
-                <a:latin typeface="Arial" charset="0"/>
+                <a:latin typeface="+mn-lt"/>
               </a:rPr>
               <a:t>A service for hosting git repositories.</a:t>
             </a:r>
             <a:endParaRPr lang="en-GB" dirty="0">
-              <a:latin typeface="Arial" charset="0"/>
+              <a:latin typeface="+mn-lt"/>
             </a:endParaRPr>
           </a:p>
         </p:txBody>
@@ -19062,36 +19153,36 @@
           <a:lstStyle/>
           <a:p>
             <a:r>
-              <a:rPr lang="en-GB">
+              <a:rPr lang="en-GB" dirty="0">
                 <a:latin typeface="Calibri" charset="0"/>
               </a:rPr>
               <a:t>GitHub: repositories</a:t>
             </a:r>
             <a:r>
-              <a:rPr lang="en-GB" sz="3200">
+              <a:rPr lang="en-GB" sz="3200" dirty="0">
                 <a:latin typeface="Calibri" charset="0"/>
               </a:rPr>
               <a:t> (public </a:t>
             </a:r>
             <a:r>
-              <a:rPr lang="en-GB" sz="3200" i="1">
+              <a:rPr lang="en-GB" sz="3200" i="1" dirty="0">
                 <a:latin typeface="Calibri" charset="0"/>
               </a:rPr>
               <a:t>or </a:t>
             </a:r>
             <a:r>
-              <a:rPr lang="en-GB" sz="3200" b="1">
+              <a:rPr lang="en-GB" sz="3200" b="1" dirty="0">
                 <a:latin typeface="Calibri" charset="0"/>
               </a:rPr>
               <a:t>private</a:t>
             </a:r>
             <a:r>
-              <a:rPr lang="en-GB" sz="3200">
+              <a:rPr lang="en-GB" sz="3200" dirty="0">
                 <a:latin typeface="Calibri" charset="0"/>
               </a:rPr>
               <a:t>)</a:t>
             </a:r>
-            <a:endParaRPr lang="en-GB">
+            <a:endParaRPr lang="en-GB" dirty="0">
               <a:latin typeface="Calibri" charset="0"/>
             </a:endParaRPr>
           </a:p>
@@ -19108,7 +19199,7 @@
           </p:nvPr>
         </p:nvPicPr>
         <p:blipFill>
-          <a:blip r:embed="rId3">
+          <a:blip r:embed="rId3" cstate="email">
             <a:extLst>
               <a:ext uri="{28A0092B-C50C-407E-A947-70E740481C1C}">
                 <a14:useLocalDpi xmlns:a14="http://schemas.microsoft.com/office/drawing/2010/main" val="0"/>
@@ -19136,7 +19227,7 @@
           </a:ln>
           <a:extLst>
             <a:ext uri="{909E8E84-426E-40dd-AFC4-6F175D3DCCD1}">
-              <a14:hiddenFill xmlns:a14="http://schemas.microsoft.com/office/drawing/2010/main" xmlns="">
+              <a14:hiddenFill xmlns="" xmlns:a14="http://schemas.microsoft.com/office/drawing/2010/main">
                 <a:solidFill>
                   <a:schemeClr val="accent1"/>
                 </a:solidFill>
@@ -19186,7 +19277,7 @@
           <a:lstStyle/>
           <a:p>
             <a:r>
-              <a:rPr lang="en-GB">
+              <a:rPr lang="en-GB" dirty="0">
                 <a:latin typeface="Calibri" charset="0"/>
               </a:rPr>
               <a:t>GitHub: organisations</a:t>
@@ -19205,7 +19296,7 @@
           </p:nvPr>
         </p:nvPicPr>
         <p:blipFill>
-          <a:blip r:embed="rId3">
+          <a:blip r:embed="rId3" cstate="email">
             <a:extLst>
               <a:ext uri="{28A0092B-C50C-407E-A947-70E740481C1C}">
                 <a14:useLocalDpi xmlns:a14="http://schemas.microsoft.com/office/drawing/2010/main" val="0"/>
@@ -19233,7 +19324,7 @@
           </a:ln>
           <a:extLst>
             <a:ext uri="{909E8E84-426E-40dd-AFC4-6F175D3DCCD1}">
-              <a14:hiddenFill xmlns:a14="http://schemas.microsoft.com/office/drawing/2010/main" xmlns="">
+              <a14:hiddenFill xmlns="" xmlns:a14="http://schemas.microsoft.com/office/drawing/2010/main">
                 <a:solidFill>
                   <a:schemeClr val="accent1"/>
                 </a:solidFill>

--- a/shell/presentations/01_git2.pptx
+++ b/shell/presentations/01_git2.pptx
@@ -2,7 +2,7 @@
 <file path=ppt/presentation.xml><?xml version="1.0" encoding="utf-8"?>
 <p:presentation xmlns:a="http://schemas.openxmlformats.org/drawingml/2006/main" xmlns:r="http://schemas.openxmlformats.org/officeDocument/2006/relationships" xmlns:p="http://schemas.openxmlformats.org/presentationml/2006/main" saveSubsetFonts="1">
   <p:sldMasterIdLst>
-    <p:sldMasterId id="2147483648" r:id="rId1"/>
+    <p:sldMasterId id="2147483680" r:id="rId1"/>
   </p:sldMasterIdLst>
   <p:notesMasterIdLst>
     <p:notesMasterId r:id="rId42"/>
@@ -292,7 +292,7 @@
             <a:fld id="{17F80633-BAA2-0049-BDEC-E483C21777A6}" type="datetimeFigureOut">
               <a:rPr lang="en-GB"/>
               <a:pPr/>
-              <a:t>25/09/2018</a:t>
+              <a:t>26/09/2018</a:t>
             </a:fld>
             <a:endParaRPr lang="en-GB"/>
           </a:p>
@@ -644,10 +644,10 @@
           </a:ln>
           <a:extLst>
             <a:ext uri="{FAA26D3D-D897-4be2-8F04-BA451C77F1D7}">
-              <ma14:placeholderFlag xmlns:ma14="http://schemas.microsoft.com/office/mac/drawingml/2011/main" xmlns="" val="1"/>
+              <ma14:placeholderFlag xmlns="" xmlns:ma14="http://schemas.microsoft.com/office/mac/drawingml/2011/main" val="1"/>
             </a:ext>
             <a:ext uri="{909E8E84-426E-40dd-AFC4-6F175D3DCCD1}">
-              <a14:hiddenFill xmlns="" xmlns:a14="http://schemas.microsoft.com/office/drawing/2010/main">
+              <a14:hiddenFill xmlns:a14="http://schemas.microsoft.com/office/drawing/2010/main" xmlns="">
                 <a:solidFill>
                   <a:srgbClr val="FFFFFF"/>
                 </a:solidFill>
@@ -670,14 +670,14 @@
           <a:noFill/>
           <a:extLst>
             <a:ext uri="{909E8E84-426E-40dd-AFC4-6F175D3DCCD1}">
-              <a14:hiddenFill xmlns="" xmlns:a14="http://schemas.microsoft.com/office/drawing/2010/main">
+              <a14:hiddenFill xmlns:a14="http://schemas.microsoft.com/office/drawing/2010/main" xmlns="">
                 <a:solidFill>
                   <a:srgbClr val="FFFFFF"/>
                 </a:solidFill>
               </a14:hiddenFill>
             </a:ext>
             <a:ext uri="{91240B29-F687-4f45-9708-019B960494DF}">
-              <a14:hiddenLine xmlns="" xmlns:a14="http://schemas.microsoft.com/office/drawing/2010/main" w="9525">
+              <a14:hiddenLine xmlns:a14="http://schemas.microsoft.com/office/drawing/2010/main" xmlns="" w="9525">
                 <a:solidFill>
                   <a:srgbClr val="000000"/>
                 </a:solidFill>
@@ -719,14 +719,14 @@
           <a:noFill/>
           <a:extLst>
             <a:ext uri="{909E8E84-426E-40dd-AFC4-6F175D3DCCD1}">
-              <a14:hiddenFill xmlns="" xmlns:a14="http://schemas.microsoft.com/office/drawing/2010/main">
+              <a14:hiddenFill xmlns:a14="http://schemas.microsoft.com/office/drawing/2010/main" xmlns="">
                 <a:solidFill>
                   <a:srgbClr val="FFFFFF"/>
                 </a:solidFill>
               </a14:hiddenFill>
             </a:ext>
             <a:ext uri="{91240B29-F687-4f45-9708-019B960494DF}">
-              <a14:hiddenLine xmlns="" xmlns:a14="http://schemas.microsoft.com/office/drawing/2010/main" w="9525">
+              <a14:hiddenLine xmlns:a14="http://schemas.microsoft.com/office/drawing/2010/main" xmlns="" w="9525">
                 <a:solidFill>
                   <a:srgbClr val="000000"/>
                 </a:solidFill>
@@ -907,10 +907,10 @@
           </a:ln>
           <a:extLst>
             <a:ext uri="{FAA26D3D-D897-4be2-8F04-BA451C77F1D7}">
-              <ma14:placeholderFlag xmlns:ma14="http://schemas.microsoft.com/office/mac/drawingml/2011/main" xmlns="" val="1"/>
+              <ma14:placeholderFlag xmlns="" xmlns:ma14="http://schemas.microsoft.com/office/mac/drawingml/2011/main" val="1"/>
             </a:ext>
             <a:ext uri="{909E8E84-426E-40dd-AFC4-6F175D3DCCD1}">
-              <a14:hiddenFill xmlns="" xmlns:a14="http://schemas.microsoft.com/office/drawing/2010/main">
+              <a14:hiddenFill xmlns:a14="http://schemas.microsoft.com/office/drawing/2010/main" xmlns="">
                 <a:solidFill>
                   <a:srgbClr val="FFFFFF"/>
                 </a:solidFill>
@@ -933,14 +933,14 @@
           <a:noFill/>
           <a:extLst>
             <a:ext uri="{909E8E84-426E-40dd-AFC4-6F175D3DCCD1}">
-              <a14:hiddenFill xmlns="" xmlns:a14="http://schemas.microsoft.com/office/drawing/2010/main">
+              <a14:hiddenFill xmlns:a14="http://schemas.microsoft.com/office/drawing/2010/main" xmlns="">
                 <a:solidFill>
                   <a:srgbClr val="FFFFFF"/>
                 </a:solidFill>
               </a14:hiddenFill>
             </a:ext>
             <a:ext uri="{91240B29-F687-4f45-9708-019B960494DF}">
-              <a14:hiddenLine xmlns="" xmlns:a14="http://schemas.microsoft.com/office/drawing/2010/main" w="9525">
+              <a14:hiddenLine xmlns:a14="http://schemas.microsoft.com/office/drawing/2010/main" xmlns="" w="9525">
                 <a:solidFill>
                   <a:srgbClr val="000000"/>
                 </a:solidFill>
@@ -982,14 +982,14 @@
           <a:noFill/>
           <a:extLst>
             <a:ext uri="{909E8E84-426E-40dd-AFC4-6F175D3DCCD1}">
-              <a14:hiddenFill xmlns="" xmlns:a14="http://schemas.microsoft.com/office/drawing/2010/main">
+              <a14:hiddenFill xmlns:a14="http://schemas.microsoft.com/office/drawing/2010/main" xmlns="">
                 <a:solidFill>
                   <a:srgbClr val="FFFFFF"/>
                 </a:solidFill>
               </a14:hiddenFill>
             </a:ext>
             <a:ext uri="{91240B29-F687-4f45-9708-019B960494DF}">
-              <a14:hiddenLine xmlns="" xmlns:a14="http://schemas.microsoft.com/office/drawing/2010/main" w="9525">
+              <a14:hiddenLine xmlns:a14="http://schemas.microsoft.com/office/drawing/2010/main" xmlns="" w="9525">
                 <a:solidFill>
                   <a:srgbClr val="000000"/>
                 </a:solidFill>
@@ -1170,10 +1170,10 @@
           </a:ln>
           <a:extLst>
             <a:ext uri="{FAA26D3D-D897-4be2-8F04-BA451C77F1D7}">
-              <ma14:placeholderFlag xmlns:ma14="http://schemas.microsoft.com/office/mac/drawingml/2011/main" xmlns="" val="1"/>
+              <ma14:placeholderFlag xmlns="" xmlns:ma14="http://schemas.microsoft.com/office/mac/drawingml/2011/main" val="1"/>
             </a:ext>
             <a:ext uri="{909E8E84-426E-40dd-AFC4-6F175D3DCCD1}">
-              <a14:hiddenFill xmlns="" xmlns:a14="http://schemas.microsoft.com/office/drawing/2010/main">
+              <a14:hiddenFill xmlns:a14="http://schemas.microsoft.com/office/drawing/2010/main" xmlns="">
                 <a:solidFill>
                   <a:srgbClr val="FFFFFF"/>
                 </a:solidFill>
@@ -1196,14 +1196,14 @@
           <a:noFill/>
           <a:extLst>
             <a:ext uri="{909E8E84-426E-40dd-AFC4-6F175D3DCCD1}">
-              <a14:hiddenFill xmlns="" xmlns:a14="http://schemas.microsoft.com/office/drawing/2010/main">
+              <a14:hiddenFill xmlns:a14="http://schemas.microsoft.com/office/drawing/2010/main" xmlns="">
                 <a:solidFill>
                   <a:srgbClr val="FFFFFF"/>
                 </a:solidFill>
               </a14:hiddenFill>
             </a:ext>
             <a:ext uri="{91240B29-F687-4f45-9708-019B960494DF}">
-              <a14:hiddenLine xmlns="" xmlns:a14="http://schemas.microsoft.com/office/drawing/2010/main" w="9525">
+              <a14:hiddenLine xmlns:a14="http://schemas.microsoft.com/office/drawing/2010/main" xmlns="" w="9525">
                 <a:solidFill>
                   <a:srgbClr val="000000"/>
                 </a:solidFill>
@@ -1245,14 +1245,14 @@
           <a:noFill/>
           <a:extLst>
             <a:ext uri="{909E8E84-426E-40dd-AFC4-6F175D3DCCD1}">
-              <a14:hiddenFill xmlns="" xmlns:a14="http://schemas.microsoft.com/office/drawing/2010/main">
+              <a14:hiddenFill xmlns:a14="http://schemas.microsoft.com/office/drawing/2010/main" xmlns="">
                 <a:solidFill>
                   <a:srgbClr val="FFFFFF"/>
                 </a:solidFill>
               </a14:hiddenFill>
             </a:ext>
             <a:ext uri="{91240B29-F687-4f45-9708-019B960494DF}">
-              <a14:hiddenLine xmlns="" xmlns:a14="http://schemas.microsoft.com/office/drawing/2010/main" w="9525">
+              <a14:hiddenLine xmlns:a14="http://schemas.microsoft.com/office/drawing/2010/main" xmlns="" w="9525">
                 <a:solidFill>
                   <a:srgbClr val="000000"/>
                 </a:solidFill>
@@ -1433,10 +1433,10 @@
           </a:ln>
           <a:extLst>
             <a:ext uri="{FAA26D3D-D897-4be2-8F04-BA451C77F1D7}">
-              <ma14:placeholderFlag xmlns:ma14="http://schemas.microsoft.com/office/mac/drawingml/2011/main" xmlns="" val="1"/>
+              <ma14:placeholderFlag xmlns="" xmlns:ma14="http://schemas.microsoft.com/office/mac/drawingml/2011/main" val="1"/>
             </a:ext>
             <a:ext uri="{909E8E84-426E-40dd-AFC4-6F175D3DCCD1}">
-              <a14:hiddenFill xmlns="" xmlns:a14="http://schemas.microsoft.com/office/drawing/2010/main">
+              <a14:hiddenFill xmlns:a14="http://schemas.microsoft.com/office/drawing/2010/main" xmlns="">
                 <a:solidFill>
                   <a:srgbClr val="FFFFFF"/>
                 </a:solidFill>
@@ -1459,14 +1459,14 @@
           <a:noFill/>
           <a:extLst>
             <a:ext uri="{909E8E84-426E-40dd-AFC4-6F175D3DCCD1}">
-              <a14:hiddenFill xmlns="" xmlns:a14="http://schemas.microsoft.com/office/drawing/2010/main">
+              <a14:hiddenFill xmlns:a14="http://schemas.microsoft.com/office/drawing/2010/main" xmlns="">
                 <a:solidFill>
                   <a:srgbClr val="FFFFFF"/>
                 </a:solidFill>
               </a14:hiddenFill>
             </a:ext>
             <a:ext uri="{91240B29-F687-4f45-9708-019B960494DF}">
-              <a14:hiddenLine xmlns="" xmlns:a14="http://schemas.microsoft.com/office/drawing/2010/main" w="9525">
+              <a14:hiddenLine xmlns:a14="http://schemas.microsoft.com/office/drawing/2010/main" xmlns="" w="9525">
                 <a:solidFill>
                   <a:srgbClr val="000000"/>
                 </a:solidFill>
@@ -1508,14 +1508,14 @@
           <a:noFill/>
           <a:extLst>
             <a:ext uri="{909E8E84-426E-40dd-AFC4-6F175D3DCCD1}">
-              <a14:hiddenFill xmlns="" xmlns:a14="http://schemas.microsoft.com/office/drawing/2010/main">
+              <a14:hiddenFill xmlns:a14="http://schemas.microsoft.com/office/drawing/2010/main" xmlns="">
                 <a:solidFill>
                   <a:srgbClr val="FFFFFF"/>
                 </a:solidFill>
               </a14:hiddenFill>
             </a:ext>
             <a:ext uri="{91240B29-F687-4f45-9708-019B960494DF}">
-              <a14:hiddenLine xmlns="" xmlns:a14="http://schemas.microsoft.com/office/drawing/2010/main" w="9525">
+              <a14:hiddenLine xmlns:a14="http://schemas.microsoft.com/office/drawing/2010/main" xmlns="" w="9525">
                 <a:solidFill>
                   <a:srgbClr val="000000"/>
                 </a:solidFill>
@@ -1696,10 +1696,10 @@
           </a:ln>
           <a:extLst>
             <a:ext uri="{FAA26D3D-D897-4be2-8F04-BA451C77F1D7}">
-              <ma14:placeholderFlag xmlns:ma14="http://schemas.microsoft.com/office/mac/drawingml/2011/main" xmlns="" val="1"/>
+              <ma14:placeholderFlag xmlns="" xmlns:ma14="http://schemas.microsoft.com/office/mac/drawingml/2011/main" val="1"/>
             </a:ext>
             <a:ext uri="{909E8E84-426E-40dd-AFC4-6F175D3DCCD1}">
-              <a14:hiddenFill xmlns="" xmlns:a14="http://schemas.microsoft.com/office/drawing/2010/main">
+              <a14:hiddenFill xmlns:a14="http://schemas.microsoft.com/office/drawing/2010/main" xmlns="">
                 <a:solidFill>
                   <a:srgbClr val="FFFFFF"/>
                 </a:solidFill>
@@ -1722,14 +1722,14 @@
           <a:noFill/>
           <a:extLst>
             <a:ext uri="{909E8E84-426E-40dd-AFC4-6F175D3DCCD1}">
-              <a14:hiddenFill xmlns="" xmlns:a14="http://schemas.microsoft.com/office/drawing/2010/main">
+              <a14:hiddenFill xmlns:a14="http://schemas.microsoft.com/office/drawing/2010/main" xmlns="">
                 <a:solidFill>
                   <a:srgbClr val="FFFFFF"/>
                 </a:solidFill>
               </a14:hiddenFill>
             </a:ext>
             <a:ext uri="{91240B29-F687-4f45-9708-019B960494DF}">
-              <a14:hiddenLine xmlns="" xmlns:a14="http://schemas.microsoft.com/office/drawing/2010/main" w="9525">
+              <a14:hiddenLine xmlns:a14="http://schemas.microsoft.com/office/drawing/2010/main" xmlns="" w="9525">
                 <a:solidFill>
                   <a:srgbClr val="000000"/>
                 </a:solidFill>
@@ -1772,14 +1772,14 @@
           <a:noFill/>
           <a:extLst>
             <a:ext uri="{909E8E84-426E-40dd-AFC4-6F175D3DCCD1}">
-              <a14:hiddenFill xmlns="" xmlns:a14="http://schemas.microsoft.com/office/drawing/2010/main">
+              <a14:hiddenFill xmlns:a14="http://schemas.microsoft.com/office/drawing/2010/main" xmlns="">
                 <a:solidFill>
                   <a:srgbClr val="FFFFFF"/>
                 </a:solidFill>
               </a14:hiddenFill>
             </a:ext>
             <a:ext uri="{91240B29-F687-4f45-9708-019B960494DF}">
-              <a14:hiddenLine xmlns="" xmlns:a14="http://schemas.microsoft.com/office/drawing/2010/main" w="9525">
+              <a14:hiddenLine xmlns:a14="http://schemas.microsoft.com/office/drawing/2010/main" xmlns="" w="9525">
                 <a:solidFill>
                   <a:srgbClr val="000000"/>
                 </a:solidFill>
@@ -1960,10 +1960,10 @@
           </a:ln>
           <a:extLst>
             <a:ext uri="{FAA26D3D-D897-4be2-8F04-BA451C77F1D7}">
-              <ma14:placeholderFlag xmlns:ma14="http://schemas.microsoft.com/office/mac/drawingml/2011/main" xmlns="" val="1"/>
+              <ma14:placeholderFlag xmlns="" xmlns:ma14="http://schemas.microsoft.com/office/mac/drawingml/2011/main" val="1"/>
             </a:ext>
             <a:ext uri="{909E8E84-426E-40dd-AFC4-6F175D3DCCD1}">
-              <a14:hiddenFill xmlns="" xmlns:a14="http://schemas.microsoft.com/office/drawing/2010/main">
+              <a14:hiddenFill xmlns:a14="http://schemas.microsoft.com/office/drawing/2010/main" xmlns="">
                 <a:solidFill>
                   <a:srgbClr val="FFFFFF"/>
                 </a:solidFill>
@@ -1986,14 +1986,14 @@
           <a:noFill/>
           <a:extLst>
             <a:ext uri="{909E8E84-426E-40dd-AFC4-6F175D3DCCD1}">
-              <a14:hiddenFill xmlns="" xmlns:a14="http://schemas.microsoft.com/office/drawing/2010/main">
+              <a14:hiddenFill xmlns:a14="http://schemas.microsoft.com/office/drawing/2010/main" xmlns="">
                 <a:solidFill>
                   <a:srgbClr val="FFFFFF"/>
                 </a:solidFill>
               </a14:hiddenFill>
             </a:ext>
             <a:ext uri="{91240B29-F687-4f45-9708-019B960494DF}">
-              <a14:hiddenLine xmlns="" xmlns:a14="http://schemas.microsoft.com/office/drawing/2010/main" w="9525">
+              <a14:hiddenLine xmlns:a14="http://schemas.microsoft.com/office/drawing/2010/main" xmlns="" w="9525">
                 <a:solidFill>
                   <a:srgbClr val="000000"/>
                 </a:solidFill>
@@ -2035,14 +2035,14 @@
           <a:noFill/>
           <a:extLst>
             <a:ext uri="{909E8E84-426E-40dd-AFC4-6F175D3DCCD1}">
-              <a14:hiddenFill xmlns="" xmlns:a14="http://schemas.microsoft.com/office/drawing/2010/main">
+              <a14:hiddenFill xmlns:a14="http://schemas.microsoft.com/office/drawing/2010/main" xmlns="">
                 <a:solidFill>
                   <a:srgbClr val="FFFFFF"/>
                 </a:solidFill>
               </a14:hiddenFill>
             </a:ext>
             <a:ext uri="{91240B29-F687-4f45-9708-019B960494DF}">
-              <a14:hiddenLine xmlns="" xmlns:a14="http://schemas.microsoft.com/office/drawing/2010/main" w="9525">
+              <a14:hiddenLine xmlns:a14="http://schemas.microsoft.com/office/drawing/2010/main" xmlns="" w="9525">
                 <a:solidFill>
                   <a:srgbClr val="000000"/>
                 </a:solidFill>
@@ -2223,10 +2223,10 @@
           </a:ln>
           <a:extLst>
             <a:ext uri="{FAA26D3D-D897-4be2-8F04-BA451C77F1D7}">
-              <ma14:placeholderFlag xmlns:ma14="http://schemas.microsoft.com/office/mac/drawingml/2011/main" xmlns="" val="1"/>
+              <ma14:placeholderFlag xmlns="" xmlns:ma14="http://schemas.microsoft.com/office/mac/drawingml/2011/main" val="1"/>
             </a:ext>
             <a:ext uri="{909E8E84-426E-40dd-AFC4-6F175D3DCCD1}">
-              <a14:hiddenFill xmlns="" xmlns:a14="http://schemas.microsoft.com/office/drawing/2010/main">
+              <a14:hiddenFill xmlns:a14="http://schemas.microsoft.com/office/drawing/2010/main" xmlns="">
                 <a:solidFill>
                   <a:srgbClr val="FFFFFF"/>
                 </a:solidFill>
@@ -2249,14 +2249,14 @@
           <a:noFill/>
           <a:extLst>
             <a:ext uri="{909E8E84-426E-40dd-AFC4-6F175D3DCCD1}">
-              <a14:hiddenFill xmlns="" xmlns:a14="http://schemas.microsoft.com/office/drawing/2010/main">
+              <a14:hiddenFill xmlns:a14="http://schemas.microsoft.com/office/drawing/2010/main" xmlns="">
                 <a:solidFill>
                   <a:srgbClr val="FFFFFF"/>
                 </a:solidFill>
               </a14:hiddenFill>
             </a:ext>
             <a:ext uri="{91240B29-F687-4f45-9708-019B960494DF}">
-              <a14:hiddenLine xmlns="" xmlns:a14="http://schemas.microsoft.com/office/drawing/2010/main" w="9525">
+              <a14:hiddenLine xmlns:a14="http://schemas.microsoft.com/office/drawing/2010/main" xmlns="" w="9525">
                 <a:solidFill>
                   <a:srgbClr val="000000"/>
                 </a:solidFill>
@@ -2298,14 +2298,14 @@
           <a:noFill/>
           <a:extLst>
             <a:ext uri="{909E8E84-426E-40dd-AFC4-6F175D3DCCD1}">
-              <a14:hiddenFill xmlns="" xmlns:a14="http://schemas.microsoft.com/office/drawing/2010/main">
+              <a14:hiddenFill xmlns:a14="http://schemas.microsoft.com/office/drawing/2010/main" xmlns="">
                 <a:solidFill>
                   <a:srgbClr val="FFFFFF"/>
                 </a:solidFill>
               </a14:hiddenFill>
             </a:ext>
             <a:ext uri="{91240B29-F687-4f45-9708-019B960494DF}">
-              <a14:hiddenLine xmlns="" xmlns:a14="http://schemas.microsoft.com/office/drawing/2010/main" w="9525">
+              <a14:hiddenLine xmlns:a14="http://schemas.microsoft.com/office/drawing/2010/main" xmlns="" w="9525">
                 <a:solidFill>
                   <a:srgbClr val="000000"/>
                 </a:solidFill>
@@ -2486,10 +2486,10 @@
           </a:ln>
           <a:extLst>
             <a:ext uri="{FAA26D3D-D897-4be2-8F04-BA451C77F1D7}">
-              <ma14:placeholderFlag xmlns:ma14="http://schemas.microsoft.com/office/mac/drawingml/2011/main" xmlns="" val="1"/>
+              <ma14:placeholderFlag xmlns="" xmlns:ma14="http://schemas.microsoft.com/office/mac/drawingml/2011/main" val="1"/>
             </a:ext>
             <a:ext uri="{909E8E84-426E-40dd-AFC4-6F175D3DCCD1}">
-              <a14:hiddenFill xmlns="" xmlns:a14="http://schemas.microsoft.com/office/drawing/2010/main">
+              <a14:hiddenFill xmlns:a14="http://schemas.microsoft.com/office/drawing/2010/main" xmlns="">
                 <a:solidFill>
                   <a:srgbClr val="FFFFFF"/>
                 </a:solidFill>
@@ -2512,14 +2512,14 @@
           <a:noFill/>
           <a:extLst>
             <a:ext uri="{909E8E84-426E-40dd-AFC4-6F175D3DCCD1}">
-              <a14:hiddenFill xmlns="" xmlns:a14="http://schemas.microsoft.com/office/drawing/2010/main">
+              <a14:hiddenFill xmlns:a14="http://schemas.microsoft.com/office/drawing/2010/main" xmlns="">
                 <a:solidFill>
                   <a:srgbClr val="FFFFFF"/>
                 </a:solidFill>
               </a14:hiddenFill>
             </a:ext>
             <a:ext uri="{91240B29-F687-4f45-9708-019B960494DF}">
-              <a14:hiddenLine xmlns="" xmlns:a14="http://schemas.microsoft.com/office/drawing/2010/main" w="9525">
+              <a14:hiddenLine xmlns:a14="http://schemas.microsoft.com/office/drawing/2010/main" xmlns="" w="9525">
                 <a:solidFill>
                   <a:srgbClr val="000000"/>
                 </a:solidFill>
@@ -2561,14 +2561,14 @@
           <a:noFill/>
           <a:extLst>
             <a:ext uri="{909E8E84-426E-40dd-AFC4-6F175D3DCCD1}">
-              <a14:hiddenFill xmlns="" xmlns:a14="http://schemas.microsoft.com/office/drawing/2010/main">
+              <a14:hiddenFill xmlns:a14="http://schemas.microsoft.com/office/drawing/2010/main" xmlns="">
                 <a:solidFill>
                   <a:srgbClr val="FFFFFF"/>
                 </a:solidFill>
               </a14:hiddenFill>
             </a:ext>
             <a:ext uri="{91240B29-F687-4f45-9708-019B960494DF}">
-              <a14:hiddenLine xmlns="" xmlns:a14="http://schemas.microsoft.com/office/drawing/2010/main" w="9525">
+              <a14:hiddenLine xmlns:a14="http://schemas.microsoft.com/office/drawing/2010/main" xmlns="" w="9525">
                 <a:solidFill>
                   <a:srgbClr val="000000"/>
                 </a:solidFill>
@@ -2749,10 +2749,10 @@
           </a:ln>
           <a:extLst>
             <a:ext uri="{FAA26D3D-D897-4be2-8F04-BA451C77F1D7}">
-              <ma14:placeholderFlag xmlns:ma14="http://schemas.microsoft.com/office/mac/drawingml/2011/main" xmlns="" val="1"/>
+              <ma14:placeholderFlag xmlns="" xmlns:ma14="http://schemas.microsoft.com/office/mac/drawingml/2011/main" val="1"/>
             </a:ext>
             <a:ext uri="{909E8E84-426E-40dd-AFC4-6F175D3DCCD1}">
-              <a14:hiddenFill xmlns="" xmlns:a14="http://schemas.microsoft.com/office/drawing/2010/main">
+              <a14:hiddenFill xmlns:a14="http://schemas.microsoft.com/office/drawing/2010/main" xmlns="">
                 <a:solidFill>
                   <a:srgbClr val="FFFFFF"/>
                 </a:solidFill>
@@ -2775,14 +2775,14 @@
           <a:noFill/>
           <a:extLst>
             <a:ext uri="{909E8E84-426E-40dd-AFC4-6F175D3DCCD1}">
-              <a14:hiddenFill xmlns="" xmlns:a14="http://schemas.microsoft.com/office/drawing/2010/main">
+              <a14:hiddenFill xmlns:a14="http://schemas.microsoft.com/office/drawing/2010/main" xmlns="">
                 <a:solidFill>
                   <a:srgbClr val="FFFFFF"/>
                 </a:solidFill>
               </a14:hiddenFill>
             </a:ext>
             <a:ext uri="{91240B29-F687-4f45-9708-019B960494DF}">
-              <a14:hiddenLine xmlns="" xmlns:a14="http://schemas.microsoft.com/office/drawing/2010/main" w="9525">
+              <a14:hiddenLine xmlns:a14="http://schemas.microsoft.com/office/drawing/2010/main" xmlns="" w="9525">
                 <a:solidFill>
                   <a:srgbClr val="000000"/>
                 </a:solidFill>
@@ -2836,14 +2836,14 @@
           <a:noFill/>
           <a:extLst>
             <a:ext uri="{909E8E84-426E-40dd-AFC4-6F175D3DCCD1}">
-              <a14:hiddenFill xmlns="" xmlns:a14="http://schemas.microsoft.com/office/drawing/2010/main">
+              <a14:hiddenFill xmlns:a14="http://schemas.microsoft.com/office/drawing/2010/main" xmlns="">
                 <a:solidFill>
                   <a:srgbClr val="FFFFFF"/>
                 </a:solidFill>
               </a14:hiddenFill>
             </a:ext>
             <a:ext uri="{91240B29-F687-4f45-9708-019B960494DF}">
-              <a14:hiddenLine xmlns="" xmlns:a14="http://schemas.microsoft.com/office/drawing/2010/main" w="9525">
+              <a14:hiddenLine xmlns:a14="http://schemas.microsoft.com/office/drawing/2010/main" xmlns="" w="9525">
                 <a:solidFill>
                   <a:srgbClr val="000000"/>
                 </a:solidFill>
@@ -3024,10 +3024,10 @@
           </a:ln>
           <a:extLst>
             <a:ext uri="{FAA26D3D-D897-4be2-8F04-BA451C77F1D7}">
-              <ma14:placeholderFlag xmlns:ma14="http://schemas.microsoft.com/office/mac/drawingml/2011/main" xmlns="" val="1"/>
+              <ma14:placeholderFlag xmlns="" xmlns:ma14="http://schemas.microsoft.com/office/mac/drawingml/2011/main" val="1"/>
             </a:ext>
             <a:ext uri="{909E8E84-426E-40dd-AFC4-6F175D3DCCD1}">
-              <a14:hiddenFill xmlns="" xmlns:a14="http://schemas.microsoft.com/office/drawing/2010/main">
+              <a14:hiddenFill xmlns:a14="http://schemas.microsoft.com/office/drawing/2010/main" xmlns="">
                 <a:solidFill>
                   <a:srgbClr val="FFFFFF"/>
                 </a:solidFill>
@@ -3050,14 +3050,14 @@
           <a:noFill/>
           <a:extLst>
             <a:ext uri="{909E8E84-426E-40dd-AFC4-6F175D3DCCD1}">
-              <a14:hiddenFill xmlns="" xmlns:a14="http://schemas.microsoft.com/office/drawing/2010/main">
+              <a14:hiddenFill xmlns:a14="http://schemas.microsoft.com/office/drawing/2010/main" xmlns="">
                 <a:solidFill>
                   <a:srgbClr val="FFFFFF"/>
                 </a:solidFill>
               </a14:hiddenFill>
             </a:ext>
             <a:ext uri="{91240B29-F687-4f45-9708-019B960494DF}">
-              <a14:hiddenLine xmlns="" xmlns:a14="http://schemas.microsoft.com/office/drawing/2010/main" w="9525">
+              <a14:hiddenLine xmlns:a14="http://schemas.microsoft.com/office/drawing/2010/main" xmlns="" w="9525">
                 <a:solidFill>
                   <a:srgbClr val="000000"/>
                 </a:solidFill>
@@ -3099,14 +3099,14 @@
           <a:noFill/>
           <a:extLst>
             <a:ext uri="{909E8E84-426E-40dd-AFC4-6F175D3DCCD1}">
-              <a14:hiddenFill xmlns="" xmlns:a14="http://schemas.microsoft.com/office/drawing/2010/main">
+              <a14:hiddenFill xmlns:a14="http://schemas.microsoft.com/office/drawing/2010/main" xmlns="">
                 <a:solidFill>
                   <a:srgbClr val="FFFFFF"/>
                 </a:solidFill>
               </a14:hiddenFill>
             </a:ext>
             <a:ext uri="{91240B29-F687-4f45-9708-019B960494DF}">
-              <a14:hiddenLine xmlns="" xmlns:a14="http://schemas.microsoft.com/office/drawing/2010/main" w="9525">
+              <a14:hiddenLine xmlns:a14="http://schemas.microsoft.com/office/drawing/2010/main" xmlns="" w="9525">
                 <a:solidFill>
                   <a:srgbClr val="000000"/>
                 </a:solidFill>
@@ -3287,10 +3287,10 @@
           </a:ln>
           <a:extLst>
             <a:ext uri="{FAA26D3D-D897-4be2-8F04-BA451C77F1D7}">
-              <ma14:placeholderFlag xmlns:ma14="http://schemas.microsoft.com/office/mac/drawingml/2011/main" xmlns="" val="1"/>
+              <ma14:placeholderFlag xmlns="" xmlns:ma14="http://schemas.microsoft.com/office/mac/drawingml/2011/main" val="1"/>
             </a:ext>
             <a:ext uri="{909E8E84-426E-40dd-AFC4-6F175D3DCCD1}">
-              <a14:hiddenFill xmlns="" xmlns:a14="http://schemas.microsoft.com/office/drawing/2010/main">
+              <a14:hiddenFill xmlns:a14="http://schemas.microsoft.com/office/drawing/2010/main" xmlns="">
                 <a:solidFill>
                   <a:srgbClr val="FFFFFF"/>
                 </a:solidFill>
@@ -3313,14 +3313,14 @@
           <a:noFill/>
           <a:extLst>
             <a:ext uri="{909E8E84-426E-40dd-AFC4-6F175D3DCCD1}">
-              <a14:hiddenFill xmlns="" xmlns:a14="http://schemas.microsoft.com/office/drawing/2010/main">
+              <a14:hiddenFill xmlns:a14="http://schemas.microsoft.com/office/drawing/2010/main" xmlns="">
                 <a:solidFill>
                   <a:srgbClr val="FFFFFF"/>
                 </a:solidFill>
               </a14:hiddenFill>
             </a:ext>
             <a:ext uri="{91240B29-F687-4f45-9708-019B960494DF}">
-              <a14:hiddenLine xmlns="" xmlns:a14="http://schemas.microsoft.com/office/drawing/2010/main" w="9525">
+              <a14:hiddenLine xmlns:a14="http://schemas.microsoft.com/office/drawing/2010/main" xmlns="" w="9525">
                 <a:solidFill>
                   <a:srgbClr val="000000"/>
                 </a:solidFill>
@@ -3362,14 +3362,14 @@
           <a:noFill/>
           <a:extLst>
             <a:ext uri="{909E8E84-426E-40dd-AFC4-6F175D3DCCD1}">
-              <a14:hiddenFill xmlns="" xmlns:a14="http://schemas.microsoft.com/office/drawing/2010/main">
+              <a14:hiddenFill xmlns:a14="http://schemas.microsoft.com/office/drawing/2010/main" xmlns="">
                 <a:solidFill>
                   <a:srgbClr val="FFFFFF"/>
                 </a:solidFill>
               </a14:hiddenFill>
             </a:ext>
             <a:ext uri="{91240B29-F687-4f45-9708-019B960494DF}">
-              <a14:hiddenLine xmlns="" xmlns:a14="http://schemas.microsoft.com/office/drawing/2010/main" w="9525">
+              <a14:hiddenLine xmlns:a14="http://schemas.microsoft.com/office/drawing/2010/main" xmlns="" w="9525">
                 <a:solidFill>
                   <a:srgbClr val="000000"/>
                 </a:solidFill>
@@ -3550,10 +3550,10 @@
           </a:ln>
           <a:extLst>
             <a:ext uri="{FAA26D3D-D897-4be2-8F04-BA451C77F1D7}">
-              <ma14:placeholderFlag xmlns:ma14="http://schemas.microsoft.com/office/mac/drawingml/2011/main" xmlns="" val="1"/>
+              <ma14:placeholderFlag xmlns="" xmlns:ma14="http://schemas.microsoft.com/office/mac/drawingml/2011/main" val="1"/>
             </a:ext>
             <a:ext uri="{909E8E84-426E-40dd-AFC4-6F175D3DCCD1}">
-              <a14:hiddenFill xmlns="" xmlns:a14="http://schemas.microsoft.com/office/drawing/2010/main">
+              <a14:hiddenFill xmlns:a14="http://schemas.microsoft.com/office/drawing/2010/main" xmlns="">
                 <a:solidFill>
                   <a:srgbClr val="FFFFFF"/>
                 </a:solidFill>
@@ -3576,14 +3576,14 @@
           <a:noFill/>
           <a:extLst>
             <a:ext uri="{909E8E84-426E-40dd-AFC4-6F175D3DCCD1}">
-              <a14:hiddenFill xmlns="" xmlns:a14="http://schemas.microsoft.com/office/drawing/2010/main">
+              <a14:hiddenFill xmlns:a14="http://schemas.microsoft.com/office/drawing/2010/main" xmlns="">
                 <a:solidFill>
                   <a:srgbClr val="FFFFFF"/>
                 </a:solidFill>
               </a14:hiddenFill>
             </a:ext>
             <a:ext uri="{91240B29-F687-4f45-9708-019B960494DF}">
-              <a14:hiddenLine xmlns="" xmlns:a14="http://schemas.microsoft.com/office/drawing/2010/main" w="9525">
+              <a14:hiddenLine xmlns:a14="http://schemas.microsoft.com/office/drawing/2010/main" xmlns="" w="9525">
                 <a:solidFill>
                   <a:srgbClr val="000000"/>
                 </a:solidFill>
@@ -3625,14 +3625,14 @@
           <a:noFill/>
           <a:extLst>
             <a:ext uri="{909E8E84-426E-40dd-AFC4-6F175D3DCCD1}">
-              <a14:hiddenFill xmlns="" xmlns:a14="http://schemas.microsoft.com/office/drawing/2010/main">
+              <a14:hiddenFill xmlns:a14="http://schemas.microsoft.com/office/drawing/2010/main" xmlns="">
                 <a:solidFill>
                   <a:srgbClr val="FFFFFF"/>
                 </a:solidFill>
               </a14:hiddenFill>
             </a:ext>
             <a:ext uri="{91240B29-F687-4f45-9708-019B960494DF}">
-              <a14:hiddenLine xmlns="" xmlns:a14="http://schemas.microsoft.com/office/drawing/2010/main" w="9525">
+              <a14:hiddenLine xmlns:a14="http://schemas.microsoft.com/office/drawing/2010/main" xmlns="" w="9525">
                 <a:solidFill>
                   <a:srgbClr val="000000"/>
                 </a:solidFill>
@@ -3813,10 +3813,10 @@
           </a:ln>
           <a:extLst>
             <a:ext uri="{FAA26D3D-D897-4be2-8F04-BA451C77F1D7}">
-              <ma14:placeholderFlag xmlns:ma14="http://schemas.microsoft.com/office/mac/drawingml/2011/main" xmlns="" val="1"/>
+              <ma14:placeholderFlag xmlns="" xmlns:ma14="http://schemas.microsoft.com/office/mac/drawingml/2011/main" val="1"/>
             </a:ext>
             <a:ext uri="{909E8E84-426E-40dd-AFC4-6F175D3DCCD1}">
-              <a14:hiddenFill xmlns="" xmlns:a14="http://schemas.microsoft.com/office/drawing/2010/main">
+              <a14:hiddenFill xmlns:a14="http://schemas.microsoft.com/office/drawing/2010/main" xmlns="">
                 <a:solidFill>
                   <a:srgbClr val="FFFFFF"/>
                 </a:solidFill>
@@ -3839,14 +3839,14 @@
           <a:noFill/>
           <a:extLst>
             <a:ext uri="{909E8E84-426E-40dd-AFC4-6F175D3DCCD1}">
-              <a14:hiddenFill xmlns="" xmlns:a14="http://schemas.microsoft.com/office/drawing/2010/main">
+              <a14:hiddenFill xmlns:a14="http://schemas.microsoft.com/office/drawing/2010/main" xmlns="">
                 <a:solidFill>
                   <a:srgbClr val="FFFFFF"/>
                 </a:solidFill>
               </a14:hiddenFill>
             </a:ext>
             <a:ext uri="{91240B29-F687-4f45-9708-019B960494DF}">
-              <a14:hiddenLine xmlns="" xmlns:a14="http://schemas.microsoft.com/office/drawing/2010/main" w="9525">
+              <a14:hiddenLine xmlns:a14="http://schemas.microsoft.com/office/drawing/2010/main" xmlns="" w="9525">
                 <a:solidFill>
                   <a:srgbClr val="000000"/>
                 </a:solidFill>
@@ -3888,14 +3888,14 @@
           <a:noFill/>
           <a:extLst>
             <a:ext uri="{909E8E84-426E-40dd-AFC4-6F175D3DCCD1}">
-              <a14:hiddenFill xmlns="" xmlns:a14="http://schemas.microsoft.com/office/drawing/2010/main">
+              <a14:hiddenFill xmlns:a14="http://schemas.microsoft.com/office/drawing/2010/main" xmlns="">
                 <a:solidFill>
                   <a:srgbClr val="FFFFFF"/>
                 </a:solidFill>
               </a14:hiddenFill>
             </a:ext>
             <a:ext uri="{91240B29-F687-4f45-9708-019B960494DF}">
-              <a14:hiddenLine xmlns="" xmlns:a14="http://schemas.microsoft.com/office/drawing/2010/main" w="9525">
+              <a14:hiddenLine xmlns:a14="http://schemas.microsoft.com/office/drawing/2010/main" xmlns="" w="9525">
                 <a:solidFill>
                   <a:srgbClr val="000000"/>
                 </a:solidFill>
@@ -4039,7 +4039,7 @@
 
 <file path=ppt/slideLayouts/slideLayout1.xml><?xml version="1.0" encoding="utf-8"?>
 <p:sldLayout xmlns:a="http://schemas.openxmlformats.org/drawingml/2006/main" xmlns:r="http://schemas.openxmlformats.org/officeDocument/2006/relationships" xmlns:p="http://schemas.openxmlformats.org/presentationml/2006/main" type="title" preserve="1">
-  <p:cSld name="Title Slide">
+  <p:cSld name="Title Slide - Text only">
     <p:spTree>
       <p:nvGrpSpPr>
         <p:cNvPr id="1" name=""/>
@@ -4061,24 +4061,34 @@
             <a:spLocks noGrp="1"/>
           </p:cNvSpPr>
           <p:nvPr>
-            <p:ph type="ctrTitle"/>
+            <p:ph type="ctrTitle" hasCustomPrompt="1"/>
           </p:nvPr>
         </p:nvSpPr>
         <p:spPr>
           <a:xfrm>
-            <a:off x="685800" y="2130425"/>
-            <a:ext cx="7772400" cy="1470025"/>
+            <a:off x="342355" y="3326682"/>
+            <a:ext cx="7772400" cy="863191"/>
           </a:xfrm>
+          <a:prstGeom prst="rect">
+            <a:avLst/>
+          </a:prstGeom>
         </p:spPr>
         <p:txBody>
-          <a:bodyPr/>
-          <a:lstStyle/>
-          <a:p>
-            <a:r>
-              <a:rPr lang="en-US" smtClean="0"/>
-              <a:t>Click to edit Master title style</a:t>
-            </a:r>
-            <a:endParaRPr lang="en-GB"/>
+          <a:bodyPr anchor="b"/>
+          <a:lstStyle>
+            <a:lvl1pPr algn="l">
+              <a:defRPr sz="4000" baseline="0">
+                <a:solidFill>
+                  <a:schemeClr val="tx1"/>
+                </a:solidFill>
+              </a:defRPr>
+            </a:lvl1pPr>
+          </a:lstStyle>
+          <a:p>
+            <a:r>
+              <a:rPr lang="en-US" dirty="0"/>
+              <a:t>Presentation title</a:t>
+            </a:r>
           </a:p>
         </p:txBody>
       </p:sp>
@@ -4089,115 +4099,69 @@
             <a:spLocks noGrp="1"/>
           </p:cNvSpPr>
           <p:nvPr>
-            <p:ph type="subTitle" idx="1"/>
+            <p:ph type="subTitle" idx="1" hasCustomPrompt="1"/>
           </p:nvPr>
         </p:nvSpPr>
         <p:spPr>
           <a:xfrm>
-            <a:off x="1371600" y="3886200"/>
-            <a:ext cx="6400800" cy="1752600"/>
+            <a:off x="342355" y="4202927"/>
+            <a:ext cx="6858000" cy="551951"/>
           </a:xfrm>
+          <a:prstGeom prst="rect">
+            <a:avLst/>
+          </a:prstGeom>
         </p:spPr>
         <p:txBody>
           <a:bodyPr/>
           <a:lstStyle>
-            <a:lvl1pPr marL="0" indent="0" algn="ctr">
+            <a:lvl1pPr marL="0" indent="0" algn="l">
               <a:buNone/>
-              <a:defRPr>
-                <a:solidFill>
-                  <a:schemeClr val="tx1">
-                    <a:tint val="75000"/>
-                  </a:schemeClr>
-                </a:solidFill>
+              <a:defRPr sz="2000">
+                <a:solidFill>
+                  <a:schemeClr val="tx1"/>
+                </a:solidFill>
+                <a:latin typeface="+mn-lt"/>
+                <a:cs typeface="Arial" panose="020B0604020202020204" pitchFamily="34" charset="0"/>
               </a:defRPr>
             </a:lvl1pPr>
             <a:lvl2pPr marL="457200" indent="0" algn="ctr">
               <a:buNone/>
-              <a:defRPr>
-                <a:solidFill>
-                  <a:schemeClr val="tx1">
-                    <a:tint val="75000"/>
-                  </a:schemeClr>
-                </a:solidFill>
-              </a:defRPr>
+              <a:defRPr sz="2000"/>
             </a:lvl2pPr>
             <a:lvl3pPr marL="914400" indent="0" algn="ctr">
               <a:buNone/>
-              <a:defRPr>
-                <a:solidFill>
-                  <a:schemeClr val="tx1">
-                    <a:tint val="75000"/>
-                  </a:schemeClr>
-                </a:solidFill>
-              </a:defRPr>
+              <a:defRPr sz="1800"/>
             </a:lvl3pPr>
             <a:lvl4pPr marL="1371600" indent="0" algn="ctr">
               <a:buNone/>
-              <a:defRPr>
-                <a:solidFill>
-                  <a:schemeClr val="tx1">
-                    <a:tint val="75000"/>
-                  </a:schemeClr>
-                </a:solidFill>
-              </a:defRPr>
+              <a:defRPr sz="1600"/>
             </a:lvl4pPr>
             <a:lvl5pPr marL="1828800" indent="0" algn="ctr">
               <a:buNone/>
-              <a:defRPr>
-                <a:solidFill>
-                  <a:schemeClr val="tx1">
-                    <a:tint val="75000"/>
-                  </a:schemeClr>
-                </a:solidFill>
-              </a:defRPr>
+              <a:defRPr sz="1600"/>
             </a:lvl5pPr>
             <a:lvl6pPr marL="2286000" indent="0" algn="ctr">
               <a:buNone/>
-              <a:defRPr>
-                <a:solidFill>
-                  <a:schemeClr val="tx1">
-                    <a:tint val="75000"/>
-                  </a:schemeClr>
-                </a:solidFill>
-              </a:defRPr>
+              <a:defRPr sz="1600"/>
             </a:lvl6pPr>
             <a:lvl7pPr marL="2743200" indent="0" algn="ctr">
               <a:buNone/>
-              <a:defRPr>
-                <a:solidFill>
-                  <a:schemeClr val="tx1">
-                    <a:tint val="75000"/>
-                  </a:schemeClr>
-                </a:solidFill>
-              </a:defRPr>
+              <a:defRPr sz="1600"/>
             </a:lvl7pPr>
             <a:lvl8pPr marL="3200400" indent="0" algn="ctr">
               <a:buNone/>
-              <a:defRPr>
-                <a:solidFill>
-                  <a:schemeClr val="tx1">
-                    <a:tint val="75000"/>
-                  </a:schemeClr>
-                </a:solidFill>
-              </a:defRPr>
+              <a:defRPr sz="1600"/>
             </a:lvl8pPr>
             <a:lvl9pPr marL="3657600" indent="0" algn="ctr">
               <a:buNone/>
-              <a:defRPr>
-                <a:solidFill>
-                  <a:schemeClr val="tx1">
-                    <a:tint val="75000"/>
-                  </a:schemeClr>
-                </a:solidFill>
-              </a:defRPr>
+              <a:defRPr sz="1600"/>
             </a:lvl9pPr>
           </a:lstStyle>
           <a:p>
             <a:r>
-              <a:rPr lang="en-US" smtClean="0"/>
-              <a:t>Click to edit Master subtitle style</a:t>
-            </a:r>
-            <a:endParaRPr lang="en-GB"/>
+              <a:rPr lang="en-US" dirty="0"/>
+              <a:t>Subheading</a:t>
+            </a:r>
           </a:p>
         </p:txBody>
       </p:sp>
@@ -4211,82 +4175,148 @@
             <p:ph type="dt" sz="half" idx="10"/>
           </p:nvPr>
         </p:nvSpPr>
-        <p:spPr/>
+        <p:spPr>
+          <a:xfrm>
+            <a:off x="342718" y="4797452"/>
+            <a:ext cx="2057400" cy="365125"/>
+          </a:xfrm>
+          <a:prstGeom prst="rect">
+            <a:avLst/>
+          </a:prstGeom>
+        </p:spPr>
         <p:txBody>
           <a:bodyPr/>
           <a:lstStyle>
             <a:lvl1pPr>
-              <a:defRPr/>
+              <a:defRPr sz="1600">
+                <a:solidFill>
+                  <a:schemeClr val="tx1"/>
+                </a:solidFill>
+                <a:latin typeface="+mn-lt"/>
+                <a:cs typeface="Arial" panose="020B0604020202020204" pitchFamily="34" charset="0"/>
+              </a:defRPr>
             </a:lvl1pPr>
           </a:lstStyle>
           <a:p>
-            <a:fld id="{B7A367C5-1E2C-CB49-90C2-50C3BE82679A}" type="datetimeFigureOut">
-              <a:rPr lang="en-GB"/>
+            <a:fld id="{646265C4-D3EB-4033-9F2F-7AE1FCA20C43}" type="datetimeFigureOut">
+              <a:rPr lang="en-GB" smtClean="0"/>
               <a:pPr/>
-              <a:t>25/09/2018</a:t>
+              <a:t>26/09/2018</a:t>
             </a:fld>
-            <a:endParaRPr lang="en-GB"/>
+            <a:endParaRPr lang="en-GB" dirty="0"/>
           </a:p>
         </p:txBody>
       </p:sp>
-      <p:sp>
-        <p:nvSpPr>
-          <p:cNvPr id="5" name="Footer Placeholder 4"/>
-          <p:cNvSpPr>
-            <a:spLocks noGrp="1"/>
-          </p:cNvSpPr>
-          <p:nvPr>
-            <p:ph type="ftr" sz="quarter" idx="11"/>
-          </p:nvPr>
-        </p:nvSpPr>
-        <p:spPr/>
-        <p:txBody>
-          <a:bodyPr/>
-          <a:lstStyle>
-            <a:lvl1pPr>
-              <a:defRPr/>
-            </a:lvl1pPr>
-          </a:lstStyle>
-          <a:p>
-            <a:pPr>
-              <a:defRPr/>
-            </a:pPr>
-            <a:endParaRPr lang="en-GB"/>
-          </a:p>
-        </p:txBody>
-      </p:sp>
-      <p:sp>
-        <p:nvSpPr>
-          <p:cNvPr id="6" name="Slide Number Placeholder 5"/>
-          <p:cNvSpPr>
-            <a:spLocks noGrp="1"/>
-          </p:cNvSpPr>
-          <p:nvPr>
-            <p:ph type="sldNum" sz="quarter" idx="12"/>
-          </p:nvPr>
-        </p:nvSpPr>
-        <p:spPr/>
-        <p:txBody>
-          <a:bodyPr/>
-          <a:lstStyle>
-            <a:lvl1pPr>
-              <a:defRPr/>
-            </a:lvl1pPr>
-          </a:lstStyle>
-          <a:p>
-            <a:fld id="{7DFD2C95-4F4A-BB4C-B74B-E6EEC26273B0}" type="slidenum">
-              <a:rPr lang="en-GB"/>
-              <a:pPr/>
-              <a:t>‹#›</a:t>
-            </a:fld>
-            <a:endParaRPr lang="en-GB"/>
-          </a:p>
-        </p:txBody>
-      </p:sp>
+      <p:pic>
+        <p:nvPicPr>
+          <p:cNvPr id="9" name="Picture 8">
+            <a:extLst>
+              <a:ext uri="{FF2B5EF4-FFF2-40B4-BE49-F238E27FC236}">
+                <a16:creationId xmlns:a16="http://schemas.microsoft.com/office/drawing/2014/main" id="{6551A18B-3ACE-F548-BD60-B1AF159313BC}"/>
+              </a:ext>
+            </a:extLst>
+          </p:cNvPr>
+          <p:cNvPicPr>
+            <a:picLocks noChangeAspect="1"/>
+          </p:cNvPicPr>
+          <p:nvPr/>
+        </p:nvPicPr>
+        <p:blipFill>
+          <a:blip r:embed="rId2" cstate="email">
+            <a:extLst>
+              <a:ext uri="{28A0092B-C50C-407E-A947-70E740481C1C}">
+                <a14:useLocalDpi xmlns:a14="http://schemas.microsoft.com/office/drawing/2010/main" val="0"/>
+              </a:ext>
+            </a:extLst>
+          </a:blip>
+          <a:stretch>
+            <a:fillRect/>
+          </a:stretch>
+        </p:blipFill>
+        <p:spPr>
+          <a:xfrm>
+            <a:off x="0" y="0"/>
+            <a:ext cx="3068790" cy="872231"/>
+          </a:xfrm>
+          <a:prstGeom prst="rect">
+            <a:avLst/>
+          </a:prstGeom>
+        </p:spPr>
+      </p:pic>
+      <p:pic>
+        <p:nvPicPr>
+          <p:cNvPr id="10" name="Picture 9">
+            <a:extLst>
+              <a:ext uri="{FF2B5EF4-FFF2-40B4-BE49-F238E27FC236}">
+                <a16:creationId xmlns:a16="http://schemas.microsoft.com/office/drawing/2014/main" id="{6A55C428-BF0C-B342-93E1-807E559CDC05}"/>
+              </a:ext>
+            </a:extLst>
+          </p:cNvPr>
+          <p:cNvPicPr>
+            <a:picLocks noChangeAspect="1"/>
+          </p:cNvPicPr>
+          <p:nvPr/>
+        </p:nvPicPr>
+        <p:blipFill rotWithShape="1">
+          <a:blip r:embed="rId3" cstate="email">
+            <a:extLst>
+              <a:ext uri="{28A0092B-C50C-407E-A947-70E740481C1C}">
+                <a14:useLocalDpi xmlns:a14="http://schemas.microsoft.com/office/drawing/2010/main" val="0"/>
+              </a:ext>
+            </a:extLst>
+          </a:blip>
+          <a:srcRect l="8166" r="54884"/>
+          <a:stretch/>
+        </p:blipFill>
+        <p:spPr>
+          <a:xfrm>
+            <a:off x="2998066" y="-33453"/>
+            <a:ext cx="1230489" cy="946502"/>
+          </a:xfrm>
+          <a:prstGeom prst="rect">
+            <a:avLst/>
+          </a:prstGeom>
+        </p:spPr>
+      </p:pic>
+      <p:pic>
+        <p:nvPicPr>
+          <p:cNvPr id="11" name="Picture 10">
+            <a:extLst>
+              <a:ext uri="{FF2B5EF4-FFF2-40B4-BE49-F238E27FC236}">
+                <a16:creationId xmlns:a16="http://schemas.microsoft.com/office/drawing/2014/main" id="{91A711F9-9139-AE45-A511-AD9F844B87D0}"/>
+              </a:ext>
+            </a:extLst>
+          </p:cNvPr>
+          <p:cNvPicPr>
+            <a:picLocks noChangeAspect="1"/>
+          </p:cNvPicPr>
+          <p:nvPr/>
+        </p:nvPicPr>
+        <p:blipFill rotWithShape="1">
+          <a:blip r:embed="rId4" cstate="email">
+            <a:extLst>
+              <a:ext uri="{28A0092B-C50C-407E-A947-70E740481C1C}">
+                <a14:useLocalDpi xmlns:a14="http://schemas.microsoft.com/office/drawing/2010/main" val="0"/>
+              </a:ext>
+            </a:extLst>
+          </a:blip>
+          <a:srcRect l="47145" r="47696"/>
+          <a:stretch/>
+        </p:blipFill>
+        <p:spPr>
+          <a:xfrm>
+            <a:off x="2853100" y="0"/>
+            <a:ext cx="158323" cy="872231"/>
+          </a:xfrm>
+          <a:prstGeom prst="rect">
+            <a:avLst/>
+          </a:prstGeom>
+        </p:spPr>
+      </p:pic>
     </p:spTree>
     <p:extLst>
       <p:ext uri="{BB962C8B-B14F-4D97-AF65-F5344CB8AC3E}">
-        <p14:creationId xmlns:p14="http://schemas.microsoft.com/office/powerpoint/2010/main" val="2498734959"/>
+        <p14:creationId xmlns:p14="http://schemas.microsoft.com/office/powerpoint/2010/main" val="2534012309"/>
       </p:ext>
     </p:extLst>
   </p:cSld>
@@ -4296,9 +4326,9 @@
 </p:sldLayout>
 </file>
 
-<file path=ppt/slideLayouts/slideLayout10.xml><?xml version="1.0" encoding="utf-8"?>
-<p:sldLayout xmlns:a="http://schemas.openxmlformats.org/drawingml/2006/main" xmlns:r="http://schemas.openxmlformats.org/officeDocument/2006/relationships" xmlns:p="http://schemas.openxmlformats.org/presentationml/2006/main" type="vertTx" preserve="1">
-  <p:cSld name="Title and Vertical Text">
+<file path=ppt/slideLayouts/slideLayout2.xml><?xml version="1.0" encoding="utf-8"?>
+<p:sldLayout xmlns:a="http://schemas.openxmlformats.org/drawingml/2006/main" xmlns:r="http://schemas.openxmlformats.org/officeDocument/2006/relationships" xmlns:p="http://schemas.openxmlformats.org/presentationml/2006/main" preserve="1">
+  <p:cSld name="Title Slide - Portrait image">
     <p:spTree>
       <p:nvGrpSpPr>
         <p:cNvPr id="1" name=""/>
@@ -4315,82 +4345,118 @@
       </p:grpSpPr>
       <p:sp>
         <p:nvSpPr>
-          <p:cNvPr id="2" name="Title 1"/>
+          <p:cNvPr id="7" name="Title 1"/>
           <p:cNvSpPr>
             <a:spLocks noGrp="1"/>
           </p:cNvSpPr>
           <p:nvPr>
-            <p:ph type="title"/>
+            <p:ph type="ctrTitle" hasCustomPrompt="1"/>
           </p:nvPr>
         </p:nvSpPr>
-        <p:spPr/>
+        <p:spPr>
+          <a:xfrm>
+            <a:off x="355055" y="3326682"/>
+            <a:ext cx="4256859" cy="863191"/>
+          </a:xfrm>
+          <a:prstGeom prst="rect">
+            <a:avLst/>
+          </a:prstGeom>
+        </p:spPr>
         <p:txBody>
-          <a:bodyPr/>
-          <a:lstStyle/>
-          <a:p>
-            <a:r>
-              <a:rPr lang="en-US" smtClean="0"/>
-              <a:t>Click to edit Master title style</a:t>
-            </a:r>
-            <a:endParaRPr lang="en-GB"/>
+          <a:bodyPr anchor="b"/>
+          <a:lstStyle>
+            <a:lvl1pPr algn="l">
+              <a:defRPr sz="4000" baseline="0">
+                <a:solidFill>
+                  <a:srgbClr val="63666A"/>
+                </a:solidFill>
+              </a:defRPr>
+            </a:lvl1pPr>
+          </a:lstStyle>
+          <a:p>
+            <a:r>
+              <a:rPr lang="en-US" dirty="0"/>
+              <a:t>Presentation title</a:t>
+            </a:r>
           </a:p>
         </p:txBody>
       </p:sp>
       <p:sp>
         <p:nvSpPr>
-          <p:cNvPr id="3" name="Vertical Text Placeholder 2"/>
+          <p:cNvPr id="8" name="Subtitle 2"/>
           <p:cNvSpPr>
             <a:spLocks noGrp="1"/>
           </p:cNvSpPr>
           <p:nvPr>
-            <p:ph type="body" orient="vert" idx="1"/>
+            <p:ph type="subTitle" idx="1" hasCustomPrompt="1"/>
           </p:nvPr>
         </p:nvSpPr>
-        <p:spPr/>
+        <p:spPr>
+          <a:xfrm>
+            <a:off x="355055" y="4202927"/>
+            <a:ext cx="4256859" cy="551951"/>
+          </a:xfrm>
+          <a:prstGeom prst="rect">
+            <a:avLst/>
+          </a:prstGeom>
+        </p:spPr>
         <p:txBody>
-          <a:bodyPr vert="eaVert"/>
-          <a:lstStyle/>
-          <a:p>
-            <a:pPr lvl="0"/>
-            <a:r>
-              <a:rPr lang="en-US" smtClean="0"/>
-              <a:t>Click to edit Master text styles</a:t>
-            </a:r>
-          </a:p>
-          <a:p>
-            <a:pPr lvl="1"/>
-            <a:r>
-              <a:rPr lang="en-US" smtClean="0"/>
-              <a:t>Second level</a:t>
-            </a:r>
-          </a:p>
-          <a:p>
-            <a:pPr lvl="2"/>
-            <a:r>
-              <a:rPr lang="en-US" smtClean="0"/>
-              <a:t>Third level</a:t>
-            </a:r>
-          </a:p>
-          <a:p>
-            <a:pPr lvl="3"/>
-            <a:r>
-              <a:rPr lang="en-US" smtClean="0"/>
-              <a:t>Fourth level</a:t>
-            </a:r>
-          </a:p>
-          <a:p>
-            <a:pPr lvl="4"/>
-            <a:r>
-              <a:rPr lang="en-US" smtClean="0"/>
-              <a:t>Fifth level</a:t>
-            </a:r>
-            <a:endParaRPr lang="en-GB"/>
+          <a:bodyPr/>
+          <a:lstStyle>
+            <a:lvl1pPr marL="0" indent="0" algn="l">
+              <a:buNone/>
+              <a:defRPr sz="2000">
+                <a:solidFill>
+                  <a:srgbClr val="63666A"/>
+                </a:solidFill>
+                <a:latin typeface="Arial" panose="020B0604020202020204" pitchFamily="34" charset="0"/>
+                <a:cs typeface="Arial" panose="020B0604020202020204" pitchFamily="34" charset="0"/>
+              </a:defRPr>
+            </a:lvl1pPr>
+            <a:lvl2pPr marL="457200" indent="0" algn="ctr">
+              <a:buNone/>
+              <a:defRPr sz="2000"/>
+            </a:lvl2pPr>
+            <a:lvl3pPr marL="914400" indent="0" algn="ctr">
+              <a:buNone/>
+              <a:defRPr sz="1800"/>
+            </a:lvl3pPr>
+            <a:lvl4pPr marL="1371600" indent="0" algn="ctr">
+              <a:buNone/>
+              <a:defRPr sz="1600"/>
+            </a:lvl4pPr>
+            <a:lvl5pPr marL="1828800" indent="0" algn="ctr">
+              <a:buNone/>
+              <a:defRPr sz="1600"/>
+            </a:lvl5pPr>
+            <a:lvl6pPr marL="2286000" indent="0" algn="ctr">
+              <a:buNone/>
+              <a:defRPr sz="1600"/>
+            </a:lvl6pPr>
+            <a:lvl7pPr marL="2743200" indent="0" algn="ctr">
+              <a:buNone/>
+              <a:defRPr sz="1600"/>
+            </a:lvl7pPr>
+            <a:lvl8pPr marL="3200400" indent="0" algn="ctr">
+              <a:buNone/>
+              <a:defRPr sz="1600"/>
+            </a:lvl8pPr>
+            <a:lvl9pPr marL="3657600" indent="0" algn="ctr">
+              <a:buNone/>
+              <a:defRPr sz="1600"/>
+            </a:lvl9pPr>
+          </a:lstStyle>
+          <a:p>
+            <a:r>
+              <a:rPr lang="en-US" dirty="0"/>
+              <a:t>Subheading</a:t>
+            </a:r>
           </a:p>
         </p:txBody>
       </p:sp>
       <p:sp>
         <p:nvSpPr>
-          <p:cNvPr id="4" name="Date Placeholder 3"/>
+          <p:cNvPr id="9" name="Date Placeholder 3"/>
           <p:cNvSpPr>
             <a:spLocks noGrp="1"/>
           </p:cNvSpPr>
@@ -4398,82 +4464,86 @@
             <p:ph type="dt" sz="half" idx="10"/>
           </p:nvPr>
         </p:nvSpPr>
-        <p:spPr/>
+        <p:spPr>
+          <a:xfrm>
+            <a:off x="355418" y="4772052"/>
+            <a:ext cx="2057400" cy="365125"/>
+          </a:xfrm>
+          <a:prstGeom prst="rect">
+            <a:avLst/>
+          </a:prstGeom>
+        </p:spPr>
         <p:txBody>
           <a:bodyPr/>
           <a:lstStyle>
             <a:lvl1pPr>
-              <a:defRPr/>
+              <a:defRPr sz="1600">
+                <a:solidFill>
+                  <a:srgbClr val="63666A"/>
+                </a:solidFill>
+                <a:latin typeface="Arial" panose="020B0604020202020204" pitchFamily="34" charset="0"/>
+                <a:cs typeface="Arial" panose="020B0604020202020204" pitchFamily="34" charset="0"/>
+              </a:defRPr>
             </a:lvl1pPr>
           </a:lstStyle>
           <a:p>
-            <a:fld id="{1AF0192A-B5CE-2E46-846F-9DA536A07A6F}" type="datetimeFigureOut">
-              <a:rPr lang="en-GB"/>
+            <a:fld id="{646265C4-D3EB-4033-9F2F-7AE1FCA20C43}" type="datetimeFigureOut">
+              <a:rPr lang="en-GB" smtClean="0"/>
               <a:pPr/>
-              <a:t>25/09/2018</a:t>
+              <a:t>26/09/2018</a:t>
             </a:fld>
-            <a:endParaRPr lang="en-GB"/>
+            <a:endParaRPr lang="en-GB" dirty="0"/>
           </a:p>
         </p:txBody>
       </p:sp>
       <p:sp>
         <p:nvSpPr>
-          <p:cNvPr id="5" name="Footer Placeholder 4"/>
+          <p:cNvPr id="12" name="Picture Placeholder 11"/>
           <p:cNvSpPr>
             <a:spLocks noGrp="1"/>
           </p:cNvSpPr>
           <p:nvPr>
-            <p:ph type="ftr" sz="quarter" idx="11"/>
+            <p:ph type="pic" sz="quarter" idx="11"/>
           </p:nvPr>
         </p:nvSpPr>
-        <p:spPr/>
+        <p:spPr>
+          <a:xfrm>
+            <a:off x="5220000" y="396000"/>
+            <a:ext cx="3600000" cy="5760000"/>
+          </a:xfrm>
+          <a:prstGeom prst="rect">
+            <a:avLst/>
+          </a:prstGeom>
+          <a:solidFill>
+            <a:schemeClr val="bg1">
+              <a:lumMod val="85000"/>
+            </a:schemeClr>
+          </a:solidFill>
+        </p:spPr>
         <p:txBody>
           <a:bodyPr/>
           <a:lstStyle>
-            <a:lvl1pPr>
-              <a:defRPr/>
+            <a:lvl1pPr marL="0" indent="0">
+              <a:buNone/>
+              <a:defRPr baseline="0">
+                <a:latin typeface="Arial" panose="020B0604020202020204" pitchFamily="34" charset="0"/>
+                <a:cs typeface="Arial" panose="020B0604020202020204" pitchFamily="34" charset="0"/>
+              </a:defRPr>
             </a:lvl1pPr>
           </a:lstStyle>
           <a:p>
-            <a:pPr>
-              <a:defRPr/>
-            </a:pPr>
-            <a:endParaRPr lang="en-GB"/>
-          </a:p>
-        </p:txBody>
-      </p:sp>
-      <p:sp>
-        <p:nvSpPr>
-          <p:cNvPr id="6" name="Slide Number Placeholder 5"/>
-          <p:cNvSpPr>
-            <a:spLocks noGrp="1"/>
-          </p:cNvSpPr>
-          <p:nvPr>
-            <p:ph type="sldNum" sz="quarter" idx="12"/>
-          </p:nvPr>
-        </p:nvSpPr>
-        <p:spPr/>
-        <p:txBody>
-          <a:bodyPr/>
-          <a:lstStyle>
-            <a:lvl1pPr>
-              <a:defRPr/>
-            </a:lvl1pPr>
-          </a:lstStyle>
-          <a:p>
-            <a:fld id="{972FA082-18A7-E24C-A070-0AA922BD0CB3}" type="slidenum">
-              <a:rPr lang="en-GB"/>
-              <a:pPr/>
-              <a:t>‹#›</a:t>
-            </a:fld>
-            <a:endParaRPr lang="en-GB"/>
+            <a:r>
+              <a:rPr lang="en-US" smtClean="0"/>
+              <a:t>Click icon to add picture</a:t>
+            </a:r>
+            <a:endParaRPr lang="en-GB" dirty="0"/>
           </a:p>
         </p:txBody>
       </p:sp>
     </p:spTree>
     <p:extLst>
       <p:ext uri="{BB962C8B-B14F-4D97-AF65-F5344CB8AC3E}">
-        <p14:creationId xmlns:p14="http://schemas.microsoft.com/office/powerpoint/2010/main" val="2976448660"/>
+        <p14:creationId xmlns:p14="http://schemas.microsoft.com/office/powerpoint/2010/main" val="1254430430"/>
       </p:ext>
     </p:extLst>
   </p:cSld>
@@ -4483,9 +4553,9 @@
 </p:sldLayout>
 </file>
 
-<file path=ppt/slideLayouts/slideLayout11.xml><?xml version="1.0" encoding="utf-8"?>
-<p:sldLayout xmlns:a="http://schemas.openxmlformats.org/drawingml/2006/main" xmlns:r="http://schemas.openxmlformats.org/officeDocument/2006/relationships" xmlns:p="http://schemas.openxmlformats.org/presentationml/2006/main" type="vertTitleAndTx" preserve="1">
-  <p:cSld name="Vertical Title and Text">
+<file path=ppt/slideLayouts/slideLayout3.xml><?xml version="1.0" encoding="utf-8"?>
+<p:sldLayout xmlns:a="http://schemas.openxmlformats.org/drawingml/2006/main" xmlns:r="http://schemas.openxmlformats.org/officeDocument/2006/relationships" xmlns:p="http://schemas.openxmlformats.org/presentationml/2006/main" preserve="1">
+  <p:cSld name="Title Slide - Landscape image (half page)">
     <p:spTree>
       <p:nvGrpSpPr>
         <p:cNvPr id="1" name=""/>
@@ -4502,92 +4572,118 @@
       </p:grpSpPr>
       <p:sp>
         <p:nvSpPr>
-          <p:cNvPr id="2" name="Vertical Title 1"/>
+          <p:cNvPr id="9" name="Title 1"/>
           <p:cNvSpPr>
             <a:spLocks noGrp="1"/>
           </p:cNvSpPr>
           <p:nvPr>
-            <p:ph type="title" orient="vert"/>
+            <p:ph type="ctrTitle" hasCustomPrompt="1"/>
           </p:nvPr>
         </p:nvSpPr>
         <p:spPr>
           <a:xfrm>
-            <a:off x="6629400" y="274638"/>
-            <a:ext cx="2057400" cy="5851525"/>
+            <a:off x="329655" y="1693825"/>
+            <a:ext cx="4256859" cy="863191"/>
           </a:xfrm>
+          <a:prstGeom prst="rect">
+            <a:avLst/>
+          </a:prstGeom>
         </p:spPr>
         <p:txBody>
-          <a:bodyPr vert="eaVert"/>
-          <a:lstStyle/>
-          <a:p>
-            <a:r>
-              <a:rPr lang="en-US" smtClean="0"/>
-              <a:t>Click to edit Master title style</a:t>
-            </a:r>
-            <a:endParaRPr lang="en-GB"/>
+          <a:bodyPr anchor="b"/>
+          <a:lstStyle>
+            <a:lvl1pPr algn="l">
+              <a:defRPr sz="4000" baseline="0">
+                <a:solidFill>
+                  <a:srgbClr val="63666A"/>
+                </a:solidFill>
+              </a:defRPr>
+            </a:lvl1pPr>
+          </a:lstStyle>
+          <a:p>
+            <a:r>
+              <a:rPr lang="en-US" dirty="0"/>
+              <a:t>Presentation title</a:t>
+            </a:r>
           </a:p>
         </p:txBody>
       </p:sp>
       <p:sp>
         <p:nvSpPr>
-          <p:cNvPr id="3" name="Vertical Text Placeholder 2"/>
+          <p:cNvPr id="10" name="Subtitle 2"/>
           <p:cNvSpPr>
             <a:spLocks noGrp="1"/>
           </p:cNvSpPr>
           <p:nvPr>
-            <p:ph type="body" orient="vert" idx="1"/>
+            <p:ph type="subTitle" idx="1" hasCustomPrompt="1"/>
           </p:nvPr>
         </p:nvSpPr>
         <p:spPr>
           <a:xfrm>
-            <a:off x="457200" y="274638"/>
-            <a:ext cx="6019800" cy="5851525"/>
+            <a:off x="329655" y="2570070"/>
+            <a:ext cx="4256859" cy="551951"/>
           </a:xfrm>
+          <a:prstGeom prst="rect">
+            <a:avLst/>
+          </a:prstGeom>
         </p:spPr>
         <p:txBody>
-          <a:bodyPr vert="eaVert"/>
-          <a:lstStyle/>
-          <a:p>
-            <a:pPr lvl="0"/>
-            <a:r>
-              <a:rPr lang="en-US" smtClean="0"/>
-              <a:t>Click to edit Master text styles</a:t>
-            </a:r>
-          </a:p>
-          <a:p>
-            <a:pPr lvl="1"/>
-            <a:r>
-              <a:rPr lang="en-US" smtClean="0"/>
-              <a:t>Second level</a:t>
-            </a:r>
-          </a:p>
-          <a:p>
-            <a:pPr lvl="2"/>
-            <a:r>
-              <a:rPr lang="en-US" smtClean="0"/>
-              <a:t>Third level</a:t>
-            </a:r>
-          </a:p>
-          <a:p>
-            <a:pPr lvl="3"/>
-            <a:r>
-              <a:rPr lang="en-US" smtClean="0"/>
-              <a:t>Fourth level</a:t>
-            </a:r>
-          </a:p>
-          <a:p>
-            <a:pPr lvl="4"/>
-            <a:r>
-              <a:rPr lang="en-US" smtClean="0"/>
-              <a:t>Fifth level</a:t>
-            </a:r>
-            <a:endParaRPr lang="en-GB"/>
+          <a:bodyPr/>
+          <a:lstStyle>
+            <a:lvl1pPr marL="0" indent="0" algn="l">
+              <a:buNone/>
+              <a:defRPr sz="2000">
+                <a:solidFill>
+                  <a:srgbClr val="63666A"/>
+                </a:solidFill>
+                <a:latin typeface="Arial" panose="020B0604020202020204" pitchFamily="34" charset="0"/>
+                <a:cs typeface="Arial" panose="020B0604020202020204" pitchFamily="34" charset="0"/>
+              </a:defRPr>
+            </a:lvl1pPr>
+            <a:lvl2pPr marL="457200" indent="0" algn="ctr">
+              <a:buNone/>
+              <a:defRPr sz="2000"/>
+            </a:lvl2pPr>
+            <a:lvl3pPr marL="914400" indent="0" algn="ctr">
+              <a:buNone/>
+              <a:defRPr sz="1800"/>
+            </a:lvl3pPr>
+            <a:lvl4pPr marL="1371600" indent="0" algn="ctr">
+              <a:buNone/>
+              <a:defRPr sz="1600"/>
+            </a:lvl4pPr>
+            <a:lvl5pPr marL="1828800" indent="0" algn="ctr">
+              <a:buNone/>
+              <a:defRPr sz="1600"/>
+            </a:lvl5pPr>
+            <a:lvl6pPr marL="2286000" indent="0" algn="ctr">
+              <a:buNone/>
+              <a:defRPr sz="1600"/>
+            </a:lvl6pPr>
+            <a:lvl7pPr marL="2743200" indent="0" algn="ctr">
+              <a:buNone/>
+              <a:defRPr sz="1600"/>
+            </a:lvl7pPr>
+            <a:lvl8pPr marL="3200400" indent="0" algn="ctr">
+              <a:buNone/>
+              <a:defRPr sz="1600"/>
+            </a:lvl8pPr>
+            <a:lvl9pPr marL="3657600" indent="0" algn="ctr">
+              <a:buNone/>
+              <a:defRPr sz="1600"/>
+            </a:lvl9pPr>
+          </a:lstStyle>
+          <a:p>
+            <a:r>
+              <a:rPr lang="en-US" dirty="0"/>
+              <a:t>Subheading</a:t>
+            </a:r>
           </a:p>
         </p:txBody>
       </p:sp>
       <p:sp>
         <p:nvSpPr>
-          <p:cNvPr id="4" name="Date Placeholder 3"/>
+          <p:cNvPr id="11" name="Date Placeholder 3"/>
           <p:cNvSpPr>
             <a:spLocks noGrp="1"/>
           </p:cNvSpPr>
@@ -4595,82 +4691,86 @@
             <p:ph type="dt" sz="half" idx="10"/>
           </p:nvPr>
         </p:nvSpPr>
-        <p:spPr/>
+        <p:spPr>
+          <a:xfrm>
+            <a:off x="330018" y="3139195"/>
+            <a:ext cx="2057400" cy="365125"/>
+          </a:xfrm>
+          <a:prstGeom prst="rect">
+            <a:avLst/>
+          </a:prstGeom>
+        </p:spPr>
         <p:txBody>
           <a:bodyPr/>
           <a:lstStyle>
             <a:lvl1pPr>
-              <a:defRPr/>
+              <a:defRPr sz="1600">
+                <a:solidFill>
+                  <a:srgbClr val="63666A"/>
+                </a:solidFill>
+                <a:latin typeface="Arial" panose="020B0604020202020204" pitchFamily="34" charset="0"/>
+                <a:cs typeface="Arial" panose="020B0604020202020204" pitchFamily="34" charset="0"/>
+              </a:defRPr>
             </a:lvl1pPr>
           </a:lstStyle>
           <a:p>
-            <a:fld id="{14964D74-F6FD-584B-8773-DA379A568572}" type="datetimeFigureOut">
-              <a:rPr lang="en-GB"/>
+            <a:fld id="{646265C4-D3EB-4033-9F2F-7AE1FCA20C43}" type="datetimeFigureOut">
+              <a:rPr lang="en-GB" smtClean="0"/>
               <a:pPr/>
-              <a:t>25/09/2018</a:t>
+              <a:t>26/09/2018</a:t>
             </a:fld>
-            <a:endParaRPr lang="en-GB"/>
+            <a:endParaRPr lang="en-GB" dirty="0"/>
           </a:p>
         </p:txBody>
       </p:sp>
       <p:sp>
         <p:nvSpPr>
-          <p:cNvPr id="5" name="Footer Placeholder 4"/>
+          <p:cNvPr id="12" name="Picture Placeholder 11"/>
           <p:cNvSpPr>
             <a:spLocks noGrp="1"/>
           </p:cNvSpPr>
           <p:nvPr>
-            <p:ph type="ftr" sz="quarter" idx="11"/>
+            <p:ph type="pic" sz="quarter" idx="11"/>
           </p:nvPr>
         </p:nvSpPr>
-        <p:spPr/>
+        <p:spPr>
+          <a:xfrm>
+            <a:off x="329655" y="3521494"/>
+            <a:ext cx="8426482" cy="2444408"/>
+          </a:xfrm>
+          <a:prstGeom prst="rect">
+            <a:avLst/>
+          </a:prstGeom>
+          <a:solidFill>
+            <a:schemeClr val="bg1">
+              <a:lumMod val="85000"/>
+            </a:schemeClr>
+          </a:solidFill>
+        </p:spPr>
         <p:txBody>
           <a:bodyPr/>
           <a:lstStyle>
-            <a:lvl1pPr>
-              <a:defRPr/>
+            <a:lvl1pPr marL="0" indent="0">
+              <a:buNone/>
+              <a:defRPr baseline="0">
+                <a:latin typeface="Arial" panose="020B0604020202020204" pitchFamily="34" charset="0"/>
+                <a:cs typeface="Arial" panose="020B0604020202020204" pitchFamily="34" charset="0"/>
+              </a:defRPr>
             </a:lvl1pPr>
           </a:lstStyle>
           <a:p>
-            <a:pPr>
-              <a:defRPr/>
-            </a:pPr>
-            <a:endParaRPr lang="en-GB"/>
-          </a:p>
-        </p:txBody>
-      </p:sp>
-      <p:sp>
-        <p:nvSpPr>
-          <p:cNvPr id="6" name="Slide Number Placeholder 5"/>
-          <p:cNvSpPr>
-            <a:spLocks noGrp="1"/>
-          </p:cNvSpPr>
-          <p:nvPr>
-            <p:ph type="sldNum" sz="quarter" idx="12"/>
-          </p:nvPr>
-        </p:nvSpPr>
-        <p:spPr/>
-        <p:txBody>
-          <a:bodyPr/>
-          <a:lstStyle>
-            <a:lvl1pPr>
-              <a:defRPr/>
-            </a:lvl1pPr>
-          </a:lstStyle>
-          <a:p>
-            <a:fld id="{9C07DC09-23EC-DC42-A159-5F93EF8F10B6}" type="slidenum">
-              <a:rPr lang="en-GB"/>
-              <a:pPr/>
-              <a:t>‹#›</a:t>
-            </a:fld>
-            <a:endParaRPr lang="en-GB"/>
+            <a:r>
+              <a:rPr lang="en-US" smtClean="0"/>
+              <a:t>Click icon to add picture</a:t>
+            </a:r>
+            <a:endParaRPr lang="en-GB" dirty="0"/>
           </a:p>
         </p:txBody>
       </p:sp>
     </p:spTree>
     <p:extLst>
       <p:ext uri="{BB962C8B-B14F-4D97-AF65-F5344CB8AC3E}">
-        <p14:creationId xmlns:p14="http://schemas.microsoft.com/office/powerpoint/2010/main" val="1061563374"/>
+        <p14:creationId xmlns:p14="http://schemas.microsoft.com/office/powerpoint/2010/main" val="3123317895"/>
       </p:ext>
     </p:extLst>
   </p:cSld>
@@ -4680,8 +4780,3425 @@
 </p:sldLayout>
 </file>
 
-<file path=ppt/slideLayouts/slideLayout2.xml><?xml version="1.0" encoding="utf-8"?>
-<p:sldLayout xmlns:a="http://schemas.openxmlformats.org/drawingml/2006/main" xmlns:r="http://schemas.openxmlformats.org/officeDocument/2006/relationships" xmlns:p="http://schemas.openxmlformats.org/presentationml/2006/main" type="obj" preserve="1">
+<file path=ppt/slideLayouts/slideLayout4.xml><?xml version="1.0" encoding="utf-8"?>
+<p:sldLayout xmlns:a="http://schemas.openxmlformats.org/drawingml/2006/main" xmlns:r="http://schemas.openxmlformats.org/officeDocument/2006/relationships" xmlns:p="http://schemas.openxmlformats.org/presentationml/2006/main" preserve="1">
+  <p:cSld name="Content slide with image">
+    <p:spTree>
+      <p:nvGrpSpPr>
+        <p:cNvPr id="1" name=""/>
+        <p:cNvGrpSpPr/>
+        <p:nvPr/>
+      </p:nvGrpSpPr>
+      <p:grpSpPr>
+        <a:xfrm>
+          <a:off x="0" y="0"/>
+          <a:ext cx="0" cy="0"/>
+          <a:chOff x="0" y="0"/>
+          <a:chExt cx="0" cy="0"/>
+        </a:xfrm>
+      </p:grpSpPr>
+      <p:cxnSp>
+        <p:nvCxnSpPr>
+          <p:cNvPr id="18" name="Straight Connector 17"/>
+          <p:cNvCxnSpPr/>
+          <p:nvPr/>
+        </p:nvCxnSpPr>
+        <p:spPr>
+          <a:xfrm>
+            <a:off x="406400" y="1028700"/>
+            <a:ext cx="8424000" cy="0"/>
+          </a:xfrm>
+          <a:prstGeom prst="line">
+            <a:avLst/>
+          </a:prstGeom>
+          <a:ln>
+            <a:solidFill>
+              <a:schemeClr val="tx1"/>
+            </a:solidFill>
+          </a:ln>
+        </p:spPr>
+        <p:style>
+          <a:lnRef idx="1">
+            <a:schemeClr val="accent1"/>
+          </a:lnRef>
+          <a:fillRef idx="0">
+            <a:schemeClr val="accent1"/>
+          </a:fillRef>
+          <a:effectRef idx="0">
+            <a:schemeClr val="accent1"/>
+          </a:effectRef>
+          <a:fontRef idx="minor">
+            <a:schemeClr val="tx1"/>
+          </a:fontRef>
+        </p:style>
+      </p:cxnSp>
+      <p:sp>
+        <p:nvSpPr>
+          <p:cNvPr id="21" name="Title 1"/>
+          <p:cNvSpPr>
+            <a:spLocks noGrp="1"/>
+          </p:cNvSpPr>
+          <p:nvPr>
+            <p:ph type="ctrTitle" hasCustomPrompt="1"/>
+          </p:nvPr>
+        </p:nvSpPr>
+        <p:spPr>
+          <a:xfrm>
+            <a:off x="368300" y="262840"/>
+            <a:ext cx="4622800" cy="715085"/>
+          </a:xfrm>
+          <a:prstGeom prst="rect">
+            <a:avLst/>
+          </a:prstGeom>
+        </p:spPr>
+        <p:txBody>
+          <a:bodyPr anchor="t"/>
+          <a:lstStyle>
+            <a:lvl1pPr algn="l">
+              <a:defRPr sz="2400" baseline="0">
+                <a:solidFill>
+                  <a:srgbClr val="63666A"/>
+                </a:solidFill>
+              </a:defRPr>
+            </a:lvl1pPr>
+          </a:lstStyle>
+          <a:p>
+            <a:r>
+              <a:rPr lang="en-US" dirty="0"/>
+              <a:t>Content slide heading</a:t>
+            </a:r>
+          </a:p>
+        </p:txBody>
+      </p:sp>
+      <p:sp>
+        <p:nvSpPr>
+          <p:cNvPr id="23" name="Picture Placeholder 11"/>
+          <p:cNvSpPr>
+            <a:spLocks noGrp="1"/>
+          </p:cNvSpPr>
+          <p:nvPr>
+            <p:ph type="pic" sz="quarter" idx="11"/>
+          </p:nvPr>
+        </p:nvSpPr>
+        <p:spPr>
+          <a:xfrm>
+            <a:off x="5346699" y="1308100"/>
+            <a:ext cx="3435745" cy="4771700"/>
+          </a:xfrm>
+          <a:prstGeom prst="rect">
+            <a:avLst/>
+          </a:prstGeom>
+          <a:solidFill>
+            <a:schemeClr val="bg1">
+              <a:lumMod val="85000"/>
+            </a:schemeClr>
+          </a:solidFill>
+        </p:spPr>
+        <p:txBody>
+          <a:bodyPr/>
+          <a:lstStyle>
+            <a:lvl1pPr marL="0" indent="0">
+              <a:buNone/>
+              <a:defRPr baseline="0">
+                <a:latin typeface="Arial" panose="020B0604020202020204" pitchFamily="34" charset="0"/>
+                <a:cs typeface="Arial" panose="020B0604020202020204" pitchFamily="34" charset="0"/>
+              </a:defRPr>
+            </a:lvl1pPr>
+          </a:lstStyle>
+          <a:p>
+            <a:r>
+              <a:rPr lang="en-US" smtClean="0"/>
+              <a:t>Click icon to add picture</a:t>
+            </a:r>
+            <a:endParaRPr lang="en-GB" dirty="0"/>
+          </a:p>
+        </p:txBody>
+      </p:sp>
+      <p:sp>
+        <p:nvSpPr>
+          <p:cNvPr id="3" name="Text Placeholder 2"/>
+          <p:cNvSpPr>
+            <a:spLocks noGrp="1"/>
+          </p:cNvSpPr>
+          <p:nvPr>
+            <p:ph type="body" sz="quarter" idx="12" hasCustomPrompt="1"/>
+          </p:nvPr>
+        </p:nvSpPr>
+        <p:spPr>
+          <a:xfrm>
+            <a:off x="368300" y="1308100"/>
+            <a:ext cx="4622800" cy="4251320"/>
+          </a:xfrm>
+          <a:prstGeom prst="rect">
+            <a:avLst/>
+          </a:prstGeom>
+        </p:spPr>
+        <p:txBody>
+          <a:bodyPr/>
+          <a:lstStyle>
+            <a:lvl1pPr marL="0" marR="0" indent="0" algn="l" defTabSz="914400" rtl="0" eaLnBrk="1" fontAlgn="auto" latinLnBrk="0" hangingPunct="1">
+              <a:lnSpc>
+                <a:spcPct val="100000"/>
+              </a:lnSpc>
+              <a:spcBef>
+                <a:spcPts val="600"/>
+              </a:spcBef>
+              <a:spcAft>
+                <a:spcPts val="0"/>
+              </a:spcAft>
+              <a:buClrTx/>
+              <a:buSzTx/>
+              <a:buFont typeface="Arial" panose="020B0604020202020204" pitchFamily="34" charset="0"/>
+              <a:buNone/>
+              <a:tabLst/>
+              <a:defRPr sz="2800">
+                <a:solidFill>
+                  <a:srgbClr val="63666A"/>
+                </a:solidFill>
+                <a:latin typeface="Arial" panose="020B0604020202020204" pitchFamily="34" charset="0"/>
+                <a:cs typeface="Arial" panose="020B0604020202020204" pitchFamily="34" charset="0"/>
+              </a:defRPr>
+            </a:lvl1pPr>
+          </a:lstStyle>
+          <a:p>
+            <a:pPr marL="171450" indent="-171450">
+              <a:buFont typeface="Arial" panose="020B0604020202020204" pitchFamily="34" charset="0"/>
+              <a:buChar char="•"/>
+            </a:pPr>
+            <a:r>
+              <a:rPr lang="en-US" sz="1400" dirty="0"/>
+              <a:t>Content</a:t>
+            </a:r>
+            <a:r>
+              <a:rPr lang="en-US" sz="1400" baseline="0" dirty="0"/>
+              <a:t> text here</a:t>
+            </a:r>
+          </a:p>
+          <a:p>
+            <a:pPr marL="171450" indent="-171450">
+              <a:buFont typeface="Arial" panose="020B0604020202020204" pitchFamily="34" charset="0"/>
+              <a:buChar char="•"/>
+            </a:pPr>
+            <a:r>
+              <a:rPr lang="en-US" sz="1400" baseline="0" dirty="0"/>
+              <a:t>Second bullet here</a:t>
+            </a:r>
+          </a:p>
+          <a:p>
+            <a:pPr marL="171450" indent="-171450">
+              <a:buFont typeface="Arial" panose="020B0604020202020204" pitchFamily="34" charset="0"/>
+              <a:buChar char="•"/>
+            </a:pPr>
+            <a:r>
+              <a:rPr lang="en-US" sz="1400" baseline="0" dirty="0"/>
+              <a:t>Another bullet point here</a:t>
+            </a:r>
+          </a:p>
+          <a:p>
+            <a:pPr marL="0" indent="0">
+              <a:lnSpc>
+                <a:spcPct val="100000"/>
+              </a:lnSpc>
+              <a:spcBef>
+                <a:spcPts val="600"/>
+              </a:spcBef>
+              <a:buFont typeface="Arial" panose="020B0604020202020204" pitchFamily="34" charset="0"/>
+              <a:buNone/>
+            </a:pPr>
+            <a:r>
+              <a:rPr lang="en-US" sz="1400" baseline="0" dirty="0"/>
+              <a:t>Main Content text entered here. </a:t>
+            </a:r>
+          </a:p>
+          <a:p>
+            <a:pPr marL="0" marR="0" lvl="0" indent="0" algn="l" defTabSz="914400" rtl="0" eaLnBrk="1" fontAlgn="auto" latinLnBrk="0" hangingPunct="1">
+              <a:lnSpc>
+                <a:spcPct val="100000"/>
+              </a:lnSpc>
+              <a:spcBef>
+                <a:spcPts val="600"/>
+              </a:spcBef>
+              <a:spcAft>
+                <a:spcPts val="0"/>
+              </a:spcAft>
+              <a:buClrTx/>
+              <a:buSzTx/>
+              <a:buFont typeface="Arial" panose="020B0604020202020204" pitchFamily="34" charset="0"/>
+              <a:buNone/>
+              <a:tabLst/>
+              <a:defRPr/>
+            </a:pPr>
+            <a:r>
+              <a:rPr lang="en-GB" sz="1400" b="0" i="0" kern="1200" dirty="0">
+                <a:solidFill>
+                  <a:srgbClr val="63666A"/>
+                </a:solidFill>
+                <a:effectLst/>
+                <a:latin typeface="Arial" panose="020B0604020202020204" pitchFamily="34" charset="0"/>
+                <a:ea typeface="+mn-ea"/>
+                <a:cs typeface="Arial" panose="020B0604020202020204" pitchFamily="34" charset="0"/>
+              </a:rPr>
+              <a:t>Lorem ipsum </a:t>
+            </a:r>
+            <a:r>
+              <a:rPr lang="en-GB" sz="1400" b="0" i="0" kern="1200" dirty="0" err="1">
+                <a:solidFill>
+                  <a:srgbClr val="63666A"/>
+                </a:solidFill>
+                <a:effectLst/>
+                <a:latin typeface="Arial" panose="020B0604020202020204" pitchFamily="34" charset="0"/>
+                <a:ea typeface="+mn-ea"/>
+                <a:cs typeface="Arial" panose="020B0604020202020204" pitchFamily="34" charset="0"/>
+              </a:rPr>
+              <a:t>dolor</a:t>
+            </a:r>
+            <a:r>
+              <a:rPr lang="en-GB" sz="1400" b="0" i="0" kern="1200" dirty="0">
+                <a:solidFill>
+                  <a:srgbClr val="63666A"/>
+                </a:solidFill>
+                <a:effectLst/>
+                <a:latin typeface="Arial" panose="020B0604020202020204" pitchFamily="34" charset="0"/>
+                <a:ea typeface="+mn-ea"/>
+                <a:cs typeface="Arial" panose="020B0604020202020204" pitchFamily="34" charset="0"/>
+              </a:rPr>
+              <a:t> sit </a:t>
+            </a:r>
+            <a:r>
+              <a:rPr lang="en-GB" sz="1400" b="0" i="0" kern="1200" dirty="0" err="1">
+                <a:solidFill>
+                  <a:srgbClr val="63666A"/>
+                </a:solidFill>
+                <a:effectLst/>
+                <a:latin typeface="Arial" panose="020B0604020202020204" pitchFamily="34" charset="0"/>
+                <a:ea typeface="+mn-ea"/>
+                <a:cs typeface="Arial" panose="020B0604020202020204" pitchFamily="34" charset="0"/>
+              </a:rPr>
+              <a:t>amet</a:t>
+            </a:r>
+            <a:r>
+              <a:rPr lang="en-GB" sz="1400" b="0" i="0" kern="1200" dirty="0">
+                <a:solidFill>
+                  <a:srgbClr val="63666A"/>
+                </a:solidFill>
+                <a:effectLst/>
+                <a:latin typeface="Arial" panose="020B0604020202020204" pitchFamily="34" charset="0"/>
+                <a:ea typeface="+mn-ea"/>
+                <a:cs typeface="Arial" panose="020B0604020202020204" pitchFamily="34" charset="0"/>
+              </a:rPr>
+              <a:t>, </a:t>
+            </a:r>
+            <a:r>
+              <a:rPr lang="en-GB" sz="1400" b="0" i="0" kern="1200" dirty="0" err="1">
+                <a:solidFill>
+                  <a:srgbClr val="63666A"/>
+                </a:solidFill>
+                <a:effectLst/>
+                <a:latin typeface="Arial" panose="020B0604020202020204" pitchFamily="34" charset="0"/>
+                <a:ea typeface="+mn-ea"/>
+                <a:cs typeface="Arial" panose="020B0604020202020204" pitchFamily="34" charset="0"/>
+              </a:rPr>
+              <a:t>consectetur</a:t>
+            </a:r>
+            <a:r>
+              <a:rPr lang="en-GB" sz="1400" b="0" i="0" kern="1200" dirty="0">
+                <a:solidFill>
+                  <a:srgbClr val="63666A"/>
+                </a:solidFill>
+                <a:effectLst/>
+                <a:latin typeface="Arial" panose="020B0604020202020204" pitchFamily="34" charset="0"/>
+                <a:ea typeface="+mn-ea"/>
+                <a:cs typeface="Arial" panose="020B0604020202020204" pitchFamily="34" charset="0"/>
+              </a:rPr>
+              <a:t> </a:t>
+            </a:r>
+            <a:r>
+              <a:rPr lang="en-GB" sz="1400" b="0" i="0" kern="1200" dirty="0" err="1">
+                <a:solidFill>
+                  <a:srgbClr val="63666A"/>
+                </a:solidFill>
+                <a:effectLst/>
+                <a:latin typeface="Arial" panose="020B0604020202020204" pitchFamily="34" charset="0"/>
+                <a:ea typeface="+mn-ea"/>
+                <a:cs typeface="Arial" panose="020B0604020202020204" pitchFamily="34" charset="0"/>
+              </a:rPr>
+              <a:t>adipiscing</a:t>
+            </a:r>
+            <a:r>
+              <a:rPr lang="en-GB" sz="1400" b="0" i="0" kern="1200" dirty="0">
+                <a:solidFill>
+                  <a:srgbClr val="63666A"/>
+                </a:solidFill>
+                <a:effectLst/>
+                <a:latin typeface="Arial" panose="020B0604020202020204" pitchFamily="34" charset="0"/>
+                <a:ea typeface="+mn-ea"/>
+                <a:cs typeface="Arial" panose="020B0604020202020204" pitchFamily="34" charset="0"/>
+              </a:rPr>
+              <a:t> </a:t>
+            </a:r>
+            <a:r>
+              <a:rPr lang="en-GB" sz="1400" b="0" i="0" kern="1200" dirty="0" err="1">
+                <a:solidFill>
+                  <a:srgbClr val="63666A"/>
+                </a:solidFill>
+                <a:effectLst/>
+                <a:latin typeface="Arial" panose="020B0604020202020204" pitchFamily="34" charset="0"/>
+                <a:ea typeface="+mn-ea"/>
+                <a:cs typeface="Arial" panose="020B0604020202020204" pitchFamily="34" charset="0"/>
+              </a:rPr>
+              <a:t>elit</a:t>
+            </a:r>
+            <a:r>
+              <a:rPr lang="en-GB" sz="1400" b="0" i="0" kern="1200" dirty="0">
+                <a:solidFill>
+                  <a:srgbClr val="63666A"/>
+                </a:solidFill>
+                <a:effectLst/>
+                <a:latin typeface="Arial" panose="020B0604020202020204" pitchFamily="34" charset="0"/>
+                <a:ea typeface="+mn-ea"/>
+                <a:cs typeface="Arial" panose="020B0604020202020204" pitchFamily="34" charset="0"/>
+              </a:rPr>
+              <a:t>, </a:t>
+            </a:r>
+            <a:r>
+              <a:rPr lang="en-GB" sz="1400" b="0" i="0" kern="1200" dirty="0" err="1">
+                <a:solidFill>
+                  <a:srgbClr val="63666A"/>
+                </a:solidFill>
+                <a:effectLst/>
+                <a:latin typeface="Arial" panose="020B0604020202020204" pitchFamily="34" charset="0"/>
+                <a:ea typeface="+mn-ea"/>
+                <a:cs typeface="Arial" panose="020B0604020202020204" pitchFamily="34" charset="0"/>
+              </a:rPr>
+              <a:t>sed</a:t>
+            </a:r>
+            <a:r>
+              <a:rPr lang="en-GB" sz="1400" b="0" i="0" kern="1200" dirty="0">
+                <a:solidFill>
+                  <a:srgbClr val="63666A"/>
+                </a:solidFill>
+                <a:effectLst/>
+                <a:latin typeface="Arial" panose="020B0604020202020204" pitchFamily="34" charset="0"/>
+                <a:ea typeface="+mn-ea"/>
+                <a:cs typeface="Arial" panose="020B0604020202020204" pitchFamily="34" charset="0"/>
+              </a:rPr>
+              <a:t> do </a:t>
+            </a:r>
+            <a:r>
+              <a:rPr lang="en-GB" sz="1400" b="0" i="0" kern="1200" dirty="0" err="1">
+                <a:solidFill>
+                  <a:srgbClr val="63666A"/>
+                </a:solidFill>
+                <a:effectLst/>
+                <a:latin typeface="Arial" panose="020B0604020202020204" pitchFamily="34" charset="0"/>
+                <a:ea typeface="+mn-ea"/>
+                <a:cs typeface="Arial" panose="020B0604020202020204" pitchFamily="34" charset="0"/>
+              </a:rPr>
+              <a:t>eiusmod</a:t>
+            </a:r>
+            <a:r>
+              <a:rPr lang="en-GB" sz="1400" b="0" i="0" kern="1200" dirty="0">
+                <a:solidFill>
+                  <a:srgbClr val="63666A"/>
+                </a:solidFill>
+                <a:effectLst/>
+                <a:latin typeface="Arial" panose="020B0604020202020204" pitchFamily="34" charset="0"/>
+                <a:ea typeface="+mn-ea"/>
+                <a:cs typeface="Arial" panose="020B0604020202020204" pitchFamily="34" charset="0"/>
+              </a:rPr>
+              <a:t> </a:t>
+            </a:r>
+            <a:r>
+              <a:rPr lang="en-GB" sz="1400" b="0" i="0" kern="1200" dirty="0" err="1">
+                <a:solidFill>
+                  <a:srgbClr val="63666A"/>
+                </a:solidFill>
+                <a:effectLst/>
+                <a:latin typeface="Arial" panose="020B0604020202020204" pitchFamily="34" charset="0"/>
+                <a:ea typeface="+mn-ea"/>
+                <a:cs typeface="Arial" panose="020B0604020202020204" pitchFamily="34" charset="0"/>
+              </a:rPr>
+              <a:t>tempor</a:t>
+            </a:r>
+            <a:r>
+              <a:rPr lang="en-GB" sz="1400" b="0" i="0" kern="1200" dirty="0">
+                <a:solidFill>
+                  <a:srgbClr val="63666A"/>
+                </a:solidFill>
+                <a:effectLst/>
+                <a:latin typeface="Arial" panose="020B0604020202020204" pitchFamily="34" charset="0"/>
+                <a:ea typeface="+mn-ea"/>
+                <a:cs typeface="Arial" panose="020B0604020202020204" pitchFamily="34" charset="0"/>
+              </a:rPr>
+              <a:t> </a:t>
+            </a:r>
+            <a:r>
+              <a:rPr lang="en-GB" sz="1400" b="0" i="0" kern="1200" dirty="0" err="1">
+                <a:solidFill>
+                  <a:srgbClr val="63666A"/>
+                </a:solidFill>
+                <a:effectLst/>
+                <a:latin typeface="Arial" panose="020B0604020202020204" pitchFamily="34" charset="0"/>
+                <a:ea typeface="+mn-ea"/>
+                <a:cs typeface="Arial" panose="020B0604020202020204" pitchFamily="34" charset="0"/>
+              </a:rPr>
+              <a:t>incididunt</a:t>
+            </a:r>
+            <a:r>
+              <a:rPr lang="en-GB" sz="1400" b="0" i="0" kern="1200" dirty="0">
+                <a:solidFill>
+                  <a:srgbClr val="63666A"/>
+                </a:solidFill>
+                <a:effectLst/>
+                <a:latin typeface="Arial" panose="020B0604020202020204" pitchFamily="34" charset="0"/>
+                <a:ea typeface="+mn-ea"/>
+                <a:cs typeface="Arial" panose="020B0604020202020204" pitchFamily="34" charset="0"/>
+              </a:rPr>
+              <a:t> </a:t>
+            </a:r>
+            <a:r>
+              <a:rPr lang="en-GB" sz="1400" b="0" i="0" kern="1200" dirty="0" err="1">
+                <a:solidFill>
+                  <a:srgbClr val="63666A"/>
+                </a:solidFill>
+                <a:effectLst/>
+                <a:latin typeface="Arial" panose="020B0604020202020204" pitchFamily="34" charset="0"/>
+                <a:ea typeface="+mn-ea"/>
+                <a:cs typeface="Arial" panose="020B0604020202020204" pitchFamily="34" charset="0"/>
+              </a:rPr>
+              <a:t>ut</a:t>
+            </a:r>
+            <a:r>
+              <a:rPr lang="en-GB" sz="1400" b="0" i="0" kern="1200" dirty="0">
+                <a:solidFill>
+                  <a:srgbClr val="63666A"/>
+                </a:solidFill>
+                <a:effectLst/>
+                <a:latin typeface="Arial" panose="020B0604020202020204" pitchFamily="34" charset="0"/>
+                <a:ea typeface="+mn-ea"/>
+                <a:cs typeface="Arial" panose="020B0604020202020204" pitchFamily="34" charset="0"/>
+              </a:rPr>
+              <a:t> </a:t>
+            </a:r>
+            <a:r>
+              <a:rPr lang="en-GB" sz="1400" b="0" i="0" kern="1200" dirty="0" err="1">
+                <a:solidFill>
+                  <a:srgbClr val="63666A"/>
+                </a:solidFill>
+                <a:effectLst/>
+                <a:latin typeface="Arial" panose="020B0604020202020204" pitchFamily="34" charset="0"/>
+                <a:ea typeface="+mn-ea"/>
+                <a:cs typeface="Arial" panose="020B0604020202020204" pitchFamily="34" charset="0"/>
+              </a:rPr>
+              <a:t>labore</a:t>
+            </a:r>
+            <a:r>
+              <a:rPr lang="en-GB" sz="1400" b="0" i="0" kern="1200" dirty="0">
+                <a:solidFill>
+                  <a:srgbClr val="63666A"/>
+                </a:solidFill>
+                <a:effectLst/>
+                <a:latin typeface="Arial" panose="020B0604020202020204" pitchFamily="34" charset="0"/>
+                <a:ea typeface="+mn-ea"/>
+                <a:cs typeface="Arial" panose="020B0604020202020204" pitchFamily="34" charset="0"/>
+              </a:rPr>
+              <a:t> et </a:t>
+            </a:r>
+            <a:r>
+              <a:rPr lang="en-GB" sz="1400" b="0" i="0" kern="1200" dirty="0" err="1">
+                <a:solidFill>
+                  <a:srgbClr val="63666A"/>
+                </a:solidFill>
+                <a:effectLst/>
+                <a:latin typeface="Arial" panose="020B0604020202020204" pitchFamily="34" charset="0"/>
+                <a:ea typeface="+mn-ea"/>
+                <a:cs typeface="Arial" panose="020B0604020202020204" pitchFamily="34" charset="0"/>
+              </a:rPr>
+              <a:t>dolore</a:t>
+            </a:r>
+            <a:r>
+              <a:rPr lang="en-GB" sz="1400" b="0" i="0" kern="1200" dirty="0">
+                <a:solidFill>
+                  <a:srgbClr val="63666A"/>
+                </a:solidFill>
+                <a:effectLst/>
+                <a:latin typeface="Arial" panose="020B0604020202020204" pitchFamily="34" charset="0"/>
+                <a:ea typeface="+mn-ea"/>
+                <a:cs typeface="Arial" panose="020B0604020202020204" pitchFamily="34" charset="0"/>
+              </a:rPr>
+              <a:t> magna </a:t>
+            </a:r>
+            <a:r>
+              <a:rPr lang="en-GB" sz="1400" b="0" i="0" kern="1200" dirty="0" err="1">
+                <a:solidFill>
+                  <a:srgbClr val="63666A"/>
+                </a:solidFill>
+                <a:effectLst/>
+                <a:latin typeface="Arial" panose="020B0604020202020204" pitchFamily="34" charset="0"/>
+                <a:ea typeface="+mn-ea"/>
+                <a:cs typeface="Arial" panose="020B0604020202020204" pitchFamily="34" charset="0"/>
+              </a:rPr>
+              <a:t>aliqua</a:t>
+            </a:r>
+            <a:r>
+              <a:rPr lang="en-GB" sz="1400" b="0" i="0" kern="1200" dirty="0">
+                <a:solidFill>
+                  <a:srgbClr val="63666A"/>
+                </a:solidFill>
+                <a:effectLst/>
+                <a:latin typeface="Arial" panose="020B0604020202020204" pitchFamily="34" charset="0"/>
+                <a:ea typeface="+mn-ea"/>
+                <a:cs typeface="Arial" panose="020B0604020202020204" pitchFamily="34" charset="0"/>
+              </a:rPr>
+              <a:t>. </a:t>
+            </a:r>
+            <a:r>
+              <a:rPr lang="en-GB" sz="1400" b="0" i="0" kern="1200" dirty="0" err="1">
+                <a:solidFill>
+                  <a:srgbClr val="63666A"/>
+                </a:solidFill>
+                <a:effectLst/>
+                <a:latin typeface="Arial" panose="020B0604020202020204" pitchFamily="34" charset="0"/>
+                <a:ea typeface="+mn-ea"/>
+                <a:cs typeface="Arial" panose="020B0604020202020204" pitchFamily="34" charset="0"/>
+              </a:rPr>
+              <a:t>Ut</a:t>
+            </a:r>
+            <a:r>
+              <a:rPr lang="en-GB" sz="1400" b="0" i="0" kern="1200" dirty="0">
+                <a:solidFill>
+                  <a:srgbClr val="63666A"/>
+                </a:solidFill>
+                <a:effectLst/>
+                <a:latin typeface="Arial" panose="020B0604020202020204" pitchFamily="34" charset="0"/>
+                <a:ea typeface="+mn-ea"/>
+                <a:cs typeface="Arial" panose="020B0604020202020204" pitchFamily="34" charset="0"/>
+              </a:rPr>
+              <a:t> </a:t>
+            </a:r>
+            <a:r>
+              <a:rPr lang="en-GB" sz="1400" b="0" i="0" kern="1200" dirty="0" err="1">
+                <a:solidFill>
+                  <a:srgbClr val="63666A"/>
+                </a:solidFill>
+                <a:effectLst/>
+                <a:latin typeface="Arial" panose="020B0604020202020204" pitchFamily="34" charset="0"/>
+                <a:ea typeface="+mn-ea"/>
+                <a:cs typeface="Arial" panose="020B0604020202020204" pitchFamily="34" charset="0"/>
+              </a:rPr>
+              <a:t>enim</a:t>
+            </a:r>
+            <a:r>
+              <a:rPr lang="en-GB" sz="1400" b="0" i="0" kern="1200" dirty="0">
+                <a:solidFill>
+                  <a:srgbClr val="63666A"/>
+                </a:solidFill>
+                <a:effectLst/>
+                <a:latin typeface="Arial" panose="020B0604020202020204" pitchFamily="34" charset="0"/>
+                <a:ea typeface="+mn-ea"/>
+                <a:cs typeface="Arial" panose="020B0604020202020204" pitchFamily="34" charset="0"/>
+              </a:rPr>
+              <a:t> ad minim </a:t>
+            </a:r>
+            <a:r>
+              <a:rPr lang="en-GB" sz="1400" b="0" i="0" kern="1200" dirty="0" err="1">
+                <a:solidFill>
+                  <a:srgbClr val="63666A"/>
+                </a:solidFill>
+                <a:effectLst/>
+                <a:latin typeface="Arial" panose="020B0604020202020204" pitchFamily="34" charset="0"/>
+                <a:ea typeface="+mn-ea"/>
+                <a:cs typeface="Arial" panose="020B0604020202020204" pitchFamily="34" charset="0"/>
+              </a:rPr>
+              <a:t>veniam</a:t>
+            </a:r>
+            <a:r>
+              <a:rPr lang="en-GB" sz="1400" b="0" i="0" kern="1200" dirty="0">
+                <a:solidFill>
+                  <a:srgbClr val="63666A"/>
+                </a:solidFill>
+                <a:effectLst/>
+                <a:latin typeface="Arial" panose="020B0604020202020204" pitchFamily="34" charset="0"/>
+                <a:ea typeface="+mn-ea"/>
+                <a:cs typeface="Arial" panose="020B0604020202020204" pitchFamily="34" charset="0"/>
+              </a:rPr>
+              <a:t>, </a:t>
+            </a:r>
+            <a:r>
+              <a:rPr lang="en-GB" sz="1400" b="0" i="0" kern="1200" dirty="0" err="1">
+                <a:solidFill>
+                  <a:srgbClr val="63666A"/>
+                </a:solidFill>
+                <a:effectLst/>
+                <a:latin typeface="Arial" panose="020B0604020202020204" pitchFamily="34" charset="0"/>
+                <a:ea typeface="+mn-ea"/>
+                <a:cs typeface="Arial" panose="020B0604020202020204" pitchFamily="34" charset="0"/>
+              </a:rPr>
+              <a:t>quis</a:t>
+            </a:r>
+            <a:r>
+              <a:rPr lang="en-GB" sz="1400" b="0" i="0" kern="1200" dirty="0">
+                <a:solidFill>
+                  <a:srgbClr val="63666A"/>
+                </a:solidFill>
+                <a:effectLst/>
+                <a:latin typeface="Arial" panose="020B0604020202020204" pitchFamily="34" charset="0"/>
+                <a:ea typeface="+mn-ea"/>
+                <a:cs typeface="Arial" panose="020B0604020202020204" pitchFamily="34" charset="0"/>
+              </a:rPr>
+              <a:t> </a:t>
+            </a:r>
+            <a:r>
+              <a:rPr lang="en-GB" sz="1400" b="0" i="0" kern="1200" dirty="0" err="1">
+                <a:solidFill>
+                  <a:srgbClr val="63666A"/>
+                </a:solidFill>
+                <a:effectLst/>
+                <a:latin typeface="Arial" panose="020B0604020202020204" pitchFamily="34" charset="0"/>
+                <a:ea typeface="+mn-ea"/>
+                <a:cs typeface="Arial" panose="020B0604020202020204" pitchFamily="34" charset="0"/>
+              </a:rPr>
+              <a:t>nostrud</a:t>
+            </a:r>
+            <a:r>
+              <a:rPr lang="en-GB" sz="1400" b="0" i="0" kern="1200" dirty="0">
+                <a:solidFill>
+                  <a:srgbClr val="63666A"/>
+                </a:solidFill>
+                <a:effectLst/>
+                <a:latin typeface="Arial" panose="020B0604020202020204" pitchFamily="34" charset="0"/>
+                <a:ea typeface="+mn-ea"/>
+                <a:cs typeface="Arial" panose="020B0604020202020204" pitchFamily="34" charset="0"/>
+              </a:rPr>
+              <a:t> exercitation </a:t>
+            </a:r>
+            <a:r>
+              <a:rPr lang="en-GB" sz="1400" b="0" i="0" kern="1200" dirty="0" err="1">
+                <a:solidFill>
+                  <a:srgbClr val="63666A"/>
+                </a:solidFill>
+                <a:effectLst/>
+                <a:latin typeface="Arial" panose="020B0604020202020204" pitchFamily="34" charset="0"/>
+                <a:ea typeface="+mn-ea"/>
+                <a:cs typeface="Arial" panose="020B0604020202020204" pitchFamily="34" charset="0"/>
+              </a:rPr>
+              <a:t>ullamco</a:t>
+            </a:r>
+            <a:r>
+              <a:rPr lang="en-GB" sz="1400" b="0" i="0" kern="1200" dirty="0">
+                <a:solidFill>
+                  <a:srgbClr val="63666A"/>
+                </a:solidFill>
+                <a:effectLst/>
+                <a:latin typeface="Arial" panose="020B0604020202020204" pitchFamily="34" charset="0"/>
+                <a:ea typeface="+mn-ea"/>
+                <a:cs typeface="Arial" panose="020B0604020202020204" pitchFamily="34" charset="0"/>
+              </a:rPr>
+              <a:t>. Lorem ipsum </a:t>
+            </a:r>
+            <a:r>
+              <a:rPr lang="en-GB" sz="1400" b="0" i="0" kern="1200" dirty="0" err="1">
+                <a:solidFill>
+                  <a:srgbClr val="63666A"/>
+                </a:solidFill>
+                <a:effectLst/>
+                <a:latin typeface="Arial" panose="020B0604020202020204" pitchFamily="34" charset="0"/>
+                <a:ea typeface="+mn-ea"/>
+                <a:cs typeface="Arial" panose="020B0604020202020204" pitchFamily="34" charset="0"/>
+              </a:rPr>
+              <a:t>dolor</a:t>
+            </a:r>
+            <a:r>
+              <a:rPr lang="en-GB" sz="1400" b="0" i="0" kern="1200" dirty="0">
+                <a:solidFill>
+                  <a:srgbClr val="63666A"/>
+                </a:solidFill>
+                <a:effectLst/>
+                <a:latin typeface="Arial" panose="020B0604020202020204" pitchFamily="34" charset="0"/>
+                <a:ea typeface="+mn-ea"/>
+                <a:cs typeface="Arial" panose="020B0604020202020204" pitchFamily="34" charset="0"/>
+              </a:rPr>
+              <a:t> sit </a:t>
+            </a:r>
+            <a:r>
+              <a:rPr lang="en-GB" sz="1400" b="0" i="0" kern="1200" dirty="0" err="1">
+                <a:solidFill>
+                  <a:srgbClr val="63666A"/>
+                </a:solidFill>
+                <a:effectLst/>
+                <a:latin typeface="Arial" panose="020B0604020202020204" pitchFamily="34" charset="0"/>
+                <a:ea typeface="+mn-ea"/>
+                <a:cs typeface="Arial" panose="020B0604020202020204" pitchFamily="34" charset="0"/>
+              </a:rPr>
+              <a:t>amet</a:t>
+            </a:r>
+            <a:r>
+              <a:rPr lang="en-GB" sz="1400" b="0" i="0" kern="1200" dirty="0">
+                <a:solidFill>
+                  <a:srgbClr val="63666A"/>
+                </a:solidFill>
+                <a:effectLst/>
+                <a:latin typeface="Arial" panose="020B0604020202020204" pitchFamily="34" charset="0"/>
+                <a:ea typeface="+mn-ea"/>
+                <a:cs typeface="Arial" panose="020B0604020202020204" pitchFamily="34" charset="0"/>
+              </a:rPr>
+              <a:t>, </a:t>
+            </a:r>
+            <a:r>
+              <a:rPr lang="en-GB" sz="1400" b="0" i="0" kern="1200" dirty="0" err="1">
+                <a:solidFill>
+                  <a:srgbClr val="63666A"/>
+                </a:solidFill>
+                <a:effectLst/>
+                <a:latin typeface="Arial" panose="020B0604020202020204" pitchFamily="34" charset="0"/>
+                <a:ea typeface="+mn-ea"/>
+                <a:cs typeface="Arial" panose="020B0604020202020204" pitchFamily="34" charset="0"/>
+              </a:rPr>
+              <a:t>consectetur</a:t>
+            </a:r>
+            <a:r>
+              <a:rPr lang="en-GB" sz="1400" b="0" i="0" kern="1200" dirty="0">
+                <a:solidFill>
+                  <a:srgbClr val="63666A"/>
+                </a:solidFill>
+                <a:effectLst/>
+                <a:latin typeface="Arial" panose="020B0604020202020204" pitchFamily="34" charset="0"/>
+                <a:ea typeface="+mn-ea"/>
+                <a:cs typeface="Arial" panose="020B0604020202020204" pitchFamily="34" charset="0"/>
+              </a:rPr>
+              <a:t> </a:t>
+            </a:r>
+            <a:r>
+              <a:rPr lang="en-GB" sz="1400" b="0" i="0" kern="1200" dirty="0" err="1">
+                <a:solidFill>
+                  <a:srgbClr val="63666A"/>
+                </a:solidFill>
+                <a:effectLst/>
+                <a:latin typeface="Arial" panose="020B0604020202020204" pitchFamily="34" charset="0"/>
+                <a:ea typeface="+mn-ea"/>
+                <a:cs typeface="Arial" panose="020B0604020202020204" pitchFamily="34" charset="0"/>
+              </a:rPr>
+              <a:t>adipiscing</a:t>
+            </a:r>
+            <a:r>
+              <a:rPr lang="en-GB" sz="1400" b="0" i="0" kern="1200" dirty="0">
+                <a:solidFill>
+                  <a:srgbClr val="63666A"/>
+                </a:solidFill>
+                <a:effectLst/>
+                <a:latin typeface="Arial" panose="020B0604020202020204" pitchFamily="34" charset="0"/>
+                <a:ea typeface="+mn-ea"/>
+                <a:cs typeface="Arial" panose="020B0604020202020204" pitchFamily="34" charset="0"/>
+              </a:rPr>
+              <a:t> </a:t>
+            </a:r>
+            <a:r>
+              <a:rPr lang="en-GB" sz="1400" b="0" i="0" kern="1200" dirty="0" err="1">
+                <a:solidFill>
+                  <a:srgbClr val="63666A"/>
+                </a:solidFill>
+                <a:effectLst/>
+                <a:latin typeface="Arial" panose="020B0604020202020204" pitchFamily="34" charset="0"/>
+                <a:ea typeface="+mn-ea"/>
+                <a:cs typeface="Arial" panose="020B0604020202020204" pitchFamily="34" charset="0"/>
+              </a:rPr>
+              <a:t>elit</a:t>
+            </a:r>
+            <a:r>
+              <a:rPr lang="en-GB" sz="1400" b="0" i="0" kern="1200" dirty="0">
+                <a:solidFill>
+                  <a:srgbClr val="63666A"/>
+                </a:solidFill>
+                <a:effectLst/>
+                <a:latin typeface="Arial" panose="020B0604020202020204" pitchFamily="34" charset="0"/>
+                <a:ea typeface="+mn-ea"/>
+                <a:cs typeface="Arial" panose="020B0604020202020204" pitchFamily="34" charset="0"/>
+              </a:rPr>
+              <a:t>, </a:t>
+            </a:r>
+            <a:r>
+              <a:rPr lang="en-GB" sz="1400" b="0" i="0" kern="1200" dirty="0" err="1">
+                <a:solidFill>
+                  <a:srgbClr val="63666A"/>
+                </a:solidFill>
+                <a:effectLst/>
+                <a:latin typeface="Arial" panose="020B0604020202020204" pitchFamily="34" charset="0"/>
+                <a:ea typeface="+mn-ea"/>
+                <a:cs typeface="Arial" panose="020B0604020202020204" pitchFamily="34" charset="0"/>
+              </a:rPr>
+              <a:t>sed</a:t>
+            </a:r>
+            <a:r>
+              <a:rPr lang="en-GB" sz="1400" b="0" i="0" kern="1200" dirty="0">
+                <a:solidFill>
+                  <a:srgbClr val="63666A"/>
+                </a:solidFill>
+                <a:effectLst/>
+                <a:latin typeface="Arial" panose="020B0604020202020204" pitchFamily="34" charset="0"/>
+                <a:ea typeface="+mn-ea"/>
+                <a:cs typeface="Arial" panose="020B0604020202020204" pitchFamily="34" charset="0"/>
+              </a:rPr>
+              <a:t> do </a:t>
+            </a:r>
+            <a:r>
+              <a:rPr lang="en-GB" sz="1400" b="0" i="0" kern="1200" dirty="0" err="1">
+                <a:solidFill>
+                  <a:srgbClr val="63666A"/>
+                </a:solidFill>
+                <a:effectLst/>
+                <a:latin typeface="Arial" panose="020B0604020202020204" pitchFamily="34" charset="0"/>
+                <a:ea typeface="+mn-ea"/>
+                <a:cs typeface="Arial" panose="020B0604020202020204" pitchFamily="34" charset="0"/>
+              </a:rPr>
+              <a:t>eiusmod</a:t>
+            </a:r>
+            <a:r>
+              <a:rPr lang="en-GB" sz="1400" b="0" i="0" kern="1200" dirty="0">
+                <a:solidFill>
+                  <a:srgbClr val="63666A"/>
+                </a:solidFill>
+                <a:effectLst/>
+                <a:latin typeface="Arial" panose="020B0604020202020204" pitchFamily="34" charset="0"/>
+                <a:ea typeface="+mn-ea"/>
+                <a:cs typeface="Arial" panose="020B0604020202020204" pitchFamily="34" charset="0"/>
+              </a:rPr>
+              <a:t> </a:t>
+            </a:r>
+            <a:r>
+              <a:rPr lang="en-GB" sz="1400" b="0" i="0" kern="1200" dirty="0" err="1">
+                <a:solidFill>
+                  <a:srgbClr val="63666A"/>
+                </a:solidFill>
+                <a:effectLst/>
+                <a:latin typeface="Arial" panose="020B0604020202020204" pitchFamily="34" charset="0"/>
+                <a:ea typeface="+mn-ea"/>
+                <a:cs typeface="Arial" panose="020B0604020202020204" pitchFamily="34" charset="0"/>
+              </a:rPr>
+              <a:t>tempor</a:t>
+            </a:r>
+            <a:r>
+              <a:rPr lang="en-GB" sz="1400" b="0" i="0" kern="1200" dirty="0">
+                <a:solidFill>
+                  <a:srgbClr val="63666A"/>
+                </a:solidFill>
+                <a:effectLst/>
+                <a:latin typeface="Arial" panose="020B0604020202020204" pitchFamily="34" charset="0"/>
+                <a:ea typeface="+mn-ea"/>
+                <a:cs typeface="Arial" panose="020B0604020202020204" pitchFamily="34" charset="0"/>
+              </a:rPr>
+              <a:t> </a:t>
+            </a:r>
+            <a:r>
+              <a:rPr lang="en-GB" sz="1400" b="0" i="0" kern="1200" dirty="0" err="1">
+                <a:solidFill>
+                  <a:srgbClr val="63666A"/>
+                </a:solidFill>
+                <a:effectLst/>
+                <a:latin typeface="Arial" panose="020B0604020202020204" pitchFamily="34" charset="0"/>
+                <a:ea typeface="+mn-ea"/>
+                <a:cs typeface="Arial" panose="020B0604020202020204" pitchFamily="34" charset="0"/>
+              </a:rPr>
+              <a:t>incididunt</a:t>
+            </a:r>
+            <a:r>
+              <a:rPr lang="en-GB" sz="1400" b="0" i="0" kern="1200" dirty="0">
+                <a:solidFill>
+                  <a:srgbClr val="63666A"/>
+                </a:solidFill>
+                <a:effectLst/>
+                <a:latin typeface="Arial" panose="020B0604020202020204" pitchFamily="34" charset="0"/>
+                <a:ea typeface="+mn-ea"/>
+                <a:cs typeface="Arial" panose="020B0604020202020204" pitchFamily="34" charset="0"/>
+              </a:rPr>
+              <a:t> </a:t>
+            </a:r>
+            <a:r>
+              <a:rPr lang="en-GB" sz="1400" b="0" i="0" kern="1200" dirty="0" err="1">
+                <a:solidFill>
+                  <a:srgbClr val="63666A"/>
+                </a:solidFill>
+                <a:effectLst/>
+                <a:latin typeface="Arial" panose="020B0604020202020204" pitchFamily="34" charset="0"/>
+                <a:ea typeface="+mn-ea"/>
+                <a:cs typeface="Arial" panose="020B0604020202020204" pitchFamily="34" charset="0"/>
+              </a:rPr>
+              <a:t>ut</a:t>
+            </a:r>
+            <a:r>
+              <a:rPr lang="en-GB" sz="1400" b="0" i="0" kern="1200" dirty="0">
+                <a:solidFill>
+                  <a:srgbClr val="63666A"/>
+                </a:solidFill>
+                <a:effectLst/>
+                <a:latin typeface="Arial" panose="020B0604020202020204" pitchFamily="34" charset="0"/>
+                <a:ea typeface="+mn-ea"/>
+                <a:cs typeface="Arial" panose="020B0604020202020204" pitchFamily="34" charset="0"/>
+              </a:rPr>
+              <a:t> </a:t>
+            </a:r>
+            <a:r>
+              <a:rPr lang="en-GB" sz="1400" b="0" i="0" kern="1200" dirty="0" err="1">
+                <a:solidFill>
+                  <a:srgbClr val="63666A"/>
+                </a:solidFill>
+                <a:effectLst/>
+                <a:latin typeface="Arial" panose="020B0604020202020204" pitchFamily="34" charset="0"/>
+                <a:ea typeface="+mn-ea"/>
+                <a:cs typeface="Arial" panose="020B0604020202020204" pitchFamily="34" charset="0"/>
+              </a:rPr>
+              <a:t>labore</a:t>
+            </a:r>
+            <a:r>
+              <a:rPr lang="en-GB" sz="1400" b="0" i="0" kern="1200" dirty="0">
+                <a:solidFill>
+                  <a:srgbClr val="63666A"/>
+                </a:solidFill>
+                <a:effectLst/>
+                <a:latin typeface="Arial" panose="020B0604020202020204" pitchFamily="34" charset="0"/>
+                <a:ea typeface="+mn-ea"/>
+                <a:cs typeface="Arial" panose="020B0604020202020204" pitchFamily="34" charset="0"/>
+              </a:rPr>
+              <a:t> et </a:t>
+            </a:r>
+            <a:r>
+              <a:rPr lang="en-GB" sz="1400" b="0" i="0" kern="1200" dirty="0" err="1">
+                <a:solidFill>
+                  <a:srgbClr val="63666A"/>
+                </a:solidFill>
+                <a:effectLst/>
+                <a:latin typeface="Arial" panose="020B0604020202020204" pitchFamily="34" charset="0"/>
+                <a:ea typeface="+mn-ea"/>
+                <a:cs typeface="Arial" panose="020B0604020202020204" pitchFamily="34" charset="0"/>
+              </a:rPr>
+              <a:t>dolore</a:t>
+            </a:r>
+            <a:r>
+              <a:rPr lang="en-GB" sz="1400" b="0" i="0" kern="1200" dirty="0">
+                <a:solidFill>
+                  <a:srgbClr val="63666A"/>
+                </a:solidFill>
+                <a:effectLst/>
+                <a:latin typeface="Arial" panose="020B0604020202020204" pitchFamily="34" charset="0"/>
+                <a:ea typeface="+mn-ea"/>
+                <a:cs typeface="Arial" panose="020B0604020202020204" pitchFamily="34" charset="0"/>
+              </a:rPr>
+              <a:t> magna </a:t>
+            </a:r>
+            <a:r>
+              <a:rPr lang="en-GB" sz="1400" b="0" i="0" kern="1200" dirty="0" err="1">
+                <a:solidFill>
+                  <a:srgbClr val="63666A"/>
+                </a:solidFill>
+                <a:effectLst/>
+                <a:latin typeface="Arial" panose="020B0604020202020204" pitchFamily="34" charset="0"/>
+                <a:ea typeface="+mn-ea"/>
+                <a:cs typeface="Arial" panose="020B0604020202020204" pitchFamily="34" charset="0"/>
+              </a:rPr>
+              <a:t>aliqua</a:t>
+            </a:r>
+            <a:r>
+              <a:rPr lang="en-GB" sz="1400" b="0" i="0" kern="1200" dirty="0">
+                <a:solidFill>
+                  <a:srgbClr val="63666A"/>
+                </a:solidFill>
+                <a:effectLst/>
+                <a:latin typeface="Arial" panose="020B0604020202020204" pitchFamily="34" charset="0"/>
+                <a:ea typeface="+mn-ea"/>
+                <a:cs typeface="Arial" panose="020B0604020202020204" pitchFamily="34" charset="0"/>
+              </a:rPr>
+              <a:t>. </a:t>
+            </a:r>
+            <a:r>
+              <a:rPr lang="en-GB" sz="1400" b="0" i="0" kern="1200" dirty="0" err="1">
+                <a:solidFill>
+                  <a:srgbClr val="63666A"/>
+                </a:solidFill>
+                <a:effectLst/>
+                <a:latin typeface="Arial" panose="020B0604020202020204" pitchFamily="34" charset="0"/>
+                <a:ea typeface="+mn-ea"/>
+                <a:cs typeface="Arial" panose="020B0604020202020204" pitchFamily="34" charset="0"/>
+              </a:rPr>
+              <a:t>Ut</a:t>
+            </a:r>
+            <a:r>
+              <a:rPr lang="en-GB" sz="1400" b="0" i="0" kern="1200" dirty="0">
+                <a:solidFill>
+                  <a:srgbClr val="63666A"/>
+                </a:solidFill>
+                <a:effectLst/>
+                <a:latin typeface="Arial" panose="020B0604020202020204" pitchFamily="34" charset="0"/>
+                <a:ea typeface="+mn-ea"/>
+                <a:cs typeface="Arial" panose="020B0604020202020204" pitchFamily="34" charset="0"/>
+              </a:rPr>
+              <a:t> </a:t>
+            </a:r>
+            <a:r>
+              <a:rPr lang="en-GB" sz="1400" b="0" i="0" kern="1200" dirty="0" err="1">
+                <a:solidFill>
+                  <a:srgbClr val="63666A"/>
+                </a:solidFill>
+                <a:effectLst/>
+                <a:latin typeface="Arial" panose="020B0604020202020204" pitchFamily="34" charset="0"/>
+                <a:ea typeface="+mn-ea"/>
+                <a:cs typeface="Arial" panose="020B0604020202020204" pitchFamily="34" charset="0"/>
+              </a:rPr>
+              <a:t>enim</a:t>
+            </a:r>
+            <a:r>
+              <a:rPr lang="en-GB" sz="1400" b="0" i="0" kern="1200" dirty="0">
+                <a:solidFill>
+                  <a:srgbClr val="63666A"/>
+                </a:solidFill>
+                <a:effectLst/>
+                <a:latin typeface="Arial" panose="020B0604020202020204" pitchFamily="34" charset="0"/>
+                <a:ea typeface="+mn-ea"/>
+                <a:cs typeface="Arial" panose="020B0604020202020204" pitchFamily="34" charset="0"/>
+              </a:rPr>
+              <a:t> ad minim </a:t>
+            </a:r>
+            <a:r>
+              <a:rPr lang="en-GB" sz="1400" b="0" i="0" kern="1200" dirty="0" err="1">
+                <a:solidFill>
+                  <a:srgbClr val="63666A"/>
+                </a:solidFill>
+                <a:effectLst/>
+                <a:latin typeface="Arial" panose="020B0604020202020204" pitchFamily="34" charset="0"/>
+                <a:ea typeface="+mn-ea"/>
+                <a:cs typeface="Arial" panose="020B0604020202020204" pitchFamily="34" charset="0"/>
+              </a:rPr>
+              <a:t>veniam</a:t>
+            </a:r>
+            <a:r>
+              <a:rPr lang="en-GB" sz="1400" b="0" i="0" kern="1200" dirty="0">
+                <a:solidFill>
+                  <a:srgbClr val="63666A"/>
+                </a:solidFill>
+                <a:effectLst/>
+                <a:latin typeface="Arial" panose="020B0604020202020204" pitchFamily="34" charset="0"/>
+                <a:ea typeface="+mn-ea"/>
+                <a:cs typeface="Arial" panose="020B0604020202020204" pitchFamily="34" charset="0"/>
+              </a:rPr>
+              <a:t>, </a:t>
+            </a:r>
+            <a:r>
+              <a:rPr lang="en-GB" sz="1400" b="0" i="0" kern="1200" dirty="0" err="1">
+                <a:solidFill>
+                  <a:srgbClr val="63666A"/>
+                </a:solidFill>
+                <a:effectLst/>
+                <a:latin typeface="Arial" panose="020B0604020202020204" pitchFamily="34" charset="0"/>
+                <a:ea typeface="+mn-ea"/>
+                <a:cs typeface="Arial" panose="020B0604020202020204" pitchFamily="34" charset="0"/>
+              </a:rPr>
+              <a:t>quis</a:t>
+            </a:r>
+            <a:r>
+              <a:rPr lang="en-GB" sz="1400" b="0" i="0" kern="1200" dirty="0">
+                <a:solidFill>
+                  <a:srgbClr val="63666A"/>
+                </a:solidFill>
+                <a:effectLst/>
+                <a:latin typeface="Arial" panose="020B0604020202020204" pitchFamily="34" charset="0"/>
+                <a:ea typeface="+mn-ea"/>
+                <a:cs typeface="Arial" panose="020B0604020202020204" pitchFamily="34" charset="0"/>
+              </a:rPr>
+              <a:t> </a:t>
+            </a:r>
+            <a:r>
+              <a:rPr lang="en-GB" sz="1400" b="0" i="0" kern="1200" dirty="0" err="1">
+                <a:solidFill>
+                  <a:srgbClr val="63666A"/>
+                </a:solidFill>
+                <a:effectLst/>
+                <a:latin typeface="Arial" panose="020B0604020202020204" pitchFamily="34" charset="0"/>
+                <a:ea typeface="+mn-ea"/>
+                <a:cs typeface="Arial" panose="020B0604020202020204" pitchFamily="34" charset="0"/>
+              </a:rPr>
+              <a:t>nostrud</a:t>
+            </a:r>
+            <a:r>
+              <a:rPr lang="en-GB" sz="1400" b="0" i="0" kern="1200" dirty="0">
+                <a:solidFill>
+                  <a:srgbClr val="63666A"/>
+                </a:solidFill>
+                <a:effectLst/>
+                <a:latin typeface="Arial" panose="020B0604020202020204" pitchFamily="34" charset="0"/>
+                <a:ea typeface="+mn-ea"/>
+                <a:cs typeface="Arial" panose="020B0604020202020204" pitchFamily="34" charset="0"/>
+              </a:rPr>
+              <a:t> exercitation </a:t>
+            </a:r>
+            <a:r>
+              <a:rPr lang="en-GB" sz="1400" b="0" i="0" kern="1200" dirty="0" err="1">
+                <a:solidFill>
+                  <a:srgbClr val="63666A"/>
+                </a:solidFill>
+                <a:effectLst/>
+                <a:latin typeface="Arial" panose="020B0604020202020204" pitchFamily="34" charset="0"/>
+                <a:ea typeface="+mn-ea"/>
+                <a:cs typeface="Arial" panose="020B0604020202020204" pitchFamily="34" charset="0"/>
+              </a:rPr>
+              <a:t>ullamco</a:t>
+            </a:r>
+            <a:r>
+              <a:rPr lang="en-GB" sz="1400" b="0" i="0" kern="1200" dirty="0">
+                <a:solidFill>
+                  <a:srgbClr val="63666A"/>
+                </a:solidFill>
+                <a:effectLst/>
+                <a:latin typeface="Arial" panose="020B0604020202020204" pitchFamily="34" charset="0"/>
+                <a:ea typeface="+mn-ea"/>
+                <a:cs typeface="Arial" panose="020B0604020202020204" pitchFamily="34" charset="0"/>
+              </a:rPr>
+              <a:t>.</a:t>
+            </a:r>
+            <a:endParaRPr lang="en-US" sz="1400" dirty="0"/>
+          </a:p>
+          <a:p>
+            <a:pPr marL="0" marR="0" lvl="0" indent="0" algn="l" defTabSz="914400" rtl="0" eaLnBrk="1" fontAlgn="auto" latinLnBrk="0" hangingPunct="1">
+              <a:lnSpc>
+                <a:spcPct val="100000"/>
+              </a:lnSpc>
+              <a:spcBef>
+                <a:spcPts val="600"/>
+              </a:spcBef>
+              <a:spcAft>
+                <a:spcPts val="0"/>
+              </a:spcAft>
+              <a:buClrTx/>
+              <a:buSzTx/>
+              <a:buFont typeface="Arial" panose="020B0604020202020204" pitchFamily="34" charset="0"/>
+              <a:buNone/>
+              <a:tabLst/>
+              <a:defRPr/>
+            </a:pPr>
+            <a:r>
+              <a:rPr lang="en-GB" sz="1400" b="0" i="0" kern="1200" dirty="0">
+                <a:solidFill>
+                  <a:srgbClr val="63666A"/>
+                </a:solidFill>
+                <a:effectLst/>
+                <a:latin typeface="Arial" panose="020B0604020202020204" pitchFamily="34" charset="0"/>
+                <a:ea typeface="+mn-ea"/>
+                <a:cs typeface="Arial" panose="020B0604020202020204" pitchFamily="34" charset="0"/>
+              </a:rPr>
+              <a:t>Lorem ipsum </a:t>
+            </a:r>
+            <a:r>
+              <a:rPr lang="en-GB" sz="1400" b="0" i="0" kern="1200" dirty="0" err="1">
+                <a:solidFill>
+                  <a:srgbClr val="63666A"/>
+                </a:solidFill>
+                <a:effectLst/>
+                <a:latin typeface="Arial" panose="020B0604020202020204" pitchFamily="34" charset="0"/>
+                <a:ea typeface="+mn-ea"/>
+                <a:cs typeface="Arial" panose="020B0604020202020204" pitchFamily="34" charset="0"/>
+              </a:rPr>
+              <a:t>dolor</a:t>
+            </a:r>
+            <a:r>
+              <a:rPr lang="en-GB" sz="1400" b="0" i="0" kern="1200" dirty="0">
+                <a:solidFill>
+                  <a:srgbClr val="63666A"/>
+                </a:solidFill>
+                <a:effectLst/>
+                <a:latin typeface="Arial" panose="020B0604020202020204" pitchFamily="34" charset="0"/>
+                <a:ea typeface="+mn-ea"/>
+                <a:cs typeface="Arial" panose="020B0604020202020204" pitchFamily="34" charset="0"/>
+              </a:rPr>
+              <a:t> sit </a:t>
+            </a:r>
+            <a:r>
+              <a:rPr lang="en-GB" sz="1400" b="0" i="0" kern="1200" dirty="0" err="1">
+                <a:solidFill>
+                  <a:srgbClr val="63666A"/>
+                </a:solidFill>
+                <a:effectLst/>
+                <a:latin typeface="Arial" panose="020B0604020202020204" pitchFamily="34" charset="0"/>
+                <a:ea typeface="+mn-ea"/>
+                <a:cs typeface="Arial" panose="020B0604020202020204" pitchFamily="34" charset="0"/>
+              </a:rPr>
+              <a:t>amet</a:t>
+            </a:r>
+            <a:r>
+              <a:rPr lang="en-GB" sz="1400" b="0" i="0" kern="1200" dirty="0">
+                <a:solidFill>
+                  <a:srgbClr val="63666A"/>
+                </a:solidFill>
+                <a:effectLst/>
+                <a:latin typeface="Arial" panose="020B0604020202020204" pitchFamily="34" charset="0"/>
+                <a:ea typeface="+mn-ea"/>
+                <a:cs typeface="Arial" panose="020B0604020202020204" pitchFamily="34" charset="0"/>
+              </a:rPr>
+              <a:t>, </a:t>
+            </a:r>
+            <a:r>
+              <a:rPr lang="en-GB" sz="1400" b="0" i="0" kern="1200" dirty="0" err="1">
+                <a:solidFill>
+                  <a:srgbClr val="63666A"/>
+                </a:solidFill>
+                <a:effectLst/>
+                <a:latin typeface="Arial" panose="020B0604020202020204" pitchFamily="34" charset="0"/>
+                <a:ea typeface="+mn-ea"/>
+                <a:cs typeface="Arial" panose="020B0604020202020204" pitchFamily="34" charset="0"/>
+              </a:rPr>
+              <a:t>consectetur</a:t>
+            </a:r>
+            <a:r>
+              <a:rPr lang="en-GB" sz="1400" b="0" i="0" kern="1200" dirty="0">
+                <a:solidFill>
+                  <a:srgbClr val="63666A"/>
+                </a:solidFill>
+                <a:effectLst/>
+                <a:latin typeface="Arial" panose="020B0604020202020204" pitchFamily="34" charset="0"/>
+                <a:ea typeface="+mn-ea"/>
+                <a:cs typeface="Arial" panose="020B0604020202020204" pitchFamily="34" charset="0"/>
+              </a:rPr>
+              <a:t> </a:t>
+            </a:r>
+            <a:r>
+              <a:rPr lang="en-GB" sz="1400" b="0" i="0" kern="1200" dirty="0" err="1">
+                <a:solidFill>
+                  <a:srgbClr val="63666A"/>
+                </a:solidFill>
+                <a:effectLst/>
+                <a:latin typeface="Arial" panose="020B0604020202020204" pitchFamily="34" charset="0"/>
+                <a:ea typeface="+mn-ea"/>
+                <a:cs typeface="Arial" panose="020B0604020202020204" pitchFamily="34" charset="0"/>
+              </a:rPr>
+              <a:t>adipiscing</a:t>
+            </a:r>
+            <a:r>
+              <a:rPr lang="en-GB" sz="1400" b="0" i="0" kern="1200" dirty="0">
+                <a:solidFill>
+                  <a:srgbClr val="63666A"/>
+                </a:solidFill>
+                <a:effectLst/>
+                <a:latin typeface="Arial" panose="020B0604020202020204" pitchFamily="34" charset="0"/>
+                <a:ea typeface="+mn-ea"/>
+                <a:cs typeface="Arial" panose="020B0604020202020204" pitchFamily="34" charset="0"/>
+              </a:rPr>
+              <a:t> </a:t>
+            </a:r>
+            <a:r>
+              <a:rPr lang="en-GB" sz="1400" b="0" i="0" kern="1200" dirty="0" err="1">
+                <a:solidFill>
+                  <a:srgbClr val="63666A"/>
+                </a:solidFill>
+                <a:effectLst/>
+                <a:latin typeface="Arial" panose="020B0604020202020204" pitchFamily="34" charset="0"/>
+                <a:ea typeface="+mn-ea"/>
+                <a:cs typeface="Arial" panose="020B0604020202020204" pitchFamily="34" charset="0"/>
+              </a:rPr>
+              <a:t>elit</a:t>
+            </a:r>
+            <a:r>
+              <a:rPr lang="en-GB" sz="1400" b="0" i="0" kern="1200" dirty="0">
+                <a:solidFill>
+                  <a:srgbClr val="63666A"/>
+                </a:solidFill>
+                <a:effectLst/>
+                <a:latin typeface="Arial" panose="020B0604020202020204" pitchFamily="34" charset="0"/>
+                <a:ea typeface="+mn-ea"/>
+                <a:cs typeface="Arial" panose="020B0604020202020204" pitchFamily="34" charset="0"/>
+              </a:rPr>
+              <a:t>, </a:t>
+            </a:r>
+            <a:r>
+              <a:rPr lang="en-GB" sz="1400" b="0" i="0" kern="1200" dirty="0" err="1">
+                <a:solidFill>
+                  <a:srgbClr val="63666A"/>
+                </a:solidFill>
+                <a:effectLst/>
+                <a:latin typeface="Arial" panose="020B0604020202020204" pitchFamily="34" charset="0"/>
+                <a:ea typeface="+mn-ea"/>
+                <a:cs typeface="Arial" panose="020B0604020202020204" pitchFamily="34" charset="0"/>
+              </a:rPr>
+              <a:t>sed</a:t>
+            </a:r>
+            <a:r>
+              <a:rPr lang="en-GB" sz="1400" b="0" i="0" kern="1200" dirty="0">
+                <a:solidFill>
+                  <a:srgbClr val="63666A"/>
+                </a:solidFill>
+                <a:effectLst/>
+                <a:latin typeface="Arial" panose="020B0604020202020204" pitchFamily="34" charset="0"/>
+                <a:ea typeface="+mn-ea"/>
+                <a:cs typeface="Arial" panose="020B0604020202020204" pitchFamily="34" charset="0"/>
+              </a:rPr>
+              <a:t> do </a:t>
+            </a:r>
+            <a:r>
+              <a:rPr lang="en-GB" sz="1400" b="0" i="0" kern="1200" dirty="0" err="1">
+                <a:solidFill>
+                  <a:srgbClr val="63666A"/>
+                </a:solidFill>
+                <a:effectLst/>
+                <a:latin typeface="Arial" panose="020B0604020202020204" pitchFamily="34" charset="0"/>
+                <a:ea typeface="+mn-ea"/>
+                <a:cs typeface="Arial" panose="020B0604020202020204" pitchFamily="34" charset="0"/>
+              </a:rPr>
+              <a:t>eiusmod</a:t>
+            </a:r>
+            <a:r>
+              <a:rPr lang="en-GB" sz="1400" b="0" i="0" kern="1200" dirty="0">
+                <a:solidFill>
+                  <a:srgbClr val="63666A"/>
+                </a:solidFill>
+                <a:effectLst/>
+                <a:latin typeface="Arial" panose="020B0604020202020204" pitchFamily="34" charset="0"/>
+                <a:ea typeface="+mn-ea"/>
+                <a:cs typeface="Arial" panose="020B0604020202020204" pitchFamily="34" charset="0"/>
+              </a:rPr>
+              <a:t> </a:t>
+            </a:r>
+            <a:r>
+              <a:rPr lang="en-GB" sz="1400" b="0" i="0" kern="1200" dirty="0" err="1">
+                <a:solidFill>
+                  <a:srgbClr val="63666A"/>
+                </a:solidFill>
+                <a:effectLst/>
+                <a:latin typeface="Arial" panose="020B0604020202020204" pitchFamily="34" charset="0"/>
+                <a:ea typeface="+mn-ea"/>
+                <a:cs typeface="Arial" panose="020B0604020202020204" pitchFamily="34" charset="0"/>
+              </a:rPr>
+              <a:t>tempor</a:t>
+            </a:r>
+            <a:r>
+              <a:rPr lang="en-GB" sz="1400" b="0" i="0" kern="1200" dirty="0">
+                <a:solidFill>
+                  <a:srgbClr val="63666A"/>
+                </a:solidFill>
+                <a:effectLst/>
+                <a:latin typeface="Arial" panose="020B0604020202020204" pitchFamily="34" charset="0"/>
+                <a:ea typeface="+mn-ea"/>
+                <a:cs typeface="Arial" panose="020B0604020202020204" pitchFamily="34" charset="0"/>
+              </a:rPr>
+              <a:t> </a:t>
+            </a:r>
+            <a:r>
+              <a:rPr lang="en-GB" sz="1400" b="0" i="0" kern="1200" dirty="0" err="1">
+                <a:solidFill>
+                  <a:srgbClr val="63666A"/>
+                </a:solidFill>
+                <a:effectLst/>
+                <a:latin typeface="Arial" panose="020B0604020202020204" pitchFamily="34" charset="0"/>
+                <a:ea typeface="+mn-ea"/>
+                <a:cs typeface="Arial" panose="020B0604020202020204" pitchFamily="34" charset="0"/>
+              </a:rPr>
+              <a:t>incididunt</a:t>
+            </a:r>
+            <a:r>
+              <a:rPr lang="en-GB" sz="1400" b="0" i="0" kern="1200" dirty="0">
+                <a:solidFill>
+                  <a:srgbClr val="63666A"/>
+                </a:solidFill>
+                <a:effectLst/>
+                <a:latin typeface="Arial" panose="020B0604020202020204" pitchFamily="34" charset="0"/>
+                <a:ea typeface="+mn-ea"/>
+                <a:cs typeface="Arial" panose="020B0604020202020204" pitchFamily="34" charset="0"/>
+              </a:rPr>
+              <a:t> </a:t>
+            </a:r>
+            <a:r>
+              <a:rPr lang="en-GB" sz="1400" b="0" i="0" kern="1200" dirty="0" err="1">
+                <a:solidFill>
+                  <a:srgbClr val="63666A"/>
+                </a:solidFill>
+                <a:effectLst/>
+                <a:latin typeface="Arial" panose="020B0604020202020204" pitchFamily="34" charset="0"/>
+                <a:ea typeface="+mn-ea"/>
+                <a:cs typeface="Arial" panose="020B0604020202020204" pitchFamily="34" charset="0"/>
+              </a:rPr>
+              <a:t>ut</a:t>
+            </a:r>
+            <a:r>
+              <a:rPr lang="en-GB" sz="1400" b="0" i="0" kern="1200" dirty="0">
+                <a:solidFill>
+                  <a:srgbClr val="63666A"/>
+                </a:solidFill>
+                <a:effectLst/>
+                <a:latin typeface="Arial" panose="020B0604020202020204" pitchFamily="34" charset="0"/>
+                <a:ea typeface="+mn-ea"/>
+                <a:cs typeface="Arial" panose="020B0604020202020204" pitchFamily="34" charset="0"/>
+              </a:rPr>
+              <a:t> </a:t>
+            </a:r>
+            <a:r>
+              <a:rPr lang="en-GB" sz="1400" b="0" i="0" kern="1200" dirty="0" err="1">
+                <a:solidFill>
+                  <a:srgbClr val="63666A"/>
+                </a:solidFill>
+                <a:effectLst/>
+                <a:latin typeface="Arial" panose="020B0604020202020204" pitchFamily="34" charset="0"/>
+                <a:ea typeface="+mn-ea"/>
+                <a:cs typeface="Arial" panose="020B0604020202020204" pitchFamily="34" charset="0"/>
+              </a:rPr>
+              <a:t>labore</a:t>
+            </a:r>
+            <a:r>
+              <a:rPr lang="en-GB" sz="1400" b="0" i="0" kern="1200" dirty="0">
+                <a:solidFill>
+                  <a:srgbClr val="63666A"/>
+                </a:solidFill>
+                <a:effectLst/>
+                <a:latin typeface="Arial" panose="020B0604020202020204" pitchFamily="34" charset="0"/>
+                <a:ea typeface="+mn-ea"/>
+                <a:cs typeface="Arial" panose="020B0604020202020204" pitchFamily="34" charset="0"/>
+              </a:rPr>
+              <a:t> et </a:t>
+            </a:r>
+            <a:r>
+              <a:rPr lang="en-GB" sz="1400" b="0" i="0" kern="1200" dirty="0" err="1">
+                <a:solidFill>
+                  <a:srgbClr val="63666A"/>
+                </a:solidFill>
+                <a:effectLst/>
+                <a:latin typeface="Arial" panose="020B0604020202020204" pitchFamily="34" charset="0"/>
+                <a:ea typeface="+mn-ea"/>
+                <a:cs typeface="Arial" panose="020B0604020202020204" pitchFamily="34" charset="0"/>
+              </a:rPr>
+              <a:t>dolore</a:t>
+            </a:r>
+            <a:r>
+              <a:rPr lang="en-GB" sz="1400" b="0" i="0" kern="1200" dirty="0">
+                <a:solidFill>
+                  <a:srgbClr val="63666A"/>
+                </a:solidFill>
+                <a:effectLst/>
+                <a:latin typeface="Arial" panose="020B0604020202020204" pitchFamily="34" charset="0"/>
+                <a:ea typeface="+mn-ea"/>
+                <a:cs typeface="Arial" panose="020B0604020202020204" pitchFamily="34" charset="0"/>
+              </a:rPr>
+              <a:t> magna </a:t>
+            </a:r>
+            <a:r>
+              <a:rPr lang="en-GB" sz="1400" b="0" i="0" kern="1200" dirty="0" err="1">
+                <a:solidFill>
+                  <a:srgbClr val="63666A"/>
+                </a:solidFill>
+                <a:effectLst/>
+                <a:latin typeface="Arial" panose="020B0604020202020204" pitchFamily="34" charset="0"/>
+                <a:ea typeface="+mn-ea"/>
+                <a:cs typeface="Arial" panose="020B0604020202020204" pitchFamily="34" charset="0"/>
+              </a:rPr>
+              <a:t>aliqua</a:t>
+            </a:r>
+            <a:r>
+              <a:rPr lang="en-GB" sz="1400" b="0" i="0" kern="1200" dirty="0">
+                <a:solidFill>
+                  <a:srgbClr val="63666A"/>
+                </a:solidFill>
+                <a:effectLst/>
+                <a:latin typeface="Arial" panose="020B0604020202020204" pitchFamily="34" charset="0"/>
+                <a:ea typeface="+mn-ea"/>
+                <a:cs typeface="Arial" panose="020B0604020202020204" pitchFamily="34" charset="0"/>
+              </a:rPr>
+              <a:t>. </a:t>
+            </a:r>
+            <a:r>
+              <a:rPr lang="en-GB" sz="1400" b="0" i="0" kern="1200" dirty="0" err="1">
+                <a:solidFill>
+                  <a:srgbClr val="63666A"/>
+                </a:solidFill>
+                <a:effectLst/>
+                <a:latin typeface="Arial" panose="020B0604020202020204" pitchFamily="34" charset="0"/>
+                <a:ea typeface="+mn-ea"/>
+                <a:cs typeface="Arial" panose="020B0604020202020204" pitchFamily="34" charset="0"/>
+              </a:rPr>
+              <a:t>Ut</a:t>
+            </a:r>
+            <a:r>
+              <a:rPr lang="en-GB" sz="1400" b="0" i="0" kern="1200" dirty="0">
+                <a:solidFill>
+                  <a:srgbClr val="63666A"/>
+                </a:solidFill>
+                <a:effectLst/>
+                <a:latin typeface="Arial" panose="020B0604020202020204" pitchFamily="34" charset="0"/>
+                <a:ea typeface="+mn-ea"/>
+                <a:cs typeface="Arial" panose="020B0604020202020204" pitchFamily="34" charset="0"/>
+              </a:rPr>
+              <a:t> </a:t>
+            </a:r>
+            <a:r>
+              <a:rPr lang="en-GB" sz="1400" b="0" i="0" kern="1200" dirty="0" err="1">
+                <a:solidFill>
+                  <a:srgbClr val="63666A"/>
+                </a:solidFill>
+                <a:effectLst/>
+                <a:latin typeface="Arial" panose="020B0604020202020204" pitchFamily="34" charset="0"/>
+                <a:ea typeface="+mn-ea"/>
+                <a:cs typeface="Arial" panose="020B0604020202020204" pitchFamily="34" charset="0"/>
+              </a:rPr>
+              <a:t>enim</a:t>
+            </a:r>
+            <a:r>
+              <a:rPr lang="en-GB" sz="1400" b="0" i="0" kern="1200" dirty="0">
+                <a:solidFill>
+                  <a:srgbClr val="63666A"/>
+                </a:solidFill>
+                <a:effectLst/>
+                <a:latin typeface="Arial" panose="020B0604020202020204" pitchFamily="34" charset="0"/>
+                <a:ea typeface="+mn-ea"/>
+                <a:cs typeface="Arial" panose="020B0604020202020204" pitchFamily="34" charset="0"/>
+              </a:rPr>
+              <a:t> ad minim </a:t>
+            </a:r>
+            <a:r>
+              <a:rPr lang="en-GB" sz="1400" b="0" i="0" kern="1200" dirty="0" err="1">
+                <a:solidFill>
+                  <a:srgbClr val="63666A"/>
+                </a:solidFill>
+                <a:effectLst/>
+                <a:latin typeface="Arial" panose="020B0604020202020204" pitchFamily="34" charset="0"/>
+                <a:ea typeface="+mn-ea"/>
+                <a:cs typeface="Arial" panose="020B0604020202020204" pitchFamily="34" charset="0"/>
+              </a:rPr>
+              <a:t>veniam</a:t>
+            </a:r>
+            <a:r>
+              <a:rPr lang="en-GB" sz="1400" b="0" i="0" kern="1200" dirty="0">
+                <a:solidFill>
+                  <a:srgbClr val="63666A"/>
+                </a:solidFill>
+                <a:effectLst/>
+                <a:latin typeface="Arial" panose="020B0604020202020204" pitchFamily="34" charset="0"/>
+                <a:ea typeface="+mn-ea"/>
+                <a:cs typeface="Arial" panose="020B0604020202020204" pitchFamily="34" charset="0"/>
+              </a:rPr>
+              <a:t>, </a:t>
+            </a:r>
+            <a:r>
+              <a:rPr lang="en-GB" sz="1400" b="0" i="0" kern="1200" dirty="0" err="1">
+                <a:solidFill>
+                  <a:srgbClr val="63666A"/>
+                </a:solidFill>
+                <a:effectLst/>
+                <a:latin typeface="Arial" panose="020B0604020202020204" pitchFamily="34" charset="0"/>
+                <a:ea typeface="+mn-ea"/>
+                <a:cs typeface="Arial" panose="020B0604020202020204" pitchFamily="34" charset="0"/>
+              </a:rPr>
+              <a:t>quis</a:t>
+            </a:r>
+            <a:r>
+              <a:rPr lang="en-GB" sz="1400" b="0" i="0" kern="1200" dirty="0">
+                <a:solidFill>
+                  <a:srgbClr val="63666A"/>
+                </a:solidFill>
+                <a:effectLst/>
+                <a:latin typeface="Arial" panose="020B0604020202020204" pitchFamily="34" charset="0"/>
+                <a:ea typeface="+mn-ea"/>
+                <a:cs typeface="Arial" panose="020B0604020202020204" pitchFamily="34" charset="0"/>
+              </a:rPr>
+              <a:t> </a:t>
+            </a:r>
+            <a:r>
+              <a:rPr lang="en-GB" sz="1400" b="0" i="0" kern="1200" dirty="0" err="1">
+                <a:solidFill>
+                  <a:srgbClr val="63666A"/>
+                </a:solidFill>
+                <a:effectLst/>
+                <a:latin typeface="Arial" panose="020B0604020202020204" pitchFamily="34" charset="0"/>
+                <a:ea typeface="+mn-ea"/>
+                <a:cs typeface="Arial" panose="020B0604020202020204" pitchFamily="34" charset="0"/>
+              </a:rPr>
+              <a:t>nostrud</a:t>
+            </a:r>
+            <a:r>
+              <a:rPr lang="en-GB" sz="1400" b="0" i="0" kern="1200" dirty="0">
+                <a:solidFill>
+                  <a:srgbClr val="63666A"/>
+                </a:solidFill>
+                <a:effectLst/>
+                <a:latin typeface="Arial" panose="020B0604020202020204" pitchFamily="34" charset="0"/>
+                <a:ea typeface="+mn-ea"/>
+                <a:cs typeface="Arial" panose="020B0604020202020204" pitchFamily="34" charset="0"/>
+              </a:rPr>
+              <a:t>.</a:t>
+            </a:r>
+            <a:endParaRPr lang="en-US" sz="1400" dirty="0"/>
+          </a:p>
+        </p:txBody>
+      </p:sp>
+    </p:spTree>
+    <p:extLst>
+      <p:ext uri="{BB962C8B-B14F-4D97-AF65-F5344CB8AC3E}">
+        <p14:creationId xmlns:p14="http://schemas.microsoft.com/office/powerpoint/2010/main" val="2419376408"/>
+      </p:ext>
+    </p:extLst>
+  </p:cSld>
+  <p:clrMapOvr>
+    <a:masterClrMapping/>
+  </p:clrMapOvr>
+</p:sldLayout>
+</file>
+
+<file path=ppt/slideLayouts/slideLayout5.xml><?xml version="1.0" encoding="utf-8"?>
+<p:sldLayout xmlns:a="http://schemas.openxmlformats.org/drawingml/2006/main" xmlns:r="http://schemas.openxmlformats.org/officeDocument/2006/relationships" xmlns:p="http://schemas.openxmlformats.org/presentationml/2006/main" preserve="1">
+  <p:cSld name="Content slide text only">
+    <p:spTree>
+      <p:nvGrpSpPr>
+        <p:cNvPr id="1" name=""/>
+        <p:cNvGrpSpPr/>
+        <p:nvPr/>
+      </p:nvGrpSpPr>
+      <p:grpSpPr>
+        <a:xfrm>
+          <a:off x="0" y="0"/>
+          <a:ext cx="0" cy="0"/>
+          <a:chOff x="0" y="0"/>
+          <a:chExt cx="0" cy="0"/>
+        </a:xfrm>
+      </p:grpSpPr>
+      <p:cxnSp>
+        <p:nvCxnSpPr>
+          <p:cNvPr id="18" name="Straight Connector 17"/>
+          <p:cNvCxnSpPr/>
+          <p:nvPr/>
+        </p:nvCxnSpPr>
+        <p:spPr>
+          <a:xfrm>
+            <a:off x="406400" y="1028700"/>
+            <a:ext cx="8424000" cy="0"/>
+          </a:xfrm>
+          <a:prstGeom prst="line">
+            <a:avLst/>
+          </a:prstGeom>
+          <a:ln>
+            <a:solidFill>
+              <a:schemeClr val="tx1"/>
+            </a:solidFill>
+          </a:ln>
+        </p:spPr>
+        <p:style>
+          <a:lnRef idx="1">
+            <a:schemeClr val="accent1"/>
+          </a:lnRef>
+          <a:fillRef idx="0">
+            <a:schemeClr val="accent1"/>
+          </a:fillRef>
+          <a:effectRef idx="0">
+            <a:schemeClr val="accent1"/>
+          </a:effectRef>
+          <a:fontRef idx="minor">
+            <a:schemeClr val="tx1"/>
+          </a:fontRef>
+        </p:style>
+      </p:cxnSp>
+      <p:sp>
+        <p:nvSpPr>
+          <p:cNvPr id="21" name="Title 1"/>
+          <p:cNvSpPr>
+            <a:spLocks noGrp="1"/>
+          </p:cNvSpPr>
+          <p:nvPr>
+            <p:ph type="ctrTitle" hasCustomPrompt="1"/>
+          </p:nvPr>
+        </p:nvSpPr>
+        <p:spPr>
+          <a:xfrm>
+            <a:off x="406400" y="313615"/>
+            <a:ext cx="8462100" cy="715085"/>
+          </a:xfrm>
+          <a:prstGeom prst="rect">
+            <a:avLst/>
+          </a:prstGeom>
+        </p:spPr>
+        <p:txBody>
+          <a:bodyPr anchor="t"/>
+          <a:lstStyle>
+            <a:lvl1pPr algn="l">
+              <a:defRPr sz="2400" baseline="0">
+                <a:solidFill>
+                  <a:srgbClr val="63666A"/>
+                </a:solidFill>
+              </a:defRPr>
+            </a:lvl1pPr>
+          </a:lstStyle>
+          <a:p>
+            <a:r>
+              <a:rPr lang="en-US" dirty="0"/>
+              <a:t>Content slide heading</a:t>
+            </a:r>
+          </a:p>
+        </p:txBody>
+      </p:sp>
+      <p:sp>
+        <p:nvSpPr>
+          <p:cNvPr id="7" name="Text Placeholder 2"/>
+          <p:cNvSpPr>
+            <a:spLocks noGrp="1"/>
+          </p:cNvSpPr>
+          <p:nvPr>
+            <p:ph type="body" sz="quarter" idx="12" hasCustomPrompt="1"/>
+          </p:nvPr>
+        </p:nvSpPr>
+        <p:spPr>
+          <a:xfrm>
+            <a:off x="368300" y="1494263"/>
+            <a:ext cx="8462100" cy="4180119"/>
+          </a:xfrm>
+          <a:prstGeom prst="rect">
+            <a:avLst/>
+          </a:prstGeom>
+        </p:spPr>
+        <p:txBody>
+          <a:bodyPr/>
+          <a:lstStyle>
+            <a:lvl1pPr marL="0" marR="0" indent="0" algn="l" defTabSz="914400" rtl="0" eaLnBrk="1" fontAlgn="auto" latinLnBrk="0" hangingPunct="1">
+              <a:lnSpc>
+                <a:spcPct val="100000"/>
+              </a:lnSpc>
+              <a:spcBef>
+                <a:spcPts val="600"/>
+              </a:spcBef>
+              <a:spcAft>
+                <a:spcPts val="0"/>
+              </a:spcAft>
+              <a:buClrTx/>
+              <a:buSzTx/>
+              <a:buFont typeface="Arial" panose="020B0604020202020204" pitchFamily="34" charset="0"/>
+              <a:buNone/>
+              <a:tabLst/>
+              <a:defRPr sz="2800">
+                <a:solidFill>
+                  <a:srgbClr val="63666A"/>
+                </a:solidFill>
+                <a:latin typeface="Arial" panose="020B0604020202020204" pitchFamily="34" charset="0"/>
+                <a:cs typeface="Arial" panose="020B0604020202020204" pitchFamily="34" charset="0"/>
+              </a:defRPr>
+            </a:lvl1pPr>
+          </a:lstStyle>
+          <a:p>
+            <a:pPr marL="171450" indent="-171450">
+              <a:buFont typeface="Arial" panose="020B0604020202020204" pitchFamily="34" charset="0"/>
+              <a:buChar char="•"/>
+            </a:pPr>
+            <a:r>
+              <a:rPr lang="en-US" sz="1400" dirty="0"/>
+              <a:t>Content</a:t>
+            </a:r>
+            <a:r>
+              <a:rPr lang="en-US" sz="1400" baseline="0" dirty="0"/>
+              <a:t> text here</a:t>
+            </a:r>
+          </a:p>
+          <a:p>
+            <a:pPr marL="171450" indent="-171450">
+              <a:buFont typeface="Arial" panose="020B0604020202020204" pitchFamily="34" charset="0"/>
+              <a:buChar char="•"/>
+            </a:pPr>
+            <a:r>
+              <a:rPr lang="en-US" sz="1400" baseline="0" dirty="0"/>
+              <a:t>Second bullet here</a:t>
+            </a:r>
+          </a:p>
+          <a:p>
+            <a:pPr marL="171450" indent="-171450">
+              <a:buFont typeface="Arial" panose="020B0604020202020204" pitchFamily="34" charset="0"/>
+              <a:buChar char="•"/>
+            </a:pPr>
+            <a:r>
+              <a:rPr lang="en-US" sz="1400" baseline="0" dirty="0"/>
+              <a:t>Another bullet point here</a:t>
+            </a:r>
+          </a:p>
+          <a:p>
+            <a:pPr marL="0" indent="0">
+              <a:lnSpc>
+                <a:spcPct val="100000"/>
+              </a:lnSpc>
+              <a:spcBef>
+                <a:spcPts val="600"/>
+              </a:spcBef>
+              <a:buFont typeface="Arial" panose="020B0604020202020204" pitchFamily="34" charset="0"/>
+              <a:buNone/>
+            </a:pPr>
+            <a:r>
+              <a:rPr lang="en-US" sz="1400" baseline="0" dirty="0"/>
+              <a:t>Main Content text entered here. </a:t>
+            </a:r>
+          </a:p>
+          <a:p>
+            <a:pPr marL="0" marR="0" lvl="0" indent="0" algn="l" defTabSz="914400" rtl="0" eaLnBrk="1" fontAlgn="auto" latinLnBrk="0" hangingPunct="1">
+              <a:lnSpc>
+                <a:spcPct val="100000"/>
+              </a:lnSpc>
+              <a:spcBef>
+                <a:spcPts val="600"/>
+              </a:spcBef>
+              <a:spcAft>
+                <a:spcPts val="0"/>
+              </a:spcAft>
+              <a:buClrTx/>
+              <a:buSzTx/>
+              <a:buFont typeface="Arial" panose="020B0604020202020204" pitchFamily="34" charset="0"/>
+              <a:buNone/>
+              <a:tabLst/>
+              <a:defRPr/>
+            </a:pPr>
+            <a:r>
+              <a:rPr lang="en-GB" sz="1400" b="0" i="0" kern="1200" dirty="0">
+                <a:solidFill>
+                  <a:srgbClr val="63666A"/>
+                </a:solidFill>
+                <a:effectLst/>
+                <a:latin typeface="Arial" panose="020B0604020202020204" pitchFamily="34" charset="0"/>
+                <a:ea typeface="+mn-ea"/>
+                <a:cs typeface="Arial" panose="020B0604020202020204" pitchFamily="34" charset="0"/>
+              </a:rPr>
+              <a:t>Lorem ipsum </a:t>
+            </a:r>
+            <a:r>
+              <a:rPr lang="en-GB" sz="1400" b="0" i="0" kern="1200" dirty="0" err="1">
+                <a:solidFill>
+                  <a:srgbClr val="63666A"/>
+                </a:solidFill>
+                <a:effectLst/>
+                <a:latin typeface="Arial" panose="020B0604020202020204" pitchFamily="34" charset="0"/>
+                <a:ea typeface="+mn-ea"/>
+                <a:cs typeface="Arial" panose="020B0604020202020204" pitchFamily="34" charset="0"/>
+              </a:rPr>
+              <a:t>dolor</a:t>
+            </a:r>
+            <a:r>
+              <a:rPr lang="en-GB" sz="1400" b="0" i="0" kern="1200" dirty="0">
+                <a:solidFill>
+                  <a:srgbClr val="63666A"/>
+                </a:solidFill>
+                <a:effectLst/>
+                <a:latin typeface="Arial" panose="020B0604020202020204" pitchFamily="34" charset="0"/>
+                <a:ea typeface="+mn-ea"/>
+                <a:cs typeface="Arial" panose="020B0604020202020204" pitchFamily="34" charset="0"/>
+              </a:rPr>
+              <a:t> sit </a:t>
+            </a:r>
+            <a:r>
+              <a:rPr lang="en-GB" sz="1400" b="0" i="0" kern="1200" dirty="0" err="1">
+                <a:solidFill>
+                  <a:srgbClr val="63666A"/>
+                </a:solidFill>
+                <a:effectLst/>
+                <a:latin typeface="Arial" panose="020B0604020202020204" pitchFamily="34" charset="0"/>
+                <a:ea typeface="+mn-ea"/>
+                <a:cs typeface="Arial" panose="020B0604020202020204" pitchFamily="34" charset="0"/>
+              </a:rPr>
+              <a:t>amet</a:t>
+            </a:r>
+            <a:r>
+              <a:rPr lang="en-GB" sz="1400" b="0" i="0" kern="1200" dirty="0">
+                <a:solidFill>
+                  <a:srgbClr val="63666A"/>
+                </a:solidFill>
+                <a:effectLst/>
+                <a:latin typeface="Arial" panose="020B0604020202020204" pitchFamily="34" charset="0"/>
+                <a:ea typeface="+mn-ea"/>
+                <a:cs typeface="Arial" panose="020B0604020202020204" pitchFamily="34" charset="0"/>
+              </a:rPr>
+              <a:t>, </a:t>
+            </a:r>
+            <a:r>
+              <a:rPr lang="en-GB" sz="1400" b="0" i="0" kern="1200" dirty="0" err="1">
+                <a:solidFill>
+                  <a:srgbClr val="63666A"/>
+                </a:solidFill>
+                <a:effectLst/>
+                <a:latin typeface="Arial" panose="020B0604020202020204" pitchFamily="34" charset="0"/>
+                <a:ea typeface="+mn-ea"/>
+                <a:cs typeface="Arial" panose="020B0604020202020204" pitchFamily="34" charset="0"/>
+              </a:rPr>
+              <a:t>consectetur</a:t>
+            </a:r>
+            <a:r>
+              <a:rPr lang="en-GB" sz="1400" b="0" i="0" kern="1200" dirty="0">
+                <a:solidFill>
+                  <a:srgbClr val="63666A"/>
+                </a:solidFill>
+                <a:effectLst/>
+                <a:latin typeface="Arial" panose="020B0604020202020204" pitchFamily="34" charset="0"/>
+                <a:ea typeface="+mn-ea"/>
+                <a:cs typeface="Arial" panose="020B0604020202020204" pitchFamily="34" charset="0"/>
+              </a:rPr>
+              <a:t> </a:t>
+            </a:r>
+            <a:r>
+              <a:rPr lang="en-GB" sz="1400" b="0" i="0" kern="1200" dirty="0" err="1">
+                <a:solidFill>
+                  <a:srgbClr val="63666A"/>
+                </a:solidFill>
+                <a:effectLst/>
+                <a:latin typeface="Arial" panose="020B0604020202020204" pitchFamily="34" charset="0"/>
+                <a:ea typeface="+mn-ea"/>
+                <a:cs typeface="Arial" panose="020B0604020202020204" pitchFamily="34" charset="0"/>
+              </a:rPr>
+              <a:t>adipiscing</a:t>
+            </a:r>
+            <a:r>
+              <a:rPr lang="en-GB" sz="1400" b="0" i="0" kern="1200" dirty="0">
+                <a:solidFill>
+                  <a:srgbClr val="63666A"/>
+                </a:solidFill>
+                <a:effectLst/>
+                <a:latin typeface="Arial" panose="020B0604020202020204" pitchFamily="34" charset="0"/>
+                <a:ea typeface="+mn-ea"/>
+                <a:cs typeface="Arial" panose="020B0604020202020204" pitchFamily="34" charset="0"/>
+              </a:rPr>
+              <a:t> </a:t>
+            </a:r>
+            <a:r>
+              <a:rPr lang="en-GB" sz="1400" b="0" i="0" kern="1200" dirty="0" err="1">
+                <a:solidFill>
+                  <a:srgbClr val="63666A"/>
+                </a:solidFill>
+                <a:effectLst/>
+                <a:latin typeface="Arial" panose="020B0604020202020204" pitchFamily="34" charset="0"/>
+                <a:ea typeface="+mn-ea"/>
+                <a:cs typeface="Arial" panose="020B0604020202020204" pitchFamily="34" charset="0"/>
+              </a:rPr>
+              <a:t>elit</a:t>
+            </a:r>
+            <a:r>
+              <a:rPr lang="en-GB" sz="1400" b="0" i="0" kern="1200" dirty="0">
+                <a:solidFill>
+                  <a:srgbClr val="63666A"/>
+                </a:solidFill>
+                <a:effectLst/>
+                <a:latin typeface="Arial" panose="020B0604020202020204" pitchFamily="34" charset="0"/>
+                <a:ea typeface="+mn-ea"/>
+                <a:cs typeface="Arial" panose="020B0604020202020204" pitchFamily="34" charset="0"/>
+              </a:rPr>
+              <a:t>, </a:t>
+            </a:r>
+            <a:r>
+              <a:rPr lang="en-GB" sz="1400" b="0" i="0" kern="1200" dirty="0" err="1">
+                <a:solidFill>
+                  <a:srgbClr val="63666A"/>
+                </a:solidFill>
+                <a:effectLst/>
+                <a:latin typeface="Arial" panose="020B0604020202020204" pitchFamily="34" charset="0"/>
+                <a:ea typeface="+mn-ea"/>
+                <a:cs typeface="Arial" panose="020B0604020202020204" pitchFamily="34" charset="0"/>
+              </a:rPr>
+              <a:t>sed</a:t>
+            </a:r>
+            <a:r>
+              <a:rPr lang="en-GB" sz="1400" b="0" i="0" kern="1200" dirty="0">
+                <a:solidFill>
+                  <a:srgbClr val="63666A"/>
+                </a:solidFill>
+                <a:effectLst/>
+                <a:latin typeface="Arial" panose="020B0604020202020204" pitchFamily="34" charset="0"/>
+                <a:ea typeface="+mn-ea"/>
+                <a:cs typeface="Arial" panose="020B0604020202020204" pitchFamily="34" charset="0"/>
+              </a:rPr>
+              <a:t> do </a:t>
+            </a:r>
+            <a:r>
+              <a:rPr lang="en-GB" sz="1400" b="0" i="0" kern="1200" dirty="0" err="1">
+                <a:solidFill>
+                  <a:srgbClr val="63666A"/>
+                </a:solidFill>
+                <a:effectLst/>
+                <a:latin typeface="Arial" panose="020B0604020202020204" pitchFamily="34" charset="0"/>
+                <a:ea typeface="+mn-ea"/>
+                <a:cs typeface="Arial" panose="020B0604020202020204" pitchFamily="34" charset="0"/>
+              </a:rPr>
+              <a:t>eiusmod</a:t>
+            </a:r>
+            <a:r>
+              <a:rPr lang="en-GB" sz="1400" b="0" i="0" kern="1200" dirty="0">
+                <a:solidFill>
+                  <a:srgbClr val="63666A"/>
+                </a:solidFill>
+                <a:effectLst/>
+                <a:latin typeface="Arial" panose="020B0604020202020204" pitchFamily="34" charset="0"/>
+                <a:ea typeface="+mn-ea"/>
+                <a:cs typeface="Arial" panose="020B0604020202020204" pitchFamily="34" charset="0"/>
+              </a:rPr>
+              <a:t> </a:t>
+            </a:r>
+            <a:r>
+              <a:rPr lang="en-GB" sz="1400" b="0" i="0" kern="1200" dirty="0" err="1">
+                <a:solidFill>
+                  <a:srgbClr val="63666A"/>
+                </a:solidFill>
+                <a:effectLst/>
+                <a:latin typeface="Arial" panose="020B0604020202020204" pitchFamily="34" charset="0"/>
+                <a:ea typeface="+mn-ea"/>
+                <a:cs typeface="Arial" panose="020B0604020202020204" pitchFamily="34" charset="0"/>
+              </a:rPr>
+              <a:t>tempor</a:t>
+            </a:r>
+            <a:r>
+              <a:rPr lang="en-GB" sz="1400" b="0" i="0" kern="1200" dirty="0">
+                <a:solidFill>
+                  <a:srgbClr val="63666A"/>
+                </a:solidFill>
+                <a:effectLst/>
+                <a:latin typeface="Arial" panose="020B0604020202020204" pitchFamily="34" charset="0"/>
+                <a:ea typeface="+mn-ea"/>
+                <a:cs typeface="Arial" panose="020B0604020202020204" pitchFamily="34" charset="0"/>
+              </a:rPr>
+              <a:t> </a:t>
+            </a:r>
+            <a:r>
+              <a:rPr lang="en-GB" sz="1400" b="0" i="0" kern="1200" dirty="0" err="1">
+                <a:solidFill>
+                  <a:srgbClr val="63666A"/>
+                </a:solidFill>
+                <a:effectLst/>
+                <a:latin typeface="Arial" panose="020B0604020202020204" pitchFamily="34" charset="0"/>
+                <a:ea typeface="+mn-ea"/>
+                <a:cs typeface="Arial" panose="020B0604020202020204" pitchFamily="34" charset="0"/>
+              </a:rPr>
+              <a:t>incididunt</a:t>
+            </a:r>
+            <a:r>
+              <a:rPr lang="en-GB" sz="1400" b="0" i="0" kern="1200" dirty="0">
+                <a:solidFill>
+                  <a:srgbClr val="63666A"/>
+                </a:solidFill>
+                <a:effectLst/>
+                <a:latin typeface="Arial" panose="020B0604020202020204" pitchFamily="34" charset="0"/>
+                <a:ea typeface="+mn-ea"/>
+                <a:cs typeface="Arial" panose="020B0604020202020204" pitchFamily="34" charset="0"/>
+              </a:rPr>
+              <a:t> </a:t>
+            </a:r>
+            <a:r>
+              <a:rPr lang="en-GB" sz="1400" b="0" i="0" kern="1200" dirty="0" err="1">
+                <a:solidFill>
+                  <a:srgbClr val="63666A"/>
+                </a:solidFill>
+                <a:effectLst/>
+                <a:latin typeface="Arial" panose="020B0604020202020204" pitchFamily="34" charset="0"/>
+                <a:ea typeface="+mn-ea"/>
+                <a:cs typeface="Arial" panose="020B0604020202020204" pitchFamily="34" charset="0"/>
+              </a:rPr>
+              <a:t>ut</a:t>
+            </a:r>
+            <a:r>
+              <a:rPr lang="en-GB" sz="1400" b="0" i="0" kern="1200" dirty="0">
+                <a:solidFill>
+                  <a:srgbClr val="63666A"/>
+                </a:solidFill>
+                <a:effectLst/>
+                <a:latin typeface="Arial" panose="020B0604020202020204" pitchFamily="34" charset="0"/>
+                <a:ea typeface="+mn-ea"/>
+                <a:cs typeface="Arial" panose="020B0604020202020204" pitchFamily="34" charset="0"/>
+              </a:rPr>
+              <a:t> </a:t>
+            </a:r>
+            <a:r>
+              <a:rPr lang="en-GB" sz="1400" b="0" i="0" kern="1200" dirty="0" err="1">
+                <a:solidFill>
+                  <a:srgbClr val="63666A"/>
+                </a:solidFill>
+                <a:effectLst/>
+                <a:latin typeface="Arial" panose="020B0604020202020204" pitchFamily="34" charset="0"/>
+                <a:ea typeface="+mn-ea"/>
+                <a:cs typeface="Arial" panose="020B0604020202020204" pitchFamily="34" charset="0"/>
+              </a:rPr>
+              <a:t>labore</a:t>
+            </a:r>
+            <a:r>
+              <a:rPr lang="en-GB" sz="1400" b="0" i="0" kern="1200" dirty="0">
+                <a:solidFill>
+                  <a:srgbClr val="63666A"/>
+                </a:solidFill>
+                <a:effectLst/>
+                <a:latin typeface="Arial" panose="020B0604020202020204" pitchFamily="34" charset="0"/>
+                <a:ea typeface="+mn-ea"/>
+                <a:cs typeface="Arial" panose="020B0604020202020204" pitchFamily="34" charset="0"/>
+              </a:rPr>
+              <a:t> et </a:t>
+            </a:r>
+            <a:r>
+              <a:rPr lang="en-GB" sz="1400" b="0" i="0" kern="1200" dirty="0" err="1">
+                <a:solidFill>
+                  <a:srgbClr val="63666A"/>
+                </a:solidFill>
+                <a:effectLst/>
+                <a:latin typeface="Arial" panose="020B0604020202020204" pitchFamily="34" charset="0"/>
+                <a:ea typeface="+mn-ea"/>
+                <a:cs typeface="Arial" panose="020B0604020202020204" pitchFamily="34" charset="0"/>
+              </a:rPr>
+              <a:t>dolore</a:t>
+            </a:r>
+            <a:r>
+              <a:rPr lang="en-GB" sz="1400" b="0" i="0" kern="1200" dirty="0">
+                <a:solidFill>
+                  <a:srgbClr val="63666A"/>
+                </a:solidFill>
+                <a:effectLst/>
+                <a:latin typeface="Arial" panose="020B0604020202020204" pitchFamily="34" charset="0"/>
+                <a:ea typeface="+mn-ea"/>
+                <a:cs typeface="Arial" panose="020B0604020202020204" pitchFamily="34" charset="0"/>
+              </a:rPr>
+              <a:t> magna </a:t>
+            </a:r>
+            <a:r>
+              <a:rPr lang="en-GB" sz="1400" b="0" i="0" kern="1200" dirty="0" err="1">
+                <a:solidFill>
+                  <a:srgbClr val="63666A"/>
+                </a:solidFill>
+                <a:effectLst/>
+                <a:latin typeface="Arial" panose="020B0604020202020204" pitchFamily="34" charset="0"/>
+                <a:ea typeface="+mn-ea"/>
+                <a:cs typeface="Arial" panose="020B0604020202020204" pitchFamily="34" charset="0"/>
+              </a:rPr>
+              <a:t>aliqua</a:t>
+            </a:r>
+            <a:r>
+              <a:rPr lang="en-GB" sz="1400" b="0" i="0" kern="1200" dirty="0">
+                <a:solidFill>
+                  <a:srgbClr val="63666A"/>
+                </a:solidFill>
+                <a:effectLst/>
+                <a:latin typeface="Arial" panose="020B0604020202020204" pitchFamily="34" charset="0"/>
+                <a:ea typeface="+mn-ea"/>
+                <a:cs typeface="Arial" panose="020B0604020202020204" pitchFamily="34" charset="0"/>
+              </a:rPr>
+              <a:t>. </a:t>
+            </a:r>
+            <a:r>
+              <a:rPr lang="en-GB" sz="1400" b="0" i="0" kern="1200" dirty="0" err="1">
+                <a:solidFill>
+                  <a:srgbClr val="63666A"/>
+                </a:solidFill>
+                <a:effectLst/>
+                <a:latin typeface="Arial" panose="020B0604020202020204" pitchFamily="34" charset="0"/>
+                <a:ea typeface="+mn-ea"/>
+                <a:cs typeface="Arial" panose="020B0604020202020204" pitchFamily="34" charset="0"/>
+              </a:rPr>
+              <a:t>Ut</a:t>
+            </a:r>
+            <a:r>
+              <a:rPr lang="en-GB" sz="1400" b="0" i="0" kern="1200" dirty="0">
+                <a:solidFill>
+                  <a:srgbClr val="63666A"/>
+                </a:solidFill>
+                <a:effectLst/>
+                <a:latin typeface="Arial" panose="020B0604020202020204" pitchFamily="34" charset="0"/>
+                <a:ea typeface="+mn-ea"/>
+                <a:cs typeface="Arial" panose="020B0604020202020204" pitchFamily="34" charset="0"/>
+              </a:rPr>
+              <a:t> </a:t>
+            </a:r>
+            <a:r>
+              <a:rPr lang="en-GB" sz="1400" b="0" i="0" kern="1200" dirty="0" err="1">
+                <a:solidFill>
+                  <a:srgbClr val="63666A"/>
+                </a:solidFill>
+                <a:effectLst/>
+                <a:latin typeface="Arial" panose="020B0604020202020204" pitchFamily="34" charset="0"/>
+                <a:ea typeface="+mn-ea"/>
+                <a:cs typeface="Arial" panose="020B0604020202020204" pitchFamily="34" charset="0"/>
+              </a:rPr>
+              <a:t>enim</a:t>
+            </a:r>
+            <a:r>
+              <a:rPr lang="en-GB" sz="1400" b="0" i="0" kern="1200" dirty="0">
+                <a:solidFill>
+                  <a:srgbClr val="63666A"/>
+                </a:solidFill>
+                <a:effectLst/>
+                <a:latin typeface="Arial" panose="020B0604020202020204" pitchFamily="34" charset="0"/>
+                <a:ea typeface="+mn-ea"/>
+                <a:cs typeface="Arial" panose="020B0604020202020204" pitchFamily="34" charset="0"/>
+              </a:rPr>
+              <a:t> ad minim </a:t>
+            </a:r>
+            <a:r>
+              <a:rPr lang="en-GB" sz="1400" b="0" i="0" kern="1200" dirty="0" err="1">
+                <a:solidFill>
+                  <a:srgbClr val="63666A"/>
+                </a:solidFill>
+                <a:effectLst/>
+                <a:latin typeface="Arial" panose="020B0604020202020204" pitchFamily="34" charset="0"/>
+                <a:ea typeface="+mn-ea"/>
+                <a:cs typeface="Arial" panose="020B0604020202020204" pitchFamily="34" charset="0"/>
+              </a:rPr>
+              <a:t>veniam</a:t>
+            </a:r>
+            <a:r>
+              <a:rPr lang="en-GB" sz="1400" b="0" i="0" kern="1200" dirty="0">
+                <a:solidFill>
+                  <a:srgbClr val="63666A"/>
+                </a:solidFill>
+                <a:effectLst/>
+                <a:latin typeface="Arial" panose="020B0604020202020204" pitchFamily="34" charset="0"/>
+                <a:ea typeface="+mn-ea"/>
+                <a:cs typeface="Arial" panose="020B0604020202020204" pitchFamily="34" charset="0"/>
+              </a:rPr>
+              <a:t>, </a:t>
+            </a:r>
+            <a:r>
+              <a:rPr lang="en-GB" sz="1400" b="0" i="0" kern="1200" dirty="0" err="1">
+                <a:solidFill>
+                  <a:srgbClr val="63666A"/>
+                </a:solidFill>
+                <a:effectLst/>
+                <a:latin typeface="Arial" panose="020B0604020202020204" pitchFamily="34" charset="0"/>
+                <a:ea typeface="+mn-ea"/>
+                <a:cs typeface="Arial" panose="020B0604020202020204" pitchFamily="34" charset="0"/>
+              </a:rPr>
+              <a:t>quis</a:t>
+            </a:r>
+            <a:r>
+              <a:rPr lang="en-GB" sz="1400" b="0" i="0" kern="1200" dirty="0">
+                <a:solidFill>
+                  <a:srgbClr val="63666A"/>
+                </a:solidFill>
+                <a:effectLst/>
+                <a:latin typeface="Arial" panose="020B0604020202020204" pitchFamily="34" charset="0"/>
+                <a:ea typeface="+mn-ea"/>
+                <a:cs typeface="Arial" panose="020B0604020202020204" pitchFamily="34" charset="0"/>
+              </a:rPr>
+              <a:t> </a:t>
+            </a:r>
+            <a:r>
+              <a:rPr lang="en-GB" sz="1400" b="0" i="0" kern="1200" dirty="0" err="1">
+                <a:solidFill>
+                  <a:srgbClr val="63666A"/>
+                </a:solidFill>
+                <a:effectLst/>
+                <a:latin typeface="Arial" panose="020B0604020202020204" pitchFamily="34" charset="0"/>
+                <a:ea typeface="+mn-ea"/>
+                <a:cs typeface="Arial" panose="020B0604020202020204" pitchFamily="34" charset="0"/>
+              </a:rPr>
+              <a:t>nostrud</a:t>
+            </a:r>
+            <a:r>
+              <a:rPr lang="en-GB" sz="1400" b="0" i="0" kern="1200" dirty="0">
+                <a:solidFill>
+                  <a:srgbClr val="63666A"/>
+                </a:solidFill>
+                <a:effectLst/>
+                <a:latin typeface="Arial" panose="020B0604020202020204" pitchFamily="34" charset="0"/>
+                <a:ea typeface="+mn-ea"/>
+                <a:cs typeface="Arial" panose="020B0604020202020204" pitchFamily="34" charset="0"/>
+              </a:rPr>
+              <a:t> exercitation </a:t>
+            </a:r>
+            <a:r>
+              <a:rPr lang="en-GB" sz="1400" b="0" i="0" kern="1200" dirty="0" err="1">
+                <a:solidFill>
+                  <a:srgbClr val="63666A"/>
+                </a:solidFill>
+                <a:effectLst/>
+                <a:latin typeface="Arial" panose="020B0604020202020204" pitchFamily="34" charset="0"/>
+                <a:ea typeface="+mn-ea"/>
+                <a:cs typeface="Arial" panose="020B0604020202020204" pitchFamily="34" charset="0"/>
+              </a:rPr>
+              <a:t>ullamco</a:t>
+            </a:r>
+            <a:r>
+              <a:rPr lang="en-GB" sz="1400" b="0" i="0" kern="1200" dirty="0">
+                <a:solidFill>
+                  <a:srgbClr val="63666A"/>
+                </a:solidFill>
+                <a:effectLst/>
+                <a:latin typeface="Arial" panose="020B0604020202020204" pitchFamily="34" charset="0"/>
+                <a:ea typeface="+mn-ea"/>
+                <a:cs typeface="Arial" panose="020B0604020202020204" pitchFamily="34" charset="0"/>
+              </a:rPr>
+              <a:t>. Lorem ipsum </a:t>
+            </a:r>
+            <a:r>
+              <a:rPr lang="en-GB" sz="1400" b="0" i="0" kern="1200" dirty="0" err="1">
+                <a:solidFill>
+                  <a:srgbClr val="63666A"/>
+                </a:solidFill>
+                <a:effectLst/>
+                <a:latin typeface="Arial" panose="020B0604020202020204" pitchFamily="34" charset="0"/>
+                <a:ea typeface="+mn-ea"/>
+                <a:cs typeface="Arial" panose="020B0604020202020204" pitchFamily="34" charset="0"/>
+              </a:rPr>
+              <a:t>dolor</a:t>
+            </a:r>
+            <a:r>
+              <a:rPr lang="en-GB" sz="1400" b="0" i="0" kern="1200" dirty="0">
+                <a:solidFill>
+                  <a:srgbClr val="63666A"/>
+                </a:solidFill>
+                <a:effectLst/>
+                <a:latin typeface="Arial" panose="020B0604020202020204" pitchFamily="34" charset="0"/>
+                <a:ea typeface="+mn-ea"/>
+                <a:cs typeface="Arial" panose="020B0604020202020204" pitchFamily="34" charset="0"/>
+              </a:rPr>
+              <a:t> sit </a:t>
+            </a:r>
+            <a:r>
+              <a:rPr lang="en-GB" sz="1400" b="0" i="0" kern="1200" dirty="0" err="1">
+                <a:solidFill>
+                  <a:srgbClr val="63666A"/>
+                </a:solidFill>
+                <a:effectLst/>
+                <a:latin typeface="Arial" panose="020B0604020202020204" pitchFamily="34" charset="0"/>
+                <a:ea typeface="+mn-ea"/>
+                <a:cs typeface="Arial" panose="020B0604020202020204" pitchFamily="34" charset="0"/>
+              </a:rPr>
+              <a:t>amet</a:t>
+            </a:r>
+            <a:r>
+              <a:rPr lang="en-GB" sz="1400" b="0" i="0" kern="1200" dirty="0">
+                <a:solidFill>
+                  <a:srgbClr val="63666A"/>
+                </a:solidFill>
+                <a:effectLst/>
+                <a:latin typeface="Arial" panose="020B0604020202020204" pitchFamily="34" charset="0"/>
+                <a:ea typeface="+mn-ea"/>
+                <a:cs typeface="Arial" panose="020B0604020202020204" pitchFamily="34" charset="0"/>
+              </a:rPr>
+              <a:t>, </a:t>
+            </a:r>
+            <a:r>
+              <a:rPr lang="en-GB" sz="1400" b="0" i="0" kern="1200" dirty="0" err="1">
+                <a:solidFill>
+                  <a:srgbClr val="63666A"/>
+                </a:solidFill>
+                <a:effectLst/>
+                <a:latin typeface="Arial" panose="020B0604020202020204" pitchFamily="34" charset="0"/>
+                <a:ea typeface="+mn-ea"/>
+                <a:cs typeface="Arial" panose="020B0604020202020204" pitchFamily="34" charset="0"/>
+              </a:rPr>
+              <a:t>consectetur</a:t>
+            </a:r>
+            <a:r>
+              <a:rPr lang="en-GB" sz="1400" b="0" i="0" kern="1200" dirty="0">
+                <a:solidFill>
+                  <a:srgbClr val="63666A"/>
+                </a:solidFill>
+                <a:effectLst/>
+                <a:latin typeface="Arial" panose="020B0604020202020204" pitchFamily="34" charset="0"/>
+                <a:ea typeface="+mn-ea"/>
+                <a:cs typeface="Arial" panose="020B0604020202020204" pitchFamily="34" charset="0"/>
+              </a:rPr>
+              <a:t> </a:t>
+            </a:r>
+            <a:r>
+              <a:rPr lang="en-GB" sz="1400" b="0" i="0" kern="1200" dirty="0" err="1">
+                <a:solidFill>
+                  <a:srgbClr val="63666A"/>
+                </a:solidFill>
+                <a:effectLst/>
+                <a:latin typeface="Arial" panose="020B0604020202020204" pitchFamily="34" charset="0"/>
+                <a:ea typeface="+mn-ea"/>
+                <a:cs typeface="Arial" panose="020B0604020202020204" pitchFamily="34" charset="0"/>
+              </a:rPr>
+              <a:t>adipiscing</a:t>
+            </a:r>
+            <a:r>
+              <a:rPr lang="en-GB" sz="1400" b="0" i="0" kern="1200" dirty="0">
+                <a:solidFill>
+                  <a:srgbClr val="63666A"/>
+                </a:solidFill>
+                <a:effectLst/>
+                <a:latin typeface="Arial" panose="020B0604020202020204" pitchFamily="34" charset="0"/>
+                <a:ea typeface="+mn-ea"/>
+                <a:cs typeface="Arial" panose="020B0604020202020204" pitchFamily="34" charset="0"/>
+              </a:rPr>
+              <a:t> </a:t>
+            </a:r>
+            <a:r>
+              <a:rPr lang="en-GB" sz="1400" b="0" i="0" kern="1200" dirty="0" err="1">
+                <a:solidFill>
+                  <a:srgbClr val="63666A"/>
+                </a:solidFill>
+                <a:effectLst/>
+                <a:latin typeface="Arial" panose="020B0604020202020204" pitchFamily="34" charset="0"/>
+                <a:ea typeface="+mn-ea"/>
+                <a:cs typeface="Arial" panose="020B0604020202020204" pitchFamily="34" charset="0"/>
+              </a:rPr>
+              <a:t>elit</a:t>
+            </a:r>
+            <a:r>
+              <a:rPr lang="en-GB" sz="1400" b="0" i="0" kern="1200" dirty="0">
+                <a:solidFill>
+                  <a:srgbClr val="63666A"/>
+                </a:solidFill>
+                <a:effectLst/>
+                <a:latin typeface="Arial" panose="020B0604020202020204" pitchFamily="34" charset="0"/>
+                <a:ea typeface="+mn-ea"/>
+                <a:cs typeface="Arial" panose="020B0604020202020204" pitchFamily="34" charset="0"/>
+              </a:rPr>
+              <a:t>, </a:t>
+            </a:r>
+            <a:r>
+              <a:rPr lang="en-GB" sz="1400" b="0" i="0" kern="1200" dirty="0" err="1">
+                <a:solidFill>
+                  <a:srgbClr val="63666A"/>
+                </a:solidFill>
+                <a:effectLst/>
+                <a:latin typeface="Arial" panose="020B0604020202020204" pitchFamily="34" charset="0"/>
+                <a:ea typeface="+mn-ea"/>
+                <a:cs typeface="Arial" panose="020B0604020202020204" pitchFamily="34" charset="0"/>
+              </a:rPr>
+              <a:t>sed</a:t>
+            </a:r>
+            <a:r>
+              <a:rPr lang="en-GB" sz="1400" b="0" i="0" kern="1200" dirty="0">
+                <a:solidFill>
+                  <a:srgbClr val="63666A"/>
+                </a:solidFill>
+                <a:effectLst/>
+                <a:latin typeface="Arial" panose="020B0604020202020204" pitchFamily="34" charset="0"/>
+                <a:ea typeface="+mn-ea"/>
+                <a:cs typeface="Arial" panose="020B0604020202020204" pitchFamily="34" charset="0"/>
+              </a:rPr>
+              <a:t> do </a:t>
+            </a:r>
+            <a:r>
+              <a:rPr lang="en-GB" sz="1400" b="0" i="0" kern="1200" dirty="0" err="1">
+                <a:solidFill>
+                  <a:srgbClr val="63666A"/>
+                </a:solidFill>
+                <a:effectLst/>
+                <a:latin typeface="Arial" panose="020B0604020202020204" pitchFamily="34" charset="0"/>
+                <a:ea typeface="+mn-ea"/>
+                <a:cs typeface="Arial" panose="020B0604020202020204" pitchFamily="34" charset="0"/>
+              </a:rPr>
+              <a:t>eiusmod</a:t>
+            </a:r>
+            <a:r>
+              <a:rPr lang="en-GB" sz="1400" b="0" i="0" kern="1200" dirty="0">
+                <a:solidFill>
+                  <a:srgbClr val="63666A"/>
+                </a:solidFill>
+                <a:effectLst/>
+                <a:latin typeface="Arial" panose="020B0604020202020204" pitchFamily="34" charset="0"/>
+                <a:ea typeface="+mn-ea"/>
+                <a:cs typeface="Arial" panose="020B0604020202020204" pitchFamily="34" charset="0"/>
+              </a:rPr>
+              <a:t> </a:t>
+            </a:r>
+            <a:r>
+              <a:rPr lang="en-GB" sz="1400" b="0" i="0" kern="1200" dirty="0" err="1">
+                <a:solidFill>
+                  <a:srgbClr val="63666A"/>
+                </a:solidFill>
+                <a:effectLst/>
+                <a:latin typeface="Arial" panose="020B0604020202020204" pitchFamily="34" charset="0"/>
+                <a:ea typeface="+mn-ea"/>
+                <a:cs typeface="Arial" panose="020B0604020202020204" pitchFamily="34" charset="0"/>
+              </a:rPr>
+              <a:t>tempor</a:t>
+            </a:r>
+            <a:r>
+              <a:rPr lang="en-GB" sz="1400" b="0" i="0" kern="1200" dirty="0">
+                <a:solidFill>
+                  <a:srgbClr val="63666A"/>
+                </a:solidFill>
+                <a:effectLst/>
+                <a:latin typeface="Arial" panose="020B0604020202020204" pitchFamily="34" charset="0"/>
+                <a:ea typeface="+mn-ea"/>
+                <a:cs typeface="Arial" panose="020B0604020202020204" pitchFamily="34" charset="0"/>
+              </a:rPr>
+              <a:t> </a:t>
+            </a:r>
+            <a:r>
+              <a:rPr lang="en-GB" sz="1400" b="0" i="0" kern="1200" dirty="0" err="1">
+                <a:solidFill>
+                  <a:srgbClr val="63666A"/>
+                </a:solidFill>
+                <a:effectLst/>
+                <a:latin typeface="Arial" panose="020B0604020202020204" pitchFamily="34" charset="0"/>
+                <a:ea typeface="+mn-ea"/>
+                <a:cs typeface="Arial" panose="020B0604020202020204" pitchFamily="34" charset="0"/>
+              </a:rPr>
+              <a:t>incididunt</a:t>
+            </a:r>
+            <a:r>
+              <a:rPr lang="en-GB" sz="1400" b="0" i="0" kern="1200" dirty="0">
+                <a:solidFill>
+                  <a:srgbClr val="63666A"/>
+                </a:solidFill>
+                <a:effectLst/>
+                <a:latin typeface="Arial" panose="020B0604020202020204" pitchFamily="34" charset="0"/>
+                <a:ea typeface="+mn-ea"/>
+                <a:cs typeface="Arial" panose="020B0604020202020204" pitchFamily="34" charset="0"/>
+              </a:rPr>
+              <a:t> </a:t>
+            </a:r>
+            <a:r>
+              <a:rPr lang="en-GB" sz="1400" b="0" i="0" kern="1200" dirty="0" err="1">
+                <a:solidFill>
+                  <a:srgbClr val="63666A"/>
+                </a:solidFill>
+                <a:effectLst/>
+                <a:latin typeface="Arial" panose="020B0604020202020204" pitchFamily="34" charset="0"/>
+                <a:ea typeface="+mn-ea"/>
+                <a:cs typeface="Arial" panose="020B0604020202020204" pitchFamily="34" charset="0"/>
+              </a:rPr>
+              <a:t>ut</a:t>
+            </a:r>
+            <a:r>
+              <a:rPr lang="en-GB" sz="1400" b="0" i="0" kern="1200" dirty="0">
+                <a:solidFill>
+                  <a:srgbClr val="63666A"/>
+                </a:solidFill>
+                <a:effectLst/>
+                <a:latin typeface="Arial" panose="020B0604020202020204" pitchFamily="34" charset="0"/>
+                <a:ea typeface="+mn-ea"/>
+                <a:cs typeface="Arial" panose="020B0604020202020204" pitchFamily="34" charset="0"/>
+              </a:rPr>
+              <a:t> </a:t>
+            </a:r>
+            <a:r>
+              <a:rPr lang="en-GB" sz="1400" b="0" i="0" kern="1200" dirty="0" err="1">
+                <a:solidFill>
+                  <a:srgbClr val="63666A"/>
+                </a:solidFill>
+                <a:effectLst/>
+                <a:latin typeface="Arial" panose="020B0604020202020204" pitchFamily="34" charset="0"/>
+                <a:ea typeface="+mn-ea"/>
+                <a:cs typeface="Arial" panose="020B0604020202020204" pitchFamily="34" charset="0"/>
+              </a:rPr>
+              <a:t>labore</a:t>
+            </a:r>
+            <a:r>
+              <a:rPr lang="en-GB" sz="1400" b="0" i="0" kern="1200" dirty="0">
+                <a:solidFill>
+                  <a:srgbClr val="63666A"/>
+                </a:solidFill>
+                <a:effectLst/>
+                <a:latin typeface="Arial" panose="020B0604020202020204" pitchFamily="34" charset="0"/>
+                <a:ea typeface="+mn-ea"/>
+                <a:cs typeface="Arial" panose="020B0604020202020204" pitchFamily="34" charset="0"/>
+              </a:rPr>
+              <a:t> et </a:t>
+            </a:r>
+            <a:r>
+              <a:rPr lang="en-GB" sz="1400" b="0" i="0" kern="1200" dirty="0" err="1">
+                <a:solidFill>
+                  <a:srgbClr val="63666A"/>
+                </a:solidFill>
+                <a:effectLst/>
+                <a:latin typeface="Arial" panose="020B0604020202020204" pitchFamily="34" charset="0"/>
+                <a:ea typeface="+mn-ea"/>
+                <a:cs typeface="Arial" panose="020B0604020202020204" pitchFamily="34" charset="0"/>
+              </a:rPr>
+              <a:t>dolore</a:t>
+            </a:r>
+            <a:r>
+              <a:rPr lang="en-GB" sz="1400" b="0" i="0" kern="1200" dirty="0">
+                <a:solidFill>
+                  <a:srgbClr val="63666A"/>
+                </a:solidFill>
+                <a:effectLst/>
+                <a:latin typeface="Arial" panose="020B0604020202020204" pitchFamily="34" charset="0"/>
+                <a:ea typeface="+mn-ea"/>
+                <a:cs typeface="Arial" panose="020B0604020202020204" pitchFamily="34" charset="0"/>
+              </a:rPr>
+              <a:t> magna </a:t>
+            </a:r>
+            <a:r>
+              <a:rPr lang="en-GB" sz="1400" b="0" i="0" kern="1200" dirty="0" err="1">
+                <a:solidFill>
+                  <a:srgbClr val="63666A"/>
+                </a:solidFill>
+                <a:effectLst/>
+                <a:latin typeface="Arial" panose="020B0604020202020204" pitchFamily="34" charset="0"/>
+                <a:ea typeface="+mn-ea"/>
+                <a:cs typeface="Arial" panose="020B0604020202020204" pitchFamily="34" charset="0"/>
+              </a:rPr>
+              <a:t>aliqua</a:t>
+            </a:r>
+            <a:r>
+              <a:rPr lang="en-GB" sz="1400" b="0" i="0" kern="1200" dirty="0">
+                <a:solidFill>
+                  <a:srgbClr val="63666A"/>
+                </a:solidFill>
+                <a:effectLst/>
+                <a:latin typeface="Arial" panose="020B0604020202020204" pitchFamily="34" charset="0"/>
+                <a:ea typeface="+mn-ea"/>
+                <a:cs typeface="Arial" panose="020B0604020202020204" pitchFamily="34" charset="0"/>
+              </a:rPr>
+              <a:t>. </a:t>
+            </a:r>
+            <a:r>
+              <a:rPr lang="en-GB" sz="1400" b="0" i="0" kern="1200" dirty="0" err="1">
+                <a:solidFill>
+                  <a:srgbClr val="63666A"/>
+                </a:solidFill>
+                <a:effectLst/>
+                <a:latin typeface="Arial" panose="020B0604020202020204" pitchFamily="34" charset="0"/>
+                <a:ea typeface="+mn-ea"/>
+                <a:cs typeface="Arial" panose="020B0604020202020204" pitchFamily="34" charset="0"/>
+              </a:rPr>
+              <a:t>Ut</a:t>
+            </a:r>
+            <a:r>
+              <a:rPr lang="en-GB" sz="1400" b="0" i="0" kern="1200" dirty="0">
+                <a:solidFill>
+                  <a:srgbClr val="63666A"/>
+                </a:solidFill>
+                <a:effectLst/>
+                <a:latin typeface="Arial" panose="020B0604020202020204" pitchFamily="34" charset="0"/>
+                <a:ea typeface="+mn-ea"/>
+                <a:cs typeface="Arial" panose="020B0604020202020204" pitchFamily="34" charset="0"/>
+              </a:rPr>
+              <a:t> </a:t>
+            </a:r>
+            <a:r>
+              <a:rPr lang="en-GB" sz="1400" b="0" i="0" kern="1200" dirty="0" err="1">
+                <a:solidFill>
+                  <a:srgbClr val="63666A"/>
+                </a:solidFill>
+                <a:effectLst/>
+                <a:latin typeface="Arial" panose="020B0604020202020204" pitchFamily="34" charset="0"/>
+                <a:ea typeface="+mn-ea"/>
+                <a:cs typeface="Arial" panose="020B0604020202020204" pitchFamily="34" charset="0"/>
+              </a:rPr>
+              <a:t>enim</a:t>
+            </a:r>
+            <a:r>
+              <a:rPr lang="en-GB" sz="1400" b="0" i="0" kern="1200" dirty="0">
+                <a:solidFill>
+                  <a:srgbClr val="63666A"/>
+                </a:solidFill>
+                <a:effectLst/>
+                <a:latin typeface="Arial" panose="020B0604020202020204" pitchFamily="34" charset="0"/>
+                <a:ea typeface="+mn-ea"/>
+                <a:cs typeface="Arial" panose="020B0604020202020204" pitchFamily="34" charset="0"/>
+              </a:rPr>
+              <a:t> ad minim </a:t>
+            </a:r>
+            <a:r>
+              <a:rPr lang="en-GB" sz="1400" b="0" i="0" kern="1200" dirty="0" err="1">
+                <a:solidFill>
+                  <a:srgbClr val="63666A"/>
+                </a:solidFill>
+                <a:effectLst/>
+                <a:latin typeface="Arial" panose="020B0604020202020204" pitchFamily="34" charset="0"/>
+                <a:ea typeface="+mn-ea"/>
+                <a:cs typeface="Arial" panose="020B0604020202020204" pitchFamily="34" charset="0"/>
+              </a:rPr>
+              <a:t>veniam</a:t>
+            </a:r>
+            <a:r>
+              <a:rPr lang="en-GB" sz="1400" b="0" i="0" kern="1200" dirty="0">
+                <a:solidFill>
+                  <a:srgbClr val="63666A"/>
+                </a:solidFill>
+                <a:effectLst/>
+                <a:latin typeface="Arial" panose="020B0604020202020204" pitchFamily="34" charset="0"/>
+                <a:ea typeface="+mn-ea"/>
+                <a:cs typeface="Arial" panose="020B0604020202020204" pitchFamily="34" charset="0"/>
+              </a:rPr>
+              <a:t>, </a:t>
+            </a:r>
+            <a:r>
+              <a:rPr lang="en-GB" sz="1400" b="0" i="0" kern="1200" dirty="0" err="1">
+                <a:solidFill>
+                  <a:srgbClr val="63666A"/>
+                </a:solidFill>
+                <a:effectLst/>
+                <a:latin typeface="Arial" panose="020B0604020202020204" pitchFamily="34" charset="0"/>
+                <a:ea typeface="+mn-ea"/>
+                <a:cs typeface="Arial" panose="020B0604020202020204" pitchFamily="34" charset="0"/>
+              </a:rPr>
+              <a:t>quis</a:t>
+            </a:r>
+            <a:r>
+              <a:rPr lang="en-GB" sz="1400" b="0" i="0" kern="1200" dirty="0">
+                <a:solidFill>
+                  <a:srgbClr val="63666A"/>
+                </a:solidFill>
+                <a:effectLst/>
+                <a:latin typeface="Arial" panose="020B0604020202020204" pitchFamily="34" charset="0"/>
+                <a:ea typeface="+mn-ea"/>
+                <a:cs typeface="Arial" panose="020B0604020202020204" pitchFamily="34" charset="0"/>
+              </a:rPr>
+              <a:t> </a:t>
+            </a:r>
+            <a:r>
+              <a:rPr lang="en-GB" sz="1400" b="0" i="0" kern="1200" dirty="0" err="1">
+                <a:solidFill>
+                  <a:srgbClr val="63666A"/>
+                </a:solidFill>
+                <a:effectLst/>
+                <a:latin typeface="Arial" panose="020B0604020202020204" pitchFamily="34" charset="0"/>
+                <a:ea typeface="+mn-ea"/>
+                <a:cs typeface="Arial" panose="020B0604020202020204" pitchFamily="34" charset="0"/>
+              </a:rPr>
+              <a:t>nostrud</a:t>
+            </a:r>
+            <a:r>
+              <a:rPr lang="en-GB" sz="1400" b="0" i="0" kern="1200" dirty="0">
+                <a:solidFill>
+                  <a:srgbClr val="63666A"/>
+                </a:solidFill>
+                <a:effectLst/>
+                <a:latin typeface="Arial" panose="020B0604020202020204" pitchFamily="34" charset="0"/>
+                <a:ea typeface="+mn-ea"/>
+                <a:cs typeface="Arial" panose="020B0604020202020204" pitchFamily="34" charset="0"/>
+              </a:rPr>
+              <a:t> exercitation </a:t>
+            </a:r>
+            <a:r>
+              <a:rPr lang="en-GB" sz="1400" b="0" i="0" kern="1200" dirty="0" err="1">
+                <a:solidFill>
+                  <a:srgbClr val="63666A"/>
+                </a:solidFill>
+                <a:effectLst/>
+                <a:latin typeface="Arial" panose="020B0604020202020204" pitchFamily="34" charset="0"/>
+                <a:ea typeface="+mn-ea"/>
+                <a:cs typeface="Arial" panose="020B0604020202020204" pitchFamily="34" charset="0"/>
+              </a:rPr>
+              <a:t>ullamco</a:t>
+            </a:r>
+            <a:r>
+              <a:rPr lang="en-GB" sz="1400" b="0" i="0" kern="1200" dirty="0">
+                <a:solidFill>
+                  <a:srgbClr val="63666A"/>
+                </a:solidFill>
+                <a:effectLst/>
+                <a:latin typeface="Arial" panose="020B0604020202020204" pitchFamily="34" charset="0"/>
+                <a:ea typeface="+mn-ea"/>
+                <a:cs typeface="Arial" panose="020B0604020202020204" pitchFamily="34" charset="0"/>
+              </a:rPr>
+              <a:t>.</a:t>
+            </a:r>
+            <a:endParaRPr lang="en-US" sz="1400" dirty="0"/>
+          </a:p>
+          <a:p>
+            <a:pPr marL="0" marR="0" lvl="0" indent="0" algn="l" defTabSz="914400" rtl="0" eaLnBrk="1" fontAlgn="auto" latinLnBrk="0" hangingPunct="1">
+              <a:lnSpc>
+                <a:spcPct val="100000"/>
+              </a:lnSpc>
+              <a:spcBef>
+                <a:spcPts val="600"/>
+              </a:spcBef>
+              <a:spcAft>
+                <a:spcPts val="0"/>
+              </a:spcAft>
+              <a:buClrTx/>
+              <a:buSzTx/>
+              <a:buFont typeface="Arial" panose="020B0604020202020204" pitchFamily="34" charset="0"/>
+              <a:buNone/>
+              <a:tabLst/>
+              <a:defRPr/>
+            </a:pPr>
+            <a:r>
+              <a:rPr lang="en-GB" sz="1400" b="0" i="0" kern="1200" dirty="0">
+                <a:solidFill>
+                  <a:srgbClr val="63666A"/>
+                </a:solidFill>
+                <a:effectLst/>
+                <a:latin typeface="Arial" panose="020B0604020202020204" pitchFamily="34" charset="0"/>
+                <a:ea typeface="+mn-ea"/>
+                <a:cs typeface="Arial" panose="020B0604020202020204" pitchFamily="34" charset="0"/>
+              </a:rPr>
+              <a:t>Lorem ipsum </a:t>
+            </a:r>
+            <a:r>
+              <a:rPr lang="en-GB" sz="1400" b="0" i="0" kern="1200" dirty="0" err="1">
+                <a:solidFill>
+                  <a:srgbClr val="63666A"/>
+                </a:solidFill>
+                <a:effectLst/>
+                <a:latin typeface="Arial" panose="020B0604020202020204" pitchFamily="34" charset="0"/>
+                <a:ea typeface="+mn-ea"/>
+                <a:cs typeface="Arial" panose="020B0604020202020204" pitchFamily="34" charset="0"/>
+              </a:rPr>
+              <a:t>dolor</a:t>
+            </a:r>
+            <a:r>
+              <a:rPr lang="en-GB" sz="1400" b="0" i="0" kern="1200" dirty="0">
+                <a:solidFill>
+                  <a:srgbClr val="63666A"/>
+                </a:solidFill>
+                <a:effectLst/>
+                <a:latin typeface="Arial" panose="020B0604020202020204" pitchFamily="34" charset="0"/>
+                <a:ea typeface="+mn-ea"/>
+                <a:cs typeface="Arial" panose="020B0604020202020204" pitchFamily="34" charset="0"/>
+              </a:rPr>
+              <a:t> sit </a:t>
+            </a:r>
+            <a:r>
+              <a:rPr lang="en-GB" sz="1400" b="0" i="0" kern="1200" dirty="0" err="1">
+                <a:solidFill>
+                  <a:srgbClr val="63666A"/>
+                </a:solidFill>
+                <a:effectLst/>
+                <a:latin typeface="Arial" panose="020B0604020202020204" pitchFamily="34" charset="0"/>
+                <a:ea typeface="+mn-ea"/>
+                <a:cs typeface="Arial" panose="020B0604020202020204" pitchFamily="34" charset="0"/>
+              </a:rPr>
+              <a:t>amet</a:t>
+            </a:r>
+            <a:r>
+              <a:rPr lang="en-GB" sz="1400" b="0" i="0" kern="1200" dirty="0">
+                <a:solidFill>
+                  <a:srgbClr val="63666A"/>
+                </a:solidFill>
+                <a:effectLst/>
+                <a:latin typeface="Arial" panose="020B0604020202020204" pitchFamily="34" charset="0"/>
+                <a:ea typeface="+mn-ea"/>
+                <a:cs typeface="Arial" panose="020B0604020202020204" pitchFamily="34" charset="0"/>
+              </a:rPr>
+              <a:t>, </a:t>
+            </a:r>
+            <a:r>
+              <a:rPr lang="en-GB" sz="1400" b="0" i="0" kern="1200" dirty="0" err="1">
+                <a:solidFill>
+                  <a:srgbClr val="63666A"/>
+                </a:solidFill>
+                <a:effectLst/>
+                <a:latin typeface="Arial" panose="020B0604020202020204" pitchFamily="34" charset="0"/>
+                <a:ea typeface="+mn-ea"/>
+                <a:cs typeface="Arial" panose="020B0604020202020204" pitchFamily="34" charset="0"/>
+              </a:rPr>
+              <a:t>consectetur</a:t>
+            </a:r>
+            <a:r>
+              <a:rPr lang="en-GB" sz="1400" b="0" i="0" kern="1200" dirty="0">
+                <a:solidFill>
+                  <a:srgbClr val="63666A"/>
+                </a:solidFill>
+                <a:effectLst/>
+                <a:latin typeface="Arial" panose="020B0604020202020204" pitchFamily="34" charset="0"/>
+                <a:ea typeface="+mn-ea"/>
+                <a:cs typeface="Arial" panose="020B0604020202020204" pitchFamily="34" charset="0"/>
+              </a:rPr>
+              <a:t> </a:t>
+            </a:r>
+            <a:r>
+              <a:rPr lang="en-GB" sz="1400" b="0" i="0" kern="1200" dirty="0" err="1">
+                <a:solidFill>
+                  <a:srgbClr val="63666A"/>
+                </a:solidFill>
+                <a:effectLst/>
+                <a:latin typeface="Arial" panose="020B0604020202020204" pitchFamily="34" charset="0"/>
+                <a:ea typeface="+mn-ea"/>
+                <a:cs typeface="Arial" panose="020B0604020202020204" pitchFamily="34" charset="0"/>
+              </a:rPr>
+              <a:t>adipiscing</a:t>
+            </a:r>
+            <a:r>
+              <a:rPr lang="en-GB" sz="1400" b="0" i="0" kern="1200" dirty="0">
+                <a:solidFill>
+                  <a:srgbClr val="63666A"/>
+                </a:solidFill>
+                <a:effectLst/>
+                <a:latin typeface="Arial" panose="020B0604020202020204" pitchFamily="34" charset="0"/>
+                <a:ea typeface="+mn-ea"/>
+                <a:cs typeface="Arial" panose="020B0604020202020204" pitchFamily="34" charset="0"/>
+              </a:rPr>
+              <a:t> </a:t>
+            </a:r>
+            <a:r>
+              <a:rPr lang="en-GB" sz="1400" b="0" i="0" kern="1200" dirty="0" err="1">
+                <a:solidFill>
+                  <a:srgbClr val="63666A"/>
+                </a:solidFill>
+                <a:effectLst/>
+                <a:latin typeface="Arial" panose="020B0604020202020204" pitchFamily="34" charset="0"/>
+                <a:ea typeface="+mn-ea"/>
+                <a:cs typeface="Arial" panose="020B0604020202020204" pitchFamily="34" charset="0"/>
+              </a:rPr>
+              <a:t>elit</a:t>
+            </a:r>
+            <a:r>
+              <a:rPr lang="en-GB" sz="1400" b="0" i="0" kern="1200" dirty="0">
+                <a:solidFill>
+                  <a:srgbClr val="63666A"/>
+                </a:solidFill>
+                <a:effectLst/>
+                <a:latin typeface="Arial" panose="020B0604020202020204" pitchFamily="34" charset="0"/>
+                <a:ea typeface="+mn-ea"/>
+                <a:cs typeface="Arial" panose="020B0604020202020204" pitchFamily="34" charset="0"/>
+              </a:rPr>
+              <a:t>, </a:t>
+            </a:r>
+            <a:r>
+              <a:rPr lang="en-GB" sz="1400" b="0" i="0" kern="1200" dirty="0" err="1">
+                <a:solidFill>
+                  <a:srgbClr val="63666A"/>
+                </a:solidFill>
+                <a:effectLst/>
+                <a:latin typeface="Arial" panose="020B0604020202020204" pitchFamily="34" charset="0"/>
+                <a:ea typeface="+mn-ea"/>
+                <a:cs typeface="Arial" panose="020B0604020202020204" pitchFamily="34" charset="0"/>
+              </a:rPr>
+              <a:t>sed</a:t>
+            </a:r>
+            <a:r>
+              <a:rPr lang="en-GB" sz="1400" b="0" i="0" kern="1200" dirty="0">
+                <a:solidFill>
+                  <a:srgbClr val="63666A"/>
+                </a:solidFill>
+                <a:effectLst/>
+                <a:latin typeface="Arial" panose="020B0604020202020204" pitchFamily="34" charset="0"/>
+                <a:ea typeface="+mn-ea"/>
+                <a:cs typeface="Arial" panose="020B0604020202020204" pitchFamily="34" charset="0"/>
+              </a:rPr>
+              <a:t> do </a:t>
+            </a:r>
+            <a:r>
+              <a:rPr lang="en-GB" sz="1400" b="0" i="0" kern="1200" dirty="0" err="1">
+                <a:solidFill>
+                  <a:srgbClr val="63666A"/>
+                </a:solidFill>
+                <a:effectLst/>
+                <a:latin typeface="Arial" panose="020B0604020202020204" pitchFamily="34" charset="0"/>
+                <a:ea typeface="+mn-ea"/>
+                <a:cs typeface="Arial" panose="020B0604020202020204" pitchFamily="34" charset="0"/>
+              </a:rPr>
+              <a:t>eiusmod</a:t>
+            </a:r>
+            <a:r>
+              <a:rPr lang="en-GB" sz="1400" b="0" i="0" kern="1200" dirty="0">
+                <a:solidFill>
+                  <a:srgbClr val="63666A"/>
+                </a:solidFill>
+                <a:effectLst/>
+                <a:latin typeface="Arial" panose="020B0604020202020204" pitchFamily="34" charset="0"/>
+                <a:ea typeface="+mn-ea"/>
+                <a:cs typeface="Arial" panose="020B0604020202020204" pitchFamily="34" charset="0"/>
+              </a:rPr>
+              <a:t> </a:t>
+            </a:r>
+            <a:r>
+              <a:rPr lang="en-GB" sz="1400" b="0" i="0" kern="1200" dirty="0" err="1">
+                <a:solidFill>
+                  <a:srgbClr val="63666A"/>
+                </a:solidFill>
+                <a:effectLst/>
+                <a:latin typeface="Arial" panose="020B0604020202020204" pitchFamily="34" charset="0"/>
+                <a:ea typeface="+mn-ea"/>
+                <a:cs typeface="Arial" panose="020B0604020202020204" pitchFamily="34" charset="0"/>
+              </a:rPr>
+              <a:t>tempor</a:t>
+            </a:r>
+            <a:r>
+              <a:rPr lang="en-GB" sz="1400" b="0" i="0" kern="1200" dirty="0">
+                <a:solidFill>
+                  <a:srgbClr val="63666A"/>
+                </a:solidFill>
+                <a:effectLst/>
+                <a:latin typeface="Arial" panose="020B0604020202020204" pitchFamily="34" charset="0"/>
+                <a:ea typeface="+mn-ea"/>
+                <a:cs typeface="Arial" panose="020B0604020202020204" pitchFamily="34" charset="0"/>
+              </a:rPr>
+              <a:t> </a:t>
+            </a:r>
+            <a:r>
+              <a:rPr lang="en-GB" sz="1400" b="0" i="0" kern="1200" dirty="0" err="1">
+                <a:solidFill>
+                  <a:srgbClr val="63666A"/>
+                </a:solidFill>
+                <a:effectLst/>
+                <a:latin typeface="Arial" panose="020B0604020202020204" pitchFamily="34" charset="0"/>
+                <a:ea typeface="+mn-ea"/>
+                <a:cs typeface="Arial" panose="020B0604020202020204" pitchFamily="34" charset="0"/>
+              </a:rPr>
+              <a:t>incididunt</a:t>
+            </a:r>
+            <a:r>
+              <a:rPr lang="en-GB" sz="1400" b="0" i="0" kern="1200" dirty="0">
+                <a:solidFill>
+                  <a:srgbClr val="63666A"/>
+                </a:solidFill>
+                <a:effectLst/>
+                <a:latin typeface="Arial" panose="020B0604020202020204" pitchFamily="34" charset="0"/>
+                <a:ea typeface="+mn-ea"/>
+                <a:cs typeface="Arial" panose="020B0604020202020204" pitchFamily="34" charset="0"/>
+              </a:rPr>
+              <a:t> </a:t>
+            </a:r>
+            <a:r>
+              <a:rPr lang="en-GB" sz="1400" b="0" i="0" kern="1200" dirty="0" err="1">
+                <a:solidFill>
+                  <a:srgbClr val="63666A"/>
+                </a:solidFill>
+                <a:effectLst/>
+                <a:latin typeface="Arial" panose="020B0604020202020204" pitchFamily="34" charset="0"/>
+                <a:ea typeface="+mn-ea"/>
+                <a:cs typeface="Arial" panose="020B0604020202020204" pitchFamily="34" charset="0"/>
+              </a:rPr>
+              <a:t>ut</a:t>
+            </a:r>
+            <a:r>
+              <a:rPr lang="en-GB" sz="1400" b="0" i="0" kern="1200" dirty="0">
+                <a:solidFill>
+                  <a:srgbClr val="63666A"/>
+                </a:solidFill>
+                <a:effectLst/>
+                <a:latin typeface="Arial" panose="020B0604020202020204" pitchFamily="34" charset="0"/>
+                <a:ea typeface="+mn-ea"/>
+                <a:cs typeface="Arial" panose="020B0604020202020204" pitchFamily="34" charset="0"/>
+              </a:rPr>
+              <a:t> </a:t>
+            </a:r>
+            <a:r>
+              <a:rPr lang="en-GB" sz="1400" b="0" i="0" kern="1200" dirty="0" err="1">
+                <a:solidFill>
+                  <a:srgbClr val="63666A"/>
+                </a:solidFill>
+                <a:effectLst/>
+                <a:latin typeface="Arial" panose="020B0604020202020204" pitchFamily="34" charset="0"/>
+                <a:ea typeface="+mn-ea"/>
+                <a:cs typeface="Arial" panose="020B0604020202020204" pitchFamily="34" charset="0"/>
+              </a:rPr>
+              <a:t>labore</a:t>
+            </a:r>
+            <a:r>
+              <a:rPr lang="en-GB" sz="1400" b="0" i="0" kern="1200" dirty="0">
+                <a:solidFill>
+                  <a:srgbClr val="63666A"/>
+                </a:solidFill>
+                <a:effectLst/>
+                <a:latin typeface="Arial" panose="020B0604020202020204" pitchFamily="34" charset="0"/>
+                <a:ea typeface="+mn-ea"/>
+                <a:cs typeface="Arial" panose="020B0604020202020204" pitchFamily="34" charset="0"/>
+              </a:rPr>
+              <a:t> et </a:t>
+            </a:r>
+            <a:r>
+              <a:rPr lang="en-GB" sz="1400" b="0" i="0" kern="1200" dirty="0" err="1">
+                <a:solidFill>
+                  <a:srgbClr val="63666A"/>
+                </a:solidFill>
+                <a:effectLst/>
+                <a:latin typeface="Arial" panose="020B0604020202020204" pitchFamily="34" charset="0"/>
+                <a:ea typeface="+mn-ea"/>
+                <a:cs typeface="Arial" panose="020B0604020202020204" pitchFamily="34" charset="0"/>
+              </a:rPr>
+              <a:t>dolore</a:t>
+            </a:r>
+            <a:r>
+              <a:rPr lang="en-GB" sz="1400" b="0" i="0" kern="1200" dirty="0">
+                <a:solidFill>
+                  <a:srgbClr val="63666A"/>
+                </a:solidFill>
+                <a:effectLst/>
+                <a:latin typeface="Arial" panose="020B0604020202020204" pitchFamily="34" charset="0"/>
+                <a:ea typeface="+mn-ea"/>
+                <a:cs typeface="Arial" panose="020B0604020202020204" pitchFamily="34" charset="0"/>
+              </a:rPr>
+              <a:t> magna </a:t>
+            </a:r>
+            <a:r>
+              <a:rPr lang="en-GB" sz="1400" b="0" i="0" kern="1200" dirty="0" err="1">
+                <a:solidFill>
+                  <a:srgbClr val="63666A"/>
+                </a:solidFill>
+                <a:effectLst/>
+                <a:latin typeface="Arial" panose="020B0604020202020204" pitchFamily="34" charset="0"/>
+                <a:ea typeface="+mn-ea"/>
+                <a:cs typeface="Arial" panose="020B0604020202020204" pitchFamily="34" charset="0"/>
+              </a:rPr>
+              <a:t>aliqua</a:t>
+            </a:r>
+            <a:r>
+              <a:rPr lang="en-GB" sz="1400" b="0" i="0" kern="1200" dirty="0">
+                <a:solidFill>
+                  <a:srgbClr val="63666A"/>
+                </a:solidFill>
+                <a:effectLst/>
+                <a:latin typeface="Arial" panose="020B0604020202020204" pitchFamily="34" charset="0"/>
+                <a:ea typeface="+mn-ea"/>
+                <a:cs typeface="Arial" panose="020B0604020202020204" pitchFamily="34" charset="0"/>
+              </a:rPr>
+              <a:t>. </a:t>
+            </a:r>
+            <a:r>
+              <a:rPr lang="en-GB" sz="1400" b="0" i="0" kern="1200" dirty="0" err="1">
+                <a:solidFill>
+                  <a:srgbClr val="63666A"/>
+                </a:solidFill>
+                <a:effectLst/>
+                <a:latin typeface="Arial" panose="020B0604020202020204" pitchFamily="34" charset="0"/>
+                <a:ea typeface="+mn-ea"/>
+                <a:cs typeface="Arial" panose="020B0604020202020204" pitchFamily="34" charset="0"/>
+              </a:rPr>
+              <a:t>Ut</a:t>
+            </a:r>
+            <a:r>
+              <a:rPr lang="en-GB" sz="1400" b="0" i="0" kern="1200" dirty="0">
+                <a:solidFill>
+                  <a:srgbClr val="63666A"/>
+                </a:solidFill>
+                <a:effectLst/>
+                <a:latin typeface="Arial" panose="020B0604020202020204" pitchFamily="34" charset="0"/>
+                <a:ea typeface="+mn-ea"/>
+                <a:cs typeface="Arial" panose="020B0604020202020204" pitchFamily="34" charset="0"/>
+              </a:rPr>
+              <a:t> </a:t>
+            </a:r>
+            <a:r>
+              <a:rPr lang="en-GB" sz="1400" b="0" i="0" kern="1200" dirty="0" err="1">
+                <a:solidFill>
+                  <a:srgbClr val="63666A"/>
+                </a:solidFill>
+                <a:effectLst/>
+                <a:latin typeface="Arial" panose="020B0604020202020204" pitchFamily="34" charset="0"/>
+                <a:ea typeface="+mn-ea"/>
+                <a:cs typeface="Arial" panose="020B0604020202020204" pitchFamily="34" charset="0"/>
+              </a:rPr>
+              <a:t>enim</a:t>
+            </a:r>
+            <a:r>
+              <a:rPr lang="en-GB" sz="1400" b="0" i="0" kern="1200" dirty="0">
+                <a:solidFill>
+                  <a:srgbClr val="63666A"/>
+                </a:solidFill>
+                <a:effectLst/>
+                <a:latin typeface="Arial" panose="020B0604020202020204" pitchFamily="34" charset="0"/>
+                <a:ea typeface="+mn-ea"/>
+                <a:cs typeface="Arial" panose="020B0604020202020204" pitchFamily="34" charset="0"/>
+              </a:rPr>
+              <a:t> ad minim </a:t>
+            </a:r>
+            <a:r>
+              <a:rPr lang="en-GB" sz="1400" b="0" i="0" kern="1200" dirty="0" err="1">
+                <a:solidFill>
+                  <a:srgbClr val="63666A"/>
+                </a:solidFill>
+                <a:effectLst/>
+                <a:latin typeface="Arial" panose="020B0604020202020204" pitchFamily="34" charset="0"/>
+                <a:ea typeface="+mn-ea"/>
+                <a:cs typeface="Arial" panose="020B0604020202020204" pitchFamily="34" charset="0"/>
+              </a:rPr>
+              <a:t>veniam</a:t>
+            </a:r>
+            <a:r>
+              <a:rPr lang="en-GB" sz="1400" b="0" i="0" kern="1200" dirty="0">
+                <a:solidFill>
+                  <a:srgbClr val="63666A"/>
+                </a:solidFill>
+                <a:effectLst/>
+                <a:latin typeface="Arial" panose="020B0604020202020204" pitchFamily="34" charset="0"/>
+                <a:ea typeface="+mn-ea"/>
+                <a:cs typeface="Arial" panose="020B0604020202020204" pitchFamily="34" charset="0"/>
+              </a:rPr>
+              <a:t>, </a:t>
+            </a:r>
+            <a:r>
+              <a:rPr lang="en-GB" sz="1400" b="0" i="0" kern="1200" dirty="0" err="1">
+                <a:solidFill>
+                  <a:srgbClr val="63666A"/>
+                </a:solidFill>
+                <a:effectLst/>
+                <a:latin typeface="Arial" panose="020B0604020202020204" pitchFamily="34" charset="0"/>
+                <a:ea typeface="+mn-ea"/>
+                <a:cs typeface="Arial" panose="020B0604020202020204" pitchFamily="34" charset="0"/>
+              </a:rPr>
+              <a:t>quis</a:t>
+            </a:r>
+            <a:r>
+              <a:rPr lang="en-GB" sz="1400" b="0" i="0" kern="1200" dirty="0">
+                <a:solidFill>
+                  <a:srgbClr val="63666A"/>
+                </a:solidFill>
+                <a:effectLst/>
+                <a:latin typeface="Arial" panose="020B0604020202020204" pitchFamily="34" charset="0"/>
+                <a:ea typeface="+mn-ea"/>
+                <a:cs typeface="Arial" panose="020B0604020202020204" pitchFamily="34" charset="0"/>
+              </a:rPr>
+              <a:t> </a:t>
+            </a:r>
+            <a:r>
+              <a:rPr lang="en-GB" sz="1400" b="0" i="0" kern="1200" dirty="0" err="1">
+                <a:solidFill>
+                  <a:srgbClr val="63666A"/>
+                </a:solidFill>
+                <a:effectLst/>
+                <a:latin typeface="Arial" panose="020B0604020202020204" pitchFamily="34" charset="0"/>
+                <a:ea typeface="+mn-ea"/>
+                <a:cs typeface="Arial" panose="020B0604020202020204" pitchFamily="34" charset="0"/>
+              </a:rPr>
+              <a:t>nostrud</a:t>
+            </a:r>
+            <a:r>
+              <a:rPr lang="en-GB" sz="1400" b="0" i="0" kern="1200" dirty="0">
+                <a:solidFill>
+                  <a:srgbClr val="63666A"/>
+                </a:solidFill>
+                <a:effectLst/>
+                <a:latin typeface="Arial" panose="020B0604020202020204" pitchFamily="34" charset="0"/>
+                <a:ea typeface="+mn-ea"/>
+                <a:cs typeface="Arial" panose="020B0604020202020204" pitchFamily="34" charset="0"/>
+              </a:rPr>
+              <a:t>.</a:t>
+            </a:r>
+            <a:endParaRPr lang="en-US" sz="1400" dirty="0"/>
+          </a:p>
+        </p:txBody>
+      </p:sp>
+    </p:spTree>
+    <p:extLst>
+      <p:ext uri="{BB962C8B-B14F-4D97-AF65-F5344CB8AC3E}">
+        <p14:creationId xmlns:p14="http://schemas.microsoft.com/office/powerpoint/2010/main" val="78772032"/>
+      </p:ext>
+    </p:extLst>
+  </p:cSld>
+  <p:clrMapOvr>
+    <a:masterClrMapping/>
+  </p:clrMapOvr>
+</p:sldLayout>
+</file>
+
+<file path=ppt/slideLayouts/slideLayout6.xml><?xml version="1.0" encoding="utf-8"?>
+<p:sldLayout xmlns:a="http://schemas.openxmlformats.org/drawingml/2006/main" xmlns:r="http://schemas.openxmlformats.org/officeDocument/2006/relationships" xmlns:p="http://schemas.openxmlformats.org/presentationml/2006/main" preserve="1">
+  <p:cSld name="Divider slide">
+    <p:bg>
+      <p:bgPr>
+        <a:blipFill dpi="0" rotWithShape="1">
+          <a:blip r:embed="rId2">
+            <a:lum/>
+          </a:blip>
+          <a:srcRect/>
+          <a:stretch>
+            <a:fillRect/>
+          </a:stretch>
+        </a:blipFill>
+        <a:effectLst/>
+      </p:bgPr>
+    </p:bg>
+    <p:spTree>
+      <p:nvGrpSpPr>
+        <p:cNvPr id="1" name=""/>
+        <p:cNvGrpSpPr/>
+        <p:nvPr/>
+      </p:nvGrpSpPr>
+      <p:grpSpPr>
+        <a:xfrm>
+          <a:off x="0" y="0"/>
+          <a:ext cx="0" cy="0"/>
+          <a:chOff x="0" y="0"/>
+          <a:chExt cx="0" cy="0"/>
+        </a:xfrm>
+      </p:grpSpPr>
+      <p:sp>
+        <p:nvSpPr>
+          <p:cNvPr id="5" name="Title 1"/>
+          <p:cNvSpPr>
+            <a:spLocks noGrp="1"/>
+          </p:cNvSpPr>
+          <p:nvPr>
+            <p:ph type="ctrTitle" hasCustomPrompt="1"/>
+          </p:nvPr>
+        </p:nvSpPr>
+        <p:spPr>
+          <a:xfrm>
+            <a:off x="278855" y="2057036"/>
+            <a:ext cx="4256859" cy="863191"/>
+          </a:xfrm>
+          <a:prstGeom prst="rect">
+            <a:avLst/>
+          </a:prstGeom>
+        </p:spPr>
+        <p:txBody>
+          <a:bodyPr anchor="b"/>
+          <a:lstStyle>
+            <a:lvl1pPr algn="l">
+              <a:defRPr sz="4000" baseline="0">
+                <a:solidFill>
+                  <a:srgbClr val="63666A"/>
+                </a:solidFill>
+              </a:defRPr>
+            </a:lvl1pPr>
+          </a:lstStyle>
+          <a:p>
+            <a:r>
+              <a:rPr lang="en-US" dirty="0"/>
+              <a:t>Divider slide title</a:t>
+            </a:r>
+          </a:p>
+        </p:txBody>
+      </p:sp>
+      <p:sp>
+        <p:nvSpPr>
+          <p:cNvPr id="6" name="Subtitle 2"/>
+          <p:cNvSpPr>
+            <a:spLocks noGrp="1"/>
+          </p:cNvSpPr>
+          <p:nvPr>
+            <p:ph type="subTitle" idx="1" hasCustomPrompt="1"/>
+          </p:nvPr>
+        </p:nvSpPr>
+        <p:spPr>
+          <a:xfrm>
+            <a:off x="278854" y="2963405"/>
+            <a:ext cx="4256859" cy="551951"/>
+          </a:xfrm>
+          <a:prstGeom prst="rect">
+            <a:avLst/>
+          </a:prstGeom>
+        </p:spPr>
+        <p:txBody>
+          <a:bodyPr/>
+          <a:lstStyle>
+            <a:lvl1pPr marL="0" indent="0" algn="l">
+              <a:buNone/>
+              <a:defRPr sz="2000" baseline="0">
+                <a:solidFill>
+                  <a:srgbClr val="63666A"/>
+                </a:solidFill>
+                <a:latin typeface="Arial" panose="020B0604020202020204" pitchFamily="34" charset="0"/>
+                <a:cs typeface="Arial" panose="020B0604020202020204" pitchFamily="34" charset="0"/>
+              </a:defRPr>
+            </a:lvl1pPr>
+            <a:lvl2pPr marL="457200" indent="0" algn="ctr">
+              <a:buNone/>
+              <a:defRPr sz="2000"/>
+            </a:lvl2pPr>
+            <a:lvl3pPr marL="914400" indent="0" algn="ctr">
+              <a:buNone/>
+              <a:defRPr sz="1800"/>
+            </a:lvl3pPr>
+            <a:lvl4pPr marL="1371600" indent="0" algn="ctr">
+              <a:buNone/>
+              <a:defRPr sz="1600"/>
+            </a:lvl4pPr>
+            <a:lvl5pPr marL="1828800" indent="0" algn="ctr">
+              <a:buNone/>
+              <a:defRPr sz="1600"/>
+            </a:lvl5pPr>
+            <a:lvl6pPr marL="2286000" indent="0" algn="ctr">
+              <a:buNone/>
+              <a:defRPr sz="1600"/>
+            </a:lvl6pPr>
+            <a:lvl7pPr marL="2743200" indent="0" algn="ctr">
+              <a:buNone/>
+              <a:defRPr sz="1600"/>
+            </a:lvl7pPr>
+            <a:lvl8pPr marL="3200400" indent="0" algn="ctr">
+              <a:buNone/>
+              <a:defRPr sz="1600"/>
+            </a:lvl8pPr>
+            <a:lvl9pPr marL="3657600" indent="0" algn="ctr">
+              <a:buNone/>
+              <a:defRPr sz="1600"/>
+            </a:lvl9pPr>
+          </a:lstStyle>
+          <a:p>
+            <a:r>
+              <a:rPr lang="en-US" dirty="0"/>
+              <a:t>Subheading</a:t>
+            </a:r>
+          </a:p>
+        </p:txBody>
+      </p:sp>
+    </p:spTree>
+    <p:extLst>
+      <p:ext uri="{BB962C8B-B14F-4D97-AF65-F5344CB8AC3E}">
+        <p14:creationId xmlns:p14="http://schemas.microsoft.com/office/powerpoint/2010/main" val="3083392217"/>
+      </p:ext>
+    </p:extLst>
+  </p:cSld>
+  <p:clrMapOvr>
+    <a:masterClrMapping/>
+  </p:clrMapOvr>
+</p:sldLayout>
+</file>
+
+<file path=ppt/slideLayouts/slideLayout7.xml><?xml version="1.0" encoding="utf-8"?>
+<p:sldLayout xmlns:a="http://schemas.openxmlformats.org/drawingml/2006/main" xmlns:r="http://schemas.openxmlformats.org/officeDocument/2006/relationships" xmlns:p="http://schemas.openxmlformats.org/presentationml/2006/main" type="obj">
   <p:cSld name="Title and Content">
     <p:spTree>
       <p:nvGrpSpPr>
@@ -4738,7 +8255,7 @@
             <a:pPr lvl="0"/>
             <a:r>
               <a:rPr lang="en-US" smtClean="0"/>
-              <a:t>Click to edit Master text styles</a:t>
+              <a:t>Edit Master text styles</a:t>
             </a:r>
           </a:p>
           <a:p>
@@ -4782,19 +8299,23 @@
             <p:ph type="dt" sz="half" idx="10"/>
           </p:nvPr>
         </p:nvSpPr>
-        <p:spPr/>
+        <p:spPr>
+          <a:xfrm>
+            <a:off x="628650" y="6356351"/>
+            <a:ext cx="2057400" cy="365125"/>
+          </a:xfrm>
+          <a:prstGeom prst="rect">
+            <a:avLst/>
+          </a:prstGeom>
+        </p:spPr>
         <p:txBody>
           <a:bodyPr/>
-          <a:lstStyle>
-            <a:lvl1pPr>
-              <a:defRPr/>
-            </a:lvl1pPr>
-          </a:lstStyle>
+          <a:lstStyle/>
           <a:p>
             <a:fld id="{FA908017-0343-2E4A-A971-A34E43823FE2}" type="datetimeFigureOut">
-              <a:rPr lang="en-GB"/>
+              <a:rPr lang="en-GB" smtClean="0"/>
               <a:pPr/>
-              <a:t>25/09/2018</a:t>
+              <a:t>26/09/2018</a:t>
             </a:fld>
             <a:endParaRPr lang="en-GB"/>
           </a:p>
@@ -4810,14 +8331,18 @@
             <p:ph type="ftr" sz="quarter" idx="11"/>
           </p:nvPr>
         </p:nvSpPr>
-        <p:spPr/>
+        <p:spPr>
+          <a:xfrm>
+            <a:off x="3028950" y="6356351"/>
+            <a:ext cx="3086100" cy="365125"/>
+          </a:xfrm>
+          <a:prstGeom prst="rect">
+            <a:avLst/>
+          </a:prstGeom>
+        </p:spPr>
         <p:txBody>
           <a:bodyPr/>
-          <a:lstStyle>
-            <a:lvl1pPr>
-              <a:defRPr/>
-            </a:lvl1pPr>
-          </a:lstStyle>
+          <a:lstStyle/>
           <a:p>
             <a:pPr>
               <a:defRPr/>
@@ -4836,17 +8361,21 @@
             <p:ph type="sldNum" sz="quarter" idx="12"/>
           </p:nvPr>
         </p:nvSpPr>
-        <p:spPr/>
+        <p:spPr>
+          <a:xfrm>
+            <a:off x="6457950" y="6356351"/>
+            <a:ext cx="2057400" cy="365125"/>
+          </a:xfrm>
+          <a:prstGeom prst="rect">
+            <a:avLst/>
+          </a:prstGeom>
+        </p:spPr>
         <p:txBody>
           <a:bodyPr/>
-          <a:lstStyle>
-            <a:lvl1pPr>
-              <a:defRPr/>
-            </a:lvl1pPr>
-          </a:lstStyle>
+          <a:lstStyle/>
           <a:p>
             <a:fld id="{F56BD845-0D19-EE4E-AF80-474D85811BBC}" type="slidenum">
-              <a:rPr lang="en-GB"/>
+              <a:rPr lang="en-GB" smtClean="0"/>
               <a:pPr/>
               <a:t>‹#›</a:t>
             </a:fld>
@@ -4857,1828 +8386,7 @@
     </p:spTree>
     <p:extLst>
       <p:ext uri="{BB962C8B-B14F-4D97-AF65-F5344CB8AC3E}">
-        <p14:creationId xmlns:p14="http://schemas.microsoft.com/office/powerpoint/2010/main" val="3735477937"/>
-      </p:ext>
-    </p:extLst>
-  </p:cSld>
-  <p:clrMapOvr>
-    <a:masterClrMapping/>
-  </p:clrMapOvr>
-</p:sldLayout>
-</file>
-
-<file path=ppt/slideLayouts/slideLayout3.xml><?xml version="1.0" encoding="utf-8"?>
-<p:sldLayout xmlns:a="http://schemas.openxmlformats.org/drawingml/2006/main" xmlns:r="http://schemas.openxmlformats.org/officeDocument/2006/relationships" xmlns:p="http://schemas.openxmlformats.org/presentationml/2006/main" type="secHead" preserve="1">
-  <p:cSld name="Section Header">
-    <p:spTree>
-      <p:nvGrpSpPr>
-        <p:cNvPr id="1" name=""/>
-        <p:cNvGrpSpPr/>
-        <p:nvPr/>
-      </p:nvGrpSpPr>
-      <p:grpSpPr>
-        <a:xfrm>
-          <a:off x="0" y="0"/>
-          <a:ext cx="0" cy="0"/>
-          <a:chOff x="0" y="0"/>
-          <a:chExt cx="0" cy="0"/>
-        </a:xfrm>
-      </p:grpSpPr>
-      <p:sp>
-        <p:nvSpPr>
-          <p:cNvPr id="2" name="Title 1"/>
-          <p:cNvSpPr>
-            <a:spLocks noGrp="1"/>
-          </p:cNvSpPr>
-          <p:nvPr>
-            <p:ph type="title"/>
-          </p:nvPr>
-        </p:nvSpPr>
-        <p:spPr>
-          <a:xfrm>
-            <a:off x="722313" y="4406900"/>
-            <a:ext cx="7772400" cy="1362075"/>
-          </a:xfrm>
-        </p:spPr>
-        <p:txBody>
-          <a:bodyPr anchor="t"/>
-          <a:lstStyle>
-            <a:lvl1pPr algn="l">
-              <a:defRPr sz="4000" b="1" cap="all"/>
-            </a:lvl1pPr>
-          </a:lstStyle>
-          <a:p>
-            <a:r>
-              <a:rPr lang="en-US" smtClean="0"/>
-              <a:t>Click to edit Master title style</a:t>
-            </a:r>
-            <a:endParaRPr lang="en-GB"/>
-          </a:p>
-        </p:txBody>
-      </p:sp>
-      <p:sp>
-        <p:nvSpPr>
-          <p:cNvPr id="3" name="Text Placeholder 2"/>
-          <p:cNvSpPr>
-            <a:spLocks noGrp="1"/>
-          </p:cNvSpPr>
-          <p:nvPr>
-            <p:ph type="body" idx="1"/>
-          </p:nvPr>
-        </p:nvSpPr>
-        <p:spPr>
-          <a:xfrm>
-            <a:off x="722313" y="2906713"/>
-            <a:ext cx="7772400" cy="1500187"/>
-          </a:xfrm>
-        </p:spPr>
-        <p:txBody>
-          <a:bodyPr anchor="b"/>
-          <a:lstStyle>
-            <a:lvl1pPr marL="0" indent="0">
-              <a:buNone/>
-              <a:defRPr sz="2000">
-                <a:solidFill>
-                  <a:schemeClr val="tx1">
-                    <a:tint val="75000"/>
-                  </a:schemeClr>
-                </a:solidFill>
-              </a:defRPr>
-            </a:lvl1pPr>
-            <a:lvl2pPr marL="457200" indent="0">
-              <a:buNone/>
-              <a:defRPr sz="1800">
-                <a:solidFill>
-                  <a:schemeClr val="tx1">
-                    <a:tint val="75000"/>
-                  </a:schemeClr>
-                </a:solidFill>
-              </a:defRPr>
-            </a:lvl2pPr>
-            <a:lvl3pPr marL="914400" indent="0">
-              <a:buNone/>
-              <a:defRPr sz="1600">
-                <a:solidFill>
-                  <a:schemeClr val="tx1">
-                    <a:tint val="75000"/>
-                  </a:schemeClr>
-                </a:solidFill>
-              </a:defRPr>
-            </a:lvl3pPr>
-            <a:lvl4pPr marL="1371600" indent="0">
-              <a:buNone/>
-              <a:defRPr sz="1400">
-                <a:solidFill>
-                  <a:schemeClr val="tx1">
-                    <a:tint val="75000"/>
-                  </a:schemeClr>
-                </a:solidFill>
-              </a:defRPr>
-            </a:lvl4pPr>
-            <a:lvl5pPr marL="1828800" indent="0">
-              <a:buNone/>
-              <a:defRPr sz="1400">
-                <a:solidFill>
-                  <a:schemeClr val="tx1">
-                    <a:tint val="75000"/>
-                  </a:schemeClr>
-                </a:solidFill>
-              </a:defRPr>
-            </a:lvl5pPr>
-            <a:lvl6pPr marL="2286000" indent="0">
-              <a:buNone/>
-              <a:defRPr sz="1400">
-                <a:solidFill>
-                  <a:schemeClr val="tx1">
-                    <a:tint val="75000"/>
-                  </a:schemeClr>
-                </a:solidFill>
-              </a:defRPr>
-            </a:lvl6pPr>
-            <a:lvl7pPr marL="2743200" indent="0">
-              <a:buNone/>
-              <a:defRPr sz="1400">
-                <a:solidFill>
-                  <a:schemeClr val="tx1">
-                    <a:tint val="75000"/>
-                  </a:schemeClr>
-                </a:solidFill>
-              </a:defRPr>
-            </a:lvl7pPr>
-            <a:lvl8pPr marL="3200400" indent="0">
-              <a:buNone/>
-              <a:defRPr sz="1400">
-                <a:solidFill>
-                  <a:schemeClr val="tx1">
-                    <a:tint val="75000"/>
-                  </a:schemeClr>
-                </a:solidFill>
-              </a:defRPr>
-            </a:lvl8pPr>
-            <a:lvl9pPr marL="3657600" indent="0">
-              <a:buNone/>
-              <a:defRPr sz="1400">
-                <a:solidFill>
-                  <a:schemeClr val="tx1">
-                    <a:tint val="75000"/>
-                  </a:schemeClr>
-                </a:solidFill>
-              </a:defRPr>
-            </a:lvl9pPr>
-          </a:lstStyle>
-          <a:p>
-            <a:pPr lvl="0"/>
-            <a:r>
-              <a:rPr lang="en-US" smtClean="0"/>
-              <a:t>Click to edit Master text styles</a:t>
-            </a:r>
-          </a:p>
-        </p:txBody>
-      </p:sp>
-      <p:sp>
-        <p:nvSpPr>
-          <p:cNvPr id="4" name="Date Placeholder 3"/>
-          <p:cNvSpPr>
-            <a:spLocks noGrp="1"/>
-          </p:cNvSpPr>
-          <p:nvPr>
-            <p:ph type="dt" sz="half" idx="10"/>
-          </p:nvPr>
-        </p:nvSpPr>
-        <p:spPr/>
-        <p:txBody>
-          <a:bodyPr/>
-          <a:lstStyle>
-            <a:lvl1pPr>
-              <a:defRPr/>
-            </a:lvl1pPr>
-          </a:lstStyle>
-          <a:p>
-            <a:fld id="{7262627B-B807-9440-AD38-D8B4DA6F586E}" type="datetimeFigureOut">
-              <a:rPr lang="en-GB"/>
-              <a:pPr/>
-              <a:t>25/09/2018</a:t>
-            </a:fld>
-            <a:endParaRPr lang="en-GB"/>
-          </a:p>
-        </p:txBody>
-      </p:sp>
-      <p:sp>
-        <p:nvSpPr>
-          <p:cNvPr id="5" name="Footer Placeholder 4"/>
-          <p:cNvSpPr>
-            <a:spLocks noGrp="1"/>
-          </p:cNvSpPr>
-          <p:nvPr>
-            <p:ph type="ftr" sz="quarter" idx="11"/>
-          </p:nvPr>
-        </p:nvSpPr>
-        <p:spPr/>
-        <p:txBody>
-          <a:bodyPr/>
-          <a:lstStyle>
-            <a:lvl1pPr>
-              <a:defRPr/>
-            </a:lvl1pPr>
-          </a:lstStyle>
-          <a:p>
-            <a:pPr>
-              <a:defRPr/>
-            </a:pPr>
-            <a:endParaRPr lang="en-GB"/>
-          </a:p>
-        </p:txBody>
-      </p:sp>
-      <p:sp>
-        <p:nvSpPr>
-          <p:cNvPr id="6" name="Slide Number Placeholder 5"/>
-          <p:cNvSpPr>
-            <a:spLocks noGrp="1"/>
-          </p:cNvSpPr>
-          <p:nvPr>
-            <p:ph type="sldNum" sz="quarter" idx="12"/>
-          </p:nvPr>
-        </p:nvSpPr>
-        <p:spPr/>
-        <p:txBody>
-          <a:bodyPr/>
-          <a:lstStyle>
-            <a:lvl1pPr>
-              <a:defRPr/>
-            </a:lvl1pPr>
-          </a:lstStyle>
-          <a:p>
-            <a:fld id="{87234904-70B9-4E4A-B87C-7239590E91DE}" type="slidenum">
-              <a:rPr lang="en-GB"/>
-              <a:pPr/>
-              <a:t>‹#›</a:t>
-            </a:fld>
-            <a:endParaRPr lang="en-GB"/>
-          </a:p>
-        </p:txBody>
-      </p:sp>
-    </p:spTree>
-    <p:extLst>
-      <p:ext uri="{BB962C8B-B14F-4D97-AF65-F5344CB8AC3E}">
-        <p14:creationId xmlns:p14="http://schemas.microsoft.com/office/powerpoint/2010/main" val="314903147"/>
-      </p:ext>
-    </p:extLst>
-  </p:cSld>
-  <p:clrMapOvr>
-    <a:masterClrMapping/>
-  </p:clrMapOvr>
-</p:sldLayout>
-</file>
-
-<file path=ppt/slideLayouts/slideLayout4.xml><?xml version="1.0" encoding="utf-8"?>
-<p:sldLayout xmlns:a="http://schemas.openxmlformats.org/drawingml/2006/main" xmlns:r="http://schemas.openxmlformats.org/officeDocument/2006/relationships" xmlns:p="http://schemas.openxmlformats.org/presentationml/2006/main" type="twoObj" preserve="1">
-  <p:cSld name="Two Content">
-    <p:spTree>
-      <p:nvGrpSpPr>
-        <p:cNvPr id="1" name=""/>
-        <p:cNvGrpSpPr/>
-        <p:nvPr/>
-      </p:nvGrpSpPr>
-      <p:grpSpPr>
-        <a:xfrm>
-          <a:off x="0" y="0"/>
-          <a:ext cx="0" cy="0"/>
-          <a:chOff x="0" y="0"/>
-          <a:chExt cx="0" cy="0"/>
-        </a:xfrm>
-      </p:grpSpPr>
-      <p:sp>
-        <p:nvSpPr>
-          <p:cNvPr id="2" name="Title 1"/>
-          <p:cNvSpPr>
-            <a:spLocks noGrp="1"/>
-          </p:cNvSpPr>
-          <p:nvPr>
-            <p:ph type="title"/>
-          </p:nvPr>
-        </p:nvSpPr>
-        <p:spPr/>
-        <p:txBody>
-          <a:bodyPr/>
-          <a:lstStyle/>
-          <a:p>
-            <a:r>
-              <a:rPr lang="en-US" smtClean="0"/>
-              <a:t>Click to edit Master title style</a:t>
-            </a:r>
-            <a:endParaRPr lang="en-GB"/>
-          </a:p>
-        </p:txBody>
-      </p:sp>
-      <p:sp>
-        <p:nvSpPr>
-          <p:cNvPr id="3" name="Content Placeholder 2"/>
-          <p:cNvSpPr>
-            <a:spLocks noGrp="1"/>
-          </p:cNvSpPr>
-          <p:nvPr>
-            <p:ph sz="half" idx="1"/>
-          </p:nvPr>
-        </p:nvSpPr>
-        <p:spPr>
-          <a:xfrm>
-            <a:off x="457200" y="1600200"/>
-            <a:ext cx="4038600" cy="4525963"/>
-          </a:xfrm>
-        </p:spPr>
-        <p:txBody>
-          <a:bodyPr/>
-          <a:lstStyle>
-            <a:lvl1pPr>
-              <a:defRPr sz="2800"/>
-            </a:lvl1pPr>
-            <a:lvl2pPr>
-              <a:defRPr sz="2400"/>
-            </a:lvl2pPr>
-            <a:lvl3pPr>
-              <a:defRPr sz="2000"/>
-            </a:lvl3pPr>
-            <a:lvl4pPr>
-              <a:defRPr sz="1800"/>
-            </a:lvl4pPr>
-            <a:lvl5pPr>
-              <a:defRPr sz="1800"/>
-            </a:lvl5pPr>
-            <a:lvl6pPr>
-              <a:defRPr sz="1800"/>
-            </a:lvl6pPr>
-            <a:lvl7pPr>
-              <a:defRPr sz="1800"/>
-            </a:lvl7pPr>
-            <a:lvl8pPr>
-              <a:defRPr sz="1800"/>
-            </a:lvl8pPr>
-            <a:lvl9pPr>
-              <a:defRPr sz="1800"/>
-            </a:lvl9pPr>
-          </a:lstStyle>
-          <a:p>
-            <a:pPr lvl="0"/>
-            <a:r>
-              <a:rPr lang="en-US" smtClean="0"/>
-              <a:t>Click to edit Master text styles</a:t>
-            </a:r>
-          </a:p>
-          <a:p>
-            <a:pPr lvl="1"/>
-            <a:r>
-              <a:rPr lang="en-US" smtClean="0"/>
-              <a:t>Second level</a:t>
-            </a:r>
-          </a:p>
-          <a:p>
-            <a:pPr lvl="2"/>
-            <a:r>
-              <a:rPr lang="en-US" smtClean="0"/>
-              <a:t>Third level</a:t>
-            </a:r>
-          </a:p>
-          <a:p>
-            <a:pPr lvl="3"/>
-            <a:r>
-              <a:rPr lang="en-US" smtClean="0"/>
-              <a:t>Fourth level</a:t>
-            </a:r>
-          </a:p>
-          <a:p>
-            <a:pPr lvl="4"/>
-            <a:r>
-              <a:rPr lang="en-US" smtClean="0"/>
-              <a:t>Fifth level</a:t>
-            </a:r>
-            <a:endParaRPr lang="en-GB"/>
-          </a:p>
-        </p:txBody>
-      </p:sp>
-      <p:sp>
-        <p:nvSpPr>
-          <p:cNvPr id="4" name="Content Placeholder 3"/>
-          <p:cNvSpPr>
-            <a:spLocks noGrp="1"/>
-          </p:cNvSpPr>
-          <p:nvPr>
-            <p:ph sz="half" idx="2"/>
-          </p:nvPr>
-        </p:nvSpPr>
-        <p:spPr>
-          <a:xfrm>
-            <a:off x="4648200" y="1600200"/>
-            <a:ext cx="4038600" cy="4525963"/>
-          </a:xfrm>
-        </p:spPr>
-        <p:txBody>
-          <a:bodyPr/>
-          <a:lstStyle>
-            <a:lvl1pPr>
-              <a:defRPr sz="2800"/>
-            </a:lvl1pPr>
-            <a:lvl2pPr>
-              <a:defRPr sz="2400"/>
-            </a:lvl2pPr>
-            <a:lvl3pPr>
-              <a:defRPr sz="2000"/>
-            </a:lvl3pPr>
-            <a:lvl4pPr>
-              <a:defRPr sz="1800"/>
-            </a:lvl4pPr>
-            <a:lvl5pPr>
-              <a:defRPr sz="1800"/>
-            </a:lvl5pPr>
-            <a:lvl6pPr>
-              <a:defRPr sz="1800"/>
-            </a:lvl6pPr>
-            <a:lvl7pPr>
-              <a:defRPr sz="1800"/>
-            </a:lvl7pPr>
-            <a:lvl8pPr>
-              <a:defRPr sz="1800"/>
-            </a:lvl8pPr>
-            <a:lvl9pPr>
-              <a:defRPr sz="1800"/>
-            </a:lvl9pPr>
-          </a:lstStyle>
-          <a:p>
-            <a:pPr lvl="0"/>
-            <a:r>
-              <a:rPr lang="en-US" smtClean="0"/>
-              <a:t>Click to edit Master text styles</a:t>
-            </a:r>
-          </a:p>
-          <a:p>
-            <a:pPr lvl="1"/>
-            <a:r>
-              <a:rPr lang="en-US" smtClean="0"/>
-              <a:t>Second level</a:t>
-            </a:r>
-          </a:p>
-          <a:p>
-            <a:pPr lvl="2"/>
-            <a:r>
-              <a:rPr lang="en-US" smtClean="0"/>
-              <a:t>Third level</a:t>
-            </a:r>
-          </a:p>
-          <a:p>
-            <a:pPr lvl="3"/>
-            <a:r>
-              <a:rPr lang="en-US" smtClean="0"/>
-              <a:t>Fourth level</a:t>
-            </a:r>
-          </a:p>
-          <a:p>
-            <a:pPr lvl="4"/>
-            <a:r>
-              <a:rPr lang="en-US" smtClean="0"/>
-              <a:t>Fifth level</a:t>
-            </a:r>
-            <a:endParaRPr lang="en-GB"/>
-          </a:p>
-        </p:txBody>
-      </p:sp>
-      <p:sp>
-        <p:nvSpPr>
-          <p:cNvPr id="5" name="Date Placeholder 3"/>
-          <p:cNvSpPr>
-            <a:spLocks noGrp="1"/>
-          </p:cNvSpPr>
-          <p:nvPr>
-            <p:ph type="dt" sz="half" idx="10"/>
-          </p:nvPr>
-        </p:nvSpPr>
-        <p:spPr/>
-        <p:txBody>
-          <a:bodyPr/>
-          <a:lstStyle>
-            <a:lvl1pPr>
-              <a:defRPr/>
-            </a:lvl1pPr>
-          </a:lstStyle>
-          <a:p>
-            <a:fld id="{96AD9194-77F4-8A47-892A-B7B6CD36162F}" type="datetimeFigureOut">
-              <a:rPr lang="en-GB"/>
-              <a:pPr/>
-              <a:t>25/09/2018</a:t>
-            </a:fld>
-            <a:endParaRPr lang="en-GB"/>
-          </a:p>
-        </p:txBody>
-      </p:sp>
-      <p:sp>
-        <p:nvSpPr>
-          <p:cNvPr id="6" name="Footer Placeholder 4"/>
-          <p:cNvSpPr>
-            <a:spLocks noGrp="1"/>
-          </p:cNvSpPr>
-          <p:nvPr>
-            <p:ph type="ftr" sz="quarter" idx="11"/>
-          </p:nvPr>
-        </p:nvSpPr>
-        <p:spPr/>
-        <p:txBody>
-          <a:bodyPr/>
-          <a:lstStyle>
-            <a:lvl1pPr>
-              <a:defRPr/>
-            </a:lvl1pPr>
-          </a:lstStyle>
-          <a:p>
-            <a:pPr>
-              <a:defRPr/>
-            </a:pPr>
-            <a:endParaRPr lang="en-GB"/>
-          </a:p>
-        </p:txBody>
-      </p:sp>
-      <p:sp>
-        <p:nvSpPr>
-          <p:cNvPr id="7" name="Slide Number Placeholder 5"/>
-          <p:cNvSpPr>
-            <a:spLocks noGrp="1"/>
-          </p:cNvSpPr>
-          <p:nvPr>
-            <p:ph type="sldNum" sz="quarter" idx="12"/>
-          </p:nvPr>
-        </p:nvSpPr>
-        <p:spPr/>
-        <p:txBody>
-          <a:bodyPr/>
-          <a:lstStyle>
-            <a:lvl1pPr>
-              <a:defRPr/>
-            </a:lvl1pPr>
-          </a:lstStyle>
-          <a:p>
-            <a:fld id="{19E2E599-E370-C848-8989-183614145EB7}" type="slidenum">
-              <a:rPr lang="en-GB"/>
-              <a:pPr/>
-              <a:t>‹#›</a:t>
-            </a:fld>
-            <a:endParaRPr lang="en-GB"/>
-          </a:p>
-        </p:txBody>
-      </p:sp>
-    </p:spTree>
-    <p:extLst>
-      <p:ext uri="{BB962C8B-B14F-4D97-AF65-F5344CB8AC3E}">
-        <p14:creationId xmlns:p14="http://schemas.microsoft.com/office/powerpoint/2010/main" val="2643811521"/>
-      </p:ext>
-    </p:extLst>
-  </p:cSld>
-  <p:clrMapOvr>
-    <a:masterClrMapping/>
-  </p:clrMapOvr>
-</p:sldLayout>
-</file>
-
-<file path=ppt/slideLayouts/slideLayout5.xml><?xml version="1.0" encoding="utf-8"?>
-<p:sldLayout xmlns:a="http://schemas.openxmlformats.org/drawingml/2006/main" xmlns:r="http://schemas.openxmlformats.org/officeDocument/2006/relationships" xmlns:p="http://schemas.openxmlformats.org/presentationml/2006/main" type="twoTxTwoObj" preserve="1">
-  <p:cSld name="Comparison">
-    <p:spTree>
-      <p:nvGrpSpPr>
-        <p:cNvPr id="1" name=""/>
-        <p:cNvGrpSpPr/>
-        <p:nvPr/>
-      </p:nvGrpSpPr>
-      <p:grpSpPr>
-        <a:xfrm>
-          <a:off x="0" y="0"/>
-          <a:ext cx="0" cy="0"/>
-          <a:chOff x="0" y="0"/>
-          <a:chExt cx="0" cy="0"/>
-        </a:xfrm>
-      </p:grpSpPr>
-      <p:sp>
-        <p:nvSpPr>
-          <p:cNvPr id="2" name="Title 1"/>
-          <p:cNvSpPr>
-            <a:spLocks noGrp="1"/>
-          </p:cNvSpPr>
-          <p:nvPr>
-            <p:ph type="title"/>
-          </p:nvPr>
-        </p:nvSpPr>
-        <p:spPr/>
-        <p:txBody>
-          <a:bodyPr/>
-          <a:lstStyle>
-            <a:lvl1pPr>
-              <a:defRPr/>
-            </a:lvl1pPr>
-          </a:lstStyle>
-          <a:p>
-            <a:r>
-              <a:rPr lang="en-US" smtClean="0"/>
-              <a:t>Click to edit Master title style</a:t>
-            </a:r>
-            <a:endParaRPr lang="en-GB"/>
-          </a:p>
-        </p:txBody>
-      </p:sp>
-      <p:sp>
-        <p:nvSpPr>
-          <p:cNvPr id="3" name="Text Placeholder 2"/>
-          <p:cNvSpPr>
-            <a:spLocks noGrp="1"/>
-          </p:cNvSpPr>
-          <p:nvPr>
-            <p:ph type="body" idx="1"/>
-          </p:nvPr>
-        </p:nvSpPr>
-        <p:spPr>
-          <a:xfrm>
-            <a:off x="457200" y="1535113"/>
-            <a:ext cx="4040188" cy="639762"/>
-          </a:xfrm>
-        </p:spPr>
-        <p:txBody>
-          <a:bodyPr anchor="b"/>
-          <a:lstStyle>
-            <a:lvl1pPr marL="0" indent="0">
-              <a:buNone/>
-              <a:defRPr sz="2400" b="1"/>
-            </a:lvl1pPr>
-            <a:lvl2pPr marL="457200" indent="0">
-              <a:buNone/>
-              <a:defRPr sz="2000" b="1"/>
-            </a:lvl2pPr>
-            <a:lvl3pPr marL="914400" indent="0">
-              <a:buNone/>
-              <a:defRPr sz="1800" b="1"/>
-            </a:lvl3pPr>
-            <a:lvl4pPr marL="1371600" indent="0">
-              <a:buNone/>
-              <a:defRPr sz="1600" b="1"/>
-            </a:lvl4pPr>
-            <a:lvl5pPr marL="1828800" indent="0">
-              <a:buNone/>
-              <a:defRPr sz="1600" b="1"/>
-            </a:lvl5pPr>
-            <a:lvl6pPr marL="2286000" indent="0">
-              <a:buNone/>
-              <a:defRPr sz="1600" b="1"/>
-            </a:lvl6pPr>
-            <a:lvl7pPr marL="2743200" indent="0">
-              <a:buNone/>
-              <a:defRPr sz="1600" b="1"/>
-            </a:lvl7pPr>
-            <a:lvl8pPr marL="3200400" indent="0">
-              <a:buNone/>
-              <a:defRPr sz="1600" b="1"/>
-            </a:lvl8pPr>
-            <a:lvl9pPr marL="3657600" indent="0">
-              <a:buNone/>
-              <a:defRPr sz="1600" b="1"/>
-            </a:lvl9pPr>
-          </a:lstStyle>
-          <a:p>
-            <a:pPr lvl="0"/>
-            <a:r>
-              <a:rPr lang="en-US" smtClean="0"/>
-              <a:t>Click to edit Master text styles</a:t>
-            </a:r>
-          </a:p>
-        </p:txBody>
-      </p:sp>
-      <p:sp>
-        <p:nvSpPr>
-          <p:cNvPr id="4" name="Content Placeholder 3"/>
-          <p:cNvSpPr>
-            <a:spLocks noGrp="1"/>
-          </p:cNvSpPr>
-          <p:nvPr>
-            <p:ph sz="half" idx="2"/>
-          </p:nvPr>
-        </p:nvSpPr>
-        <p:spPr>
-          <a:xfrm>
-            <a:off x="457200" y="2174875"/>
-            <a:ext cx="4040188" cy="3951288"/>
-          </a:xfrm>
-        </p:spPr>
-        <p:txBody>
-          <a:bodyPr/>
-          <a:lstStyle>
-            <a:lvl1pPr>
-              <a:defRPr sz="2400"/>
-            </a:lvl1pPr>
-            <a:lvl2pPr>
-              <a:defRPr sz="2000"/>
-            </a:lvl2pPr>
-            <a:lvl3pPr>
-              <a:defRPr sz="1800"/>
-            </a:lvl3pPr>
-            <a:lvl4pPr>
-              <a:defRPr sz="1600"/>
-            </a:lvl4pPr>
-            <a:lvl5pPr>
-              <a:defRPr sz="1600"/>
-            </a:lvl5pPr>
-            <a:lvl6pPr>
-              <a:defRPr sz="1600"/>
-            </a:lvl6pPr>
-            <a:lvl7pPr>
-              <a:defRPr sz="1600"/>
-            </a:lvl7pPr>
-            <a:lvl8pPr>
-              <a:defRPr sz="1600"/>
-            </a:lvl8pPr>
-            <a:lvl9pPr>
-              <a:defRPr sz="1600"/>
-            </a:lvl9pPr>
-          </a:lstStyle>
-          <a:p>
-            <a:pPr lvl="0"/>
-            <a:r>
-              <a:rPr lang="en-US" smtClean="0"/>
-              <a:t>Click to edit Master text styles</a:t>
-            </a:r>
-          </a:p>
-          <a:p>
-            <a:pPr lvl="1"/>
-            <a:r>
-              <a:rPr lang="en-US" smtClean="0"/>
-              <a:t>Second level</a:t>
-            </a:r>
-          </a:p>
-          <a:p>
-            <a:pPr lvl="2"/>
-            <a:r>
-              <a:rPr lang="en-US" smtClean="0"/>
-              <a:t>Third level</a:t>
-            </a:r>
-          </a:p>
-          <a:p>
-            <a:pPr lvl="3"/>
-            <a:r>
-              <a:rPr lang="en-US" smtClean="0"/>
-              <a:t>Fourth level</a:t>
-            </a:r>
-          </a:p>
-          <a:p>
-            <a:pPr lvl="4"/>
-            <a:r>
-              <a:rPr lang="en-US" smtClean="0"/>
-              <a:t>Fifth level</a:t>
-            </a:r>
-            <a:endParaRPr lang="en-GB"/>
-          </a:p>
-        </p:txBody>
-      </p:sp>
-      <p:sp>
-        <p:nvSpPr>
-          <p:cNvPr id="5" name="Text Placeholder 4"/>
-          <p:cNvSpPr>
-            <a:spLocks noGrp="1"/>
-          </p:cNvSpPr>
-          <p:nvPr>
-            <p:ph type="body" sz="quarter" idx="3"/>
-          </p:nvPr>
-        </p:nvSpPr>
-        <p:spPr>
-          <a:xfrm>
-            <a:off x="4645025" y="1535113"/>
-            <a:ext cx="4041775" cy="639762"/>
-          </a:xfrm>
-        </p:spPr>
-        <p:txBody>
-          <a:bodyPr anchor="b"/>
-          <a:lstStyle>
-            <a:lvl1pPr marL="0" indent="0">
-              <a:buNone/>
-              <a:defRPr sz="2400" b="1"/>
-            </a:lvl1pPr>
-            <a:lvl2pPr marL="457200" indent="0">
-              <a:buNone/>
-              <a:defRPr sz="2000" b="1"/>
-            </a:lvl2pPr>
-            <a:lvl3pPr marL="914400" indent="0">
-              <a:buNone/>
-              <a:defRPr sz="1800" b="1"/>
-            </a:lvl3pPr>
-            <a:lvl4pPr marL="1371600" indent="0">
-              <a:buNone/>
-              <a:defRPr sz="1600" b="1"/>
-            </a:lvl4pPr>
-            <a:lvl5pPr marL="1828800" indent="0">
-              <a:buNone/>
-              <a:defRPr sz="1600" b="1"/>
-            </a:lvl5pPr>
-            <a:lvl6pPr marL="2286000" indent="0">
-              <a:buNone/>
-              <a:defRPr sz="1600" b="1"/>
-            </a:lvl6pPr>
-            <a:lvl7pPr marL="2743200" indent="0">
-              <a:buNone/>
-              <a:defRPr sz="1600" b="1"/>
-            </a:lvl7pPr>
-            <a:lvl8pPr marL="3200400" indent="0">
-              <a:buNone/>
-              <a:defRPr sz="1600" b="1"/>
-            </a:lvl8pPr>
-            <a:lvl9pPr marL="3657600" indent="0">
-              <a:buNone/>
-              <a:defRPr sz="1600" b="1"/>
-            </a:lvl9pPr>
-          </a:lstStyle>
-          <a:p>
-            <a:pPr lvl="0"/>
-            <a:r>
-              <a:rPr lang="en-US" smtClean="0"/>
-              <a:t>Click to edit Master text styles</a:t>
-            </a:r>
-          </a:p>
-        </p:txBody>
-      </p:sp>
-      <p:sp>
-        <p:nvSpPr>
-          <p:cNvPr id="6" name="Content Placeholder 5"/>
-          <p:cNvSpPr>
-            <a:spLocks noGrp="1"/>
-          </p:cNvSpPr>
-          <p:nvPr>
-            <p:ph sz="quarter" idx="4"/>
-          </p:nvPr>
-        </p:nvSpPr>
-        <p:spPr>
-          <a:xfrm>
-            <a:off x="4645025" y="2174875"/>
-            <a:ext cx="4041775" cy="3951288"/>
-          </a:xfrm>
-        </p:spPr>
-        <p:txBody>
-          <a:bodyPr/>
-          <a:lstStyle>
-            <a:lvl1pPr>
-              <a:defRPr sz="2400"/>
-            </a:lvl1pPr>
-            <a:lvl2pPr>
-              <a:defRPr sz="2000"/>
-            </a:lvl2pPr>
-            <a:lvl3pPr>
-              <a:defRPr sz="1800"/>
-            </a:lvl3pPr>
-            <a:lvl4pPr>
-              <a:defRPr sz="1600"/>
-            </a:lvl4pPr>
-            <a:lvl5pPr>
-              <a:defRPr sz="1600"/>
-            </a:lvl5pPr>
-            <a:lvl6pPr>
-              <a:defRPr sz="1600"/>
-            </a:lvl6pPr>
-            <a:lvl7pPr>
-              <a:defRPr sz="1600"/>
-            </a:lvl7pPr>
-            <a:lvl8pPr>
-              <a:defRPr sz="1600"/>
-            </a:lvl8pPr>
-            <a:lvl9pPr>
-              <a:defRPr sz="1600"/>
-            </a:lvl9pPr>
-          </a:lstStyle>
-          <a:p>
-            <a:pPr lvl="0"/>
-            <a:r>
-              <a:rPr lang="en-US" smtClean="0"/>
-              <a:t>Click to edit Master text styles</a:t>
-            </a:r>
-          </a:p>
-          <a:p>
-            <a:pPr lvl="1"/>
-            <a:r>
-              <a:rPr lang="en-US" smtClean="0"/>
-              <a:t>Second level</a:t>
-            </a:r>
-          </a:p>
-          <a:p>
-            <a:pPr lvl="2"/>
-            <a:r>
-              <a:rPr lang="en-US" smtClean="0"/>
-              <a:t>Third level</a:t>
-            </a:r>
-          </a:p>
-          <a:p>
-            <a:pPr lvl="3"/>
-            <a:r>
-              <a:rPr lang="en-US" smtClean="0"/>
-              <a:t>Fourth level</a:t>
-            </a:r>
-          </a:p>
-          <a:p>
-            <a:pPr lvl="4"/>
-            <a:r>
-              <a:rPr lang="en-US" smtClean="0"/>
-              <a:t>Fifth level</a:t>
-            </a:r>
-            <a:endParaRPr lang="en-GB"/>
-          </a:p>
-        </p:txBody>
-      </p:sp>
-      <p:sp>
-        <p:nvSpPr>
-          <p:cNvPr id="7" name="Date Placeholder 3"/>
-          <p:cNvSpPr>
-            <a:spLocks noGrp="1"/>
-          </p:cNvSpPr>
-          <p:nvPr>
-            <p:ph type="dt" sz="half" idx="10"/>
-          </p:nvPr>
-        </p:nvSpPr>
-        <p:spPr/>
-        <p:txBody>
-          <a:bodyPr/>
-          <a:lstStyle>
-            <a:lvl1pPr>
-              <a:defRPr/>
-            </a:lvl1pPr>
-          </a:lstStyle>
-          <a:p>
-            <a:fld id="{AA9A3B28-0B63-874E-ACA7-CC8A68737EB4}" type="datetimeFigureOut">
-              <a:rPr lang="en-GB"/>
-              <a:pPr/>
-              <a:t>25/09/2018</a:t>
-            </a:fld>
-            <a:endParaRPr lang="en-GB"/>
-          </a:p>
-        </p:txBody>
-      </p:sp>
-      <p:sp>
-        <p:nvSpPr>
-          <p:cNvPr id="8" name="Footer Placeholder 4"/>
-          <p:cNvSpPr>
-            <a:spLocks noGrp="1"/>
-          </p:cNvSpPr>
-          <p:nvPr>
-            <p:ph type="ftr" sz="quarter" idx="11"/>
-          </p:nvPr>
-        </p:nvSpPr>
-        <p:spPr/>
-        <p:txBody>
-          <a:bodyPr/>
-          <a:lstStyle>
-            <a:lvl1pPr>
-              <a:defRPr/>
-            </a:lvl1pPr>
-          </a:lstStyle>
-          <a:p>
-            <a:pPr>
-              <a:defRPr/>
-            </a:pPr>
-            <a:endParaRPr lang="en-GB"/>
-          </a:p>
-        </p:txBody>
-      </p:sp>
-      <p:sp>
-        <p:nvSpPr>
-          <p:cNvPr id="9" name="Slide Number Placeholder 5"/>
-          <p:cNvSpPr>
-            <a:spLocks noGrp="1"/>
-          </p:cNvSpPr>
-          <p:nvPr>
-            <p:ph type="sldNum" sz="quarter" idx="12"/>
-          </p:nvPr>
-        </p:nvSpPr>
-        <p:spPr/>
-        <p:txBody>
-          <a:bodyPr/>
-          <a:lstStyle>
-            <a:lvl1pPr>
-              <a:defRPr/>
-            </a:lvl1pPr>
-          </a:lstStyle>
-          <a:p>
-            <a:fld id="{7DCC9214-7B8F-2744-B43F-F85AB6F799CD}" type="slidenum">
-              <a:rPr lang="en-GB"/>
-              <a:pPr/>
-              <a:t>‹#›</a:t>
-            </a:fld>
-            <a:endParaRPr lang="en-GB"/>
-          </a:p>
-        </p:txBody>
-      </p:sp>
-    </p:spTree>
-    <p:extLst>
-      <p:ext uri="{BB962C8B-B14F-4D97-AF65-F5344CB8AC3E}">
-        <p14:creationId xmlns:p14="http://schemas.microsoft.com/office/powerpoint/2010/main" val="3352924150"/>
-      </p:ext>
-    </p:extLst>
-  </p:cSld>
-  <p:clrMapOvr>
-    <a:masterClrMapping/>
-  </p:clrMapOvr>
-</p:sldLayout>
-</file>
-
-<file path=ppt/slideLayouts/slideLayout6.xml><?xml version="1.0" encoding="utf-8"?>
-<p:sldLayout xmlns:a="http://schemas.openxmlformats.org/drawingml/2006/main" xmlns:r="http://schemas.openxmlformats.org/officeDocument/2006/relationships" xmlns:p="http://schemas.openxmlformats.org/presentationml/2006/main" type="titleOnly" preserve="1">
-  <p:cSld name="Title Only">
-    <p:spTree>
-      <p:nvGrpSpPr>
-        <p:cNvPr id="1" name=""/>
-        <p:cNvGrpSpPr/>
-        <p:nvPr/>
-      </p:nvGrpSpPr>
-      <p:grpSpPr>
-        <a:xfrm>
-          <a:off x="0" y="0"/>
-          <a:ext cx="0" cy="0"/>
-          <a:chOff x="0" y="0"/>
-          <a:chExt cx="0" cy="0"/>
-        </a:xfrm>
-      </p:grpSpPr>
-      <p:sp>
-        <p:nvSpPr>
-          <p:cNvPr id="2" name="Title 1"/>
-          <p:cNvSpPr>
-            <a:spLocks noGrp="1"/>
-          </p:cNvSpPr>
-          <p:nvPr>
-            <p:ph type="title"/>
-          </p:nvPr>
-        </p:nvSpPr>
-        <p:spPr/>
-        <p:txBody>
-          <a:bodyPr/>
-          <a:lstStyle/>
-          <a:p>
-            <a:r>
-              <a:rPr lang="en-US" smtClean="0"/>
-              <a:t>Click to edit Master title style</a:t>
-            </a:r>
-            <a:endParaRPr lang="en-GB"/>
-          </a:p>
-        </p:txBody>
-      </p:sp>
-      <p:sp>
-        <p:nvSpPr>
-          <p:cNvPr id="3" name="Date Placeholder 3"/>
-          <p:cNvSpPr>
-            <a:spLocks noGrp="1"/>
-          </p:cNvSpPr>
-          <p:nvPr>
-            <p:ph type="dt" sz="half" idx="10"/>
-          </p:nvPr>
-        </p:nvSpPr>
-        <p:spPr/>
-        <p:txBody>
-          <a:bodyPr/>
-          <a:lstStyle>
-            <a:lvl1pPr>
-              <a:defRPr/>
-            </a:lvl1pPr>
-          </a:lstStyle>
-          <a:p>
-            <a:fld id="{91345AEA-5A42-614B-8C2F-EAF77C40756C}" type="datetimeFigureOut">
-              <a:rPr lang="en-GB"/>
-              <a:pPr/>
-              <a:t>25/09/2018</a:t>
-            </a:fld>
-            <a:endParaRPr lang="en-GB"/>
-          </a:p>
-        </p:txBody>
-      </p:sp>
-      <p:sp>
-        <p:nvSpPr>
-          <p:cNvPr id="4" name="Footer Placeholder 4"/>
-          <p:cNvSpPr>
-            <a:spLocks noGrp="1"/>
-          </p:cNvSpPr>
-          <p:nvPr>
-            <p:ph type="ftr" sz="quarter" idx="11"/>
-          </p:nvPr>
-        </p:nvSpPr>
-        <p:spPr/>
-        <p:txBody>
-          <a:bodyPr/>
-          <a:lstStyle>
-            <a:lvl1pPr>
-              <a:defRPr/>
-            </a:lvl1pPr>
-          </a:lstStyle>
-          <a:p>
-            <a:pPr>
-              <a:defRPr/>
-            </a:pPr>
-            <a:endParaRPr lang="en-GB"/>
-          </a:p>
-        </p:txBody>
-      </p:sp>
-      <p:sp>
-        <p:nvSpPr>
-          <p:cNvPr id="5" name="Slide Number Placeholder 5"/>
-          <p:cNvSpPr>
-            <a:spLocks noGrp="1"/>
-          </p:cNvSpPr>
-          <p:nvPr>
-            <p:ph type="sldNum" sz="quarter" idx="12"/>
-          </p:nvPr>
-        </p:nvSpPr>
-        <p:spPr/>
-        <p:txBody>
-          <a:bodyPr/>
-          <a:lstStyle>
-            <a:lvl1pPr>
-              <a:defRPr/>
-            </a:lvl1pPr>
-          </a:lstStyle>
-          <a:p>
-            <a:fld id="{FB71D328-4F22-C64A-A3F6-68101EC677D9}" type="slidenum">
-              <a:rPr lang="en-GB"/>
-              <a:pPr/>
-              <a:t>‹#›</a:t>
-            </a:fld>
-            <a:endParaRPr lang="en-GB"/>
-          </a:p>
-        </p:txBody>
-      </p:sp>
-    </p:spTree>
-    <p:extLst>
-      <p:ext uri="{BB962C8B-B14F-4D97-AF65-F5344CB8AC3E}">
-        <p14:creationId xmlns:p14="http://schemas.microsoft.com/office/powerpoint/2010/main" val="206347840"/>
-      </p:ext>
-    </p:extLst>
-  </p:cSld>
-  <p:clrMapOvr>
-    <a:masterClrMapping/>
-  </p:clrMapOvr>
-</p:sldLayout>
-</file>
-
-<file path=ppt/slideLayouts/slideLayout7.xml><?xml version="1.0" encoding="utf-8"?>
-<p:sldLayout xmlns:a="http://schemas.openxmlformats.org/drawingml/2006/main" xmlns:r="http://schemas.openxmlformats.org/officeDocument/2006/relationships" xmlns:p="http://schemas.openxmlformats.org/presentationml/2006/main" type="blank" preserve="1">
-  <p:cSld name="Blank">
-    <p:spTree>
-      <p:nvGrpSpPr>
-        <p:cNvPr id="1" name=""/>
-        <p:cNvGrpSpPr/>
-        <p:nvPr/>
-      </p:nvGrpSpPr>
-      <p:grpSpPr>
-        <a:xfrm>
-          <a:off x="0" y="0"/>
-          <a:ext cx="0" cy="0"/>
-          <a:chOff x="0" y="0"/>
-          <a:chExt cx="0" cy="0"/>
-        </a:xfrm>
-      </p:grpSpPr>
-      <p:sp>
-        <p:nvSpPr>
-          <p:cNvPr id="2" name="Date Placeholder 3"/>
-          <p:cNvSpPr>
-            <a:spLocks noGrp="1"/>
-          </p:cNvSpPr>
-          <p:nvPr>
-            <p:ph type="dt" sz="half" idx="10"/>
-          </p:nvPr>
-        </p:nvSpPr>
-        <p:spPr/>
-        <p:txBody>
-          <a:bodyPr/>
-          <a:lstStyle>
-            <a:lvl1pPr>
-              <a:defRPr/>
-            </a:lvl1pPr>
-          </a:lstStyle>
-          <a:p>
-            <a:fld id="{F967FF78-FFF3-D94C-8CB8-21E3487233EA}" type="datetimeFigureOut">
-              <a:rPr lang="en-GB"/>
-              <a:pPr/>
-              <a:t>25/09/2018</a:t>
-            </a:fld>
-            <a:endParaRPr lang="en-GB"/>
-          </a:p>
-        </p:txBody>
-      </p:sp>
-      <p:sp>
-        <p:nvSpPr>
-          <p:cNvPr id="3" name="Footer Placeholder 4"/>
-          <p:cNvSpPr>
-            <a:spLocks noGrp="1"/>
-          </p:cNvSpPr>
-          <p:nvPr>
-            <p:ph type="ftr" sz="quarter" idx="11"/>
-          </p:nvPr>
-        </p:nvSpPr>
-        <p:spPr/>
-        <p:txBody>
-          <a:bodyPr/>
-          <a:lstStyle>
-            <a:lvl1pPr>
-              <a:defRPr/>
-            </a:lvl1pPr>
-          </a:lstStyle>
-          <a:p>
-            <a:pPr>
-              <a:defRPr/>
-            </a:pPr>
-            <a:endParaRPr lang="en-GB"/>
-          </a:p>
-        </p:txBody>
-      </p:sp>
-      <p:sp>
-        <p:nvSpPr>
-          <p:cNvPr id="4" name="Slide Number Placeholder 5"/>
-          <p:cNvSpPr>
-            <a:spLocks noGrp="1"/>
-          </p:cNvSpPr>
-          <p:nvPr>
-            <p:ph type="sldNum" sz="quarter" idx="12"/>
-          </p:nvPr>
-        </p:nvSpPr>
-        <p:spPr/>
-        <p:txBody>
-          <a:bodyPr/>
-          <a:lstStyle>
-            <a:lvl1pPr>
-              <a:defRPr/>
-            </a:lvl1pPr>
-          </a:lstStyle>
-          <a:p>
-            <a:fld id="{03DF826B-4B02-804F-9F0E-26CC7C488279}" type="slidenum">
-              <a:rPr lang="en-GB"/>
-              <a:pPr/>
-              <a:t>‹#›</a:t>
-            </a:fld>
-            <a:endParaRPr lang="en-GB"/>
-          </a:p>
-        </p:txBody>
-      </p:sp>
-    </p:spTree>
-    <p:extLst>
-      <p:ext uri="{BB962C8B-B14F-4D97-AF65-F5344CB8AC3E}">
-        <p14:creationId xmlns:p14="http://schemas.microsoft.com/office/powerpoint/2010/main" val="4281910401"/>
-      </p:ext>
-    </p:extLst>
-  </p:cSld>
-  <p:clrMapOvr>
-    <a:masterClrMapping/>
-  </p:clrMapOvr>
-</p:sldLayout>
-</file>
-
-<file path=ppt/slideLayouts/slideLayout8.xml><?xml version="1.0" encoding="utf-8"?>
-<p:sldLayout xmlns:a="http://schemas.openxmlformats.org/drawingml/2006/main" xmlns:r="http://schemas.openxmlformats.org/officeDocument/2006/relationships" xmlns:p="http://schemas.openxmlformats.org/presentationml/2006/main" type="objTx" preserve="1">
-  <p:cSld name="Content with Caption">
-    <p:spTree>
-      <p:nvGrpSpPr>
-        <p:cNvPr id="1" name=""/>
-        <p:cNvGrpSpPr/>
-        <p:nvPr/>
-      </p:nvGrpSpPr>
-      <p:grpSpPr>
-        <a:xfrm>
-          <a:off x="0" y="0"/>
-          <a:ext cx="0" cy="0"/>
-          <a:chOff x="0" y="0"/>
-          <a:chExt cx="0" cy="0"/>
-        </a:xfrm>
-      </p:grpSpPr>
-      <p:sp>
-        <p:nvSpPr>
-          <p:cNvPr id="2" name="Title 1"/>
-          <p:cNvSpPr>
-            <a:spLocks noGrp="1"/>
-          </p:cNvSpPr>
-          <p:nvPr>
-            <p:ph type="title"/>
-          </p:nvPr>
-        </p:nvSpPr>
-        <p:spPr>
-          <a:xfrm>
-            <a:off x="457200" y="273050"/>
-            <a:ext cx="3008313" cy="1162050"/>
-          </a:xfrm>
-        </p:spPr>
-        <p:txBody>
-          <a:bodyPr anchor="b"/>
-          <a:lstStyle>
-            <a:lvl1pPr algn="l">
-              <a:defRPr sz="2000" b="1"/>
-            </a:lvl1pPr>
-          </a:lstStyle>
-          <a:p>
-            <a:r>
-              <a:rPr lang="en-US" smtClean="0"/>
-              <a:t>Click to edit Master title style</a:t>
-            </a:r>
-            <a:endParaRPr lang="en-GB"/>
-          </a:p>
-        </p:txBody>
-      </p:sp>
-      <p:sp>
-        <p:nvSpPr>
-          <p:cNvPr id="3" name="Content Placeholder 2"/>
-          <p:cNvSpPr>
-            <a:spLocks noGrp="1"/>
-          </p:cNvSpPr>
-          <p:nvPr>
-            <p:ph idx="1"/>
-          </p:nvPr>
-        </p:nvSpPr>
-        <p:spPr>
-          <a:xfrm>
-            <a:off x="3575050" y="273050"/>
-            <a:ext cx="5111750" cy="5853113"/>
-          </a:xfrm>
-        </p:spPr>
-        <p:txBody>
-          <a:bodyPr/>
-          <a:lstStyle>
-            <a:lvl1pPr>
-              <a:defRPr sz="3200"/>
-            </a:lvl1pPr>
-            <a:lvl2pPr>
-              <a:defRPr sz="2800"/>
-            </a:lvl2pPr>
-            <a:lvl3pPr>
-              <a:defRPr sz="2400"/>
-            </a:lvl3pPr>
-            <a:lvl4pPr>
-              <a:defRPr sz="2000"/>
-            </a:lvl4pPr>
-            <a:lvl5pPr>
-              <a:defRPr sz="2000"/>
-            </a:lvl5pPr>
-            <a:lvl6pPr>
-              <a:defRPr sz="2000"/>
-            </a:lvl6pPr>
-            <a:lvl7pPr>
-              <a:defRPr sz="2000"/>
-            </a:lvl7pPr>
-            <a:lvl8pPr>
-              <a:defRPr sz="2000"/>
-            </a:lvl8pPr>
-            <a:lvl9pPr>
-              <a:defRPr sz="2000"/>
-            </a:lvl9pPr>
-          </a:lstStyle>
-          <a:p>
-            <a:pPr lvl="0"/>
-            <a:r>
-              <a:rPr lang="en-US" smtClean="0"/>
-              <a:t>Click to edit Master text styles</a:t>
-            </a:r>
-          </a:p>
-          <a:p>
-            <a:pPr lvl="1"/>
-            <a:r>
-              <a:rPr lang="en-US" smtClean="0"/>
-              <a:t>Second level</a:t>
-            </a:r>
-          </a:p>
-          <a:p>
-            <a:pPr lvl="2"/>
-            <a:r>
-              <a:rPr lang="en-US" smtClean="0"/>
-              <a:t>Third level</a:t>
-            </a:r>
-          </a:p>
-          <a:p>
-            <a:pPr lvl="3"/>
-            <a:r>
-              <a:rPr lang="en-US" smtClean="0"/>
-              <a:t>Fourth level</a:t>
-            </a:r>
-          </a:p>
-          <a:p>
-            <a:pPr lvl="4"/>
-            <a:r>
-              <a:rPr lang="en-US" smtClean="0"/>
-              <a:t>Fifth level</a:t>
-            </a:r>
-            <a:endParaRPr lang="en-GB"/>
-          </a:p>
-        </p:txBody>
-      </p:sp>
-      <p:sp>
-        <p:nvSpPr>
-          <p:cNvPr id="4" name="Text Placeholder 3"/>
-          <p:cNvSpPr>
-            <a:spLocks noGrp="1"/>
-          </p:cNvSpPr>
-          <p:nvPr>
-            <p:ph type="body" sz="half" idx="2"/>
-          </p:nvPr>
-        </p:nvSpPr>
-        <p:spPr>
-          <a:xfrm>
-            <a:off x="457200" y="1435100"/>
-            <a:ext cx="3008313" cy="4691063"/>
-          </a:xfrm>
-        </p:spPr>
-        <p:txBody>
-          <a:bodyPr/>
-          <a:lstStyle>
-            <a:lvl1pPr marL="0" indent="0">
-              <a:buNone/>
-              <a:defRPr sz="1400"/>
-            </a:lvl1pPr>
-            <a:lvl2pPr marL="457200" indent="0">
-              <a:buNone/>
-              <a:defRPr sz="1200"/>
-            </a:lvl2pPr>
-            <a:lvl3pPr marL="914400" indent="0">
-              <a:buNone/>
-              <a:defRPr sz="1000"/>
-            </a:lvl3pPr>
-            <a:lvl4pPr marL="1371600" indent="0">
-              <a:buNone/>
-              <a:defRPr sz="900"/>
-            </a:lvl4pPr>
-            <a:lvl5pPr marL="1828800" indent="0">
-              <a:buNone/>
-              <a:defRPr sz="900"/>
-            </a:lvl5pPr>
-            <a:lvl6pPr marL="2286000" indent="0">
-              <a:buNone/>
-              <a:defRPr sz="900"/>
-            </a:lvl6pPr>
-            <a:lvl7pPr marL="2743200" indent="0">
-              <a:buNone/>
-              <a:defRPr sz="900"/>
-            </a:lvl7pPr>
-            <a:lvl8pPr marL="3200400" indent="0">
-              <a:buNone/>
-              <a:defRPr sz="900"/>
-            </a:lvl8pPr>
-            <a:lvl9pPr marL="3657600" indent="0">
-              <a:buNone/>
-              <a:defRPr sz="900"/>
-            </a:lvl9pPr>
-          </a:lstStyle>
-          <a:p>
-            <a:pPr lvl="0"/>
-            <a:r>
-              <a:rPr lang="en-US" smtClean="0"/>
-              <a:t>Click to edit Master text styles</a:t>
-            </a:r>
-          </a:p>
-        </p:txBody>
-      </p:sp>
-      <p:sp>
-        <p:nvSpPr>
-          <p:cNvPr id="5" name="Date Placeholder 3"/>
-          <p:cNvSpPr>
-            <a:spLocks noGrp="1"/>
-          </p:cNvSpPr>
-          <p:nvPr>
-            <p:ph type="dt" sz="half" idx="10"/>
-          </p:nvPr>
-        </p:nvSpPr>
-        <p:spPr/>
-        <p:txBody>
-          <a:bodyPr/>
-          <a:lstStyle>
-            <a:lvl1pPr>
-              <a:defRPr/>
-            </a:lvl1pPr>
-          </a:lstStyle>
-          <a:p>
-            <a:fld id="{9F21DFAE-376C-6746-8A99-31F1B1243D38}" type="datetimeFigureOut">
-              <a:rPr lang="en-GB"/>
-              <a:pPr/>
-              <a:t>25/09/2018</a:t>
-            </a:fld>
-            <a:endParaRPr lang="en-GB"/>
-          </a:p>
-        </p:txBody>
-      </p:sp>
-      <p:sp>
-        <p:nvSpPr>
-          <p:cNvPr id="6" name="Footer Placeholder 4"/>
-          <p:cNvSpPr>
-            <a:spLocks noGrp="1"/>
-          </p:cNvSpPr>
-          <p:nvPr>
-            <p:ph type="ftr" sz="quarter" idx="11"/>
-          </p:nvPr>
-        </p:nvSpPr>
-        <p:spPr/>
-        <p:txBody>
-          <a:bodyPr/>
-          <a:lstStyle>
-            <a:lvl1pPr>
-              <a:defRPr/>
-            </a:lvl1pPr>
-          </a:lstStyle>
-          <a:p>
-            <a:pPr>
-              <a:defRPr/>
-            </a:pPr>
-            <a:endParaRPr lang="en-GB"/>
-          </a:p>
-        </p:txBody>
-      </p:sp>
-      <p:sp>
-        <p:nvSpPr>
-          <p:cNvPr id="7" name="Slide Number Placeholder 5"/>
-          <p:cNvSpPr>
-            <a:spLocks noGrp="1"/>
-          </p:cNvSpPr>
-          <p:nvPr>
-            <p:ph type="sldNum" sz="quarter" idx="12"/>
-          </p:nvPr>
-        </p:nvSpPr>
-        <p:spPr/>
-        <p:txBody>
-          <a:bodyPr/>
-          <a:lstStyle>
-            <a:lvl1pPr>
-              <a:defRPr/>
-            </a:lvl1pPr>
-          </a:lstStyle>
-          <a:p>
-            <a:fld id="{B4F89D04-DAFB-034F-8078-7CDD0639B361}" type="slidenum">
-              <a:rPr lang="en-GB"/>
-              <a:pPr/>
-              <a:t>‹#›</a:t>
-            </a:fld>
-            <a:endParaRPr lang="en-GB"/>
-          </a:p>
-        </p:txBody>
-      </p:sp>
-    </p:spTree>
-    <p:extLst>
-      <p:ext uri="{BB962C8B-B14F-4D97-AF65-F5344CB8AC3E}">
-        <p14:creationId xmlns:p14="http://schemas.microsoft.com/office/powerpoint/2010/main" val="385264351"/>
-      </p:ext>
-    </p:extLst>
-  </p:cSld>
-  <p:clrMapOvr>
-    <a:masterClrMapping/>
-  </p:clrMapOvr>
-</p:sldLayout>
-</file>
-
-<file path=ppt/slideLayouts/slideLayout9.xml><?xml version="1.0" encoding="utf-8"?>
-<p:sldLayout xmlns:a="http://schemas.openxmlformats.org/drawingml/2006/main" xmlns:r="http://schemas.openxmlformats.org/officeDocument/2006/relationships" xmlns:p="http://schemas.openxmlformats.org/presentationml/2006/main" type="picTx" preserve="1">
-  <p:cSld name="Picture with Caption">
-    <p:spTree>
-      <p:nvGrpSpPr>
-        <p:cNvPr id="1" name=""/>
-        <p:cNvGrpSpPr/>
-        <p:nvPr/>
-      </p:nvGrpSpPr>
-      <p:grpSpPr>
-        <a:xfrm>
-          <a:off x="0" y="0"/>
-          <a:ext cx="0" cy="0"/>
-          <a:chOff x="0" y="0"/>
-          <a:chExt cx="0" cy="0"/>
-        </a:xfrm>
-      </p:grpSpPr>
-      <p:sp>
-        <p:nvSpPr>
-          <p:cNvPr id="2" name="Title 1"/>
-          <p:cNvSpPr>
-            <a:spLocks noGrp="1"/>
-          </p:cNvSpPr>
-          <p:nvPr>
-            <p:ph type="title"/>
-          </p:nvPr>
-        </p:nvSpPr>
-        <p:spPr>
-          <a:xfrm>
-            <a:off x="1792288" y="4800600"/>
-            <a:ext cx="5486400" cy="566738"/>
-          </a:xfrm>
-        </p:spPr>
-        <p:txBody>
-          <a:bodyPr anchor="b"/>
-          <a:lstStyle>
-            <a:lvl1pPr algn="l">
-              <a:defRPr sz="2000" b="1"/>
-            </a:lvl1pPr>
-          </a:lstStyle>
-          <a:p>
-            <a:r>
-              <a:rPr lang="en-US" smtClean="0"/>
-              <a:t>Click to edit Master title style</a:t>
-            </a:r>
-            <a:endParaRPr lang="en-GB"/>
-          </a:p>
-        </p:txBody>
-      </p:sp>
-      <p:sp>
-        <p:nvSpPr>
-          <p:cNvPr id="3" name="Picture Placeholder 2"/>
-          <p:cNvSpPr>
-            <a:spLocks noGrp="1"/>
-          </p:cNvSpPr>
-          <p:nvPr>
-            <p:ph type="pic" idx="1"/>
-          </p:nvPr>
-        </p:nvSpPr>
-        <p:spPr>
-          <a:xfrm>
-            <a:off x="1792288" y="612775"/>
-            <a:ext cx="5486400" cy="4114800"/>
-          </a:xfrm>
-        </p:spPr>
-        <p:txBody>
-          <a:bodyPr rtlCol="0">
-            <a:normAutofit/>
-          </a:bodyPr>
-          <a:lstStyle>
-            <a:lvl1pPr marL="0" indent="0">
-              <a:buNone/>
-              <a:defRPr sz="3200"/>
-            </a:lvl1pPr>
-            <a:lvl2pPr marL="457200" indent="0">
-              <a:buNone/>
-              <a:defRPr sz="2800"/>
-            </a:lvl2pPr>
-            <a:lvl3pPr marL="914400" indent="0">
-              <a:buNone/>
-              <a:defRPr sz="2400"/>
-            </a:lvl3pPr>
-            <a:lvl4pPr marL="1371600" indent="0">
-              <a:buNone/>
-              <a:defRPr sz="2000"/>
-            </a:lvl4pPr>
-            <a:lvl5pPr marL="1828800" indent="0">
-              <a:buNone/>
-              <a:defRPr sz="2000"/>
-            </a:lvl5pPr>
-            <a:lvl6pPr marL="2286000" indent="0">
-              <a:buNone/>
-              <a:defRPr sz="2000"/>
-            </a:lvl6pPr>
-            <a:lvl7pPr marL="2743200" indent="0">
-              <a:buNone/>
-              <a:defRPr sz="2000"/>
-            </a:lvl7pPr>
-            <a:lvl8pPr marL="3200400" indent="0">
-              <a:buNone/>
-              <a:defRPr sz="2000"/>
-            </a:lvl8pPr>
-            <a:lvl9pPr marL="3657600" indent="0">
-              <a:buNone/>
-              <a:defRPr sz="2000"/>
-            </a:lvl9pPr>
-          </a:lstStyle>
-          <a:p>
-            <a:pPr lvl="0"/>
-            <a:endParaRPr lang="en-GB" noProof="0" smtClean="0"/>
-          </a:p>
-        </p:txBody>
-      </p:sp>
-      <p:sp>
-        <p:nvSpPr>
-          <p:cNvPr id="4" name="Text Placeholder 3"/>
-          <p:cNvSpPr>
-            <a:spLocks noGrp="1"/>
-          </p:cNvSpPr>
-          <p:nvPr>
-            <p:ph type="body" sz="half" idx="2"/>
-          </p:nvPr>
-        </p:nvSpPr>
-        <p:spPr>
-          <a:xfrm>
-            <a:off x="1792288" y="5367338"/>
-            <a:ext cx="5486400" cy="804862"/>
-          </a:xfrm>
-        </p:spPr>
-        <p:txBody>
-          <a:bodyPr/>
-          <a:lstStyle>
-            <a:lvl1pPr marL="0" indent="0">
-              <a:buNone/>
-              <a:defRPr sz="1400"/>
-            </a:lvl1pPr>
-            <a:lvl2pPr marL="457200" indent="0">
-              <a:buNone/>
-              <a:defRPr sz="1200"/>
-            </a:lvl2pPr>
-            <a:lvl3pPr marL="914400" indent="0">
-              <a:buNone/>
-              <a:defRPr sz="1000"/>
-            </a:lvl3pPr>
-            <a:lvl4pPr marL="1371600" indent="0">
-              <a:buNone/>
-              <a:defRPr sz="900"/>
-            </a:lvl4pPr>
-            <a:lvl5pPr marL="1828800" indent="0">
-              <a:buNone/>
-              <a:defRPr sz="900"/>
-            </a:lvl5pPr>
-            <a:lvl6pPr marL="2286000" indent="0">
-              <a:buNone/>
-              <a:defRPr sz="900"/>
-            </a:lvl6pPr>
-            <a:lvl7pPr marL="2743200" indent="0">
-              <a:buNone/>
-              <a:defRPr sz="900"/>
-            </a:lvl7pPr>
-            <a:lvl8pPr marL="3200400" indent="0">
-              <a:buNone/>
-              <a:defRPr sz="900"/>
-            </a:lvl8pPr>
-            <a:lvl9pPr marL="3657600" indent="0">
-              <a:buNone/>
-              <a:defRPr sz="900"/>
-            </a:lvl9pPr>
-          </a:lstStyle>
-          <a:p>
-            <a:pPr lvl="0"/>
-            <a:r>
-              <a:rPr lang="en-US" smtClean="0"/>
-              <a:t>Click to edit Master text styles</a:t>
-            </a:r>
-          </a:p>
-        </p:txBody>
-      </p:sp>
-      <p:sp>
-        <p:nvSpPr>
-          <p:cNvPr id="5" name="Date Placeholder 3"/>
-          <p:cNvSpPr>
-            <a:spLocks noGrp="1"/>
-          </p:cNvSpPr>
-          <p:nvPr>
-            <p:ph type="dt" sz="half" idx="10"/>
-          </p:nvPr>
-        </p:nvSpPr>
-        <p:spPr/>
-        <p:txBody>
-          <a:bodyPr/>
-          <a:lstStyle>
-            <a:lvl1pPr>
-              <a:defRPr/>
-            </a:lvl1pPr>
-          </a:lstStyle>
-          <a:p>
-            <a:fld id="{9CC96C97-DE49-4347-998C-7CD167784C4D}" type="datetimeFigureOut">
-              <a:rPr lang="en-GB"/>
-              <a:pPr/>
-              <a:t>25/09/2018</a:t>
-            </a:fld>
-            <a:endParaRPr lang="en-GB"/>
-          </a:p>
-        </p:txBody>
-      </p:sp>
-      <p:sp>
-        <p:nvSpPr>
-          <p:cNvPr id="6" name="Footer Placeholder 4"/>
-          <p:cNvSpPr>
-            <a:spLocks noGrp="1"/>
-          </p:cNvSpPr>
-          <p:nvPr>
-            <p:ph type="ftr" sz="quarter" idx="11"/>
-          </p:nvPr>
-        </p:nvSpPr>
-        <p:spPr/>
-        <p:txBody>
-          <a:bodyPr/>
-          <a:lstStyle>
-            <a:lvl1pPr>
-              <a:defRPr/>
-            </a:lvl1pPr>
-          </a:lstStyle>
-          <a:p>
-            <a:pPr>
-              <a:defRPr/>
-            </a:pPr>
-            <a:endParaRPr lang="en-GB"/>
-          </a:p>
-        </p:txBody>
-      </p:sp>
-      <p:sp>
-        <p:nvSpPr>
-          <p:cNvPr id="7" name="Slide Number Placeholder 5"/>
-          <p:cNvSpPr>
-            <a:spLocks noGrp="1"/>
-          </p:cNvSpPr>
-          <p:nvPr>
-            <p:ph type="sldNum" sz="quarter" idx="12"/>
-          </p:nvPr>
-        </p:nvSpPr>
-        <p:spPr/>
-        <p:txBody>
-          <a:bodyPr/>
-          <a:lstStyle>
-            <a:lvl1pPr>
-              <a:defRPr/>
-            </a:lvl1pPr>
-          </a:lstStyle>
-          <a:p>
-            <a:fld id="{933FFCCF-EB1A-7641-8126-93B3FE0B22D8}" type="slidenum">
-              <a:rPr lang="en-GB"/>
-              <a:pPr/>
-              <a:t>‹#›</a:t>
-            </a:fld>
-            <a:endParaRPr lang="en-GB"/>
-          </a:p>
-        </p:txBody>
-      </p:sp>
-    </p:spTree>
-    <p:extLst>
-      <p:ext uri="{BB962C8B-B14F-4D97-AF65-F5344CB8AC3E}">
-        <p14:creationId xmlns:p14="http://schemas.microsoft.com/office/powerpoint/2010/main" val="3119955072"/>
+        <p14:creationId xmlns:p14="http://schemas.microsoft.com/office/powerpoint/2010/main" val="3150377924"/>
       </p:ext>
     </p:extLst>
   </p:cSld>
@@ -6693,9 +8401,15 @@
   <p:cSld>
     <p:bg>
       <p:bgPr>
-        <a:solidFill>
-          <a:schemeClr val="bg1"/>
-        </a:solidFill>
+        <a:blipFill dpi="0" rotWithShape="1">
+          <a:blip r:embed="rId9">
+            <a:lum/>
+          </a:blip>
+          <a:srcRect/>
+          <a:stretch>
+            <a:fillRect/>
+          </a:stretch>
+        </a:blipFill>
         <a:effectLst/>
       </p:bgPr>
     </p:bg>
@@ -6713,9 +8427,216 @@
           <a:chExt cx="0" cy="0"/>
         </a:xfrm>
       </p:grpSpPr>
+      <p:pic>
+        <p:nvPicPr>
+          <p:cNvPr id="2" name="Picture 1">
+            <a:extLst>
+              <a:ext uri="{FF2B5EF4-FFF2-40B4-BE49-F238E27FC236}">
+                <a16:creationId xmlns:a16="http://schemas.microsoft.com/office/drawing/2014/main" id="{94339D0A-8AB1-EE42-AC82-688E2EE077FE}"/>
+              </a:ext>
+            </a:extLst>
+          </p:cNvPr>
+          <p:cNvPicPr>
+            <a:picLocks noChangeAspect="1"/>
+          </p:cNvPicPr>
+          <p:nvPr/>
+        </p:nvPicPr>
+        <p:blipFill>
+          <a:blip r:embed="rId10" cstate="email">
+            <a:extLst>
+              <a:ext uri="{28A0092B-C50C-407E-A947-70E740481C1C}">
+                <a14:useLocalDpi xmlns:a14="http://schemas.microsoft.com/office/drawing/2010/main" val="0"/>
+              </a:ext>
+            </a:extLst>
+          </a:blip>
+          <a:stretch>
+            <a:fillRect/>
+          </a:stretch>
+        </p:blipFill>
+        <p:spPr>
+          <a:xfrm>
+            <a:off x="31261" y="6060170"/>
+            <a:ext cx="1524000" cy="406978"/>
+          </a:xfrm>
+          <a:prstGeom prst="rect">
+            <a:avLst/>
+          </a:prstGeom>
+        </p:spPr>
+      </p:pic>
+      <p:pic>
+        <p:nvPicPr>
+          <p:cNvPr id="3" name="Picture 2">
+            <a:extLst>
+              <a:ext uri="{FF2B5EF4-FFF2-40B4-BE49-F238E27FC236}">
+                <a16:creationId xmlns:a16="http://schemas.microsoft.com/office/drawing/2014/main" id="{ECE97BB7-AE21-A342-80EA-18B079CE785F}"/>
+              </a:ext>
+            </a:extLst>
+          </p:cNvPr>
+          <p:cNvPicPr>
+            <a:picLocks noChangeAspect="1"/>
+          </p:cNvPicPr>
+          <p:nvPr/>
+        </p:nvPicPr>
+        <p:blipFill>
+          <a:blip r:embed="rId11" cstate="email">
+            <a:extLst>
+              <a:ext uri="{28A0092B-C50C-407E-A947-70E740481C1C}">
+                <a14:useLocalDpi xmlns:a14="http://schemas.microsoft.com/office/drawing/2010/main" val="0"/>
+              </a:ext>
+            </a:extLst>
+          </a:blip>
+          <a:stretch>
+            <a:fillRect/>
+          </a:stretch>
+        </p:blipFill>
+        <p:spPr>
+          <a:xfrm>
+            <a:off x="7731287" y="6129665"/>
+            <a:ext cx="1310231" cy="337483"/>
+          </a:xfrm>
+          <a:prstGeom prst="rect">
+            <a:avLst/>
+          </a:prstGeom>
+        </p:spPr>
+      </p:pic>
+      <p:pic>
+        <p:nvPicPr>
+          <p:cNvPr id="4" name="Picture 3">
+            <a:extLst>
+              <a:ext uri="{FF2B5EF4-FFF2-40B4-BE49-F238E27FC236}">
+                <a16:creationId xmlns:a16="http://schemas.microsoft.com/office/drawing/2014/main" id="{5F879F7C-9F4C-5641-89C9-995031571E5D}"/>
+              </a:ext>
+            </a:extLst>
+          </p:cNvPr>
+          <p:cNvPicPr>
+            <a:picLocks noChangeAspect="1"/>
+          </p:cNvPicPr>
+          <p:nvPr/>
+        </p:nvPicPr>
+        <p:blipFill>
+          <a:blip r:embed="rId12" cstate="email">
+            <a:extLst>
+              <a:ext uri="{28A0092B-C50C-407E-A947-70E740481C1C}">
+                <a14:useLocalDpi xmlns:a14="http://schemas.microsoft.com/office/drawing/2010/main" val="0"/>
+              </a:ext>
+            </a:extLst>
+          </a:blip>
+          <a:stretch>
+            <a:fillRect/>
+          </a:stretch>
+        </p:blipFill>
+        <p:spPr>
+          <a:xfrm>
+            <a:off x="6212264" y="6116687"/>
+            <a:ext cx="1476610" cy="350461"/>
+          </a:xfrm>
+          <a:prstGeom prst="rect">
+            <a:avLst/>
+          </a:prstGeom>
+        </p:spPr>
+      </p:pic>
       <p:sp>
         <p:nvSpPr>
-          <p:cNvPr id="1026" name="Title Placeholder 1"/>
+          <p:cNvPr id="5" name="Text Placeholder 4">
+            <a:extLst>
+              <a:ext uri="{FF2B5EF4-FFF2-40B4-BE49-F238E27FC236}">
+                <a16:creationId xmlns:a16="http://schemas.microsoft.com/office/drawing/2014/main" id="{E0862F96-17BC-1D46-B6DF-8EEA1A6DE1BC}"/>
+              </a:ext>
+            </a:extLst>
+          </p:cNvPr>
+          <p:cNvSpPr>
+            <a:spLocks noGrp="1"/>
+          </p:cNvSpPr>
+          <p:nvPr>
+            <p:ph type="body" idx="1"/>
+          </p:nvPr>
+        </p:nvSpPr>
+        <p:spPr>
+          <a:xfrm>
+            <a:off x="376516" y="1374631"/>
+            <a:ext cx="8417860" cy="4351338"/>
+          </a:xfrm>
+          <a:prstGeom prst="rect">
+            <a:avLst/>
+          </a:prstGeom>
+        </p:spPr>
+        <p:txBody>
+          <a:bodyPr vert="horz" lIns="91440" tIns="45720" rIns="91440" bIns="45720" rtlCol="0">
+            <a:normAutofit/>
+          </a:bodyPr>
+          <a:lstStyle/>
+          <a:p>
+            <a:pPr lvl="0"/>
+            <a:r>
+              <a:rPr lang="en-US" dirty="0"/>
+              <a:t>Edit Master text styles</a:t>
+            </a:r>
+          </a:p>
+          <a:p>
+            <a:pPr lvl="1"/>
+            <a:r>
+              <a:rPr lang="en-US" dirty="0"/>
+              <a:t>Second level</a:t>
+            </a:r>
+          </a:p>
+          <a:p>
+            <a:pPr lvl="2"/>
+            <a:r>
+              <a:rPr lang="en-US" dirty="0"/>
+              <a:t>Third level</a:t>
+            </a:r>
+          </a:p>
+          <a:p>
+            <a:pPr lvl="3"/>
+            <a:r>
+              <a:rPr lang="en-US" dirty="0"/>
+              <a:t>Fourth level</a:t>
+            </a:r>
+          </a:p>
+          <a:p>
+            <a:pPr lvl="4"/>
+            <a:r>
+              <a:rPr lang="en-US" dirty="0"/>
+              <a:t>Fifth level</a:t>
+            </a:r>
+          </a:p>
+        </p:txBody>
+      </p:sp>
+      <p:sp>
+        <p:nvSpPr>
+          <p:cNvPr id="7" name="TextBox 6">
+            <a:extLst>
+              <a:ext uri="{FF2B5EF4-FFF2-40B4-BE49-F238E27FC236}">
+                <a16:creationId xmlns:a16="http://schemas.microsoft.com/office/drawing/2014/main" id="{14D9D617-BB45-CC49-8DA4-51BF2DB69056}"/>
+              </a:ext>
+            </a:extLst>
+          </p:cNvPr>
+          <p:cNvSpPr txBox="1"/>
+          <p:nvPr/>
+        </p:nvSpPr>
+        <p:spPr>
+          <a:xfrm>
+            <a:off x="-156308" y="5869354"/>
+            <a:ext cx="184731" cy="369332"/>
+          </a:xfrm>
+          <a:prstGeom prst="rect">
+            <a:avLst/>
+          </a:prstGeom>
+          <a:noFill/>
+        </p:spPr>
+        <p:txBody>
+          <a:bodyPr wrap="none" rtlCol="0">
+            <a:spAutoFit/>
+          </a:bodyPr>
+          <a:lstStyle/>
+          <a:p>
+            <a:endParaRPr lang="en-US" dirty="0"/>
+          </a:p>
+        </p:txBody>
+      </p:sp>
+      <p:sp>
+        <p:nvSpPr>
+          <p:cNvPr id="6" name="Title Placeholder 5"/>
           <p:cNvSpPr>
             <a:spLocks noGrp="1"/>
           </p:cNvSpPr>
@@ -6723,642 +8644,111 @@
             <p:ph type="title"/>
           </p:nvPr>
         </p:nvSpPr>
-        <p:spPr bwMode="auto">
-          <a:xfrm>
-            <a:off x="457200" y="274638"/>
-            <a:ext cx="8229600" cy="1143000"/>
-          </a:xfrm>
-          <a:prstGeom prst="rect">
-            <a:avLst/>
-          </a:prstGeom>
-          <a:noFill/>
-          <a:ln>
-            <a:noFill/>
-          </a:ln>
-          <a:extLst>
-            <a:ext uri="{FAA26D3D-D897-4be2-8F04-BA451C77F1D7}">
-              <ma14:placeholderFlag xmlns:ma14="http://schemas.microsoft.com/office/mac/drawingml/2011/main" xmlns="" val="1"/>
-            </a:ext>
-            <a:ext uri="{909E8E84-426E-40dd-AFC4-6F175D3DCCD1}">
-              <a14:hiddenFill xmlns="" xmlns:a14="http://schemas.microsoft.com/office/drawing/2010/main">
-                <a:solidFill>
-                  <a:srgbClr val="FFFFFF"/>
-                </a:solidFill>
-              </a14:hiddenFill>
-            </a:ext>
-            <a:ext uri="{91240B29-F687-4f45-9708-019B960494DF}">
-              <a14:hiddenLine xmlns="" xmlns:a14="http://schemas.microsoft.com/office/drawing/2010/main" w="9525">
-                <a:solidFill>
-                  <a:srgbClr val="000000"/>
-                </a:solidFill>
-                <a:miter lim="800000"/>
-                <a:headEnd/>
-                <a:tailEnd/>
-              </a14:hiddenLine>
-            </a:ext>
-          </a:extLst>
-        </p:spPr>
-        <p:txBody>
-          <a:bodyPr vert="horz" wrap="square" lIns="91440" tIns="45720" rIns="91440" bIns="45720" numCol="1" anchor="ctr" anchorCtr="0" compatLnSpc="1">
-            <a:prstTxWarp prst="textNoShape">
-              <a:avLst/>
-            </a:prstTxWarp>
-          </a:bodyPr>
-          <a:lstStyle/>
-          <a:p>
-            <a:pPr lvl="0"/>
-            <a:r>
-              <a:rPr lang="en-US"/>
-              <a:t>Click to edit Master title style</a:t>
-            </a:r>
-            <a:endParaRPr lang="en-GB"/>
-          </a:p>
-        </p:txBody>
-      </p:sp>
-      <p:sp>
-        <p:nvSpPr>
-          <p:cNvPr id="1027" name="Text Placeholder 2"/>
-          <p:cNvSpPr>
-            <a:spLocks noGrp="1"/>
-          </p:cNvSpPr>
-          <p:nvPr>
-            <p:ph type="body" idx="1"/>
-          </p:nvPr>
-        </p:nvSpPr>
-        <p:spPr bwMode="auto">
-          <a:xfrm>
-            <a:off x="457200" y="1600200"/>
-            <a:ext cx="8229600" cy="4525963"/>
-          </a:xfrm>
-          <a:prstGeom prst="rect">
-            <a:avLst/>
-          </a:prstGeom>
-          <a:noFill/>
-          <a:ln>
-            <a:noFill/>
-          </a:ln>
-          <a:extLst>
-            <a:ext uri="{FAA26D3D-D897-4be2-8F04-BA451C77F1D7}">
-              <ma14:placeholderFlag xmlns:ma14="http://schemas.microsoft.com/office/mac/drawingml/2011/main" xmlns="" val="1"/>
-            </a:ext>
-            <a:ext uri="{909E8E84-426E-40dd-AFC4-6F175D3DCCD1}">
-              <a14:hiddenFill xmlns="" xmlns:a14="http://schemas.microsoft.com/office/drawing/2010/main">
-                <a:solidFill>
-                  <a:srgbClr val="FFFFFF"/>
-                </a:solidFill>
-              </a14:hiddenFill>
-            </a:ext>
-            <a:ext uri="{91240B29-F687-4f45-9708-019B960494DF}">
-              <a14:hiddenLine xmlns="" xmlns:a14="http://schemas.microsoft.com/office/drawing/2010/main" w="9525">
-                <a:solidFill>
-                  <a:srgbClr val="000000"/>
-                </a:solidFill>
-                <a:miter lim="800000"/>
-                <a:headEnd/>
-                <a:tailEnd/>
-              </a14:hiddenLine>
-            </a:ext>
-          </a:extLst>
-        </p:spPr>
-        <p:txBody>
-          <a:bodyPr vert="horz" wrap="square" lIns="91440" tIns="45720" rIns="91440" bIns="45720" numCol="1" anchor="t" anchorCtr="0" compatLnSpc="1">
-            <a:prstTxWarp prst="textNoShape">
-              <a:avLst/>
-            </a:prstTxWarp>
-          </a:bodyPr>
-          <a:lstStyle/>
-          <a:p>
-            <a:pPr lvl="0"/>
-            <a:r>
-              <a:rPr lang="en-US"/>
-              <a:t>Click to edit Master text styles</a:t>
-            </a:r>
-          </a:p>
-          <a:p>
-            <a:pPr lvl="1"/>
-            <a:r>
-              <a:rPr lang="en-US"/>
-              <a:t>Second level</a:t>
-            </a:r>
-          </a:p>
-          <a:p>
-            <a:pPr lvl="2"/>
-            <a:r>
-              <a:rPr lang="en-US"/>
-              <a:t>Third level</a:t>
-            </a:r>
-          </a:p>
-          <a:p>
-            <a:pPr lvl="3"/>
-            <a:r>
-              <a:rPr lang="en-US"/>
-              <a:t>Fourth level</a:t>
-            </a:r>
-          </a:p>
-          <a:p>
-            <a:pPr lvl="4"/>
-            <a:r>
-              <a:rPr lang="en-US"/>
-              <a:t>Fifth level</a:t>
-            </a:r>
-            <a:endParaRPr lang="en-GB"/>
-          </a:p>
-        </p:txBody>
-      </p:sp>
-      <p:sp>
-        <p:nvSpPr>
-          <p:cNvPr id="4" name="Date Placeholder 3"/>
-          <p:cNvSpPr>
-            <a:spLocks noGrp="1"/>
-          </p:cNvSpPr>
-          <p:nvPr>
-            <p:ph type="dt" sz="half" idx="2"/>
-          </p:nvPr>
-        </p:nvSpPr>
         <p:spPr>
           <a:xfrm>
-            <a:off x="457200" y="6356350"/>
-            <a:ext cx="2133600" cy="365125"/>
+            <a:off x="376518" y="380325"/>
+            <a:ext cx="8417858" cy="880969"/>
           </a:xfrm>
           <a:prstGeom prst="rect">
             <a:avLst/>
           </a:prstGeom>
         </p:spPr>
         <p:txBody>
-          <a:bodyPr vert="horz" wrap="square" lIns="91440" tIns="45720" rIns="91440" bIns="45720" numCol="1" anchor="ctr" anchorCtr="0" compatLnSpc="1">
-            <a:prstTxWarp prst="textNoShape">
-              <a:avLst/>
-            </a:prstTxWarp>
+          <a:bodyPr vert="horz" lIns="91440" tIns="45720" rIns="91440" bIns="45720" rtlCol="0" anchor="ctr">
+            <a:normAutofit/>
           </a:bodyPr>
-          <a:lstStyle>
-            <a:lvl1pPr>
-              <a:defRPr sz="1200">
-                <a:solidFill>
-                  <a:srgbClr val="898989"/>
-                </a:solidFill>
-                <a:latin typeface="Calibri" charset="0"/>
-              </a:defRPr>
-            </a:lvl1pPr>
-          </a:lstStyle>
-          <a:p>
-            <a:fld id="{EC40E7FB-B30A-A942-A21D-EE0E54040989}" type="datetimeFigureOut">
-              <a:rPr lang="en-GB"/>
-              <a:pPr/>
-              <a:t>25/09/2018</a:t>
-            </a:fld>
-            <a:endParaRPr lang="en-GB"/>
+          <a:lstStyle/>
+          <a:p>
+            <a:r>
+              <a:rPr lang="en-US" smtClean="0"/>
+              <a:t>Click to edit Master title style</a:t>
+            </a:r>
+            <a:endParaRPr lang="en-GB" dirty="0"/>
           </a:p>
         </p:txBody>
       </p:sp>
-      <p:sp>
-        <p:nvSpPr>
-          <p:cNvPr id="5" name="Footer Placeholder 4"/>
-          <p:cNvSpPr>
-            <a:spLocks noGrp="1"/>
-          </p:cNvSpPr>
-          <p:nvPr>
-            <p:ph type="ftr" sz="quarter" idx="3"/>
-          </p:nvPr>
-        </p:nvSpPr>
-        <p:spPr>
-          <a:xfrm>
-            <a:off x="3124200" y="6356350"/>
-            <a:ext cx="2895600" cy="365125"/>
-          </a:xfrm>
-          <a:prstGeom prst="rect">
-            <a:avLst/>
-          </a:prstGeom>
-        </p:spPr>
-        <p:txBody>
-          <a:bodyPr vert="horz" lIns="91440" tIns="45720" rIns="91440" bIns="45720" rtlCol="0" anchor="ctr"/>
-          <a:lstStyle>
-            <a:lvl1pPr algn="ctr" fontAlgn="auto">
-              <a:spcBef>
-                <a:spcPts val="0"/>
-              </a:spcBef>
-              <a:spcAft>
-                <a:spcPts val="0"/>
-              </a:spcAft>
-              <a:defRPr sz="1200">
-                <a:solidFill>
-                  <a:schemeClr val="tx1">
-                    <a:tint val="75000"/>
-                  </a:schemeClr>
-                </a:solidFill>
-                <a:latin typeface="+mn-lt"/>
-                <a:ea typeface="+mn-ea"/>
-                <a:cs typeface="+mn-cs"/>
-              </a:defRPr>
-            </a:lvl1pPr>
-          </a:lstStyle>
-          <a:p>
-            <a:pPr>
-              <a:defRPr/>
-            </a:pPr>
-            <a:endParaRPr lang="en-GB"/>
-          </a:p>
-        </p:txBody>
-      </p:sp>
-      <p:sp>
-        <p:nvSpPr>
-          <p:cNvPr id="6" name="Slide Number Placeholder 5"/>
-          <p:cNvSpPr>
-            <a:spLocks noGrp="1"/>
-          </p:cNvSpPr>
-          <p:nvPr>
-            <p:ph type="sldNum" sz="quarter" idx="4"/>
-          </p:nvPr>
-        </p:nvSpPr>
-        <p:spPr>
-          <a:xfrm>
-            <a:off x="6553200" y="6356350"/>
-            <a:ext cx="2133600" cy="365125"/>
-          </a:xfrm>
-          <a:prstGeom prst="rect">
-            <a:avLst/>
-          </a:prstGeom>
-        </p:spPr>
-        <p:txBody>
-          <a:bodyPr vert="horz" wrap="square" lIns="91440" tIns="45720" rIns="91440" bIns="45720" numCol="1" anchor="ctr" anchorCtr="0" compatLnSpc="1">
-            <a:prstTxWarp prst="textNoShape">
-              <a:avLst/>
-            </a:prstTxWarp>
-          </a:bodyPr>
-          <a:lstStyle>
-            <a:lvl1pPr algn="r">
-              <a:defRPr sz="1200">
-                <a:solidFill>
-                  <a:srgbClr val="898989"/>
-                </a:solidFill>
-                <a:latin typeface="Calibri" charset="0"/>
-              </a:defRPr>
-            </a:lvl1pPr>
-          </a:lstStyle>
-          <a:p>
-            <a:fld id="{AA0BD0E7-6502-164F-92D4-9E853AB5EE6E}" type="slidenum">
-              <a:rPr lang="en-GB"/>
-              <a:pPr/>
-              <a:t>‹#›</a:t>
-            </a:fld>
-            <a:endParaRPr lang="en-GB"/>
-          </a:p>
-        </p:txBody>
-      </p:sp>
-      <p:pic>
-        <p:nvPicPr>
-          <p:cNvPr id="1031" name="Picture 6" descr="ceda_ logo_transp_black_1.png"/>
-          <p:cNvPicPr>
-            <a:picLocks noChangeAspect="1"/>
-          </p:cNvPicPr>
-          <p:nvPr userDrawn="1"/>
-        </p:nvPicPr>
-        <p:blipFill>
-          <a:blip r:embed="rId13" cstate="email">
-            <a:extLst>
-              <a:ext uri="{28A0092B-C50C-407E-A947-70E740481C1C}">
-                <a14:useLocalDpi xmlns:a14="http://schemas.microsoft.com/office/drawing/2010/main" val="0"/>
-              </a:ext>
-            </a:extLst>
-          </a:blip>
-          <a:srcRect/>
-          <a:stretch>
-            <a:fillRect/>
-          </a:stretch>
-        </p:blipFill>
-        <p:spPr bwMode="auto">
-          <a:xfrm>
-            <a:off x="7129463" y="6237288"/>
-            <a:ext cx="1979612" cy="528637"/>
-          </a:xfrm>
-          <a:prstGeom prst="rect">
-            <a:avLst/>
-          </a:prstGeom>
-          <a:noFill/>
-          <a:ln>
-            <a:noFill/>
-          </a:ln>
-          <a:extLst>
-            <a:ext uri="{909E8E84-426E-40dd-AFC4-6F175D3DCCD1}">
-              <a14:hiddenFill xmlns="" xmlns:a14="http://schemas.microsoft.com/office/drawing/2010/main">
-                <a:solidFill>
-                  <a:srgbClr val="FFFFFF"/>
-                </a:solidFill>
-              </a14:hiddenFill>
-            </a:ext>
-            <a:ext uri="{91240B29-F687-4f45-9708-019B960494DF}">
-              <a14:hiddenLine xmlns="" xmlns:a14="http://schemas.microsoft.com/office/drawing/2010/main" w="9525">
-                <a:solidFill>
-                  <a:srgbClr val="000000"/>
-                </a:solidFill>
-                <a:miter lim="800000"/>
-                <a:headEnd/>
-                <a:tailEnd/>
-              </a14:hiddenLine>
-            </a:ext>
-          </a:extLst>
-        </p:spPr>
-      </p:pic>
-      <p:pic>
-        <p:nvPicPr>
-          <p:cNvPr id="1032" name="Picture 8" descr="NCAS national_centre_logo_transparent"/>
-          <p:cNvPicPr>
-            <a:picLocks noChangeAspect="1" noChangeArrowheads="1"/>
-          </p:cNvPicPr>
-          <p:nvPr userDrawn="1"/>
-        </p:nvPicPr>
-        <p:blipFill>
-          <a:blip r:embed="rId14" cstate="email">
-            <a:extLst>
-              <a:ext uri="{28A0092B-C50C-407E-A947-70E740481C1C}">
-                <a14:useLocalDpi xmlns:a14="http://schemas.microsoft.com/office/drawing/2010/main" val="0"/>
-              </a:ext>
-            </a:extLst>
-          </a:blip>
-          <a:srcRect/>
-          <a:stretch>
-            <a:fillRect/>
-          </a:stretch>
-        </p:blipFill>
-        <p:spPr bwMode="auto">
-          <a:xfrm>
-            <a:off x="107950" y="6308725"/>
-            <a:ext cx="1800225" cy="433388"/>
-          </a:xfrm>
-          <a:prstGeom prst="rect">
-            <a:avLst/>
-          </a:prstGeom>
-          <a:noFill/>
-          <a:ln>
-            <a:noFill/>
-          </a:ln>
-          <a:extLst>
-            <a:ext uri="{909E8E84-426E-40dd-AFC4-6F175D3DCCD1}">
-              <a14:hiddenFill xmlns="" xmlns:a14="http://schemas.microsoft.com/office/drawing/2010/main">
-                <a:solidFill>
-                  <a:srgbClr val="FFFFFF"/>
-                </a:solidFill>
-              </a14:hiddenFill>
-            </a:ext>
-            <a:ext uri="{91240B29-F687-4f45-9708-019B960494DF}">
-              <a14:hiddenLine xmlns="" xmlns:a14="http://schemas.microsoft.com/office/drawing/2010/main" w="9525">
-                <a:solidFill>
-                  <a:srgbClr val="000000"/>
-                </a:solidFill>
-                <a:miter lim="800000"/>
-                <a:headEnd/>
-                <a:tailEnd/>
-              </a14:hiddenLine>
-            </a:ext>
-          </a:extLst>
-        </p:spPr>
-      </p:pic>
     </p:spTree>
+    <p:extLst>
+      <p:ext uri="{BB962C8B-B14F-4D97-AF65-F5344CB8AC3E}">
+        <p14:creationId xmlns:p14="http://schemas.microsoft.com/office/powerpoint/2010/main" val="1398460215"/>
+      </p:ext>
+    </p:extLst>
   </p:cSld>
   <p:clrMap bg1="lt1" tx1="dk1" bg2="lt2" tx2="dk2" accent1="accent1" accent2="accent2" accent3="accent3" accent4="accent4" accent5="accent5" accent6="accent6" hlink="hlink" folHlink="folHlink"/>
   <p:sldLayoutIdLst>
-    <p:sldLayoutId id="2147483649" r:id="rId1"/>
-    <p:sldLayoutId id="2147483650" r:id="rId2"/>
-    <p:sldLayoutId id="2147483651" r:id="rId3"/>
-    <p:sldLayoutId id="2147483652" r:id="rId4"/>
-    <p:sldLayoutId id="2147483653" r:id="rId5"/>
-    <p:sldLayoutId id="2147483654" r:id="rId6"/>
-    <p:sldLayoutId id="2147483655" r:id="rId7"/>
-    <p:sldLayoutId id="2147483656" r:id="rId8"/>
-    <p:sldLayoutId id="2147483657" r:id="rId9"/>
-    <p:sldLayoutId id="2147483658" r:id="rId10"/>
-    <p:sldLayoutId id="2147483659" r:id="rId11"/>
+    <p:sldLayoutId id="2147483681" r:id="rId1"/>
+    <p:sldLayoutId id="2147483682" r:id="rId2"/>
+    <p:sldLayoutId id="2147483683" r:id="rId3"/>
+    <p:sldLayoutId id="2147483684" r:id="rId4"/>
+    <p:sldLayoutId id="2147483685" r:id="rId5"/>
+    <p:sldLayoutId id="2147483686" r:id="rId6"/>
+    <p:sldLayoutId id="2147483687" r:id="rId7"/>
   </p:sldLayoutIdLst>
   <p:txStyles>
     <p:titleStyle>
-      <a:lvl1pPr algn="ctr" rtl="0" eaLnBrk="0" fontAlgn="base" hangingPunct="0">
+      <a:lvl1pPr algn="ctr" defTabSz="914400" rtl="0" eaLnBrk="1" latinLnBrk="0" hangingPunct="1">
+        <a:lnSpc>
+          <a:spcPct val="90000"/>
+        </a:lnSpc>
         <a:spcBef>
           <a:spcPct val="0"/>
         </a:spcBef>
-        <a:spcAft>
-          <a:spcPct val="0"/>
-        </a:spcAft>
-        <a:defRPr sz="4400" kern="1200">
-          <a:solidFill>
-            <a:schemeClr val="tx1"/>
-          </a:solidFill>
-          <a:latin typeface="+mj-lt"/>
-          <a:ea typeface="ＭＳ Ｐゴシック" charset="0"/>
-          <a:cs typeface="+mj-cs"/>
-        </a:defRPr>
-      </a:lvl1pPr>
-      <a:lvl2pPr algn="ctr" rtl="0" eaLnBrk="0" fontAlgn="base" hangingPunct="0">
-        <a:spcBef>
-          <a:spcPct val="0"/>
-        </a:spcBef>
-        <a:spcAft>
-          <a:spcPct val="0"/>
-        </a:spcAft>
-        <a:defRPr sz="4400">
-          <a:solidFill>
-            <a:schemeClr val="tx1"/>
-          </a:solidFill>
-          <a:latin typeface="Calibri" pitchFamily="34" charset="0"/>
-          <a:ea typeface="ＭＳ Ｐゴシック" charset="0"/>
-        </a:defRPr>
-      </a:lvl2pPr>
-      <a:lvl3pPr algn="ctr" rtl="0" eaLnBrk="0" fontAlgn="base" hangingPunct="0">
-        <a:spcBef>
-          <a:spcPct val="0"/>
-        </a:spcBef>
-        <a:spcAft>
-          <a:spcPct val="0"/>
-        </a:spcAft>
-        <a:defRPr sz="4400">
-          <a:solidFill>
-            <a:schemeClr val="tx1"/>
-          </a:solidFill>
-          <a:latin typeface="Calibri" pitchFamily="34" charset="0"/>
-          <a:ea typeface="ＭＳ Ｐゴシック" charset="0"/>
-        </a:defRPr>
-      </a:lvl3pPr>
-      <a:lvl4pPr algn="ctr" rtl="0" eaLnBrk="0" fontAlgn="base" hangingPunct="0">
-        <a:spcBef>
-          <a:spcPct val="0"/>
-        </a:spcBef>
-        <a:spcAft>
-          <a:spcPct val="0"/>
-        </a:spcAft>
-        <a:defRPr sz="4400">
-          <a:solidFill>
-            <a:schemeClr val="tx1"/>
-          </a:solidFill>
-          <a:latin typeface="Calibri" pitchFamily="34" charset="0"/>
-          <a:ea typeface="ＭＳ Ｐゴシック" charset="0"/>
-        </a:defRPr>
-      </a:lvl4pPr>
-      <a:lvl5pPr algn="ctr" rtl="0" eaLnBrk="0" fontAlgn="base" hangingPunct="0">
-        <a:spcBef>
-          <a:spcPct val="0"/>
-        </a:spcBef>
-        <a:spcAft>
-          <a:spcPct val="0"/>
-        </a:spcAft>
-        <a:defRPr sz="4400">
-          <a:solidFill>
-            <a:schemeClr val="tx1"/>
-          </a:solidFill>
-          <a:latin typeface="Calibri" pitchFamily="34" charset="0"/>
-          <a:ea typeface="ＭＳ Ｐゴシック" charset="0"/>
-        </a:defRPr>
-      </a:lvl5pPr>
-      <a:lvl6pPr marL="457200" algn="ctr" rtl="0" fontAlgn="base">
-        <a:spcBef>
-          <a:spcPct val="0"/>
-        </a:spcBef>
-        <a:spcAft>
-          <a:spcPct val="0"/>
-        </a:spcAft>
-        <a:defRPr sz="4400">
-          <a:solidFill>
-            <a:schemeClr val="tx1"/>
-          </a:solidFill>
-          <a:latin typeface="Calibri" pitchFamily="34" charset="0"/>
-        </a:defRPr>
-      </a:lvl6pPr>
-      <a:lvl7pPr marL="914400" algn="ctr" rtl="0" fontAlgn="base">
-        <a:spcBef>
-          <a:spcPct val="0"/>
-        </a:spcBef>
-        <a:spcAft>
-          <a:spcPct val="0"/>
-        </a:spcAft>
-        <a:defRPr sz="4400">
-          <a:solidFill>
-            <a:schemeClr val="tx1"/>
-          </a:solidFill>
-          <a:latin typeface="Calibri" pitchFamily="34" charset="0"/>
-        </a:defRPr>
-      </a:lvl7pPr>
-      <a:lvl8pPr marL="1371600" algn="ctr" rtl="0" fontAlgn="base">
-        <a:spcBef>
-          <a:spcPct val="0"/>
-        </a:spcBef>
-        <a:spcAft>
-          <a:spcPct val="0"/>
-        </a:spcAft>
-        <a:defRPr sz="4400">
-          <a:solidFill>
-            <a:schemeClr val="tx1"/>
-          </a:solidFill>
-          <a:latin typeface="Calibri" pitchFamily="34" charset="0"/>
-        </a:defRPr>
-      </a:lvl8pPr>
-      <a:lvl9pPr marL="1828800" algn="ctr" rtl="0" fontAlgn="base">
-        <a:spcBef>
-          <a:spcPct val="0"/>
-        </a:spcBef>
-        <a:spcAft>
-          <a:spcPct val="0"/>
-        </a:spcAft>
-        <a:defRPr sz="4400">
-          <a:solidFill>
-            <a:schemeClr val="tx1"/>
-          </a:solidFill>
-          <a:latin typeface="Calibri" pitchFamily="34" charset="0"/>
-        </a:defRPr>
-      </a:lvl9pPr>
-    </p:titleStyle>
-    <p:bodyStyle>
-      <a:lvl1pPr marL="342900" indent="-342900" algn="l" rtl="0" eaLnBrk="0" fontAlgn="base" hangingPunct="0">
-        <a:spcBef>
-          <a:spcPct val="20000"/>
-        </a:spcBef>
-        <a:spcAft>
-          <a:spcPct val="0"/>
-        </a:spcAft>
-        <a:buFont typeface="Arial" charset="0"/>
-        <a:buChar char="•"/>
-        <a:defRPr sz="3200" kern="1200">
+        <a:buNone/>
+        <a:defRPr sz="3200" kern="1200" baseline="0">
           <a:solidFill>
             <a:schemeClr val="tx1"/>
           </a:solidFill>
           <a:latin typeface="+mn-lt"/>
-          <a:ea typeface="ＭＳ Ｐゴシック" charset="0"/>
-          <a:cs typeface="+mn-cs"/>
+          <a:ea typeface="+mj-ea"/>
+          <a:cs typeface="Arial" panose="020B0604020202020204" pitchFamily="34" charset="0"/>
         </a:defRPr>
       </a:lvl1pPr>
-      <a:lvl2pPr marL="742950" indent="-285750" algn="l" rtl="0" eaLnBrk="0" fontAlgn="base" hangingPunct="0">
+    </p:titleStyle>
+    <p:bodyStyle>
+      <a:lvl1pPr marL="228600" indent="-228600" algn="l" defTabSz="914400" rtl="0" eaLnBrk="1" latinLnBrk="0" hangingPunct="1">
+        <a:lnSpc>
+          <a:spcPct val="90000"/>
+        </a:lnSpc>
         <a:spcBef>
-          <a:spcPct val="20000"/>
+          <a:spcPts val="1000"/>
         </a:spcBef>
-        <a:spcAft>
-          <a:spcPct val="0"/>
-        </a:spcAft>
-        <a:buFont typeface="Arial" charset="0"/>
-        <a:buChar char="–"/>
+        <a:buFont typeface="Arial" panose="020B0604020202020204" pitchFamily="34" charset="0"/>
+        <a:buChar char="•"/>
         <a:defRPr sz="2800" kern="1200">
           <a:solidFill>
             <a:schemeClr val="tx1"/>
           </a:solidFill>
           <a:latin typeface="+mn-lt"/>
-          <a:ea typeface="ＭＳ Ｐゴシック" charset="0"/>
+          <a:ea typeface="+mn-ea"/>
           <a:cs typeface="+mn-cs"/>
         </a:defRPr>
-      </a:lvl2pPr>
-      <a:lvl3pPr marL="1143000" indent="-228600" algn="l" rtl="0" eaLnBrk="0" fontAlgn="base" hangingPunct="0">
+      </a:lvl1pPr>
+      <a:lvl2pPr marL="685800" indent="-228600" algn="l" defTabSz="914400" rtl="0" eaLnBrk="1" latinLnBrk="0" hangingPunct="1">
+        <a:lnSpc>
+          <a:spcPct val="90000"/>
+        </a:lnSpc>
         <a:spcBef>
-          <a:spcPct val="20000"/>
+          <a:spcPts val="500"/>
         </a:spcBef>
-        <a:spcAft>
-          <a:spcPct val="0"/>
-        </a:spcAft>
-        <a:buFont typeface="Arial" charset="0"/>
+        <a:buFont typeface="Arial" panose="020B0604020202020204" pitchFamily="34" charset="0"/>
         <a:buChar char="•"/>
         <a:defRPr sz="2400" kern="1200">
           <a:solidFill>
             <a:schemeClr val="tx1"/>
           </a:solidFill>
           <a:latin typeface="+mn-lt"/>
-          <a:ea typeface="ＭＳ Ｐゴシック" charset="0"/>
+          <a:ea typeface="+mn-ea"/>
           <a:cs typeface="+mn-cs"/>
         </a:defRPr>
-      </a:lvl3pPr>
-      <a:lvl4pPr marL="1600200" indent="-228600" algn="l" rtl="0" eaLnBrk="0" fontAlgn="base" hangingPunct="0">
+      </a:lvl2pPr>
+      <a:lvl3pPr marL="1143000" indent="-228600" algn="l" defTabSz="914400" rtl="0" eaLnBrk="1" latinLnBrk="0" hangingPunct="1">
+        <a:lnSpc>
+          <a:spcPct val="90000"/>
+        </a:lnSpc>
         <a:spcBef>
-          <a:spcPct val="20000"/>
+          <a:spcPts val="500"/>
         </a:spcBef>
-        <a:spcAft>
-          <a:spcPct val="0"/>
-        </a:spcAft>
-        <a:buFont typeface="Arial" charset="0"/>
-        <a:buChar char="–"/>
-        <a:defRPr sz="2000" kern="1200">
-          <a:solidFill>
-            <a:schemeClr val="tx1"/>
-          </a:solidFill>
-          <a:latin typeface="+mn-lt"/>
-          <a:ea typeface="ＭＳ Ｐゴシック" charset="0"/>
-          <a:cs typeface="+mn-cs"/>
-        </a:defRPr>
-      </a:lvl4pPr>
-      <a:lvl5pPr marL="2057400" indent="-228600" algn="l" rtl="0" eaLnBrk="0" fontAlgn="base" hangingPunct="0">
-        <a:spcBef>
-          <a:spcPct val="20000"/>
-        </a:spcBef>
-        <a:spcAft>
-          <a:spcPct val="0"/>
-        </a:spcAft>
-        <a:buFont typeface="Arial" charset="0"/>
-        <a:buChar char="»"/>
-        <a:defRPr sz="2000" kern="1200">
-          <a:solidFill>
-            <a:schemeClr val="tx1"/>
-          </a:solidFill>
-          <a:latin typeface="+mn-lt"/>
-          <a:ea typeface="ＭＳ Ｐゴシック" charset="0"/>
-          <a:cs typeface="+mn-cs"/>
-        </a:defRPr>
-      </a:lvl5pPr>
-      <a:lvl6pPr marL="2514600" indent="-228600" algn="l" defTabSz="914400" rtl="0" eaLnBrk="1" latinLnBrk="0" hangingPunct="1">
-        <a:spcBef>
-          <a:spcPct val="20000"/>
-        </a:spcBef>
-        <a:buFont typeface="Arial" pitchFamily="34" charset="0"/>
+        <a:buFont typeface="Arial" panose="020B0604020202020204" pitchFamily="34" charset="0"/>
         <a:buChar char="•"/>
         <a:defRPr sz="2000" kern="1200">
           <a:solidFill>
@@ -7368,14 +8758,71 @@
           <a:ea typeface="+mn-ea"/>
           <a:cs typeface="+mn-cs"/>
         </a:defRPr>
+      </a:lvl3pPr>
+      <a:lvl4pPr marL="1600200" indent="-228600" algn="l" defTabSz="914400" rtl="0" eaLnBrk="1" latinLnBrk="0" hangingPunct="1">
+        <a:lnSpc>
+          <a:spcPct val="90000"/>
+        </a:lnSpc>
+        <a:spcBef>
+          <a:spcPts val="500"/>
+        </a:spcBef>
+        <a:buFont typeface="Arial" panose="020B0604020202020204" pitchFamily="34" charset="0"/>
+        <a:buChar char="•"/>
+        <a:defRPr sz="1800" kern="1200">
+          <a:solidFill>
+            <a:schemeClr val="tx1"/>
+          </a:solidFill>
+          <a:latin typeface="+mn-lt"/>
+          <a:ea typeface="+mn-ea"/>
+          <a:cs typeface="+mn-cs"/>
+        </a:defRPr>
+      </a:lvl4pPr>
+      <a:lvl5pPr marL="2057400" indent="-228600" algn="l" defTabSz="914400" rtl="0" eaLnBrk="1" latinLnBrk="0" hangingPunct="1">
+        <a:lnSpc>
+          <a:spcPct val="90000"/>
+        </a:lnSpc>
+        <a:spcBef>
+          <a:spcPts val="500"/>
+        </a:spcBef>
+        <a:buFont typeface="Arial" panose="020B0604020202020204" pitchFamily="34" charset="0"/>
+        <a:buChar char="•"/>
+        <a:defRPr sz="1800" kern="1200">
+          <a:solidFill>
+            <a:schemeClr val="tx1"/>
+          </a:solidFill>
+          <a:latin typeface="+mn-lt"/>
+          <a:ea typeface="+mn-ea"/>
+          <a:cs typeface="+mn-cs"/>
+        </a:defRPr>
+      </a:lvl5pPr>
+      <a:lvl6pPr marL="2514600" indent="-228600" algn="l" defTabSz="914400" rtl="0" eaLnBrk="1" latinLnBrk="0" hangingPunct="1">
+        <a:lnSpc>
+          <a:spcPct val="90000"/>
+        </a:lnSpc>
+        <a:spcBef>
+          <a:spcPts val="500"/>
+        </a:spcBef>
+        <a:buFont typeface="Arial" panose="020B0604020202020204" pitchFamily="34" charset="0"/>
+        <a:buChar char="•"/>
+        <a:defRPr sz="1800" kern="1200">
+          <a:solidFill>
+            <a:schemeClr val="tx1"/>
+          </a:solidFill>
+          <a:latin typeface="+mn-lt"/>
+          <a:ea typeface="+mn-ea"/>
+          <a:cs typeface="+mn-cs"/>
+        </a:defRPr>
       </a:lvl6pPr>
       <a:lvl7pPr marL="2971800" indent="-228600" algn="l" defTabSz="914400" rtl="0" eaLnBrk="1" latinLnBrk="0" hangingPunct="1">
+        <a:lnSpc>
+          <a:spcPct val="90000"/>
+        </a:lnSpc>
         <a:spcBef>
-          <a:spcPct val="20000"/>
+          <a:spcPts val="500"/>
         </a:spcBef>
-        <a:buFont typeface="Arial" pitchFamily="34" charset="0"/>
+        <a:buFont typeface="Arial" panose="020B0604020202020204" pitchFamily="34" charset="0"/>
         <a:buChar char="•"/>
-        <a:defRPr sz="2000" kern="1200">
+        <a:defRPr sz="1800" kern="1200">
           <a:solidFill>
             <a:schemeClr val="tx1"/>
           </a:solidFill>
@@ -7385,12 +8832,15 @@
         </a:defRPr>
       </a:lvl7pPr>
       <a:lvl8pPr marL="3429000" indent="-228600" algn="l" defTabSz="914400" rtl="0" eaLnBrk="1" latinLnBrk="0" hangingPunct="1">
+        <a:lnSpc>
+          <a:spcPct val="90000"/>
+        </a:lnSpc>
         <a:spcBef>
-          <a:spcPct val="20000"/>
+          <a:spcPts val="500"/>
         </a:spcBef>
-        <a:buFont typeface="Arial" pitchFamily="34" charset="0"/>
+        <a:buFont typeface="Arial" panose="020B0604020202020204" pitchFamily="34" charset="0"/>
         <a:buChar char="•"/>
-        <a:defRPr sz="2000" kern="1200">
+        <a:defRPr sz="1800" kern="1200">
           <a:solidFill>
             <a:schemeClr val="tx1"/>
           </a:solidFill>
@@ -7400,12 +8850,15 @@
         </a:defRPr>
       </a:lvl8pPr>
       <a:lvl9pPr marL="3886200" indent="-228600" algn="l" defTabSz="914400" rtl="0" eaLnBrk="1" latinLnBrk="0" hangingPunct="1">
+        <a:lnSpc>
+          <a:spcPct val="90000"/>
+        </a:lnSpc>
         <a:spcBef>
-          <a:spcPct val="20000"/>
+          <a:spcPts val="500"/>
         </a:spcBef>
-        <a:buFont typeface="Arial" pitchFamily="34" charset="0"/>
+        <a:buFont typeface="Arial" panose="020B0604020202020204" pitchFamily="34" charset="0"/>
         <a:buChar char="•"/>
-        <a:defRPr sz="2000" kern="1200">
+        <a:defRPr sz="1800" kern="1200">
           <a:solidFill>
             <a:schemeClr val="tx1"/>
           </a:solidFill>
@@ -7543,7 +8996,9 @@
         </p:nvSpPr>
         <p:spPr/>
         <p:txBody>
-          <a:bodyPr/>
+          <a:bodyPr>
+            <a:normAutofit fontScale="90000"/>
+          </a:bodyPr>
           <a:lstStyle/>
           <a:p>
             <a:pPr eaLnBrk="1" hangingPunct="1"/>
@@ -7601,7 +9056,7 @@
         <p:spPr/>
         <p:txBody>
           <a:bodyPr rtlCol="0">
-            <a:normAutofit lnSpcReduction="10000"/>
+            <a:noAutofit/>
           </a:bodyPr>
           <a:lstStyle/>
           <a:p>
@@ -7614,7 +9069,7 @@
               <a:defRPr/>
             </a:pPr>
             <a:r>
-              <a:rPr lang="en-GB" sz="2000" dirty="0" smtClean="0">
+              <a:rPr lang="en-GB" sz="1800" dirty="0" smtClean="0">
                 <a:solidFill>
                   <a:srgbClr val="002060"/>
                 </a:solidFill>
@@ -7632,7 +9087,7 @@
               <a:buNone/>
               <a:defRPr/>
             </a:pPr>
-            <a:endParaRPr lang="en-GB" sz="1000" dirty="0" smtClean="0">
+            <a:endParaRPr lang="en-GB" sz="1800" dirty="0" smtClean="0">
               <a:solidFill>
                 <a:srgbClr val="002060"/>
               </a:solidFill>
@@ -7649,7 +9104,7 @@
               <a:defRPr/>
             </a:pPr>
             <a:r>
-              <a:rPr lang="en-GB" sz="2000" dirty="0" smtClean="0">
+              <a:rPr lang="en-GB" sz="1800" dirty="0" smtClean="0">
                 <a:solidFill>
                   <a:schemeClr val="tx1"/>
                 </a:solidFill>
@@ -7660,114 +9115,6 @@
           </a:p>
         </p:txBody>
       </p:sp>
-      <p:pic>
-        <p:nvPicPr>
-          <p:cNvPr id="2052" name="Picture 6" descr="ceda_ logo_transp_black_1.png"/>
-          <p:cNvPicPr>
-            <a:picLocks noChangeAspect="1"/>
-          </p:cNvPicPr>
-          <p:nvPr/>
-        </p:nvPicPr>
-        <p:blipFill>
-          <a:blip r:embed="rId2" cstate="email">
-            <a:extLst>
-              <a:ext uri="{28A0092B-C50C-407E-A947-70E740481C1C}">
-                <a14:useLocalDpi xmlns:a14="http://schemas.microsoft.com/office/drawing/2010/main" val="0"/>
-              </a:ext>
-            </a:extLst>
-          </a:blip>
-          <a:srcRect/>
-          <a:stretch>
-            <a:fillRect/>
-          </a:stretch>
-        </p:blipFill>
-        <p:spPr bwMode="auto">
-          <a:xfrm>
-            <a:off x="5003800" y="211138"/>
-            <a:ext cx="3960813" cy="1057275"/>
-          </a:xfrm>
-          <a:prstGeom prst="rect">
-            <a:avLst/>
-          </a:prstGeom>
-          <a:noFill/>
-          <a:ln>
-            <a:noFill/>
-          </a:ln>
-          <a:extLst>
-            <a:ext uri="{909E8E84-426E-40dd-AFC4-6F175D3DCCD1}">
-              <a14:hiddenFill xmlns="" xmlns:a14="http://schemas.microsoft.com/office/drawing/2010/main">
-                <a:solidFill>
-                  <a:srgbClr val="FFFFFF"/>
-                </a:solidFill>
-              </a14:hiddenFill>
-            </a:ext>
-            <a:ext uri="{91240B29-F687-4f45-9708-019B960494DF}">
-              <a14:hiddenLine xmlns="" xmlns:a14="http://schemas.microsoft.com/office/drawing/2010/main" w="9525">
-                <a:solidFill>
-                  <a:srgbClr val="000000"/>
-                </a:solidFill>
-                <a:miter lim="800000"/>
-                <a:headEnd/>
-                <a:tailEnd/>
-              </a14:hiddenLine>
-            </a:ext>
-          </a:extLst>
-        </p:spPr>
-      </p:pic>
-      <p:pic>
-        <p:nvPicPr>
-          <p:cNvPr id="2053" name="Picture 8" descr="NCAS national_centre_logo_transparent"/>
-          <p:cNvPicPr>
-            <a:picLocks noChangeAspect="1" noChangeArrowheads="1"/>
-          </p:cNvPicPr>
-          <p:nvPr/>
-        </p:nvPicPr>
-        <p:blipFill>
-          <a:blip r:embed="rId3" cstate="email">
-            <a:extLst>
-              <a:ext uri="{28A0092B-C50C-407E-A947-70E740481C1C}">
-                <a14:useLocalDpi xmlns:a14="http://schemas.microsoft.com/office/drawing/2010/main" val="0"/>
-              </a:ext>
-            </a:extLst>
-          </a:blip>
-          <a:srcRect/>
-          <a:stretch>
-            <a:fillRect/>
-          </a:stretch>
-        </p:blipFill>
-        <p:spPr bwMode="auto">
-          <a:xfrm>
-            <a:off x="323850" y="260350"/>
-            <a:ext cx="3900488" cy="936625"/>
-          </a:xfrm>
-          <a:prstGeom prst="rect">
-            <a:avLst/>
-          </a:prstGeom>
-          <a:noFill/>
-          <a:ln>
-            <a:noFill/>
-          </a:ln>
-          <a:extLst>
-            <a:ext uri="{909E8E84-426E-40dd-AFC4-6F175D3DCCD1}">
-              <a14:hiddenFill xmlns="" xmlns:a14="http://schemas.microsoft.com/office/drawing/2010/main">
-                <a:solidFill>
-                  <a:srgbClr val="FFFFFF"/>
-                </a:solidFill>
-              </a14:hiddenFill>
-            </a:ext>
-            <a:ext uri="{91240B29-F687-4f45-9708-019B960494DF}">
-              <a14:hiddenLine xmlns="" xmlns:a14="http://schemas.microsoft.com/office/drawing/2010/main" w="9525">
-                <a:solidFill>
-                  <a:srgbClr val="000000"/>
-                </a:solidFill>
-                <a:miter lim="800000"/>
-                <a:headEnd/>
-                <a:tailEnd/>
-              </a14:hiddenLine>
-            </a:ext>
-          </a:extLst>
-        </p:spPr>
-      </p:pic>
     </p:spTree>
   </p:cSld>
   <p:clrMapOvr>
@@ -7835,54 +9182,6 @@
       </p:sp>
       <p:pic>
         <p:nvPicPr>
-          <p:cNvPr id="13315" name="Picture 4"/>
-          <p:cNvPicPr>
-            <a:picLocks noGrp="1" noChangeAspect="1" noChangeArrowheads="1"/>
-          </p:cNvPicPr>
-          <p:nvPr>
-            <p:ph idx="1"/>
-          </p:nvPr>
-        </p:nvPicPr>
-        <p:blipFill>
-          <a:blip r:embed="rId3" cstate="email">
-            <a:extLst>
-              <a:ext uri="{28A0092B-C50C-407E-A947-70E740481C1C}">
-                <a14:useLocalDpi xmlns:a14="http://schemas.microsoft.com/office/drawing/2010/main" val="0"/>
-              </a:ext>
-            </a:extLst>
-          </a:blip>
-          <a:srcRect t="12589"/>
-          <a:stretch>
-            <a:fillRect/>
-          </a:stretch>
-        </p:blipFill>
-        <p:spPr>
-          <a:xfrm>
-            <a:off x="3848100" y="3544888"/>
-            <a:ext cx="4749800" cy="2949575"/>
-          </a:xfrm>
-          <a:noFill/>
-          <a:ln>
-            <a:solidFill>
-              <a:schemeClr val="tx1"/>
-            </a:solidFill>
-            <a:miter lim="800000"/>
-            <a:headEnd/>
-            <a:tailEnd/>
-          </a:ln>
-          <a:extLst>
-            <a:ext uri="{909E8E84-426E-40dd-AFC4-6F175D3DCCD1}">
-              <a14:hiddenFill xmlns="" xmlns:a14="http://schemas.microsoft.com/office/drawing/2010/main">
-                <a:solidFill>
-                  <a:schemeClr val="accent1"/>
-                </a:solidFill>
-              </a14:hiddenFill>
-            </a:ext>
-          </a:extLst>
-        </p:spPr>
-      </p:pic>
-      <p:pic>
-        <p:nvPicPr>
           <p:cNvPr id="8" name="Picture 1"/>
           <p:cNvPicPr>
             <a:picLocks noChangeAspect="1" noChangeArrowheads="1"/>
@@ -7890,7 +9189,7 @@
           <p:nvPr/>
         </p:nvPicPr>
         <p:blipFill>
-          <a:blip r:embed="rId4"/>
+          <a:blip r:embed="rId3"/>
           <a:srcRect t="14391" r="22800" b="6250"/>
           <a:stretch>
             <a:fillRect/>
@@ -7899,7 +9198,7 @@
         <p:spPr bwMode="auto">
           <a:xfrm>
             <a:off x="531813" y="1298575"/>
-            <a:ext cx="5970587" cy="3451225"/>
+            <a:ext cx="4756511" cy="2749443"/>
           </a:xfrm>
           <a:prstGeom prst="rect">
             <a:avLst/>
@@ -7923,6 +9222,53 @@
             <a:schemeClr val="dk1"/>
           </a:fontRef>
         </p:style>
+      </p:pic>
+      <p:pic>
+        <p:nvPicPr>
+          <p:cNvPr id="13315" name="Picture 4"/>
+          <p:cNvPicPr>
+            <a:picLocks noGrp="1" noChangeAspect="1" noChangeArrowheads="1"/>
+          </p:cNvPicPr>
+          <p:nvPr>
+            <p:ph idx="1"/>
+          </p:nvPr>
+        </p:nvPicPr>
+        <p:blipFill>
+          <a:blip r:embed="rId4" cstate="email">
+            <a:extLst>
+              <a:ext uri="{28A0092B-C50C-407E-A947-70E740481C1C}">
+                <a14:useLocalDpi xmlns:a14="http://schemas.microsoft.com/office/drawing/2010/main" val="0"/>
+              </a:ext>
+            </a:extLst>
+          </a:blip>
+          <a:stretch>
+            <a:fillRect/>
+          </a:stretch>
+        </p:blipFill>
+        <p:spPr>
+          <a:xfrm>
+            <a:off x="4415439" y="2876764"/>
+            <a:ext cx="4272931" cy="3031298"/>
+          </a:xfrm>
+          <a:noFill/>
+          <a:ln>
+            <a:solidFill>
+              <a:schemeClr val="tx1"/>
+            </a:solidFill>
+            <a:miter lim="800000"/>
+            <a:headEnd/>
+            <a:tailEnd/>
+          </a:ln>
+          <a:extLst>
+            <a:ext uri="{909E8E84-426E-40dd-AFC4-6F175D3DCCD1}">
+              <a14:hiddenFill xmlns:a14="http://schemas.microsoft.com/office/drawing/2010/main" xmlns="">
+                <a:solidFill>
+                  <a:schemeClr val="accent1"/>
+                </a:solidFill>
+              </a14:hiddenFill>
+            </a:ext>
+          </a:extLst>
+        </p:spPr>
       </p:pic>
     </p:spTree>
   </p:cSld>
@@ -7998,8 +9344,8 @@
         </p:blipFill>
         <p:spPr>
           <a:xfrm>
-            <a:off x="684213" y="1484313"/>
-            <a:ext cx="7566025" cy="4681537"/>
+            <a:off x="912391" y="1261294"/>
+            <a:ext cx="7346112" cy="4545464"/>
           </a:xfrm>
           <a:noFill/>
           <a:ln>
@@ -8012,7 +9358,7 @@
           </a:ln>
           <a:extLst>
             <a:ext uri="{909E8E84-426E-40dd-AFC4-6F175D3DCCD1}">
-              <a14:hiddenFill xmlns="" xmlns:a14="http://schemas.microsoft.com/office/drawing/2010/main">
+              <a14:hiddenFill xmlns:a14="http://schemas.microsoft.com/office/drawing/2010/main" xmlns="">
                 <a:solidFill>
                   <a:schemeClr val="accent1"/>
                 </a:solidFill>
@@ -8081,7 +9427,7 @@
           </p:nvPr>
         </p:nvPicPr>
         <p:blipFill>
-          <a:blip r:embed="rId3">
+          <a:blip r:embed="rId3" cstate="email">
             <a:extLst>
               <a:ext uri="{28A0092B-C50C-407E-A947-70E740481C1C}">
                 <a14:useLocalDpi xmlns:a14="http://schemas.microsoft.com/office/drawing/2010/main" val="0"/>
@@ -8095,8 +9441,8 @@
         </p:blipFill>
         <p:spPr>
           <a:xfrm>
-            <a:off x="468313" y="1341438"/>
-            <a:ext cx="8145462" cy="4762500"/>
+            <a:off x="679251" y="1261294"/>
+            <a:ext cx="7812391" cy="4567760"/>
           </a:xfrm>
           <a:noFill/>
           <a:ln>
@@ -8109,7 +9455,7 @@
           </a:ln>
           <a:extLst>
             <a:ext uri="{909E8E84-426E-40dd-AFC4-6F175D3DCCD1}">
-              <a14:hiddenFill xmlns="" xmlns:a14="http://schemas.microsoft.com/office/drawing/2010/main">
+              <a14:hiddenFill xmlns:a14="http://schemas.microsoft.com/office/drawing/2010/main" xmlns="">
                 <a:solidFill>
                   <a:schemeClr val="accent1"/>
                 </a:solidFill>
@@ -8172,25 +9518,6 @@
           </a:p>
         </p:txBody>
       </p:sp>
-      <p:sp>
-        <p:nvSpPr>
-          <p:cNvPr id="2" name="Content Placeholder 1"/>
-          <p:cNvSpPr>
-            <a:spLocks noGrp="1"/>
-          </p:cNvSpPr>
-          <p:nvPr>
-            <p:ph idx="1"/>
-          </p:nvPr>
-        </p:nvSpPr>
-        <p:spPr/>
-        <p:txBody>
-          <a:bodyPr/>
-          <a:lstStyle/>
-          <a:p>
-            <a:endParaRPr lang="en-US"/>
-          </a:p>
-        </p:txBody>
-      </p:sp>
       <p:pic>
         <p:nvPicPr>
           <p:cNvPr id="5" name="Picture 2"/>
@@ -8214,8 +9541,8 @@
         </p:blipFill>
         <p:spPr bwMode="auto">
           <a:xfrm>
-            <a:off x="611188" y="1217613"/>
-            <a:ext cx="7977187" cy="4968875"/>
+            <a:off x="856337" y="1080352"/>
+            <a:ext cx="7458218" cy="4645617"/>
           </a:xfrm>
           <a:prstGeom prst="rect">
             <a:avLst/>
@@ -8231,10 +9558,10 @@
           </a:ln>
           <a:extLst>
             <a:ext uri="{FAA26D3D-D897-4be2-8F04-BA451C77F1D7}">
-              <ma14:placeholderFlag xmlns:ma14="http://schemas.microsoft.com/office/mac/drawingml/2011/main" xmlns="" val="1"/>
+              <ma14:placeholderFlag xmlns="" xmlns:ma14="http://schemas.microsoft.com/office/mac/drawingml/2011/main" val="1"/>
             </a:ext>
             <a:ext uri="{909E8E84-426E-40dd-AFC4-6F175D3DCCD1}">
-              <a14:hiddenFill xmlns="" xmlns:a14="http://schemas.microsoft.com/office/drawing/2010/main">
+              <a14:hiddenFill xmlns:a14="http://schemas.microsoft.com/office/drawing/2010/main" xmlns="">
                 <a:solidFill>
                   <a:schemeClr val="accent1"/>
                 </a:solidFill>
@@ -8597,7 +9924,7 @@
           </a:ln>
           <a:extLst>
             <a:ext uri="{909E8E84-426E-40dd-AFC4-6F175D3DCCD1}">
-              <a14:hiddenFill xmlns="" xmlns:a14="http://schemas.microsoft.com/office/drawing/2010/main">
+              <a14:hiddenFill xmlns:a14="http://schemas.microsoft.com/office/drawing/2010/main" xmlns="">
                 <a:solidFill>
                   <a:schemeClr val="accent1"/>
                 </a:solidFill>
@@ -8786,8 +10113,8 @@
         </p:blipFill>
         <p:spPr bwMode="auto">
           <a:xfrm>
-            <a:off x="889794" y="2202000"/>
-            <a:ext cx="7113587" cy="4106725"/>
+            <a:off x="1294544" y="2007765"/>
+            <a:ext cx="6636918" cy="3831541"/>
           </a:xfrm>
           <a:prstGeom prst="rect">
             <a:avLst/>
@@ -8819,7 +10146,7 @@
         </p:nvSpPr>
         <p:spPr bwMode="auto">
           <a:xfrm rot="10800000">
-            <a:off x="2256587" y="2793274"/>
+            <a:off x="2482618" y="2461447"/>
             <a:ext cx="584200" cy="1462088"/>
           </a:xfrm>
           <a:prstGeom prst="downArrow">
@@ -8886,7 +10213,7 @@
         </p:nvSpPr>
         <p:spPr bwMode="auto">
           <a:xfrm rot="10800000">
-            <a:off x="7177819" y="3369978"/>
+            <a:off x="7146997" y="2979560"/>
             <a:ext cx="582613" cy="1462087"/>
           </a:xfrm>
           <a:prstGeom prst="downArrow">
@@ -8985,7 +10312,9 @@
         </p:nvSpPr>
         <p:spPr/>
         <p:txBody>
-          <a:bodyPr/>
+          <a:bodyPr>
+            <a:normAutofit fontScale="90000"/>
+          </a:bodyPr>
           <a:lstStyle/>
           <a:p>
             <a:r>
@@ -9029,7 +10358,9 @@
           </a:fontRef>
         </p:style>
         <p:txBody>
-          <a:bodyPr/>
+          <a:bodyPr>
+            <a:normAutofit lnSpcReduction="10000"/>
+          </a:bodyPr>
           <a:lstStyle/>
           <a:p>
             <a:pPr marL="0" indent="0">
@@ -9417,7 +10748,7 @@
         </p:nvSpPr>
         <p:spPr bwMode="auto">
           <a:xfrm>
-            <a:off x="1104900" y="5746750"/>
+            <a:off x="1104900" y="5027562"/>
             <a:ext cx="3816350" cy="503238"/>
           </a:xfrm>
           <a:prstGeom prst="roundRect">
@@ -9472,7 +10803,7 @@
         </p:nvSpPr>
         <p:spPr bwMode="auto">
           <a:xfrm>
-            <a:off x="1104900" y="2644775"/>
+            <a:off x="1104900" y="2346826"/>
             <a:ext cx="6592888" cy="504825"/>
           </a:xfrm>
           <a:prstGeom prst="roundRect">
@@ -9527,7 +10858,7 @@
         </p:nvSpPr>
         <p:spPr bwMode="auto">
           <a:xfrm>
-            <a:off x="1104900" y="3644900"/>
+            <a:off x="1104900" y="3233938"/>
             <a:ext cx="6592888" cy="503238"/>
           </a:xfrm>
           <a:prstGeom prst="roundRect">
@@ -9582,7 +10913,7 @@
         </p:nvSpPr>
         <p:spPr bwMode="auto">
           <a:xfrm>
-            <a:off x="1104900" y="4711700"/>
+            <a:off x="1104900" y="4095258"/>
             <a:ext cx="6592888" cy="503238"/>
           </a:xfrm>
           <a:prstGeom prst="roundRect">
@@ -9637,7 +10968,7 @@
         </p:nvSpPr>
         <p:spPr bwMode="auto">
           <a:xfrm>
-            <a:off x="1104900" y="1619250"/>
+            <a:off x="1104900" y="1434318"/>
             <a:ext cx="3816350" cy="504825"/>
           </a:xfrm>
           <a:prstGeom prst="roundRect">
@@ -9728,7 +11059,9 @@
           </a:xfrm>
         </p:spPr>
         <p:txBody>
-          <a:bodyPr/>
+          <a:bodyPr>
+            <a:normAutofit lnSpcReduction="10000"/>
+          </a:bodyPr>
           <a:lstStyle/>
           <a:p>
             <a:pPr marL="0" indent="0">
@@ -10200,7 +11533,7 @@
         </p:nvSpPr>
         <p:spPr bwMode="auto">
           <a:xfrm>
-            <a:off x="6523038" y="1065213"/>
+            <a:off x="6502490" y="818637"/>
             <a:ext cx="1216025" cy="5145087"/>
           </a:xfrm>
           <a:prstGeom prst="rect">
@@ -10266,7 +11599,7 @@
         </p:nvSpPr>
         <p:spPr bwMode="auto">
           <a:xfrm>
-            <a:off x="7739063" y="1065213"/>
+            <a:off x="7718515" y="818637"/>
             <a:ext cx="1214437" cy="5145087"/>
           </a:xfrm>
           <a:prstGeom prst="rect">
@@ -10332,7 +11665,7 @@
         </p:nvSpPr>
         <p:spPr bwMode="auto">
           <a:xfrm>
-            <a:off x="6318250" y="1065213"/>
+            <a:off x="6338798" y="921377"/>
             <a:ext cx="3113088" cy="368300"/>
           </a:xfrm>
           <a:prstGeom prst="rect">
@@ -10344,14 +11677,14 @@
           </a:ln>
           <a:extLst>
             <a:ext uri="{909E8E84-426E-40dd-AFC4-6F175D3DCCD1}">
-              <a14:hiddenFill xmlns="" xmlns:a14="http://schemas.microsoft.com/office/drawing/2010/main">
+              <a14:hiddenFill xmlns:a14="http://schemas.microsoft.com/office/drawing/2010/main" xmlns="">
                 <a:solidFill>
                   <a:srgbClr val="FFFFFF"/>
                 </a:solidFill>
               </a14:hiddenFill>
             </a:ext>
             <a:ext uri="{91240B29-F687-4f45-9708-019B960494DF}">
-              <a14:hiddenLine xmlns="" xmlns:a14="http://schemas.microsoft.com/office/drawing/2010/main" w="9525">
+              <a14:hiddenLine xmlns:a14="http://schemas.microsoft.com/office/drawing/2010/main" xmlns="" w="9525">
                 <a:solidFill>
                   <a:srgbClr val="000000"/>
                 </a:solidFill>
@@ -10487,7 +11820,7 @@
         </p:nvSpPr>
         <p:spPr>
           <a:xfrm>
-            <a:off x="6783388" y="1609725"/>
+            <a:off x="6762840" y="1363149"/>
             <a:ext cx="668337" cy="669925"/>
           </a:xfrm>
           <a:prstGeom prst="flowChartMagneticDisk">
@@ -10529,7 +11862,7 @@
         </p:nvSpPr>
         <p:spPr>
           <a:xfrm>
-            <a:off x="8010525" y="2192338"/>
+            <a:off x="7989977" y="1945762"/>
             <a:ext cx="669925" cy="669925"/>
           </a:xfrm>
           <a:prstGeom prst="flowChartMagneticDisk">
@@ -10574,7 +11907,7 @@
         </p:nvCxnSpPr>
         <p:spPr>
           <a:xfrm>
-            <a:off x="7451725" y="1944688"/>
+            <a:off x="7431177" y="1698112"/>
             <a:ext cx="893763" cy="247650"/>
           </a:xfrm>
           <a:prstGeom prst="bentConnector2">
@@ -10608,7 +11941,7 @@
         </p:nvSpPr>
         <p:spPr>
           <a:xfrm>
-            <a:off x="7246938" y="1609725"/>
+            <a:off x="7226390" y="1363149"/>
             <a:ext cx="1555750" cy="261938"/>
           </a:xfrm>
           <a:prstGeom prst="rect">
@@ -10644,7 +11977,7 @@
         </p:nvSpPr>
         <p:spPr>
           <a:xfrm>
-            <a:off x="8004175" y="3306763"/>
+            <a:off x="7983627" y="3060187"/>
             <a:ext cx="669925" cy="669925"/>
           </a:xfrm>
           <a:prstGeom prst="flowChartMagneticDisk">
@@ -10689,7 +12022,7 @@
         </p:nvSpPr>
         <p:spPr>
           <a:xfrm>
-            <a:off x="7874000" y="2949575"/>
+            <a:off x="7853452" y="2702999"/>
             <a:ext cx="1557338" cy="261938"/>
           </a:xfrm>
           <a:prstGeom prst="rect">
@@ -10728,7 +12061,7 @@
         </p:nvCxnSpPr>
         <p:spPr>
           <a:xfrm flipH="1">
-            <a:off x="8339138" y="2862263"/>
+            <a:off x="8318590" y="2615687"/>
             <a:ext cx="6350" cy="444500"/>
           </a:xfrm>
           <a:prstGeom prst="straightConnector1">
@@ -10762,7 +12095,7 @@
         </p:nvSpPr>
         <p:spPr>
           <a:xfrm>
-            <a:off x="8013700" y="4408488"/>
+            <a:off x="7993152" y="4161912"/>
             <a:ext cx="668338" cy="668337"/>
           </a:xfrm>
           <a:prstGeom prst="flowChartMagneticDisk">
@@ -10806,7 +12139,7 @@
         </p:nvCxnSpPr>
         <p:spPr>
           <a:xfrm flipH="1">
-            <a:off x="8348663" y="3962400"/>
+            <a:off x="8328115" y="3715824"/>
             <a:ext cx="6350" cy="446088"/>
           </a:xfrm>
           <a:prstGeom prst="straightConnector1">
@@ -10840,7 +12173,7 @@
         </p:nvSpPr>
         <p:spPr>
           <a:xfrm>
-            <a:off x="7891463" y="3971925"/>
+            <a:off x="7870915" y="3725349"/>
             <a:ext cx="1555750" cy="415925"/>
           </a:xfrm>
           <a:prstGeom prst="rect">
@@ -10891,7 +12224,7 @@
         </p:nvSpPr>
         <p:spPr>
           <a:xfrm>
-            <a:off x="6796088" y="5187950"/>
+            <a:off x="6775540" y="4941374"/>
             <a:ext cx="669925" cy="669925"/>
           </a:xfrm>
           <a:prstGeom prst="flowChartMagneticDisk">
@@ -10936,8 +12269,8 @@
         </p:nvCxnSpPr>
         <p:spPr>
           <a:xfrm rot="10800000" flipV="1">
-            <a:off x="7131050" y="4743450"/>
-            <a:ext cx="882650" cy="444500"/>
+            <a:off x="7110504" y="4496080"/>
+            <a:ext cx="882649" cy="445293"/>
           </a:xfrm>
           <a:prstGeom prst="bentConnector2">
             <a:avLst/>
@@ -10970,7 +12303,7 @@
         </p:nvSpPr>
         <p:spPr>
           <a:xfrm>
-            <a:off x="6689725" y="4451350"/>
+            <a:off x="6669177" y="4204774"/>
             <a:ext cx="1555750" cy="260350"/>
           </a:xfrm>
           <a:prstGeom prst="rect">
@@ -11616,7 +12949,7 @@
         </p:nvSpPr>
         <p:spPr>
           <a:xfrm>
-            <a:off x="431800" y="1219201"/>
+            <a:off x="376518" y="1255997"/>
             <a:ext cx="7899400" cy="850900"/>
           </a:xfrm>
         </p:spPr>
@@ -11668,8 +13001,8 @@
         </p:blipFill>
         <p:spPr>
           <a:xfrm>
-            <a:off x="0" y="1739900"/>
-            <a:ext cx="9144000" cy="1801773"/>
+            <a:off x="26894" y="1739901"/>
+            <a:ext cx="9117106" cy="1796474"/>
           </a:xfrm>
           <a:prstGeom prst="rect">
             <a:avLst/>
@@ -11686,7 +13019,7 @@
         </p:nvSpPr>
         <p:spPr bwMode="auto">
           <a:xfrm>
-            <a:off x="482600" y="3492501"/>
+            <a:off x="376518" y="3536375"/>
             <a:ext cx="7899400" cy="850900"/>
           </a:xfrm>
           <a:prstGeom prst="rect">
@@ -11698,17 +13031,17 @@
           </a:ln>
           <a:extLst>
             <a:ext uri="{FAA26D3D-D897-4be2-8F04-BA451C77F1D7}">
-              <ma14:placeholderFlag xmlns:ma14="http://schemas.microsoft.com/office/mac/drawingml/2011/main" xmlns="" val="1"/>
+              <ma14:placeholderFlag xmlns="" xmlns:ma14="http://schemas.microsoft.com/office/mac/drawingml/2011/main" val="1"/>
             </a:ext>
             <a:ext uri="{909E8E84-426E-40dd-AFC4-6F175D3DCCD1}">
-              <a14:hiddenFill xmlns="" xmlns:a14="http://schemas.microsoft.com/office/drawing/2010/main">
+              <a14:hiddenFill xmlns:a14="http://schemas.microsoft.com/office/drawing/2010/main" xmlns="">
                 <a:solidFill>
                   <a:srgbClr val="FFFFFF"/>
                 </a:solidFill>
               </a14:hiddenFill>
             </a:ext>
             <a:ext uri="{91240B29-F687-4f45-9708-019B960494DF}">
-              <a14:hiddenLine xmlns="" xmlns:a14="http://schemas.microsoft.com/office/drawing/2010/main" w="9525">
+              <a14:hiddenLine xmlns:a14="http://schemas.microsoft.com/office/drawing/2010/main" xmlns="" w="9525">
                 <a:solidFill>
                   <a:srgbClr val="000000"/>
                 </a:solidFill>
@@ -11883,18 +13216,18 @@
               <a:buNone/>
             </a:pPr>
             <a:r>
-              <a:rPr lang="en-GB" dirty="0" smtClean="0">
+              <a:rPr lang="en-GB" sz="2800" dirty="0" smtClean="0">
                 <a:latin typeface="Calibri" charset="0"/>
               </a:rPr>
               <a:t>After</a:t>
             </a:r>
             <a:r>
-              <a:rPr lang="mr-IN" dirty="0" smtClean="0">
+              <a:rPr lang="mr-IN" sz="2800" dirty="0" smtClean="0">
                 <a:latin typeface="Calibri" charset="0"/>
               </a:rPr>
               <a:t>…</a:t>
             </a:r>
-            <a:endParaRPr lang="en-GB" dirty="0">
+            <a:endParaRPr lang="en-GB" sz="2800" dirty="0">
               <a:latin typeface="Calibri" charset="0"/>
             </a:endParaRPr>
           </a:p>
@@ -11922,8 +13255,8 @@
         </p:blipFill>
         <p:spPr>
           <a:xfrm>
-            <a:off x="0" y="4241800"/>
-            <a:ext cx="9144000" cy="2010959"/>
+            <a:off x="26894" y="4020279"/>
+            <a:ext cx="8767482" cy="1928155"/>
           </a:xfrm>
           <a:prstGeom prst="rect">
             <a:avLst/>
@@ -13212,7 +14545,9 @@
           </a:fontRef>
         </p:style>
         <p:txBody>
-          <a:bodyPr/>
+          <a:bodyPr>
+            <a:normAutofit lnSpcReduction="10000"/>
+          </a:bodyPr>
           <a:lstStyle/>
           <a:p>
             <a:pPr marL="0" indent="0">
@@ -13653,7 +14988,7 @@
         </p:nvSpPr>
         <p:spPr>
           <a:xfrm>
-            <a:off x="469900" y="2146301"/>
+            <a:off x="469900" y="1930547"/>
             <a:ext cx="8229600" cy="4038600"/>
           </a:xfrm>
         </p:spPr>
@@ -13674,7 +15009,9 @@
           </a:fontRef>
         </p:style>
         <p:txBody>
-          <a:bodyPr/>
+          <a:bodyPr>
+            <a:normAutofit fontScale="92500" lnSpcReduction="10000"/>
+          </a:bodyPr>
           <a:lstStyle/>
           <a:p>
             <a:pPr marL="0" indent="0">
@@ -14015,7 +15352,7 @@
         </p:nvSpPr>
         <p:spPr>
           <a:xfrm>
-            <a:off x="355600" y="1892301"/>
+            <a:off x="355600" y="1594353"/>
             <a:ext cx="8229600" cy="3086100"/>
           </a:xfrm>
         </p:spPr>
@@ -14200,7 +15537,7 @@
         </p:nvSpPr>
         <p:spPr>
           <a:xfrm>
-            <a:off x="292100" y="1492191"/>
+            <a:off x="292100" y="1225065"/>
             <a:ext cx="8293100" cy="400110"/>
           </a:xfrm>
           <a:prstGeom prst="rect">
@@ -14260,8 +15597,8 @@
         </p:blipFill>
         <p:spPr>
           <a:xfrm>
-            <a:off x="0" y="4623371"/>
-            <a:ext cx="9144000" cy="2234629"/>
+            <a:off x="0" y="4643919"/>
+            <a:ext cx="9144000" cy="2214081"/>
           </a:xfrm>
           <a:prstGeom prst="rect">
             <a:avLst/>
@@ -14420,7 +15757,7 @@
         </p:nvSpPr>
         <p:spPr>
           <a:xfrm>
-            <a:off x="495300" y="1358900"/>
+            <a:off x="495300" y="1081502"/>
             <a:ext cx="8229600" cy="4927600"/>
           </a:xfrm>
         </p:spPr>
@@ -14441,7 +15778,9 @@
           </a:fontRef>
         </p:style>
         <p:txBody>
-          <a:bodyPr/>
+          <a:bodyPr>
+            <a:normAutofit fontScale="92500" lnSpcReduction="10000"/>
+          </a:bodyPr>
           <a:lstStyle/>
           <a:p>
             <a:pPr marL="0" indent="0">
@@ -14832,7 +16171,7 @@
         </p:nvSpPr>
         <p:spPr>
           <a:xfrm>
-            <a:off x="4660900" y="5143500"/>
+            <a:off x="4660900" y="4968842"/>
             <a:ext cx="3962400" cy="646331"/>
           </a:xfrm>
           <a:prstGeom prst="rect">
@@ -15182,7 +16521,9 @@
         </p:nvSpPr>
         <p:spPr/>
         <p:txBody>
-          <a:bodyPr/>
+          <a:bodyPr>
+            <a:normAutofit fontScale="90000"/>
+          </a:bodyPr>
           <a:lstStyle/>
           <a:p>
             <a:r>
@@ -15225,7 +16566,9 @@
           </a:fontRef>
         </p:style>
         <p:txBody>
-          <a:bodyPr/>
+          <a:bodyPr>
+            <a:normAutofit fontScale="92500" lnSpcReduction="20000"/>
+          </a:bodyPr>
           <a:lstStyle/>
           <a:p>
             <a:pPr marL="0" indent="0">
@@ -15849,7 +17192,9 @@
           </a:fontRef>
         </p:style>
         <p:txBody>
-          <a:bodyPr/>
+          <a:bodyPr>
+            <a:normAutofit lnSpcReduction="10000"/>
+          </a:bodyPr>
           <a:lstStyle/>
           <a:p>
             <a:pPr marL="0" indent="0">
@@ -16229,8 +17574,8 @@
         </p:nvSpPr>
         <p:spPr>
           <a:xfrm>
-            <a:off x="552450" y="3213100"/>
-            <a:ext cx="8045450" cy="3235446"/>
+            <a:off x="241300" y="3091046"/>
+            <a:ext cx="8350250" cy="2950158"/>
           </a:xfrm>
         </p:spPr>
         <p:style>
@@ -16248,7 +17593,9 @@
           </a:fontRef>
         </p:style>
         <p:txBody>
-          <a:bodyPr/>
+          <a:bodyPr>
+            <a:normAutofit/>
+          </a:bodyPr>
           <a:lstStyle/>
           <a:p>
             <a:r>
@@ -16415,7 +17762,7 @@
         </p:nvSpPr>
         <p:spPr bwMode="auto">
           <a:xfrm>
-            <a:off x="-3175" y="1521192"/>
+            <a:off x="3175" y="1399138"/>
             <a:ext cx="9144000" cy="1631216"/>
           </a:xfrm>
           <a:prstGeom prst="rect">
@@ -16679,7 +18026,7 @@
         </p:nvSpPr>
         <p:spPr bwMode="auto">
           <a:xfrm>
-            <a:off x="127000" y="889000"/>
+            <a:off x="241300" y="766946"/>
             <a:ext cx="8470900" cy="571500"/>
           </a:xfrm>
           <a:prstGeom prst="rect">
@@ -16687,17 +18034,17 @@
           </a:prstGeom>
           <a:extLst>
             <a:ext uri="{FAA26D3D-D897-4be2-8F04-BA451C77F1D7}">
-              <ma14:placeholderFlag xmlns:ma14="http://schemas.microsoft.com/office/mac/drawingml/2011/main" xmlns="" val="1"/>
+              <ma14:placeholderFlag xmlns="" xmlns:ma14="http://schemas.microsoft.com/office/mac/drawingml/2011/main" val="1"/>
             </a:ext>
             <a:ext uri="{909E8E84-426E-40dd-AFC4-6F175D3DCCD1}">
-              <a14:hiddenFill xmlns="" xmlns:a14="http://schemas.microsoft.com/office/drawing/2010/main">
+              <a14:hiddenFill xmlns:a14="http://schemas.microsoft.com/office/drawing/2010/main" xmlns="">
                 <a:solidFill>
                   <a:srgbClr val="FFFFFF"/>
                 </a:solidFill>
               </a14:hiddenFill>
             </a:ext>
             <a:ext uri="{91240B29-F687-4f45-9708-019B960494DF}">
-              <a14:hiddenLine xmlns="" xmlns:a14="http://schemas.microsoft.com/office/drawing/2010/main" w="9525">
+              <a14:hiddenLine xmlns:a14="http://schemas.microsoft.com/office/drawing/2010/main" xmlns="" w="9525">
                 <a:solidFill>
                   <a:srgbClr val="000000"/>
                 </a:solidFill>
@@ -16981,6 +18328,168 @@
       </p:grpSpPr>
       <p:sp>
         <p:nvSpPr>
+          <p:cNvPr id="44036" name="Rectangle 2"/>
+          <p:cNvSpPr txBox="1">
+            <a:spLocks noChangeArrowheads="1"/>
+          </p:cNvSpPr>
+          <p:nvPr/>
+        </p:nvSpPr>
+        <p:spPr bwMode="auto">
+          <a:xfrm>
+            <a:off x="401638" y="918023"/>
+            <a:ext cx="8353425" cy="4714875"/>
+          </a:xfrm>
+          <a:prstGeom prst="rect">
+            <a:avLst/>
+          </a:prstGeom>
+          <a:noFill/>
+          <a:ln>
+            <a:noFill/>
+          </a:ln>
+          <a:extLst>
+            <a:ext uri="{909E8E84-426E-40dd-AFC4-6F175D3DCCD1}">
+              <a14:hiddenFill xmlns:a14="http://schemas.microsoft.com/office/drawing/2010/main" xmlns="">
+                <a:solidFill>
+                  <a:srgbClr val="FFFFFF"/>
+                </a:solidFill>
+              </a14:hiddenFill>
+            </a:ext>
+            <a:ext uri="{91240B29-F687-4f45-9708-019B960494DF}">
+              <a14:hiddenLine xmlns:a14="http://schemas.microsoft.com/office/drawing/2010/main" xmlns="" w="9525">
+                <a:solidFill>
+                  <a:srgbClr val="000000"/>
+                </a:solidFill>
+                <a:miter lim="800000"/>
+                <a:headEnd/>
+                <a:tailEnd/>
+              </a14:hiddenLine>
+            </a:ext>
+          </a:extLst>
+        </p:spPr>
+        <p:txBody>
+          <a:bodyPr/>
+          <a:lstStyle>
+            <a:lvl1pPr marL="280988">
+              <a:defRPr sz="3200">
+                <a:solidFill>
+                  <a:schemeClr val="tx1"/>
+                </a:solidFill>
+                <a:latin typeface="Calibri" charset="0"/>
+                <a:ea typeface="ＭＳ Ｐゴシック" charset="0"/>
+              </a:defRPr>
+            </a:lvl1pPr>
+            <a:lvl2pPr>
+              <a:defRPr sz="2800">
+                <a:solidFill>
+                  <a:schemeClr val="tx1"/>
+                </a:solidFill>
+                <a:latin typeface="Calibri" charset="0"/>
+                <a:ea typeface="ＭＳ Ｐゴシック" charset="0"/>
+              </a:defRPr>
+            </a:lvl2pPr>
+            <a:lvl3pPr>
+              <a:defRPr sz="2400">
+                <a:solidFill>
+                  <a:schemeClr val="tx1"/>
+                </a:solidFill>
+                <a:latin typeface="Calibri" charset="0"/>
+                <a:ea typeface="ＭＳ Ｐゴシック" charset="0"/>
+              </a:defRPr>
+            </a:lvl3pPr>
+            <a:lvl4pPr>
+              <a:defRPr sz="2000">
+                <a:solidFill>
+                  <a:schemeClr val="tx1"/>
+                </a:solidFill>
+                <a:latin typeface="Calibri" charset="0"/>
+                <a:ea typeface="ＭＳ Ｐゴシック" charset="0"/>
+              </a:defRPr>
+            </a:lvl4pPr>
+            <a:lvl5pPr>
+              <a:defRPr sz="2000">
+                <a:solidFill>
+                  <a:schemeClr val="tx1"/>
+                </a:solidFill>
+                <a:latin typeface="Calibri" charset="0"/>
+                <a:ea typeface="ＭＳ Ｐゴシック" charset="0"/>
+              </a:defRPr>
+            </a:lvl5pPr>
+            <a:lvl6pPr eaLnBrk="0" fontAlgn="base" hangingPunct="0">
+              <a:spcAft>
+                <a:spcPct val="0"/>
+              </a:spcAft>
+              <a:buFont typeface="Arial" charset="0"/>
+              <a:buChar char="»"/>
+              <a:defRPr sz="2000">
+                <a:solidFill>
+                  <a:schemeClr val="tx1"/>
+                </a:solidFill>
+                <a:latin typeface="Calibri" charset="0"/>
+                <a:ea typeface="ＭＳ Ｐゴシック" charset="0"/>
+              </a:defRPr>
+            </a:lvl6pPr>
+            <a:lvl7pPr eaLnBrk="0" fontAlgn="base" hangingPunct="0">
+              <a:spcAft>
+                <a:spcPct val="0"/>
+              </a:spcAft>
+              <a:buFont typeface="Arial" charset="0"/>
+              <a:buChar char="»"/>
+              <a:defRPr sz="2000">
+                <a:solidFill>
+                  <a:schemeClr val="tx1"/>
+                </a:solidFill>
+                <a:latin typeface="Calibri" charset="0"/>
+                <a:ea typeface="ＭＳ Ｐゴシック" charset="0"/>
+              </a:defRPr>
+            </a:lvl7pPr>
+            <a:lvl8pPr eaLnBrk="0" fontAlgn="base" hangingPunct="0">
+              <a:spcAft>
+                <a:spcPct val="0"/>
+              </a:spcAft>
+              <a:buFont typeface="Arial" charset="0"/>
+              <a:buChar char="»"/>
+              <a:defRPr sz="2000">
+                <a:solidFill>
+                  <a:schemeClr val="tx1"/>
+                </a:solidFill>
+                <a:latin typeface="Calibri" charset="0"/>
+                <a:ea typeface="ＭＳ Ｐゴシック" charset="0"/>
+              </a:defRPr>
+            </a:lvl8pPr>
+            <a:lvl9pPr eaLnBrk="0" fontAlgn="base" hangingPunct="0">
+              <a:spcAft>
+                <a:spcPct val="0"/>
+              </a:spcAft>
+              <a:buFont typeface="Arial" charset="0"/>
+              <a:buChar char="»"/>
+              <a:defRPr sz="2000">
+                <a:solidFill>
+                  <a:schemeClr val="tx1"/>
+                </a:solidFill>
+                <a:latin typeface="Calibri" charset="0"/>
+                <a:ea typeface="ＭＳ Ｐゴシック" charset="0"/>
+              </a:defRPr>
+            </a:lvl9pPr>
+          </a:lstStyle>
+          <a:p>
+            <a:pPr eaLnBrk="0" hangingPunct="0">
+              <a:spcBef>
+                <a:spcPct val="20000"/>
+              </a:spcBef>
+              <a:buFont typeface="Arial" charset="0"/>
+              <a:buNone/>
+            </a:pPr>
+            <a:r>
+              <a:rPr lang="en-US" sz="2500" dirty="0">
+                <a:sym typeface="Courier New" charset="0"/>
+              </a:rPr>
+              <a:t>Full set of GUIs for interacting with local and remote repos.</a:t>
+            </a:r>
+          </a:p>
+        </p:txBody>
+      </p:sp>
+      <p:sp>
+        <p:nvSpPr>
           <p:cNvPr id="44034" name="Title 1"/>
           <p:cNvSpPr>
             <a:spLocks noGrp="1"/>
@@ -17034,8 +18543,8 @@
         </p:blipFill>
         <p:spPr bwMode="auto">
           <a:xfrm>
-            <a:off x="900113" y="2105025"/>
-            <a:ext cx="7261225" cy="4583113"/>
+            <a:off x="1083130" y="1609663"/>
+            <a:ext cx="6990440" cy="4452089"/>
           </a:xfrm>
           <a:prstGeom prst="rect">
             <a:avLst/>
@@ -17060,168 +18569,6 @@
           </a:fontRef>
         </p:style>
       </p:pic>
-      <p:sp>
-        <p:nvSpPr>
-          <p:cNvPr id="44036" name="Rectangle 2"/>
-          <p:cNvSpPr txBox="1">
-            <a:spLocks noChangeArrowheads="1"/>
-          </p:cNvSpPr>
-          <p:nvPr/>
-        </p:nvSpPr>
-        <p:spPr bwMode="auto">
-          <a:xfrm>
-            <a:off x="401638" y="1020763"/>
-            <a:ext cx="8353425" cy="4714875"/>
-          </a:xfrm>
-          <a:prstGeom prst="rect">
-            <a:avLst/>
-          </a:prstGeom>
-          <a:noFill/>
-          <a:ln>
-            <a:noFill/>
-          </a:ln>
-          <a:extLst>
-            <a:ext uri="{909E8E84-426E-40dd-AFC4-6F175D3DCCD1}">
-              <a14:hiddenFill xmlns="" xmlns:a14="http://schemas.microsoft.com/office/drawing/2010/main">
-                <a:solidFill>
-                  <a:srgbClr val="FFFFFF"/>
-                </a:solidFill>
-              </a14:hiddenFill>
-            </a:ext>
-            <a:ext uri="{91240B29-F687-4f45-9708-019B960494DF}">
-              <a14:hiddenLine xmlns="" xmlns:a14="http://schemas.microsoft.com/office/drawing/2010/main" w="9525">
-                <a:solidFill>
-                  <a:srgbClr val="000000"/>
-                </a:solidFill>
-                <a:miter lim="800000"/>
-                <a:headEnd/>
-                <a:tailEnd/>
-              </a14:hiddenLine>
-            </a:ext>
-          </a:extLst>
-        </p:spPr>
-        <p:txBody>
-          <a:bodyPr/>
-          <a:lstStyle>
-            <a:lvl1pPr marL="280988">
-              <a:defRPr sz="3200">
-                <a:solidFill>
-                  <a:schemeClr val="tx1"/>
-                </a:solidFill>
-                <a:latin typeface="Calibri" charset="0"/>
-                <a:ea typeface="ＭＳ Ｐゴシック" charset="0"/>
-              </a:defRPr>
-            </a:lvl1pPr>
-            <a:lvl2pPr>
-              <a:defRPr sz="2800">
-                <a:solidFill>
-                  <a:schemeClr val="tx1"/>
-                </a:solidFill>
-                <a:latin typeface="Calibri" charset="0"/>
-                <a:ea typeface="ＭＳ Ｐゴシック" charset="0"/>
-              </a:defRPr>
-            </a:lvl2pPr>
-            <a:lvl3pPr>
-              <a:defRPr sz="2400">
-                <a:solidFill>
-                  <a:schemeClr val="tx1"/>
-                </a:solidFill>
-                <a:latin typeface="Calibri" charset="0"/>
-                <a:ea typeface="ＭＳ Ｐゴシック" charset="0"/>
-              </a:defRPr>
-            </a:lvl3pPr>
-            <a:lvl4pPr>
-              <a:defRPr sz="2000">
-                <a:solidFill>
-                  <a:schemeClr val="tx1"/>
-                </a:solidFill>
-                <a:latin typeface="Calibri" charset="0"/>
-                <a:ea typeface="ＭＳ Ｐゴシック" charset="0"/>
-              </a:defRPr>
-            </a:lvl4pPr>
-            <a:lvl5pPr>
-              <a:defRPr sz="2000">
-                <a:solidFill>
-                  <a:schemeClr val="tx1"/>
-                </a:solidFill>
-                <a:latin typeface="Calibri" charset="0"/>
-                <a:ea typeface="ＭＳ Ｐゴシック" charset="0"/>
-              </a:defRPr>
-            </a:lvl5pPr>
-            <a:lvl6pPr eaLnBrk="0" fontAlgn="base" hangingPunct="0">
-              <a:spcAft>
-                <a:spcPct val="0"/>
-              </a:spcAft>
-              <a:buFont typeface="Arial" charset="0"/>
-              <a:buChar char="»"/>
-              <a:defRPr sz="2000">
-                <a:solidFill>
-                  <a:schemeClr val="tx1"/>
-                </a:solidFill>
-                <a:latin typeface="Calibri" charset="0"/>
-                <a:ea typeface="ＭＳ Ｐゴシック" charset="0"/>
-              </a:defRPr>
-            </a:lvl6pPr>
-            <a:lvl7pPr eaLnBrk="0" fontAlgn="base" hangingPunct="0">
-              <a:spcAft>
-                <a:spcPct val="0"/>
-              </a:spcAft>
-              <a:buFont typeface="Arial" charset="0"/>
-              <a:buChar char="»"/>
-              <a:defRPr sz="2000">
-                <a:solidFill>
-                  <a:schemeClr val="tx1"/>
-                </a:solidFill>
-                <a:latin typeface="Calibri" charset="0"/>
-                <a:ea typeface="ＭＳ Ｐゴシック" charset="0"/>
-              </a:defRPr>
-            </a:lvl7pPr>
-            <a:lvl8pPr eaLnBrk="0" fontAlgn="base" hangingPunct="0">
-              <a:spcAft>
-                <a:spcPct val="0"/>
-              </a:spcAft>
-              <a:buFont typeface="Arial" charset="0"/>
-              <a:buChar char="»"/>
-              <a:defRPr sz="2000">
-                <a:solidFill>
-                  <a:schemeClr val="tx1"/>
-                </a:solidFill>
-                <a:latin typeface="Calibri" charset="0"/>
-                <a:ea typeface="ＭＳ Ｐゴシック" charset="0"/>
-              </a:defRPr>
-            </a:lvl8pPr>
-            <a:lvl9pPr eaLnBrk="0" fontAlgn="base" hangingPunct="0">
-              <a:spcAft>
-                <a:spcPct val="0"/>
-              </a:spcAft>
-              <a:buFont typeface="Arial" charset="0"/>
-              <a:buChar char="»"/>
-              <a:defRPr sz="2000">
-                <a:solidFill>
-                  <a:schemeClr val="tx1"/>
-                </a:solidFill>
-                <a:latin typeface="Calibri" charset="0"/>
-                <a:ea typeface="ＭＳ Ｐゴシック" charset="0"/>
-              </a:defRPr>
-            </a:lvl9pPr>
-          </a:lstStyle>
-          <a:p>
-            <a:pPr eaLnBrk="0" hangingPunct="0">
-              <a:spcBef>
-                <a:spcPct val="20000"/>
-              </a:spcBef>
-              <a:buFont typeface="Arial" charset="0"/>
-              <a:buNone/>
-            </a:pPr>
-            <a:r>
-              <a:rPr lang="en-US" dirty="0">
-                <a:sym typeface="Courier New" charset="0"/>
-              </a:rPr>
-              <a:t>Full set of GUIs for interacting with local and remote repos.</a:t>
-            </a:r>
-          </a:p>
-        </p:txBody>
-      </p:sp>
     </p:spTree>
   </p:cSld>
   <p:clrMapOvr>
@@ -17301,7 +18648,7 @@
         </p:blipFill>
         <p:spPr bwMode="auto">
           <a:xfrm>
-            <a:off x="134938" y="2733675"/>
+            <a:off x="134938" y="2189150"/>
             <a:ext cx="8850312" cy="3814763"/>
           </a:xfrm>
           <a:prstGeom prst="rect">
@@ -17337,7 +18684,7 @@
         </p:nvSpPr>
         <p:spPr bwMode="auto">
           <a:xfrm>
-            <a:off x="250825" y="1484313"/>
+            <a:off x="250825" y="1124723"/>
             <a:ext cx="8353425" cy="4714875"/>
           </a:xfrm>
           <a:prstGeom prst="rect">
@@ -17349,14 +18696,14 @@
           </a:ln>
           <a:extLst>
             <a:ext uri="{909E8E84-426E-40dd-AFC4-6F175D3DCCD1}">
-              <a14:hiddenFill xmlns="" xmlns:a14="http://schemas.microsoft.com/office/drawing/2010/main">
+              <a14:hiddenFill xmlns:a14="http://schemas.microsoft.com/office/drawing/2010/main" xmlns="">
                 <a:solidFill>
                   <a:srgbClr val="FFFFFF"/>
                 </a:solidFill>
               </a14:hiddenFill>
             </a:ext>
             <a:ext uri="{91240B29-F687-4f45-9708-019B960494DF}">
-              <a14:hiddenLine xmlns="" xmlns:a14="http://schemas.microsoft.com/office/drawing/2010/main" w="9525">
+              <a14:hiddenLine xmlns:a14="http://schemas.microsoft.com/office/drawing/2010/main" xmlns="" w="9525">
                 <a:solidFill>
                   <a:srgbClr val="000000"/>
                 </a:solidFill>
@@ -18957,14 +20304,14 @@
           </a:ln>
           <a:extLst>
             <a:ext uri="{909E8E84-426E-40dd-AFC4-6F175D3DCCD1}">
-              <a14:hiddenFill xmlns="" xmlns:a14="http://schemas.microsoft.com/office/drawing/2010/main">
+              <a14:hiddenFill xmlns:a14="http://schemas.microsoft.com/office/drawing/2010/main" xmlns="">
                 <a:solidFill>
                   <a:srgbClr val="FFFFFF"/>
                 </a:solidFill>
               </a14:hiddenFill>
             </a:ext>
             <a:ext uri="{91240B29-F687-4f45-9708-019B960494DF}">
-              <a14:hiddenLine xmlns="" xmlns:a14="http://schemas.microsoft.com/office/drawing/2010/main" w="9525">
+              <a14:hiddenLine xmlns:a14="http://schemas.microsoft.com/office/drawing/2010/main" xmlns="" w="9525">
                 <a:solidFill>
                   <a:srgbClr val="000000"/>
                 </a:solidFill>
@@ -19227,7 +20574,7 @@
           </a:ln>
           <a:extLst>
             <a:ext uri="{909E8E84-426E-40dd-AFC4-6F175D3DCCD1}">
-              <a14:hiddenFill xmlns="" xmlns:a14="http://schemas.microsoft.com/office/drawing/2010/main">
+              <a14:hiddenFill xmlns:a14="http://schemas.microsoft.com/office/drawing/2010/main" xmlns="">
                 <a:solidFill>
                   <a:schemeClr val="accent1"/>
                 </a:solidFill>
@@ -19303,15 +20650,14 @@
               </a:ext>
             </a:extLst>
           </a:blip>
-          <a:srcRect t="12589"/>
           <a:stretch>
             <a:fillRect/>
           </a:stretch>
         </p:blipFill>
         <p:spPr>
           <a:xfrm>
-            <a:off x="1116013" y="1557338"/>
-            <a:ext cx="7075487" cy="4392612"/>
+            <a:off x="1524667" y="1374775"/>
+            <a:ext cx="6121654" cy="4351338"/>
           </a:xfrm>
           <a:noFill/>
           <a:ln>
@@ -19324,7 +20670,7 @@
           </a:ln>
           <a:extLst>
             <a:ext uri="{909E8E84-426E-40dd-AFC4-6F175D3DCCD1}">
-              <a14:hiddenFill xmlns="" xmlns:a14="http://schemas.microsoft.com/office/drawing/2010/main">
+              <a14:hiddenFill xmlns:a14="http://schemas.microsoft.com/office/drawing/2010/main" xmlns="">
                 <a:solidFill>
                   <a:schemeClr val="accent1"/>
                 </a:solidFill>
@@ -19342,9 +20688,9 @@
 </file>
 
 <file path=ppt/theme/theme1.xml><?xml version="1.0" encoding="utf-8"?>
-<a:theme xmlns:a="http://schemas.openxmlformats.org/drawingml/2006/main" name="Office Theme">
+<a:theme xmlns:a="http://schemas.openxmlformats.org/drawingml/2006/main" name="UKRI-stfc-nerc-ceda-ncas-nceo-Presentation-Template">
   <a:themeElements>
-    <a:clrScheme name="Office">
+    <a:clrScheme name="Office Theme">
       <a:dk1>
         <a:sysClr val="windowText" lastClr="000000"/>
       </a:dk1>
@@ -19352,39 +20698,39 @@
         <a:sysClr val="window" lastClr="FFFFFF"/>
       </a:lt1>
       <a:dk2>
-        <a:srgbClr val="1F497D"/>
+        <a:srgbClr val="44546A"/>
       </a:dk2>
       <a:lt2>
-        <a:srgbClr val="EEECE1"/>
+        <a:srgbClr val="E7E6E6"/>
       </a:lt2>
       <a:accent1>
-        <a:srgbClr val="4F81BD"/>
+        <a:srgbClr val="5B9BD5"/>
       </a:accent1>
       <a:accent2>
-        <a:srgbClr val="C0504D"/>
+        <a:srgbClr val="ED7D31"/>
       </a:accent2>
       <a:accent3>
-        <a:srgbClr val="9BBB59"/>
+        <a:srgbClr val="A5A5A5"/>
       </a:accent3>
       <a:accent4>
-        <a:srgbClr val="8064A2"/>
+        <a:srgbClr val="FFC000"/>
       </a:accent4>
       <a:accent5>
-        <a:srgbClr val="4BACC6"/>
+        <a:srgbClr val="4472C4"/>
       </a:accent5>
       <a:accent6>
-        <a:srgbClr val="F79646"/>
+        <a:srgbClr val="70AD47"/>
       </a:accent6>
       <a:hlink>
-        <a:srgbClr val="0000FF"/>
+        <a:srgbClr val="0563C1"/>
       </a:hlink>
       <a:folHlink>
-        <a:srgbClr val="800080"/>
+        <a:srgbClr val="954F72"/>
       </a:folHlink>
     </a:clrScheme>
-    <a:fontScheme name="Office">
+    <a:fontScheme name="Office Theme">
       <a:majorFont>
-        <a:latin typeface="Calibri"/>
+        <a:latin typeface="Calibri Light" panose="020F0302020204030204"/>
         <a:ea typeface=""/>
         <a:cs typeface=""/>
         <a:font script="Jpan" typeface="ＭＳ Ｐゴシック"/>
@@ -19416,9 +20762,10 @@
         <a:font script="Mong" typeface="Mongolian Baiti"/>
         <a:font script="Viet" typeface="Times New Roman"/>
         <a:font script="Uigh" typeface="Microsoft Uighur"/>
+        <a:font script="Geor" typeface="Sylfaen"/>
       </a:majorFont>
       <a:minorFont>
-        <a:latin typeface="Calibri"/>
+        <a:latin typeface="Calibri" panose="020F0502020204030204"/>
         <a:ea typeface=""/>
         <a:cs typeface=""/>
         <a:font script="Jpan" typeface="ＭＳ Ｐゴシック"/>
@@ -19450,9 +20797,10 @@
         <a:font script="Mong" typeface="Mongolian Baiti"/>
         <a:font script="Viet" typeface="Arial"/>
         <a:font script="Uigh" typeface="Microsoft Uighur"/>
+        <a:font script="Geor" typeface="Sylfaen"/>
       </a:minorFont>
     </a:fontScheme>
-    <a:fmtScheme name="Office">
+    <a:fmtScheme name="Office Theme">
       <a:fillStyleLst>
         <a:solidFill>
           <a:schemeClr val="phClr"/>
@@ -19461,166 +20809,142 @@
           <a:gsLst>
             <a:gs pos="0">
               <a:schemeClr val="phClr">
-                <a:tint val="50000"/>
-                <a:satMod val="300000"/>
+                <a:lumMod val="110000"/>
+                <a:satMod val="105000"/>
+                <a:tint val="67000"/>
               </a:schemeClr>
             </a:gs>
-            <a:gs pos="35000">
+            <a:gs pos="50000">
               <a:schemeClr val="phClr">
-                <a:tint val="37000"/>
-                <a:satMod val="300000"/>
+                <a:lumMod val="105000"/>
+                <a:satMod val="103000"/>
+                <a:tint val="73000"/>
               </a:schemeClr>
             </a:gs>
             <a:gs pos="100000">
               <a:schemeClr val="phClr">
-                <a:tint val="15000"/>
-                <a:satMod val="350000"/>
+                <a:lumMod val="105000"/>
+                <a:satMod val="109000"/>
+                <a:tint val="81000"/>
               </a:schemeClr>
             </a:gs>
           </a:gsLst>
-          <a:lin ang="16200000" scaled="1"/>
+          <a:lin ang="5400000" scaled="0"/>
         </a:gradFill>
         <a:gradFill rotWithShape="1">
           <a:gsLst>
             <a:gs pos="0">
               <a:schemeClr val="phClr">
-                <a:shade val="51000"/>
-                <a:satMod val="130000"/>
+                <a:satMod val="103000"/>
+                <a:lumMod val="102000"/>
+                <a:tint val="94000"/>
               </a:schemeClr>
             </a:gs>
-            <a:gs pos="80000">
+            <a:gs pos="50000">
               <a:schemeClr val="phClr">
-                <a:shade val="93000"/>
-                <a:satMod val="130000"/>
+                <a:satMod val="110000"/>
+                <a:lumMod val="100000"/>
+                <a:shade val="100000"/>
               </a:schemeClr>
             </a:gs>
             <a:gs pos="100000">
               <a:schemeClr val="phClr">
-                <a:shade val="94000"/>
-                <a:satMod val="135000"/>
+                <a:lumMod val="99000"/>
+                <a:satMod val="120000"/>
+                <a:shade val="78000"/>
               </a:schemeClr>
             </a:gs>
           </a:gsLst>
-          <a:lin ang="16200000" scaled="0"/>
+          <a:lin ang="5400000" scaled="0"/>
         </a:gradFill>
       </a:fillStyleLst>
       <a:lnStyleLst>
-        <a:ln w="9525" cap="flat" cmpd="sng" algn="ctr">
-          <a:solidFill>
-            <a:schemeClr val="phClr">
-              <a:shade val="95000"/>
-              <a:satMod val="105000"/>
-            </a:schemeClr>
-          </a:solidFill>
-          <a:prstDash val="solid"/>
-        </a:ln>
-        <a:ln w="25400" cap="flat" cmpd="sng" algn="ctr">
+        <a:ln w="6350" cap="flat" cmpd="sng" algn="ctr">
           <a:solidFill>
             <a:schemeClr val="phClr"/>
           </a:solidFill>
           <a:prstDash val="solid"/>
+          <a:miter lim="800000"/>
         </a:ln>
-        <a:ln w="38100" cap="flat" cmpd="sng" algn="ctr">
+        <a:ln w="12700" cap="flat" cmpd="sng" algn="ctr">
           <a:solidFill>
             <a:schemeClr val="phClr"/>
           </a:solidFill>
           <a:prstDash val="solid"/>
+          <a:miter lim="800000"/>
+        </a:ln>
+        <a:ln w="19050" cap="flat" cmpd="sng" algn="ctr">
+          <a:solidFill>
+            <a:schemeClr val="phClr"/>
+          </a:solidFill>
+          <a:prstDash val="solid"/>
+          <a:miter lim="800000"/>
         </a:ln>
       </a:lnStyleLst>
       <a:effectStyleLst>
         <a:effectStyle>
+          <a:effectLst/>
+        </a:effectStyle>
+        <a:effectStyle>
+          <a:effectLst/>
+        </a:effectStyle>
+        <a:effectStyle>
           <a:effectLst>
-            <a:outerShdw blurRad="40000" dist="20000" dir="5400000" rotWithShape="0">
+            <a:outerShdw blurRad="57150" dist="19050" dir="5400000" algn="ctr" rotWithShape="0">
               <a:srgbClr val="000000">
-                <a:alpha val="38000"/>
+                <a:alpha val="63000"/>
               </a:srgbClr>
             </a:outerShdw>
           </a:effectLst>
-        </a:effectStyle>
-        <a:effectStyle>
-          <a:effectLst>
-            <a:outerShdw blurRad="40000" dist="23000" dir="5400000" rotWithShape="0">
-              <a:srgbClr val="000000">
-                <a:alpha val="35000"/>
-              </a:srgbClr>
-            </a:outerShdw>
-          </a:effectLst>
-        </a:effectStyle>
-        <a:effectStyle>
-          <a:effectLst>
-            <a:outerShdw blurRad="40000" dist="23000" dir="5400000" rotWithShape="0">
-              <a:srgbClr val="000000">
-                <a:alpha val="35000"/>
-              </a:srgbClr>
-            </a:outerShdw>
-          </a:effectLst>
-          <a:scene3d>
-            <a:camera prst="orthographicFront">
-              <a:rot lat="0" lon="0" rev="0"/>
-            </a:camera>
-            <a:lightRig rig="threePt" dir="t">
-              <a:rot lat="0" lon="0" rev="1200000"/>
-            </a:lightRig>
-          </a:scene3d>
-          <a:sp3d>
-            <a:bevelT w="63500" h="25400"/>
-          </a:sp3d>
         </a:effectStyle>
       </a:effectStyleLst>
       <a:bgFillStyleLst>
         <a:solidFill>
           <a:schemeClr val="phClr"/>
         </a:solidFill>
+        <a:solidFill>
+          <a:schemeClr val="phClr">
+            <a:tint val="95000"/>
+            <a:satMod val="170000"/>
+          </a:schemeClr>
+        </a:solidFill>
         <a:gradFill rotWithShape="1">
           <a:gsLst>
             <a:gs pos="0">
               <a:schemeClr val="phClr">
-                <a:tint val="40000"/>
-                <a:satMod val="350000"/>
+                <a:tint val="93000"/>
+                <a:satMod val="150000"/>
+                <a:shade val="98000"/>
+                <a:lumMod val="102000"/>
               </a:schemeClr>
             </a:gs>
-            <a:gs pos="40000">
+            <a:gs pos="50000">
               <a:schemeClr val="phClr">
-                <a:tint val="45000"/>
-                <a:shade val="99000"/>
-                <a:satMod val="350000"/>
+                <a:tint val="98000"/>
+                <a:satMod val="130000"/>
+                <a:shade val="90000"/>
+                <a:lumMod val="103000"/>
               </a:schemeClr>
             </a:gs>
             <a:gs pos="100000">
               <a:schemeClr val="phClr">
-                <a:shade val="20000"/>
-                <a:satMod val="255000"/>
+                <a:shade val="63000"/>
+                <a:satMod val="120000"/>
               </a:schemeClr>
             </a:gs>
           </a:gsLst>
-          <a:path path="circle">
-            <a:fillToRect l="50000" t="-80000" r="50000" b="180000"/>
-          </a:path>
-        </a:gradFill>
-        <a:gradFill rotWithShape="1">
-          <a:gsLst>
-            <a:gs pos="0">
-              <a:schemeClr val="phClr">
-                <a:tint val="80000"/>
-                <a:satMod val="300000"/>
-              </a:schemeClr>
-            </a:gs>
-            <a:gs pos="100000">
-              <a:schemeClr val="phClr">
-                <a:shade val="30000"/>
-                <a:satMod val="200000"/>
-              </a:schemeClr>
-            </a:gs>
-          </a:gsLst>
-          <a:path path="circle">
-            <a:fillToRect l="50000" t="50000" r="50000" b="50000"/>
-          </a:path>
+          <a:lin ang="5400000" scaled="0"/>
         </a:gradFill>
       </a:bgFillStyleLst>
     </a:fmtScheme>
   </a:themeElements>
   <a:objectDefaults/>
   <a:extraClrSchemeLst/>
+  <a:extLst>
+    <a:ext uri="{05A4C25C-085E-4340-85A3-A5531E510DB2}">
+      <thm15:themeFamily xmlns:thm15="http://schemas.microsoft.com/office/thememl/2012/main" name="UKRI-stfc-nerc-ceda-ncas-nceo-Presentation-Template.pptx" id="{16196DC8-0494-474D-9935-E7D06E7DAD21}" vid="{73A0A59C-1B13-40E9-B94A-99F65E47A944}"/>
+    </a:ext>
+  </a:extLst>
 </a:theme>
 </file>
 

--- a/shell/presentations/01_git2.pptx
+++ b/shell/presentations/01_git2.pptx
@@ -644,10 +644,10 @@
           </a:ln>
           <a:extLst>
             <a:ext uri="{FAA26D3D-D897-4be2-8F04-BA451C77F1D7}">
-              <ma14:placeholderFlag xmlns="" xmlns:ma14="http://schemas.microsoft.com/office/mac/drawingml/2011/main" val="1"/>
+              <ma14:placeholderFlag xmlns:ma14="http://schemas.microsoft.com/office/mac/drawingml/2011/main" xmlns="" val="1"/>
             </a:ext>
             <a:ext uri="{909E8E84-426E-40dd-AFC4-6F175D3DCCD1}">
-              <a14:hiddenFill xmlns:a14="http://schemas.microsoft.com/office/drawing/2010/main" xmlns="">
+              <a14:hiddenFill xmlns="" xmlns:a14="http://schemas.microsoft.com/office/drawing/2010/main">
                 <a:solidFill>
                   <a:srgbClr val="FFFFFF"/>
                 </a:solidFill>
@@ -670,14 +670,14 @@
           <a:noFill/>
           <a:extLst>
             <a:ext uri="{909E8E84-426E-40dd-AFC4-6F175D3DCCD1}">
-              <a14:hiddenFill xmlns:a14="http://schemas.microsoft.com/office/drawing/2010/main" xmlns="">
+              <a14:hiddenFill xmlns="" xmlns:a14="http://schemas.microsoft.com/office/drawing/2010/main">
                 <a:solidFill>
                   <a:srgbClr val="FFFFFF"/>
                 </a:solidFill>
               </a14:hiddenFill>
             </a:ext>
             <a:ext uri="{91240B29-F687-4f45-9708-019B960494DF}">
-              <a14:hiddenLine xmlns:a14="http://schemas.microsoft.com/office/drawing/2010/main" xmlns="" w="9525">
+              <a14:hiddenLine xmlns="" xmlns:a14="http://schemas.microsoft.com/office/drawing/2010/main" w="9525">
                 <a:solidFill>
                   <a:srgbClr val="000000"/>
                 </a:solidFill>
@@ -719,14 +719,14 @@
           <a:noFill/>
           <a:extLst>
             <a:ext uri="{909E8E84-426E-40dd-AFC4-6F175D3DCCD1}">
-              <a14:hiddenFill xmlns:a14="http://schemas.microsoft.com/office/drawing/2010/main" xmlns="">
+              <a14:hiddenFill xmlns="" xmlns:a14="http://schemas.microsoft.com/office/drawing/2010/main">
                 <a:solidFill>
                   <a:srgbClr val="FFFFFF"/>
                 </a:solidFill>
               </a14:hiddenFill>
             </a:ext>
             <a:ext uri="{91240B29-F687-4f45-9708-019B960494DF}">
-              <a14:hiddenLine xmlns:a14="http://schemas.microsoft.com/office/drawing/2010/main" xmlns="" w="9525">
+              <a14:hiddenLine xmlns="" xmlns:a14="http://schemas.microsoft.com/office/drawing/2010/main" w="9525">
                 <a:solidFill>
                   <a:srgbClr val="000000"/>
                 </a:solidFill>
@@ -907,10 +907,10 @@
           </a:ln>
           <a:extLst>
             <a:ext uri="{FAA26D3D-D897-4be2-8F04-BA451C77F1D7}">
-              <ma14:placeholderFlag xmlns="" xmlns:ma14="http://schemas.microsoft.com/office/mac/drawingml/2011/main" val="1"/>
+              <ma14:placeholderFlag xmlns:ma14="http://schemas.microsoft.com/office/mac/drawingml/2011/main" xmlns="" val="1"/>
             </a:ext>
             <a:ext uri="{909E8E84-426E-40dd-AFC4-6F175D3DCCD1}">
-              <a14:hiddenFill xmlns:a14="http://schemas.microsoft.com/office/drawing/2010/main" xmlns="">
+              <a14:hiddenFill xmlns="" xmlns:a14="http://schemas.microsoft.com/office/drawing/2010/main">
                 <a:solidFill>
                   <a:srgbClr val="FFFFFF"/>
                 </a:solidFill>
@@ -933,14 +933,14 @@
           <a:noFill/>
           <a:extLst>
             <a:ext uri="{909E8E84-426E-40dd-AFC4-6F175D3DCCD1}">
-              <a14:hiddenFill xmlns:a14="http://schemas.microsoft.com/office/drawing/2010/main" xmlns="">
+              <a14:hiddenFill xmlns="" xmlns:a14="http://schemas.microsoft.com/office/drawing/2010/main">
                 <a:solidFill>
                   <a:srgbClr val="FFFFFF"/>
                 </a:solidFill>
               </a14:hiddenFill>
             </a:ext>
             <a:ext uri="{91240B29-F687-4f45-9708-019B960494DF}">
-              <a14:hiddenLine xmlns:a14="http://schemas.microsoft.com/office/drawing/2010/main" xmlns="" w="9525">
+              <a14:hiddenLine xmlns="" xmlns:a14="http://schemas.microsoft.com/office/drawing/2010/main" w="9525">
                 <a:solidFill>
                   <a:srgbClr val="000000"/>
                 </a:solidFill>
@@ -982,14 +982,14 @@
           <a:noFill/>
           <a:extLst>
             <a:ext uri="{909E8E84-426E-40dd-AFC4-6F175D3DCCD1}">
-              <a14:hiddenFill xmlns:a14="http://schemas.microsoft.com/office/drawing/2010/main" xmlns="">
+              <a14:hiddenFill xmlns="" xmlns:a14="http://schemas.microsoft.com/office/drawing/2010/main">
                 <a:solidFill>
                   <a:srgbClr val="FFFFFF"/>
                 </a:solidFill>
               </a14:hiddenFill>
             </a:ext>
             <a:ext uri="{91240B29-F687-4f45-9708-019B960494DF}">
-              <a14:hiddenLine xmlns:a14="http://schemas.microsoft.com/office/drawing/2010/main" xmlns="" w="9525">
+              <a14:hiddenLine xmlns="" xmlns:a14="http://schemas.microsoft.com/office/drawing/2010/main" w="9525">
                 <a:solidFill>
                   <a:srgbClr val="000000"/>
                 </a:solidFill>
@@ -1170,10 +1170,10 @@
           </a:ln>
           <a:extLst>
             <a:ext uri="{FAA26D3D-D897-4be2-8F04-BA451C77F1D7}">
-              <ma14:placeholderFlag xmlns="" xmlns:ma14="http://schemas.microsoft.com/office/mac/drawingml/2011/main" val="1"/>
+              <ma14:placeholderFlag xmlns:ma14="http://schemas.microsoft.com/office/mac/drawingml/2011/main" xmlns="" val="1"/>
             </a:ext>
             <a:ext uri="{909E8E84-426E-40dd-AFC4-6F175D3DCCD1}">
-              <a14:hiddenFill xmlns:a14="http://schemas.microsoft.com/office/drawing/2010/main" xmlns="">
+              <a14:hiddenFill xmlns="" xmlns:a14="http://schemas.microsoft.com/office/drawing/2010/main">
                 <a:solidFill>
                   <a:srgbClr val="FFFFFF"/>
                 </a:solidFill>
@@ -1196,14 +1196,14 @@
           <a:noFill/>
           <a:extLst>
             <a:ext uri="{909E8E84-426E-40dd-AFC4-6F175D3DCCD1}">
-              <a14:hiddenFill xmlns:a14="http://schemas.microsoft.com/office/drawing/2010/main" xmlns="">
+              <a14:hiddenFill xmlns="" xmlns:a14="http://schemas.microsoft.com/office/drawing/2010/main">
                 <a:solidFill>
                   <a:srgbClr val="FFFFFF"/>
                 </a:solidFill>
               </a14:hiddenFill>
             </a:ext>
             <a:ext uri="{91240B29-F687-4f45-9708-019B960494DF}">
-              <a14:hiddenLine xmlns:a14="http://schemas.microsoft.com/office/drawing/2010/main" xmlns="" w="9525">
+              <a14:hiddenLine xmlns="" xmlns:a14="http://schemas.microsoft.com/office/drawing/2010/main" w="9525">
                 <a:solidFill>
                   <a:srgbClr val="000000"/>
                 </a:solidFill>
@@ -1245,14 +1245,14 @@
           <a:noFill/>
           <a:extLst>
             <a:ext uri="{909E8E84-426E-40dd-AFC4-6F175D3DCCD1}">
-              <a14:hiddenFill xmlns:a14="http://schemas.microsoft.com/office/drawing/2010/main" xmlns="">
+              <a14:hiddenFill xmlns="" xmlns:a14="http://schemas.microsoft.com/office/drawing/2010/main">
                 <a:solidFill>
                   <a:srgbClr val="FFFFFF"/>
                 </a:solidFill>
               </a14:hiddenFill>
             </a:ext>
             <a:ext uri="{91240B29-F687-4f45-9708-019B960494DF}">
-              <a14:hiddenLine xmlns:a14="http://schemas.microsoft.com/office/drawing/2010/main" xmlns="" w="9525">
+              <a14:hiddenLine xmlns="" xmlns:a14="http://schemas.microsoft.com/office/drawing/2010/main" w="9525">
                 <a:solidFill>
                   <a:srgbClr val="000000"/>
                 </a:solidFill>
@@ -1433,10 +1433,10 @@
           </a:ln>
           <a:extLst>
             <a:ext uri="{FAA26D3D-D897-4be2-8F04-BA451C77F1D7}">
-              <ma14:placeholderFlag xmlns="" xmlns:ma14="http://schemas.microsoft.com/office/mac/drawingml/2011/main" val="1"/>
+              <ma14:placeholderFlag xmlns:ma14="http://schemas.microsoft.com/office/mac/drawingml/2011/main" xmlns="" val="1"/>
             </a:ext>
             <a:ext uri="{909E8E84-426E-40dd-AFC4-6F175D3DCCD1}">
-              <a14:hiddenFill xmlns:a14="http://schemas.microsoft.com/office/drawing/2010/main" xmlns="">
+              <a14:hiddenFill xmlns="" xmlns:a14="http://schemas.microsoft.com/office/drawing/2010/main">
                 <a:solidFill>
                   <a:srgbClr val="FFFFFF"/>
                 </a:solidFill>
@@ -1459,14 +1459,14 @@
           <a:noFill/>
           <a:extLst>
             <a:ext uri="{909E8E84-426E-40dd-AFC4-6F175D3DCCD1}">
-              <a14:hiddenFill xmlns:a14="http://schemas.microsoft.com/office/drawing/2010/main" xmlns="">
+              <a14:hiddenFill xmlns="" xmlns:a14="http://schemas.microsoft.com/office/drawing/2010/main">
                 <a:solidFill>
                   <a:srgbClr val="FFFFFF"/>
                 </a:solidFill>
               </a14:hiddenFill>
             </a:ext>
             <a:ext uri="{91240B29-F687-4f45-9708-019B960494DF}">
-              <a14:hiddenLine xmlns:a14="http://schemas.microsoft.com/office/drawing/2010/main" xmlns="" w="9525">
+              <a14:hiddenLine xmlns="" xmlns:a14="http://schemas.microsoft.com/office/drawing/2010/main" w="9525">
                 <a:solidFill>
                   <a:srgbClr val="000000"/>
                 </a:solidFill>
@@ -1508,14 +1508,14 @@
           <a:noFill/>
           <a:extLst>
             <a:ext uri="{909E8E84-426E-40dd-AFC4-6F175D3DCCD1}">
-              <a14:hiddenFill xmlns:a14="http://schemas.microsoft.com/office/drawing/2010/main" xmlns="">
+              <a14:hiddenFill xmlns="" xmlns:a14="http://schemas.microsoft.com/office/drawing/2010/main">
                 <a:solidFill>
                   <a:srgbClr val="FFFFFF"/>
                 </a:solidFill>
               </a14:hiddenFill>
             </a:ext>
             <a:ext uri="{91240B29-F687-4f45-9708-019B960494DF}">
-              <a14:hiddenLine xmlns:a14="http://schemas.microsoft.com/office/drawing/2010/main" xmlns="" w="9525">
+              <a14:hiddenLine xmlns="" xmlns:a14="http://schemas.microsoft.com/office/drawing/2010/main" w="9525">
                 <a:solidFill>
                   <a:srgbClr val="000000"/>
                 </a:solidFill>
@@ -1696,10 +1696,10 @@
           </a:ln>
           <a:extLst>
             <a:ext uri="{FAA26D3D-D897-4be2-8F04-BA451C77F1D7}">
-              <ma14:placeholderFlag xmlns="" xmlns:ma14="http://schemas.microsoft.com/office/mac/drawingml/2011/main" val="1"/>
+              <ma14:placeholderFlag xmlns:ma14="http://schemas.microsoft.com/office/mac/drawingml/2011/main" xmlns="" val="1"/>
             </a:ext>
             <a:ext uri="{909E8E84-426E-40dd-AFC4-6F175D3DCCD1}">
-              <a14:hiddenFill xmlns:a14="http://schemas.microsoft.com/office/drawing/2010/main" xmlns="">
+              <a14:hiddenFill xmlns="" xmlns:a14="http://schemas.microsoft.com/office/drawing/2010/main">
                 <a:solidFill>
                   <a:srgbClr val="FFFFFF"/>
                 </a:solidFill>
@@ -1722,14 +1722,14 @@
           <a:noFill/>
           <a:extLst>
             <a:ext uri="{909E8E84-426E-40dd-AFC4-6F175D3DCCD1}">
-              <a14:hiddenFill xmlns:a14="http://schemas.microsoft.com/office/drawing/2010/main" xmlns="">
+              <a14:hiddenFill xmlns="" xmlns:a14="http://schemas.microsoft.com/office/drawing/2010/main">
                 <a:solidFill>
                   <a:srgbClr val="FFFFFF"/>
                 </a:solidFill>
               </a14:hiddenFill>
             </a:ext>
             <a:ext uri="{91240B29-F687-4f45-9708-019B960494DF}">
-              <a14:hiddenLine xmlns:a14="http://schemas.microsoft.com/office/drawing/2010/main" xmlns="" w="9525">
+              <a14:hiddenLine xmlns="" xmlns:a14="http://schemas.microsoft.com/office/drawing/2010/main" w="9525">
                 <a:solidFill>
                   <a:srgbClr val="000000"/>
                 </a:solidFill>
@@ -1772,14 +1772,14 @@
           <a:noFill/>
           <a:extLst>
             <a:ext uri="{909E8E84-426E-40dd-AFC4-6F175D3DCCD1}">
-              <a14:hiddenFill xmlns:a14="http://schemas.microsoft.com/office/drawing/2010/main" xmlns="">
+              <a14:hiddenFill xmlns="" xmlns:a14="http://schemas.microsoft.com/office/drawing/2010/main">
                 <a:solidFill>
                   <a:srgbClr val="FFFFFF"/>
                 </a:solidFill>
               </a14:hiddenFill>
             </a:ext>
             <a:ext uri="{91240B29-F687-4f45-9708-019B960494DF}">
-              <a14:hiddenLine xmlns:a14="http://schemas.microsoft.com/office/drawing/2010/main" xmlns="" w="9525">
+              <a14:hiddenLine xmlns="" xmlns:a14="http://schemas.microsoft.com/office/drawing/2010/main" w="9525">
                 <a:solidFill>
                   <a:srgbClr val="000000"/>
                 </a:solidFill>
@@ -1960,10 +1960,10 @@
           </a:ln>
           <a:extLst>
             <a:ext uri="{FAA26D3D-D897-4be2-8F04-BA451C77F1D7}">
-              <ma14:placeholderFlag xmlns="" xmlns:ma14="http://schemas.microsoft.com/office/mac/drawingml/2011/main" val="1"/>
+              <ma14:placeholderFlag xmlns:ma14="http://schemas.microsoft.com/office/mac/drawingml/2011/main" xmlns="" val="1"/>
             </a:ext>
             <a:ext uri="{909E8E84-426E-40dd-AFC4-6F175D3DCCD1}">
-              <a14:hiddenFill xmlns:a14="http://schemas.microsoft.com/office/drawing/2010/main" xmlns="">
+              <a14:hiddenFill xmlns="" xmlns:a14="http://schemas.microsoft.com/office/drawing/2010/main">
                 <a:solidFill>
                   <a:srgbClr val="FFFFFF"/>
                 </a:solidFill>
@@ -1986,14 +1986,14 @@
           <a:noFill/>
           <a:extLst>
             <a:ext uri="{909E8E84-426E-40dd-AFC4-6F175D3DCCD1}">
-              <a14:hiddenFill xmlns:a14="http://schemas.microsoft.com/office/drawing/2010/main" xmlns="">
+              <a14:hiddenFill xmlns="" xmlns:a14="http://schemas.microsoft.com/office/drawing/2010/main">
                 <a:solidFill>
                   <a:srgbClr val="FFFFFF"/>
                 </a:solidFill>
               </a14:hiddenFill>
             </a:ext>
             <a:ext uri="{91240B29-F687-4f45-9708-019B960494DF}">
-              <a14:hiddenLine xmlns:a14="http://schemas.microsoft.com/office/drawing/2010/main" xmlns="" w="9525">
+              <a14:hiddenLine xmlns="" xmlns:a14="http://schemas.microsoft.com/office/drawing/2010/main" w="9525">
                 <a:solidFill>
                   <a:srgbClr val="000000"/>
                 </a:solidFill>
@@ -2035,14 +2035,14 @@
           <a:noFill/>
           <a:extLst>
             <a:ext uri="{909E8E84-426E-40dd-AFC4-6F175D3DCCD1}">
-              <a14:hiddenFill xmlns:a14="http://schemas.microsoft.com/office/drawing/2010/main" xmlns="">
+              <a14:hiddenFill xmlns="" xmlns:a14="http://schemas.microsoft.com/office/drawing/2010/main">
                 <a:solidFill>
                   <a:srgbClr val="FFFFFF"/>
                 </a:solidFill>
               </a14:hiddenFill>
             </a:ext>
             <a:ext uri="{91240B29-F687-4f45-9708-019B960494DF}">
-              <a14:hiddenLine xmlns:a14="http://schemas.microsoft.com/office/drawing/2010/main" xmlns="" w="9525">
+              <a14:hiddenLine xmlns="" xmlns:a14="http://schemas.microsoft.com/office/drawing/2010/main" w="9525">
                 <a:solidFill>
                   <a:srgbClr val="000000"/>
                 </a:solidFill>
@@ -2223,10 +2223,10 @@
           </a:ln>
           <a:extLst>
             <a:ext uri="{FAA26D3D-D897-4be2-8F04-BA451C77F1D7}">
-              <ma14:placeholderFlag xmlns="" xmlns:ma14="http://schemas.microsoft.com/office/mac/drawingml/2011/main" val="1"/>
+              <ma14:placeholderFlag xmlns:ma14="http://schemas.microsoft.com/office/mac/drawingml/2011/main" xmlns="" val="1"/>
             </a:ext>
             <a:ext uri="{909E8E84-426E-40dd-AFC4-6F175D3DCCD1}">
-              <a14:hiddenFill xmlns:a14="http://schemas.microsoft.com/office/drawing/2010/main" xmlns="">
+              <a14:hiddenFill xmlns="" xmlns:a14="http://schemas.microsoft.com/office/drawing/2010/main">
                 <a:solidFill>
                   <a:srgbClr val="FFFFFF"/>
                 </a:solidFill>
@@ -2249,14 +2249,14 @@
           <a:noFill/>
           <a:extLst>
             <a:ext uri="{909E8E84-426E-40dd-AFC4-6F175D3DCCD1}">
-              <a14:hiddenFill xmlns:a14="http://schemas.microsoft.com/office/drawing/2010/main" xmlns="">
+              <a14:hiddenFill xmlns="" xmlns:a14="http://schemas.microsoft.com/office/drawing/2010/main">
                 <a:solidFill>
                   <a:srgbClr val="FFFFFF"/>
                 </a:solidFill>
               </a14:hiddenFill>
             </a:ext>
             <a:ext uri="{91240B29-F687-4f45-9708-019B960494DF}">
-              <a14:hiddenLine xmlns:a14="http://schemas.microsoft.com/office/drawing/2010/main" xmlns="" w="9525">
+              <a14:hiddenLine xmlns="" xmlns:a14="http://schemas.microsoft.com/office/drawing/2010/main" w="9525">
                 <a:solidFill>
                   <a:srgbClr val="000000"/>
                 </a:solidFill>
@@ -2298,14 +2298,14 @@
           <a:noFill/>
           <a:extLst>
             <a:ext uri="{909E8E84-426E-40dd-AFC4-6F175D3DCCD1}">
-              <a14:hiddenFill xmlns:a14="http://schemas.microsoft.com/office/drawing/2010/main" xmlns="">
+              <a14:hiddenFill xmlns="" xmlns:a14="http://schemas.microsoft.com/office/drawing/2010/main">
                 <a:solidFill>
                   <a:srgbClr val="FFFFFF"/>
                 </a:solidFill>
               </a14:hiddenFill>
             </a:ext>
             <a:ext uri="{91240B29-F687-4f45-9708-019B960494DF}">
-              <a14:hiddenLine xmlns:a14="http://schemas.microsoft.com/office/drawing/2010/main" xmlns="" w="9525">
+              <a14:hiddenLine xmlns="" xmlns:a14="http://schemas.microsoft.com/office/drawing/2010/main" w="9525">
                 <a:solidFill>
                   <a:srgbClr val="000000"/>
                 </a:solidFill>
@@ -2486,10 +2486,10 @@
           </a:ln>
           <a:extLst>
             <a:ext uri="{FAA26D3D-D897-4be2-8F04-BA451C77F1D7}">
-              <ma14:placeholderFlag xmlns="" xmlns:ma14="http://schemas.microsoft.com/office/mac/drawingml/2011/main" val="1"/>
+              <ma14:placeholderFlag xmlns:ma14="http://schemas.microsoft.com/office/mac/drawingml/2011/main" xmlns="" val="1"/>
             </a:ext>
             <a:ext uri="{909E8E84-426E-40dd-AFC4-6F175D3DCCD1}">
-              <a14:hiddenFill xmlns:a14="http://schemas.microsoft.com/office/drawing/2010/main" xmlns="">
+              <a14:hiddenFill xmlns="" xmlns:a14="http://schemas.microsoft.com/office/drawing/2010/main">
                 <a:solidFill>
                   <a:srgbClr val="FFFFFF"/>
                 </a:solidFill>
@@ -2512,14 +2512,14 @@
           <a:noFill/>
           <a:extLst>
             <a:ext uri="{909E8E84-426E-40dd-AFC4-6F175D3DCCD1}">
-              <a14:hiddenFill xmlns:a14="http://schemas.microsoft.com/office/drawing/2010/main" xmlns="">
+              <a14:hiddenFill xmlns="" xmlns:a14="http://schemas.microsoft.com/office/drawing/2010/main">
                 <a:solidFill>
                   <a:srgbClr val="FFFFFF"/>
                 </a:solidFill>
               </a14:hiddenFill>
             </a:ext>
             <a:ext uri="{91240B29-F687-4f45-9708-019B960494DF}">
-              <a14:hiddenLine xmlns:a14="http://schemas.microsoft.com/office/drawing/2010/main" xmlns="" w="9525">
+              <a14:hiddenLine xmlns="" xmlns:a14="http://schemas.microsoft.com/office/drawing/2010/main" w="9525">
                 <a:solidFill>
                   <a:srgbClr val="000000"/>
                 </a:solidFill>
@@ -2561,14 +2561,14 @@
           <a:noFill/>
           <a:extLst>
             <a:ext uri="{909E8E84-426E-40dd-AFC4-6F175D3DCCD1}">
-              <a14:hiddenFill xmlns:a14="http://schemas.microsoft.com/office/drawing/2010/main" xmlns="">
+              <a14:hiddenFill xmlns="" xmlns:a14="http://schemas.microsoft.com/office/drawing/2010/main">
                 <a:solidFill>
                   <a:srgbClr val="FFFFFF"/>
                 </a:solidFill>
               </a14:hiddenFill>
             </a:ext>
             <a:ext uri="{91240B29-F687-4f45-9708-019B960494DF}">
-              <a14:hiddenLine xmlns:a14="http://schemas.microsoft.com/office/drawing/2010/main" xmlns="" w="9525">
+              <a14:hiddenLine xmlns="" xmlns:a14="http://schemas.microsoft.com/office/drawing/2010/main" w="9525">
                 <a:solidFill>
                   <a:srgbClr val="000000"/>
                 </a:solidFill>
@@ -2749,10 +2749,10 @@
           </a:ln>
           <a:extLst>
             <a:ext uri="{FAA26D3D-D897-4be2-8F04-BA451C77F1D7}">
-              <ma14:placeholderFlag xmlns="" xmlns:ma14="http://schemas.microsoft.com/office/mac/drawingml/2011/main" val="1"/>
+              <ma14:placeholderFlag xmlns:ma14="http://schemas.microsoft.com/office/mac/drawingml/2011/main" xmlns="" val="1"/>
             </a:ext>
             <a:ext uri="{909E8E84-426E-40dd-AFC4-6F175D3DCCD1}">
-              <a14:hiddenFill xmlns:a14="http://schemas.microsoft.com/office/drawing/2010/main" xmlns="">
+              <a14:hiddenFill xmlns="" xmlns:a14="http://schemas.microsoft.com/office/drawing/2010/main">
                 <a:solidFill>
                   <a:srgbClr val="FFFFFF"/>
                 </a:solidFill>
@@ -2775,14 +2775,14 @@
           <a:noFill/>
           <a:extLst>
             <a:ext uri="{909E8E84-426E-40dd-AFC4-6F175D3DCCD1}">
-              <a14:hiddenFill xmlns:a14="http://schemas.microsoft.com/office/drawing/2010/main" xmlns="">
+              <a14:hiddenFill xmlns="" xmlns:a14="http://schemas.microsoft.com/office/drawing/2010/main">
                 <a:solidFill>
                   <a:srgbClr val="FFFFFF"/>
                 </a:solidFill>
               </a14:hiddenFill>
             </a:ext>
             <a:ext uri="{91240B29-F687-4f45-9708-019B960494DF}">
-              <a14:hiddenLine xmlns:a14="http://schemas.microsoft.com/office/drawing/2010/main" xmlns="" w="9525">
+              <a14:hiddenLine xmlns="" xmlns:a14="http://schemas.microsoft.com/office/drawing/2010/main" w="9525">
                 <a:solidFill>
                   <a:srgbClr val="000000"/>
                 </a:solidFill>
@@ -2836,14 +2836,14 @@
           <a:noFill/>
           <a:extLst>
             <a:ext uri="{909E8E84-426E-40dd-AFC4-6F175D3DCCD1}">
-              <a14:hiddenFill xmlns:a14="http://schemas.microsoft.com/office/drawing/2010/main" xmlns="">
+              <a14:hiddenFill xmlns="" xmlns:a14="http://schemas.microsoft.com/office/drawing/2010/main">
                 <a:solidFill>
                   <a:srgbClr val="FFFFFF"/>
                 </a:solidFill>
               </a14:hiddenFill>
             </a:ext>
             <a:ext uri="{91240B29-F687-4f45-9708-019B960494DF}">
-              <a14:hiddenLine xmlns:a14="http://schemas.microsoft.com/office/drawing/2010/main" xmlns="" w="9525">
+              <a14:hiddenLine xmlns="" xmlns:a14="http://schemas.microsoft.com/office/drawing/2010/main" w="9525">
                 <a:solidFill>
                   <a:srgbClr val="000000"/>
                 </a:solidFill>
@@ -3024,10 +3024,10 @@
           </a:ln>
           <a:extLst>
             <a:ext uri="{FAA26D3D-D897-4be2-8F04-BA451C77F1D7}">
-              <ma14:placeholderFlag xmlns="" xmlns:ma14="http://schemas.microsoft.com/office/mac/drawingml/2011/main" val="1"/>
+              <ma14:placeholderFlag xmlns:ma14="http://schemas.microsoft.com/office/mac/drawingml/2011/main" xmlns="" val="1"/>
             </a:ext>
             <a:ext uri="{909E8E84-426E-40dd-AFC4-6F175D3DCCD1}">
-              <a14:hiddenFill xmlns:a14="http://schemas.microsoft.com/office/drawing/2010/main" xmlns="">
+              <a14:hiddenFill xmlns="" xmlns:a14="http://schemas.microsoft.com/office/drawing/2010/main">
                 <a:solidFill>
                   <a:srgbClr val="FFFFFF"/>
                 </a:solidFill>
@@ -3050,14 +3050,14 @@
           <a:noFill/>
           <a:extLst>
             <a:ext uri="{909E8E84-426E-40dd-AFC4-6F175D3DCCD1}">
-              <a14:hiddenFill xmlns:a14="http://schemas.microsoft.com/office/drawing/2010/main" xmlns="">
+              <a14:hiddenFill xmlns="" xmlns:a14="http://schemas.microsoft.com/office/drawing/2010/main">
                 <a:solidFill>
                   <a:srgbClr val="FFFFFF"/>
                 </a:solidFill>
               </a14:hiddenFill>
             </a:ext>
             <a:ext uri="{91240B29-F687-4f45-9708-019B960494DF}">
-              <a14:hiddenLine xmlns:a14="http://schemas.microsoft.com/office/drawing/2010/main" xmlns="" w="9525">
+              <a14:hiddenLine xmlns="" xmlns:a14="http://schemas.microsoft.com/office/drawing/2010/main" w="9525">
                 <a:solidFill>
                   <a:srgbClr val="000000"/>
                 </a:solidFill>
@@ -3099,14 +3099,14 @@
           <a:noFill/>
           <a:extLst>
             <a:ext uri="{909E8E84-426E-40dd-AFC4-6F175D3DCCD1}">
-              <a14:hiddenFill xmlns:a14="http://schemas.microsoft.com/office/drawing/2010/main" xmlns="">
+              <a14:hiddenFill xmlns="" xmlns:a14="http://schemas.microsoft.com/office/drawing/2010/main">
                 <a:solidFill>
                   <a:srgbClr val="FFFFFF"/>
                 </a:solidFill>
               </a14:hiddenFill>
             </a:ext>
             <a:ext uri="{91240B29-F687-4f45-9708-019B960494DF}">
-              <a14:hiddenLine xmlns:a14="http://schemas.microsoft.com/office/drawing/2010/main" xmlns="" w="9525">
+              <a14:hiddenLine xmlns="" xmlns:a14="http://schemas.microsoft.com/office/drawing/2010/main" w="9525">
                 <a:solidFill>
                   <a:srgbClr val="000000"/>
                 </a:solidFill>
@@ -3287,10 +3287,10 @@
           </a:ln>
           <a:extLst>
             <a:ext uri="{FAA26D3D-D897-4be2-8F04-BA451C77F1D7}">
-              <ma14:placeholderFlag xmlns="" xmlns:ma14="http://schemas.microsoft.com/office/mac/drawingml/2011/main" val="1"/>
+              <ma14:placeholderFlag xmlns:ma14="http://schemas.microsoft.com/office/mac/drawingml/2011/main" xmlns="" val="1"/>
             </a:ext>
             <a:ext uri="{909E8E84-426E-40dd-AFC4-6F175D3DCCD1}">
-              <a14:hiddenFill xmlns:a14="http://schemas.microsoft.com/office/drawing/2010/main" xmlns="">
+              <a14:hiddenFill xmlns="" xmlns:a14="http://schemas.microsoft.com/office/drawing/2010/main">
                 <a:solidFill>
                   <a:srgbClr val="FFFFFF"/>
                 </a:solidFill>
@@ -3313,14 +3313,14 @@
           <a:noFill/>
           <a:extLst>
             <a:ext uri="{909E8E84-426E-40dd-AFC4-6F175D3DCCD1}">
-              <a14:hiddenFill xmlns:a14="http://schemas.microsoft.com/office/drawing/2010/main" xmlns="">
+              <a14:hiddenFill xmlns="" xmlns:a14="http://schemas.microsoft.com/office/drawing/2010/main">
                 <a:solidFill>
                   <a:srgbClr val="FFFFFF"/>
                 </a:solidFill>
               </a14:hiddenFill>
             </a:ext>
             <a:ext uri="{91240B29-F687-4f45-9708-019B960494DF}">
-              <a14:hiddenLine xmlns:a14="http://schemas.microsoft.com/office/drawing/2010/main" xmlns="" w="9525">
+              <a14:hiddenLine xmlns="" xmlns:a14="http://schemas.microsoft.com/office/drawing/2010/main" w="9525">
                 <a:solidFill>
                   <a:srgbClr val="000000"/>
                 </a:solidFill>
@@ -3362,14 +3362,14 @@
           <a:noFill/>
           <a:extLst>
             <a:ext uri="{909E8E84-426E-40dd-AFC4-6F175D3DCCD1}">
-              <a14:hiddenFill xmlns:a14="http://schemas.microsoft.com/office/drawing/2010/main" xmlns="">
+              <a14:hiddenFill xmlns="" xmlns:a14="http://schemas.microsoft.com/office/drawing/2010/main">
                 <a:solidFill>
                   <a:srgbClr val="FFFFFF"/>
                 </a:solidFill>
               </a14:hiddenFill>
             </a:ext>
             <a:ext uri="{91240B29-F687-4f45-9708-019B960494DF}">
-              <a14:hiddenLine xmlns:a14="http://schemas.microsoft.com/office/drawing/2010/main" xmlns="" w="9525">
+              <a14:hiddenLine xmlns="" xmlns:a14="http://schemas.microsoft.com/office/drawing/2010/main" w="9525">
                 <a:solidFill>
                   <a:srgbClr val="000000"/>
                 </a:solidFill>
@@ -3550,10 +3550,10 @@
           </a:ln>
           <a:extLst>
             <a:ext uri="{FAA26D3D-D897-4be2-8F04-BA451C77F1D7}">
-              <ma14:placeholderFlag xmlns="" xmlns:ma14="http://schemas.microsoft.com/office/mac/drawingml/2011/main" val="1"/>
+              <ma14:placeholderFlag xmlns:ma14="http://schemas.microsoft.com/office/mac/drawingml/2011/main" xmlns="" val="1"/>
             </a:ext>
             <a:ext uri="{909E8E84-426E-40dd-AFC4-6F175D3DCCD1}">
-              <a14:hiddenFill xmlns:a14="http://schemas.microsoft.com/office/drawing/2010/main" xmlns="">
+              <a14:hiddenFill xmlns="" xmlns:a14="http://schemas.microsoft.com/office/drawing/2010/main">
                 <a:solidFill>
                   <a:srgbClr val="FFFFFF"/>
                 </a:solidFill>
@@ -3576,14 +3576,14 @@
           <a:noFill/>
           <a:extLst>
             <a:ext uri="{909E8E84-426E-40dd-AFC4-6F175D3DCCD1}">
-              <a14:hiddenFill xmlns:a14="http://schemas.microsoft.com/office/drawing/2010/main" xmlns="">
+              <a14:hiddenFill xmlns="" xmlns:a14="http://schemas.microsoft.com/office/drawing/2010/main">
                 <a:solidFill>
                   <a:srgbClr val="FFFFFF"/>
                 </a:solidFill>
               </a14:hiddenFill>
             </a:ext>
             <a:ext uri="{91240B29-F687-4f45-9708-019B960494DF}">
-              <a14:hiddenLine xmlns:a14="http://schemas.microsoft.com/office/drawing/2010/main" xmlns="" w="9525">
+              <a14:hiddenLine xmlns="" xmlns:a14="http://schemas.microsoft.com/office/drawing/2010/main" w="9525">
                 <a:solidFill>
                   <a:srgbClr val="000000"/>
                 </a:solidFill>
@@ -3625,14 +3625,14 @@
           <a:noFill/>
           <a:extLst>
             <a:ext uri="{909E8E84-426E-40dd-AFC4-6F175D3DCCD1}">
-              <a14:hiddenFill xmlns:a14="http://schemas.microsoft.com/office/drawing/2010/main" xmlns="">
+              <a14:hiddenFill xmlns="" xmlns:a14="http://schemas.microsoft.com/office/drawing/2010/main">
                 <a:solidFill>
                   <a:srgbClr val="FFFFFF"/>
                 </a:solidFill>
               </a14:hiddenFill>
             </a:ext>
             <a:ext uri="{91240B29-F687-4f45-9708-019B960494DF}">
-              <a14:hiddenLine xmlns:a14="http://schemas.microsoft.com/office/drawing/2010/main" xmlns="" w="9525">
+              <a14:hiddenLine xmlns="" xmlns:a14="http://schemas.microsoft.com/office/drawing/2010/main" w="9525">
                 <a:solidFill>
                   <a:srgbClr val="000000"/>
                 </a:solidFill>
@@ -3813,10 +3813,10 @@
           </a:ln>
           <a:extLst>
             <a:ext uri="{FAA26D3D-D897-4be2-8F04-BA451C77F1D7}">
-              <ma14:placeholderFlag xmlns="" xmlns:ma14="http://schemas.microsoft.com/office/mac/drawingml/2011/main" val="1"/>
+              <ma14:placeholderFlag xmlns:ma14="http://schemas.microsoft.com/office/mac/drawingml/2011/main" xmlns="" val="1"/>
             </a:ext>
             <a:ext uri="{909E8E84-426E-40dd-AFC4-6F175D3DCCD1}">
-              <a14:hiddenFill xmlns:a14="http://schemas.microsoft.com/office/drawing/2010/main" xmlns="">
+              <a14:hiddenFill xmlns="" xmlns:a14="http://schemas.microsoft.com/office/drawing/2010/main">
                 <a:solidFill>
                   <a:srgbClr val="FFFFFF"/>
                 </a:solidFill>
@@ -3839,14 +3839,14 @@
           <a:noFill/>
           <a:extLst>
             <a:ext uri="{909E8E84-426E-40dd-AFC4-6F175D3DCCD1}">
-              <a14:hiddenFill xmlns:a14="http://schemas.microsoft.com/office/drawing/2010/main" xmlns="">
+              <a14:hiddenFill xmlns="" xmlns:a14="http://schemas.microsoft.com/office/drawing/2010/main">
                 <a:solidFill>
                   <a:srgbClr val="FFFFFF"/>
                 </a:solidFill>
               </a14:hiddenFill>
             </a:ext>
             <a:ext uri="{91240B29-F687-4f45-9708-019B960494DF}">
-              <a14:hiddenLine xmlns:a14="http://schemas.microsoft.com/office/drawing/2010/main" xmlns="" w="9525">
+              <a14:hiddenLine xmlns="" xmlns:a14="http://schemas.microsoft.com/office/drawing/2010/main" w="9525">
                 <a:solidFill>
                   <a:srgbClr val="000000"/>
                 </a:solidFill>
@@ -3888,14 +3888,14 @@
           <a:noFill/>
           <a:extLst>
             <a:ext uri="{909E8E84-426E-40dd-AFC4-6F175D3DCCD1}">
-              <a14:hiddenFill xmlns:a14="http://schemas.microsoft.com/office/drawing/2010/main" xmlns="">
+              <a14:hiddenFill xmlns="" xmlns:a14="http://schemas.microsoft.com/office/drawing/2010/main">
                 <a:solidFill>
                   <a:srgbClr val="FFFFFF"/>
                 </a:solidFill>
               </a14:hiddenFill>
             </a:ext>
             <a:ext uri="{91240B29-F687-4f45-9708-019B960494DF}">
-              <a14:hiddenLine xmlns:a14="http://schemas.microsoft.com/office/drawing/2010/main" xmlns="" w="9525">
+              <a14:hiddenLine xmlns="" xmlns:a14="http://schemas.microsoft.com/office/drawing/2010/main" w="9525">
                 <a:solidFill>
                   <a:srgbClr val="000000"/>
                 </a:solidFill>
@@ -9261,7 +9261,7 @@
           </a:ln>
           <a:extLst>
             <a:ext uri="{909E8E84-426E-40dd-AFC4-6F175D3DCCD1}">
-              <a14:hiddenFill xmlns:a14="http://schemas.microsoft.com/office/drawing/2010/main" xmlns="">
+              <a14:hiddenFill xmlns="" xmlns:a14="http://schemas.microsoft.com/office/drawing/2010/main">
                 <a:solidFill>
                   <a:schemeClr val="accent1"/>
                 </a:solidFill>
@@ -9358,7 +9358,7 @@
           </a:ln>
           <a:extLst>
             <a:ext uri="{909E8E84-426E-40dd-AFC4-6F175D3DCCD1}">
-              <a14:hiddenFill xmlns:a14="http://schemas.microsoft.com/office/drawing/2010/main" xmlns="">
+              <a14:hiddenFill xmlns="" xmlns:a14="http://schemas.microsoft.com/office/drawing/2010/main">
                 <a:solidFill>
                   <a:schemeClr val="accent1"/>
                 </a:solidFill>
@@ -9455,7 +9455,7 @@
           </a:ln>
           <a:extLst>
             <a:ext uri="{909E8E84-426E-40dd-AFC4-6F175D3DCCD1}">
-              <a14:hiddenFill xmlns:a14="http://schemas.microsoft.com/office/drawing/2010/main" xmlns="">
+              <a14:hiddenFill xmlns="" xmlns:a14="http://schemas.microsoft.com/office/drawing/2010/main">
                 <a:solidFill>
                   <a:schemeClr val="accent1"/>
                 </a:solidFill>
@@ -9558,10 +9558,10 @@
           </a:ln>
           <a:extLst>
             <a:ext uri="{FAA26D3D-D897-4be2-8F04-BA451C77F1D7}">
-              <ma14:placeholderFlag xmlns="" xmlns:ma14="http://schemas.microsoft.com/office/mac/drawingml/2011/main" val="1"/>
+              <ma14:placeholderFlag xmlns:ma14="http://schemas.microsoft.com/office/mac/drawingml/2011/main" xmlns="" val="1"/>
             </a:ext>
             <a:ext uri="{909E8E84-426E-40dd-AFC4-6F175D3DCCD1}">
-              <a14:hiddenFill xmlns:a14="http://schemas.microsoft.com/office/drawing/2010/main" xmlns="">
+              <a14:hiddenFill xmlns="" xmlns:a14="http://schemas.microsoft.com/office/drawing/2010/main">
                 <a:solidFill>
                   <a:schemeClr val="accent1"/>
                 </a:solidFill>
@@ -9924,7 +9924,7 @@
           </a:ln>
           <a:extLst>
             <a:ext uri="{909E8E84-426E-40dd-AFC4-6F175D3DCCD1}">
-              <a14:hiddenFill xmlns:a14="http://schemas.microsoft.com/office/drawing/2010/main" xmlns="">
+              <a14:hiddenFill xmlns="" xmlns:a14="http://schemas.microsoft.com/office/drawing/2010/main">
                 <a:solidFill>
                   <a:schemeClr val="accent1"/>
                 </a:solidFill>
@@ -11677,14 +11677,14 @@
           </a:ln>
           <a:extLst>
             <a:ext uri="{909E8E84-426E-40dd-AFC4-6F175D3DCCD1}">
-              <a14:hiddenFill xmlns:a14="http://schemas.microsoft.com/office/drawing/2010/main" xmlns="">
+              <a14:hiddenFill xmlns="" xmlns:a14="http://schemas.microsoft.com/office/drawing/2010/main">
                 <a:solidFill>
                   <a:srgbClr val="FFFFFF"/>
                 </a:solidFill>
               </a14:hiddenFill>
             </a:ext>
             <a:ext uri="{91240B29-F687-4f45-9708-019B960494DF}">
-              <a14:hiddenLine xmlns:a14="http://schemas.microsoft.com/office/drawing/2010/main" xmlns="" w="9525">
+              <a14:hiddenLine xmlns="" xmlns:a14="http://schemas.microsoft.com/office/drawing/2010/main" w="9525">
                 <a:solidFill>
                   <a:srgbClr val="000000"/>
                 </a:solidFill>
@@ -13031,17 +13031,17 @@
           </a:ln>
           <a:extLst>
             <a:ext uri="{FAA26D3D-D897-4be2-8F04-BA451C77F1D7}">
-              <ma14:placeholderFlag xmlns="" xmlns:ma14="http://schemas.microsoft.com/office/mac/drawingml/2011/main" val="1"/>
+              <ma14:placeholderFlag xmlns:ma14="http://schemas.microsoft.com/office/mac/drawingml/2011/main" xmlns="" val="1"/>
             </a:ext>
             <a:ext uri="{909E8E84-426E-40dd-AFC4-6F175D3DCCD1}">
-              <a14:hiddenFill xmlns:a14="http://schemas.microsoft.com/office/drawing/2010/main" xmlns="">
+              <a14:hiddenFill xmlns="" xmlns:a14="http://schemas.microsoft.com/office/drawing/2010/main">
                 <a:solidFill>
                   <a:srgbClr val="FFFFFF"/>
                 </a:solidFill>
               </a14:hiddenFill>
             </a:ext>
             <a:ext uri="{91240B29-F687-4f45-9708-019B960494DF}">
-              <a14:hiddenLine xmlns:a14="http://schemas.microsoft.com/office/drawing/2010/main" xmlns="" w="9525">
+              <a14:hiddenLine xmlns="" xmlns:a14="http://schemas.microsoft.com/office/drawing/2010/main" w="9525">
                 <a:solidFill>
                   <a:srgbClr val="000000"/>
                 </a:solidFill>
@@ -18034,17 +18034,17 @@
           </a:prstGeom>
           <a:extLst>
             <a:ext uri="{FAA26D3D-D897-4be2-8F04-BA451C77F1D7}">
-              <ma14:placeholderFlag xmlns="" xmlns:ma14="http://schemas.microsoft.com/office/mac/drawingml/2011/main" val="1"/>
+              <ma14:placeholderFlag xmlns:ma14="http://schemas.microsoft.com/office/mac/drawingml/2011/main" xmlns="" val="1"/>
             </a:ext>
             <a:ext uri="{909E8E84-426E-40dd-AFC4-6F175D3DCCD1}">
-              <a14:hiddenFill xmlns:a14="http://schemas.microsoft.com/office/drawing/2010/main" xmlns="">
+              <a14:hiddenFill xmlns="" xmlns:a14="http://schemas.microsoft.com/office/drawing/2010/main">
                 <a:solidFill>
                   <a:srgbClr val="FFFFFF"/>
                 </a:solidFill>
               </a14:hiddenFill>
             </a:ext>
             <a:ext uri="{91240B29-F687-4f45-9708-019B960494DF}">
-              <a14:hiddenLine xmlns:a14="http://schemas.microsoft.com/office/drawing/2010/main" xmlns="" w="9525">
+              <a14:hiddenLine xmlns="" xmlns:a14="http://schemas.microsoft.com/office/drawing/2010/main" w="9525">
                 <a:solidFill>
                   <a:srgbClr val="000000"/>
                 </a:solidFill>
@@ -18348,14 +18348,14 @@
           </a:ln>
           <a:extLst>
             <a:ext uri="{909E8E84-426E-40dd-AFC4-6F175D3DCCD1}">
-              <a14:hiddenFill xmlns:a14="http://schemas.microsoft.com/office/drawing/2010/main" xmlns="">
+              <a14:hiddenFill xmlns="" xmlns:a14="http://schemas.microsoft.com/office/drawing/2010/main">
                 <a:solidFill>
                   <a:srgbClr val="FFFFFF"/>
                 </a:solidFill>
               </a14:hiddenFill>
             </a:ext>
             <a:ext uri="{91240B29-F687-4f45-9708-019B960494DF}">
-              <a14:hiddenLine xmlns:a14="http://schemas.microsoft.com/office/drawing/2010/main" xmlns="" w="9525">
+              <a14:hiddenLine xmlns="" xmlns:a14="http://schemas.microsoft.com/office/drawing/2010/main" w="9525">
                 <a:solidFill>
                   <a:srgbClr val="000000"/>
                 </a:solidFill>
@@ -18696,14 +18696,14 @@
           </a:ln>
           <a:extLst>
             <a:ext uri="{909E8E84-426E-40dd-AFC4-6F175D3DCCD1}">
-              <a14:hiddenFill xmlns:a14="http://schemas.microsoft.com/office/drawing/2010/main" xmlns="">
+              <a14:hiddenFill xmlns="" xmlns:a14="http://schemas.microsoft.com/office/drawing/2010/main">
                 <a:solidFill>
                   <a:srgbClr val="FFFFFF"/>
                 </a:solidFill>
               </a14:hiddenFill>
             </a:ext>
             <a:ext uri="{91240B29-F687-4f45-9708-019B960494DF}">
-              <a14:hiddenLine xmlns:a14="http://schemas.microsoft.com/office/drawing/2010/main" xmlns="" w="9525">
+              <a14:hiddenLine xmlns="" xmlns:a14="http://schemas.microsoft.com/office/drawing/2010/main" w="9525">
                 <a:solidFill>
                   <a:srgbClr val="000000"/>
                 </a:solidFill>
@@ -20304,14 +20304,14 @@
           </a:ln>
           <a:extLst>
             <a:ext uri="{909E8E84-426E-40dd-AFC4-6F175D3DCCD1}">
-              <a14:hiddenFill xmlns:a14="http://schemas.microsoft.com/office/drawing/2010/main" xmlns="">
+              <a14:hiddenFill xmlns="" xmlns:a14="http://schemas.microsoft.com/office/drawing/2010/main">
                 <a:solidFill>
                   <a:srgbClr val="FFFFFF"/>
                 </a:solidFill>
               </a14:hiddenFill>
             </a:ext>
             <a:ext uri="{91240B29-F687-4f45-9708-019B960494DF}">
-              <a14:hiddenLine xmlns:a14="http://schemas.microsoft.com/office/drawing/2010/main" xmlns="" w="9525">
+              <a14:hiddenLine xmlns="" xmlns:a14="http://schemas.microsoft.com/office/drawing/2010/main" w="9525">
                 <a:solidFill>
                   <a:srgbClr val="000000"/>
                 </a:solidFill>
@@ -20574,7 +20574,7 @@
           </a:ln>
           <a:extLst>
             <a:ext uri="{909E8E84-426E-40dd-AFC4-6F175D3DCCD1}">
-              <a14:hiddenFill xmlns:a14="http://schemas.microsoft.com/office/drawing/2010/main" xmlns="">
+              <a14:hiddenFill xmlns="" xmlns:a14="http://schemas.microsoft.com/office/drawing/2010/main">
                 <a:solidFill>
                   <a:schemeClr val="accent1"/>
                 </a:solidFill>
@@ -20670,7 +20670,7 @@
           </a:ln>
           <a:extLst>
             <a:ext uri="{909E8E84-426E-40dd-AFC4-6F175D3DCCD1}">
-              <a14:hiddenFill xmlns:a14="http://schemas.microsoft.com/office/drawing/2010/main" xmlns="">
+              <a14:hiddenFill xmlns="" xmlns:a14="http://schemas.microsoft.com/office/drawing/2010/main">
                 <a:solidFill>
                   <a:schemeClr val="accent1"/>
                 </a:solidFill>

--- a/shell/presentations/01_git2.pptx
+++ b/shell/presentations/01_git2.pptx
@@ -644,10 +644,10 @@
           </a:ln>
           <a:extLst>
             <a:ext uri="{FAA26D3D-D897-4be2-8F04-BA451C77F1D7}">
-              <ma14:placeholderFlag xmlns:ma14="http://schemas.microsoft.com/office/mac/drawingml/2011/main" xmlns="" val="1"/>
+              <ma14:placeholderFlag xmlns="" xmlns:ma14="http://schemas.microsoft.com/office/mac/drawingml/2011/main" val="1"/>
             </a:ext>
             <a:ext uri="{909E8E84-426E-40dd-AFC4-6F175D3DCCD1}">
-              <a14:hiddenFill xmlns="" xmlns:a14="http://schemas.microsoft.com/office/drawing/2010/main">
+              <a14:hiddenFill xmlns:a14="http://schemas.microsoft.com/office/drawing/2010/main" xmlns="">
                 <a:solidFill>
                   <a:srgbClr val="FFFFFF"/>
                 </a:solidFill>
@@ -670,14 +670,14 @@
           <a:noFill/>
           <a:extLst>
             <a:ext uri="{909E8E84-426E-40dd-AFC4-6F175D3DCCD1}">
-              <a14:hiddenFill xmlns="" xmlns:a14="http://schemas.microsoft.com/office/drawing/2010/main">
+              <a14:hiddenFill xmlns:a14="http://schemas.microsoft.com/office/drawing/2010/main" xmlns="">
                 <a:solidFill>
                   <a:srgbClr val="FFFFFF"/>
                 </a:solidFill>
               </a14:hiddenFill>
             </a:ext>
             <a:ext uri="{91240B29-F687-4f45-9708-019B960494DF}">
-              <a14:hiddenLine xmlns="" xmlns:a14="http://schemas.microsoft.com/office/drawing/2010/main" w="9525">
+              <a14:hiddenLine xmlns:a14="http://schemas.microsoft.com/office/drawing/2010/main" xmlns="" w="9525">
                 <a:solidFill>
                   <a:srgbClr val="000000"/>
                 </a:solidFill>
@@ -719,14 +719,14 @@
           <a:noFill/>
           <a:extLst>
             <a:ext uri="{909E8E84-426E-40dd-AFC4-6F175D3DCCD1}">
-              <a14:hiddenFill xmlns="" xmlns:a14="http://schemas.microsoft.com/office/drawing/2010/main">
+              <a14:hiddenFill xmlns:a14="http://schemas.microsoft.com/office/drawing/2010/main" xmlns="">
                 <a:solidFill>
                   <a:srgbClr val="FFFFFF"/>
                 </a:solidFill>
               </a14:hiddenFill>
             </a:ext>
             <a:ext uri="{91240B29-F687-4f45-9708-019B960494DF}">
-              <a14:hiddenLine xmlns="" xmlns:a14="http://schemas.microsoft.com/office/drawing/2010/main" w="9525">
+              <a14:hiddenLine xmlns:a14="http://schemas.microsoft.com/office/drawing/2010/main" xmlns="" w="9525">
                 <a:solidFill>
                   <a:srgbClr val="000000"/>
                 </a:solidFill>
@@ -907,10 +907,10 @@
           </a:ln>
           <a:extLst>
             <a:ext uri="{FAA26D3D-D897-4be2-8F04-BA451C77F1D7}">
-              <ma14:placeholderFlag xmlns:ma14="http://schemas.microsoft.com/office/mac/drawingml/2011/main" xmlns="" val="1"/>
+              <ma14:placeholderFlag xmlns="" xmlns:ma14="http://schemas.microsoft.com/office/mac/drawingml/2011/main" val="1"/>
             </a:ext>
             <a:ext uri="{909E8E84-426E-40dd-AFC4-6F175D3DCCD1}">
-              <a14:hiddenFill xmlns="" xmlns:a14="http://schemas.microsoft.com/office/drawing/2010/main">
+              <a14:hiddenFill xmlns:a14="http://schemas.microsoft.com/office/drawing/2010/main" xmlns="">
                 <a:solidFill>
                   <a:srgbClr val="FFFFFF"/>
                 </a:solidFill>
@@ -933,14 +933,14 @@
           <a:noFill/>
           <a:extLst>
             <a:ext uri="{909E8E84-426E-40dd-AFC4-6F175D3DCCD1}">
-              <a14:hiddenFill xmlns="" xmlns:a14="http://schemas.microsoft.com/office/drawing/2010/main">
+              <a14:hiddenFill xmlns:a14="http://schemas.microsoft.com/office/drawing/2010/main" xmlns="">
                 <a:solidFill>
                   <a:srgbClr val="FFFFFF"/>
                 </a:solidFill>
               </a14:hiddenFill>
             </a:ext>
             <a:ext uri="{91240B29-F687-4f45-9708-019B960494DF}">
-              <a14:hiddenLine xmlns="" xmlns:a14="http://schemas.microsoft.com/office/drawing/2010/main" w="9525">
+              <a14:hiddenLine xmlns:a14="http://schemas.microsoft.com/office/drawing/2010/main" xmlns="" w="9525">
                 <a:solidFill>
                   <a:srgbClr val="000000"/>
                 </a:solidFill>
@@ -982,14 +982,14 @@
           <a:noFill/>
           <a:extLst>
             <a:ext uri="{909E8E84-426E-40dd-AFC4-6F175D3DCCD1}">
-              <a14:hiddenFill xmlns="" xmlns:a14="http://schemas.microsoft.com/office/drawing/2010/main">
+              <a14:hiddenFill xmlns:a14="http://schemas.microsoft.com/office/drawing/2010/main" xmlns="">
                 <a:solidFill>
                   <a:srgbClr val="FFFFFF"/>
                 </a:solidFill>
               </a14:hiddenFill>
             </a:ext>
             <a:ext uri="{91240B29-F687-4f45-9708-019B960494DF}">
-              <a14:hiddenLine xmlns="" xmlns:a14="http://schemas.microsoft.com/office/drawing/2010/main" w="9525">
+              <a14:hiddenLine xmlns:a14="http://schemas.microsoft.com/office/drawing/2010/main" xmlns="" w="9525">
                 <a:solidFill>
                   <a:srgbClr val="000000"/>
                 </a:solidFill>
@@ -1170,10 +1170,10 @@
           </a:ln>
           <a:extLst>
             <a:ext uri="{FAA26D3D-D897-4be2-8F04-BA451C77F1D7}">
-              <ma14:placeholderFlag xmlns:ma14="http://schemas.microsoft.com/office/mac/drawingml/2011/main" xmlns="" val="1"/>
+              <ma14:placeholderFlag xmlns="" xmlns:ma14="http://schemas.microsoft.com/office/mac/drawingml/2011/main" val="1"/>
             </a:ext>
             <a:ext uri="{909E8E84-426E-40dd-AFC4-6F175D3DCCD1}">
-              <a14:hiddenFill xmlns="" xmlns:a14="http://schemas.microsoft.com/office/drawing/2010/main">
+              <a14:hiddenFill xmlns:a14="http://schemas.microsoft.com/office/drawing/2010/main" xmlns="">
                 <a:solidFill>
                   <a:srgbClr val="FFFFFF"/>
                 </a:solidFill>
@@ -1196,14 +1196,14 @@
           <a:noFill/>
           <a:extLst>
             <a:ext uri="{909E8E84-426E-40dd-AFC4-6F175D3DCCD1}">
-              <a14:hiddenFill xmlns="" xmlns:a14="http://schemas.microsoft.com/office/drawing/2010/main">
+              <a14:hiddenFill xmlns:a14="http://schemas.microsoft.com/office/drawing/2010/main" xmlns="">
                 <a:solidFill>
                   <a:srgbClr val="FFFFFF"/>
                 </a:solidFill>
               </a14:hiddenFill>
             </a:ext>
             <a:ext uri="{91240B29-F687-4f45-9708-019B960494DF}">
-              <a14:hiddenLine xmlns="" xmlns:a14="http://schemas.microsoft.com/office/drawing/2010/main" w="9525">
+              <a14:hiddenLine xmlns:a14="http://schemas.microsoft.com/office/drawing/2010/main" xmlns="" w="9525">
                 <a:solidFill>
                   <a:srgbClr val="000000"/>
                 </a:solidFill>
@@ -1245,14 +1245,14 @@
           <a:noFill/>
           <a:extLst>
             <a:ext uri="{909E8E84-426E-40dd-AFC4-6F175D3DCCD1}">
-              <a14:hiddenFill xmlns="" xmlns:a14="http://schemas.microsoft.com/office/drawing/2010/main">
+              <a14:hiddenFill xmlns:a14="http://schemas.microsoft.com/office/drawing/2010/main" xmlns="">
                 <a:solidFill>
                   <a:srgbClr val="FFFFFF"/>
                 </a:solidFill>
               </a14:hiddenFill>
             </a:ext>
             <a:ext uri="{91240B29-F687-4f45-9708-019B960494DF}">
-              <a14:hiddenLine xmlns="" xmlns:a14="http://schemas.microsoft.com/office/drawing/2010/main" w="9525">
+              <a14:hiddenLine xmlns:a14="http://schemas.microsoft.com/office/drawing/2010/main" xmlns="" w="9525">
                 <a:solidFill>
                   <a:srgbClr val="000000"/>
                 </a:solidFill>
@@ -1433,10 +1433,10 @@
           </a:ln>
           <a:extLst>
             <a:ext uri="{FAA26D3D-D897-4be2-8F04-BA451C77F1D7}">
-              <ma14:placeholderFlag xmlns:ma14="http://schemas.microsoft.com/office/mac/drawingml/2011/main" xmlns="" val="1"/>
+              <ma14:placeholderFlag xmlns="" xmlns:ma14="http://schemas.microsoft.com/office/mac/drawingml/2011/main" val="1"/>
             </a:ext>
             <a:ext uri="{909E8E84-426E-40dd-AFC4-6F175D3DCCD1}">
-              <a14:hiddenFill xmlns="" xmlns:a14="http://schemas.microsoft.com/office/drawing/2010/main">
+              <a14:hiddenFill xmlns:a14="http://schemas.microsoft.com/office/drawing/2010/main" xmlns="">
                 <a:solidFill>
                   <a:srgbClr val="FFFFFF"/>
                 </a:solidFill>
@@ -1459,14 +1459,14 @@
           <a:noFill/>
           <a:extLst>
             <a:ext uri="{909E8E84-426E-40dd-AFC4-6F175D3DCCD1}">
-              <a14:hiddenFill xmlns="" xmlns:a14="http://schemas.microsoft.com/office/drawing/2010/main">
+              <a14:hiddenFill xmlns:a14="http://schemas.microsoft.com/office/drawing/2010/main" xmlns="">
                 <a:solidFill>
                   <a:srgbClr val="FFFFFF"/>
                 </a:solidFill>
               </a14:hiddenFill>
             </a:ext>
             <a:ext uri="{91240B29-F687-4f45-9708-019B960494DF}">
-              <a14:hiddenLine xmlns="" xmlns:a14="http://schemas.microsoft.com/office/drawing/2010/main" w="9525">
+              <a14:hiddenLine xmlns:a14="http://schemas.microsoft.com/office/drawing/2010/main" xmlns="" w="9525">
                 <a:solidFill>
                   <a:srgbClr val="000000"/>
                 </a:solidFill>
@@ -1508,14 +1508,14 @@
           <a:noFill/>
           <a:extLst>
             <a:ext uri="{909E8E84-426E-40dd-AFC4-6F175D3DCCD1}">
-              <a14:hiddenFill xmlns="" xmlns:a14="http://schemas.microsoft.com/office/drawing/2010/main">
+              <a14:hiddenFill xmlns:a14="http://schemas.microsoft.com/office/drawing/2010/main" xmlns="">
                 <a:solidFill>
                   <a:srgbClr val="FFFFFF"/>
                 </a:solidFill>
               </a14:hiddenFill>
             </a:ext>
             <a:ext uri="{91240B29-F687-4f45-9708-019B960494DF}">
-              <a14:hiddenLine xmlns="" xmlns:a14="http://schemas.microsoft.com/office/drawing/2010/main" w="9525">
+              <a14:hiddenLine xmlns:a14="http://schemas.microsoft.com/office/drawing/2010/main" xmlns="" w="9525">
                 <a:solidFill>
                   <a:srgbClr val="000000"/>
                 </a:solidFill>
@@ -1696,10 +1696,10 @@
           </a:ln>
           <a:extLst>
             <a:ext uri="{FAA26D3D-D897-4be2-8F04-BA451C77F1D7}">
-              <ma14:placeholderFlag xmlns:ma14="http://schemas.microsoft.com/office/mac/drawingml/2011/main" xmlns="" val="1"/>
+              <ma14:placeholderFlag xmlns="" xmlns:ma14="http://schemas.microsoft.com/office/mac/drawingml/2011/main" val="1"/>
             </a:ext>
             <a:ext uri="{909E8E84-426E-40dd-AFC4-6F175D3DCCD1}">
-              <a14:hiddenFill xmlns="" xmlns:a14="http://schemas.microsoft.com/office/drawing/2010/main">
+              <a14:hiddenFill xmlns:a14="http://schemas.microsoft.com/office/drawing/2010/main" xmlns="">
                 <a:solidFill>
                   <a:srgbClr val="FFFFFF"/>
                 </a:solidFill>
@@ -1722,14 +1722,14 @@
           <a:noFill/>
           <a:extLst>
             <a:ext uri="{909E8E84-426E-40dd-AFC4-6F175D3DCCD1}">
-              <a14:hiddenFill xmlns="" xmlns:a14="http://schemas.microsoft.com/office/drawing/2010/main">
+              <a14:hiddenFill xmlns:a14="http://schemas.microsoft.com/office/drawing/2010/main" xmlns="">
                 <a:solidFill>
                   <a:srgbClr val="FFFFFF"/>
                 </a:solidFill>
               </a14:hiddenFill>
             </a:ext>
             <a:ext uri="{91240B29-F687-4f45-9708-019B960494DF}">
-              <a14:hiddenLine xmlns="" xmlns:a14="http://schemas.microsoft.com/office/drawing/2010/main" w="9525">
+              <a14:hiddenLine xmlns:a14="http://schemas.microsoft.com/office/drawing/2010/main" xmlns="" w="9525">
                 <a:solidFill>
                   <a:srgbClr val="000000"/>
                 </a:solidFill>
@@ -1772,14 +1772,14 @@
           <a:noFill/>
           <a:extLst>
             <a:ext uri="{909E8E84-426E-40dd-AFC4-6F175D3DCCD1}">
-              <a14:hiddenFill xmlns="" xmlns:a14="http://schemas.microsoft.com/office/drawing/2010/main">
+              <a14:hiddenFill xmlns:a14="http://schemas.microsoft.com/office/drawing/2010/main" xmlns="">
                 <a:solidFill>
                   <a:srgbClr val="FFFFFF"/>
                 </a:solidFill>
               </a14:hiddenFill>
             </a:ext>
             <a:ext uri="{91240B29-F687-4f45-9708-019B960494DF}">
-              <a14:hiddenLine xmlns="" xmlns:a14="http://schemas.microsoft.com/office/drawing/2010/main" w="9525">
+              <a14:hiddenLine xmlns:a14="http://schemas.microsoft.com/office/drawing/2010/main" xmlns="" w="9525">
                 <a:solidFill>
                   <a:srgbClr val="000000"/>
                 </a:solidFill>
@@ -1960,10 +1960,10 @@
           </a:ln>
           <a:extLst>
             <a:ext uri="{FAA26D3D-D897-4be2-8F04-BA451C77F1D7}">
-              <ma14:placeholderFlag xmlns:ma14="http://schemas.microsoft.com/office/mac/drawingml/2011/main" xmlns="" val="1"/>
+              <ma14:placeholderFlag xmlns="" xmlns:ma14="http://schemas.microsoft.com/office/mac/drawingml/2011/main" val="1"/>
             </a:ext>
             <a:ext uri="{909E8E84-426E-40dd-AFC4-6F175D3DCCD1}">
-              <a14:hiddenFill xmlns="" xmlns:a14="http://schemas.microsoft.com/office/drawing/2010/main">
+              <a14:hiddenFill xmlns:a14="http://schemas.microsoft.com/office/drawing/2010/main" xmlns="">
                 <a:solidFill>
                   <a:srgbClr val="FFFFFF"/>
                 </a:solidFill>
@@ -1986,14 +1986,14 @@
           <a:noFill/>
           <a:extLst>
             <a:ext uri="{909E8E84-426E-40dd-AFC4-6F175D3DCCD1}">
-              <a14:hiddenFill xmlns="" xmlns:a14="http://schemas.microsoft.com/office/drawing/2010/main">
+              <a14:hiddenFill xmlns:a14="http://schemas.microsoft.com/office/drawing/2010/main" xmlns="">
                 <a:solidFill>
                   <a:srgbClr val="FFFFFF"/>
                 </a:solidFill>
               </a14:hiddenFill>
             </a:ext>
             <a:ext uri="{91240B29-F687-4f45-9708-019B960494DF}">
-              <a14:hiddenLine xmlns="" xmlns:a14="http://schemas.microsoft.com/office/drawing/2010/main" w="9525">
+              <a14:hiddenLine xmlns:a14="http://schemas.microsoft.com/office/drawing/2010/main" xmlns="" w="9525">
                 <a:solidFill>
                   <a:srgbClr val="000000"/>
                 </a:solidFill>
@@ -2035,14 +2035,14 @@
           <a:noFill/>
           <a:extLst>
             <a:ext uri="{909E8E84-426E-40dd-AFC4-6F175D3DCCD1}">
-              <a14:hiddenFill xmlns="" xmlns:a14="http://schemas.microsoft.com/office/drawing/2010/main">
+              <a14:hiddenFill xmlns:a14="http://schemas.microsoft.com/office/drawing/2010/main" xmlns="">
                 <a:solidFill>
                   <a:srgbClr val="FFFFFF"/>
                 </a:solidFill>
               </a14:hiddenFill>
             </a:ext>
             <a:ext uri="{91240B29-F687-4f45-9708-019B960494DF}">
-              <a14:hiddenLine xmlns="" xmlns:a14="http://schemas.microsoft.com/office/drawing/2010/main" w="9525">
+              <a14:hiddenLine xmlns:a14="http://schemas.microsoft.com/office/drawing/2010/main" xmlns="" w="9525">
                 <a:solidFill>
                   <a:srgbClr val="000000"/>
                 </a:solidFill>
@@ -2223,10 +2223,10 @@
           </a:ln>
           <a:extLst>
             <a:ext uri="{FAA26D3D-D897-4be2-8F04-BA451C77F1D7}">
-              <ma14:placeholderFlag xmlns:ma14="http://schemas.microsoft.com/office/mac/drawingml/2011/main" xmlns="" val="1"/>
+              <ma14:placeholderFlag xmlns="" xmlns:ma14="http://schemas.microsoft.com/office/mac/drawingml/2011/main" val="1"/>
             </a:ext>
             <a:ext uri="{909E8E84-426E-40dd-AFC4-6F175D3DCCD1}">
-              <a14:hiddenFill xmlns="" xmlns:a14="http://schemas.microsoft.com/office/drawing/2010/main">
+              <a14:hiddenFill xmlns:a14="http://schemas.microsoft.com/office/drawing/2010/main" xmlns="">
                 <a:solidFill>
                   <a:srgbClr val="FFFFFF"/>
                 </a:solidFill>
@@ -2249,14 +2249,14 @@
           <a:noFill/>
           <a:extLst>
             <a:ext uri="{909E8E84-426E-40dd-AFC4-6F175D3DCCD1}">
-              <a14:hiddenFill xmlns="" xmlns:a14="http://schemas.microsoft.com/office/drawing/2010/main">
+              <a14:hiddenFill xmlns:a14="http://schemas.microsoft.com/office/drawing/2010/main" xmlns="">
                 <a:solidFill>
                   <a:srgbClr val="FFFFFF"/>
                 </a:solidFill>
               </a14:hiddenFill>
             </a:ext>
             <a:ext uri="{91240B29-F687-4f45-9708-019B960494DF}">
-              <a14:hiddenLine xmlns="" xmlns:a14="http://schemas.microsoft.com/office/drawing/2010/main" w="9525">
+              <a14:hiddenLine xmlns:a14="http://schemas.microsoft.com/office/drawing/2010/main" xmlns="" w="9525">
                 <a:solidFill>
                   <a:srgbClr val="000000"/>
                 </a:solidFill>
@@ -2298,14 +2298,14 @@
           <a:noFill/>
           <a:extLst>
             <a:ext uri="{909E8E84-426E-40dd-AFC4-6F175D3DCCD1}">
-              <a14:hiddenFill xmlns="" xmlns:a14="http://schemas.microsoft.com/office/drawing/2010/main">
+              <a14:hiddenFill xmlns:a14="http://schemas.microsoft.com/office/drawing/2010/main" xmlns="">
                 <a:solidFill>
                   <a:srgbClr val="FFFFFF"/>
                 </a:solidFill>
               </a14:hiddenFill>
             </a:ext>
             <a:ext uri="{91240B29-F687-4f45-9708-019B960494DF}">
-              <a14:hiddenLine xmlns="" xmlns:a14="http://schemas.microsoft.com/office/drawing/2010/main" w="9525">
+              <a14:hiddenLine xmlns:a14="http://schemas.microsoft.com/office/drawing/2010/main" xmlns="" w="9525">
                 <a:solidFill>
                   <a:srgbClr val="000000"/>
                 </a:solidFill>
@@ -2486,10 +2486,10 @@
           </a:ln>
           <a:extLst>
             <a:ext uri="{FAA26D3D-D897-4be2-8F04-BA451C77F1D7}">
-              <ma14:placeholderFlag xmlns:ma14="http://schemas.microsoft.com/office/mac/drawingml/2011/main" xmlns="" val="1"/>
+              <ma14:placeholderFlag xmlns="" xmlns:ma14="http://schemas.microsoft.com/office/mac/drawingml/2011/main" val="1"/>
             </a:ext>
             <a:ext uri="{909E8E84-426E-40dd-AFC4-6F175D3DCCD1}">
-              <a14:hiddenFill xmlns="" xmlns:a14="http://schemas.microsoft.com/office/drawing/2010/main">
+              <a14:hiddenFill xmlns:a14="http://schemas.microsoft.com/office/drawing/2010/main" xmlns="">
                 <a:solidFill>
                   <a:srgbClr val="FFFFFF"/>
                 </a:solidFill>
@@ -2512,14 +2512,14 @@
           <a:noFill/>
           <a:extLst>
             <a:ext uri="{909E8E84-426E-40dd-AFC4-6F175D3DCCD1}">
-              <a14:hiddenFill xmlns="" xmlns:a14="http://schemas.microsoft.com/office/drawing/2010/main">
+              <a14:hiddenFill xmlns:a14="http://schemas.microsoft.com/office/drawing/2010/main" xmlns="">
                 <a:solidFill>
                   <a:srgbClr val="FFFFFF"/>
                 </a:solidFill>
               </a14:hiddenFill>
             </a:ext>
             <a:ext uri="{91240B29-F687-4f45-9708-019B960494DF}">
-              <a14:hiddenLine xmlns="" xmlns:a14="http://schemas.microsoft.com/office/drawing/2010/main" w="9525">
+              <a14:hiddenLine xmlns:a14="http://schemas.microsoft.com/office/drawing/2010/main" xmlns="" w="9525">
                 <a:solidFill>
                   <a:srgbClr val="000000"/>
                 </a:solidFill>
@@ -2561,14 +2561,14 @@
           <a:noFill/>
           <a:extLst>
             <a:ext uri="{909E8E84-426E-40dd-AFC4-6F175D3DCCD1}">
-              <a14:hiddenFill xmlns="" xmlns:a14="http://schemas.microsoft.com/office/drawing/2010/main">
+              <a14:hiddenFill xmlns:a14="http://schemas.microsoft.com/office/drawing/2010/main" xmlns="">
                 <a:solidFill>
                   <a:srgbClr val="FFFFFF"/>
                 </a:solidFill>
               </a14:hiddenFill>
             </a:ext>
             <a:ext uri="{91240B29-F687-4f45-9708-019B960494DF}">
-              <a14:hiddenLine xmlns="" xmlns:a14="http://schemas.microsoft.com/office/drawing/2010/main" w="9525">
+              <a14:hiddenLine xmlns:a14="http://schemas.microsoft.com/office/drawing/2010/main" xmlns="" w="9525">
                 <a:solidFill>
                   <a:srgbClr val="000000"/>
                 </a:solidFill>
@@ -2749,10 +2749,10 @@
           </a:ln>
           <a:extLst>
             <a:ext uri="{FAA26D3D-D897-4be2-8F04-BA451C77F1D7}">
-              <ma14:placeholderFlag xmlns:ma14="http://schemas.microsoft.com/office/mac/drawingml/2011/main" xmlns="" val="1"/>
+              <ma14:placeholderFlag xmlns="" xmlns:ma14="http://schemas.microsoft.com/office/mac/drawingml/2011/main" val="1"/>
             </a:ext>
             <a:ext uri="{909E8E84-426E-40dd-AFC4-6F175D3DCCD1}">
-              <a14:hiddenFill xmlns="" xmlns:a14="http://schemas.microsoft.com/office/drawing/2010/main">
+              <a14:hiddenFill xmlns:a14="http://schemas.microsoft.com/office/drawing/2010/main" xmlns="">
                 <a:solidFill>
                   <a:srgbClr val="FFFFFF"/>
                 </a:solidFill>
@@ -2775,14 +2775,14 @@
           <a:noFill/>
           <a:extLst>
             <a:ext uri="{909E8E84-426E-40dd-AFC4-6F175D3DCCD1}">
-              <a14:hiddenFill xmlns="" xmlns:a14="http://schemas.microsoft.com/office/drawing/2010/main">
+              <a14:hiddenFill xmlns:a14="http://schemas.microsoft.com/office/drawing/2010/main" xmlns="">
                 <a:solidFill>
                   <a:srgbClr val="FFFFFF"/>
                 </a:solidFill>
               </a14:hiddenFill>
             </a:ext>
             <a:ext uri="{91240B29-F687-4f45-9708-019B960494DF}">
-              <a14:hiddenLine xmlns="" xmlns:a14="http://schemas.microsoft.com/office/drawing/2010/main" w="9525">
+              <a14:hiddenLine xmlns:a14="http://schemas.microsoft.com/office/drawing/2010/main" xmlns="" w="9525">
                 <a:solidFill>
                   <a:srgbClr val="000000"/>
                 </a:solidFill>
@@ -2836,14 +2836,14 @@
           <a:noFill/>
           <a:extLst>
             <a:ext uri="{909E8E84-426E-40dd-AFC4-6F175D3DCCD1}">
-              <a14:hiddenFill xmlns="" xmlns:a14="http://schemas.microsoft.com/office/drawing/2010/main">
+              <a14:hiddenFill xmlns:a14="http://schemas.microsoft.com/office/drawing/2010/main" xmlns="">
                 <a:solidFill>
                   <a:srgbClr val="FFFFFF"/>
                 </a:solidFill>
               </a14:hiddenFill>
             </a:ext>
             <a:ext uri="{91240B29-F687-4f45-9708-019B960494DF}">
-              <a14:hiddenLine xmlns="" xmlns:a14="http://schemas.microsoft.com/office/drawing/2010/main" w="9525">
+              <a14:hiddenLine xmlns:a14="http://schemas.microsoft.com/office/drawing/2010/main" xmlns="" w="9525">
                 <a:solidFill>
                   <a:srgbClr val="000000"/>
                 </a:solidFill>
@@ -3024,10 +3024,10 @@
           </a:ln>
           <a:extLst>
             <a:ext uri="{FAA26D3D-D897-4be2-8F04-BA451C77F1D7}">
-              <ma14:placeholderFlag xmlns:ma14="http://schemas.microsoft.com/office/mac/drawingml/2011/main" xmlns="" val="1"/>
+              <ma14:placeholderFlag xmlns="" xmlns:ma14="http://schemas.microsoft.com/office/mac/drawingml/2011/main" val="1"/>
             </a:ext>
             <a:ext uri="{909E8E84-426E-40dd-AFC4-6F175D3DCCD1}">
-              <a14:hiddenFill xmlns="" xmlns:a14="http://schemas.microsoft.com/office/drawing/2010/main">
+              <a14:hiddenFill xmlns:a14="http://schemas.microsoft.com/office/drawing/2010/main" xmlns="">
                 <a:solidFill>
                   <a:srgbClr val="FFFFFF"/>
                 </a:solidFill>
@@ -3050,14 +3050,14 @@
           <a:noFill/>
           <a:extLst>
             <a:ext uri="{909E8E84-426E-40dd-AFC4-6F175D3DCCD1}">
-              <a14:hiddenFill xmlns="" xmlns:a14="http://schemas.microsoft.com/office/drawing/2010/main">
+              <a14:hiddenFill xmlns:a14="http://schemas.microsoft.com/office/drawing/2010/main" xmlns="">
                 <a:solidFill>
                   <a:srgbClr val="FFFFFF"/>
                 </a:solidFill>
               </a14:hiddenFill>
             </a:ext>
             <a:ext uri="{91240B29-F687-4f45-9708-019B960494DF}">
-              <a14:hiddenLine xmlns="" xmlns:a14="http://schemas.microsoft.com/office/drawing/2010/main" w="9525">
+              <a14:hiddenLine xmlns:a14="http://schemas.microsoft.com/office/drawing/2010/main" xmlns="" w="9525">
                 <a:solidFill>
                   <a:srgbClr val="000000"/>
                 </a:solidFill>
@@ -3099,14 +3099,14 @@
           <a:noFill/>
           <a:extLst>
             <a:ext uri="{909E8E84-426E-40dd-AFC4-6F175D3DCCD1}">
-              <a14:hiddenFill xmlns="" xmlns:a14="http://schemas.microsoft.com/office/drawing/2010/main">
+              <a14:hiddenFill xmlns:a14="http://schemas.microsoft.com/office/drawing/2010/main" xmlns="">
                 <a:solidFill>
                   <a:srgbClr val="FFFFFF"/>
                 </a:solidFill>
               </a14:hiddenFill>
             </a:ext>
             <a:ext uri="{91240B29-F687-4f45-9708-019B960494DF}">
-              <a14:hiddenLine xmlns="" xmlns:a14="http://schemas.microsoft.com/office/drawing/2010/main" w="9525">
+              <a14:hiddenLine xmlns:a14="http://schemas.microsoft.com/office/drawing/2010/main" xmlns="" w="9525">
                 <a:solidFill>
                   <a:srgbClr val="000000"/>
                 </a:solidFill>
@@ -3287,10 +3287,10 @@
           </a:ln>
           <a:extLst>
             <a:ext uri="{FAA26D3D-D897-4be2-8F04-BA451C77F1D7}">
-              <ma14:placeholderFlag xmlns:ma14="http://schemas.microsoft.com/office/mac/drawingml/2011/main" xmlns="" val="1"/>
+              <ma14:placeholderFlag xmlns="" xmlns:ma14="http://schemas.microsoft.com/office/mac/drawingml/2011/main" val="1"/>
             </a:ext>
             <a:ext uri="{909E8E84-426E-40dd-AFC4-6F175D3DCCD1}">
-              <a14:hiddenFill xmlns="" xmlns:a14="http://schemas.microsoft.com/office/drawing/2010/main">
+              <a14:hiddenFill xmlns:a14="http://schemas.microsoft.com/office/drawing/2010/main" xmlns="">
                 <a:solidFill>
                   <a:srgbClr val="FFFFFF"/>
                 </a:solidFill>
@@ -3313,14 +3313,14 @@
           <a:noFill/>
           <a:extLst>
             <a:ext uri="{909E8E84-426E-40dd-AFC4-6F175D3DCCD1}">
-              <a14:hiddenFill xmlns="" xmlns:a14="http://schemas.microsoft.com/office/drawing/2010/main">
+              <a14:hiddenFill xmlns:a14="http://schemas.microsoft.com/office/drawing/2010/main" xmlns="">
                 <a:solidFill>
                   <a:srgbClr val="FFFFFF"/>
                 </a:solidFill>
               </a14:hiddenFill>
             </a:ext>
             <a:ext uri="{91240B29-F687-4f45-9708-019B960494DF}">
-              <a14:hiddenLine xmlns="" xmlns:a14="http://schemas.microsoft.com/office/drawing/2010/main" w="9525">
+              <a14:hiddenLine xmlns:a14="http://schemas.microsoft.com/office/drawing/2010/main" xmlns="" w="9525">
                 <a:solidFill>
                   <a:srgbClr val="000000"/>
                 </a:solidFill>
@@ -3362,14 +3362,14 @@
           <a:noFill/>
           <a:extLst>
             <a:ext uri="{909E8E84-426E-40dd-AFC4-6F175D3DCCD1}">
-              <a14:hiddenFill xmlns="" xmlns:a14="http://schemas.microsoft.com/office/drawing/2010/main">
+              <a14:hiddenFill xmlns:a14="http://schemas.microsoft.com/office/drawing/2010/main" xmlns="">
                 <a:solidFill>
                   <a:srgbClr val="FFFFFF"/>
                 </a:solidFill>
               </a14:hiddenFill>
             </a:ext>
             <a:ext uri="{91240B29-F687-4f45-9708-019B960494DF}">
-              <a14:hiddenLine xmlns="" xmlns:a14="http://schemas.microsoft.com/office/drawing/2010/main" w="9525">
+              <a14:hiddenLine xmlns:a14="http://schemas.microsoft.com/office/drawing/2010/main" xmlns="" w="9525">
                 <a:solidFill>
                   <a:srgbClr val="000000"/>
                 </a:solidFill>
@@ -3550,10 +3550,10 @@
           </a:ln>
           <a:extLst>
             <a:ext uri="{FAA26D3D-D897-4be2-8F04-BA451C77F1D7}">
-              <ma14:placeholderFlag xmlns:ma14="http://schemas.microsoft.com/office/mac/drawingml/2011/main" xmlns="" val="1"/>
+              <ma14:placeholderFlag xmlns="" xmlns:ma14="http://schemas.microsoft.com/office/mac/drawingml/2011/main" val="1"/>
             </a:ext>
             <a:ext uri="{909E8E84-426E-40dd-AFC4-6F175D3DCCD1}">
-              <a14:hiddenFill xmlns="" xmlns:a14="http://schemas.microsoft.com/office/drawing/2010/main">
+              <a14:hiddenFill xmlns:a14="http://schemas.microsoft.com/office/drawing/2010/main" xmlns="">
                 <a:solidFill>
                   <a:srgbClr val="FFFFFF"/>
                 </a:solidFill>
@@ -3576,14 +3576,14 @@
           <a:noFill/>
           <a:extLst>
             <a:ext uri="{909E8E84-426E-40dd-AFC4-6F175D3DCCD1}">
-              <a14:hiddenFill xmlns="" xmlns:a14="http://schemas.microsoft.com/office/drawing/2010/main">
+              <a14:hiddenFill xmlns:a14="http://schemas.microsoft.com/office/drawing/2010/main" xmlns="">
                 <a:solidFill>
                   <a:srgbClr val="FFFFFF"/>
                 </a:solidFill>
               </a14:hiddenFill>
             </a:ext>
             <a:ext uri="{91240B29-F687-4f45-9708-019B960494DF}">
-              <a14:hiddenLine xmlns="" xmlns:a14="http://schemas.microsoft.com/office/drawing/2010/main" w="9525">
+              <a14:hiddenLine xmlns:a14="http://schemas.microsoft.com/office/drawing/2010/main" xmlns="" w="9525">
                 <a:solidFill>
                   <a:srgbClr val="000000"/>
                 </a:solidFill>
@@ -3625,14 +3625,14 @@
           <a:noFill/>
           <a:extLst>
             <a:ext uri="{909E8E84-426E-40dd-AFC4-6F175D3DCCD1}">
-              <a14:hiddenFill xmlns="" xmlns:a14="http://schemas.microsoft.com/office/drawing/2010/main">
+              <a14:hiddenFill xmlns:a14="http://schemas.microsoft.com/office/drawing/2010/main" xmlns="">
                 <a:solidFill>
                   <a:srgbClr val="FFFFFF"/>
                 </a:solidFill>
               </a14:hiddenFill>
             </a:ext>
             <a:ext uri="{91240B29-F687-4f45-9708-019B960494DF}">
-              <a14:hiddenLine xmlns="" xmlns:a14="http://schemas.microsoft.com/office/drawing/2010/main" w="9525">
+              <a14:hiddenLine xmlns:a14="http://schemas.microsoft.com/office/drawing/2010/main" xmlns="" w="9525">
                 <a:solidFill>
                   <a:srgbClr val="000000"/>
                 </a:solidFill>
@@ -3813,10 +3813,10 @@
           </a:ln>
           <a:extLst>
             <a:ext uri="{FAA26D3D-D897-4be2-8F04-BA451C77F1D7}">
-              <ma14:placeholderFlag xmlns:ma14="http://schemas.microsoft.com/office/mac/drawingml/2011/main" xmlns="" val="1"/>
+              <ma14:placeholderFlag xmlns="" xmlns:ma14="http://schemas.microsoft.com/office/mac/drawingml/2011/main" val="1"/>
             </a:ext>
             <a:ext uri="{909E8E84-426E-40dd-AFC4-6F175D3DCCD1}">
-              <a14:hiddenFill xmlns="" xmlns:a14="http://schemas.microsoft.com/office/drawing/2010/main">
+              <a14:hiddenFill xmlns:a14="http://schemas.microsoft.com/office/drawing/2010/main" xmlns="">
                 <a:solidFill>
                   <a:srgbClr val="FFFFFF"/>
                 </a:solidFill>
@@ -3839,14 +3839,14 @@
           <a:noFill/>
           <a:extLst>
             <a:ext uri="{909E8E84-426E-40dd-AFC4-6F175D3DCCD1}">
-              <a14:hiddenFill xmlns="" xmlns:a14="http://schemas.microsoft.com/office/drawing/2010/main">
+              <a14:hiddenFill xmlns:a14="http://schemas.microsoft.com/office/drawing/2010/main" xmlns="">
                 <a:solidFill>
                   <a:srgbClr val="FFFFFF"/>
                 </a:solidFill>
               </a14:hiddenFill>
             </a:ext>
             <a:ext uri="{91240B29-F687-4f45-9708-019B960494DF}">
-              <a14:hiddenLine xmlns="" xmlns:a14="http://schemas.microsoft.com/office/drawing/2010/main" w="9525">
+              <a14:hiddenLine xmlns:a14="http://schemas.microsoft.com/office/drawing/2010/main" xmlns="" w="9525">
                 <a:solidFill>
                   <a:srgbClr val="000000"/>
                 </a:solidFill>
@@ -3888,14 +3888,14 @@
           <a:noFill/>
           <a:extLst>
             <a:ext uri="{909E8E84-426E-40dd-AFC4-6F175D3DCCD1}">
-              <a14:hiddenFill xmlns="" xmlns:a14="http://schemas.microsoft.com/office/drawing/2010/main">
+              <a14:hiddenFill xmlns:a14="http://schemas.microsoft.com/office/drawing/2010/main" xmlns="">
                 <a:solidFill>
                   <a:srgbClr val="FFFFFF"/>
                 </a:solidFill>
               </a14:hiddenFill>
             </a:ext>
             <a:ext uri="{91240B29-F687-4f45-9708-019B960494DF}">
-              <a14:hiddenLine xmlns="" xmlns:a14="http://schemas.microsoft.com/office/drawing/2010/main" w="9525">
+              <a14:hiddenLine xmlns:a14="http://schemas.microsoft.com/office/drawing/2010/main" xmlns="" w="9525">
                 <a:solidFill>
                   <a:srgbClr val="000000"/>
                 </a:solidFill>
@@ -8997,47 +8997,47 @@
         <p:spPr/>
         <p:txBody>
           <a:bodyPr>
-            <a:normAutofit fontScale="90000"/>
+            <a:noAutofit/>
           </a:bodyPr>
           <a:lstStyle/>
           <a:p>
             <a:pPr eaLnBrk="1" hangingPunct="1"/>
             <a:r>
-              <a:rPr lang="en-GB" b="1" dirty="0">
+              <a:rPr lang="en-GB" dirty="0">
                 <a:latin typeface="Calibri" charset="0"/>
               </a:rPr>
               <a:t>Managing your code: quietly introducing </a:t>
             </a:r>
             <a:r>
-              <a:rPr lang="en-GB" b="1" i="1" dirty="0">
+              <a:rPr lang="en-GB" i="1" dirty="0">
                 <a:latin typeface="Calibri" charset="0"/>
               </a:rPr>
               <a:t>Git</a:t>
             </a:r>
             <a:r>
-              <a:rPr lang="en-GB" b="1" dirty="0">
+              <a:rPr lang="en-GB" dirty="0">
                 <a:latin typeface="Calibri" charset="0"/>
               </a:rPr>
               <a:t> - a friend for </a:t>
             </a:r>
             <a:r>
-              <a:rPr lang="en-GB" b="1" dirty="0" smtClean="0">
+              <a:rPr lang="en-GB" dirty="0" smtClean="0">
                 <a:latin typeface="Calibri" charset="0"/>
               </a:rPr>
               <a:t>life</a:t>
             </a:r>
             <a:br>
-              <a:rPr lang="en-GB" b="1" dirty="0" smtClean="0">
+              <a:rPr lang="en-GB" dirty="0" smtClean="0">
                 <a:latin typeface="Calibri" charset="0"/>
               </a:rPr>
             </a:br>
             <a:r>
-              <a:rPr lang="en-GB" b="1" dirty="0" smtClean="0">
+              <a:rPr lang="en-GB" dirty="0" smtClean="0">
                 <a:latin typeface="Calibri" charset="0"/>
               </a:rPr>
               <a:t>Part 2</a:t>
             </a:r>
-            <a:endParaRPr lang="en-GB" b="1" dirty="0">
+            <a:endParaRPr lang="en-GB" dirty="0">
               <a:latin typeface="Calibri" charset="0"/>
             </a:endParaRPr>
           </a:p>
@@ -9261,7 +9261,7 @@
           </a:ln>
           <a:extLst>
             <a:ext uri="{909E8E84-426E-40dd-AFC4-6F175D3DCCD1}">
-              <a14:hiddenFill xmlns="" xmlns:a14="http://schemas.microsoft.com/office/drawing/2010/main">
+              <a14:hiddenFill xmlns:a14="http://schemas.microsoft.com/office/drawing/2010/main" xmlns="">
                 <a:solidFill>
                   <a:schemeClr val="accent1"/>
                 </a:solidFill>
@@ -9358,7 +9358,7 @@
           </a:ln>
           <a:extLst>
             <a:ext uri="{909E8E84-426E-40dd-AFC4-6F175D3DCCD1}">
-              <a14:hiddenFill xmlns="" xmlns:a14="http://schemas.microsoft.com/office/drawing/2010/main">
+              <a14:hiddenFill xmlns:a14="http://schemas.microsoft.com/office/drawing/2010/main" xmlns="">
                 <a:solidFill>
                   <a:schemeClr val="accent1"/>
                 </a:solidFill>
@@ -9455,7 +9455,7 @@
           </a:ln>
           <a:extLst>
             <a:ext uri="{909E8E84-426E-40dd-AFC4-6F175D3DCCD1}">
-              <a14:hiddenFill xmlns="" xmlns:a14="http://schemas.microsoft.com/office/drawing/2010/main">
+              <a14:hiddenFill xmlns:a14="http://schemas.microsoft.com/office/drawing/2010/main" xmlns="">
                 <a:solidFill>
                   <a:schemeClr val="accent1"/>
                 </a:solidFill>
@@ -9558,10 +9558,10 @@
           </a:ln>
           <a:extLst>
             <a:ext uri="{FAA26D3D-D897-4be2-8F04-BA451C77F1D7}">
-              <ma14:placeholderFlag xmlns:ma14="http://schemas.microsoft.com/office/mac/drawingml/2011/main" xmlns="" val="1"/>
+              <ma14:placeholderFlag xmlns="" xmlns:ma14="http://schemas.microsoft.com/office/mac/drawingml/2011/main" val="1"/>
             </a:ext>
             <a:ext uri="{909E8E84-426E-40dd-AFC4-6F175D3DCCD1}">
-              <a14:hiddenFill xmlns="" xmlns:a14="http://schemas.microsoft.com/office/drawing/2010/main">
+              <a14:hiddenFill xmlns:a14="http://schemas.microsoft.com/office/drawing/2010/main" xmlns="">
                 <a:solidFill>
                   <a:schemeClr val="accent1"/>
                 </a:solidFill>
@@ -9924,7 +9924,7 @@
           </a:ln>
           <a:extLst>
             <a:ext uri="{909E8E84-426E-40dd-AFC4-6F175D3DCCD1}">
-              <a14:hiddenFill xmlns="" xmlns:a14="http://schemas.microsoft.com/office/drawing/2010/main">
+              <a14:hiddenFill xmlns:a14="http://schemas.microsoft.com/office/drawing/2010/main" xmlns="">
                 <a:solidFill>
                   <a:schemeClr val="accent1"/>
                 </a:solidFill>
@@ -10093,8 +10093,29 @@
               <a:rPr lang="en-GB" dirty="0">
                 <a:latin typeface="Calibri" charset="0"/>
               </a:rPr>
-              <a:t>Navigate to "Repositories" and click "New".</a:t>
-            </a:r>
+              <a:t>Navigate to </a:t>
+            </a:r>
+            <a:r>
+              <a:rPr lang="en-GB" dirty="0" smtClean="0">
+                <a:latin typeface="Calibri" charset="0"/>
+              </a:rPr>
+              <a:t>"Repositories" </a:t>
+            </a:r>
+            <a:r>
+              <a:rPr lang="en-GB" dirty="0">
+                <a:latin typeface="Calibri" charset="0"/>
+              </a:rPr>
+              <a:t>and click </a:t>
+            </a:r>
+            <a:r>
+              <a:rPr lang="en-GB" dirty="0" smtClean="0">
+                <a:latin typeface="Calibri" charset="0"/>
+              </a:rPr>
+              <a:t>"New".</a:t>
+            </a:r>
+            <a:endParaRPr lang="en-GB" dirty="0">
+              <a:latin typeface="Calibri" charset="0"/>
+            </a:endParaRPr>
           </a:p>
         </p:txBody>
       </p:sp>
@@ -10601,7 +10622,7 @@
                 <a:latin typeface="Courier New" panose="02070309020205020404" pitchFamily="49" charset="0"/>
                 <a:cs typeface="Courier New" panose="02070309020205020404" pitchFamily="49" charset="0"/>
               </a:rPr>
-              <a:t>m’Initial</a:t>
+              <a:t>m'Initial</a:t>
             </a:r>
             <a:r>
               <a:rPr lang="en-US" sz="1800" b="1" dirty="0" smtClean="0">
@@ -10611,7 +10632,27 @@
                 <a:latin typeface="Courier New" panose="02070309020205020404" pitchFamily="49" charset="0"/>
                 <a:cs typeface="Courier New" panose="02070309020205020404" pitchFamily="49" charset="0"/>
               </a:rPr>
-              <a:t> commit from existing files'</a:t>
+              <a:t> </a:t>
+            </a:r>
+            <a:r>
+              <a:rPr lang="en-US" sz="1800" b="1" dirty="0" smtClean="0">
+                <a:solidFill>
+                  <a:srgbClr val="FFFF00"/>
+                </a:solidFill>
+                <a:latin typeface="Courier New" panose="02070309020205020404" pitchFamily="49" charset="0"/>
+                <a:cs typeface="Courier New" panose="02070309020205020404" pitchFamily="49" charset="0"/>
+              </a:rPr>
+              <a:t>commit from existing </a:t>
+            </a:r>
+            <a:r>
+              <a:rPr lang="en-US" sz="1800" b="1" dirty="0" smtClean="0">
+                <a:solidFill>
+                  <a:srgbClr val="FFFF00"/>
+                </a:solidFill>
+                <a:latin typeface="Courier New" panose="02070309020205020404" pitchFamily="49" charset="0"/>
+                <a:cs typeface="Courier New" panose="02070309020205020404" pitchFamily="49" charset="0"/>
+              </a:rPr>
+              <a:t>files'</a:t>
             </a:r>
             <a:endParaRPr lang="en-US" sz="1800" b="1" dirty="0">
               <a:solidFill>
@@ -11133,7 +11174,55 @@
                 <a:latin typeface="Courier New" charset="0"/>
                 <a:cs typeface="Courier New" charset="0"/>
               </a:rPr>
-              <a:t>	$ echo "hello world" &gt; </a:t>
+              <a:t>	$ echo </a:t>
+            </a:r>
+            <a:r>
+              <a:rPr lang="en-GB" sz="2400" dirty="0" smtClean="0">
+                <a:solidFill>
+                  <a:schemeClr val="bg1"/>
+                </a:solidFill>
+                <a:latin typeface="Courier New" charset="0"/>
+                <a:cs typeface="Courier New" charset="0"/>
+              </a:rPr>
+              <a:t>"hello world" </a:t>
+            </a:r>
+            <a:r>
+              <a:rPr lang="en-GB" sz="2400" dirty="0">
+                <a:solidFill>
+                  <a:schemeClr val="bg1"/>
+                </a:solidFill>
+                <a:latin typeface="Courier New" charset="0"/>
+                <a:cs typeface="Courier New" charset="0"/>
+              </a:rPr>
+              <a:t>&gt; hello.txt</a:t>
+            </a:r>
+          </a:p>
+          <a:p>
+            <a:pPr marL="0" indent="0">
+              <a:buFont typeface="Arial" charset="0"/>
+              <a:buNone/>
+            </a:pPr>
+            <a:r>
+              <a:rPr lang="en-GB" dirty="0">
+                <a:latin typeface="Calibri" charset="0"/>
+              </a:rPr>
+              <a:t>3. Tell Git about the file:</a:t>
+            </a:r>
+          </a:p>
+          <a:p>
+            <a:pPr marL="0" indent="0">
+              <a:buFont typeface="Arial" charset="0"/>
+              <a:buNone/>
+            </a:pPr>
+            <a:r>
+              <a:rPr lang="en-GB" sz="2400" dirty="0">
+                <a:solidFill>
+                  <a:schemeClr val="bg1"/>
+                </a:solidFill>
+                <a:latin typeface="Courier New" charset="0"/>
+                <a:cs typeface="Courier New" charset="0"/>
+              </a:rPr>
+              <a:t>	$ git add </a:t>
             </a:r>
             <a:r>
               <a:rPr lang="en-GB" sz="2400" dirty="0" err="1">
@@ -11162,7 +11251,31 @@
               <a:rPr lang="en-GB" dirty="0">
                 <a:latin typeface="Calibri" charset="0"/>
               </a:rPr>
-              <a:t>3. Tell Git about the file:</a:t>
+              <a:t>4. Commit the file to the </a:t>
+            </a:r>
+            <a:r>
+              <a:rPr lang="en-GB" b="1" dirty="0">
+                <a:solidFill>
+                  <a:srgbClr val="FF0000"/>
+                </a:solidFill>
+                <a:latin typeface="Calibri" charset="0"/>
+              </a:rPr>
+              <a:t>local</a:t>
+            </a:r>
+            <a:r>
+              <a:rPr lang="en-GB" dirty="0">
+                <a:solidFill>
+                  <a:srgbClr val="FF0000"/>
+                </a:solidFill>
+                <a:latin typeface="Calibri" charset="0"/>
+              </a:rPr>
+              <a:t> </a:t>
+            </a:r>
+            <a:r>
+              <a:rPr lang="en-GB" dirty="0">
+                <a:latin typeface="Calibri" charset="0"/>
+              </a:rPr>
+              <a:t>Git repository:</a:t>
             </a:r>
           </a:p>
           <a:p>
@@ -11178,17 +11291,17 @@
                 <a:latin typeface="Courier New" charset="0"/>
                 <a:cs typeface="Courier New" charset="0"/>
               </a:rPr>
-              <a:t>	$ git add </a:t>
-            </a:r>
-            <a:r>
-              <a:rPr lang="en-GB" sz="2400" dirty="0" err="1">
+              <a:t>	$ git commit -m </a:t>
+            </a:r>
+            <a:r>
+              <a:rPr lang="en-GB" sz="2400" dirty="0" smtClean="0">
                 <a:solidFill>
                   <a:schemeClr val="bg1"/>
                 </a:solidFill>
                 <a:latin typeface="Courier New" charset="0"/>
                 <a:cs typeface="Courier New" charset="0"/>
               </a:rPr>
-              <a:t>hello.txt</a:t>
+              <a:t>"added hello"</a:t>
             </a:r>
             <a:endParaRPr lang="en-GB" sz="2400" dirty="0">
               <a:solidFill>
@@ -11197,58 +11310,6 @@
               <a:latin typeface="Courier New" charset="0"/>
               <a:cs typeface="Courier New" charset="0"/>
             </a:endParaRPr>
-          </a:p>
-          <a:p>
-            <a:pPr marL="0" indent="0">
-              <a:buFont typeface="Arial" charset="0"/>
-              <a:buNone/>
-            </a:pPr>
-            <a:r>
-              <a:rPr lang="en-GB" dirty="0">
-                <a:latin typeface="Calibri" charset="0"/>
-              </a:rPr>
-              <a:t>4. Commit the file to the </a:t>
-            </a:r>
-            <a:r>
-              <a:rPr lang="en-GB" b="1" dirty="0">
-                <a:solidFill>
-                  <a:srgbClr val="FF0000"/>
-                </a:solidFill>
-                <a:latin typeface="Calibri" charset="0"/>
-              </a:rPr>
-              <a:t>local</a:t>
-            </a:r>
-            <a:r>
-              <a:rPr lang="en-GB" dirty="0">
-                <a:solidFill>
-                  <a:srgbClr val="FF0000"/>
-                </a:solidFill>
-                <a:latin typeface="Calibri" charset="0"/>
-              </a:rPr>
-              <a:t> </a:t>
-            </a:r>
-            <a:r>
-              <a:rPr lang="en-GB" dirty="0">
-                <a:latin typeface="Calibri" charset="0"/>
-              </a:rPr>
-              <a:t>Git repository:</a:t>
-            </a:r>
-          </a:p>
-          <a:p>
-            <a:pPr marL="0" indent="0">
-              <a:buFont typeface="Arial" charset="0"/>
-              <a:buNone/>
-            </a:pPr>
-            <a:r>
-              <a:rPr lang="en-GB" sz="2400" dirty="0">
-                <a:solidFill>
-                  <a:schemeClr val="bg1"/>
-                </a:solidFill>
-                <a:latin typeface="Courier New" charset="0"/>
-                <a:cs typeface="Courier New" charset="0"/>
-              </a:rPr>
-              <a:t>	$ git commit -m "added hello"</a:t>
-            </a:r>
           </a:p>
           <a:p>
             <a:pPr marL="0" indent="0">
@@ -11677,14 +11738,14 @@
           </a:ln>
           <a:extLst>
             <a:ext uri="{909E8E84-426E-40dd-AFC4-6F175D3DCCD1}">
-              <a14:hiddenFill xmlns="" xmlns:a14="http://schemas.microsoft.com/office/drawing/2010/main">
+              <a14:hiddenFill xmlns:a14="http://schemas.microsoft.com/office/drawing/2010/main" xmlns="">
                 <a:solidFill>
                   <a:srgbClr val="FFFFFF"/>
                 </a:solidFill>
               </a14:hiddenFill>
             </a:ext>
             <a:ext uri="{91240B29-F687-4f45-9708-019B960494DF}">
-              <a14:hiddenLine xmlns="" xmlns:a14="http://schemas.microsoft.com/office/drawing/2010/main" w="9525">
+              <a14:hiddenLine xmlns:a14="http://schemas.microsoft.com/office/drawing/2010/main" xmlns="" w="9525">
                 <a:solidFill>
                   <a:srgbClr val="000000"/>
                 </a:solidFill>
@@ -12404,10 +12465,16 @@
               <a:rPr lang="en-GB" sz="2800" dirty="0">
                 <a:latin typeface="Calibri" charset="0"/>
               </a:rPr>
-              <a:t>Create “</a:t>
-            </a:r>
-            <a:r>
-              <a:rPr lang="en-GB" sz="2800" i="1" dirty="0" err="1">
+              <a:t>Create </a:t>
+            </a:r>
+            <a:r>
+              <a:rPr lang="en-GB" sz="2800" dirty="0" smtClean="0">
+                <a:latin typeface="Calibri" charset="0"/>
+              </a:rPr>
+              <a:t>"</a:t>
+            </a:r>
+            <a:r>
+              <a:rPr lang="en-GB" sz="2800" i="1" dirty="0" err="1" smtClean="0">
                 <a:solidFill>
                   <a:srgbClr val="376092"/>
                 </a:solidFill>
@@ -12416,10 +12483,16 @@
               <a:t>working_dir</a:t>
             </a:r>
             <a:r>
+              <a:rPr lang="en-GB" sz="2800" dirty="0" smtClean="0">
+                <a:latin typeface="Calibri" charset="0"/>
+              </a:rPr>
+              <a:t>"...</a:t>
+            </a:r>
+            <a:r>
               <a:rPr lang="en-GB" sz="2800" dirty="0">
                 <a:latin typeface="Calibri" charset="0"/>
               </a:rPr>
-              <a:t>”...add some code</a:t>
+              <a:t>add some code</a:t>
             </a:r>
           </a:p>
           <a:p>
@@ -12443,10 +12516,16 @@
               <a:rPr lang="en-GB" sz="2800" dirty="0">
                 <a:latin typeface="Calibri" charset="0"/>
               </a:rPr>
-              <a:t>Copy “</a:t>
-            </a:r>
-            <a:r>
-              <a:rPr lang="en-GB" sz="2800" i="1" dirty="0" err="1">
+              <a:t>Copy </a:t>
+            </a:r>
+            <a:r>
+              <a:rPr lang="en-GB" sz="2800" dirty="0" smtClean="0">
+                <a:latin typeface="Calibri" charset="0"/>
+              </a:rPr>
+              <a:t>"</a:t>
+            </a:r>
+            <a:r>
+              <a:rPr lang="en-GB" sz="2800" i="1" dirty="0" err="1" smtClean="0">
                 <a:solidFill>
                   <a:srgbClr val="376092"/>
                 </a:solidFill>
@@ -12455,13 +12534,25 @@
               <a:t>working_dir</a:t>
             </a:r>
             <a:r>
+              <a:rPr lang="en-GB" sz="2800" dirty="0" smtClean="0">
+                <a:latin typeface="Calibri" charset="0"/>
+              </a:rPr>
+              <a:t>" </a:t>
+            </a:r>
+            <a:r>
               <a:rPr lang="en-GB" sz="2800" dirty="0">
                 <a:latin typeface="Calibri" charset="0"/>
               </a:rPr>
-              <a:t>” to “</a:t>
-            </a:r>
-            <a:r>
-              <a:rPr lang="en-GB" sz="2800" i="1" dirty="0">
+              <a:t>to </a:t>
+            </a:r>
+            <a:r>
+              <a:rPr lang="en-GB" sz="2800" dirty="0" smtClean="0">
+                <a:latin typeface="Calibri" charset="0"/>
+              </a:rPr>
+              <a:t>"</a:t>
+            </a:r>
+            <a:r>
+              <a:rPr lang="en-GB" sz="2800" i="1" dirty="0" smtClean="0">
                 <a:solidFill>
                   <a:srgbClr val="376092"/>
                 </a:solidFill>
@@ -12470,11 +12561,14 @@
               <a:t>working_dir2</a:t>
             </a:r>
             <a:r>
-              <a:rPr lang="en-GB" sz="2800" dirty="0">
-                <a:latin typeface="Calibri" charset="0"/>
-              </a:rPr>
-              <a:t>”</a:t>
-            </a:r>
+              <a:rPr lang="en-GB" sz="2800" dirty="0" smtClean="0">
+                <a:latin typeface="Calibri" charset="0"/>
+              </a:rPr>
+              <a:t>"</a:t>
+            </a:r>
+            <a:endParaRPr lang="en-GB" sz="2800" dirty="0">
+              <a:latin typeface="Calibri" charset="0"/>
+            </a:endParaRPr>
           </a:p>
           <a:p>
             <a:r>
@@ -12516,31 +12610,49 @@
               <a:t>...now which version is current? Is it </a:t>
             </a:r>
             <a:r>
+              <a:rPr lang="en-GB" sz="2800" i="1" dirty="0" smtClean="0">
+                <a:solidFill>
+                  <a:srgbClr val="002060"/>
+                </a:solidFill>
+                <a:latin typeface="Calibri" charset="0"/>
+              </a:rPr>
+              <a:t>"</a:t>
+            </a:r>
+            <a:r>
+              <a:rPr lang="en-GB" sz="2800" i="1" dirty="0" err="1" smtClean="0">
+                <a:solidFill>
+                  <a:srgbClr val="002060"/>
+                </a:solidFill>
+                <a:latin typeface="Calibri" charset="0"/>
+              </a:rPr>
+              <a:t>working_dir</a:t>
+            </a:r>
+            <a:r>
+              <a:rPr lang="en-GB" sz="2800" i="1" dirty="0" smtClean="0">
+                <a:solidFill>
+                  <a:srgbClr val="002060"/>
+                </a:solidFill>
+                <a:latin typeface="Calibri" charset="0"/>
+              </a:rPr>
+              <a:t>" </a:t>
+            </a:r>
+            <a:r>
               <a:rPr lang="en-GB" sz="2800" i="1" dirty="0">
                 <a:solidFill>
                   <a:srgbClr val="002060"/>
                 </a:solidFill>
                 <a:latin typeface="Calibri" charset="0"/>
               </a:rPr>
-              <a:t>“</a:t>
-            </a:r>
-            <a:r>
-              <a:rPr lang="en-GB" sz="2800" i="1" dirty="0" err="1">
+              <a:t>or </a:t>
+            </a:r>
+            <a:r>
+              <a:rPr lang="en-GB" sz="2800" i="1" dirty="0" smtClean="0">
                 <a:solidFill>
                   <a:srgbClr val="002060"/>
                 </a:solidFill>
                 <a:latin typeface="Calibri" charset="0"/>
               </a:rPr>
-              <a:t>working_dir</a:t>
-            </a:r>
-            <a:r>
-              <a:rPr lang="en-GB" sz="2800" i="1" dirty="0">
-                <a:solidFill>
-                  <a:srgbClr val="002060"/>
-                </a:solidFill>
-                <a:latin typeface="Calibri" charset="0"/>
-              </a:rPr>
-              <a:t>” or “working_dir2”? </a:t>
+              <a:t>"working_dir2"? </a:t>
             </a:r>
             <a:r>
               <a:rPr lang="en-GB" sz="2800" i="1" dirty="0">
@@ -12929,10 +13041,16 @@
           <a:lstStyle/>
           <a:p>
             <a:r>
+              <a:rPr lang="en-GB" dirty="0" smtClean="0">
+                <a:latin typeface="Calibri" charset="0"/>
+              </a:rPr>
+              <a:t>Let's </a:t>
+            </a:r>
+            <a:r>
               <a:rPr lang="en-GB" dirty="0">
                 <a:latin typeface="Calibri" charset="0"/>
               </a:rPr>
-              <a:t>Let's look on GitHub</a:t>
+              <a:t>look on GitHub</a:t>
             </a:r>
           </a:p>
         </p:txBody>
@@ -13031,17 +13149,17 @@
           </a:ln>
           <a:extLst>
             <a:ext uri="{FAA26D3D-D897-4be2-8F04-BA451C77F1D7}">
-              <ma14:placeholderFlag xmlns:ma14="http://schemas.microsoft.com/office/mac/drawingml/2011/main" xmlns="" val="1"/>
+              <ma14:placeholderFlag xmlns="" xmlns:ma14="http://schemas.microsoft.com/office/mac/drawingml/2011/main" val="1"/>
             </a:ext>
             <a:ext uri="{909E8E84-426E-40dd-AFC4-6F175D3DCCD1}">
-              <a14:hiddenFill xmlns="" xmlns:a14="http://schemas.microsoft.com/office/drawing/2010/main">
+              <a14:hiddenFill xmlns:a14="http://schemas.microsoft.com/office/drawing/2010/main" xmlns="">
                 <a:solidFill>
                   <a:srgbClr val="FFFFFF"/>
                 </a:solidFill>
               </a14:hiddenFill>
             </a:ext>
             <a:ext uri="{91240B29-F687-4f45-9708-019B960494DF}">
-              <a14:hiddenLine xmlns="" xmlns:a14="http://schemas.microsoft.com/office/drawing/2010/main" w="9525">
+              <a14:hiddenLine xmlns:a14="http://schemas.microsoft.com/office/drawing/2010/main" xmlns="" w="9525">
                 <a:solidFill>
                   <a:srgbClr val="000000"/>
                 </a:solidFill>
@@ -13577,25 +13695,28 @@
                 <a:latin typeface="Courier New" panose="02070309020205020404" pitchFamily="49" charset="0"/>
                 <a:cs typeface="Courier New" panose="02070309020205020404" pitchFamily="49" charset="0"/>
               </a:rPr>
-              <a:t>echo "hi" &gt; </a:t>
-            </a:r>
-            <a:r>
-              <a:rPr lang="en-US" sz="2400" b="1" dirty="0" err="1">
+              <a:t>echo </a:t>
+            </a:r>
+            <a:r>
+              <a:rPr lang="en-US" sz="2400" b="1" dirty="0" smtClean="0">
                 <a:solidFill>
                   <a:srgbClr val="FFFF00"/>
                 </a:solidFill>
                 <a:latin typeface="Courier New" panose="02070309020205020404" pitchFamily="49" charset="0"/>
                 <a:cs typeface="Courier New" panose="02070309020205020404" pitchFamily="49" charset="0"/>
               </a:rPr>
-              <a:t>hi.txt</a:t>
-            </a:r>
-            <a:endParaRPr lang="en-US" sz="2400" b="1" dirty="0">
-              <a:solidFill>
-                <a:srgbClr val="FFFF00"/>
-              </a:solidFill>
-              <a:latin typeface="Courier New" panose="02070309020205020404" pitchFamily="49" charset="0"/>
-              <a:cs typeface="Courier New" panose="02070309020205020404" pitchFamily="49" charset="0"/>
-            </a:endParaRPr>
+              <a:t>"hi" </a:t>
+            </a:r>
+            <a:r>
+              <a:rPr lang="en-US" sz="2400" b="1" dirty="0">
+                <a:solidFill>
+                  <a:srgbClr val="FFFF00"/>
+                </a:solidFill>
+                <a:latin typeface="Courier New" panose="02070309020205020404" pitchFamily="49" charset="0"/>
+                <a:cs typeface="Courier New" panose="02070309020205020404" pitchFamily="49" charset="0"/>
+              </a:rPr>
+              <a:t>&gt; hi.txt</a:t>
+            </a:r>
           </a:p>
           <a:p>
             <a:pPr marL="0" indent="0">
@@ -13616,7 +13737,27 @@
                 <a:latin typeface="Courier New" panose="02070309020205020404" pitchFamily="49" charset="0"/>
                 <a:cs typeface="Courier New" panose="02070309020205020404" pitchFamily="49" charset="0"/>
               </a:rPr>
-              <a:t>echo "testing..." &gt; </a:t>
+              <a:t>echo </a:t>
+            </a:r>
+            <a:r>
+              <a:rPr lang="en-US" sz="2400" b="1" dirty="0" smtClean="0">
+                <a:solidFill>
+                  <a:srgbClr val="FFFF00"/>
+                </a:solidFill>
+                <a:latin typeface="Courier New" panose="02070309020205020404" pitchFamily="49" charset="0"/>
+                <a:cs typeface="Courier New" panose="02070309020205020404" pitchFamily="49" charset="0"/>
+              </a:rPr>
+              <a:t>"testing..." </a:t>
+            </a:r>
+            <a:r>
+              <a:rPr lang="en-US" sz="2400" b="1" dirty="0">
+                <a:solidFill>
+                  <a:srgbClr val="FFFF00"/>
+                </a:solidFill>
+                <a:latin typeface="Courier New" panose="02070309020205020404" pitchFamily="49" charset="0"/>
+                <a:cs typeface="Courier New" panose="02070309020205020404" pitchFamily="49" charset="0"/>
+              </a:rPr>
+              <a:t>&gt; </a:t>
             </a:r>
             <a:r>
               <a:rPr lang="en-US" sz="2400" b="1" dirty="0" err="1">
@@ -13883,54 +14024,18 @@
                 <a:latin typeface="Courier New" panose="02070309020205020404" pitchFamily="49" charset="0"/>
                 <a:cs typeface="Courier New" panose="02070309020205020404" pitchFamily="49" charset="0"/>
               </a:rPr>
-              <a:t>Your branch is up-to-date with 'origin/master'.</a:t>
-            </a:r>
-          </a:p>
-          <a:p>
-            <a:r>
-              <a:rPr lang="en-US" dirty="0">
+              <a:t>Your branch is up-to-date with </a:t>
+            </a:r>
+            <a:r>
+              <a:rPr lang="en-US" dirty="0" smtClean="0">
                 <a:solidFill>
                   <a:srgbClr val="FFFFFF"/>
                 </a:solidFill>
                 <a:latin typeface="Courier New" panose="02070309020205020404" pitchFamily="49" charset="0"/>
                 <a:cs typeface="Courier New" panose="02070309020205020404" pitchFamily="49" charset="0"/>
               </a:rPr>
-              <a:t>Untracked files:</a:t>
-            </a:r>
-          </a:p>
-          <a:p>
-            <a:r>
-              <a:rPr lang="en-US" dirty="0">
-                <a:solidFill>
-                  <a:srgbClr val="FFFFFF"/>
-                </a:solidFill>
-                <a:latin typeface="Courier New" panose="02070309020205020404" pitchFamily="49" charset="0"/>
-                <a:cs typeface="Courier New" panose="02070309020205020404" pitchFamily="49" charset="0"/>
-              </a:rPr>
-              <a:t>  (use "</a:t>
-            </a:r>
-            <a:r>
-              <a:rPr lang="en-US" dirty="0" err="1">
-                <a:solidFill>
-                  <a:srgbClr val="FFFFFF"/>
-                </a:solidFill>
-                <a:latin typeface="Courier New" panose="02070309020205020404" pitchFamily="49" charset="0"/>
-                <a:cs typeface="Courier New" panose="02070309020205020404" pitchFamily="49" charset="0"/>
-              </a:rPr>
-              <a:t>git</a:t>
-            </a:r>
-            <a:r>
-              <a:rPr lang="en-US" dirty="0">
-                <a:solidFill>
-                  <a:srgbClr val="FFFFFF"/>
-                </a:solidFill>
-                <a:latin typeface="Courier New" panose="02070309020205020404" pitchFamily="49" charset="0"/>
-                <a:cs typeface="Courier New" panose="02070309020205020404" pitchFamily="49" charset="0"/>
-              </a:rPr>
-              <a:t> add &lt;file&gt;..." to include in what will be committed)</a:t>
-            </a:r>
-          </a:p>
-          <a:p>
+              <a:t>'origin/master'.</a:t>
+            </a:r>
             <a:endParaRPr lang="en-US" dirty="0">
               <a:solidFill>
                 <a:srgbClr val="FFFFFF"/>
@@ -13948,6 +14053,99 @@
                 <a:latin typeface="Courier New" panose="02070309020205020404" pitchFamily="49" charset="0"/>
                 <a:cs typeface="Courier New" panose="02070309020205020404" pitchFamily="49" charset="0"/>
               </a:rPr>
+              <a:t>Untracked files:</a:t>
+            </a:r>
+          </a:p>
+          <a:p>
+            <a:r>
+              <a:rPr lang="en-US" dirty="0">
+                <a:solidFill>
+                  <a:srgbClr val="FFFFFF"/>
+                </a:solidFill>
+                <a:latin typeface="Courier New" panose="02070309020205020404" pitchFamily="49" charset="0"/>
+                <a:cs typeface="Courier New" panose="02070309020205020404" pitchFamily="49" charset="0"/>
+              </a:rPr>
+              <a:t>  (use </a:t>
+            </a:r>
+            <a:r>
+              <a:rPr lang="en-US" dirty="0" smtClean="0">
+                <a:solidFill>
+                  <a:srgbClr val="FFFFFF"/>
+                </a:solidFill>
+                <a:latin typeface="Courier New" panose="02070309020205020404" pitchFamily="49" charset="0"/>
+                <a:cs typeface="Courier New" panose="02070309020205020404" pitchFamily="49" charset="0"/>
+              </a:rPr>
+              <a:t>"</a:t>
+            </a:r>
+            <a:r>
+              <a:rPr lang="en-US" dirty="0" err="1" smtClean="0">
+                <a:solidFill>
+                  <a:srgbClr val="FFFFFF"/>
+                </a:solidFill>
+                <a:latin typeface="Courier New" panose="02070309020205020404" pitchFamily="49" charset="0"/>
+                <a:cs typeface="Courier New" panose="02070309020205020404" pitchFamily="49" charset="0"/>
+              </a:rPr>
+              <a:t>git</a:t>
+            </a:r>
+            <a:r>
+              <a:rPr lang="en-US" dirty="0" smtClean="0">
+                <a:solidFill>
+                  <a:srgbClr val="FFFFFF"/>
+                </a:solidFill>
+                <a:latin typeface="Courier New" panose="02070309020205020404" pitchFamily="49" charset="0"/>
+                <a:cs typeface="Courier New" panose="02070309020205020404" pitchFamily="49" charset="0"/>
+              </a:rPr>
+              <a:t> </a:t>
+            </a:r>
+            <a:r>
+              <a:rPr lang="en-US" dirty="0">
+                <a:solidFill>
+                  <a:srgbClr val="FFFFFF"/>
+                </a:solidFill>
+                <a:latin typeface="Courier New" panose="02070309020205020404" pitchFamily="49" charset="0"/>
+                <a:cs typeface="Courier New" panose="02070309020205020404" pitchFamily="49" charset="0"/>
+              </a:rPr>
+              <a:t>add &lt;file</a:t>
+            </a:r>
+            <a:r>
+              <a:rPr lang="en-US" dirty="0" smtClean="0">
+                <a:solidFill>
+                  <a:srgbClr val="FFFFFF"/>
+                </a:solidFill>
+                <a:latin typeface="Courier New" panose="02070309020205020404" pitchFamily="49" charset="0"/>
+                <a:cs typeface="Courier New" panose="02070309020205020404" pitchFamily="49" charset="0"/>
+              </a:rPr>
+              <a:t>&gt;..." </a:t>
+            </a:r>
+            <a:r>
+              <a:rPr lang="en-US" dirty="0">
+                <a:solidFill>
+                  <a:srgbClr val="FFFFFF"/>
+                </a:solidFill>
+                <a:latin typeface="Courier New" panose="02070309020205020404" pitchFamily="49" charset="0"/>
+                <a:cs typeface="Courier New" panose="02070309020205020404" pitchFamily="49" charset="0"/>
+              </a:rPr>
+              <a:t>to include in what will be committed)</a:t>
+            </a:r>
+          </a:p>
+          <a:p>
+            <a:endParaRPr lang="en-US" dirty="0">
+              <a:solidFill>
+                <a:srgbClr val="FFFFFF"/>
+              </a:solidFill>
+              <a:latin typeface="Courier New" panose="02070309020205020404" pitchFamily="49" charset="0"/>
+              <a:cs typeface="Courier New" panose="02070309020205020404" pitchFamily="49" charset="0"/>
+            </a:endParaRPr>
+          </a:p>
+          <a:p>
+            <a:r>
+              <a:rPr lang="en-US" dirty="0">
+                <a:solidFill>
+                  <a:srgbClr val="FFFFFF"/>
+                </a:solidFill>
+                <a:latin typeface="Courier New" panose="02070309020205020404" pitchFamily="49" charset="0"/>
+                <a:cs typeface="Courier New" panose="02070309020205020404" pitchFamily="49" charset="0"/>
+              </a:rPr>
               <a:t>	</a:t>
             </a:r>
             <a:r>
@@ -14018,19 +14216,39 @@
                 <a:latin typeface="Courier New" panose="02070309020205020404" pitchFamily="49" charset="0"/>
                 <a:cs typeface="Courier New" panose="02070309020205020404" pitchFamily="49" charset="0"/>
               </a:rPr>
-              <a:t>nothing added to commit but untracked files present (use "</a:t>
-            </a:r>
-            <a:r>
-              <a:rPr lang="en-US" dirty="0" err="1">
+              <a:t>nothing added to commit but untracked files present (use </a:t>
+            </a:r>
+            <a:r>
+              <a:rPr lang="en-US" dirty="0" smtClean="0">
                 <a:solidFill>
                   <a:srgbClr val="FFFFFF"/>
                 </a:solidFill>
                 <a:latin typeface="Courier New" panose="02070309020205020404" pitchFamily="49" charset="0"/>
                 <a:cs typeface="Courier New" panose="02070309020205020404" pitchFamily="49" charset="0"/>
               </a:rPr>
+              <a:t>"</a:t>
+            </a:r>
+            <a:r>
+              <a:rPr lang="en-US" dirty="0" err="1" smtClean="0">
+                <a:solidFill>
+                  <a:srgbClr val="FFFFFF"/>
+                </a:solidFill>
+                <a:latin typeface="Courier New" panose="02070309020205020404" pitchFamily="49" charset="0"/>
+                <a:cs typeface="Courier New" panose="02070309020205020404" pitchFamily="49" charset="0"/>
+              </a:rPr>
               <a:t>git</a:t>
             </a:r>
             <a:r>
+              <a:rPr lang="en-US" dirty="0" smtClean="0">
+                <a:solidFill>
+                  <a:srgbClr val="FFFFFF"/>
+                </a:solidFill>
+                <a:latin typeface="Courier New" panose="02070309020205020404" pitchFamily="49" charset="0"/>
+                <a:cs typeface="Courier New" panose="02070309020205020404" pitchFamily="49" charset="0"/>
+              </a:rPr>
+              <a:t> add" </a:t>
+            </a:r>
+            <a:r>
               <a:rPr lang="en-US" dirty="0">
                 <a:solidFill>
                   <a:srgbClr val="FFFFFF"/>
@@ -14038,7 +14256,7 @@
                 <a:latin typeface="Courier New" panose="02070309020205020404" pitchFamily="49" charset="0"/>
                 <a:cs typeface="Courier New" panose="02070309020205020404" pitchFamily="49" charset="0"/>
               </a:rPr>
-              <a:t> add" to track)</a:t>
+              <a:t>to track)</a:t>
             </a:r>
           </a:p>
         </p:txBody>
@@ -14254,8 +14472,19 @@
                 <a:latin typeface="Courier New" panose="02070309020205020404" pitchFamily="49" charset="0"/>
                 <a:cs typeface="Courier New" panose="02070309020205020404" pitchFamily="49" charset="0"/>
               </a:rPr>
-              <a:t>Your branch is up-to-date with 'origin/master'.</a:t>
-            </a:r>
+              <a:t>Your branch is up-to-date with </a:t>
+            </a:r>
+            <a:r>
+              <a:rPr lang="en-US" sz="1800" dirty="0" smtClean="0">
+                <a:latin typeface="Courier New" panose="02070309020205020404" pitchFamily="49" charset="0"/>
+                <a:cs typeface="Courier New" panose="02070309020205020404" pitchFamily="49" charset="0"/>
+              </a:rPr>
+              <a:t>'origin/master'.</a:t>
+            </a:r>
+            <a:endParaRPr lang="en-US" sz="1800" dirty="0">
+              <a:latin typeface="Courier New" panose="02070309020205020404" pitchFamily="49" charset="0"/>
+              <a:cs typeface="Courier New" panose="02070309020205020404" pitchFamily="49" charset="0"/>
+            </a:endParaRPr>
           </a:p>
           <a:p>
             <a:pPr marL="0" indent="0">
@@ -14278,21 +14507,49 @@
                 <a:latin typeface="Courier New" panose="02070309020205020404" pitchFamily="49" charset="0"/>
                 <a:cs typeface="Courier New" panose="02070309020205020404" pitchFamily="49" charset="0"/>
               </a:rPr>
-              <a:t>  (use "</a:t>
-            </a:r>
-            <a:r>
-              <a:rPr lang="en-US" sz="1800" dirty="0" err="1">
+              <a:t>  (use </a:t>
+            </a:r>
+            <a:r>
+              <a:rPr lang="en-US" sz="1800" dirty="0" smtClean="0">
+                <a:latin typeface="Courier New" panose="02070309020205020404" pitchFamily="49" charset="0"/>
+                <a:cs typeface="Courier New" panose="02070309020205020404" pitchFamily="49" charset="0"/>
+              </a:rPr>
+              <a:t>"</a:t>
+            </a:r>
+            <a:r>
+              <a:rPr lang="en-US" sz="1800" dirty="0" err="1" smtClean="0">
                 <a:latin typeface="Courier New" panose="02070309020205020404" pitchFamily="49" charset="0"/>
                 <a:cs typeface="Courier New" panose="02070309020205020404" pitchFamily="49" charset="0"/>
               </a:rPr>
               <a:t>git</a:t>
             </a:r>
             <a:r>
+              <a:rPr lang="en-US" sz="1800" dirty="0" smtClean="0">
+                <a:latin typeface="Courier New" panose="02070309020205020404" pitchFamily="49" charset="0"/>
+                <a:cs typeface="Courier New" panose="02070309020205020404" pitchFamily="49" charset="0"/>
+              </a:rPr>
+              <a:t> </a:t>
+            </a:r>
+            <a:r>
               <a:rPr lang="en-US" sz="1800" dirty="0">
                 <a:latin typeface="Courier New" panose="02070309020205020404" pitchFamily="49" charset="0"/>
                 <a:cs typeface="Courier New" panose="02070309020205020404" pitchFamily="49" charset="0"/>
               </a:rPr>
-              <a:t> reset HEAD &lt;file&gt;..." to </a:t>
+              <a:t>reset HEAD &lt;file</a:t>
+            </a:r>
+            <a:r>
+              <a:rPr lang="en-US" sz="1800" dirty="0" smtClean="0">
+                <a:latin typeface="Courier New" panose="02070309020205020404" pitchFamily="49" charset="0"/>
+                <a:cs typeface="Courier New" panose="02070309020205020404" pitchFamily="49" charset="0"/>
+              </a:rPr>
+              <a:t>&gt;..." </a:t>
+            </a:r>
+            <a:r>
+              <a:rPr lang="en-US" sz="1800" dirty="0">
+                <a:latin typeface="Courier New" panose="02070309020205020404" pitchFamily="49" charset="0"/>
+                <a:cs typeface="Courier New" panose="02070309020205020404" pitchFamily="49" charset="0"/>
+              </a:rPr>
+              <a:t>to </a:t>
             </a:r>
             <a:r>
               <a:rPr lang="en-US" sz="1800" dirty="0" err="1">
@@ -14568,7 +14825,27 @@
                 <a:latin typeface="Courier New" panose="02070309020205020404" pitchFamily="49" charset="0"/>
                 <a:cs typeface="Courier New" panose="02070309020205020404" pitchFamily="49" charset="0"/>
               </a:rPr>
-              <a:t>echo "testing..." &gt; </a:t>
+              <a:t>echo </a:t>
+            </a:r>
+            <a:r>
+              <a:rPr lang="en-US" sz="1800" b="1" dirty="0" smtClean="0">
+                <a:solidFill>
+                  <a:srgbClr val="FFFF00"/>
+                </a:solidFill>
+                <a:latin typeface="Courier New" panose="02070309020205020404" pitchFamily="49" charset="0"/>
+                <a:cs typeface="Courier New" panose="02070309020205020404" pitchFamily="49" charset="0"/>
+              </a:rPr>
+              <a:t>"testing..." </a:t>
+            </a:r>
+            <a:r>
+              <a:rPr lang="en-US" sz="1800" b="1" dirty="0">
+                <a:solidFill>
+                  <a:srgbClr val="FFFF00"/>
+                </a:solidFill>
+                <a:latin typeface="Courier New" panose="02070309020205020404" pitchFamily="49" charset="0"/>
+                <a:cs typeface="Courier New" panose="02070309020205020404" pitchFamily="49" charset="0"/>
+              </a:rPr>
+              <a:t>&gt; </a:t>
             </a:r>
             <a:r>
               <a:rPr lang="en-US" sz="1800" b="1" dirty="0" err="1">
@@ -14696,8 +14973,19 @@
                 <a:latin typeface="Courier New" panose="02070309020205020404" pitchFamily="49" charset="0"/>
                 <a:cs typeface="Courier New" panose="02070309020205020404" pitchFamily="49" charset="0"/>
               </a:rPr>
-              <a:t>Your branch is up-to-date with 'origin/master'.</a:t>
-            </a:r>
+              <a:t>Your branch is up-to-date with </a:t>
+            </a:r>
+            <a:r>
+              <a:rPr lang="en-US" sz="1800" dirty="0" smtClean="0">
+                <a:latin typeface="Courier New" panose="02070309020205020404" pitchFamily="49" charset="0"/>
+                <a:cs typeface="Courier New" panose="02070309020205020404" pitchFamily="49" charset="0"/>
+              </a:rPr>
+              <a:t>'origin/master'.</a:t>
+            </a:r>
+            <a:endParaRPr lang="en-US" sz="1800" dirty="0">
+              <a:latin typeface="Courier New" panose="02070309020205020404" pitchFamily="49" charset="0"/>
+              <a:cs typeface="Courier New" panose="02070309020205020404" pitchFamily="49" charset="0"/>
+            </a:endParaRPr>
           </a:p>
           <a:p>
             <a:pPr marL="0" indent="0">
@@ -14720,21 +15008,49 @@
                 <a:latin typeface="Courier New" panose="02070309020205020404" pitchFamily="49" charset="0"/>
                 <a:cs typeface="Courier New" panose="02070309020205020404" pitchFamily="49" charset="0"/>
               </a:rPr>
-              <a:t>  (use "</a:t>
-            </a:r>
-            <a:r>
-              <a:rPr lang="en-US" sz="1800" dirty="0" err="1">
+              <a:t>  (use </a:t>
+            </a:r>
+            <a:r>
+              <a:rPr lang="en-US" sz="1800" dirty="0" smtClean="0">
+                <a:latin typeface="Courier New" panose="02070309020205020404" pitchFamily="49" charset="0"/>
+                <a:cs typeface="Courier New" panose="02070309020205020404" pitchFamily="49" charset="0"/>
+              </a:rPr>
+              <a:t>"</a:t>
+            </a:r>
+            <a:r>
+              <a:rPr lang="en-US" sz="1800" dirty="0" err="1" smtClean="0">
                 <a:latin typeface="Courier New" panose="02070309020205020404" pitchFamily="49" charset="0"/>
                 <a:cs typeface="Courier New" panose="02070309020205020404" pitchFamily="49" charset="0"/>
               </a:rPr>
               <a:t>git</a:t>
             </a:r>
             <a:r>
+              <a:rPr lang="en-US" sz="1800" dirty="0" smtClean="0">
+                <a:latin typeface="Courier New" panose="02070309020205020404" pitchFamily="49" charset="0"/>
+                <a:cs typeface="Courier New" panose="02070309020205020404" pitchFamily="49" charset="0"/>
+              </a:rPr>
+              <a:t> </a:t>
+            </a:r>
+            <a:r>
               <a:rPr lang="en-US" sz="1800" dirty="0">
                 <a:latin typeface="Courier New" panose="02070309020205020404" pitchFamily="49" charset="0"/>
                 <a:cs typeface="Courier New" panose="02070309020205020404" pitchFamily="49" charset="0"/>
               </a:rPr>
-              <a:t> reset HEAD &lt;file&gt;..." to </a:t>
+              <a:t>reset HEAD &lt;file</a:t>
+            </a:r>
+            <a:r>
+              <a:rPr lang="en-US" sz="1800" dirty="0" smtClean="0">
+                <a:latin typeface="Courier New" panose="02070309020205020404" pitchFamily="49" charset="0"/>
+                <a:cs typeface="Courier New" panose="02070309020205020404" pitchFamily="49" charset="0"/>
+              </a:rPr>
+              <a:t>&gt;..." </a:t>
+            </a:r>
+            <a:r>
+              <a:rPr lang="en-US" sz="1800" dirty="0">
+                <a:latin typeface="Courier New" panose="02070309020205020404" pitchFamily="49" charset="0"/>
+                <a:cs typeface="Courier New" panose="02070309020205020404" pitchFamily="49" charset="0"/>
+              </a:rPr>
+              <a:t>to </a:t>
             </a:r>
             <a:r>
               <a:rPr lang="en-US" sz="1800" dirty="0" err="1">
@@ -15042,8 +15358,45 @@
                 <a:latin typeface="Courier New" panose="02070309020205020404" pitchFamily="49" charset="0"/>
                 <a:cs typeface="Courier New" panose="02070309020205020404" pitchFamily="49" charset="0"/>
               </a:rPr>
-              <a:t> commit -m 'Adding my new greetings files'</a:t>
-            </a:r>
+              <a:t> commit -m </a:t>
+            </a:r>
+            <a:r>
+              <a:rPr lang="en-US" sz="1800" b="1" dirty="0" smtClean="0">
+                <a:solidFill>
+                  <a:srgbClr val="FFFF00"/>
+                </a:solidFill>
+                <a:latin typeface="Courier New" panose="02070309020205020404" pitchFamily="49" charset="0"/>
+                <a:cs typeface="Courier New" panose="02070309020205020404" pitchFamily="49" charset="0"/>
+              </a:rPr>
+              <a:t>'Adding </a:t>
+            </a:r>
+            <a:r>
+              <a:rPr lang="en-US" sz="1800" b="1" dirty="0">
+                <a:solidFill>
+                  <a:srgbClr val="FFFF00"/>
+                </a:solidFill>
+                <a:latin typeface="Courier New" panose="02070309020205020404" pitchFamily="49" charset="0"/>
+                <a:cs typeface="Courier New" panose="02070309020205020404" pitchFamily="49" charset="0"/>
+              </a:rPr>
+              <a:t>my new greetings </a:t>
+            </a:r>
+            <a:r>
+              <a:rPr lang="en-US" sz="1800" b="1" dirty="0" smtClean="0">
+                <a:solidFill>
+                  <a:srgbClr val="FFFF00"/>
+                </a:solidFill>
+                <a:latin typeface="Courier New" panose="02070309020205020404" pitchFamily="49" charset="0"/>
+                <a:cs typeface="Courier New" panose="02070309020205020404" pitchFamily="49" charset="0"/>
+              </a:rPr>
+              <a:t>files'</a:t>
+            </a:r>
+            <a:endParaRPr lang="en-US" sz="1800" b="1" dirty="0">
+              <a:solidFill>
+                <a:srgbClr val="FFFF00"/>
+              </a:solidFill>
+              <a:latin typeface="Courier New" panose="02070309020205020404" pitchFamily="49" charset="0"/>
+              <a:cs typeface="Courier New" panose="02070309020205020404" pitchFamily="49" charset="0"/>
+            </a:endParaRPr>
           </a:p>
           <a:p>
             <a:pPr marL="0" indent="0">
@@ -15206,7 +15559,21 @@
                 <a:latin typeface="Courier New" panose="02070309020205020404" pitchFamily="49" charset="0"/>
                 <a:cs typeface="Courier New" panose="02070309020205020404" pitchFamily="49" charset="0"/>
               </a:rPr>
-              <a:t>Your branch is ahead of 'origin/master' by 1 commit.</a:t>
+              <a:t>Your branch is ahead of </a:t>
+            </a:r>
+            <a:r>
+              <a:rPr lang="en-US" sz="1800" dirty="0" smtClean="0">
+                <a:latin typeface="Courier New" panose="02070309020205020404" pitchFamily="49" charset="0"/>
+                <a:cs typeface="Courier New" panose="02070309020205020404" pitchFamily="49" charset="0"/>
+              </a:rPr>
+              <a:t>'origin/master' </a:t>
+            </a:r>
+            <a:r>
+              <a:rPr lang="en-US" sz="1800" dirty="0">
+                <a:latin typeface="Courier New" panose="02070309020205020404" pitchFamily="49" charset="0"/>
+                <a:cs typeface="Courier New" panose="02070309020205020404" pitchFamily="49" charset="0"/>
+              </a:rPr>
+              <a:t>by 1 commit.</a:t>
             </a:r>
           </a:p>
           <a:p>
@@ -15218,21 +15585,35 @@
                 <a:latin typeface="Courier New" panose="02070309020205020404" pitchFamily="49" charset="0"/>
                 <a:cs typeface="Courier New" panose="02070309020205020404" pitchFamily="49" charset="0"/>
               </a:rPr>
-              <a:t>  (use "</a:t>
-            </a:r>
-            <a:r>
-              <a:rPr lang="en-US" sz="1800" dirty="0" err="1">
+              <a:t>  (use </a:t>
+            </a:r>
+            <a:r>
+              <a:rPr lang="en-US" sz="1800" dirty="0" smtClean="0">
+                <a:latin typeface="Courier New" panose="02070309020205020404" pitchFamily="49" charset="0"/>
+                <a:cs typeface="Courier New" panose="02070309020205020404" pitchFamily="49" charset="0"/>
+              </a:rPr>
+              <a:t>"</a:t>
+            </a:r>
+            <a:r>
+              <a:rPr lang="en-US" sz="1800" dirty="0" err="1" smtClean="0">
                 <a:latin typeface="Courier New" panose="02070309020205020404" pitchFamily="49" charset="0"/>
                 <a:cs typeface="Courier New" panose="02070309020205020404" pitchFamily="49" charset="0"/>
               </a:rPr>
               <a:t>git</a:t>
             </a:r>
             <a:r>
+              <a:rPr lang="en-US" sz="1800" dirty="0" smtClean="0">
+                <a:latin typeface="Courier New" panose="02070309020205020404" pitchFamily="49" charset="0"/>
+                <a:cs typeface="Courier New" panose="02070309020205020404" pitchFamily="49" charset="0"/>
+              </a:rPr>
+              <a:t> push" </a:t>
+            </a:r>
+            <a:r>
               <a:rPr lang="en-US" sz="1800" dirty="0">
                 <a:latin typeface="Courier New" panose="02070309020205020404" pitchFamily="49" charset="0"/>
                 <a:cs typeface="Courier New" panose="02070309020205020404" pitchFamily="49" charset="0"/>
               </a:rPr>
-              <a:t> push" to publish your local commits)</a:t>
+              <a:t>to publish your local commits)</a:t>
             </a:r>
           </a:p>
           <a:p>
@@ -15863,8 +16244,19 @@
                 <a:latin typeface="Courier New" panose="02070309020205020404" pitchFamily="49" charset="0"/>
                 <a:cs typeface="Courier New" panose="02070309020205020404" pitchFamily="49" charset="0"/>
               </a:rPr>
-              <a:t>Cloning into 'ncas-isc2'...</a:t>
-            </a:r>
+              <a:t>Cloning into </a:t>
+            </a:r>
+            <a:r>
+              <a:rPr lang="en-US" sz="1800" dirty="0" smtClean="0">
+                <a:latin typeface="Courier New" panose="02070309020205020404" pitchFamily="49" charset="0"/>
+                <a:cs typeface="Courier New" panose="02070309020205020404" pitchFamily="49" charset="0"/>
+              </a:rPr>
+              <a:t>'ncas-isc2'...</a:t>
+            </a:r>
+            <a:endParaRPr lang="en-US" sz="1800" dirty="0">
+              <a:latin typeface="Courier New" panose="02070309020205020404" pitchFamily="49" charset="0"/>
+              <a:cs typeface="Courier New" panose="02070309020205020404" pitchFamily="49" charset="0"/>
+            </a:endParaRPr>
           </a:p>
           <a:p>
             <a:pPr marL="0" indent="0">
@@ -16351,7 +16743,19 @@
               <a:rPr lang="en-GB" dirty="0">
                 <a:latin typeface="Calibri" charset="0"/>
               </a:rPr>
-              <a:t>to record our changes, document our workflow and “fix” releases of our code at important steps along the way.</a:t>
+              <a:t>to record our changes, document our workflow and </a:t>
+            </a:r>
+            <a:r>
+              <a:rPr lang="en-GB" dirty="0" smtClean="0">
+                <a:latin typeface="Calibri" charset="0"/>
+              </a:rPr>
+              <a:t>"fix" </a:t>
+            </a:r>
+            <a:r>
+              <a:rPr lang="en-GB" dirty="0">
+                <a:latin typeface="Calibri" charset="0"/>
+              </a:rPr>
+              <a:t>releases of our code at important steps along the way.</a:t>
             </a:r>
           </a:p>
         </p:txBody>
@@ -16648,8 +17052,45 @@
                 <a:latin typeface="Courier New" panose="02070309020205020404" pitchFamily="49" charset="0"/>
                 <a:cs typeface="Courier New" panose="02070309020205020404" pitchFamily="49" charset="0"/>
               </a:rPr>
-              <a:t> commit -m 'added new line'</a:t>
-            </a:r>
+              <a:t> commit -m </a:t>
+            </a:r>
+            <a:r>
+              <a:rPr lang="en-US" sz="1800" b="1" dirty="0" smtClean="0">
+                <a:solidFill>
+                  <a:srgbClr val="FFFF00"/>
+                </a:solidFill>
+                <a:latin typeface="Courier New" panose="02070309020205020404" pitchFamily="49" charset="0"/>
+                <a:cs typeface="Courier New" panose="02070309020205020404" pitchFamily="49" charset="0"/>
+              </a:rPr>
+              <a:t>'added </a:t>
+            </a:r>
+            <a:r>
+              <a:rPr lang="en-US" sz="1800" b="1" dirty="0">
+                <a:solidFill>
+                  <a:srgbClr val="FFFF00"/>
+                </a:solidFill>
+                <a:latin typeface="Courier New" panose="02070309020205020404" pitchFamily="49" charset="0"/>
+                <a:cs typeface="Courier New" panose="02070309020205020404" pitchFamily="49" charset="0"/>
+              </a:rPr>
+              <a:t>new </a:t>
+            </a:r>
+            <a:r>
+              <a:rPr lang="en-US" sz="1800" b="1" dirty="0" smtClean="0">
+                <a:solidFill>
+                  <a:srgbClr val="FFFF00"/>
+                </a:solidFill>
+                <a:latin typeface="Courier New" panose="02070309020205020404" pitchFamily="49" charset="0"/>
+                <a:cs typeface="Courier New" panose="02070309020205020404" pitchFamily="49" charset="0"/>
+              </a:rPr>
+              <a:t>line'</a:t>
+            </a:r>
+            <a:endParaRPr lang="en-US" sz="1800" b="1" dirty="0">
+              <a:solidFill>
+                <a:srgbClr val="FFFF00"/>
+              </a:solidFill>
+              <a:latin typeface="Courier New" panose="02070309020205020404" pitchFamily="49" charset="0"/>
+              <a:cs typeface="Courier New" panose="02070309020205020404" pitchFamily="49" charset="0"/>
+            </a:endParaRPr>
           </a:p>
           <a:p>
             <a:pPr marL="0" indent="0">
@@ -17692,7 +18133,37 @@
                 <a:latin typeface="Courier New" panose="02070309020205020404" pitchFamily="49" charset="0"/>
                 <a:cs typeface="Courier New" panose="02070309020205020404" pitchFamily="49" charset="0"/>
               </a:rPr>
-              <a:t>$ git commit -m ‘Add some test files’</a:t>
+              <a:t>$ git commit -m </a:t>
+            </a:r>
+            <a:r>
+              <a:rPr lang="en-GB" sz="2000" b="1" dirty="0" smtClean="0">
+                <a:solidFill>
+                  <a:srgbClr val="FFFF00"/>
+                </a:solidFill>
+                <a:latin typeface="Courier New" panose="02070309020205020404" pitchFamily="49" charset="0"/>
+                <a:cs typeface="Courier New" panose="02070309020205020404" pitchFamily="49" charset="0"/>
+              </a:rPr>
+              <a:t>'Add </a:t>
+            </a:r>
+            <a:r>
+              <a:rPr lang="en-GB" sz="2000" b="1" dirty="0">
+                <a:solidFill>
+                  <a:srgbClr val="FFFF00"/>
+                </a:solidFill>
+                <a:latin typeface="Courier New" panose="02070309020205020404" pitchFamily="49" charset="0"/>
+                <a:cs typeface="Courier New" panose="02070309020205020404" pitchFamily="49" charset="0"/>
+              </a:rPr>
+              <a:t>some test </a:t>
+            </a:r>
+            <a:r>
+              <a:rPr lang="en-GB" sz="2000" b="1" dirty="0" smtClean="0">
+                <a:solidFill>
+                  <a:srgbClr val="FFFF00"/>
+                </a:solidFill>
+                <a:latin typeface="Courier New" panose="02070309020205020404" pitchFamily="49" charset="0"/>
+                <a:cs typeface="Courier New" panose="02070309020205020404" pitchFamily="49" charset="0"/>
+              </a:rPr>
+              <a:t>files'</a:t>
             </a:r>
             <a:endParaRPr lang="en-US" sz="2000" b="1" dirty="0">
               <a:solidFill>
@@ -18034,17 +18505,17 @@
           </a:prstGeom>
           <a:extLst>
             <a:ext uri="{FAA26D3D-D897-4be2-8F04-BA451C77F1D7}">
-              <ma14:placeholderFlag xmlns:ma14="http://schemas.microsoft.com/office/mac/drawingml/2011/main" xmlns="" val="1"/>
+              <ma14:placeholderFlag xmlns="" xmlns:ma14="http://schemas.microsoft.com/office/mac/drawingml/2011/main" val="1"/>
             </a:ext>
             <a:ext uri="{909E8E84-426E-40dd-AFC4-6F175D3DCCD1}">
-              <a14:hiddenFill xmlns="" xmlns:a14="http://schemas.microsoft.com/office/drawing/2010/main">
+              <a14:hiddenFill xmlns:a14="http://schemas.microsoft.com/office/drawing/2010/main" xmlns="">
                 <a:solidFill>
                   <a:srgbClr val="FFFFFF"/>
                 </a:solidFill>
               </a14:hiddenFill>
             </a:ext>
             <a:ext uri="{91240B29-F687-4f45-9708-019B960494DF}">
-              <a14:hiddenLine xmlns="" xmlns:a14="http://schemas.microsoft.com/office/drawing/2010/main" w="9525">
+              <a14:hiddenLine xmlns:a14="http://schemas.microsoft.com/office/drawing/2010/main" xmlns="" w="9525">
                 <a:solidFill>
                   <a:srgbClr val="000000"/>
                 </a:solidFill>
@@ -18348,14 +18819,14 @@
           </a:ln>
           <a:extLst>
             <a:ext uri="{909E8E84-426E-40dd-AFC4-6F175D3DCCD1}">
-              <a14:hiddenFill xmlns="" xmlns:a14="http://schemas.microsoft.com/office/drawing/2010/main">
+              <a14:hiddenFill xmlns:a14="http://schemas.microsoft.com/office/drawing/2010/main" xmlns="">
                 <a:solidFill>
                   <a:srgbClr val="FFFFFF"/>
                 </a:solidFill>
               </a14:hiddenFill>
             </a:ext>
             <a:ext uri="{91240B29-F687-4f45-9708-019B960494DF}">
-              <a14:hiddenLine xmlns="" xmlns:a14="http://schemas.microsoft.com/office/drawing/2010/main" w="9525">
+              <a14:hiddenLine xmlns:a14="http://schemas.microsoft.com/office/drawing/2010/main" xmlns="" w="9525">
                 <a:solidFill>
                   <a:srgbClr val="000000"/>
                 </a:solidFill>
@@ -18696,14 +19167,14 @@
           </a:ln>
           <a:extLst>
             <a:ext uri="{909E8E84-426E-40dd-AFC4-6F175D3DCCD1}">
-              <a14:hiddenFill xmlns="" xmlns:a14="http://schemas.microsoft.com/office/drawing/2010/main">
+              <a14:hiddenFill xmlns:a14="http://schemas.microsoft.com/office/drawing/2010/main" xmlns="">
                 <a:solidFill>
                   <a:srgbClr val="FFFFFF"/>
                 </a:solidFill>
               </a14:hiddenFill>
             </a:ext>
             <a:ext uri="{91240B29-F687-4f45-9708-019B960494DF}">
-              <a14:hiddenLine xmlns="" xmlns:a14="http://schemas.microsoft.com/office/drawing/2010/main" w="9525">
+              <a14:hiddenLine xmlns:a14="http://schemas.microsoft.com/office/drawing/2010/main" xmlns="" w="9525">
                 <a:solidFill>
                   <a:srgbClr val="000000"/>
                 </a:solidFill>
@@ -19872,16 +20343,34 @@
               <a:buNone/>
             </a:pPr>
             <a:r>
+              <a:rPr lang="en-GB" sz="2400" i="1" dirty="0" smtClean="0">
+                <a:latin typeface="Calibri" charset="0"/>
+              </a:rPr>
+              <a:t>"Introduction </a:t>
+            </a:r>
+            <a:r>
               <a:rPr lang="en-GB" sz="2400" i="1" dirty="0">
                 <a:latin typeface="Calibri" charset="0"/>
               </a:rPr>
-              <a:t>“Introduction to GIT”.</a:t>
+              <a:t>to </a:t>
+            </a:r>
+            <a:r>
+              <a:rPr lang="en-GB" sz="2400" i="1" dirty="0" smtClean="0">
+                <a:latin typeface="Calibri" charset="0"/>
+              </a:rPr>
+              <a:t>GIT".</a:t>
+            </a:r>
+            <a:r>
+              <a:rPr lang="en-GB" sz="2400" dirty="0" smtClean="0">
+                <a:latin typeface="Calibri" charset="0"/>
+              </a:rPr>
+              <a:t> </a:t>
             </a:r>
             <a:r>
               <a:rPr lang="en-GB" sz="2400" dirty="0">
                 <a:latin typeface="Calibri" charset="0"/>
               </a:rPr>
-              <a:t> Lukas </a:t>
+              <a:t>Lukas </a:t>
             </a:r>
             <a:r>
               <a:rPr lang="en-GB" sz="2400" dirty="0" err="1">
@@ -19915,22 +20404,40 @@
               <a:buNone/>
             </a:pPr>
             <a:r>
+              <a:rPr lang="en-GB" sz="2400" dirty="0" smtClean="0">
+                <a:latin typeface="Calibri" charset="0"/>
+              </a:rPr>
+              <a:t>"</a:t>
+            </a:r>
+            <a:r>
+              <a:rPr lang="en-GB" sz="2400" i="1" dirty="0" smtClean="0">
+                <a:latin typeface="Calibri" charset="0"/>
+              </a:rPr>
+              <a:t>Git </a:t>
+            </a:r>
+            <a:r>
+              <a:rPr lang="en-GB" sz="2400" i="1" dirty="0">
+                <a:latin typeface="Calibri" charset="0"/>
+              </a:rPr>
+              <a:t>and </a:t>
+            </a:r>
+            <a:r>
+              <a:rPr lang="en-GB" sz="2400" i="1" dirty="0" smtClean="0">
+                <a:latin typeface="Calibri" charset="0"/>
+              </a:rPr>
+              <a:t>GitHub</a:t>
+            </a:r>
+            <a:r>
+              <a:rPr lang="en-GB" sz="2400" dirty="0" smtClean="0">
+                <a:latin typeface="Calibri" charset="0"/>
+              </a:rPr>
+              <a:t>". </a:t>
+            </a:r>
+            <a:r>
               <a:rPr lang="en-GB" sz="2400" dirty="0">
                 <a:latin typeface="Calibri" charset="0"/>
               </a:rPr>
-              <a:t>“</a:t>
-            </a:r>
-            <a:r>
-              <a:rPr lang="en-GB" sz="2400" i="1" dirty="0">
-                <a:latin typeface="Calibri" charset="0"/>
-              </a:rPr>
-              <a:t>Git and GitHub</a:t>
-            </a:r>
-            <a:r>
-              <a:rPr lang="en-GB" sz="2400" dirty="0">
-                <a:latin typeface="Calibri" charset="0"/>
-              </a:rPr>
-              <a:t>”. Darren Oakley.</a:t>
+              <a:t>Darren Oakley.</a:t>
             </a:r>
             <a:endParaRPr lang="en-GB" sz="3600" dirty="0">
               <a:latin typeface="Calibri" charset="0"/>
@@ -20063,7 +20570,19 @@
               <a:rPr lang="en-GB" dirty="0">
                 <a:latin typeface="Calibri" charset="0"/>
               </a:rPr>
-              <a:t>there is no default ‘central’ server - if you want one, you (and your team) just nominate where it is - typically GitHub!</a:t>
+              <a:t>there is no default </a:t>
+            </a:r>
+            <a:r>
+              <a:rPr lang="en-GB" dirty="0" smtClean="0">
+                <a:latin typeface="Calibri" charset="0"/>
+              </a:rPr>
+              <a:t>'central' </a:t>
+            </a:r>
+            <a:r>
+              <a:rPr lang="en-GB" dirty="0">
+                <a:latin typeface="Calibri" charset="0"/>
+              </a:rPr>
+              <a:t>server - if you want one, you (and your team) just nominate where it is - typically GitHub!</a:t>
             </a:r>
           </a:p>
         </p:txBody>
@@ -20304,14 +20823,14 @@
           </a:ln>
           <a:extLst>
             <a:ext uri="{909E8E84-426E-40dd-AFC4-6F175D3DCCD1}">
-              <a14:hiddenFill xmlns="" xmlns:a14="http://schemas.microsoft.com/office/drawing/2010/main">
+              <a14:hiddenFill xmlns:a14="http://schemas.microsoft.com/office/drawing/2010/main" xmlns="">
                 <a:solidFill>
                   <a:srgbClr val="FFFFFF"/>
                 </a:solidFill>
               </a14:hiddenFill>
             </a:ext>
             <a:ext uri="{91240B29-F687-4f45-9708-019B960494DF}">
-              <a14:hiddenLine xmlns="" xmlns:a14="http://schemas.microsoft.com/office/drawing/2010/main" w="9525">
+              <a14:hiddenLine xmlns:a14="http://schemas.microsoft.com/office/drawing/2010/main" xmlns="" w="9525">
                 <a:solidFill>
                   <a:srgbClr val="000000"/>
                 </a:solidFill>
@@ -20574,7 +21093,7 @@
           </a:ln>
           <a:extLst>
             <a:ext uri="{909E8E84-426E-40dd-AFC4-6F175D3DCCD1}">
-              <a14:hiddenFill xmlns="" xmlns:a14="http://schemas.microsoft.com/office/drawing/2010/main">
+              <a14:hiddenFill xmlns:a14="http://schemas.microsoft.com/office/drawing/2010/main" xmlns="">
                 <a:solidFill>
                   <a:schemeClr val="accent1"/>
                 </a:solidFill>
@@ -20670,7 +21189,7 @@
           </a:ln>
           <a:extLst>
             <a:ext uri="{909E8E84-426E-40dd-AFC4-6F175D3DCCD1}">
-              <a14:hiddenFill xmlns="" xmlns:a14="http://schemas.microsoft.com/office/drawing/2010/main">
+              <a14:hiddenFill xmlns:a14="http://schemas.microsoft.com/office/drawing/2010/main" xmlns="">
                 <a:solidFill>
                   <a:schemeClr val="accent1"/>
                 </a:solidFill>

--- a/shell/presentations/01_git2.pptx
+++ b/shell/presentations/01_git2.pptx
@@ -2,7 +2,7 @@
 <file path=ppt/presentation.xml><?xml version="1.0" encoding="utf-8"?>
 <p:presentation xmlns:a="http://schemas.openxmlformats.org/drawingml/2006/main" xmlns:r="http://schemas.openxmlformats.org/officeDocument/2006/relationships" xmlns:p="http://schemas.openxmlformats.org/presentationml/2006/main" saveSubsetFonts="1">
   <p:sldMasterIdLst>
-    <p:sldMasterId id="2147483680" r:id="rId1"/>
+    <p:sldMasterId id="2147483688" r:id="rId1"/>
   </p:sldMasterIdLst>
   <p:notesMasterIdLst>
     <p:notesMasterId r:id="rId42"/>
@@ -292,7 +292,7 @@
             <a:fld id="{17F80633-BAA2-0049-BDEC-E483C21777A6}" type="datetimeFigureOut">
               <a:rPr lang="en-GB"/>
               <a:pPr/>
-              <a:t>26/09/2018</a:t>
+              <a:t>27/09/2018</a:t>
             </a:fld>
             <a:endParaRPr lang="en-GB"/>
           </a:p>
@@ -644,10 +644,10 @@
           </a:ln>
           <a:extLst>
             <a:ext uri="{FAA26D3D-D897-4be2-8F04-BA451C77F1D7}">
-              <ma14:placeholderFlag xmlns="" xmlns:ma14="http://schemas.microsoft.com/office/mac/drawingml/2011/main" val="1"/>
+              <ma14:placeholderFlag xmlns:ma14="http://schemas.microsoft.com/office/mac/drawingml/2011/main" xmlns="" val="1"/>
             </a:ext>
             <a:ext uri="{909E8E84-426E-40dd-AFC4-6F175D3DCCD1}">
-              <a14:hiddenFill xmlns:a14="http://schemas.microsoft.com/office/drawing/2010/main" xmlns="">
+              <a14:hiddenFill xmlns="" xmlns:a14="http://schemas.microsoft.com/office/drawing/2010/main">
                 <a:solidFill>
                   <a:srgbClr val="FFFFFF"/>
                 </a:solidFill>
@@ -670,14 +670,14 @@
           <a:noFill/>
           <a:extLst>
             <a:ext uri="{909E8E84-426E-40dd-AFC4-6F175D3DCCD1}">
-              <a14:hiddenFill xmlns:a14="http://schemas.microsoft.com/office/drawing/2010/main" xmlns="">
+              <a14:hiddenFill xmlns="" xmlns:a14="http://schemas.microsoft.com/office/drawing/2010/main">
                 <a:solidFill>
                   <a:srgbClr val="FFFFFF"/>
                 </a:solidFill>
               </a14:hiddenFill>
             </a:ext>
             <a:ext uri="{91240B29-F687-4f45-9708-019B960494DF}">
-              <a14:hiddenLine xmlns:a14="http://schemas.microsoft.com/office/drawing/2010/main" xmlns="" w="9525">
+              <a14:hiddenLine xmlns="" xmlns:a14="http://schemas.microsoft.com/office/drawing/2010/main" w="9525">
                 <a:solidFill>
                   <a:srgbClr val="000000"/>
                 </a:solidFill>
@@ -719,14 +719,14 @@
           <a:noFill/>
           <a:extLst>
             <a:ext uri="{909E8E84-426E-40dd-AFC4-6F175D3DCCD1}">
-              <a14:hiddenFill xmlns:a14="http://schemas.microsoft.com/office/drawing/2010/main" xmlns="">
+              <a14:hiddenFill xmlns="" xmlns:a14="http://schemas.microsoft.com/office/drawing/2010/main">
                 <a:solidFill>
                   <a:srgbClr val="FFFFFF"/>
                 </a:solidFill>
               </a14:hiddenFill>
             </a:ext>
             <a:ext uri="{91240B29-F687-4f45-9708-019B960494DF}">
-              <a14:hiddenLine xmlns:a14="http://schemas.microsoft.com/office/drawing/2010/main" xmlns="" w="9525">
+              <a14:hiddenLine xmlns="" xmlns:a14="http://schemas.microsoft.com/office/drawing/2010/main" w="9525">
                 <a:solidFill>
                   <a:srgbClr val="000000"/>
                 </a:solidFill>
@@ -907,10 +907,10 @@
           </a:ln>
           <a:extLst>
             <a:ext uri="{FAA26D3D-D897-4be2-8F04-BA451C77F1D7}">
-              <ma14:placeholderFlag xmlns="" xmlns:ma14="http://schemas.microsoft.com/office/mac/drawingml/2011/main" val="1"/>
+              <ma14:placeholderFlag xmlns:ma14="http://schemas.microsoft.com/office/mac/drawingml/2011/main" xmlns="" val="1"/>
             </a:ext>
             <a:ext uri="{909E8E84-426E-40dd-AFC4-6F175D3DCCD1}">
-              <a14:hiddenFill xmlns:a14="http://schemas.microsoft.com/office/drawing/2010/main" xmlns="">
+              <a14:hiddenFill xmlns="" xmlns:a14="http://schemas.microsoft.com/office/drawing/2010/main">
                 <a:solidFill>
                   <a:srgbClr val="FFFFFF"/>
                 </a:solidFill>
@@ -933,14 +933,14 @@
           <a:noFill/>
           <a:extLst>
             <a:ext uri="{909E8E84-426E-40dd-AFC4-6F175D3DCCD1}">
-              <a14:hiddenFill xmlns:a14="http://schemas.microsoft.com/office/drawing/2010/main" xmlns="">
+              <a14:hiddenFill xmlns="" xmlns:a14="http://schemas.microsoft.com/office/drawing/2010/main">
                 <a:solidFill>
                   <a:srgbClr val="FFFFFF"/>
                 </a:solidFill>
               </a14:hiddenFill>
             </a:ext>
             <a:ext uri="{91240B29-F687-4f45-9708-019B960494DF}">
-              <a14:hiddenLine xmlns:a14="http://schemas.microsoft.com/office/drawing/2010/main" xmlns="" w="9525">
+              <a14:hiddenLine xmlns="" xmlns:a14="http://schemas.microsoft.com/office/drawing/2010/main" w="9525">
                 <a:solidFill>
                   <a:srgbClr val="000000"/>
                 </a:solidFill>
@@ -982,14 +982,14 @@
           <a:noFill/>
           <a:extLst>
             <a:ext uri="{909E8E84-426E-40dd-AFC4-6F175D3DCCD1}">
-              <a14:hiddenFill xmlns:a14="http://schemas.microsoft.com/office/drawing/2010/main" xmlns="">
+              <a14:hiddenFill xmlns="" xmlns:a14="http://schemas.microsoft.com/office/drawing/2010/main">
                 <a:solidFill>
                   <a:srgbClr val="FFFFFF"/>
                 </a:solidFill>
               </a14:hiddenFill>
             </a:ext>
             <a:ext uri="{91240B29-F687-4f45-9708-019B960494DF}">
-              <a14:hiddenLine xmlns:a14="http://schemas.microsoft.com/office/drawing/2010/main" xmlns="" w="9525">
+              <a14:hiddenLine xmlns="" xmlns:a14="http://schemas.microsoft.com/office/drawing/2010/main" w="9525">
                 <a:solidFill>
                   <a:srgbClr val="000000"/>
                 </a:solidFill>
@@ -1170,10 +1170,10 @@
           </a:ln>
           <a:extLst>
             <a:ext uri="{FAA26D3D-D897-4be2-8F04-BA451C77F1D7}">
-              <ma14:placeholderFlag xmlns="" xmlns:ma14="http://schemas.microsoft.com/office/mac/drawingml/2011/main" val="1"/>
+              <ma14:placeholderFlag xmlns:ma14="http://schemas.microsoft.com/office/mac/drawingml/2011/main" xmlns="" val="1"/>
             </a:ext>
             <a:ext uri="{909E8E84-426E-40dd-AFC4-6F175D3DCCD1}">
-              <a14:hiddenFill xmlns:a14="http://schemas.microsoft.com/office/drawing/2010/main" xmlns="">
+              <a14:hiddenFill xmlns="" xmlns:a14="http://schemas.microsoft.com/office/drawing/2010/main">
                 <a:solidFill>
                   <a:srgbClr val="FFFFFF"/>
                 </a:solidFill>
@@ -1196,14 +1196,14 @@
           <a:noFill/>
           <a:extLst>
             <a:ext uri="{909E8E84-426E-40dd-AFC4-6F175D3DCCD1}">
-              <a14:hiddenFill xmlns:a14="http://schemas.microsoft.com/office/drawing/2010/main" xmlns="">
+              <a14:hiddenFill xmlns="" xmlns:a14="http://schemas.microsoft.com/office/drawing/2010/main">
                 <a:solidFill>
                   <a:srgbClr val="FFFFFF"/>
                 </a:solidFill>
               </a14:hiddenFill>
             </a:ext>
             <a:ext uri="{91240B29-F687-4f45-9708-019B960494DF}">
-              <a14:hiddenLine xmlns:a14="http://schemas.microsoft.com/office/drawing/2010/main" xmlns="" w="9525">
+              <a14:hiddenLine xmlns="" xmlns:a14="http://schemas.microsoft.com/office/drawing/2010/main" w="9525">
                 <a:solidFill>
                   <a:srgbClr val="000000"/>
                 </a:solidFill>
@@ -1245,14 +1245,14 @@
           <a:noFill/>
           <a:extLst>
             <a:ext uri="{909E8E84-426E-40dd-AFC4-6F175D3DCCD1}">
-              <a14:hiddenFill xmlns:a14="http://schemas.microsoft.com/office/drawing/2010/main" xmlns="">
+              <a14:hiddenFill xmlns="" xmlns:a14="http://schemas.microsoft.com/office/drawing/2010/main">
                 <a:solidFill>
                   <a:srgbClr val="FFFFFF"/>
                 </a:solidFill>
               </a14:hiddenFill>
             </a:ext>
             <a:ext uri="{91240B29-F687-4f45-9708-019B960494DF}">
-              <a14:hiddenLine xmlns:a14="http://schemas.microsoft.com/office/drawing/2010/main" xmlns="" w="9525">
+              <a14:hiddenLine xmlns="" xmlns:a14="http://schemas.microsoft.com/office/drawing/2010/main" w="9525">
                 <a:solidFill>
                   <a:srgbClr val="000000"/>
                 </a:solidFill>
@@ -1433,10 +1433,10 @@
           </a:ln>
           <a:extLst>
             <a:ext uri="{FAA26D3D-D897-4be2-8F04-BA451C77F1D7}">
-              <ma14:placeholderFlag xmlns="" xmlns:ma14="http://schemas.microsoft.com/office/mac/drawingml/2011/main" val="1"/>
+              <ma14:placeholderFlag xmlns:ma14="http://schemas.microsoft.com/office/mac/drawingml/2011/main" xmlns="" val="1"/>
             </a:ext>
             <a:ext uri="{909E8E84-426E-40dd-AFC4-6F175D3DCCD1}">
-              <a14:hiddenFill xmlns:a14="http://schemas.microsoft.com/office/drawing/2010/main" xmlns="">
+              <a14:hiddenFill xmlns="" xmlns:a14="http://schemas.microsoft.com/office/drawing/2010/main">
                 <a:solidFill>
                   <a:srgbClr val="FFFFFF"/>
                 </a:solidFill>
@@ -1459,14 +1459,14 @@
           <a:noFill/>
           <a:extLst>
             <a:ext uri="{909E8E84-426E-40dd-AFC4-6F175D3DCCD1}">
-              <a14:hiddenFill xmlns:a14="http://schemas.microsoft.com/office/drawing/2010/main" xmlns="">
+              <a14:hiddenFill xmlns="" xmlns:a14="http://schemas.microsoft.com/office/drawing/2010/main">
                 <a:solidFill>
                   <a:srgbClr val="FFFFFF"/>
                 </a:solidFill>
               </a14:hiddenFill>
             </a:ext>
             <a:ext uri="{91240B29-F687-4f45-9708-019B960494DF}">
-              <a14:hiddenLine xmlns:a14="http://schemas.microsoft.com/office/drawing/2010/main" xmlns="" w="9525">
+              <a14:hiddenLine xmlns="" xmlns:a14="http://schemas.microsoft.com/office/drawing/2010/main" w="9525">
                 <a:solidFill>
                   <a:srgbClr val="000000"/>
                 </a:solidFill>
@@ -1508,14 +1508,14 @@
           <a:noFill/>
           <a:extLst>
             <a:ext uri="{909E8E84-426E-40dd-AFC4-6F175D3DCCD1}">
-              <a14:hiddenFill xmlns:a14="http://schemas.microsoft.com/office/drawing/2010/main" xmlns="">
+              <a14:hiddenFill xmlns="" xmlns:a14="http://schemas.microsoft.com/office/drawing/2010/main">
                 <a:solidFill>
                   <a:srgbClr val="FFFFFF"/>
                 </a:solidFill>
               </a14:hiddenFill>
             </a:ext>
             <a:ext uri="{91240B29-F687-4f45-9708-019B960494DF}">
-              <a14:hiddenLine xmlns:a14="http://schemas.microsoft.com/office/drawing/2010/main" xmlns="" w="9525">
+              <a14:hiddenLine xmlns="" xmlns:a14="http://schemas.microsoft.com/office/drawing/2010/main" w="9525">
                 <a:solidFill>
                   <a:srgbClr val="000000"/>
                 </a:solidFill>
@@ -1696,10 +1696,10 @@
           </a:ln>
           <a:extLst>
             <a:ext uri="{FAA26D3D-D897-4be2-8F04-BA451C77F1D7}">
-              <ma14:placeholderFlag xmlns="" xmlns:ma14="http://schemas.microsoft.com/office/mac/drawingml/2011/main" val="1"/>
+              <ma14:placeholderFlag xmlns:ma14="http://schemas.microsoft.com/office/mac/drawingml/2011/main" xmlns="" val="1"/>
             </a:ext>
             <a:ext uri="{909E8E84-426E-40dd-AFC4-6F175D3DCCD1}">
-              <a14:hiddenFill xmlns:a14="http://schemas.microsoft.com/office/drawing/2010/main" xmlns="">
+              <a14:hiddenFill xmlns="" xmlns:a14="http://schemas.microsoft.com/office/drawing/2010/main">
                 <a:solidFill>
                   <a:srgbClr val="FFFFFF"/>
                 </a:solidFill>
@@ -1722,14 +1722,14 @@
           <a:noFill/>
           <a:extLst>
             <a:ext uri="{909E8E84-426E-40dd-AFC4-6F175D3DCCD1}">
-              <a14:hiddenFill xmlns:a14="http://schemas.microsoft.com/office/drawing/2010/main" xmlns="">
+              <a14:hiddenFill xmlns="" xmlns:a14="http://schemas.microsoft.com/office/drawing/2010/main">
                 <a:solidFill>
                   <a:srgbClr val="FFFFFF"/>
                 </a:solidFill>
               </a14:hiddenFill>
             </a:ext>
             <a:ext uri="{91240B29-F687-4f45-9708-019B960494DF}">
-              <a14:hiddenLine xmlns:a14="http://schemas.microsoft.com/office/drawing/2010/main" xmlns="" w="9525">
+              <a14:hiddenLine xmlns="" xmlns:a14="http://schemas.microsoft.com/office/drawing/2010/main" w="9525">
                 <a:solidFill>
                   <a:srgbClr val="000000"/>
                 </a:solidFill>
@@ -1772,14 +1772,14 @@
           <a:noFill/>
           <a:extLst>
             <a:ext uri="{909E8E84-426E-40dd-AFC4-6F175D3DCCD1}">
-              <a14:hiddenFill xmlns:a14="http://schemas.microsoft.com/office/drawing/2010/main" xmlns="">
+              <a14:hiddenFill xmlns="" xmlns:a14="http://schemas.microsoft.com/office/drawing/2010/main">
                 <a:solidFill>
                   <a:srgbClr val="FFFFFF"/>
                 </a:solidFill>
               </a14:hiddenFill>
             </a:ext>
             <a:ext uri="{91240B29-F687-4f45-9708-019B960494DF}">
-              <a14:hiddenLine xmlns:a14="http://schemas.microsoft.com/office/drawing/2010/main" xmlns="" w="9525">
+              <a14:hiddenLine xmlns="" xmlns:a14="http://schemas.microsoft.com/office/drawing/2010/main" w="9525">
                 <a:solidFill>
                   <a:srgbClr val="000000"/>
                 </a:solidFill>
@@ -1960,10 +1960,10 @@
           </a:ln>
           <a:extLst>
             <a:ext uri="{FAA26D3D-D897-4be2-8F04-BA451C77F1D7}">
-              <ma14:placeholderFlag xmlns="" xmlns:ma14="http://schemas.microsoft.com/office/mac/drawingml/2011/main" val="1"/>
+              <ma14:placeholderFlag xmlns:ma14="http://schemas.microsoft.com/office/mac/drawingml/2011/main" xmlns="" val="1"/>
             </a:ext>
             <a:ext uri="{909E8E84-426E-40dd-AFC4-6F175D3DCCD1}">
-              <a14:hiddenFill xmlns:a14="http://schemas.microsoft.com/office/drawing/2010/main" xmlns="">
+              <a14:hiddenFill xmlns="" xmlns:a14="http://schemas.microsoft.com/office/drawing/2010/main">
                 <a:solidFill>
                   <a:srgbClr val="FFFFFF"/>
                 </a:solidFill>
@@ -1986,14 +1986,14 @@
           <a:noFill/>
           <a:extLst>
             <a:ext uri="{909E8E84-426E-40dd-AFC4-6F175D3DCCD1}">
-              <a14:hiddenFill xmlns:a14="http://schemas.microsoft.com/office/drawing/2010/main" xmlns="">
+              <a14:hiddenFill xmlns="" xmlns:a14="http://schemas.microsoft.com/office/drawing/2010/main">
                 <a:solidFill>
                   <a:srgbClr val="FFFFFF"/>
                 </a:solidFill>
               </a14:hiddenFill>
             </a:ext>
             <a:ext uri="{91240B29-F687-4f45-9708-019B960494DF}">
-              <a14:hiddenLine xmlns:a14="http://schemas.microsoft.com/office/drawing/2010/main" xmlns="" w="9525">
+              <a14:hiddenLine xmlns="" xmlns:a14="http://schemas.microsoft.com/office/drawing/2010/main" w="9525">
                 <a:solidFill>
                   <a:srgbClr val="000000"/>
                 </a:solidFill>
@@ -2035,14 +2035,14 @@
           <a:noFill/>
           <a:extLst>
             <a:ext uri="{909E8E84-426E-40dd-AFC4-6F175D3DCCD1}">
-              <a14:hiddenFill xmlns:a14="http://schemas.microsoft.com/office/drawing/2010/main" xmlns="">
+              <a14:hiddenFill xmlns="" xmlns:a14="http://schemas.microsoft.com/office/drawing/2010/main">
                 <a:solidFill>
                   <a:srgbClr val="FFFFFF"/>
                 </a:solidFill>
               </a14:hiddenFill>
             </a:ext>
             <a:ext uri="{91240B29-F687-4f45-9708-019B960494DF}">
-              <a14:hiddenLine xmlns:a14="http://schemas.microsoft.com/office/drawing/2010/main" xmlns="" w="9525">
+              <a14:hiddenLine xmlns="" xmlns:a14="http://schemas.microsoft.com/office/drawing/2010/main" w="9525">
                 <a:solidFill>
                   <a:srgbClr val="000000"/>
                 </a:solidFill>
@@ -2223,10 +2223,10 @@
           </a:ln>
           <a:extLst>
             <a:ext uri="{FAA26D3D-D897-4be2-8F04-BA451C77F1D7}">
-              <ma14:placeholderFlag xmlns="" xmlns:ma14="http://schemas.microsoft.com/office/mac/drawingml/2011/main" val="1"/>
+              <ma14:placeholderFlag xmlns:ma14="http://schemas.microsoft.com/office/mac/drawingml/2011/main" xmlns="" val="1"/>
             </a:ext>
             <a:ext uri="{909E8E84-426E-40dd-AFC4-6F175D3DCCD1}">
-              <a14:hiddenFill xmlns:a14="http://schemas.microsoft.com/office/drawing/2010/main" xmlns="">
+              <a14:hiddenFill xmlns="" xmlns:a14="http://schemas.microsoft.com/office/drawing/2010/main">
                 <a:solidFill>
                   <a:srgbClr val="FFFFFF"/>
                 </a:solidFill>
@@ -2249,14 +2249,14 @@
           <a:noFill/>
           <a:extLst>
             <a:ext uri="{909E8E84-426E-40dd-AFC4-6F175D3DCCD1}">
-              <a14:hiddenFill xmlns:a14="http://schemas.microsoft.com/office/drawing/2010/main" xmlns="">
+              <a14:hiddenFill xmlns="" xmlns:a14="http://schemas.microsoft.com/office/drawing/2010/main">
                 <a:solidFill>
                   <a:srgbClr val="FFFFFF"/>
                 </a:solidFill>
               </a14:hiddenFill>
             </a:ext>
             <a:ext uri="{91240B29-F687-4f45-9708-019B960494DF}">
-              <a14:hiddenLine xmlns:a14="http://schemas.microsoft.com/office/drawing/2010/main" xmlns="" w="9525">
+              <a14:hiddenLine xmlns="" xmlns:a14="http://schemas.microsoft.com/office/drawing/2010/main" w="9525">
                 <a:solidFill>
                   <a:srgbClr val="000000"/>
                 </a:solidFill>
@@ -2298,14 +2298,14 @@
           <a:noFill/>
           <a:extLst>
             <a:ext uri="{909E8E84-426E-40dd-AFC4-6F175D3DCCD1}">
-              <a14:hiddenFill xmlns:a14="http://schemas.microsoft.com/office/drawing/2010/main" xmlns="">
+              <a14:hiddenFill xmlns="" xmlns:a14="http://schemas.microsoft.com/office/drawing/2010/main">
                 <a:solidFill>
                   <a:srgbClr val="FFFFFF"/>
                 </a:solidFill>
               </a14:hiddenFill>
             </a:ext>
             <a:ext uri="{91240B29-F687-4f45-9708-019B960494DF}">
-              <a14:hiddenLine xmlns:a14="http://schemas.microsoft.com/office/drawing/2010/main" xmlns="" w="9525">
+              <a14:hiddenLine xmlns="" xmlns:a14="http://schemas.microsoft.com/office/drawing/2010/main" w="9525">
                 <a:solidFill>
                   <a:srgbClr val="000000"/>
                 </a:solidFill>
@@ -2486,10 +2486,10 @@
           </a:ln>
           <a:extLst>
             <a:ext uri="{FAA26D3D-D897-4be2-8F04-BA451C77F1D7}">
-              <ma14:placeholderFlag xmlns="" xmlns:ma14="http://schemas.microsoft.com/office/mac/drawingml/2011/main" val="1"/>
+              <ma14:placeholderFlag xmlns:ma14="http://schemas.microsoft.com/office/mac/drawingml/2011/main" xmlns="" val="1"/>
             </a:ext>
             <a:ext uri="{909E8E84-426E-40dd-AFC4-6F175D3DCCD1}">
-              <a14:hiddenFill xmlns:a14="http://schemas.microsoft.com/office/drawing/2010/main" xmlns="">
+              <a14:hiddenFill xmlns="" xmlns:a14="http://schemas.microsoft.com/office/drawing/2010/main">
                 <a:solidFill>
                   <a:srgbClr val="FFFFFF"/>
                 </a:solidFill>
@@ -2512,14 +2512,14 @@
           <a:noFill/>
           <a:extLst>
             <a:ext uri="{909E8E84-426E-40dd-AFC4-6F175D3DCCD1}">
-              <a14:hiddenFill xmlns:a14="http://schemas.microsoft.com/office/drawing/2010/main" xmlns="">
+              <a14:hiddenFill xmlns="" xmlns:a14="http://schemas.microsoft.com/office/drawing/2010/main">
                 <a:solidFill>
                   <a:srgbClr val="FFFFFF"/>
                 </a:solidFill>
               </a14:hiddenFill>
             </a:ext>
             <a:ext uri="{91240B29-F687-4f45-9708-019B960494DF}">
-              <a14:hiddenLine xmlns:a14="http://schemas.microsoft.com/office/drawing/2010/main" xmlns="" w="9525">
+              <a14:hiddenLine xmlns="" xmlns:a14="http://schemas.microsoft.com/office/drawing/2010/main" w="9525">
                 <a:solidFill>
                   <a:srgbClr val="000000"/>
                 </a:solidFill>
@@ -2561,14 +2561,14 @@
           <a:noFill/>
           <a:extLst>
             <a:ext uri="{909E8E84-426E-40dd-AFC4-6F175D3DCCD1}">
-              <a14:hiddenFill xmlns:a14="http://schemas.microsoft.com/office/drawing/2010/main" xmlns="">
+              <a14:hiddenFill xmlns="" xmlns:a14="http://schemas.microsoft.com/office/drawing/2010/main">
                 <a:solidFill>
                   <a:srgbClr val="FFFFFF"/>
                 </a:solidFill>
               </a14:hiddenFill>
             </a:ext>
             <a:ext uri="{91240B29-F687-4f45-9708-019B960494DF}">
-              <a14:hiddenLine xmlns:a14="http://schemas.microsoft.com/office/drawing/2010/main" xmlns="" w="9525">
+              <a14:hiddenLine xmlns="" xmlns:a14="http://schemas.microsoft.com/office/drawing/2010/main" w="9525">
                 <a:solidFill>
                   <a:srgbClr val="000000"/>
                 </a:solidFill>
@@ -2749,10 +2749,10 @@
           </a:ln>
           <a:extLst>
             <a:ext uri="{FAA26D3D-D897-4be2-8F04-BA451C77F1D7}">
-              <ma14:placeholderFlag xmlns="" xmlns:ma14="http://schemas.microsoft.com/office/mac/drawingml/2011/main" val="1"/>
+              <ma14:placeholderFlag xmlns:ma14="http://schemas.microsoft.com/office/mac/drawingml/2011/main" xmlns="" val="1"/>
             </a:ext>
             <a:ext uri="{909E8E84-426E-40dd-AFC4-6F175D3DCCD1}">
-              <a14:hiddenFill xmlns:a14="http://schemas.microsoft.com/office/drawing/2010/main" xmlns="">
+              <a14:hiddenFill xmlns="" xmlns:a14="http://schemas.microsoft.com/office/drawing/2010/main">
                 <a:solidFill>
                   <a:srgbClr val="FFFFFF"/>
                 </a:solidFill>
@@ -2775,14 +2775,14 @@
           <a:noFill/>
           <a:extLst>
             <a:ext uri="{909E8E84-426E-40dd-AFC4-6F175D3DCCD1}">
-              <a14:hiddenFill xmlns:a14="http://schemas.microsoft.com/office/drawing/2010/main" xmlns="">
+              <a14:hiddenFill xmlns="" xmlns:a14="http://schemas.microsoft.com/office/drawing/2010/main">
                 <a:solidFill>
                   <a:srgbClr val="FFFFFF"/>
                 </a:solidFill>
               </a14:hiddenFill>
             </a:ext>
             <a:ext uri="{91240B29-F687-4f45-9708-019B960494DF}">
-              <a14:hiddenLine xmlns:a14="http://schemas.microsoft.com/office/drawing/2010/main" xmlns="" w="9525">
+              <a14:hiddenLine xmlns="" xmlns:a14="http://schemas.microsoft.com/office/drawing/2010/main" w="9525">
                 <a:solidFill>
                   <a:srgbClr val="000000"/>
                 </a:solidFill>
@@ -2836,14 +2836,14 @@
           <a:noFill/>
           <a:extLst>
             <a:ext uri="{909E8E84-426E-40dd-AFC4-6F175D3DCCD1}">
-              <a14:hiddenFill xmlns:a14="http://schemas.microsoft.com/office/drawing/2010/main" xmlns="">
+              <a14:hiddenFill xmlns="" xmlns:a14="http://schemas.microsoft.com/office/drawing/2010/main">
                 <a:solidFill>
                   <a:srgbClr val="FFFFFF"/>
                 </a:solidFill>
               </a14:hiddenFill>
             </a:ext>
             <a:ext uri="{91240B29-F687-4f45-9708-019B960494DF}">
-              <a14:hiddenLine xmlns:a14="http://schemas.microsoft.com/office/drawing/2010/main" xmlns="" w="9525">
+              <a14:hiddenLine xmlns="" xmlns:a14="http://schemas.microsoft.com/office/drawing/2010/main" w="9525">
                 <a:solidFill>
                   <a:srgbClr val="000000"/>
                 </a:solidFill>
@@ -3024,10 +3024,10 @@
           </a:ln>
           <a:extLst>
             <a:ext uri="{FAA26D3D-D897-4be2-8F04-BA451C77F1D7}">
-              <ma14:placeholderFlag xmlns="" xmlns:ma14="http://schemas.microsoft.com/office/mac/drawingml/2011/main" val="1"/>
+              <ma14:placeholderFlag xmlns:ma14="http://schemas.microsoft.com/office/mac/drawingml/2011/main" xmlns="" val="1"/>
             </a:ext>
             <a:ext uri="{909E8E84-426E-40dd-AFC4-6F175D3DCCD1}">
-              <a14:hiddenFill xmlns:a14="http://schemas.microsoft.com/office/drawing/2010/main" xmlns="">
+              <a14:hiddenFill xmlns="" xmlns:a14="http://schemas.microsoft.com/office/drawing/2010/main">
                 <a:solidFill>
                   <a:srgbClr val="FFFFFF"/>
                 </a:solidFill>
@@ -3050,14 +3050,14 @@
           <a:noFill/>
           <a:extLst>
             <a:ext uri="{909E8E84-426E-40dd-AFC4-6F175D3DCCD1}">
-              <a14:hiddenFill xmlns:a14="http://schemas.microsoft.com/office/drawing/2010/main" xmlns="">
+              <a14:hiddenFill xmlns="" xmlns:a14="http://schemas.microsoft.com/office/drawing/2010/main">
                 <a:solidFill>
                   <a:srgbClr val="FFFFFF"/>
                 </a:solidFill>
               </a14:hiddenFill>
             </a:ext>
             <a:ext uri="{91240B29-F687-4f45-9708-019B960494DF}">
-              <a14:hiddenLine xmlns:a14="http://schemas.microsoft.com/office/drawing/2010/main" xmlns="" w="9525">
+              <a14:hiddenLine xmlns="" xmlns:a14="http://schemas.microsoft.com/office/drawing/2010/main" w="9525">
                 <a:solidFill>
                   <a:srgbClr val="000000"/>
                 </a:solidFill>
@@ -3099,14 +3099,14 @@
           <a:noFill/>
           <a:extLst>
             <a:ext uri="{909E8E84-426E-40dd-AFC4-6F175D3DCCD1}">
-              <a14:hiddenFill xmlns:a14="http://schemas.microsoft.com/office/drawing/2010/main" xmlns="">
+              <a14:hiddenFill xmlns="" xmlns:a14="http://schemas.microsoft.com/office/drawing/2010/main">
                 <a:solidFill>
                   <a:srgbClr val="FFFFFF"/>
                 </a:solidFill>
               </a14:hiddenFill>
             </a:ext>
             <a:ext uri="{91240B29-F687-4f45-9708-019B960494DF}">
-              <a14:hiddenLine xmlns:a14="http://schemas.microsoft.com/office/drawing/2010/main" xmlns="" w="9525">
+              <a14:hiddenLine xmlns="" xmlns:a14="http://schemas.microsoft.com/office/drawing/2010/main" w="9525">
                 <a:solidFill>
                   <a:srgbClr val="000000"/>
                 </a:solidFill>
@@ -3287,10 +3287,10 @@
           </a:ln>
           <a:extLst>
             <a:ext uri="{FAA26D3D-D897-4be2-8F04-BA451C77F1D7}">
-              <ma14:placeholderFlag xmlns="" xmlns:ma14="http://schemas.microsoft.com/office/mac/drawingml/2011/main" val="1"/>
+              <ma14:placeholderFlag xmlns:ma14="http://schemas.microsoft.com/office/mac/drawingml/2011/main" xmlns="" val="1"/>
             </a:ext>
             <a:ext uri="{909E8E84-426E-40dd-AFC4-6F175D3DCCD1}">
-              <a14:hiddenFill xmlns:a14="http://schemas.microsoft.com/office/drawing/2010/main" xmlns="">
+              <a14:hiddenFill xmlns="" xmlns:a14="http://schemas.microsoft.com/office/drawing/2010/main">
                 <a:solidFill>
                   <a:srgbClr val="FFFFFF"/>
                 </a:solidFill>
@@ -3313,14 +3313,14 @@
           <a:noFill/>
           <a:extLst>
             <a:ext uri="{909E8E84-426E-40dd-AFC4-6F175D3DCCD1}">
-              <a14:hiddenFill xmlns:a14="http://schemas.microsoft.com/office/drawing/2010/main" xmlns="">
+              <a14:hiddenFill xmlns="" xmlns:a14="http://schemas.microsoft.com/office/drawing/2010/main">
                 <a:solidFill>
                   <a:srgbClr val="FFFFFF"/>
                 </a:solidFill>
               </a14:hiddenFill>
             </a:ext>
             <a:ext uri="{91240B29-F687-4f45-9708-019B960494DF}">
-              <a14:hiddenLine xmlns:a14="http://schemas.microsoft.com/office/drawing/2010/main" xmlns="" w="9525">
+              <a14:hiddenLine xmlns="" xmlns:a14="http://schemas.microsoft.com/office/drawing/2010/main" w="9525">
                 <a:solidFill>
                   <a:srgbClr val="000000"/>
                 </a:solidFill>
@@ -3362,14 +3362,14 @@
           <a:noFill/>
           <a:extLst>
             <a:ext uri="{909E8E84-426E-40dd-AFC4-6F175D3DCCD1}">
-              <a14:hiddenFill xmlns:a14="http://schemas.microsoft.com/office/drawing/2010/main" xmlns="">
+              <a14:hiddenFill xmlns="" xmlns:a14="http://schemas.microsoft.com/office/drawing/2010/main">
                 <a:solidFill>
                   <a:srgbClr val="FFFFFF"/>
                 </a:solidFill>
               </a14:hiddenFill>
             </a:ext>
             <a:ext uri="{91240B29-F687-4f45-9708-019B960494DF}">
-              <a14:hiddenLine xmlns:a14="http://schemas.microsoft.com/office/drawing/2010/main" xmlns="" w="9525">
+              <a14:hiddenLine xmlns="" xmlns:a14="http://schemas.microsoft.com/office/drawing/2010/main" w="9525">
                 <a:solidFill>
                   <a:srgbClr val="000000"/>
                 </a:solidFill>
@@ -3550,10 +3550,10 @@
           </a:ln>
           <a:extLst>
             <a:ext uri="{FAA26D3D-D897-4be2-8F04-BA451C77F1D7}">
-              <ma14:placeholderFlag xmlns="" xmlns:ma14="http://schemas.microsoft.com/office/mac/drawingml/2011/main" val="1"/>
+              <ma14:placeholderFlag xmlns:ma14="http://schemas.microsoft.com/office/mac/drawingml/2011/main" xmlns="" val="1"/>
             </a:ext>
             <a:ext uri="{909E8E84-426E-40dd-AFC4-6F175D3DCCD1}">
-              <a14:hiddenFill xmlns:a14="http://schemas.microsoft.com/office/drawing/2010/main" xmlns="">
+              <a14:hiddenFill xmlns="" xmlns:a14="http://schemas.microsoft.com/office/drawing/2010/main">
                 <a:solidFill>
                   <a:srgbClr val="FFFFFF"/>
                 </a:solidFill>
@@ -3576,14 +3576,14 @@
           <a:noFill/>
           <a:extLst>
             <a:ext uri="{909E8E84-426E-40dd-AFC4-6F175D3DCCD1}">
-              <a14:hiddenFill xmlns:a14="http://schemas.microsoft.com/office/drawing/2010/main" xmlns="">
+              <a14:hiddenFill xmlns="" xmlns:a14="http://schemas.microsoft.com/office/drawing/2010/main">
                 <a:solidFill>
                   <a:srgbClr val="FFFFFF"/>
                 </a:solidFill>
               </a14:hiddenFill>
             </a:ext>
             <a:ext uri="{91240B29-F687-4f45-9708-019B960494DF}">
-              <a14:hiddenLine xmlns:a14="http://schemas.microsoft.com/office/drawing/2010/main" xmlns="" w="9525">
+              <a14:hiddenLine xmlns="" xmlns:a14="http://schemas.microsoft.com/office/drawing/2010/main" w="9525">
                 <a:solidFill>
                   <a:srgbClr val="000000"/>
                 </a:solidFill>
@@ -3625,14 +3625,14 @@
           <a:noFill/>
           <a:extLst>
             <a:ext uri="{909E8E84-426E-40dd-AFC4-6F175D3DCCD1}">
-              <a14:hiddenFill xmlns:a14="http://schemas.microsoft.com/office/drawing/2010/main" xmlns="">
+              <a14:hiddenFill xmlns="" xmlns:a14="http://schemas.microsoft.com/office/drawing/2010/main">
                 <a:solidFill>
                   <a:srgbClr val="FFFFFF"/>
                 </a:solidFill>
               </a14:hiddenFill>
             </a:ext>
             <a:ext uri="{91240B29-F687-4f45-9708-019B960494DF}">
-              <a14:hiddenLine xmlns:a14="http://schemas.microsoft.com/office/drawing/2010/main" xmlns="" w="9525">
+              <a14:hiddenLine xmlns="" xmlns:a14="http://schemas.microsoft.com/office/drawing/2010/main" w="9525">
                 <a:solidFill>
                   <a:srgbClr val="000000"/>
                 </a:solidFill>
@@ -3813,10 +3813,10 @@
           </a:ln>
           <a:extLst>
             <a:ext uri="{FAA26D3D-D897-4be2-8F04-BA451C77F1D7}">
-              <ma14:placeholderFlag xmlns="" xmlns:ma14="http://schemas.microsoft.com/office/mac/drawingml/2011/main" val="1"/>
+              <ma14:placeholderFlag xmlns:ma14="http://schemas.microsoft.com/office/mac/drawingml/2011/main" xmlns="" val="1"/>
             </a:ext>
             <a:ext uri="{909E8E84-426E-40dd-AFC4-6F175D3DCCD1}">
-              <a14:hiddenFill xmlns:a14="http://schemas.microsoft.com/office/drawing/2010/main" xmlns="">
+              <a14:hiddenFill xmlns="" xmlns:a14="http://schemas.microsoft.com/office/drawing/2010/main">
                 <a:solidFill>
                   <a:srgbClr val="FFFFFF"/>
                 </a:solidFill>
@@ -3839,14 +3839,14 @@
           <a:noFill/>
           <a:extLst>
             <a:ext uri="{909E8E84-426E-40dd-AFC4-6F175D3DCCD1}">
-              <a14:hiddenFill xmlns:a14="http://schemas.microsoft.com/office/drawing/2010/main" xmlns="">
+              <a14:hiddenFill xmlns="" xmlns:a14="http://schemas.microsoft.com/office/drawing/2010/main">
                 <a:solidFill>
                   <a:srgbClr val="FFFFFF"/>
                 </a:solidFill>
               </a14:hiddenFill>
             </a:ext>
             <a:ext uri="{91240B29-F687-4f45-9708-019B960494DF}">
-              <a14:hiddenLine xmlns:a14="http://schemas.microsoft.com/office/drawing/2010/main" xmlns="" w="9525">
+              <a14:hiddenLine xmlns="" xmlns:a14="http://schemas.microsoft.com/office/drawing/2010/main" w="9525">
                 <a:solidFill>
                   <a:srgbClr val="000000"/>
                 </a:solidFill>
@@ -3888,14 +3888,14 @@
           <a:noFill/>
           <a:extLst>
             <a:ext uri="{909E8E84-426E-40dd-AFC4-6F175D3DCCD1}">
-              <a14:hiddenFill xmlns:a14="http://schemas.microsoft.com/office/drawing/2010/main" xmlns="">
+              <a14:hiddenFill xmlns="" xmlns:a14="http://schemas.microsoft.com/office/drawing/2010/main">
                 <a:solidFill>
                   <a:srgbClr val="FFFFFF"/>
                 </a:solidFill>
               </a14:hiddenFill>
             </a:ext>
             <a:ext uri="{91240B29-F687-4f45-9708-019B960494DF}">
-              <a14:hiddenLine xmlns:a14="http://schemas.microsoft.com/office/drawing/2010/main" xmlns="" w="9525">
+              <a14:hiddenLine xmlns="" xmlns:a14="http://schemas.microsoft.com/office/drawing/2010/main" w="9525">
                 <a:solidFill>
                   <a:srgbClr val="000000"/>
                 </a:solidFill>
@@ -4074,10 +4074,12 @@
           </a:prstGeom>
         </p:spPr>
         <p:txBody>
-          <a:bodyPr anchor="b"/>
+          <a:bodyPr anchor="b">
+            <a:noAutofit/>
+          </a:bodyPr>
           <a:lstStyle>
             <a:lvl1pPr algn="l">
-              <a:defRPr sz="4000" baseline="0">
+              <a:defRPr sz="6000" baseline="0">
                 <a:solidFill>
                   <a:schemeClr val="tx1"/>
                 </a:solidFill>
@@ -4112,11 +4114,13 @@
           </a:prstGeom>
         </p:spPr>
         <p:txBody>
-          <a:bodyPr/>
+          <a:bodyPr>
+            <a:normAutofit/>
+          </a:bodyPr>
           <a:lstStyle>
             <a:lvl1pPr marL="0" indent="0" algn="l">
               <a:buNone/>
-              <a:defRPr sz="2000">
+              <a:defRPr sz="2400">
                 <a:solidFill>
                   <a:schemeClr val="tx1"/>
                 </a:solidFill>
@@ -4162,48 +4166,6 @@
               <a:rPr lang="en-US" dirty="0"/>
               <a:t>Subheading</a:t>
             </a:r>
-          </a:p>
-        </p:txBody>
-      </p:sp>
-      <p:sp>
-        <p:nvSpPr>
-          <p:cNvPr id="4" name="Date Placeholder 3"/>
-          <p:cNvSpPr>
-            <a:spLocks noGrp="1"/>
-          </p:cNvSpPr>
-          <p:nvPr>
-            <p:ph type="dt" sz="half" idx="10"/>
-          </p:nvPr>
-        </p:nvSpPr>
-        <p:spPr>
-          <a:xfrm>
-            <a:off x="342718" y="4797452"/>
-            <a:ext cx="2057400" cy="365125"/>
-          </a:xfrm>
-          <a:prstGeom prst="rect">
-            <a:avLst/>
-          </a:prstGeom>
-        </p:spPr>
-        <p:txBody>
-          <a:bodyPr/>
-          <a:lstStyle>
-            <a:lvl1pPr>
-              <a:defRPr sz="1600">
-                <a:solidFill>
-                  <a:schemeClr val="tx1"/>
-                </a:solidFill>
-                <a:latin typeface="+mn-lt"/>
-                <a:cs typeface="Arial" panose="020B0604020202020204" pitchFamily="34" charset="0"/>
-              </a:defRPr>
-            </a:lvl1pPr>
-          </a:lstStyle>
-          <a:p>
-            <a:fld id="{646265C4-D3EB-4033-9F2F-7AE1FCA20C43}" type="datetimeFigureOut">
-              <a:rPr lang="en-GB" smtClean="0"/>
-              <a:pPr/>
-              <a:t>26/09/2018</a:t>
-            </a:fld>
-            <a:endParaRPr lang="en-GB" dirty="0"/>
           </a:p>
         </p:txBody>
       </p:sp>
@@ -4316,7 +4278,7 @@
     </p:spTree>
     <p:extLst>
       <p:ext uri="{BB962C8B-B14F-4D97-AF65-F5344CB8AC3E}">
-        <p14:creationId xmlns:p14="http://schemas.microsoft.com/office/powerpoint/2010/main" val="2534012309"/>
+        <p14:creationId xmlns:p14="http://schemas.microsoft.com/office/powerpoint/2010/main" val="2378481269"/>
       </p:ext>
     </p:extLst>
   </p:cSld>
@@ -4490,7 +4452,7 @@
             <a:fld id="{646265C4-D3EB-4033-9F2F-7AE1FCA20C43}" type="datetimeFigureOut">
               <a:rPr lang="en-GB" smtClean="0"/>
               <a:pPr/>
-              <a:t>26/09/2018</a:t>
+              <a:t>27/09/2018</a:t>
             </a:fld>
             <a:endParaRPr lang="en-GB" dirty="0"/>
           </a:p>
@@ -4543,7 +4505,7 @@
     </p:spTree>
     <p:extLst>
       <p:ext uri="{BB962C8B-B14F-4D97-AF65-F5344CB8AC3E}">
-        <p14:creationId xmlns:p14="http://schemas.microsoft.com/office/powerpoint/2010/main" val="1254430430"/>
+        <p14:creationId xmlns:p14="http://schemas.microsoft.com/office/powerpoint/2010/main" val="773541393"/>
       </p:ext>
     </p:extLst>
   </p:cSld>
@@ -4717,7 +4679,7 @@
             <a:fld id="{646265C4-D3EB-4033-9F2F-7AE1FCA20C43}" type="datetimeFigureOut">
               <a:rPr lang="en-GB" smtClean="0"/>
               <a:pPr/>
-              <a:t>26/09/2018</a:t>
+              <a:t>27/09/2018</a:t>
             </a:fld>
             <a:endParaRPr lang="en-GB" dirty="0"/>
           </a:p>
@@ -4770,7 +4732,7 @@
     </p:spTree>
     <p:extLst>
       <p:ext uri="{BB962C8B-B14F-4D97-AF65-F5344CB8AC3E}">
-        <p14:creationId xmlns:p14="http://schemas.microsoft.com/office/powerpoint/2010/main" val="3123317895"/>
+        <p14:creationId xmlns:p14="http://schemas.microsoft.com/office/powerpoint/2010/main" val="1982858406"/>
       </p:ext>
     </p:extLst>
   </p:cSld>
@@ -6423,7 +6385,7 @@
     </p:spTree>
     <p:extLst>
       <p:ext uri="{BB962C8B-B14F-4D97-AF65-F5344CB8AC3E}">
-        <p14:creationId xmlns:p14="http://schemas.microsoft.com/office/powerpoint/2010/main" val="2419376408"/>
+        <p14:creationId xmlns:p14="http://schemas.microsoft.com/office/powerpoint/2010/main" val="27405082"/>
       </p:ext>
     </p:extLst>
   </p:cSld>
@@ -8032,7 +7994,7 @@
     </p:spTree>
     <p:extLst>
       <p:ext uri="{BB962C8B-B14F-4D97-AF65-F5344CB8AC3E}">
-        <p14:creationId xmlns:p14="http://schemas.microsoft.com/office/powerpoint/2010/main" val="78772032"/>
+        <p14:creationId xmlns:p14="http://schemas.microsoft.com/office/powerpoint/2010/main" val="2342542740"/>
       </p:ext>
     </p:extLst>
   </p:cSld>
@@ -8187,7 +8149,7 @@
     </p:spTree>
     <p:extLst>
       <p:ext uri="{BB962C8B-B14F-4D97-AF65-F5344CB8AC3E}">
-        <p14:creationId xmlns:p14="http://schemas.microsoft.com/office/powerpoint/2010/main" val="3083392217"/>
+        <p14:creationId xmlns:p14="http://schemas.microsoft.com/office/powerpoint/2010/main" val="118129257"/>
       </p:ext>
     </p:extLst>
   </p:cSld>
@@ -8315,7 +8277,7 @@
             <a:fld id="{FA908017-0343-2E4A-A971-A34E43823FE2}" type="datetimeFigureOut">
               <a:rPr lang="en-GB" smtClean="0"/>
               <a:pPr/>
-              <a:t>26/09/2018</a:t>
+              <a:t>27/09/2018</a:t>
             </a:fld>
             <a:endParaRPr lang="en-GB"/>
           </a:p>
@@ -8386,7 +8348,7 @@
     </p:spTree>
     <p:extLst>
       <p:ext uri="{BB962C8B-B14F-4D97-AF65-F5344CB8AC3E}">
-        <p14:creationId xmlns:p14="http://schemas.microsoft.com/office/powerpoint/2010/main" val="3150377924"/>
+        <p14:creationId xmlns:p14="http://schemas.microsoft.com/office/powerpoint/2010/main" val="1566688153"/>
       </p:ext>
     </p:extLst>
   </p:cSld>
@@ -8670,19 +8632,19 @@
     </p:spTree>
     <p:extLst>
       <p:ext uri="{BB962C8B-B14F-4D97-AF65-F5344CB8AC3E}">
-        <p14:creationId xmlns:p14="http://schemas.microsoft.com/office/powerpoint/2010/main" val="1398460215"/>
+        <p14:creationId xmlns:p14="http://schemas.microsoft.com/office/powerpoint/2010/main" val="339098673"/>
       </p:ext>
     </p:extLst>
   </p:cSld>
   <p:clrMap bg1="lt1" tx1="dk1" bg2="lt2" tx2="dk2" accent1="accent1" accent2="accent2" accent3="accent3" accent4="accent4" accent5="accent5" accent6="accent6" hlink="hlink" folHlink="folHlink"/>
   <p:sldLayoutIdLst>
-    <p:sldLayoutId id="2147483681" r:id="rId1"/>
-    <p:sldLayoutId id="2147483682" r:id="rId2"/>
-    <p:sldLayoutId id="2147483683" r:id="rId3"/>
-    <p:sldLayoutId id="2147483684" r:id="rId4"/>
-    <p:sldLayoutId id="2147483685" r:id="rId5"/>
-    <p:sldLayoutId id="2147483686" r:id="rId6"/>
-    <p:sldLayoutId id="2147483687" r:id="rId7"/>
+    <p:sldLayoutId id="2147483689" r:id="rId1"/>
+    <p:sldLayoutId id="2147483690" r:id="rId2"/>
+    <p:sldLayoutId id="2147483691" r:id="rId3"/>
+    <p:sldLayoutId id="2147483692" r:id="rId4"/>
+    <p:sldLayoutId id="2147483693" r:id="rId5"/>
+    <p:sldLayoutId id="2147483694" r:id="rId6"/>
+    <p:sldLayoutId id="2147483695" r:id="rId7"/>
   </p:sldLayoutIdLst>
   <p:txStyles>
     <p:titleStyle>
@@ -9003,41 +8965,41 @@
           <a:p>
             <a:pPr eaLnBrk="1" hangingPunct="1"/>
             <a:r>
-              <a:rPr lang="en-GB" dirty="0">
+              <a:rPr lang="en-GB" sz="4000" dirty="0">
                 <a:latin typeface="Calibri" charset="0"/>
               </a:rPr>
               <a:t>Managing your code: quietly introducing </a:t>
             </a:r>
             <a:r>
-              <a:rPr lang="en-GB" i="1" dirty="0">
+              <a:rPr lang="en-GB" sz="4000" i="1" dirty="0">
                 <a:latin typeface="Calibri" charset="0"/>
               </a:rPr>
               <a:t>Git</a:t>
             </a:r>
             <a:r>
-              <a:rPr lang="en-GB" dirty="0">
+              <a:rPr lang="en-GB" sz="4000" dirty="0">
                 <a:latin typeface="Calibri" charset="0"/>
               </a:rPr>
               <a:t> - a friend for </a:t>
             </a:r>
             <a:r>
-              <a:rPr lang="en-GB" dirty="0" smtClean="0">
+              <a:rPr lang="en-GB" sz="4000" dirty="0" smtClean="0">
                 <a:latin typeface="Calibri" charset="0"/>
               </a:rPr>
               <a:t>life</a:t>
             </a:r>
             <a:br>
-              <a:rPr lang="en-GB" dirty="0" smtClean="0">
+              <a:rPr lang="en-GB" sz="4000" dirty="0" smtClean="0">
                 <a:latin typeface="Calibri" charset="0"/>
               </a:rPr>
             </a:br>
             <a:r>
-              <a:rPr lang="en-GB" dirty="0" smtClean="0">
+              <a:rPr lang="en-GB" sz="4000" dirty="0" smtClean="0">
                 <a:latin typeface="Calibri" charset="0"/>
               </a:rPr>
               <a:t>Part 2</a:t>
             </a:r>
-            <a:endParaRPr lang="en-GB" dirty="0">
+            <a:endParaRPr lang="en-GB" sz="4000" dirty="0">
               <a:latin typeface="Calibri" charset="0"/>
             </a:endParaRPr>
           </a:p>
@@ -9182,6 +9144,53 @@
       </p:sp>
       <p:pic>
         <p:nvPicPr>
+          <p:cNvPr id="13315" name="Picture 4"/>
+          <p:cNvPicPr>
+            <a:picLocks noGrp="1" noChangeAspect="1" noChangeArrowheads="1"/>
+          </p:cNvPicPr>
+          <p:nvPr>
+            <p:ph idx="1"/>
+          </p:nvPr>
+        </p:nvPicPr>
+        <p:blipFill>
+          <a:blip r:embed="rId3" cstate="email">
+            <a:extLst>
+              <a:ext uri="{28A0092B-C50C-407E-A947-70E740481C1C}">
+                <a14:useLocalDpi xmlns:a14="http://schemas.microsoft.com/office/drawing/2010/main" val="0"/>
+              </a:ext>
+            </a:extLst>
+          </a:blip>
+          <a:stretch>
+            <a:fillRect/>
+          </a:stretch>
+        </p:blipFill>
+        <p:spPr>
+          <a:xfrm>
+            <a:off x="2451596" y="2035757"/>
+            <a:ext cx="4267796" cy="3029373"/>
+          </a:xfrm>
+          <a:noFill/>
+          <a:ln>
+            <a:solidFill>
+              <a:schemeClr val="tx1"/>
+            </a:solidFill>
+            <a:miter lim="800000"/>
+            <a:headEnd/>
+            <a:tailEnd/>
+          </a:ln>
+          <a:extLst>
+            <a:ext uri="{909E8E84-426E-40dd-AFC4-6F175D3DCCD1}">
+              <a14:hiddenFill xmlns="" xmlns:a14="http://schemas.microsoft.com/office/drawing/2010/main">
+                <a:solidFill>
+                  <a:schemeClr val="accent1"/>
+                </a:solidFill>
+              </a14:hiddenFill>
+            </a:ext>
+          </a:extLst>
+        </p:spPr>
+      </p:pic>
+      <p:pic>
+        <p:nvPicPr>
           <p:cNvPr id="8" name="Picture 1"/>
           <p:cNvPicPr>
             <a:picLocks noChangeAspect="1" noChangeArrowheads="1"/>
@@ -9189,7 +9198,7 @@
           <p:nvPr/>
         </p:nvPicPr>
         <p:blipFill>
-          <a:blip r:embed="rId3"/>
+          <a:blip r:embed="rId4"/>
           <a:srcRect t="14391" r="22800" b="6250"/>
           <a:stretch>
             <a:fillRect/>
@@ -9222,53 +9231,6 @@
             <a:schemeClr val="dk1"/>
           </a:fontRef>
         </p:style>
-      </p:pic>
-      <p:pic>
-        <p:nvPicPr>
-          <p:cNvPr id="13315" name="Picture 4"/>
-          <p:cNvPicPr>
-            <a:picLocks noGrp="1" noChangeAspect="1" noChangeArrowheads="1"/>
-          </p:cNvPicPr>
-          <p:nvPr>
-            <p:ph idx="1"/>
-          </p:nvPr>
-        </p:nvPicPr>
-        <p:blipFill>
-          <a:blip r:embed="rId4" cstate="email">
-            <a:extLst>
-              <a:ext uri="{28A0092B-C50C-407E-A947-70E740481C1C}">
-                <a14:useLocalDpi xmlns:a14="http://schemas.microsoft.com/office/drawing/2010/main" val="0"/>
-              </a:ext>
-            </a:extLst>
-          </a:blip>
-          <a:stretch>
-            <a:fillRect/>
-          </a:stretch>
-        </p:blipFill>
-        <p:spPr>
-          <a:xfrm>
-            <a:off x="4415439" y="2876764"/>
-            <a:ext cx="4272931" cy="3031298"/>
-          </a:xfrm>
-          <a:noFill/>
-          <a:ln>
-            <a:solidFill>
-              <a:schemeClr val="tx1"/>
-            </a:solidFill>
-            <a:miter lim="800000"/>
-            <a:headEnd/>
-            <a:tailEnd/>
-          </a:ln>
-          <a:extLst>
-            <a:ext uri="{909E8E84-426E-40dd-AFC4-6F175D3DCCD1}">
-              <a14:hiddenFill xmlns:a14="http://schemas.microsoft.com/office/drawing/2010/main" xmlns="">
-                <a:solidFill>
-                  <a:schemeClr val="accent1"/>
-                </a:solidFill>
-              </a14:hiddenFill>
-            </a:ext>
-          </a:extLst>
-        </p:spPr>
       </p:pic>
     </p:spTree>
   </p:cSld>
@@ -9358,7 +9320,7 @@
           </a:ln>
           <a:extLst>
             <a:ext uri="{909E8E84-426E-40dd-AFC4-6F175D3DCCD1}">
-              <a14:hiddenFill xmlns:a14="http://schemas.microsoft.com/office/drawing/2010/main" xmlns="">
+              <a14:hiddenFill xmlns="" xmlns:a14="http://schemas.microsoft.com/office/drawing/2010/main">
                 <a:solidFill>
                   <a:schemeClr val="accent1"/>
                 </a:solidFill>
@@ -9455,7 +9417,7 @@
           </a:ln>
           <a:extLst>
             <a:ext uri="{909E8E84-426E-40dd-AFC4-6F175D3DCCD1}">
-              <a14:hiddenFill xmlns:a14="http://schemas.microsoft.com/office/drawing/2010/main" xmlns="">
+              <a14:hiddenFill xmlns="" xmlns:a14="http://schemas.microsoft.com/office/drawing/2010/main">
                 <a:solidFill>
                   <a:schemeClr val="accent1"/>
                 </a:solidFill>
@@ -9558,10 +9520,10 @@
           </a:ln>
           <a:extLst>
             <a:ext uri="{FAA26D3D-D897-4be2-8F04-BA451C77F1D7}">
-              <ma14:placeholderFlag xmlns="" xmlns:ma14="http://schemas.microsoft.com/office/mac/drawingml/2011/main" val="1"/>
+              <ma14:placeholderFlag xmlns:ma14="http://schemas.microsoft.com/office/mac/drawingml/2011/main" xmlns="" val="1"/>
             </a:ext>
             <a:ext uri="{909E8E84-426E-40dd-AFC4-6F175D3DCCD1}">
-              <a14:hiddenFill xmlns:a14="http://schemas.microsoft.com/office/drawing/2010/main" xmlns="">
+              <a14:hiddenFill xmlns="" xmlns:a14="http://schemas.microsoft.com/office/drawing/2010/main">
                 <a:solidFill>
                   <a:schemeClr val="accent1"/>
                 </a:solidFill>
@@ -9924,7 +9886,7 @@
           </a:ln>
           <a:extLst>
             <a:ext uri="{909E8E84-426E-40dd-AFC4-6F175D3DCCD1}">
-              <a14:hiddenFill xmlns:a14="http://schemas.microsoft.com/office/drawing/2010/main" xmlns="">
+              <a14:hiddenFill xmlns="" xmlns:a14="http://schemas.microsoft.com/office/drawing/2010/main">
                 <a:solidFill>
                   <a:schemeClr val="accent1"/>
                 </a:solidFill>
@@ -10632,27 +10594,7 @@
                 <a:latin typeface="Courier New" panose="02070309020205020404" pitchFamily="49" charset="0"/>
                 <a:cs typeface="Courier New" panose="02070309020205020404" pitchFamily="49" charset="0"/>
               </a:rPr>
-              <a:t> </a:t>
-            </a:r>
-            <a:r>
-              <a:rPr lang="en-US" sz="1800" b="1" dirty="0" smtClean="0">
-                <a:solidFill>
-                  <a:srgbClr val="FFFF00"/>
-                </a:solidFill>
-                <a:latin typeface="Courier New" panose="02070309020205020404" pitchFamily="49" charset="0"/>
-                <a:cs typeface="Courier New" panose="02070309020205020404" pitchFamily="49" charset="0"/>
-              </a:rPr>
-              <a:t>commit from existing </a:t>
-            </a:r>
-            <a:r>
-              <a:rPr lang="en-US" sz="1800" b="1" dirty="0" smtClean="0">
-                <a:solidFill>
-                  <a:srgbClr val="FFFF00"/>
-                </a:solidFill>
-                <a:latin typeface="Courier New" panose="02070309020205020404" pitchFamily="49" charset="0"/>
-                <a:cs typeface="Courier New" panose="02070309020205020404" pitchFamily="49" charset="0"/>
-              </a:rPr>
-              <a:t>files'</a:t>
+              <a:t> commit from existing files'</a:t>
             </a:r>
             <a:endParaRPr lang="en-US" sz="1800" b="1" dirty="0">
               <a:solidFill>
@@ -11738,14 +11680,14 @@
           </a:ln>
           <a:extLst>
             <a:ext uri="{909E8E84-426E-40dd-AFC4-6F175D3DCCD1}">
-              <a14:hiddenFill xmlns:a14="http://schemas.microsoft.com/office/drawing/2010/main" xmlns="">
+              <a14:hiddenFill xmlns="" xmlns:a14="http://schemas.microsoft.com/office/drawing/2010/main">
                 <a:solidFill>
                   <a:srgbClr val="FFFFFF"/>
                 </a:solidFill>
               </a14:hiddenFill>
             </a:ext>
             <a:ext uri="{91240B29-F687-4f45-9708-019B960494DF}">
-              <a14:hiddenLine xmlns:a14="http://schemas.microsoft.com/office/drawing/2010/main" xmlns="" w="9525">
+              <a14:hiddenLine xmlns="" xmlns:a14="http://schemas.microsoft.com/office/drawing/2010/main" w="9525">
                 <a:solidFill>
                   <a:srgbClr val="000000"/>
                 </a:solidFill>
@@ -13149,17 +13091,17 @@
           </a:ln>
           <a:extLst>
             <a:ext uri="{FAA26D3D-D897-4be2-8F04-BA451C77F1D7}">
-              <ma14:placeholderFlag xmlns="" xmlns:ma14="http://schemas.microsoft.com/office/mac/drawingml/2011/main" val="1"/>
+              <ma14:placeholderFlag xmlns:ma14="http://schemas.microsoft.com/office/mac/drawingml/2011/main" xmlns="" val="1"/>
             </a:ext>
             <a:ext uri="{909E8E84-426E-40dd-AFC4-6F175D3DCCD1}">
-              <a14:hiddenFill xmlns:a14="http://schemas.microsoft.com/office/drawing/2010/main" xmlns="">
+              <a14:hiddenFill xmlns="" xmlns:a14="http://schemas.microsoft.com/office/drawing/2010/main">
                 <a:solidFill>
                   <a:srgbClr val="FFFFFF"/>
                 </a:solidFill>
               </a14:hiddenFill>
             </a:ext>
             <a:ext uri="{91240B29-F687-4f45-9708-019B960494DF}">
-              <a14:hiddenLine xmlns:a14="http://schemas.microsoft.com/office/drawing/2010/main" xmlns="" w="9525">
+              <a14:hiddenLine xmlns="" xmlns:a14="http://schemas.microsoft.com/office/drawing/2010/main" w="9525">
                 <a:solidFill>
                   <a:srgbClr val="000000"/>
                 </a:solidFill>
@@ -18505,17 +18447,17 @@
           </a:prstGeom>
           <a:extLst>
             <a:ext uri="{FAA26D3D-D897-4be2-8F04-BA451C77F1D7}">
-              <ma14:placeholderFlag xmlns="" xmlns:ma14="http://schemas.microsoft.com/office/mac/drawingml/2011/main" val="1"/>
+              <ma14:placeholderFlag xmlns:ma14="http://schemas.microsoft.com/office/mac/drawingml/2011/main" xmlns="" val="1"/>
             </a:ext>
             <a:ext uri="{909E8E84-426E-40dd-AFC4-6F175D3DCCD1}">
-              <a14:hiddenFill xmlns:a14="http://schemas.microsoft.com/office/drawing/2010/main" xmlns="">
+              <a14:hiddenFill xmlns="" xmlns:a14="http://schemas.microsoft.com/office/drawing/2010/main">
                 <a:solidFill>
                   <a:srgbClr val="FFFFFF"/>
                 </a:solidFill>
               </a14:hiddenFill>
             </a:ext>
             <a:ext uri="{91240B29-F687-4f45-9708-019B960494DF}">
-              <a14:hiddenLine xmlns:a14="http://schemas.microsoft.com/office/drawing/2010/main" xmlns="" w="9525">
+              <a14:hiddenLine xmlns="" xmlns:a14="http://schemas.microsoft.com/office/drawing/2010/main" w="9525">
                 <a:solidFill>
                   <a:srgbClr val="000000"/>
                 </a:solidFill>
@@ -18819,14 +18761,14 @@
           </a:ln>
           <a:extLst>
             <a:ext uri="{909E8E84-426E-40dd-AFC4-6F175D3DCCD1}">
-              <a14:hiddenFill xmlns:a14="http://schemas.microsoft.com/office/drawing/2010/main" xmlns="">
+              <a14:hiddenFill xmlns="" xmlns:a14="http://schemas.microsoft.com/office/drawing/2010/main">
                 <a:solidFill>
                   <a:srgbClr val="FFFFFF"/>
                 </a:solidFill>
               </a14:hiddenFill>
             </a:ext>
             <a:ext uri="{91240B29-F687-4f45-9708-019B960494DF}">
-              <a14:hiddenLine xmlns:a14="http://schemas.microsoft.com/office/drawing/2010/main" xmlns="" w="9525">
+              <a14:hiddenLine xmlns="" xmlns:a14="http://schemas.microsoft.com/office/drawing/2010/main" w="9525">
                 <a:solidFill>
                   <a:srgbClr val="000000"/>
                 </a:solidFill>
@@ -19167,14 +19109,14 @@
           </a:ln>
           <a:extLst>
             <a:ext uri="{909E8E84-426E-40dd-AFC4-6F175D3DCCD1}">
-              <a14:hiddenFill xmlns:a14="http://schemas.microsoft.com/office/drawing/2010/main" xmlns="">
+              <a14:hiddenFill xmlns="" xmlns:a14="http://schemas.microsoft.com/office/drawing/2010/main">
                 <a:solidFill>
                   <a:srgbClr val="FFFFFF"/>
                 </a:solidFill>
               </a14:hiddenFill>
             </a:ext>
             <a:ext uri="{91240B29-F687-4f45-9708-019B960494DF}">
-              <a14:hiddenLine xmlns:a14="http://schemas.microsoft.com/office/drawing/2010/main" xmlns="" w="9525">
+              <a14:hiddenLine xmlns="" xmlns:a14="http://schemas.microsoft.com/office/drawing/2010/main" w="9525">
                 <a:solidFill>
                   <a:srgbClr val="000000"/>
                 </a:solidFill>
@@ -20823,14 +20765,14 @@
           </a:ln>
           <a:extLst>
             <a:ext uri="{909E8E84-426E-40dd-AFC4-6F175D3DCCD1}">
-              <a14:hiddenFill xmlns:a14="http://schemas.microsoft.com/office/drawing/2010/main" xmlns="">
+              <a14:hiddenFill xmlns="" xmlns:a14="http://schemas.microsoft.com/office/drawing/2010/main">
                 <a:solidFill>
                   <a:srgbClr val="FFFFFF"/>
                 </a:solidFill>
               </a14:hiddenFill>
             </a:ext>
             <a:ext uri="{91240B29-F687-4f45-9708-019B960494DF}">
-              <a14:hiddenLine xmlns:a14="http://schemas.microsoft.com/office/drawing/2010/main" xmlns="" w="9525">
+              <a14:hiddenLine xmlns="" xmlns:a14="http://schemas.microsoft.com/office/drawing/2010/main" w="9525">
                 <a:solidFill>
                   <a:srgbClr val="000000"/>
                 </a:solidFill>
@@ -21093,7 +21035,7 @@
           </a:ln>
           <a:extLst>
             <a:ext uri="{909E8E84-426E-40dd-AFC4-6F175D3DCCD1}">
-              <a14:hiddenFill xmlns:a14="http://schemas.microsoft.com/office/drawing/2010/main" xmlns="">
+              <a14:hiddenFill xmlns="" xmlns:a14="http://schemas.microsoft.com/office/drawing/2010/main">
                 <a:solidFill>
                   <a:schemeClr val="accent1"/>
                 </a:solidFill>
@@ -21175,8 +21117,8 @@
         </p:blipFill>
         <p:spPr>
           <a:xfrm>
-            <a:off x="1524667" y="1374775"/>
-            <a:ext cx="6121654" cy="4351338"/>
+            <a:off x="1537068" y="1383204"/>
+            <a:ext cx="6096851" cy="4334480"/>
           </a:xfrm>
           <a:noFill/>
           <a:ln>
@@ -21189,7 +21131,7 @@
           </a:ln>
           <a:extLst>
             <a:ext uri="{909E8E84-426E-40dd-AFC4-6F175D3DCCD1}">
-              <a14:hiddenFill xmlns:a14="http://schemas.microsoft.com/office/drawing/2010/main" xmlns="">
+              <a14:hiddenFill xmlns="" xmlns:a14="http://schemas.microsoft.com/office/drawing/2010/main">
                 <a:solidFill>
                   <a:schemeClr val="accent1"/>
                 </a:solidFill>
@@ -21461,7 +21403,7 @@
   <a:extraClrSchemeLst/>
   <a:extLst>
     <a:ext uri="{05A4C25C-085E-4340-85A3-A5531E510DB2}">
-      <thm15:themeFamily xmlns:thm15="http://schemas.microsoft.com/office/thememl/2012/main" name="UKRI-stfc-nerc-ceda-ncas-nceo-Presentation-Template.pptx" id="{16196DC8-0494-474D-9935-E7D06E7DAD21}" vid="{73A0A59C-1B13-40E9-B94A-99F65E47A944}"/>
+      <thm15:themeFamily xmlns:thm15="http://schemas.microsoft.com/office/thememl/2012/main" name="UKRI-stfc-nerc-ceda-ncas-nceo-Presentation-Template.pptx" id="{3736A5D0-76B6-4662-A043-28C0DDEBD04C}" vid="{B185B2AC-9719-4A75-B66D-4B9C98123E3E}"/>
     </a:ext>
   </a:extLst>
 </a:theme>

--- a/shell/presentations/01_git2.pptx
+++ b/shell/presentations/01_git2.pptx
@@ -5,49 +5,50 @@
     <p:sldMasterId id="2147483688" r:id="rId1"/>
   </p:sldMasterIdLst>
   <p:notesMasterIdLst>
-    <p:notesMasterId r:id="rId42"/>
+    <p:notesMasterId r:id="rId43"/>
   </p:notesMasterIdLst>
   <p:sldIdLst>
     <p:sldId id="256" r:id="rId2"/>
-    <p:sldId id="265" r:id="rId3"/>
-    <p:sldId id="271" r:id="rId4"/>
-    <p:sldId id="487" r:id="rId5"/>
-    <p:sldId id="472" r:id="rId6"/>
-    <p:sldId id="540" r:id="rId7"/>
-    <p:sldId id="500" r:id="rId8"/>
-    <p:sldId id="524" r:id="rId9"/>
-    <p:sldId id="525" r:id="rId10"/>
-    <p:sldId id="526" r:id="rId11"/>
-    <p:sldId id="527" r:id="rId12"/>
-    <p:sldId id="528" r:id="rId13"/>
-    <p:sldId id="529" r:id="rId14"/>
-    <p:sldId id="539" r:id="rId15"/>
-    <p:sldId id="531" r:id="rId16"/>
-    <p:sldId id="546" r:id="rId17"/>
-    <p:sldId id="547" r:id="rId18"/>
-    <p:sldId id="520" r:id="rId19"/>
-    <p:sldId id="516" r:id="rId20"/>
-    <p:sldId id="517" r:id="rId21"/>
-    <p:sldId id="521" r:id="rId22"/>
-    <p:sldId id="541" r:id="rId23"/>
-    <p:sldId id="542" r:id="rId24"/>
-    <p:sldId id="543" r:id="rId25"/>
-    <p:sldId id="544" r:id="rId26"/>
-    <p:sldId id="545" r:id="rId27"/>
-    <p:sldId id="548" r:id="rId28"/>
-    <p:sldId id="550" r:id="rId29"/>
-    <p:sldId id="551" r:id="rId30"/>
-    <p:sldId id="552" r:id="rId31"/>
-    <p:sldId id="553" r:id="rId32"/>
-    <p:sldId id="554" r:id="rId33"/>
-    <p:sldId id="549" r:id="rId34"/>
-    <p:sldId id="496" r:id="rId35"/>
-    <p:sldId id="492" r:id="rId36"/>
-    <p:sldId id="491" r:id="rId37"/>
-    <p:sldId id="264" r:id="rId38"/>
-    <p:sldId id="522" r:id="rId39"/>
-    <p:sldId id="488" r:id="rId40"/>
-    <p:sldId id="499" r:id="rId41"/>
+    <p:sldId id="555" r:id="rId3"/>
+    <p:sldId id="265" r:id="rId4"/>
+    <p:sldId id="271" r:id="rId5"/>
+    <p:sldId id="487" r:id="rId6"/>
+    <p:sldId id="472" r:id="rId7"/>
+    <p:sldId id="540" r:id="rId8"/>
+    <p:sldId id="500" r:id="rId9"/>
+    <p:sldId id="524" r:id="rId10"/>
+    <p:sldId id="525" r:id="rId11"/>
+    <p:sldId id="526" r:id="rId12"/>
+    <p:sldId id="527" r:id="rId13"/>
+    <p:sldId id="528" r:id="rId14"/>
+    <p:sldId id="529" r:id="rId15"/>
+    <p:sldId id="539" r:id="rId16"/>
+    <p:sldId id="531" r:id="rId17"/>
+    <p:sldId id="546" r:id="rId18"/>
+    <p:sldId id="547" r:id="rId19"/>
+    <p:sldId id="520" r:id="rId20"/>
+    <p:sldId id="516" r:id="rId21"/>
+    <p:sldId id="517" r:id="rId22"/>
+    <p:sldId id="521" r:id="rId23"/>
+    <p:sldId id="541" r:id="rId24"/>
+    <p:sldId id="542" r:id="rId25"/>
+    <p:sldId id="543" r:id="rId26"/>
+    <p:sldId id="544" r:id="rId27"/>
+    <p:sldId id="545" r:id="rId28"/>
+    <p:sldId id="548" r:id="rId29"/>
+    <p:sldId id="550" r:id="rId30"/>
+    <p:sldId id="551" r:id="rId31"/>
+    <p:sldId id="552" r:id="rId32"/>
+    <p:sldId id="553" r:id="rId33"/>
+    <p:sldId id="554" r:id="rId34"/>
+    <p:sldId id="549" r:id="rId35"/>
+    <p:sldId id="496" r:id="rId36"/>
+    <p:sldId id="492" r:id="rId37"/>
+    <p:sldId id="491" r:id="rId38"/>
+    <p:sldId id="264" r:id="rId39"/>
+    <p:sldId id="522" r:id="rId40"/>
+    <p:sldId id="488" r:id="rId41"/>
+    <p:sldId id="499" r:id="rId42"/>
   </p:sldIdLst>
   <p:sldSz cx="9144000" cy="6858000" type="screen4x3"/>
   <p:notesSz cx="6858000" cy="9144000"/>
@@ -292,7 +293,7 @@
             <a:fld id="{17F80633-BAA2-0049-BDEC-E483C21777A6}" type="datetimeFigureOut">
               <a:rPr lang="en-GB"/>
               <a:pPr/>
-              <a:t>27/09/2018</a:t>
+              <a:t>03/10/2018</a:t>
             </a:fld>
             <a:endParaRPr lang="en-GB"/>
           </a:p>
@@ -644,10 +645,10 @@
           </a:ln>
           <a:extLst>
             <a:ext uri="{FAA26D3D-D897-4be2-8F04-BA451C77F1D7}">
-              <ma14:placeholderFlag xmlns:ma14="http://schemas.microsoft.com/office/mac/drawingml/2011/main" xmlns="" val="1"/>
+              <ma14:placeholderFlag xmlns="" xmlns:ma14="http://schemas.microsoft.com/office/mac/drawingml/2011/main" val="1"/>
             </a:ext>
             <a:ext uri="{909E8E84-426E-40dd-AFC4-6F175D3DCCD1}">
-              <a14:hiddenFill xmlns="" xmlns:a14="http://schemas.microsoft.com/office/drawing/2010/main">
+              <a14:hiddenFill xmlns:a14="http://schemas.microsoft.com/office/drawing/2010/main" xmlns="">
                 <a:solidFill>
                   <a:srgbClr val="FFFFFF"/>
                 </a:solidFill>
@@ -670,14 +671,14 @@
           <a:noFill/>
           <a:extLst>
             <a:ext uri="{909E8E84-426E-40dd-AFC4-6F175D3DCCD1}">
-              <a14:hiddenFill xmlns="" xmlns:a14="http://schemas.microsoft.com/office/drawing/2010/main">
+              <a14:hiddenFill xmlns:a14="http://schemas.microsoft.com/office/drawing/2010/main" xmlns="">
                 <a:solidFill>
                   <a:srgbClr val="FFFFFF"/>
                 </a:solidFill>
               </a14:hiddenFill>
             </a:ext>
             <a:ext uri="{91240B29-F687-4f45-9708-019B960494DF}">
-              <a14:hiddenLine xmlns="" xmlns:a14="http://schemas.microsoft.com/office/drawing/2010/main" w="9525">
+              <a14:hiddenLine xmlns:a14="http://schemas.microsoft.com/office/drawing/2010/main" xmlns="" w="9525">
                 <a:solidFill>
                   <a:srgbClr val="000000"/>
                 </a:solidFill>
@@ -719,14 +720,14 @@
           <a:noFill/>
           <a:extLst>
             <a:ext uri="{909E8E84-426E-40dd-AFC4-6F175D3DCCD1}">
-              <a14:hiddenFill xmlns="" xmlns:a14="http://schemas.microsoft.com/office/drawing/2010/main">
+              <a14:hiddenFill xmlns:a14="http://schemas.microsoft.com/office/drawing/2010/main" xmlns="">
                 <a:solidFill>
                   <a:srgbClr val="FFFFFF"/>
                 </a:solidFill>
               </a14:hiddenFill>
             </a:ext>
             <a:ext uri="{91240B29-F687-4f45-9708-019B960494DF}">
-              <a14:hiddenLine xmlns="" xmlns:a14="http://schemas.microsoft.com/office/drawing/2010/main" w="9525">
+              <a14:hiddenLine xmlns:a14="http://schemas.microsoft.com/office/drawing/2010/main" xmlns="" w="9525">
                 <a:solidFill>
                   <a:srgbClr val="000000"/>
                 </a:solidFill>
@@ -852,7 +853,7 @@
                 <a:latin typeface="Arial" charset="0"/>
               </a:rPr>
               <a:pPr/>
-              <a:t>4</a:t>
+              <a:t>5</a:t>
             </a:fld>
             <a:endParaRPr lang="en-GB">
               <a:latin typeface="Arial" charset="0"/>
@@ -907,10 +908,10 @@
           </a:ln>
           <a:extLst>
             <a:ext uri="{FAA26D3D-D897-4be2-8F04-BA451C77F1D7}">
-              <ma14:placeholderFlag xmlns:ma14="http://schemas.microsoft.com/office/mac/drawingml/2011/main" xmlns="" val="1"/>
+              <ma14:placeholderFlag xmlns="" xmlns:ma14="http://schemas.microsoft.com/office/mac/drawingml/2011/main" val="1"/>
             </a:ext>
             <a:ext uri="{909E8E84-426E-40dd-AFC4-6F175D3DCCD1}">
-              <a14:hiddenFill xmlns="" xmlns:a14="http://schemas.microsoft.com/office/drawing/2010/main">
+              <a14:hiddenFill xmlns:a14="http://schemas.microsoft.com/office/drawing/2010/main" xmlns="">
                 <a:solidFill>
                   <a:srgbClr val="FFFFFF"/>
                 </a:solidFill>
@@ -933,14 +934,14 @@
           <a:noFill/>
           <a:extLst>
             <a:ext uri="{909E8E84-426E-40dd-AFC4-6F175D3DCCD1}">
-              <a14:hiddenFill xmlns="" xmlns:a14="http://schemas.microsoft.com/office/drawing/2010/main">
+              <a14:hiddenFill xmlns:a14="http://schemas.microsoft.com/office/drawing/2010/main" xmlns="">
                 <a:solidFill>
                   <a:srgbClr val="FFFFFF"/>
                 </a:solidFill>
               </a14:hiddenFill>
             </a:ext>
             <a:ext uri="{91240B29-F687-4f45-9708-019B960494DF}">
-              <a14:hiddenLine xmlns="" xmlns:a14="http://schemas.microsoft.com/office/drawing/2010/main" w="9525">
+              <a14:hiddenLine xmlns:a14="http://schemas.microsoft.com/office/drawing/2010/main" xmlns="" w="9525">
                 <a:solidFill>
                   <a:srgbClr val="000000"/>
                 </a:solidFill>
@@ -982,14 +983,14 @@
           <a:noFill/>
           <a:extLst>
             <a:ext uri="{909E8E84-426E-40dd-AFC4-6F175D3DCCD1}">
-              <a14:hiddenFill xmlns="" xmlns:a14="http://schemas.microsoft.com/office/drawing/2010/main">
+              <a14:hiddenFill xmlns:a14="http://schemas.microsoft.com/office/drawing/2010/main" xmlns="">
                 <a:solidFill>
                   <a:srgbClr val="FFFFFF"/>
                 </a:solidFill>
               </a14:hiddenFill>
             </a:ext>
             <a:ext uri="{91240B29-F687-4f45-9708-019B960494DF}">
-              <a14:hiddenLine xmlns="" xmlns:a14="http://schemas.microsoft.com/office/drawing/2010/main" w="9525">
+              <a14:hiddenLine xmlns:a14="http://schemas.microsoft.com/office/drawing/2010/main" xmlns="" w="9525">
                 <a:solidFill>
                   <a:srgbClr val="000000"/>
                 </a:solidFill>
@@ -1115,7 +1116,7 @@
                 <a:latin typeface="Arial" charset="0"/>
               </a:rPr>
               <a:pPr/>
-              <a:t>34</a:t>
+              <a:t>35</a:t>
             </a:fld>
             <a:endParaRPr lang="en-GB">
               <a:latin typeface="Arial" charset="0"/>
@@ -1170,10 +1171,10 @@
           </a:ln>
           <a:extLst>
             <a:ext uri="{FAA26D3D-D897-4be2-8F04-BA451C77F1D7}">
-              <ma14:placeholderFlag xmlns:ma14="http://schemas.microsoft.com/office/mac/drawingml/2011/main" xmlns="" val="1"/>
+              <ma14:placeholderFlag xmlns="" xmlns:ma14="http://schemas.microsoft.com/office/mac/drawingml/2011/main" val="1"/>
             </a:ext>
             <a:ext uri="{909E8E84-426E-40dd-AFC4-6F175D3DCCD1}">
-              <a14:hiddenFill xmlns="" xmlns:a14="http://schemas.microsoft.com/office/drawing/2010/main">
+              <a14:hiddenFill xmlns:a14="http://schemas.microsoft.com/office/drawing/2010/main" xmlns="">
                 <a:solidFill>
                   <a:srgbClr val="FFFFFF"/>
                 </a:solidFill>
@@ -1196,14 +1197,14 @@
           <a:noFill/>
           <a:extLst>
             <a:ext uri="{909E8E84-426E-40dd-AFC4-6F175D3DCCD1}">
-              <a14:hiddenFill xmlns="" xmlns:a14="http://schemas.microsoft.com/office/drawing/2010/main">
+              <a14:hiddenFill xmlns:a14="http://schemas.microsoft.com/office/drawing/2010/main" xmlns="">
                 <a:solidFill>
                   <a:srgbClr val="FFFFFF"/>
                 </a:solidFill>
               </a14:hiddenFill>
             </a:ext>
             <a:ext uri="{91240B29-F687-4f45-9708-019B960494DF}">
-              <a14:hiddenLine xmlns="" xmlns:a14="http://schemas.microsoft.com/office/drawing/2010/main" w="9525">
+              <a14:hiddenLine xmlns:a14="http://schemas.microsoft.com/office/drawing/2010/main" xmlns="" w="9525">
                 <a:solidFill>
                   <a:srgbClr val="000000"/>
                 </a:solidFill>
@@ -1245,14 +1246,14 @@
           <a:noFill/>
           <a:extLst>
             <a:ext uri="{909E8E84-426E-40dd-AFC4-6F175D3DCCD1}">
-              <a14:hiddenFill xmlns="" xmlns:a14="http://schemas.microsoft.com/office/drawing/2010/main">
+              <a14:hiddenFill xmlns:a14="http://schemas.microsoft.com/office/drawing/2010/main" xmlns="">
                 <a:solidFill>
                   <a:srgbClr val="FFFFFF"/>
                 </a:solidFill>
               </a14:hiddenFill>
             </a:ext>
             <a:ext uri="{91240B29-F687-4f45-9708-019B960494DF}">
-              <a14:hiddenLine xmlns="" xmlns:a14="http://schemas.microsoft.com/office/drawing/2010/main" w="9525">
+              <a14:hiddenLine xmlns:a14="http://schemas.microsoft.com/office/drawing/2010/main" xmlns="" w="9525">
                 <a:solidFill>
                   <a:srgbClr val="000000"/>
                 </a:solidFill>
@@ -1378,7 +1379,7 @@
                 <a:latin typeface="Arial" charset="0"/>
               </a:rPr>
               <a:pPr/>
-              <a:t>35</a:t>
+              <a:t>36</a:t>
             </a:fld>
             <a:endParaRPr lang="en-GB">
               <a:latin typeface="Arial" charset="0"/>
@@ -1433,10 +1434,10 @@
           </a:ln>
           <a:extLst>
             <a:ext uri="{FAA26D3D-D897-4be2-8F04-BA451C77F1D7}">
-              <ma14:placeholderFlag xmlns:ma14="http://schemas.microsoft.com/office/mac/drawingml/2011/main" xmlns="" val="1"/>
+              <ma14:placeholderFlag xmlns="" xmlns:ma14="http://schemas.microsoft.com/office/mac/drawingml/2011/main" val="1"/>
             </a:ext>
             <a:ext uri="{909E8E84-426E-40dd-AFC4-6F175D3DCCD1}">
-              <a14:hiddenFill xmlns="" xmlns:a14="http://schemas.microsoft.com/office/drawing/2010/main">
+              <a14:hiddenFill xmlns:a14="http://schemas.microsoft.com/office/drawing/2010/main" xmlns="">
                 <a:solidFill>
                   <a:srgbClr val="FFFFFF"/>
                 </a:solidFill>
@@ -1459,14 +1460,14 @@
           <a:noFill/>
           <a:extLst>
             <a:ext uri="{909E8E84-426E-40dd-AFC4-6F175D3DCCD1}">
-              <a14:hiddenFill xmlns="" xmlns:a14="http://schemas.microsoft.com/office/drawing/2010/main">
+              <a14:hiddenFill xmlns:a14="http://schemas.microsoft.com/office/drawing/2010/main" xmlns="">
                 <a:solidFill>
                   <a:srgbClr val="FFFFFF"/>
                 </a:solidFill>
               </a14:hiddenFill>
             </a:ext>
             <a:ext uri="{91240B29-F687-4f45-9708-019B960494DF}">
-              <a14:hiddenLine xmlns="" xmlns:a14="http://schemas.microsoft.com/office/drawing/2010/main" w="9525">
+              <a14:hiddenLine xmlns:a14="http://schemas.microsoft.com/office/drawing/2010/main" xmlns="" w="9525">
                 <a:solidFill>
                   <a:srgbClr val="000000"/>
                 </a:solidFill>
@@ -1508,14 +1509,14 @@
           <a:noFill/>
           <a:extLst>
             <a:ext uri="{909E8E84-426E-40dd-AFC4-6F175D3DCCD1}">
-              <a14:hiddenFill xmlns="" xmlns:a14="http://schemas.microsoft.com/office/drawing/2010/main">
+              <a14:hiddenFill xmlns:a14="http://schemas.microsoft.com/office/drawing/2010/main" xmlns="">
                 <a:solidFill>
                   <a:srgbClr val="FFFFFF"/>
                 </a:solidFill>
               </a14:hiddenFill>
             </a:ext>
             <a:ext uri="{91240B29-F687-4f45-9708-019B960494DF}">
-              <a14:hiddenLine xmlns="" xmlns:a14="http://schemas.microsoft.com/office/drawing/2010/main" w="9525">
+              <a14:hiddenLine xmlns:a14="http://schemas.microsoft.com/office/drawing/2010/main" xmlns="" w="9525">
                 <a:solidFill>
                   <a:srgbClr val="000000"/>
                 </a:solidFill>
@@ -1641,7 +1642,7 @@
                 <a:latin typeface="Arial" charset="0"/>
               </a:rPr>
               <a:pPr/>
-              <a:t>36</a:t>
+              <a:t>37</a:t>
             </a:fld>
             <a:endParaRPr lang="en-GB">
               <a:latin typeface="Arial" charset="0"/>
@@ -1696,10 +1697,10 @@
           </a:ln>
           <a:extLst>
             <a:ext uri="{FAA26D3D-D897-4be2-8F04-BA451C77F1D7}">
-              <ma14:placeholderFlag xmlns:ma14="http://schemas.microsoft.com/office/mac/drawingml/2011/main" xmlns="" val="1"/>
+              <ma14:placeholderFlag xmlns="" xmlns:ma14="http://schemas.microsoft.com/office/mac/drawingml/2011/main" val="1"/>
             </a:ext>
             <a:ext uri="{909E8E84-426E-40dd-AFC4-6F175D3DCCD1}">
-              <a14:hiddenFill xmlns="" xmlns:a14="http://schemas.microsoft.com/office/drawing/2010/main">
+              <a14:hiddenFill xmlns:a14="http://schemas.microsoft.com/office/drawing/2010/main" xmlns="">
                 <a:solidFill>
                   <a:srgbClr val="FFFFFF"/>
                 </a:solidFill>
@@ -1722,14 +1723,14 @@
           <a:noFill/>
           <a:extLst>
             <a:ext uri="{909E8E84-426E-40dd-AFC4-6F175D3DCCD1}">
-              <a14:hiddenFill xmlns="" xmlns:a14="http://schemas.microsoft.com/office/drawing/2010/main">
+              <a14:hiddenFill xmlns:a14="http://schemas.microsoft.com/office/drawing/2010/main" xmlns="">
                 <a:solidFill>
                   <a:srgbClr val="FFFFFF"/>
                 </a:solidFill>
               </a14:hiddenFill>
             </a:ext>
             <a:ext uri="{91240B29-F687-4f45-9708-019B960494DF}">
-              <a14:hiddenLine xmlns="" xmlns:a14="http://schemas.microsoft.com/office/drawing/2010/main" w="9525">
+              <a14:hiddenLine xmlns:a14="http://schemas.microsoft.com/office/drawing/2010/main" xmlns="" w="9525">
                 <a:solidFill>
                   <a:srgbClr val="000000"/>
                 </a:solidFill>
@@ -1772,14 +1773,14 @@
           <a:noFill/>
           <a:extLst>
             <a:ext uri="{909E8E84-426E-40dd-AFC4-6F175D3DCCD1}">
-              <a14:hiddenFill xmlns="" xmlns:a14="http://schemas.microsoft.com/office/drawing/2010/main">
+              <a14:hiddenFill xmlns:a14="http://schemas.microsoft.com/office/drawing/2010/main" xmlns="">
                 <a:solidFill>
                   <a:srgbClr val="FFFFFF"/>
                 </a:solidFill>
               </a14:hiddenFill>
             </a:ext>
             <a:ext uri="{91240B29-F687-4f45-9708-019B960494DF}">
-              <a14:hiddenLine xmlns="" xmlns:a14="http://schemas.microsoft.com/office/drawing/2010/main" w="9525">
+              <a14:hiddenLine xmlns:a14="http://schemas.microsoft.com/office/drawing/2010/main" xmlns="" w="9525">
                 <a:solidFill>
                   <a:srgbClr val="000000"/>
                 </a:solidFill>
@@ -1905,7 +1906,7 @@
                 <a:latin typeface="Arial" charset="0"/>
               </a:rPr>
               <a:pPr/>
-              <a:t>37</a:t>
+              <a:t>38</a:t>
             </a:fld>
             <a:endParaRPr lang="en-GB">
               <a:latin typeface="Arial" charset="0"/>
@@ -1960,10 +1961,10 @@
           </a:ln>
           <a:extLst>
             <a:ext uri="{FAA26D3D-D897-4be2-8F04-BA451C77F1D7}">
-              <ma14:placeholderFlag xmlns:ma14="http://schemas.microsoft.com/office/mac/drawingml/2011/main" xmlns="" val="1"/>
+              <ma14:placeholderFlag xmlns="" xmlns:ma14="http://schemas.microsoft.com/office/mac/drawingml/2011/main" val="1"/>
             </a:ext>
             <a:ext uri="{909E8E84-426E-40dd-AFC4-6F175D3DCCD1}">
-              <a14:hiddenFill xmlns="" xmlns:a14="http://schemas.microsoft.com/office/drawing/2010/main">
+              <a14:hiddenFill xmlns:a14="http://schemas.microsoft.com/office/drawing/2010/main" xmlns="">
                 <a:solidFill>
                   <a:srgbClr val="FFFFFF"/>
                 </a:solidFill>
@@ -1986,14 +1987,14 @@
           <a:noFill/>
           <a:extLst>
             <a:ext uri="{909E8E84-426E-40dd-AFC4-6F175D3DCCD1}">
-              <a14:hiddenFill xmlns="" xmlns:a14="http://schemas.microsoft.com/office/drawing/2010/main">
+              <a14:hiddenFill xmlns:a14="http://schemas.microsoft.com/office/drawing/2010/main" xmlns="">
                 <a:solidFill>
                   <a:srgbClr val="FFFFFF"/>
                 </a:solidFill>
               </a14:hiddenFill>
             </a:ext>
             <a:ext uri="{91240B29-F687-4f45-9708-019B960494DF}">
-              <a14:hiddenLine xmlns="" xmlns:a14="http://schemas.microsoft.com/office/drawing/2010/main" w="9525">
+              <a14:hiddenLine xmlns:a14="http://schemas.microsoft.com/office/drawing/2010/main" xmlns="" w="9525">
                 <a:solidFill>
                   <a:srgbClr val="000000"/>
                 </a:solidFill>
@@ -2035,14 +2036,14 @@
           <a:noFill/>
           <a:extLst>
             <a:ext uri="{909E8E84-426E-40dd-AFC4-6F175D3DCCD1}">
-              <a14:hiddenFill xmlns="" xmlns:a14="http://schemas.microsoft.com/office/drawing/2010/main">
+              <a14:hiddenFill xmlns:a14="http://schemas.microsoft.com/office/drawing/2010/main" xmlns="">
                 <a:solidFill>
                   <a:srgbClr val="FFFFFF"/>
                 </a:solidFill>
               </a14:hiddenFill>
             </a:ext>
             <a:ext uri="{91240B29-F687-4f45-9708-019B960494DF}">
-              <a14:hiddenLine xmlns="" xmlns:a14="http://schemas.microsoft.com/office/drawing/2010/main" w="9525">
+              <a14:hiddenLine xmlns:a14="http://schemas.microsoft.com/office/drawing/2010/main" xmlns="" w="9525">
                 <a:solidFill>
                   <a:srgbClr val="000000"/>
                 </a:solidFill>
@@ -2168,7 +2169,7 @@
                 <a:latin typeface="Arial" charset="0"/>
               </a:rPr>
               <a:pPr/>
-              <a:t>5</a:t>
+              <a:t>6</a:t>
             </a:fld>
             <a:endParaRPr lang="en-GB">
               <a:latin typeface="Arial" charset="0"/>
@@ -2223,10 +2224,10 @@
           </a:ln>
           <a:extLst>
             <a:ext uri="{FAA26D3D-D897-4be2-8F04-BA451C77F1D7}">
-              <ma14:placeholderFlag xmlns:ma14="http://schemas.microsoft.com/office/mac/drawingml/2011/main" xmlns="" val="1"/>
+              <ma14:placeholderFlag xmlns="" xmlns:ma14="http://schemas.microsoft.com/office/mac/drawingml/2011/main" val="1"/>
             </a:ext>
             <a:ext uri="{909E8E84-426E-40dd-AFC4-6F175D3DCCD1}">
-              <a14:hiddenFill xmlns="" xmlns:a14="http://schemas.microsoft.com/office/drawing/2010/main">
+              <a14:hiddenFill xmlns:a14="http://schemas.microsoft.com/office/drawing/2010/main" xmlns="">
                 <a:solidFill>
                   <a:srgbClr val="FFFFFF"/>
                 </a:solidFill>
@@ -2249,14 +2250,14 @@
           <a:noFill/>
           <a:extLst>
             <a:ext uri="{909E8E84-426E-40dd-AFC4-6F175D3DCCD1}">
-              <a14:hiddenFill xmlns="" xmlns:a14="http://schemas.microsoft.com/office/drawing/2010/main">
+              <a14:hiddenFill xmlns:a14="http://schemas.microsoft.com/office/drawing/2010/main" xmlns="">
                 <a:solidFill>
                   <a:srgbClr val="FFFFFF"/>
                 </a:solidFill>
               </a14:hiddenFill>
             </a:ext>
             <a:ext uri="{91240B29-F687-4f45-9708-019B960494DF}">
-              <a14:hiddenLine xmlns="" xmlns:a14="http://schemas.microsoft.com/office/drawing/2010/main" w="9525">
+              <a14:hiddenLine xmlns:a14="http://schemas.microsoft.com/office/drawing/2010/main" xmlns="" w="9525">
                 <a:solidFill>
                   <a:srgbClr val="000000"/>
                 </a:solidFill>
@@ -2298,14 +2299,14 @@
           <a:noFill/>
           <a:extLst>
             <a:ext uri="{909E8E84-426E-40dd-AFC4-6F175D3DCCD1}">
-              <a14:hiddenFill xmlns="" xmlns:a14="http://schemas.microsoft.com/office/drawing/2010/main">
+              <a14:hiddenFill xmlns:a14="http://schemas.microsoft.com/office/drawing/2010/main" xmlns="">
                 <a:solidFill>
                   <a:srgbClr val="FFFFFF"/>
                 </a:solidFill>
               </a14:hiddenFill>
             </a:ext>
             <a:ext uri="{91240B29-F687-4f45-9708-019B960494DF}">
-              <a14:hiddenLine xmlns="" xmlns:a14="http://schemas.microsoft.com/office/drawing/2010/main" w="9525">
+              <a14:hiddenLine xmlns:a14="http://schemas.microsoft.com/office/drawing/2010/main" xmlns="" w="9525">
                 <a:solidFill>
                   <a:srgbClr val="000000"/>
                 </a:solidFill>
@@ -2431,7 +2432,7 @@
                 <a:latin typeface="Arial" charset="0"/>
               </a:rPr>
               <a:pPr/>
-              <a:t>7</a:t>
+              <a:t>8</a:t>
             </a:fld>
             <a:endParaRPr lang="en-GB">
               <a:latin typeface="Arial" charset="0"/>
@@ -2486,10 +2487,10 @@
           </a:ln>
           <a:extLst>
             <a:ext uri="{FAA26D3D-D897-4be2-8F04-BA451C77F1D7}">
-              <ma14:placeholderFlag xmlns:ma14="http://schemas.microsoft.com/office/mac/drawingml/2011/main" xmlns="" val="1"/>
+              <ma14:placeholderFlag xmlns="" xmlns:ma14="http://schemas.microsoft.com/office/mac/drawingml/2011/main" val="1"/>
             </a:ext>
             <a:ext uri="{909E8E84-426E-40dd-AFC4-6F175D3DCCD1}">
-              <a14:hiddenFill xmlns="" xmlns:a14="http://schemas.microsoft.com/office/drawing/2010/main">
+              <a14:hiddenFill xmlns:a14="http://schemas.microsoft.com/office/drawing/2010/main" xmlns="">
                 <a:solidFill>
                   <a:srgbClr val="FFFFFF"/>
                 </a:solidFill>
@@ -2512,14 +2513,14 @@
           <a:noFill/>
           <a:extLst>
             <a:ext uri="{909E8E84-426E-40dd-AFC4-6F175D3DCCD1}">
-              <a14:hiddenFill xmlns="" xmlns:a14="http://schemas.microsoft.com/office/drawing/2010/main">
+              <a14:hiddenFill xmlns:a14="http://schemas.microsoft.com/office/drawing/2010/main" xmlns="">
                 <a:solidFill>
                   <a:srgbClr val="FFFFFF"/>
                 </a:solidFill>
               </a14:hiddenFill>
             </a:ext>
             <a:ext uri="{91240B29-F687-4f45-9708-019B960494DF}">
-              <a14:hiddenLine xmlns="" xmlns:a14="http://schemas.microsoft.com/office/drawing/2010/main" w="9525">
+              <a14:hiddenLine xmlns:a14="http://schemas.microsoft.com/office/drawing/2010/main" xmlns="" w="9525">
                 <a:solidFill>
                   <a:srgbClr val="000000"/>
                 </a:solidFill>
@@ -2561,14 +2562,14 @@
           <a:noFill/>
           <a:extLst>
             <a:ext uri="{909E8E84-426E-40dd-AFC4-6F175D3DCCD1}">
-              <a14:hiddenFill xmlns="" xmlns:a14="http://schemas.microsoft.com/office/drawing/2010/main">
+              <a14:hiddenFill xmlns:a14="http://schemas.microsoft.com/office/drawing/2010/main" xmlns="">
                 <a:solidFill>
                   <a:srgbClr val="FFFFFF"/>
                 </a:solidFill>
               </a14:hiddenFill>
             </a:ext>
             <a:ext uri="{91240B29-F687-4f45-9708-019B960494DF}">
-              <a14:hiddenLine xmlns="" xmlns:a14="http://schemas.microsoft.com/office/drawing/2010/main" w="9525">
+              <a14:hiddenLine xmlns:a14="http://schemas.microsoft.com/office/drawing/2010/main" xmlns="" w="9525">
                 <a:solidFill>
                   <a:srgbClr val="000000"/>
                 </a:solidFill>
@@ -2694,7 +2695,7 @@
                 <a:latin typeface="Arial" charset="0"/>
               </a:rPr>
               <a:pPr/>
-              <a:t>8</a:t>
+              <a:t>9</a:t>
             </a:fld>
             <a:endParaRPr lang="en-GB">
               <a:latin typeface="Arial" charset="0"/>
@@ -2749,10 +2750,10 @@
           </a:ln>
           <a:extLst>
             <a:ext uri="{FAA26D3D-D897-4be2-8F04-BA451C77F1D7}">
-              <ma14:placeholderFlag xmlns:ma14="http://schemas.microsoft.com/office/mac/drawingml/2011/main" xmlns="" val="1"/>
+              <ma14:placeholderFlag xmlns="" xmlns:ma14="http://schemas.microsoft.com/office/mac/drawingml/2011/main" val="1"/>
             </a:ext>
             <a:ext uri="{909E8E84-426E-40dd-AFC4-6F175D3DCCD1}">
-              <a14:hiddenFill xmlns="" xmlns:a14="http://schemas.microsoft.com/office/drawing/2010/main">
+              <a14:hiddenFill xmlns:a14="http://schemas.microsoft.com/office/drawing/2010/main" xmlns="">
                 <a:solidFill>
                   <a:srgbClr val="FFFFFF"/>
                 </a:solidFill>
@@ -2775,14 +2776,14 @@
           <a:noFill/>
           <a:extLst>
             <a:ext uri="{909E8E84-426E-40dd-AFC4-6F175D3DCCD1}">
-              <a14:hiddenFill xmlns="" xmlns:a14="http://schemas.microsoft.com/office/drawing/2010/main">
+              <a14:hiddenFill xmlns:a14="http://schemas.microsoft.com/office/drawing/2010/main" xmlns="">
                 <a:solidFill>
                   <a:srgbClr val="FFFFFF"/>
                 </a:solidFill>
               </a14:hiddenFill>
             </a:ext>
             <a:ext uri="{91240B29-F687-4f45-9708-019B960494DF}">
-              <a14:hiddenLine xmlns="" xmlns:a14="http://schemas.microsoft.com/office/drawing/2010/main" w="9525">
+              <a14:hiddenLine xmlns:a14="http://schemas.microsoft.com/office/drawing/2010/main" xmlns="" w="9525">
                 <a:solidFill>
                   <a:srgbClr val="000000"/>
                 </a:solidFill>
@@ -2836,14 +2837,14 @@
           <a:noFill/>
           <a:extLst>
             <a:ext uri="{909E8E84-426E-40dd-AFC4-6F175D3DCCD1}">
-              <a14:hiddenFill xmlns="" xmlns:a14="http://schemas.microsoft.com/office/drawing/2010/main">
+              <a14:hiddenFill xmlns:a14="http://schemas.microsoft.com/office/drawing/2010/main" xmlns="">
                 <a:solidFill>
                   <a:srgbClr val="FFFFFF"/>
                 </a:solidFill>
               </a14:hiddenFill>
             </a:ext>
             <a:ext uri="{91240B29-F687-4f45-9708-019B960494DF}">
-              <a14:hiddenLine xmlns="" xmlns:a14="http://schemas.microsoft.com/office/drawing/2010/main" w="9525">
+              <a14:hiddenLine xmlns:a14="http://schemas.microsoft.com/office/drawing/2010/main" xmlns="" w="9525">
                 <a:solidFill>
                   <a:srgbClr val="000000"/>
                 </a:solidFill>
@@ -2969,7 +2970,7 @@
                 <a:latin typeface="Arial" charset="0"/>
               </a:rPr>
               <a:pPr/>
-              <a:t>9</a:t>
+              <a:t>10</a:t>
             </a:fld>
             <a:endParaRPr lang="en-GB">
               <a:latin typeface="Arial" charset="0"/>
@@ -3024,10 +3025,10 @@
           </a:ln>
           <a:extLst>
             <a:ext uri="{FAA26D3D-D897-4be2-8F04-BA451C77F1D7}">
-              <ma14:placeholderFlag xmlns:ma14="http://schemas.microsoft.com/office/mac/drawingml/2011/main" xmlns="" val="1"/>
+              <ma14:placeholderFlag xmlns="" xmlns:ma14="http://schemas.microsoft.com/office/mac/drawingml/2011/main" val="1"/>
             </a:ext>
             <a:ext uri="{909E8E84-426E-40dd-AFC4-6F175D3DCCD1}">
-              <a14:hiddenFill xmlns="" xmlns:a14="http://schemas.microsoft.com/office/drawing/2010/main">
+              <a14:hiddenFill xmlns:a14="http://schemas.microsoft.com/office/drawing/2010/main" xmlns="">
                 <a:solidFill>
                   <a:srgbClr val="FFFFFF"/>
                 </a:solidFill>
@@ -3050,14 +3051,14 @@
           <a:noFill/>
           <a:extLst>
             <a:ext uri="{909E8E84-426E-40dd-AFC4-6F175D3DCCD1}">
-              <a14:hiddenFill xmlns="" xmlns:a14="http://schemas.microsoft.com/office/drawing/2010/main">
+              <a14:hiddenFill xmlns:a14="http://schemas.microsoft.com/office/drawing/2010/main" xmlns="">
                 <a:solidFill>
                   <a:srgbClr val="FFFFFF"/>
                 </a:solidFill>
               </a14:hiddenFill>
             </a:ext>
             <a:ext uri="{91240B29-F687-4f45-9708-019B960494DF}">
-              <a14:hiddenLine xmlns="" xmlns:a14="http://schemas.microsoft.com/office/drawing/2010/main" w="9525">
+              <a14:hiddenLine xmlns:a14="http://schemas.microsoft.com/office/drawing/2010/main" xmlns="" w="9525">
                 <a:solidFill>
                   <a:srgbClr val="000000"/>
                 </a:solidFill>
@@ -3099,14 +3100,14 @@
           <a:noFill/>
           <a:extLst>
             <a:ext uri="{909E8E84-426E-40dd-AFC4-6F175D3DCCD1}">
-              <a14:hiddenFill xmlns="" xmlns:a14="http://schemas.microsoft.com/office/drawing/2010/main">
+              <a14:hiddenFill xmlns:a14="http://schemas.microsoft.com/office/drawing/2010/main" xmlns="">
                 <a:solidFill>
                   <a:srgbClr val="FFFFFF"/>
                 </a:solidFill>
               </a14:hiddenFill>
             </a:ext>
             <a:ext uri="{91240B29-F687-4f45-9708-019B960494DF}">
-              <a14:hiddenLine xmlns="" xmlns:a14="http://schemas.microsoft.com/office/drawing/2010/main" w="9525">
+              <a14:hiddenLine xmlns:a14="http://schemas.microsoft.com/office/drawing/2010/main" xmlns="" w="9525">
                 <a:solidFill>
                   <a:srgbClr val="000000"/>
                 </a:solidFill>
@@ -3232,7 +3233,7 @@
                 <a:latin typeface="Arial" charset="0"/>
               </a:rPr>
               <a:pPr/>
-              <a:t>10</a:t>
+              <a:t>11</a:t>
             </a:fld>
             <a:endParaRPr lang="en-GB">
               <a:latin typeface="Arial" charset="0"/>
@@ -3287,10 +3288,10 @@
           </a:ln>
           <a:extLst>
             <a:ext uri="{FAA26D3D-D897-4be2-8F04-BA451C77F1D7}">
-              <ma14:placeholderFlag xmlns:ma14="http://schemas.microsoft.com/office/mac/drawingml/2011/main" xmlns="" val="1"/>
+              <ma14:placeholderFlag xmlns="" xmlns:ma14="http://schemas.microsoft.com/office/mac/drawingml/2011/main" val="1"/>
             </a:ext>
             <a:ext uri="{909E8E84-426E-40dd-AFC4-6F175D3DCCD1}">
-              <a14:hiddenFill xmlns="" xmlns:a14="http://schemas.microsoft.com/office/drawing/2010/main">
+              <a14:hiddenFill xmlns:a14="http://schemas.microsoft.com/office/drawing/2010/main" xmlns="">
                 <a:solidFill>
                   <a:srgbClr val="FFFFFF"/>
                 </a:solidFill>
@@ -3313,14 +3314,14 @@
           <a:noFill/>
           <a:extLst>
             <a:ext uri="{909E8E84-426E-40dd-AFC4-6F175D3DCCD1}">
-              <a14:hiddenFill xmlns="" xmlns:a14="http://schemas.microsoft.com/office/drawing/2010/main">
+              <a14:hiddenFill xmlns:a14="http://schemas.microsoft.com/office/drawing/2010/main" xmlns="">
                 <a:solidFill>
                   <a:srgbClr val="FFFFFF"/>
                 </a:solidFill>
               </a14:hiddenFill>
             </a:ext>
             <a:ext uri="{91240B29-F687-4f45-9708-019B960494DF}">
-              <a14:hiddenLine xmlns="" xmlns:a14="http://schemas.microsoft.com/office/drawing/2010/main" w="9525">
+              <a14:hiddenLine xmlns:a14="http://schemas.microsoft.com/office/drawing/2010/main" xmlns="" w="9525">
                 <a:solidFill>
                   <a:srgbClr val="000000"/>
                 </a:solidFill>
@@ -3362,14 +3363,14 @@
           <a:noFill/>
           <a:extLst>
             <a:ext uri="{909E8E84-426E-40dd-AFC4-6F175D3DCCD1}">
-              <a14:hiddenFill xmlns="" xmlns:a14="http://schemas.microsoft.com/office/drawing/2010/main">
+              <a14:hiddenFill xmlns:a14="http://schemas.microsoft.com/office/drawing/2010/main" xmlns="">
                 <a:solidFill>
                   <a:srgbClr val="FFFFFF"/>
                 </a:solidFill>
               </a14:hiddenFill>
             </a:ext>
             <a:ext uri="{91240B29-F687-4f45-9708-019B960494DF}">
-              <a14:hiddenLine xmlns="" xmlns:a14="http://schemas.microsoft.com/office/drawing/2010/main" w="9525">
+              <a14:hiddenLine xmlns:a14="http://schemas.microsoft.com/office/drawing/2010/main" xmlns="" w="9525">
                 <a:solidFill>
                   <a:srgbClr val="000000"/>
                 </a:solidFill>
@@ -3495,7 +3496,7 @@
                 <a:latin typeface="Arial" charset="0"/>
               </a:rPr>
               <a:pPr/>
-              <a:t>11</a:t>
+              <a:t>12</a:t>
             </a:fld>
             <a:endParaRPr lang="en-GB">
               <a:latin typeface="Arial" charset="0"/>
@@ -3550,10 +3551,10 @@
           </a:ln>
           <a:extLst>
             <a:ext uri="{FAA26D3D-D897-4be2-8F04-BA451C77F1D7}">
-              <ma14:placeholderFlag xmlns:ma14="http://schemas.microsoft.com/office/mac/drawingml/2011/main" xmlns="" val="1"/>
+              <ma14:placeholderFlag xmlns="" xmlns:ma14="http://schemas.microsoft.com/office/mac/drawingml/2011/main" val="1"/>
             </a:ext>
             <a:ext uri="{909E8E84-426E-40dd-AFC4-6F175D3DCCD1}">
-              <a14:hiddenFill xmlns="" xmlns:a14="http://schemas.microsoft.com/office/drawing/2010/main">
+              <a14:hiddenFill xmlns:a14="http://schemas.microsoft.com/office/drawing/2010/main" xmlns="">
                 <a:solidFill>
                   <a:srgbClr val="FFFFFF"/>
                 </a:solidFill>
@@ -3576,14 +3577,14 @@
           <a:noFill/>
           <a:extLst>
             <a:ext uri="{909E8E84-426E-40dd-AFC4-6F175D3DCCD1}">
-              <a14:hiddenFill xmlns="" xmlns:a14="http://schemas.microsoft.com/office/drawing/2010/main">
+              <a14:hiddenFill xmlns:a14="http://schemas.microsoft.com/office/drawing/2010/main" xmlns="">
                 <a:solidFill>
                   <a:srgbClr val="FFFFFF"/>
                 </a:solidFill>
               </a14:hiddenFill>
             </a:ext>
             <a:ext uri="{91240B29-F687-4f45-9708-019B960494DF}">
-              <a14:hiddenLine xmlns="" xmlns:a14="http://schemas.microsoft.com/office/drawing/2010/main" w="9525">
+              <a14:hiddenLine xmlns:a14="http://schemas.microsoft.com/office/drawing/2010/main" xmlns="" w="9525">
                 <a:solidFill>
                   <a:srgbClr val="000000"/>
                 </a:solidFill>
@@ -3625,14 +3626,14 @@
           <a:noFill/>
           <a:extLst>
             <a:ext uri="{909E8E84-426E-40dd-AFC4-6F175D3DCCD1}">
-              <a14:hiddenFill xmlns="" xmlns:a14="http://schemas.microsoft.com/office/drawing/2010/main">
+              <a14:hiddenFill xmlns:a14="http://schemas.microsoft.com/office/drawing/2010/main" xmlns="">
                 <a:solidFill>
                   <a:srgbClr val="FFFFFF"/>
                 </a:solidFill>
               </a14:hiddenFill>
             </a:ext>
             <a:ext uri="{91240B29-F687-4f45-9708-019B960494DF}">
-              <a14:hiddenLine xmlns="" xmlns:a14="http://schemas.microsoft.com/office/drawing/2010/main" w="9525">
+              <a14:hiddenLine xmlns:a14="http://schemas.microsoft.com/office/drawing/2010/main" xmlns="" w="9525">
                 <a:solidFill>
                   <a:srgbClr val="000000"/>
                 </a:solidFill>
@@ -3758,7 +3759,7 @@
                 <a:latin typeface="Arial" charset="0"/>
               </a:rPr>
               <a:pPr/>
-              <a:t>12</a:t>
+              <a:t>13</a:t>
             </a:fld>
             <a:endParaRPr lang="en-GB">
               <a:latin typeface="Arial" charset="0"/>
@@ -3813,10 +3814,10 @@
           </a:ln>
           <a:extLst>
             <a:ext uri="{FAA26D3D-D897-4be2-8F04-BA451C77F1D7}">
-              <ma14:placeholderFlag xmlns:ma14="http://schemas.microsoft.com/office/mac/drawingml/2011/main" xmlns="" val="1"/>
+              <ma14:placeholderFlag xmlns="" xmlns:ma14="http://schemas.microsoft.com/office/mac/drawingml/2011/main" val="1"/>
             </a:ext>
             <a:ext uri="{909E8E84-426E-40dd-AFC4-6F175D3DCCD1}">
-              <a14:hiddenFill xmlns="" xmlns:a14="http://schemas.microsoft.com/office/drawing/2010/main">
+              <a14:hiddenFill xmlns:a14="http://schemas.microsoft.com/office/drawing/2010/main" xmlns="">
                 <a:solidFill>
                   <a:srgbClr val="FFFFFF"/>
                 </a:solidFill>
@@ -3839,14 +3840,14 @@
           <a:noFill/>
           <a:extLst>
             <a:ext uri="{909E8E84-426E-40dd-AFC4-6F175D3DCCD1}">
-              <a14:hiddenFill xmlns="" xmlns:a14="http://schemas.microsoft.com/office/drawing/2010/main">
+              <a14:hiddenFill xmlns:a14="http://schemas.microsoft.com/office/drawing/2010/main" xmlns="">
                 <a:solidFill>
                   <a:srgbClr val="FFFFFF"/>
                 </a:solidFill>
               </a14:hiddenFill>
             </a:ext>
             <a:ext uri="{91240B29-F687-4f45-9708-019B960494DF}">
-              <a14:hiddenLine xmlns="" xmlns:a14="http://schemas.microsoft.com/office/drawing/2010/main" w="9525">
+              <a14:hiddenLine xmlns:a14="http://schemas.microsoft.com/office/drawing/2010/main" xmlns="" w="9525">
                 <a:solidFill>
                   <a:srgbClr val="000000"/>
                 </a:solidFill>
@@ -3888,14 +3889,14 @@
           <a:noFill/>
           <a:extLst>
             <a:ext uri="{909E8E84-426E-40dd-AFC4-6F175D3DCCD1}">
-              <a14:hiddenFill xmlns="" xmlns:a14="http://schemas.microsoft.com/office/drawing/2010/main">
+              <a14:hiddenFill xmlns:a14="http://schemas.microsoft.com/office/drawing/2010/main" xmlns="">
                 <a:solidFill>
                   <a:srgbClr val="FFFFFF"/>
                 </a:solidFill>
               </a14:hiddenFill>
             </a:ext>
             <a:ext uri="{91240B29-F687-4f45-9708-019B960494DF}">
-              <a14:hiddenLine xmlns="" xmlns:a14="http://schemas.microsoft.com/office/drawing/2010/main" w="9525">
+              <a14:hiddenLine xmlns:a14="http://schemas.microsoft.com/office/drawing/2010/main" xmlns="" w="9525">
                 <a:solidFill>
                   <a:srgbClr val="000000"/>
                 </a:solidFill>
@@ -4021,7 +4022,7 @@
                 <a:latin typeface="Arial" charset="0"/>
               </a:rPr>
               <a:pPr/>
-              <a:t>13</a:t>
+              <a:t>14</a:t>
             </a:fld>
             <a:endParaRPr lang="en-GB">
               <a:latin typeface="Arial" charset="0"/>
@@ -4452,7 +4453,7 @@
             <a:fld id="{646265C4-D3EB-4033-9F2F-7AE1FCA20C43}" type="datetimeFigureOut">
               <a:rPr lang="en-GB" smtClean="0"/>
               <a:pPr/>
-              <a:t>27/09/2018</a:t>
+              <a:t>03/10/2018</a:t>
             </a:fld>
             <a:endParaRPr lang="en-GB" dirty="0"/>
           </a:p>
@@ -4679,7 +4680,7 @@
             <a:fld id="{646265C4-D3EB-4033-9F2F-7AE1FCA20C43}" type="datetimeFigureOut">
               <a:rPr lang="en-GB" smtClean="0"/>
               <a:pPr/>
-              <a:t>27/09/2018</a:t>
+              <a:t>03/10/2018</a:t>
             </a:fld>
             <a:endParaRPr lang="en-GB" dirty="0"/>
           </a:p>
@@ -8277,7 +8278,7 @@
             <a:fld id="{FA908017-0343-2E4A-A971-A34E43823FE2}" type="datetimeFigureOut">
               <a:rPr lang="en-GB" smtClean="0"/>
               <a:pPr/>
-              <a:t>27/09/2018</a:t>
+              <a:t>03/10/2018</a:t>
             </a:fld>
             <a:endParaRPr lang="en-GB"/>
           </a:p>
@@ -9015,7 +9016,12 @@
             <p:ph type="subTitle" idx="1"/>
           </p:nvPr>
         </p:nvSpPr>
-        <p:spPr/>
+        <p:spPr>
+          <a:xfrm>
+            <a:off x="2191704" y="894649"/>
+            <a:ext cx="6858000" cy="551951"/>
+          </a:xfrm>
+        </p:spPr>
         <p:txBody>
           <a:bodyPr rtlCol="0">
             <a:noAutofit/>
@@ -9073,6 +9079,119 @@
                 <a:ea typeface="+mn-ea"/>
               </a:rPr>
               <a:t>Alison Pamment, Sam Pepler, Ag Stephens, Stephen Pascoe, Kevin Marsh,  Anabelle Guillory, Graham Parton, Esther Conway, Eduardo Damasio Da Costa, Wendy Garland, Alan Iwi and Matt Pritchard.</a:t>
+            </a:r>
+          </a:p>
+        </p:txBody>
+      </p:sp>
+      <p:sp>
+        <p:nvSpPr>
+          <p:cNvPr id="4" name="Subtitle 2"/>
+          <p:cNvSpPr txBox="1">
+            <a:spLocks/>
+          </p:cNvSpPr>
+          <p:nvPr/>
+        </p:nvSpPr>
+        <p:spPr>
+          <a:xfrm>
+            <a:off x="342900" y="4754563"/>
+            <a:ext cx="8621713" cy="1266825"/>
+          </a:xfrm>
+          <a:prstGeom prst="rect">
+            <a:avLst/>
+          </a:prstGeom>
+        </p:spPr>
+        <p:txBody>
+          <a:bodyPr>
+            <a:normAutofit/>
+          </a:bodyPr>
+          <a:lstStyle/>
+          <a:p>
+            <a:pPr marL="342900" indent="-342900" eaLnBrk="1" fontAlgn="auto" hangingPunct="1">
+              <a:spcBef>
+                <a:spcPct val="20000"/>
+              </a:spcBef>
+              <a:spcAft>
+                <a:spcPts val="0"/>
+              </a:spcAft>
+              <a:defRPr/>
+            </a:pPr>
+            <a:r>
+              <a:rPr lang="en-GB" sz="1400" dirty="0">
+                <a:solidFill>
+                  <a:srgbClr val="002060"/>
+                </a:solidFill>
+                <a:latin typeface="+mn-lt"/>
+                <a:cs typeface="+mn-cs"/>
+              </a:rPr>
+              <a:t>Thanks to all contributors:</a:t>
+            </a:r>
+          </a:p>
+          <a:p>
+            <a:pPr eaLnBrk="1" fontAlgn="auto" hangingPunct="1">
+              <a:spcAft>
+                <a:spcPts val="0"/>
+              </a:spcAft>
+              <a:buFont typeface="Arial" pitchFamily="34" charset="0"/>
+              <a:buNone/>
+              <a:defRPr/>
+            </a:pPr>
+            <a:endParaRPr lang="en-GB" sz="1400" dirty="0">
+              <a:solidFill>
+                <a:srgbClr val="002060"/>
+              </a:solidFill>
+              <a:latin typeface="+mn-lt"/>
+            </a:endParaRPr>
+          </a:p>
+          <a:p>
+            <a:pPr eaLnBrk="1" fontAlgn="auto" hangingPunct="1">
+              <a:spcAft>
+                <a:spcPts val="0"/>
+              </a:spcAft>
+              <a:buFont typeface="Arial" pitchFamily="34" charset="0"/>
+              <a:buNone/>
+              <a:defRPr/>
+            </a:pPr>
+            <a:r>
+              <a:rPr lang="en-GB" sz="1400" dirty="0">
+                <a:latin typeface="+mn-lt"/>
+              </a:rPr>
+              <a:t>Alison </a:t>
+            </a:r>
+            <a:r>
+              <a:rPr lang="en-GB" sz="1400" dirty="0" err="1">
+                <a:latin typeface="+mn-lt"/>
+              </a:rPr>
+              <a:t>Pamment</a:t>
+            </a:r>
+            <a:r>
+              <a:rPr lang="en-GB" sz="1400" dirty="0">
+                <a:latin typeface="+mn-lt"/>
+              </a:rPr>
+              <a:t>, Sam </a:t>
+            </a:r>
+            <a:r>
+              <a:rPr lang="en-GB" sz="1400" dirty="0" err="1">
+                <a:latin typeface="+mn-lt"/>
+              </a:rPr>
+              <a:t>Pepler</a:t>
+            </a:r>
+            <a:r>
+              <a:rPr lang="en-GB" sz="1400" dirty="0">
+                <a:latin typeface="+mn-lt"/>
+              </a:rPr>
+              <a:t>, Ag Stephens, Stephen Pascoe, Kevin Marsh,  Anabelle Guillory, Graham Parton, Esther Conway, Eduardo </a:t>
+            </a:r>
+            <a:r>
+              <a:rPr lang="en-GB" sz="1400" dirty="0" err="1">
+                <a:latin typeface="+mn-lt"/>
+              </a:rPr>
+              <a:t>Damasio</a:t>
+            </a:r>
+            <a:r>
+              <a:rPr lang="en-GB" sz="1400" dirty="0">
+                <a:latin typeface="+mn-lt"/>
+              </a:rPr>
+              <a:t> Da Costa, Wendy Garland, Alan Iwi and Matt Pritchard.</a:t>
             </a:r>
           </a:p>
         </p:txBody>
@@ -9093,6 +9212,102 @@
 </file>
 
 <file path=ppt/slides/slide10.xml><?xml version="1.0" encoding="utf-8"?>
+<p:sld xmlns:a="http://schemas.openxmlformats.org/drawingml/2006/main" xmlns:r="http://schemas.openxmlformats.org/officeDocument/2006/relationships" xmlns:p="http://schemas.openxmlformats.org/presentationml/2006/main">
+  <p:cSld>
+    <p:spTree>
+      <p:nvGrpSpPr>
+        <p:cNvPr id="1" name=""/>
+        <p:cNvGrpSpPr/>
+        <p:nvPr/>
+      </p:nvGrpSpPr>
+      <p:grpSpPr>
+        <a:xfrm>
+          <a:off x="0" y="0"/>
+          <a:ext cx="0" cy="0"/>
+          <a:chOff x="0" y="0"/>
+          <a:chExt cx="0" cy="0"/>
+        </a:xfrm>
+      </p:grpSpPr>
+      <p:sp>
+        <p:nvSpPr>
+          <p:cNvPr id="12290" name="Title 1"/>
+          <p:cNvSpPr>
+            <a:spLocks noGrp="1"/>
+          </p:cNvSpPr>
+          <p:nvPr>
+            <p:ph type="title"/>
+          </p:nvPr>
+        </p:nvSpPr>
+        <p:spPr/>
+        <p:txBody>
+          <a:bodyPr/>
+          <a:lstStyle/>
+          <a:p>
+            <a:r>
+              <a:rPr lang="en-GB" dirty="0">
+                <a:latin typeface="Calibri" charset="0"/>
+              </a:rPr>
+              <a:t>GitHub: organisations</a:t>
+            </a:r>
+          </a:p>
+        </p:txBody>
+      </p:sp>
+      <p:pic>
+        <p:nvPicPr>
+          <p:cNvPr id="12291" name="Picture 2"/>
+          <p:cNvPicPr>
+            <a:picLocks noGrp="1" noChangeAspect="1" noChangeArrowheads="1"/>
+          </p:cNvPicPr>
+          <p:nvPr>
+            <p:ph idx="1"/>
+          </p:nvPr>
+        </p:nvPicPr>
+        <p:blipFill>
+          <a:blip r:embed="rId3" cstate="email">
+            <a:extLst>
+              <a:ext uri="{28A0092B-C50C-407E-A947-70E740481C1C}">
+                <a14:useLocalDpi xmlns:a14="http://schemas.microsoft.com/office/drawing/2010/main" val="0"/>
+              </a:ext>
+            </a:extLst>
+          </a:blip>
+          <a:stretch>
+            <a:fillRect/>
+          </a:stretch>
+        </p:blipFill>
+        <p:spPr>
+          <a:xfrm>
+            <a:off x="1537068" y="1383204"/>
+            <a:ext cx="6096851" cy="4334480"/>
+          </a:xfrm>
+          <a:noFill/>
+          <a:ln>
+            <a:solidFill>
+              <a:schemeClr val="tx1"/>
+            </a:solidFill>
+            <a:miter lim="800000"/>
+            <a:headEnd/>
+            <a:tailEnd/>
+          </a:ln>
+          <a:extLst>
+            <a:ext uri="{909E8E84-426E-40dd-AFC4-6F175D3DCCD1}">
+              <a14:hiddenFill xmlns:a14="http://schemas.microsoft.com/office/drawing/2010/main" xmlns="">
+                <a:solidFill>
+                  <a:schemeClr val="accent1"/>
+                </a:solidFill>
+              </a14:hiddenFill>
+            </a:ext>
+          </a:extLst>
+        </p:spPr>
+      </p:pic>
+    </p:spTree>
+  </p:cSld>
+  <p:clrMapOvr>
+    <a:masterClrMapping/>
+  </p:clrMapOvr>
+</p:sld>
+</file>
+
+<file path=ppt/slides/slide11.xml><?xml version="1.0" encoding="utf-8"?>
 <p:sld xmlns:a="http://schemas.openxmlformats.org/drawingml/2006/main" xmlns:r="http://schemas.openxmlformats.org/officeDocument/2006/relationships" xmlns:p="http://schemas.openxmlformats.org/presentationml/2006/main">
   <p:cSld>
     <p:spTree>
@@ -9180,7 +9395,7 @@
           </a:ln>
           <a:extLst>
             <a:ext uri="{909E8E84-426E-40dd-AFC4-6F175D3DCCD1}">
-              <a14:hiddenFill xmlns="" xmlns:a14="http://schemas.microsoft.com/office/drawing/2010/main">
+              <a14:hiddenFill xmlns:a14="http://schemas.microsoft.com/office/drawing/2010/main" xmlns="">
                 <a:solidFill>
                   <a:schemeClr val="accent1"/>
                 </a:solidFill>
@@ -9240,7 +9455,7 @@
 </p:sld>
 </file>
 
-<file path=ppt/slides/slide11.xml><?xml version="1.0" encoding="utf-8"?>
+<file path=ppt/slides/slide12.xml><?xml version="1.0" encoding="utf-8"?>
 <p:sld xmlns:a="http://schemas.openxmlformats.org/drawingml/2006/main" xmlns:r="http://schemas.openxmlformats.org/officeDocument/2006/relationships" xmlns:p="http://schemas.openxmlformats.org/presentationml/2006/main">
   <p:cSld>
     <p:spTree>
@@ -9320,7 +9535,7 @@
           </a:ln>
           <a:extLst>
             <a:ext uri="{909E8E84-426E-40dd-AFC4-6F175D3DCCD1}">
-              <a14:hiddenFill xmlns="" xmlns:a14="http://schemas.microsoft.com/office/drawing/2010/main">
+              <a14:hiddenFill xmlns:a14="http://schemas.microsoft.com/office/drawing/2010/main" xmlns="">
                 <a:solidFill>
                   <a:schemeClr val="accent1"/>
                 </a:solidFill>
@@ -9337,7 +9552,7 @@
 </p:sld>
 </file>
 
-<file path=ppt/slides/slide12.xml><?xml version="1.0" encoding="utf-8"?>
+<file path=ppt/slides/slide13.xml><?xml version="1.0" encoding="utf-8"?>
 <p:sld xmlns:a="http://schemas.openxmlformats.org/drawingml/2006/main" xmlns:r="http://schemas.openxmlformats.org/officeDocument/2006/relationships" xmlns:p="http://schemas.openxmlformats.org/presentationml/2006/main">
   <p:cSld>
     <p:spTree>
@@ -9417,7 +9632,7 @@
           </a:ln>
           <a:extLst>
             <a:ext uri="{909E8E84-426E-40dd-AFC4-6F175D3DCCD1}">
-              <a14:hiddenFill xmlns="" xmlns:a14="http://schemas.microsoft.com/office/drawing/2010/main">
+              <a14:hiddenFill xmlns:a14="http://schemas.microsoft.com/office/drawing/2010/main" xmlns="">
                 <a:solidFill>
                   <a:schemeClr val="accent1"/>
                 </a:solidFill>
@@ -9434,7 +9649,7 @@
 </p:sld>
 </file>
 
-<file path=ppt/slides/slide13.xml><?xml version="1.0" encoding="utf-8"?>
+<file path=ppt/slides/slide14.xml><?xml version="1.0" encoding="utf-8"?>
 <p:sld xmlns:a="http://schemas.openxmlformats.org/drawingml/2006/main" xmlns:r="http://schemas.openxmlformats.org/officeDocument/2006/relationships" xmlns:p="http://schemas.openxmlformats.org/presentationml/2006/main">
   <p:cSld>
     <p:spTree>
@@ -9520,10 +9735,10 @@
           </a:ln>
           <a:extLst>
             <a:ext uri="{FAA26D3D-D897-4be2-8F04-BA451C77F1D7}">
-              <ma14:placeholderFlag xmlns:ma14="http://schemas.microsoft.com/office/mac/drawingml/2011/main" xmlns="" val="1"/>
+              <ma14:placeholderFlag xmlns="" xmlns:ma14="http://schemas.microsoft.com/office/mac/drawingml/2011/main" val="1"/>
             </a:ext>
             <a:ext uri="{909E8E84-426E-40dd-AFC4-6F175D3DCCD1}">
-              <a14:hiddenFill xmlns="" xmlns:a14="http://schemas.microsoft.com/office/drawing/2010/main">
+              <a14:hiddenFill xmlns:a14="http://schemas.microsoft.com/office/drawing/2010/main" xmlns="">
                 <a:solidFill>
                   <a:schemeClr val="accent1"/>
                 </a:solidFill>
@@ -9540,7 +9755,7 @@
 </p:sld>
 </file>
 
-<file path=ppt/slides/slide14.xml><?xml version="1.0" encoding="utf-8"?>
+<file path=ppt/slides/slide15.xml><?xml version="1.0" encoding="utf-8"?>
 <p:sld xmlns:a="http://schemas.openxmlformats.org/drawingml/2006/main" xmlns:r="http://schemas.openxmlformats.org/officeDocument/2006/relationships" xmlns:p="http://schemas.openxmlformats.org/presentationml/2006/main">
   <p:cSld>
     <p:spTree>
@@ -9647,7 +9862,7 @@
 </p:sld>
 </file>
 
-<file path=ppt/slides/slide15.xml><?xml version="1.0" encoding="utf-8"?>
+<file path=ppt/slides/slide16.xml><?xml version="1.0" encoding="utf-8"?>
 <p:sld xmlns:a="http://schemas.openxmlformats.org/drawingml/2006/main" xmlns:r="http://schemas.openxmlformats.org/officeDocument/2006/relationships" xmlns:p="http://schemas.openxmlformats.org/presentationml/2006/main">
   <p:cSld>
     <p:spTree>
@@ -9886,7 +10101,7 @@
           </a:ln>
           <a:extLst>
             <a:ext uri="{909E8E84-426E-40dd-AFC4-6F175D3DCCD1}">
-              <a14:hiddenFill xmlns="" xmlns:a14="http://schemas.microsoft.com/office/drawing/2010/main">
+              <a14:hiddenFill xmlns:a14="http://schemas.microsoft.com/office/drawing/2010/main" xmlns="">
                 <a:solidFill>
                   <a:schemeClr val="accent1"/>
                 </a:solidFill>
@@ -9970,7 +10185,7 @@
 </p:sld>
 </file>
 
-<file path=ppt/slides/slide16.xml><?xml version="1.0" encoding="utf-8"?>
+<file path=ppt/slides/slide17.xml><?xml version="1.0" encoding="utf-8"?>
 <p:sld xmlns:a="http://schemas.openxmlformats.org/drawingml/2006/main" xmlns:r="http://schemas.openxmlformats.org/officeDocument/2006/relationships" xmlns:p="http://schemas.openxmlformats.org/presentationml/2006/main">
   <p:cSld>
     <p:spTree>
@@ -10266,7 +10481,7 @@
 </p:sld>
 </file>
 
-<file path=ppt/slides/slide17.xml><?xml version="1.0" encoding="utf-8"?>
+<file path=ppt/slides/slide18.xml><?xml version="1.0" encoding="utf-8"?>
 <p:sld xmlns:a="http://schemas.openxmlformats.org/drawingml/2006/main" xmlns:r="http://schemas.openxmlformats.org/officeDocument/2006/relationships" xmlns:p="http://schemas.openxmlformats.org/presentationml/2006/main">
   <p:cSld>
     <p:spTree>
@@ -10704,7 +10919,7 @@
 </p:sld>
 </file>
 
-<file path=ppt/slides/slide18.xml><?xml version="1.0" encoding="utf-8"?>
+<file path=ppt/slides/slide19.xml><?xml version="1.0" encoding="utf-8"?>
 <p:sld xmlns:a="http://schemas.openxmlformats.org/drawingml/2006/main" xmlns:r="http://schemas.openxmlformats.org/officeDocument/2006/relationships" xmlns:p="http://schemas.openxmlformats.org/presentationml/2006/main">
   <p:cSld>
     <p:spTree>
@@ -11358,7 +11573,229 @@
 </p:sld>
 </file>
 
-<file path=ppt/slides/slide19.xml><?xml version="1.0" encoding="utf-8"?>
+<file path=ppt/slides/slide2.xml><?xml version="1.0" encoding="utf-8"?>
+<p:sld xmlns:a="http://schemas.openxmlformats.org/drawingml/2006/main" xmlns:r="http://schemas.openxmlformats.org/officeDocument/2006/relationships" xmlns:p="http://schemas.openxmlformats.org/presentationml/2006/main">
+  <p:cSld>
+    <p:spTree>
+      <p:nvGrpSpPr>
+        <p:cNvPr id="1" name=""/>
+        <p:cNvGrpSpPr/>
+        <p:nvPr/>
+      </p:nvGrpSpPr>
+      <p:grpSpPr>
+        <a:xfrm>
+          <a:off x="0" y="0"/>
+          <a:ext cx="0" cy="0"/>
+          <a:chOff x="0" y="0"/>
+          <a:chExt cx="0" cy="0"/>
+        </a:xfrm>
+      </p:grpSpPr>
+      <p:sp>
+        <p:nvSpPr>
+          <p:cNvPr id="5" name="Title 4"/>
+          <p:cNvSpPr>
+            <a:spLocks noGrp="1"/>
+          </p:cNvSpPr>
+          <p:nvPr>
+            <p:ph type="ctrTitle"/>
+          </p:nvPr>
+        </p:nvSpPr>
+        <p:spPr/>
+        <p:txBody>
+          <a:bodyPr/>
+          <a:lstStyle/>
+          <a:p>
+            <a:r>
+              <a:rPr lang="en-GB" dirty="0" smtClean="0"/>
+              <a:t>The Unix Shell</a:t>
+            </a:r>
+            <a:endParaRPr lang="en-GB" dirty="0"/>
+          </a:p>
+        </p:txBody>
+      </p:sp>
+      <p:sp>
+        <p:nvSpPr>
+          <p:cNvPr id="6" name="Subtitle 5"/>
+          <p:cNvSpPr>
+            <a:spLocks noGrp="1"/>
+          </p:cNvSpPr>
+          <p:nvPr>
+            <p:ph type="subTitle" idx="1"/>
+          </p:nvPr>
+        </p:nvSpPr>
+        <p:spPr>
+          <a:xfrm>
+            <a:off x="342353" y="4202927"/>
+            <a:ext cx="8801647" cy="551951"/>
+          </a:xfrm>
+        </p:spPr>
+        <p:txBody>
+          <a:bodyPr>
+            <a:noAutofit/>
+          </a:bodyPr>
+          <a:lstStyle/>
+          <a:p>
+            <a:r>
+              <a:rPr lang="en-GB" dirty="0">
+                <a:latin typeface="Calibri" charset="0"/>
+              </a:rPr>
+              <a:t>Managing your code: quietly introducing </a:t>
+            </a:r>
+            <a:r>
+              <a:rPr lang="en-GB" i="1" dirty="0">
+                <a:latin typeface="Calibri" charset="0"/>
+              </a:rPr>
+              <a:t>Git</a:t>
+            </a:r>
+            <a:r>
+              <a:rPr lang="en-GB" dirty="0">
+                <a:latin typeface="Calibri" charset="0"/>
+              </a:rPr>
+              <a:t> - a friend for </a:t>
+            </a:r>
+            <a:r>
+              <a:rPr lang="en-GB" dirty="0" smtClean="0">
+                <a:latin typeface="Calibri" charset="0"/>
+              </a:rPr>
+              <a:t>life - Part </a:t>
+            </a:r>
+            <a:r>
+              <a:rPr lang="en-GB" dirty="0">
+                <a:latin typeface="Calibri" charset="0"/>
+              </a:rPr>
+              <a:t>2</a:t>
+            </a:r>
+            <a:endParaRPr lang="en-GB" dirty="0"/>
+          </a:p>
+        </p:txBody>
+      </p:sp>
+      <p:sp>
+        <p:nvSpPr>
+          <p:cNvPr id="7" name="Subtitle 2"/>
+          <p:cNvSpPr txBox="1">
+            <a:spLocks/>
+          </p:cNvSpPr>
+          <p:nvPr/>
+        </p:nvSpPr>
+        <p:spPr>
+          <a:xfrm>
+            <a:off x="342900" y="4754563"/>
+            <a:ext cx="8621713" cy="1266825"/>
+          </a:xfrm>
+          <a:prstGeom prst="rect">
+            <a:avLst/>
+          </a:prstGeom>
+        </p:spPr>
+        <p:txBody>
+          <a:bodyPr>
+            <a:normAutofit/>
+          </a:bodyPr>
+          <a:lstStyle/>
+          <a:p>
+            <a:pPr marL="342900" indent="-342900" eaLnBrk="1" fontAlgn="auto" hangingPunct="1">
+              <a:spcBef>
+                <a:spcPct val="20000"/>
+              </a:spcBef>
+              <a:spcAft>
+                <a:spcPts val="0"/>
+              </a:spcAft>
+              <a:defRPr/>
+            </a:pPr>
+            <a:r>
+              <a:rPr lang="en-GB" sz="1400" dirty="0">
+                <a:solidFill>
+                  <a:srgbClr val="002060"/>
+                </a:solidFill>
+                <a:latin typeface="+mn-lt"/>
+                <a:cs typeface="+mn-cs"/>
+              </a:rPr>
+              <a:t>Thanks to all contributors:</a:t>
+            </a:r>
+          </a:p>
+          <a:p>
+            <a:pPr eaLnBrk="1" fontAlgn="auto" hangingPunct="1">
+              <a:spcAft>
+                <a:spcPts val="0"/>
+              </a:spcAft>
+              <a:buFont typeface="Arial" pitchFamily="34" charset="0"/>
+              <a:buNone/>
+              <a:defRPr/>
+            </a:pPr>
+            <a:endParaRPr lang="en-GB" sz="1400" dirty="0">
+              <a:solidFill>
+                <a:srgbClr val="002060"/>
+              </a:solidFill>
+              <a:latin typeface="+mn-lt"/>
+            </a:endParaRPr>
+          </a:p>
+          <a:p>
+            <a:pPr eaLnBrk="1" fontAlgn="auto" hangingPunct="1">
+              <a:spcAft>
+                <a:spcPts val="0"/>
+              </a:spcAft>
+              <a:buFont typeface="Arial" pitchFamily="34" charset="0"/>
+              <a:buNone/>
+              <a:defRPr/>
+            </a:pPr>
+            <a:r>
+              <a:rPr lang="en-GB" sz="1400" dirty="0">
+                <a:latin typeface="+mn-lt"/>
+              </a:rPr>
+              <a:t>Alison </a:t>
+            </a:r>
+            <a:r>
+              <a:rPr lang="en-GB" sz="1400" dirty="0" err="1">
+                <a:latin typeface="+mn-lt"/>
+              </a:rPr>
+              <a:t>Pamment</a:t>
+            </a:r>
+            <a:r>
+              <a:rPr lang="en-GB" sz="1400" dirty="0">
+                <a:latin typeface="+mn-lt"/>
+              </a:rPr>
+              <a:t>, Sam </a:t>
+            </a:r>
+            <a:r>
+              <a:rPr lang="en-GB" sz="1400" dirty="0" err="1">
+                <a:latin typeface="+mn-lt"/>
+              </a:rPr>
+              <a:t>Pepler</a:t>
+            </a:r>
+            <a:r>
+              <a:rPr lang="en-GB" sz="1400" dirty="0">
+                <a:latin typeface="+mn-lt"/>
+              </a:rPr>
+              <a:t>, Ag Stephens, Stephen Pascoe, Kevin Marsh,  Anabelle Guillory, Graham Parton, Esther Conway, Eduardo </a:t>
+            </a:r>
+            <a:r>
+              <a:rPr lang="en-GB" sz="1400" dirty="0" err="1">
+                <a:latin typeface="+mn-lt"/>
+              </a:rPr>
+              <a:t>Damasio</a:t>
+            </a:r>
+            <a:r>
+              <a:rPr lang="en-GB" sz="1400" dirty="0">
+                <a:latin typeface="+mn-lt"/>
+              </a:rPr>
+              <a:t> Da Costa, Wendy Garland, Alan Iwi and Matt Pritchard.</a:t>
+            </a:r>
+          </a:p>
+        </p:txBody>
+      </p:sp>
+    </p:spTree>
+    <p:extLst>
+      <p:ext uri="{BB962C8B-B14F-4D97-AF65-F5344CB8AC3E}">
+        <p14:creationId xmlns:p14="http://schemas.microsoft.com/office/powerpoint/2010/main" val="769529521"/>
+      </p:ext>
+    </p:extLst>
+  </p:cSld>
+  <p:clrMapOvr>
+    <a:masterClrMapping/>
+  </p:clrMapOvr>
+</p:sld>
+</file>
+
+<file path=ppt/slides/slide20.xml><?xml version="1.0" encoding="utf-8"?>
 <p:sld xmlns:a="http://schemas.openxmlformats.org/drawingml/2006/main" xmlns:r="http://schemas.openxmlformats.org/officeDocument/2006/relationships" xmlns:p="http://schemas.openxmlformats.org/presentationml/2006/main">
   <p:cSld>
     <p:spTree>
@@ -11680,14 +12117,14 @@
           </a:ln>
           <a:extLst>
             <a:ext uri="{909E8E84-426E-40dd-AFC4-6F175D3DCCD1}">
-              <a14:hiddenFill xmlns="" xmlns:a14="http://schemas.microsoft.com/office/drawing/2010/main">
+              <a14:hiddenFill xmlns:a14="http://schemas.microsoft.com/office/drawing/2010/main" xmlns="">
                 <a:solidFill>
                   <a:srgbClr val="FFFFFF"/>
                 </a:solidFill>
               </a14:hiddenFill>
             </a:ext>
             <a:ext uri="{91240B29-F687-4f45-9708-019B960494DF}">
-              <a14:hiddenLine xmlns="" xmlns:a14="http://schemas.microsoft.com/office/drawing/2010/main" w="9525">
+              <a14:hiddenLine xmlns:a14="http://schemas.microsoft.com/office/drawing/2010/main" xmlns="" w="9525">
                 <a:solidFill>
                   <a:srgbClr val="000000"/>
                 </a:solidFill>
@@ -12342,7 +12779,3085 @@
 </p:sld>
 </file>
 
-<file path=ppt/slides/slide2.xml><?xml version="1.0" encoding="utf-8"?>
+<file path=ppt/slides/slide21.xml><?xml version="1.0" encoding="utf-8"?>
+<p:sld xmlns:a="http://schemas.openxmlformats.org/drawingml/2006/main" xmlns:r="http://schemas.openxmlformats.org/officeDocument/2006/relationships" xmlns:p="http://schemas.openxmlformats.org/presentationml/2006/main">
+  <p:cSld>
+    <p:spTree>
+      <p:nvGrpSpPr>
+        <p:cNvPr id="1" name=""/>
+        <p:cNvGrpSpPr/>
+        <p:nvPr/>
+      </p:nvGrpSpPr>
+      <p:grpSpPr>
+        <a:xfrm>
+          <a:off x="0" y="0"/>
+          <a:ext cx="0" cy="0"/>
+          <a:chOff x="0" y="0"/>
+          <a:chExt cx="0" cy="0"/>
+        </a:xfrm>
+      </p:grpSpPr>
+      <p:sp>
+        <p:nvSpPr>
+          <p:cNvPr id="27650" name="Title 1"/>
+          <p:cNvSpPr>
+            <a:spLocks noGrp="1"/>
+          </p:cNvSpPr>
+          <p:nvPr>
+            <p:ph type="title"/>
+          </p:nvPr>
+        </p:nvSpPr>
+        <p:spPr/>
+        <p:txBody>
+          <a:bodyPr/>
+          <a:lstStyle/>
+          <a:p>
+            <a:r>
+              <a:rPr lang="en-GB" dirty="0" smtClean="0">
+                <a:latin typeface="Calibri" charset="0"/>
+              </a:rPr>
+              <a:t>Let's </a:t>
+            </a:r>
+            <a:r>
+              <a:rPr lang="en-GB" dirty="0">
+                <a:latin typeface="Calibri" charset="0"/>
+              </a:rPr>
+              <a:t>look on GitHub</a:t>
+            </a:r>
+          </a:p>
+        </p:txBody>
+      </p:sp>
+      <p:sp>
+        <p:nvSpPr>
+          <p:cNvPr id="27651" name="Content Placeholder 2"/>
+          <p:cNvSpPr>
+            <a:spLocks noGrp="1"/>
+          </p:cNvSpPr>
+          <p:nvPr>
+            <p:ph idx="1"/>
+          </p:nvPr>
+        </p:nvSpPr>
+        <p:spPr>
+          <a:xfrm>
+            <a:off x="376518" y="1255997"/>
+            <a:ext cx="7899400" cy="850900"/>
+          </a:xfrm>
+        </p:spPr>
+        <p:txBody>
+          <a:bodyPr/>
+          <a:lstStyle/>
+          <a:p>
+            <a:pPr marL="0" indent="0">
+              <a:buFont typeface="Arial" charset="0"/>
+              <a:buNone/>
+            </a:pPr>
+            <a:r>
+              <a:rPr lang="en-GB" dirty="0" smtClean="0">
+                <a:latin typeface="Calibri" charset="0"/>
+              </a:rPr>
+              <a:t>Before</a:t>
+            </a:r>
+            <a:r>
+              <a:rPr lang="mr-IN" dirty="0" smtClean="0">
+                <a:latin typeface="Calibri" charset="0"/>
+              </a:rPr>
+              <a:t>…</a:t>
+            </a:r>
+            <a:endParaRPr lang="en-GB" dirty="0">
+              <a:latin typeface="Calibri" charset="0"/>
+            </a:endParaRPr>
+          </a:p>
+        </p:txBody>
+      </p:sp>
+      <p:pic>
+        <p:nvPicPr>
+          <p:cNvPr id="2" name="Picture 1" descr="Screen Shot 2017-02-23 at 11.11.53.png"/>
+          <p:cNvPicPr>
+            <a:picLocks noChangeAspect="1"/>
+          </p:cNvPicPr>
+          <p:nvPr/>
+        </p:nvPicPr>
+        <p:blipFill>
+          <a:blip r:embed="rId2" cstate="email">
+            <a:extLst>
+              <a:ext uri="{28A0092B-C50C-407E-A947-70E740481C1C}">
+                <a14:useLocalDpi xmlns:a14="http://schemas.microsoft.com/office/drawing/2010/main" val="0"/>
+              </a:ext>
+            </a:extLst>
+          </a:blip>
+          <a:stretch>
+            <a:fillRect/>
+          </a:stretch>
+        </p:blipFill>
+        <p:spPr>
+          <a:xfrm>
+            <a:off x="26894" y="1739901"/>
+            <a:ext cx="9117106" cy="1796474"/>
+          </a:xfrm>
+          <a:prstGeom prst="rect">
+            <a:avLst/>
+          </a:prstGeom>
+        </p:spPr>
+      </p:pic>
+      <p:sp>
+        <p:nvSpPr>
+          <p:cNvPr id="5" name="Content Placeholder 2"/>
+          <p:cNvSpPr txBox="1">
+            <a:spLocks/>
+          </p:cNvSpPr>
+          <p:nvPr/>
+        </p:nvSpPr>
+        <p:spPr bwMode="auto">
+          <a:xfrm>
+            <a:off x="376518" y="3536375"/>
+            <a:ext cx="7899400" cy="850900"/>
+          </a:xfrm>
+          <a:prstGeom prst="rect">
+            <a:avLst/>
+          </a:prstGeom>
+          <a:noFill/>
+          <a:ln>
+            <a:noFill/>
+          </a:ln>
+          <a:extLst>
+            <a:ext uri="{FAA26D3D-D897-4be2-8F04-BA451C77F1D7}">
+              <ma14:placeholderFlag xmlns="" xmlns:ma14="http://schemas.microsoft.com/office/mac/drawingml/2011/main" val="1"/>
+            </a:ext>
+            <a:ext uri="{909E8E84-426E-40dd-AFC4-6F175D3DCCD1}">
+              <a14:hiddenFill xmlns:a14="http://schemas.microsoft.com/office/drawing/2010/main" xmlns="">
+                <a:solidFill>
+                  <a:srgbClr val="FFFFFF"/>
+                </a:solidFill>
+              </a14:hiddenFill>
+            </a:ext>
+            <a:ext uri="{91240B29-F687-4f45-9708-019B960494DF}">
+              <a14:hiddenLine xmlns:a14="http://schemas.microsoft.com/office/drawing/2010/main" xmlns="" w="9525">
+                <a:solidFill>
+                  <a:srgbClr val="000000"/>
+                </a:solidFill>
+                <a:miter lim="800000"/>
+                <a:headEnd/>
+                <a:tailEnd/>
+              </a14:hiddenLine>
+            </a:ext>
+          </a:extLst>
+        </p:spPr>
+        <p:txBody>
+          <a:bodyPr vert="horz" wrap="square" lIns="91440" tIns="45720" rIns="91440" bIns="45720" numCol="1" anchor="t" anchorCtr="0" compatLnSpc="1">
+            <a:prstTxWarp prst="textNoShape">
+              <a:avLst/>
+            </a:prstTxWarp>
+          </a:bodyPr>
+          <a:lstStyle>
+            <a:lvl1pPr marL="342900" indent="-342900" algn="l" rtl="0" eaLnBrk="0" fontAlgn="base" hangingPunct="0">
+              <a:spcBef>
+                <a:spcPct val="20000"/>
+              </a:spcBef>
+              <a:spcAft>
+                <a:spcPct val="0"/>
+              </a:spcAft>
+              <a:buFont typeface="Arial" charset="0"/>
+              <a:buChar char="•"/>
+              <a:defRPr sz="3200" kern="1200">
+                <a:solidFill>
+                  <a:schemeClr val="tx1"/>
+                </a:solidFill>
+                <a:latin typeface="+mn-lt"/>
+                <a:ea typeface="ＭＳ Ｐゴシック" charset="0"/>
+                <a:cs typeface="+mn-cs"/>
+              </a:defRPr>
+            </a:lvl1pPr>
+            <a:lvl2pPr marL="742950" indent="-285750" algn="l" rtl="0" eaLnBrk="0" fontAlgn="base" hangingPunct="0">
+              <a:spcBef>
+                <a:spcPct val="20000"/>
+              </a:spcBef>
+              <a:spcAft>
+                <a:spcPct val="0"/>
+              </a:spcAft>
+              <a:buFont typeface="Arial" charset="0"/>
+              <a:buChar char="–"/>
+              <a:defRPr sz="2800" kern="1200">
+                <a:solidFill>
+                  <a:schemeClr val="tx1"/>
+                </a:solidFill>
+                <a:latin typeface="+mn-lt"/>
+                <a:ea typeface="ＭＳ Ｐゴシック" charset="0"/>
+                <a:cs typeface="+mn-cs"/>
+              </a:defRPr>
+            </a:lvl2pPr>
+            <a:lvl3pPr marL="1143000" indent="-228600" algn="l" rtl="0" eaLnBrk="0" fontAlgn="base" hangingPunct="0">
+              <a:spcBef>
+                <a:spcPct val="20000"/>
+              </a:spcBef>
+              <a:spcAft>
+                <a:spcPct val="0"/>
+              </a:spcAft>
+              <a:buFont typeface="Arial" charset="0"/>
+              <a:buChar char="•"/>
+              <a:defRPr sz="2400" kern="1200">
+                <a:solidFill>
+                  <a:schemeClr val="tx1"/>
+                </a:solidFill>
+                <a:latin typeface="+mn-lt"/>
+                <a:ea typeface="ＭＳ Ｐゴシック" charset="0"/>
+                <a:cs typeface="+mn-cs"/>
+              </a:defRPr>
+            </a:lvl3pPr>
+            <a:lvl4pPr marL="1600200" indent="-228600" algn="l" rtl="0" eaLnBrk="0" fontAlgn="base" hangingPunct="0">
+              <a:spcBef>
+                <a:spcPct val="20000"/>
+              </a:spcBef>
+              <a:spcAft>
+                <a:spcPct val="0"/>
+              </a:spcAft>
+              <a:buFont typeface="Arial" charset="0"/>
+              <a:buChar char="–"/>
+              <a:defRPr sz="2000" kern="1200">
+                <a:solidFill>
+                  <a:schemeClr val="tx1"/>
+                </a:solidFill>
+                <a:latin typeface="+mn-lt"/>
+                <a:ea typeface="ＭＳ Ｐゴシック" charset="0"/>
+                <a:cs typeface="+mn-cs"/>
+              </a:defRPr>
+            </a:lvl4pPr>
+            <a:lvl5pPr marL="2057400" indent="-228600" algn="l" rtl="0" eaLnBrk="0" fontAlgn="base" hangingPunct="0">
+              <a:spcBef>
+                <a:spcPct val="20000"/>
+              </a:spcBef>
+              <a:spcAft>
+                <a:spcPct val="0"/>
+              </a:spcAft>
+              <a:buFont typeface="Arial" charset="0"/>
+              <a:buChar char="»"/>
+              <a:defRPr sz="2000" kern="1200">
+                <a:solidFill>
+                  <a:schemeClr val="tx1"/>
+                </a:solidFill>
+                <a:latin typeface="+mn-lt"/>
+                <a:ea typeface="ＭＳ Ｐゴシック" charset="0"/>
+                <a:cs typeface="+mn-cs"/>
+              </a:defRPr>
+            </a:lvl5pPr>
+            <a:lvl6pPr marL="2514600" indent="-228600" algn="l" defTabSz="914400" rtl="0" eaLnBrk="1" latinLnBrk="0" hangingPunct="1">
+              <a:spcBef>
+                <a:spcPct val="20000"/>
+              </a:spcBef>
+              <a:buFont typeface="Arial" pitchFamily="34" charset="0"/>
+              <a:buChar char="•"/>
+              <a:defRPr sz="2000" kern="1200">
+                <a:solidFill>
+                  <a:schemeClr val="tx1"/>
+                </a:solidFill>
+                <a:latin typeface="+mn-lt"/>
+                <a:ea typeface="+mn-ea"/>
+                <a:cs typeface="+mn-cs"/>
+              </a:defRPr>
+            </a:lvl6pPr>
+            <a:lvl7pPr marL="2971800" indent="-228600" algn="l" defTabSz="914400" rtl="0" eaLnBrk="1" latinLnBrk="0" hangingPunct="1">
+              <a:spcBef>
+                <a:spcPct val="20000"/>
+              </a:spcBef>
+              <a:buFont typeface="Arial" pitchFamily="34" charset="0"/>
+              <a:buChar char="•"/>
+              <a:defRPr sz="2000" kern="1200">
+                <a:solidFill>
+                  <a:schemeClr val="tx1"/>
+                </a:solidFill>
+                <a:latin typeface="+mn-lt"/>
+                <a:ea typeface="+mn-ea"/>
+                <a:cs typeface="+mn-cs"/>
+              </a:defRPr>
+            </a:lvl7pPr>
+            <a:lvl8pPr marL="3429000" indent="-228600" algn="l" defTabSz="914400" rtl="0" eaLnBrk="1" latinLnBrk="0" hangingPunct="1">
+              <a:spcBef>
+                <a:spcPct val="20000"/>
+              </a:spcBef>
+              <a:buFont typeface="Arial" pitchFamily="34" charset="0"/>
+              <a:buChar char="•"/>
+              <a:defRPr sz="2000" kern="1200">
+                <a:solidFill>
+                  <a:schemeClr val="tx1"/>
+                </a:solidFill>
+                <a:latin typeface="+mn-lt"/>
+                <a:ea typeface="+mn-ea"/>
+                <a:cs typeface="+mn-cs"/>
+              </a:defRPr>
+            </a:lvl8pPr>
+            <a:lvl9pPr marL="3886200" indent="-228600" algn="l" defTabSz="914400" rtl="0" eaLnBrk="1" latinLnBrk="0" hangingPunct="1">
+              <a:spcBef>
+                <a:spcPct val="20000"/>
+              </a:spcBef>
+              <a:buFont typeface="Arial" pitchFamily="34" charset="0"/>
+              <a:buChar char="•"/>
+              <a:defRPr sz="2000" kern="1200">
+                <a:solidFill>
+                  <a:schemeClr val="tx1"/>
+                </a:solidFill>
+                <a:latin typeface="+mn-lt"/>
+                <a:ea typeface="+mn-ea"/>
+                <a:cs typeface="+mn-cs"/>
+              </a:defRPr>
+            </a:lvl9pPr>
+          </a:lstStyle>
+          <a:p>
+            <a:pPr marL="0" indent="0">
+              <a:buFont typeface="Arial" charset="0"/>
+              <a:buNone/>
+            </a:pPr>
+            <a:r>
+              <a:rPr lang="en-GB" sz="2800" dirty="0" smtClean="0">
+                <a:latin typeface="Calibri" charset="0"/>
+              </a:rPr>
+              <a:t>After</a:t>
+            </a:r>
+            <a:r>
+              <a:rPr lang="mr-IN" sz="2800" dirty="0" smtClean="0">
+                <a:latin typeface="Calibri" charset="0"/>
+              </a:rPr>
+              <a:t>…</a:t>
+            </a:r>
+            <a:endParaRPr lang="en-GB" sz="2800" dirty="0">
+              <a:latin typeface="Calibri" charset="0"/>
+            </a:endParaRPr>
+          </a:p>
+        </p:txBody>
+      </p:sp>
+      <p:pic>
+        <p:nvPicPr>
+          <p:cNvPr id="3" name="Picture 2" descr="Screen Shot 2017-02-23 at 11.13.40.png"/>
+          <p:cNvPicPr>
+            <a:picLocks noChangeAspect="1"/>
+          </p:cNvPicPr>
+          <p:nvPr/>
+        </p:nvPicPr>
+        <p:blipFill>
+          <a:blip r:embed="rId3" cstate="email">
+            <a:extLst>
+              <a:ext uri="{28A0092B-C50C-407E-A947-70E740481C1C}">
+                <a14:useLocalDpi xmlns:a14="http://schemas.microsoft.com/office/drawing/2010/main" val="0"/>
+              </a:ext>
+            </a:extLst>
+          </a:blip>
+          <a:stretch>
+            <a:fillRect/>
+          </a:stretch>
+        </p:blipFill>
+        <p:spPr>
+          <a:xfrm>
+            <a:off x="26894" y="4020279"/>
+            <a:ext cx="8767482" cy="1928155"/>
+          </a:xfrm>
+          <a:prstGeom prst="rect">
+            <a:avLst/>
+          </a:prstGeom>
+        </p:spPr>
+      </p:pic>
+    </p:spTree>
+  </p:cSld>
+  <p:clrMapOvr>
+    <a:masterClrMapping/>
+  </p:clrMapOvr>
+</p:sld>
+</file>
+
+<file path=ppt/slides/slide22.xml><?xml version="1.0" encoding="utf-8"?>
+<p:sld xmlns:a="http://schemas.openxmlformats.org/drawingml/2006/main" xmlns:r="http://schemas.openxmlformats.org/officeDocument/2006/relationships" xmlns:p="http://schemas.openxmlformats.org/presentationml/2006/main">
+  <p:cSld>
+    <p:spTree>
+      <p:nvGrpSpPr>
+        <p:cNvPr id="1" name=""/>
+        <p:cNvGrpSpPr/>
+        <p:nvPr/>
+      </p:nvGrpSpPr>
+      <p:grpSpPr>
+        <a:xfrm>
+          <a:off x="0" y="0"/>
+          <a:ext cx="0" cy="0"/>
+          <a:chOff x="0" y="0"/>
+          <a:chExt cx="0" cy="0"/>
+        </a:xfrm>
+      </p:grpSpPr>
+      <p:sp>
+        <p:nvSpPr>
+          <p:cNvPr id="29698" name="Title 1"/>
+          <p:cNvSpPr>
+            <a:spLocks noGrp="1"/>
+          </p:cNvSpPr>
+          <p:nvPr>
+            <p:ph type="title"/>
+          </p:nvPr>
+        </p:nvSpPr>
+        <p:spPr/>
+        <p:txBody>
+          <a:bodyPr/>
+          <a:lstStyle/>
+          <a:p>
+            <a:r>
+              <a:rPr lang="en-GB" dirty="0" smtClean="0">
+                <a:latin typeface="Calibri" charset="0"/>
+              </a:rPr>
+              <a:t>The Plan: Use </a:t>
+            </a:r>
+            <a:r>
+              <a:rPr lang="en-GB" dirty="0">
+                <a:latin typeface="Calibri" charset="0"/>
+              </a:rPr>
+              <a:t>Git/</a:t>
+            </a:r>
+            <a:r>
+              <a:rPr lang="en-GB" dirty="0" err="1">
+                <a:latin typeface="Calibri" charset="0"/>
+              </a:rPr>
+              <a:t>GitHub</a:t>
+            </a:r>
+            <a:r>
+              <a:rPr lang="en-GB" dirty="0">
+                <a:latin typeface="Calibri" charset="0"/>
+              </a:rPr>
+              <a:t> all week</a:t>
+            </a:r>
+          </a:p>
+        </p:txBody>
+      </p:sp>
+      <p:sp>
+        <p:nvSpPr>
+          <p:cNvPr id="3" name="Content Placeholder 2"/>
+          <p:cNvSpPr>
+            <a:spLocks noGrp="1"/>
+          </p:cNvSpPr>
+          <p:nvPr>
+            <p:ph idx="1"/>
+          </p:nvPr>
+        </p:nvSpPr>
+        <p:spPr/>
+        <p:txBody>
+          <a:bodyPr/>
+          <a:lstStyle/>
+          <a:p>
+            <a:pPr>
+              <a:buFont typeface="Arial" pitchFamily="34" charset="0"/>
+              <a:buChar char="•"/>
+              <a:defRPr/>
+            </a:pPr>
+            <a:r>
+              <a:rPr lang="en-GB" dirty="0" smtClean="0">
+                <a:ea typeface="+mn-ea"/>
+              </a:rPr>
+              <a:t>This stuff is hard to learn - we know that from experience.</a:t>
+            </a:r>
+          </a:p>
+          <a:p>
+            <a:pPr>
+              <a:buFont typeface="Arial" pitchFamily="34" charset="0"/>
+              <a:buChar char="•"/>
+              <a:defRPr/>
+            </a:pPr>
+            <a:r>
+              <a:rPr lang="en-GB" dirty="0" smtClean="0">
+                <a:ea typeface="+mn-ea"/>
+              </a:rPr>
+              <a:t>A presentation is quickly forgotten.</a:t>
+            </a:r>
+          </a:p>
+          <a:p>
+            <a:pPr>
+              <a:buFont typeface="Arial" pitchFamily="34" charset="0"/>
+              <a:buChar char="•"/>
+              <a:defRPr/>
+            </a:pPr>
+            <a:r>
+              <a:rPr lang="en-GB" dirty="0" smtClean="0">
+                <a:ea typeface="+mn-ea"/>
+              </a:rPr>
+              <a:t>So, we propose that you use Git/GitHub for every exercise.</a:t>
+            </a:r>
+          </a:p>
+          <a:p>
+            <a:pPr>
+              <a:buFont typeface="Arial" pitchFamily="34" charset="0"/>
+              <a:buChar char="•"/>
+              <a:defRPr/>
+            </a:pPr>
+            <a:r>
+              <a:rPr lang="en-GB" dirty="0" smtClean="0">
+                <a:ea typeface="+mn-ea"/>
+              </a:rPr>
+              <a:t>You are going to create and update your own </a:t>
+            </a:r>
+            <a:r>
+              <a:rPr lang="en-GB" dirty="0" err="1">
+                <a:ea typeface="+mn-ea"/>
+              </a:rPr>
+              <a:t>G</a:t>
+            </a:r>
+            <a:r>
+              <a:rPr lang="en-GB" dirty="0" err="1" smtClean="0">
+                <a:ea typeface="+mn-ea"/>
+              </a:rPr>
+              <a:t>ithub</a:t>
+            </a:r>
+            <a:r>
+              <a:rPr lang="en-GB" dirty="0" smtClean="0">
+                <a:ea typeface="+mn-ea"/>
+              </a:rPr>
+              <a:t> repository with files from exercises throughout the course.</a:t>
+            </a:r>
+          </a:p>
+          <a:p>
+            <a:pPr marL="0" indent="0">
+              <a:buFont typeface="Arial" pitchFamily="34" charset="0"/>
+              <a:buNone/>
+              <a:defRPr/>
+            </a:pPr>
+            <a:endParaRPr lang="en-GB" dirty="0">
+              <a:ea typeface="+mn-ea"/>
+            </a:endParaRPr>
+          </a:p>
+        </p:txBody>
+      </p:sp>
+    </p:spTree>
+  </p:cSld>
+  <p:clrMapOvr>
+    <a:masterClrMapping/>
+  </p:clrMapOvr>
+</p:sld>
+</file>
+
+<file path=ppt/slides/slide23.xml><?xml version="1.0" encoding="utf-8"?>
+<p:sld xmlns:a="http://schemas.openxmlformats.org/drawingml/2006/main" xmlns:r="http://schemas.openxmlformats.org/officeDocument/2006/relationships" xmlns:p="http://schemas.openxmlformats.org/presentationml/2006/main">
+  <p:cSld>
+    <p:spTree>
+      <p:nvGrpSpPr>
+        <p:cNvPr id="1" name=""/>
+        <p:cNvGrpSpPr/>
+        <p:nvPr/>
+      </p:nvGrpSpPr>
+      <p:grpSpPr>
+        <a:xfrm>
+          <a:off x="0" y="0"/>
+          <a:ext cx="0" cy="0"/>
+          <a:chOff x="0" y="0"/>
+          <a:chExt cx="0" cy="0"/>
+        </a:xfrm>
+      </p:grpSpPr>
+      <p:sp>
+        <p:nvSpPr>
+          <p:cNvPr id="2" name="Title 1"/>
+          <p:cNvSpPr>
+            <a:spLocks noGrp="1"/>
+          </p:cNvSpPr>
+          <p:nvPr>
+            <p:ph type="title"/>
+          </p:nvPr>
+        </p:nvSpPr>
+        <p:spPr/>
+        <p:txBody>
+          <a:bodyPr/>
+          <a:lstStyle/>
+          <a:p>
+            <a:r>
+              <a:rPr lang="en-US" dirty="0" smtClean="0"/>
+              <a:t>Lets make some test files</a:t>
+            </a:r>
+            <a:endParaRPr lang="en-US" dirty="0"/>
+          </a:p>
+        </p:txBody>
+      </p:sp>
+      <p:sp>
+        <p:nvSpPr>
+          <p:cNvPr id="3" name="Content Placeholder 2"/>
+          <p:cNvSpPr>
+            <a:spLocks noGrp="1"/>
+          </p:cNvSpPr>
+          <p:nvPr>
+            <p:ph idx="1"/>
+          </p:nvPr>
+        </p:nvSpPr>
+        <p:spPr>
+          <a:xfrm>
+            <a:off x="457200" y="1600200"/>
+            <a:ext cx="8229600" cy="3225799"/>
+          </a:xfrm>
+        </p:spPr>
+        <p:style>
+          <a:lnRef idx="2">
+            <a:schemeClr val="dk1">
+              <a:shade val="50000"/>
+            </a:schemeClr>
+          </a:lnRef>
+          <a:fillRef idx="1">
+            <a:schemeClr val="dk1"/>
+          </a:fillRef>
+          <a:effectRef idx="0">
+            <a:schemeClr val="dk1"/>
+          </a:effectRef>
+          <a:fontRef idx="minor">
+            <a:schemeClr val="lt1"/>
+          </a:fontRef>
+        </p:style>
+        <p:txBody>
+          <a:bodyPr/>
+          <a:lstStyle/>
+          <a:p>
+            <a:pPr marL="0" indent="0">
+              <a:buNone/>
+            </a:pPr>
+            <a:r>
+              <a:rPr lang="en-US" sz="2400" dirty="0" smtClean="0">
+                <a:latin typeface="Courier New" panose="02070309020205020404" pitchFamily="49" charset="0"/>
+                <a:cs typeface="Courier New" panose="02070309020205020404" pitchFamily="49" charset="0"/>
+              </a:rPr>
+              <a:t>$ </a:t>
+            </a:r>
+            <a:r>
+              <a:rPr lang="en-US" sz="2400" b="1" dirty="0" err="1">
+                <a:solidFill>
+                  <a:srgbClr val="FFFF00"/>
+                </a:solidFill>
+                <a:latin typeface="Courier New" panose="02070309020205020404" pitchFamily="49" charset="0"/>
+                <a:cs typeface="Courier New" panose="02070309020205020404" pitchFamily="49" charset="0"/>
+              </a:rPr>
+              <a:t>mkdir</a:t>
+            </a:r>
+            <a:r>
+              <a:rPr lang="en-US" sz="2400" b="1" dirty="0">
+                <a:solidFill>
+                  <a:srgbClr val="FFFF00"/>
+                </a:solidFill>
+                <a:latin typeface="Courier New" panose="02070309020205020404" pitchFamily="49" charset="0"/>
+                <a:cs typeface="Courier New" panose="02070309020205020404" pitchFamily="49" charset="0"/>
+              </a:rPr>
+              <a:t> </a:t>
+            </a:r>
+            <a:r>
+              <a:rPr lang="en-US" sz="2400" b="1" dirty="0" err="1">
+                <a:solidFill>
+                  <a:srgbClr val="FFFF00"/>
+                </a:solidFill>
+                <a:latin typeface="Courier New" panose="02070309020205020404" pitchFamily="49" charset="0"/>
+                <a:cs typeface="Courier New" panose="02070309020205020404" pitchFamily="49" charset="0"/>
+              </a:rPr>
+              <a:t>mydir</a:t>
+            </a:r>
+            <a:endParaRPr lang="en-US" sz="2400" b="1" dirty="0">
+              <a:solidFill>
+                <a:srgbClr val="FFFF00"/>
+              </a:solidFill>
+              <a:latin typeface="Courier New" panose="02070309020205020404" pitchFamily="49" charset="0"/>
+              <a:cs typeface="Courier New" panose="02070309020205020404" pitchFamily="49" charset="0"/>
+            </a:endParaRPr>
+          </a:p>
+          <a:p>
+            <a:pPr marL="0" indent="0">
+              <a:buNone/>
+            </a:pPr>
+            <a:r>
+              <a:rPr lang="en-US" sz="2400" dirty="0" smtClean="0">
+                <a:latin typeface="Courier New" panose="02070309020205020404" pitchFamily="49" charset="0"/>
+                <a:cs typeface="Courier New" panose="02070309020205020404" pitchFamily="49" charset="0"/>
+              </a:rPr>
+              <a:t>$ </a:t>
+            </a:r>
+            <a:r>
+              <a:rPr lang="en-US" sz="2400" b="1" dirty="0">
+                <a:solidFill>
+                  <a:srgbClr val="FFFF00"/>
+                </a:solidFill>
+                <a:latin typeface="Courier New" panose="02070309020205020404" pitchFamily="49" charset="0"/>
+                <a:cs typeface="Courier New" panose="02070309020205020404" pitchFamily="49" charset="0"/>
+              </a:rPr>
+              <a:t>echo </a:t>
+            </a:r>
+            <a:r>
+              <a:rPr lang="en-US" sz="2400" b="1" dirty="0" smtClean="0">
+                <a:solidFill>
+                  <a:srgbClr val="FFFF00"/>
+                </a:solidFill>
+                <a:latin typeface="Courier New" panose="02070309020205020404" pitchFamily="49" charset="0"/>
+                <a:cs typeface="Courier New" panose="02070309020205020404" pitchFamily="49" charset="0"/>
+              </a:rPr>
+              <a:t>"hi" </a:t>
+            </a:r>
+            <a:r>
+              <a:rPr lang="en-US" sz="2400" b="1" dirty="0">
+                <a:solidFill>
+                  <a:srgbClr val="FFFF00"/>
+                </a:solidFill>
+                <a:latin typeface="Courier New" panose="02070309020205020404" pitchFamily="49" charset="0"/>
+                <a:cs typeface="Courier New" panose="02070309020205020404" pitchFamily="49" charset="0"/>
+              </a:rPr>
+              <a:t>&gt; hi.txt</a:t>
+            </a:r>
+          </a:p>
+          <a:p>
+            <a:pPr marL="0" indent="0">
+              <a:buNone/>
+            </a:pPr>
+            <a:r>
+              <a:rPr lang="en-US" sz="2400" dirty="0" smtClean="0">
+                <a:latin typeface="Courier New" panose="02070309020205020404" pitchFamily="49" charset="0"/>
+                <a:cs typeface="Courier New" panose="02070309020205020404" pitchFamily="49" charset="0"/>
+              </a:rPr>
+              <a:t>$ </a:t>
+            </a:r>
+            <a:r>
+              <a:rPr lang="en-US" sz="2400" b="1" dirty="0">
+                <a:solidFill>
+                  <a:srgbClr val="FFFF00"/>
+                </a:solidFill>
+                <a:latin typeface="Courier New" panose="02070309020205020404" pitchFamily="49" charset="0"/>
+                <a:cs typeface="Courier New" panose="02070309020205020404" pitchFamily="49" charset="0"/>
+              </a:rPr>
+              <a:t>echo </a:t>
+            </a:r>
+            <a:r>
+              <a:rPr lang="en-US" sz="2400" b="1" dirty="0" smtClean="0">
+                <a:solidFill>
+                  <a:srgbClr val="FFFF00"/>
+                </a:solidFill>
+                <a:latin typeface="Courier New" panose="02070309020205020404" pitchFamily="49" charset="0"/>
+                <a:cs typeface="Courier New" panose="02070309020205020404" pitchFamily="49" charset="0"/>
+              </a:rPr>
+              <a:t>"testing..." </a:t>
+            </a:r>
+            <a:r>
+              <a:rPr lang="en-US" sz="2400" b="1" dirty="0">
+                <a:solidFill>
+                  <a:srgbClr val="FFFF00"/>
+                </a:solidFill>
+                <a:latin typeface="Courier New" panose="02070309020205020404" pitchFamily="49" charset="0"/>
+                <a:cs typeface="Courier New" panose="02070309020205020404" pitchFamily="49" charset="0"/>
+              </a:rPr>
+              <a:t>&gt; </a:t>
+            </a:r>
+            <a:r>
+              <a:rPr lang="en-US" sz="2400" b="1" dirty="0" err="1">
+                <a:solidFill>
+                  <a:srgbClr val="FFFF00"/>
+                </a:solidFill>
+                <a:latin typeface="Courier New" panose="02070309020205020404" pitchFamily="49" charset="0"/>
+                <a:cs typeface="Courier New" panose="02070309020205020404" pitchFamily="49" charset="0"/>
+              </a:rPr>
+              <a:t>mydir</a:t>
+            </a:r>
+            <a:r>
+              <a:rPr lang="en-US" sz="2400" b="1" dirty="0">
+                <a:solidFill>
+                  <a:srgbClr val="FFFF00"/>
+                </a:solidFill>
+                <a:latin typeface="Courier New" panose="02070309020205020404" pitchFamily="49" charset="0"/>
+                <a:cs typeface="Courier New" panose="02070309020205020404" pitchFamily="49" charset="0"/>
+              </a:rPr>
+              <a:t>/t1.</a:t>
+            </a:r>
+            <a:r>
+              <a:rPr lang="en-US" sz="2400" b="1" dirty="0" smtClean="0">
+                <a:solidFill>
+                  <a:srgbClr val="FFFF00"/>
+                </a:solidFill>
+                <a:latin typeface="Courier New" panose="02070309020205020404" pitchFamily="49" charset="0"/>
+                <a:cs typeface="Courier New" panose="02070309020205020404" pitchFamily="49" charset="0"/>
+              </a:rPr>
+              <a:t>txt</a:t>
+            </a:r>
+          </a:p>
+          <a:p>
+            <a:pPr marL="0" indent="0">
+              <a:buNone/>
+            </a:pPr>
+            <a:r>
+              <a:rPr lang="en-US" sz="2400" dirty="0">
+                <a:latin typeface="Courier New" panose="02070309020205020404" pitchFamily="49" charset="0"/>
+                <a:cs typeface="Courier New" panose="02070309020205020404" pitchFamily="49" charset="0"/>
+              </a:rPr>
+              <a:t>$ </a:t>
+            </a:r>
+            <a:r>
+              <a:rPr lang="en-US" sz="2400" b="1" dirty="0" err="1">
+                <a:solidFill>
+                  <a:srgbClr val="FFFF00"/>
+                </a:solidFill>
+                <a:latin typeface="Courier New" panose="02070309020205020404" pitchFamily="49" charset="0"/>
+                <a:cs typeface="Courier New" panose="02070309020205020404" pitchFamily="49" charset="0"/>
+              </a:rPr>
+              <a:t>ls</a:t>
+            </a:r>
+            <a:endParaRPr lang="en-US" sz="2400" b="1" dirty="0">
+              <a:solidFill>
+                <a:srgbClr val="FFFF00"/>
+              </a:solidFill>
+              <a:latin typeface="Courier New" panose="02070309020205020404" pitchFamily="49" charset="0"/>
+              <a:cs typeface="Courier New" panose="02070309020205020404" pitchFamily="49" charset="0"/>
+            </a:endParaRPr>
+          </a:p>
+          <a:p>
+            <a:pPr marL="0" indent="0">
+              <a:buNone/>
+            </a:pPr>
+            <a:r>
+              <a:rPr lang="en-US" sz="2400" dirty="0" err="1" smtClean="0">
+                <a:latin typeface="Courier New" panose="02070309020205020404" pitchFamily="49" charset="0"/>
+                <a:cs typeface="Courier New" panose="02070309020205020404" pitchFamily="49" charset="0"/>
+              </a:rPr>
+              <a:t>hi.txt</a:t>
+            </a:r>
+            <a:r>
+              <a:rPr lang="en-US" sz="2400" dirty="0">
+                <a:latin typeface="Courier New" panose="02070309020205020404" pitchFamily="49" charset="0"/>
+                <a:cs typeface="Courier New" panose="02070309020205020404" pitchFamily="49" charset="0"/>
+              </a:rPr>
+              <a:t>	</a:t>
+            </a:r>
+            <a:r>
+              <a:rPr lang="en-US" sz="2400" dirty="0" err="1" smtClean="0">
+                <a:latin typeface="Courier New" panose="02070309020205020404" pitchFamily="49" charset="0"/>
+                <a:cs typeface="Courier New" panose="02070309020205020404" pitchFamily="49" charset="0"/>
+              </a:rPr>
+              <a:t>hello.txt</a:t>
+            </a:r>
+            <a:r>
+              <a:rPr lang="en-US" sz="2400" dirty="0">
+                <a:latin typeface="Courier New" panose="02070309020205020404" pitchFamily="49" charset="0"/>
+                <a:cs typeface="Courier New" panose="02070309020205020404" pitchFamily="49" charset="0"/>
+              </a:rPr>
+              <a:t>	</a:t>
+            </a:r>
+            <a:r>
+              <a:rPr lang="en-US" sz="2400" dirty="0" smtClean="0">
+                <a:latin typeface="Courier New" panose="02070309020205020404" pitchFamily="49" charset="0"/>
+                <a:cs typeface="Courier New" panose="02070309020205020404" pitchFamily="49" charset="0"/>
+              </a:rPr>
+              <a:t> </a:t>
+            </a:r>
+            <a:r>
+              <a:rPr lang="en-US" sz="2400" dirty="0" err="1" smtClean="0">
+                <a:latin typeface="Courier New" panose="02070309020205020404" pitchFamily="49" charset="0"/>
+                <a:cs typeface="Courier New" panose="02070309020205020404" pitchFamily="49" charset="0"/>
+              </a:rPr>
+              <a:t>mydir</a:t>
+            </a:r>
+            <a:endParaRPr lang="en-US" sz="2400" dirty="0">
+              <a:latin typeface="Courier New" panose="02070309020205020404" pitchFamily="49" charset="0"/>
+              <a:cs typeface="Courier New" panose="02070309020205020404" pitchFamily="49" charset="0"/>
+            </a:endParaRPr>
+          </a:p>
+        </p:txBody>
+      </p:sp>
+    </p:spTree>
+    <p:extLst>
+      <p:ext uri="{BB962C8B-B14F-4D97-AF65-F5344CB8AC3E}">
+        <p14:creationId xmlns:p14="http://schemas.microsoft.com/office/powerpoint/2010/main" val="4273298645"/>
+      </p:ext>
+    </p:extLst>
+  </p:cSld>
+  <p:clrMapOvr>
+    <a:masterClrMapping/>
+  </p:clrMapOvr>
+</p:sld>
+</file>
+
+<file path=ppt/slides/slide24.xml><?xml version="1.0" encoding="utf-8"?>
+<p:sld xmlns:a="http://schemas.openxmlformats.org/drawingml/2006/main" xmlns:r="http://schemas.openxmlformats.org/officeDocument/2006/relationships" xmlns:p="http://schemas.openxmlformats.org/presentationml/2006/main">
+  <p:cSld>
+    <p:spTree>
+      <p:nvGrpSpPr>
+        <p:cNvPr id="1" name=""/>
+        <p:cNvGrpSpPr/>
+        <p:nvPr/>
+      </p:nvGrpSpPr>
+      <p:grpSpPr>
+        <a:xfrm>
+          <a:off x="0" y="0"/>
+          <a:ext cx="0" cy="0"/>
+          <a:chOff x="0" y="0"/>
+          <a:chExt cx="0" cy="0"/>
+        </a:xfrm>
+      </p:grpSpPr>
+      <p:sp>
+        <p:nvSpPr>
+          <p:cNvPr id="2" name="Title 1"/>
+          <p:cNvSpPr>
+            <a:spLocks noGrp="1"/>
+          </p:cNvSpPr>
+          <p:nvPr>
+            <p:ph type="title"/>
+          </p:nvPr>
+        </p:nvSpPr>
+        <p:spPr/>
+        <p:txBody>
+          <a:bodyPr/>
+          <a:lstStyle/>
+          <a:p>
+            <a:r>
+              <a:rPr lang="en-US" dirty="0" err="1" smtClean="0"/>
+              <a:t>Git</a:t>
+            </a:r>
+            <a:r>
+              <a:rPr lang="en-US" dirty="0" smtClean="0"/>
+              <a:t> Status</a:t>
+            </a:r>
+            <a:endParaRPr lang="en-US" dirty="0"/>
+          </a:p>
+        </p:txBody>
+      </p:sp>
+      <p:sp>
+        <p:nvSpPr>
+          <p:cNvPr id="4" name="TextBox 3"/>
+          <p:cNvSpPr txBox="1"/>
+          <p:nvPr/>
+        </p:nvSpPr>
+        <p:spPr>
+          <a:xfrm>
+            <a:off x="609600" y="2222500"/>
+            <a:ext cx="8051800" cy="3416320"/>
+          </a:xfrm>
+          <a:prstGeom prst="rect">
+            <a:avLst/>
+          </a:prstGeom>
+          <a:solidFill>
+            <a:schemeClr val="tx1"/>
+          </a:solidFill>
+          <a:ln>
+            <a:noFill/>
+          </a:ln>
+        </p:spPr>
+        <p:style>
+          <a:lnRef idx="2">
+            <a:schemeClr val="dk1">
+              <a:shade val="50000"/>
+            </a:schemeClr>
+          </a:lnRef>
+          <a:fillRef idx="1">
+            <a:schemeClr val="dk1"/>
+          </a:fillRef>
+          <a:effectRef idx="0">
+            <a:schemeClr val="dk1"/>
+          </a:effectRef>
+          <a:fontRef idx="minor">
+            <a:schemeClr val="lt1"/>
+          </a:fontRef>
+        </p:style>
+        <p:txBody>
+          <a:bodyPr wrap="square" rtlCol="0">
+            <a:spAutoFit/>
+          </a:bodyPr>
+          <a:lstStyle/>
+          <a:p>
+            <a:r>
+              <a:rPr lang="en-US" dirty="0">
+                <a:solidFill>
+                  <a:srgbClr val="FFFFFF"/>
+                </a:solidFill>
+                <a:latin typeface="Courier New" panose="02070309020205020404" pitchFamily="49" charset="0"/>
+                <a:cs typeface="Courier New" panose="02070309020205020404" pitchFamily="49" charset="0"/>
+              </a:rPr>
+              <a:t>$ </a:t>
+            </a:r>
+            <a:r>
+              <a:rPr lang="en-US" b="1" dirty="0" err="1">
+                <a:solidFill>
+                  <a:srgbClr val="FFFF00"/>
+                </a:solidFill>
+                <a:latin typeface="Courier New" panose="02070309020205020404" pitchFamily="49" charset="0"/>
+                <a:cs typeface="Courier New" panose="02070309020205020404" pitchFamily="49" charset="0"/>
+              </a:rPr>
+              <a:t>git</a:t>
+            </a:r>
+            <a:r>
+              <a:rPr lang="en-US" b="1" dirty="0">
+                <a:solidFill>
+                  <a:srgbClr val="FFFF00"/>
+                </a:solidFill>
+                <a:latin typeface="Courier New" panose="02070309020205020404" pitchFamily="49" charset="0"/>
+                <a:cs typeface="Courier New" panose="02070309020205020404" pitchFamily="49" charset="0"/>
+              </a:rPr>
+              <a:t> status</a:t>
+            </a:r>
+          </a:p>
+          <a:p>
+            <a:r>
+              <a:rPr lang="en-US" dirty="0">
+                <a:solidFill>
+                  <a:srgbClr val="FFFFFF"/>
+                </a:solidFill>
+                <a:latin typeface="Courier New" panose="02070309020205020404" pitchFamily="49" charset="0"/>
+                <a:cs typeface="Courier New" panose="02070309020205020404" pitchFamily="49" charset="0"/>
+              </a:rPr>
+              <a:t>On branch master</a:t>
+            </a:r>
+          </a:p>
+          <a:p>
+            <a:r>
+              <a:rPr lang="en-US" dirty="0">
+                <a:solidFill>
+                  <a:srgbClr val="FFFFFF"/>
+                </a:solidFill>
+                <a:latin typeface="Courier New" panose="02070309020205020404" pitchFamily="49" charset="0"/>
+                <a:cs typeface="Courier New" panose="02070309020205020404" pitchFamily="49" charset="0"/>
+              </a:rPr>
+              <a:t>Your branch is up-to-date with </a:t>
+            </a:r>
+            <a:r>
+              <a:rPr lang="en-US" dirty="0" smtClean="0">
+                <a:solidFill>
+                  <a:srgbClr val="FFFFFF"/>
+                </a:solidFill>
+                <a:latin typeface="Courier New" panose="02070309020205020404" pitchFamily="49" charset="0"/>
+                <a:cs typeface="Courier New" panose="02070309020205020404" pitchFamily="49" charset="0"/>
+              </a:rPr>
+              <a:t>'origin/master'.</a:t>
+            </a:r>
+            <a:endParaRPr lang="en-US" dirty="0">
+              <a:solidFill>
+                <a:srgbClr val="FFFFFF"/>
+              </a:solidFill>
+              <a:latin typeface="Courier New" panose="02070309020205020404" pitchFamily="49" charset="0"/>
+              <a:cs typeface="Courier New" panose="02070309020205020404" pitchFamily="49" charset="0"/>
+            </a:endParaRPr>
+          </a:p>
+          <a:p>
+            <a:r>
+              <a:rPr lang="en-US" dirty="0">
+                <a:solidFill>
+                  <a:srgbClr val="FFFFFF"/>
+                </a:solidFill>
+                <a:latin typeface="Courier New" panose="02070309020205020404" pitchFamily="49" charset="0"/>
+                <a:cs typeface="Courier New" panose="02070309020205020404" pitchFamily="49" charset="0"/>
+              </a:rPr>
+              <a:t>Untracked files:</a:t>
+            </a:r>
+          </a:p>
+          <a:p>
+            <a:r>
+              <a:rPr lang="en-US" dirty="0">
+                <a:solidFill>
+                  <a:srgbClr val="FFFFFF"/>
+                </a:solidFill>
+                <a:latin typeface="Courier New" panose="02070309020205020404" pitchFamily="49" charset="0"/>
+                <a:cs typeface="Courier New" panose="02070309020205020404" pitchFamily="49" charset="0"/>
+              </a:rPr>
+              <a:t>  (use </a:t>
+            </a:r>
+            <a:r>
+              <a:rPr lang="en-US" dirty="0" smtClean="0">
+                <a:solidFill>
+                  <a:srgbClr val="FFFFFF"/>
+                </a:solidFill>
+                <a:latin typeface="Courier New" panose="02070309020205020404" pitchFamily="49" charset="0"/>
+                <a:cs typeface="Courier New" panose="02070309020205020404" pitchFamily="49" charset="0"/>
+              </a:rPr>
+              <a:t>"</a:t>
+            </a:r>
+            <a:r>
+              <a:rPr lang="en-US" dirty="0" err="1" smtClean="0">
+                <a:solidFill>
+                  <a:srgbClr val="FFFFFF"/>
+                </a:solidFill>
+                <a:latin typeface="Courier New" panose="02070309020205020404" pitchFamily="49" charset="0"/>
+                <a:cs typeface="Courier New" panose="02070309020205020404" pitchFamily="49" charset="0"/>
+              </a:rPr>
+              <a:t>git</a:t>
+            </a:r>
+            <a:r>
+              <a:rPr lang="en-US" dirty="0" smtClean="0">
+                <a:solidFill>
+                  <a:srgbClr val="FFFFFF"/>
+                </a:solidFill>
+                <a:latin typeface="Courier New" panose="02070309020205020404" pitchFamily="49" charset="0"/>
+                <a:cs typeface="Courier New" panose="02070309020205020404" pitchFamily="49" charset="0"/>
+              </a:rPr>
+              <a:t> </a:t>
+            </a:r>
+            <a:r>
+              <a:rPr lang="en-US" dirty="0">
+                <a:solidFill>
+                  <a:srgbClr val="FFFFFF"/>
+                </a:solidFill>
+                <a:latin typeface="Courier New" panose="02070309020205020404" pitchFamily="49" charset="0"/>
+                <a:cs typeface="Courier New" panose="02070309020205020404" pitchFamily="49" charset="0"/>
+              </a:rPr>
+              <a:t>add &lt;file</a:t>
+            </a:r>
+            <a:r>
+              <a:rPr lang="en-US" dirty="0" smtClean="0">
+                <a:solidFill>
+                  <a:srgbClr val="FFFFFF"/>
+                </a:solidFill>
+                <a:latin typeface="Courier New" panose="02070309020205020404" pitchFamily="49" charset="0"/>
+                <a:cs typeface="Courier New" panose="02070309020205020404" pitchFamily="49" charset="0"/>
+              </a:rPr>
+              <a:t>&gt;..." </a:t>
+            </a:r>
+            <a:r>
+              <a:rPr lang="en-US" dirty="0">
+                <a:solidFill>
+                  <a:srgbClr val="FFFFFF"/>
+                </a:solidFill>
+                <a:latin typeface="Courier New" panose="02070309020205020404" pitchFamily="49" charset="0"/>
+                <a:cs typeface="Courier New" panose="02070309020205020404" pitchFamily="49" charset="0"/>
+              </a:rPr>
+              <a:t>to include in what will be committed)</a:t>
+            </a:r>
+          </a:p>
+          <a:p>
+            <a:endParaRPr lang="en-US" dirty="0">
+              <a:solidFill>
+                <a:srgbClr val="FFFFFF"/>
+              </a:solidFill>
+              <a:latin typeface="Courier New" panose="02070309020205020404" pitchFamily="49" charset="0"/>
+              <a:cs typeface="Courier New" panose="02070309020205020404" pitchFamily="49" charset="0"/>
+            </a:endParaRPr>
+          </a:p>
+          <a:p>
+            <a:r>
+              <a:rPr lang="en-US" dirty="0">
+                <a:solidFill>
+                  <a:srgbClr val="FFFFFF"/>
+                </a:solidFill>
+                <a:latin typeface="Courier New" panose="02070309020205020404" pitchFamily="49" charset="0"/>
+                <a:cs typeface="Courier New" panose="02070309020205020404" pitchFamily="49" charset="0"/>
+              </a:rPr>
+              <a:t>	</a:t>
+            </a:r>
+            <a:r>
+              <a:rPr lang="en-US" dirty="0" err="1">
+                <a:solidFill>
+                  <a:srgbClr val="FF0000"/>
+                </a:solidFill>
+                <a:latin typeface="Courier New" panose="02070309020205020404" pitchFamily="49" charset="0"/>
+                <a:cs typeface="Courier New" panose="02070309020205020404" pitchFamily="49" charset="0"/>
+              </a:rPr>
+              <a:t>hi.txt</a:t>
+            </a:r>
+            <a:endParaRPr lang="en-US" dirty="0">
+              <a:solidFill>
+                <a:srgbClr val="FF0000"/>
+              </a:solidFill>
+              <a:latin typeface="Courier New" panose="02070309020205020404" pitchFamily="49" charset="0"/>
+              <a:cs typeface="Courier New" panose="02070309020205020404" pitchFamily="49" charset="0"/>
+            </a:endParaRPr>
+          </a:p>
+          <a:p>
+            <a:r>
+              <a:rPr lang="en-US" dirty="0">
+                <a:solidFill>
+                  <a:srgbClr val="FF0000"/>
+                </a:solidFill>
+                <a:latin typeface="Courier New" panose="02070309020205020404" pitchFamily="49" charset="0"/>
+                <a:cs typeface="Courier New" panose="02070309020205020404" pitchFamily="49" charset="0"/>
+              </a:rPr>
+              <a:t>	</a:t>
+            </a:r>
+            <a:r>
+              <a:rPr lang="en-US" dirty="0" err="1">
+                <a:solidFill>
+                  <a:srgbClr val="FF0000"/>
+                </a:solidFill>
+                <a:latin typeface="Courier New" panose="02070309020205020404" pitchFamily="49" charset="0"/>
+                <a:cs typeface="Courier New" panose="02070309020205020404" pitchFamily="49" charset="0"/>
+              </a:rPr>
+              <a:t>mydir</a:t>
+            </a:r>
+            <a:r>
+              <a:rPr lang="en-US" dirty="0">
+                <a:solidFill>
+                  <a:srgbClr val="FF0000"/>
+                </a:solidFill>
+                <a:latin typeface="Courier New" panose="02070309020205020404" pitchFamily="49" charset="0"/>
+                <a:cs typeface="Courier New" panose="02070309020205020404" pitchFamily="49" charset="0"/>
+              </a:rPr>
+              <a:t>/</a:t>
+            </a:r>
+          </a:p>
+          <a:p>
+            <a:endParaRPr lang="en-US" dirty="0">
+              <a:solidFill>
+                <a:srgbClr val="FFFFFF"/>
+              </a:solidFill>
+              <a:latin typeface="Courier New" panose="02070309020205020404" pitchFamily="49" charset="0"/>
+              <a:cs typeface="Courier New" panose="02070309020205020404" pitchFamily="49" charset="0"/>
+            </a:endParaRPr>
+          </a:p>
+          <a:p>
+            <a:r>
+              <a:rPr lang="en-US" dirty="0">
+                <a:solidFill>
+                  <a:srgbClr val="FFFFFF"/>
+                </a:solidFill>
+                <a:latin typeface="Courier New" panose="02070309020205020404" pitchFamily="49" charset="0"/>
+                <a:cs typeface="Courier New" panose="02070309020205020404" pitchFamily="49" charset="0"/>
+              </a:rPr>
+              <a:t>nothing added to commit but untracked files present (use </a:t>
+            </a:r>
+            <a:r>
+              <a:rPr lang="en-US" dirty="0" smtClean="0">
+                <a:solidFill>
+                  <a:srgbClr val="FFFFFF"/>
+                </a:solidFill>
+                <a:latin typeface="Courier New" panose="02070309020205020404" pitchFamily="49" charset="0"/>
+                <a:cs typeface="Courier New" panose="02070309020205020404" pitchFamily="49" charset="0"/>
+              </a:rPr>
+              <a:t>"</a:t>
+            </a:r>
+            <a:r>
+              <a:rPr lang="en-US" dirty="0" err="1" smtClean="0">
+                <a:solidFill>
+                  <a:srgbClr val="FFFFFF"/>
+                </a:solidFill>
+                <a:latin typeface="Courier New" panose="02070309020205020404" pitchFamily="49" charset="0"/>
+                <a:cs typeface="Courier New" panose="02070309020205020404" pitchFamily="49" charset="0"/>
+              </a:rPr>
+              <a:t>git</a:t>
+            </a:r>
+            <a:r>
+              <a:rPr lang="en-US" dirty="0" smtClean="0">
+                <a:solidFill>
+                  <a:srgbClr val="FFFFFF"/>
+                </a:solidFill>
+                <a:latin typeface="Courier New" panose="02070309020205020404" pitchFamily="49" charset="0"/>
+                <a:cs typeface="Courier New" panose="02070309020205020404" pitchFamily="49" charset="0"/>
+              </a:rPr>
+              <a:t> add" </a:t>
+            </a:r>
+            <a:r>
+              <a:rPr lang="en-US" dirty="0">
+                <a:solidFill>
+                  <a:srgbClr val="FFFFFF"/>
+                </a:solidFill>
+                <a:latin typeface="Courier New" panose="02070309020205020404" pitchFamily="49" charset="0"/>
+                <a:cs typeface="Courier New" panose="02070309020205020404" pitchFamily="49" charset="0"/>
+              </a:rPr>
+              <a:t>to track)</a:t>
+            </a:r>
+          </a:p>
+        </p:txBody>
+      </p:sp>
+      <p:sp>
+        <p:nvSpPr>
+          <p:cNvPr id="6" name="TextBox 5"/>
+          <p:cNvSpPr txBox="1"/>
+          <p:nvPr/>
+        </p:nvSpPr>
+        <p:spPr>
+          <a:xfrm>
+            <a:off x="609600" y="1516152"/>
+            <a:ext cx="4343400" cy="400110"/>
+          </a:xfrm>
+          <a:prstGeom prst="rect">
+            <a:avLst/>
+          </a:prstGeom>
+          <a:noFill/>
+        </p:spPr>
+        <p:txBody>
+          <a:bodyPr wrap="square" rtlCol="0">
+            <a:spAutoFit/>
+          </a:bodyPr>
+          <a:lstStyle/>
+          <a:p>
+            <a:r>
+              <a:rPr lang="en-US" sz="2000" dirty="0" smtClean="0">
+                <a:latin typeface="+mn-lt"/>
+              </a:rPr>
+              <a:t>Use to see what stage files are at</a:t>
+            </a:r>
+            <a:endParaRPr lang="en-US" sz="2000" dirty="0">
+              <a:latin typeface="+mn-lt"/>
+            </a:endParaRPr>
+          </a:p>
+        </p:txBody>
+      </p:sp>
+    </p:spTree>
+    <p:extLst>
+      <p:ext uri="{BB962C8B-B14F-4D97-AF65-F5344CB8AC3E}">
+        <p14:creationId xmlns:p14="http://schemas.microsoft.com/office/powerpoint/2010/main" val="2920327806"/>
+      </p:ext>
+    </p:extLst>
+  </p:cSld>
+  <p:clrMapOvr>
+    <a:masterClrMapping/>
+  </p:clrMapOvr>
+</p:sld>
+</file>
+
+<file path=ppt/slides/slide25.xml><?xml version="1.0" encoding="utf-8"?>
+<p:sld xmlns:a="http://schemas.openxmlformats.org/drawingml/2006/main" xmlns:r="http://schemas.openxmlformats.org/officeDocument/2006/relationships" xmlns:p="http://schemas.openxmlformats.org/presentationml/2006/main">
+  <p:cSld>
+    <p:spTree>
+      <p:nvGrpSpPr>
+        <p:cNvPr id="1" name=""/>
+        <p:cNvGrpSpPr/>
+        <p:nvPr/>
+      </p:nvGrpSpPr>
+      <p:grpSpPr>
+        <a:xfrm>
+          <a:off x="0" y="0"/>
+          <a:ext cx="0" cy="0"/>
+          <a:chOff x="0" y="0"/>
+          <a:chExt cx="0" cy="0"/>
+        </a:xfrm>
+      </p:grpSpPr>
+      <p:sp>
+        <p:nvSpPr>
+          <p:cNvPr id="2" name="Title 1"/>
+          <p:cNvSpPr>
+            <a:spLocks noGrp="1"/>
+          </p:cNvSpPr>
+          <p:nvPr>
+            <p:ph type="title"/>
+          </p:nvPr>
+        </p:nvSpPr>
+        <p:spPr/>
+        <p:txBody>
+          <a:bodyPr/>
+          <a:lstStyle/>
+          <a:p>
+            <a:r>
+              <a:rPr lang="en-US" dirty="0" err="1" smtClean="0"/>
+              <a:t>Git</a:t>
+            </a:r>
+            <a:r>
+              <a:rPr lang="en-US" dirty="0" smtClean="0"/>
+              <a:t> add</a:t>
+            </a:r>
+            <a:endParaRPr lang="en-US" dirty="0"/>
+          </a:p>
+        </p:txBody>
+      </p:sp>
+      <p:sp>
+        <p:nvSpPr>
+          <p:cNvPr id="3" name="Content Placeholder 2"/>
+          <p:cNvSpPr>
+            <a:spLocks noGrp="1"/>
+          </p:cNvSpPr>
+          <p:nvPr>
+            <p:ph idx="1"/>
+          </p:nvPr>
+        </p:nvSpPr>
+        <p:spPr>
+          <a:xfrm>
+            <a:off x="457200" y="2171701"/>
+            <a:ext cx="8229600" cy="3340099"/>
+          </a:xfrm>
+        </p:spPr>
+        <p:style>
+          <a:lnRef idx="2">
+            <a:schemeClr val="dk1">
+              <a:shade val="50000"/>
+            </a:schemeClr>
+          </a:lnRef>
+          <a:fillRef idx="1">
+            <a:schemeClr val="dk1"/>
+          </a:fillRef>
+          <a:effectRef idx="0">
+            <a:schemeClr val="dk1"/>
+          </a:effectRef>
+          <a:fontRef idx="minor">
+            <a:schemeClr val="lt1"/>
+          </a:fontRef>
+        </p:style>
+        <p:txBody>
+          <a:bodyPr/>
+          <a:lstStyle/>
+          <a:p>
+            <a:pPr marL="0" indent="0">
+              <a:buNone/>
+            </a:pPr>
+            <a:r>
+              <a:rPr lang="en-US" sz="1800" dirty="0" smtClean="0">
+                <a:latin typeface="Courier New" panose="02070309020205020404" pitchFamily="49" charset="0"/>
+                <a:cs typeface="Courier New" panose="02070309020205020404" pitchFamily="49" charset="0"/>
+              </a:rPr>
+              <a:t>$ </a:t>
+            </a:r>
+            <a:r>
+              <a:rPr lang="en-US" sz="1800" b="1" dirty="0" err="1">
+                <a:solidFill>
+                  <a:srgbClr val="FFFF00"/>
+                </a:solidFill>
+                <a:latin typeface="Courier New" panose="02070309020205020404" pitchFamily="49" charset="0"/>
+                <a:cs typeface="Courier New" panose="02070309020205020404" pitchFamily="49" charset="0"/>
+              </a:rPr>
+              <a:t>git</a:t>
+            </a:r>
+            <a:r>
+              <a:rPr lang="en-US" sz="1800" b="1" dirty="0">
+                <a:solidFill>
+                  <a:srgbClr val="FFFF00"/>
+                </a:solidFill>
+                <a:latin typeface="Courier New" panose="02070309020205020404" pitchFamily="49" charset="0"/>
+                <a:cs typeface="Courier New" panose="02070309020205020404" pitchFamily="49" charset="0"/>
+              </a:rPr>
+              <a:t> add .</a:t>
+            </a:r>
+          </a:p>
+          <a:p>
+            <a:pPr marL="0" indent="0">
+              <a:buNone/>
+            </a:pPr>
+            <a:r>
+              <a:rPr lang="en-US" sz="1800" dirty="0" smtClean="0">
+                <a:latin typeface="Courier New" panose="02070309020205020404" pitchFamily="49" charset="0"/>
+                <a:cs typeface="Courier New" panose="02070309020205020404" pitchFamily="49" charset="0"/>
+              </a:rPr>
+              <a:t>$ </a:t>
+            </a:r>
+            <a:r>
+              <a:rPr lang="en-US" sz="1800" b="1" dirty="0" err="1">
+                <a:solidFill>
+                  <a:srgbClr val="FFFF00"/>
+                </a:solidFill>
+                <a:latin typeface="Courier New" panose="02070309020205020404" pitchFamily="49" charset="0"/>
+                <a:cs typeface="Courier New" panose="02070309020205020404" pitchFamily="49" charset="0"/>
+              </a:rPr>
+              <a:t>git</a:t>
+            </a:r>
+            <a:r>
+              <a:rPr lang="en-US" sz="1800" b="1" dirty="0">
+                <a:solidFill>
+                  <a:srgbClr val="FFFF00"/>
+                </a:solidFill>
+                <a:latin typeface="Courier New" panose="02070309020205020404" pitchFamily="49" charset="0"/>
+                <a:cs typeface="Courier New" panose="02070309020205020404" pitchFamily="49" charset="0"/>
+              </a:rPr>
+              <a:t> status</a:t>
+            </a:r>
+          </a:p>
+          <a:p>
+            <a:pPr marL="0" indent="0">
+              <a:buNone/>
+            </a:pPr>
+            <a:r>
+              <a:rPr lang="en-US" sz="1800" dirty="0">
+                <a:latin typeface="Courier New" panose="02070309020205020404" pitchFamily="49" charset="0"/>
+                <a:cs typeface="Courier New" panose="02070309020205020404" pitchFamily="49" charset="0"/>
+              </a:rPr>
+              <a:t>On branch master</a:t>
+            </a:r>
+          </a:p>
+          <a:p>
+            <a:pPr marL="0" indent="0">
+              <a:buNone/>
+            </a:pPr>
+            <a:r>
+              <a:rPr lang="en-US" sz="1800" dirty="0">
+                <a:latin typeface="Courier New" panose="02070309020205020404" pitchFamily="49" charset="0"/>
+                <a:cs typeface="Courier New" panose="02070309020205020404" pitchFamily="49" charset="0"/>
+              </a:rPr>
+              <a:t>Your branch is up-to-date with </a:t>
+            </a:r>
+            <a:r>
+              <a:rPr lang="en-US" sz="1800" dirty="0" smtClean="0">
+                <a:latin typeface="Courier New" panose="02070309020205020404" pitchFamily="49" charset="0"/>
+                <a:cs typeface="Courier New" panose="02070309020205020404" pitchFamily="49" charset="0"/>
+              </a:rPr>
+              <a:t>'origin/master'.</a:t>
+            </a:r>
+            <a:endParaRPr lang="en-US" sz="1800" dirty="0">
+              <a:latin typeface="Courier New" panose="02070309020205020404" pitchFamily="49" charset="0"/>
+              <a:cs typeface="Courier New" panose="02070309020205020404" pitchFamily="49" charset="0"/>
+            </a:endParaRPr>
+          </a:p>
+          <a:p>
+            <a:pPr marL="0" indent="0">
+              <a:buNone/>
+            </a:pPr>
+            <a:r>
+              <a:rPr lang="en-US" sz="1800" dirty="0">
+                <a:latin typeface="Courier New" panose="02070309020205020404" pitchFamily="49" charset="0"/>
+                <a:cs typeface="Courier New" panose="02070309020205020404" pitchFamily="49" charset="0"/>
+              </a:rPr>
+              <a:t>Changes to be committed:</a:t>
+            </a:r>
+          </a:p>
+          <a:p>
+            <a:pPr marL="0" indent="0">
+              <a:buNone/>
+            </a:pPr>
+            <a:r>
+              <a:rPr lang="en-US" sz="1800" dirty="0">
+                <a:latin typeface="Courier New" panose="02070309020205020404" pitchFamily="49" charset="0"/>
+                <a:cs typeface="Courier New" panose="02070309020205020404" pitchFamily="49" charset="0"/>
+              </a:rPr>
+              <a:t>  (use </a:t>
+            </a:r>
+            <a:r>
+              <a:rPr lang="en-US" sz="1800" dirty="0" smtClean="0">
+                <a:latin typeface="Courier New" panose="02070309020205020404" pitchFamily="49" charset="0"/>
+                <a:cs typeface="Courier New" panose="02070309020205020404" pitchFamily="49" charset="0"/>
+              </a:rPr>
+              <a:t>"</a:t>
+            </a:r>
+            <a:r>
+              <a:rPr lang="en-US" sz="1800" dirty="0" err="1" smtClean="0">
+                <a:latin typeface="Courier New" panose="02070309020205020404" pitchFamily="49" charset="0"/>
+                <a:cs typeface="Courier New" panose="02070309020205020404" pitchFamily="49" charset="0"/>
+              </a:rPr>
+              <a:t>git</a:t>
+            </a:r>
+            <a:r>
+              <a:rPr lang="en-US" sz="1800" dirty="0" smtClean="0">
+                <a:latin typeface="Courier New" panose="02070309020205020404" pitchFamily="49" charset="0"/>
+                <a:cs typeface="Courier New" panose="02070309020205020404" pitchFamily="49" charset="0"/>
+              </a:rPr>
+              <a:t> </a:t>
+            </a:r>
+            <a:r>
+              <a:rPr lang="en-US" sz="1800" dirty="0">
+                <a:latin typeface="Courier New" panose="02070309020205020404" pitchFamily="49" charset="0"/>
+                <a:cs typeface="Courier New" panose="02070309020205020404" pitchFamily="49" charset="0"/>
+              </a:rPr>
+              <a:t>reset HEAD &lt;file</a:t>
+            </a:r>
+            <a:r>
+              <a:rPr lang="en-US" sz="1800" dirty="0" smtClean="0">
+                <a:latin typeface="Courier New" panose="02070309020205020404" pitchFamily="49" charset="0"/>
+                <a:cs typeface="Courier New" panose="02070309020205020404" pitchFamily="49" charset="0"/>
+              </a:rPr>
+              <a:t>&gt;..." </a:t>
+            </a:r>
+            <a:r>
+              <a:rPr lang="en-US" sz="1800" dirty="0">
+                <a:latin typeface="Courier New" panose="02070309020205020404" pitchFamily="49" charset="0"/>
+                <a:cs typeface="Courier New" panose="02070309020205020404" pitchFamily="49" charset="0"/>
+              </a:rPr>
+              <a:t>to </a:t>
+            </a:r>
+            <a:r>
+              <a:rPr lang="en-US" sz="1800" dirty="0" err="1">
+                <a:latin typeface="Courier New" panose="02070309020205020404" pitchFamily="49" charset="0"/>
+                <a:cs typeface="Courier New" panose="02070309020205020404" pitchFamily="49" charset="0"/>
+              </a:rPr>
+              <a:t>unstage</a:t>
+            </a:r>
+            <a:r>
+              <a:rPr lang="en-US" sz="1800" dirty="0">
+                <a:latin typeface="Courier New" panose="02070309020205020404" pitchFamily="49" charset="0"/>
+                <a:cs typeface="Courier New" panose="02070309020205020404" pitchFamily="49" charset="0"/>
+              </a:rPr>
+              <a:t>)</a:t>
+            </a:r>
+          </a:p>
+          <a:p>
+            <a:pPr marL="0" indent="0">
+              <a:buNone/>
+            </a:pPr>
+            <a:endParaRPr lang="en-US" sz="1800" dirty="0">
+              <a:latin typeface="Courier New" panose="02070309020205020404" pitchFamily="49" charset="0"/>
+              <a:cs typeface="Courier New" panose="02070309020205020404" pitchFamily="49" charset="0"/>
+            </a:endParaRPr>
+          </a:p>
+          <a:p>
+            <a:pPr marL="0" indent="0">
+              <a:buNone/>
+            </a:pPr>
+            <a:r>
+              <a:rPr lang="en-US" sz="1800" dirty="0">
+                <a:latin typeface="Courier New" panose="02070309020205020404" pitchFamily="49" charset="0"/>
+                <a:cs typeface="Courier New" panose="02070309020205020404" pitchFamily="49" charset="0"/>
+              </a:rPr>
+              <a:t>	</a:t>
+            </a:r>
+            <a:r>
+              <a:rPr lang="en-US" sz="1800" dirty="0">
+                <a:solidFill>
+                  <a:srgbClr val="66FA66"/>
+                </a:solidFill>
+                <a:latin typeface="Courier New" panose="02070309020205020404" pitchFamily="49" charset="0"/>
+                <a:cs typeface="Courier New" panose="02070309020205020404" pitchFamily="49" charset="0"/>
+              </a:rPr>
+              <a:t>new file:   </a:t>
+            </a:r>
+            <a:r>
+              <a:rPr lang="en-US" sz="1800" dirty="0" err="1">
+                <a:solidFill>
+                  <a:srgbClr val="66FA66"/>
+                </a:solidFill>
+                <a:latin typeface="Courier New" panose="02070309020205020404" pitchFamily="49" charset="0"/>
+                <a:cs typeface="Courier New" panose="02070309020205020404" pitchFamily="49" charset="0"/>
+              </a:rPr>
+              <a:t>hi.txt</a:t>
+            </a:r>
+            <a:endParaRPr lang="en-US" sz="1800" dirty="0">
+              <a:solidFill>
+                <a:srgbClr val="66FA66"/>
+              </a:solidFill>
+              <a:latin typeface="Courier New" panose="02070309020205020404" pitchFamily="49" charset="0"/>
+              <a:cs typeface="Courier New" panose="02070309020205020404" pitchFamily="49" charset="0"/>
+            </a:endParaRPr>
+          </a:p>
+          <a:p>
+            <a:pPr marL="0" indent="0">
+              <a:buNone/>
+            </a:pPr>
+            <a:r>
+              <a:rPr lang="en-US" sz="1800" dirty="0">
+                <a:solidFill>
+                  <a:srgbClr val="66FA66"/>
+                </a:solidFill>
+                <a:latin typeface="Courier New" panose="02070309020205020404" pitchFamily="49" charset="0"/>
+                <a:cs typeface="Courier New" panose="02070309020205020404" pitchFamily="49" charset="0"/>
+              </a:rPr>
+              <a:t>	new file:   </a:t>
+            </a:r>
+            <a:r>
+              <a:rPr lang="en-US" sz="1800" dirty="0" err="1">
+                <a:solidFill>
+                  <a:srgbClr val="66FA66"/>
+                </a:solidFill>
+                <a:latin typeface="Courier New" panose="02070309020205020404" pitchFamily="49" charset="0"/>
+                <a:cs typeface="Courier New" panose="02070309020205020404" pitchFamily="49" charset="0"/>
+              </a:rPr>
+              <a:t>mydir</a:t>
+            </a:r>
+            <a:r>
+              <a:rPr lang="en-US" sz="1800" dirty="0">
+                <a:solidFill>
+                  <a:srgbClr val="66FA66"/>
+                </a:solidFill>
+                <a:latin typeface="Courier New" panose="02070309020205020404" pitchFamily="49" charset="0"/>
+                <a:cs typeface="Courier New" panose="02070309020205020404" pitchFamily="49" charset="0"/>
+              </a:rPr>
+              <a:t>/t1.txt</a:t>
+            </a:r>
+          </a:p>
+          <a:p>
+            <a:endParaRPr lang="en-US" sz="1800" dirty="0">
+              <a:latin typeface="Courier New" panose="02070309020205020404" pitchFamily="49" charset="0"/>
+              <a:cs typeface="Courier New" panose="02070309020205020404" pitchFamily="49" charset="0"/>
+            </a:endParaRPr>
+          </a:p>
+          <a:p>
+            <a:pPr marL="0" indent="0">
+              <a:buNone/>
+            </a:pPr>
+            <a:endParaRPr lang="en-US" sz="1800" dirty="0">
+              <a:latin typeface="Courier New" panose="02070309020205020404" pitchFamily="49" charset="0"/>
+              <a:cs typeface="Courier New" panose="02070309020205020404" pitchFamily="49" charset="0"/>
+            </a:endParaRPr>
+          </a:p>
+        </p:txBody>
+      </p:sp>
+      <p:sp>
+        <p:nvSpPr>
+          <p:cNvPr id="4" name="TextBox 3"/>
+          <p:cNvSpPr txBox="1"/>
+          <p:nvPr/>
+        </p:nvSpPr>
+        <p:spPr>
+          <a:xfrm>
+            <a:off x="457200" y="1331074"/>
+            <a:ext cx="6045200" cy="707886"/>
+          </a:xfrm>
+          <a:prstGeom prst="rect">
+            <a:avLst/>
+          </a:prstGeom>
+          <a:noFill/>
+        </p:spPr>
+        <p:txBody>
+          <a:bodyPr wrap="square" rtlCol="0">
+            <a:spAutoFit/>
+          </a:bodyPr>
+          <a:lstStyle/>
+          <a:p>
+            <a:r>
+              <a:rPr lang="en-US" sz="2000" dirty="0" smtClean="0">
+                <a:latin typeface="+mn-lt"/>
+              </a:rPr>
+              <a:t>Adding files tells </a:t>
+            </a:r>
+            <a:r>
+              <a:rPr lang="en-US" sz="2000" dirty="0" err="1" smtClean="0">
+                <a:latin typeface="+mn-lt"/>
+              </a:rPr>
+              <a:t>git</a:t>
+            </a:r>
+            <a:r>
+              <a:rPr lang="en-US" sz="2000" dirty="0" smtClean="0">
+                <a:latin typeface="+mn-lt"/>
+              </a:rPr>
+              <a:t> to start looking after them or add a new version if it already knows about it.</a:t>
+            </a:r>
+            <a:endParaRPr lang="en-US" sz="2000" dirty="0">
+              <a:latin typeface="+mn-lt"/>
+            </a:endParaRPr>
+          </a:p>
+        </p:txBody>
+      </p:sp>
+    </p:spTree>
+    <p:extLst>
+      <p:ext uri="{BB962C8B-B14F-4D97-AF65-F5344CB8AC3E}">
+        <p14:creationId xmlns:p14="http://schemas.microsoft.com/office/powerpoint/2010/main" val="2983270938"/>
+      </p:ext>
+    </p:extLst>
+  </p:cSld>
+  <p:clrMapOvr>
+    <a:masterClrMapping/>
+  </p:clrMapOvr>
+</p:sld>
+</file>
+
+<file path=ppt/slides/slide26.xml><?xml version="1.0" encoding="utf-8"?>
+<p:sld xmlns:a="http://schemas.openxmlformats.org/drawingml/2006/main" xmlns:r="http://schemas.openxmlformats.org/officeDocument/2006/relationships" xmlns:p="http://schemas.openxmlformats.org/presentationml/2006/main">
+  <p:cSld>
+    <p:spTree>
+      <p:nvGrpSpPr>
+        <p:cNvPr id="1" name=""/>
+        <p:cNvGrpSpPr/>
+        <p:nvPr/>
+      </p:nvGrpSpPr>
+      <p:grpSpPr>
+        <a:xfrm>
+          <a:off x="0" y="0"/>
+          <a:ext cx="0" cy="0"/>
+          <a:chOff x="0" y="0"/>
+          <a:chExt cx="0" cy="0"/>
+        </a:xfrm>
+      </p:grpSpPr>
+      <p:sp>
+        <p:nvSpPr>
+          <p:cNvPr id="2" name="Title 1"/>
+          <p:cNvSpPr>
+            <a:spLocks noGrp="1"/>
+          </p:cNvSpPr>
+          <p:nvPr>
+            <p:ph type="title"/>
+          </p:nvPr>
+        </p:nvSpPr>
+        <p:spPr/>
+        <p:txBody>
+          <a:bodyPr/>
+          <a:lstStyle/>
+          <a:p>
+            <a:r>
+              <a:rPr lang="en-US" dirty="0"/>
+              <a:t>A</a:t>
+            </a:r>
+            <a:r>
+              <a:rPr lang="en-US" dirty="0" smtClean="0"/>
+              <a:t>dd another file</a:t>
+            </a:r>
+            <a:endParaRPr lang="en-US" dirty="0"/>
+          </a:p>
+        </p:txBody>
+      </p:sp>
+      <p:sp>
+        <p:nvSpPr>
+          <p:cNvPr id="3" name="Content Placeholder 2"/>
+          <p:cNvSpPr>
+            <a:spLocks noGrp="1"/>
+          </p:cNvSpPr>
+          <p:nvPr>
+            <p:ph idx="1"/>
+          </p:nvPr>
+        </p:nvSpPr>
+        <p:spPr>
+          <a:xfrm>
+            <a:off x="457200" y="1955801"/>
+            <a:ext cx="8229600" cy="4064000"/>
+          </a:xfrm>
+        </p:spPr>
+        <p:style>
+          <a:lnRef idx="2">
+            <a:schemeClr val="dk1">
+              <a:shade val="50000"/>
+            </a:schemeClr>
+          </a:lnRef>
+          <a:fillRef idx="1">
+            <a:schemeClr val="dk1"/>
+          </a:fillRef>
+          <a:effectRef idx="0">
+            <a:schemeClr val="dk1"/>
+          </a:effectRef>
+          <a:fontRef idx="minor">
+            <a:schemeClr val="lt1"/>
+          </a:fontRef>
+        </p:style>
+        <p:txBody>
+          <a:bodyPr>
+            <a:normAutofit lnSpcReduction="10000"/>
+          </a:bodyPr>
+          <a:lstStyle/>
+          <a:p>
+            <a:pPr marL="0" indent="0">
+              <a:buNone/>
+            </a:pPr>
+            <a:r>
+              <a:rPr lang="en-US" sz="1800" dirty="0" smtClean="0">
+                <a:latin typeface="Courier New" panose="02070309020205020404" pitchFamily="49" charset="0"/>
+                <a:cs typeface="Courier New" panose="02070309020205020404" pitchFamily="49" charset="0"/>
+              </a:rPr>
+              <a:t>$ </a:t>
+            </a:r>
+            <a:r>
+              <a:rPr lang="en-US" sz="1800" b="1" dirty="0">
+                <a:solidFill>
+                  <a:srgbClr val="FFFF00"/>
+                </a:solidFill>
+                <a:latin typeface="Courier New" panose="02070309020205020404" pitchFamily="49" charset="0"/>
+                <a:cs typeface="Courier New" panose="02070309020205020404" pitchFamily="49" charset="0"/>
+              </a:rPr>
+              <a:t>echo </a:t>
+            </a:r>
+            <a:r>
+              <a:rPr lang="en-US" sz="1800" b="1" dirty="0" smtClean="0">
+                <a:solidFill>
+                  <a:srgbClr val="FFFF00"/>
+                </a:solidFill>
+                <a:latin typeface="Courier New" panose="02070309020205020404" pitchFamily="49" charset="0"/>
+                <a:cs typeface="Courier New" panose="02070309020205020404" pitchFamily="49" charset="0"/>
+              </a:rPr>
+              <a:t>"testing..." </a:t>
+            </a:r>
+            <a:r>
+              <a:rPr lang="en-US" sz="1800" b="1" dirty="0">
+                <a:solidFill>
+                  <a:srgbClr val="FFFF00"/>
+                </a:solidFill>
+                <a:latin typeface="Courier New" panose="02070309020205020404" pitchFamily="49" charset="0"/>
+                <a:cs typeface="Courier New" panose="02070309020205020404" pitchFamily="49" charset="0"/>
+              </a:rPr>
+              <a:t>&gt; </a:t>
+            </a:r>
+            <a:r>
+              <a:rPr lang="en-US" sz="1800" b="1" dirty="0" err="1">
+                <a:solidFill>
+                  <a:srgbClr val="FFFF00"/>
+                </a:solidFill>
+                <a:latin typeface="Courier New" panose="02070309020205020404" pitchFamily="49" charset="0"/>
+                <a:cs typeface="Courier New" panose="02070309020205020404" pitchFamily="49" charset="0"/>
+              </a:rPr>
+              <a:t>mydir</a:t>
+            </a:r>
+            <a:r>
+              <a:rPr lang="en-US" sz="1800" b="1" dirty="0">
+                <a:solidFill>
+                  <a:srgbClr val="FFFF00"/>
+                </a:solidFill>
+                <a:latin typeface="Courier New" panose="02070309020205020404" pitchFamily="49" charset="0"/>
+                <a:cs typeface="Courier New" panose="02070309020205020404" pitchFamily="49" charset="0"/>
+              </a:rPr>
+              <a:t>/t2.txt</a:t>
+            </a:r>
+          </a:p>
+          <a:p>
+            <a:pPr marL="0" indent="0">
+              <a:buNone/>
+            </a:pPr>
+            <a:r>
+              <a:rPr lang="en-US" sz="1800" dirty="0" smtClean="0">
+                <a:latin typeface="Courier New" panose="02070309020205020404" pitchFamily="49" charset="0"/>
+                <a:cs typeface="Courier New" panose="02070309020205020404" pitchFamily="49" charset="0"/>
+              </a:rPr>
+              <a:t>$ </a:t>
+            </a:r>
+            <a:r>
+              <a:rPr lang="en-US" sz="1800" b="1" dirty="0" err="1">
+                <a:solidFill>
+                  <a:srgbClr val="FFFF00"/>
+                </a:solidFill>
+                <a:latin typeface="Courier New" panose="02070309020205020404" pitchFamily="49" charset="0"/>
+                <a:cs typeface="Courier New" panose="02070309020205020404" pitchFamily="49" charset="0"/>
+              </a:rPr>
+              <a:t>git</a:t>
+            </a:r>
+            <a:r>
+              <a:rPr lang="en-US" sz="1800" b="1" dirty="0">
+                <a:solidFill>
+                  <a:srgbClr val="FFFF00"/>
+                </a:solidFill>
+                <a:latin typeface="Courier New" panose="02070309020205020404" pitchFamily="49" charset="0"/>
+                <a:cs typeface="Courier New" panose="02070309020205020404" pitchFamily="49" charset="0"/>
+              </a:rPr>
+              <a:t> add </a:t>
+            </a:r>
+            <a:r>
+              <a:rPr lang="en-US" sz="1800" b="1" dirty="0" err="1">
+                <a:solidFill>
+                  <a:srgbClr val="FFFF00"/>
+                </a:solidFill>
+                <a:latin typeface="Courier New" panose="02070309020205020404" pitchFamily="49" charset="0"/>
+                <a:cs typeface="Courier New" panose="02070309020205020404" pitchFamily="49" charset="0"/>
+              </a:rPr>
+              <a:t>mydir</a:t>
+            </a:r>
+            <a:r>
+              <a:rPr lang="en-US" sz="1800" b="1" dirty="0">
+                <a:solidFill>
+                  <a:srgbClr val="FFFF00"/>
+                </a:solidFill>
+                <a:latin typeface="Courier New" panose="02070309020205020404" pitchFamily="49" charset="0"/>
+                <a:cs typeface="Courier New" panose="02070309020205020404" pitchFamily="49" charset="0"/>
+              </a:rPr>
+              <a:t>/t2.txt </a:t>
+            </a:r>
+          </a:p>
+          <a:p>
+            <a:pPr marL="0" indent="0">
+              <a:buNone/>
+            </a:pPr>
+            <a:r>
+              <a:rPr lang="en-US" sz="1800" dirty="0" smtClean="0">
+                <a:latin typeface="Courier New" panose="02070309020205020404" pitchFamily="49" charset="0"/>
+                <a:cs typeface="Courier New" panose="02070309020205020404" pitchFamily="49" charset="0"/>
+              </a:rPr>
+              <a:t>$ </a:t>
+            </a:r>
+            <a:r>
+              <a:rPr lang="en-US" sz="1800" b="1" dirty="0" err="1">
+                <a:solidFill>
+                  <a:srgbClr val="FFFF00"/>
+                </a:solidFill>
+                <a:latin typeface="Courier New" panose="02070309020205020404" pitchFamily="49" charset="0"/>
+                <a:cs typeface="Courier New" panose="02070309020205020404" pitchFamily="49" charset="0"/>
+              </a:rPr>
+              <a:t>git</a:t>
+            </a:r>
+            <a:r>
+              <a:rPr lang="en-US" sz="1800" b="1" dirty="0">
+                <a:solidFill>
+                  <a:srgbClr val="FFFF00"/>
+                </a:solidFill>
+                <a:latin typeface="Courier New" panose="02070309020205020404" pitchFamily="49" charset="0"/>
+                <a:cs typeface="Courier New" panose="02070309020205020404" pitchFamily="49" charset="0"/>
+              </a:rPr>
+              <a:t> status</a:t>
+            </a:r>
+          </a:p>
+          <a:p>
+            <a:pPr marL="0" indent="0">
+              <a:buNone/>
+            </a:pPr>
+            <a:r>
+              <a:rPr lang="en-US" sz="1800" dirty="0">
+                <a:latin typeface="Courier New" panose="02070309020205020404" pitchFamily="49" charset="0"/>
+                <a:cs typeface="Courier New" panose="02070309020205020404" pitchFamily="49" charset="0"/>
+              </a:rPr>
+              <a:t>On branch master</a:t>
+            </a:r>
+          </a:p>
+          <a:p>
+            <a:pPr marL="0" indent="0">
+              <a:buNone/>
+            </a:pPr>
+            <a:r>
+              <a:rPr lang="en-US" sz="1800" dirty="0">
+                <a:latin typeface="Courier New" panose="02070309020205020404" pitchFamily="49" charset="0"/>
+                <a:cs typeface="Courier New" panose="02070309020205020404" pitchFamily="49" charset="0"/>
+              </a:rPr>
+              <a:t>Your branch is up-to-date with </a:t>
+            </a:r>
+            <a:r>
+              <a:rPr lang="en-US" sz="1800" dirty="0" smtClean="0">
+                <a:latin typeface="Courier New" panose="02070309020205020404" pitchFamily="49" charset="0"/>
+                <a:cs typeface="Courier New" panose="02070309020205020404" pitchFamily="49" charset="0"/>
+              </a:rPr>
+              <a:t>'origin/master'.</a:t>
+            </a:r>
+            <a:endParaRPr lang="en-US" sz="1800" dirty="0">
+              <a:latin typeface="Courier New" panose="02070309020205020404" pitchFamily="49" charset="0"/>
+              <a:cs typeface="Courier New" panose="02070309020205020404" pitchFamily="49" charset="0"/>
+            </a:endParaRPr>
+          </a:p>
+          <a:p>
+            <a:pPr marL="0" indent="0">
+              <a:buNone/>
+            </a:pPr>
+            <a:r>
+              <a:rPr lang="en-US" sz="1800" dirty="0">
+                <a:latin typeface="Courier New" panose="02070309020205020404" pitchFamily="49" charset="0"/>
+                <a:cs typeface="Courier New" panose="02070309020205020404" pitchFamily="49" charset="0"/>
+              </a:rPr>
+              <a:t>Changes to be committed:</a:t>
+            </a:r>
+          </a:p>
+          <a:p>
+            <a:pPr marL="0" indent="0">
+              <a:buNone/>
+            </a:pPr>
+            <a:r>
+              <a:rPr lang="en-US" sz="1800" dirty="0">
+                <a:latin typeface="Courier New" panose="02070309020205020404" pitchFamily="49" charset="0"/>
+                <a:cs typeface="Courier New" panose="02070309020205020404" pitchFamily="49" charset="0"/>
+              </a:rPr>
+              <a:t>  (use </a:t>
+            </a:r>
+            <a:r>
+              <a:rPr lang="en-US" sz="1800" dirty="0" smtClean="0">
+                <a:latin typeface="Courier New" panose="02070309020205020404" pitchFamily="49" charset="0"/>
+                <a:cs typeface="Courier New" panose="02070309020205020404" pitchFamily="49" charset="0"/>
+              </a:rPr>
+              <a:t>"</a:t>
+            </a:r>
+            <a:r>
+              <a:rPr lang="en-US" sz="1800" dirty="0" err="1" smtClean="0">
+                <a:latin typeface="Courier New" panose="02070309020205020404" pitchFamily="49" charset="0"/>
+                <a:cs typeface="Courier New" panose="02070309020205020404" pitchFamily="49" charset="0"/>
+              </a:rPr>
+              <a:t>git</a:t>
+            </a:r>
+            <a:r>
+              <a:rPr lang="en-US" sz="1800" dirty="0" smtClean="0">
+                <a:latin typeface="Courier New" panose="02070309020205020404" pitchFamily="49" charset="0"/>
+                <a:cs typeface="Courier New" panose="02070309020205020404" pitchFamily="49" charset="0"/>
+              </a:rPr>
+              <a:t> </a:t>
+            </a:r>
+            <a:r>
+              <a:rPr lang="en-US" sz="1800" dirty="0">
+                <a:latin typeface="Courier New" panose="02070309020205020404" pitchFamily="49" charset="0"/>
+                <a:cs typeface="Courier New" panose="02070309020205020404" pitchFamily="49" charset="0"/>
+              </a:rPr>
+              <a:t>reset HEAD &lt;file</a:t>
+            </a:r>
+            <a:r>
+              <a:rPr lang="en-US" sz="1800" dirty="0" smtClean="0">
+                <a:latin typeface="Courier New" panose="02070309020205020404" pitchFamily="49" charset="0"/>
+                <a:cs typeface="Courier New" panose="02070309020205020404" pitchFamily="49" charset="0"/>
+              </a:rPr>
+              <a:t>&gt;..." </a:t>
+            </a:r>
+            <a:r>
+              <a:rPr lang="en-US" sz="1800" dirty="0">
+                <a:latin typeface="Courier New" panose="02070309020205020404" pitchFamily="49" charset="0"/>
+                <a:cs typeface="Courier New" panose="02070309020205020404" pitchFamily="49" charset="0"/>
+              </a:rPr>
+              <a:t>to </a:t>
+            </a:r>
+            <a:r>
+              <a:rPr lang="en-US" sz="1800" dirty="0" err="1">
+                <a:latin typeface="Courier New" panose="02070309020205020404" pitchFamily="49" charset="0"/>
+                <a:cs typeface="Courier New" panose="02070309020205020404" pitchFamily="49" charset="0"/>
+              </a:rPr>
+              <a:t>unstage</a:t>
+            </a:r>
+            <a:r>
+              <a:rPr lang="en-US" sz="1800" dirty="0">
+                <a:latin typeface="Courier New" panose="02070309020205020404" pitchFamily="49" charset="0"/>
+                <a:cs typeface="Courier New" panose="02070309020205020404" pitchFamily="49" charset="0"/>
+              </a:rPr>
+              <a:t>)</a:t>
+            </a:r>
+          </a:p>
+          <a:p>
+            <a:pPr marL="0" indent="0">
+              <a:buNone/>
+            </a:pPr>
+            <a:endParaRPr lang="en-US" sz="1800" dirty="0">
+              <a:latin typeface="Courier New" panose="02070309020205020404" pitchFamily="49" charset="0"/>
+              <a:cs typeface="Courier New" panose="02070309020205020404" pitchFamily="49" charset="0"/>
+            </a:endParaRPr>
+          </a:p>
+          <a:p>
+            <a:pPr marL="0" indent="0">
+              <a:buNone/>
+            </a:pPr>
+            <a:r>
+              <a:rPr lang="en-US" sz="1800" dirty="0">
+                <a:latin typeface="Courier New" panose="02070309020205020404" pitchFamily="49" charset="0"/>
+                <a:cs typeface="Courier New" panose="02070309020205020404" pitchFamily="49" charset="0"/>
+              </a:rPr>
+              <a:t>	</a:t>
+            </a:r>
+            <a:r>
+              <a:rPr lang="en-US" sz="1800" dirty="0">
+                <a:solidFill>
+                  <a:srgbClr val="66FA66"/>
+                </a:solidFill>
+                <a:latin typeface="Courier New" panose="02070309020205020404" pitchFamily="49" charset="0"/>
+                <a:cs typeface="Courier New" panose="02070309020205020404" pitchFamily="49" charset="0"/>
+              </a:rPr>
+              <a:t>new file:   </a:t>
+            </a:r>
+            <a:r>
+              <a:rPr lang="en-US" sz="1800" dirty="0" err="1">
+                <a:solidFill>
+                  <a:srgbClr val="66FA66"/>
+                </a:solidFill>
+                <a:latin typeface="Courier New" panose="02070309020205020404" pitchFamily="49" charset="0"/>
+                <a:cs typeface="Courier New" panose="02070309020205020404" pitchFamily="49" charset="0"/>
+              </a:rPr>
+              <a:t>hi.txt</a:t>
+            </a:r>
+            <a:endParaRPr lang="en-US" sz="1800" dirty="0">
+              <a:solidFill>
+                <a:srgbClr val="66FA66"/>
+              </a:solidFill>
+              <a:latin typeface="Courier New" panose="02070309020205020404" pitchFamily="49" charset="0"/>
+              <a:cs typeface="Courier New" panose="02070309020205020404" pitchFamily="49" charset="0"/>
+            </a:endParaRPr>
+          </a:p>
+          <a:p>
+            <a:pPr marL="0" indent="0">
+              <a:buNone/>
+            </a:pPr>
+            <a:r>
+              <a:rPr lang="en-US" sz="1800" dirty="0">
+                <a:solidFill>
+                  <a:srgbClr val="66FA66"/>
+                </a:solidFill>
+                <a:latin typeface="Courier New" panose="02070309020205020404" pitchFamily="49" charset="0"/>
+                <a:cs typeface="Courier New" panose="02070309020205020404" pitchFamily="49" charset="0"/>
+              </a:rPr>
+              <a:t>	new file:   </a:t>
+            </a:r>
+            <a:r>
+              <a:rPr lang="en-US" sz="1800" dirty="0" err="1">
+                <a:solidFill>
+                  <a:srgbClr val="66FA66"/>
+                </a:solidFill>
+                <a:latin typeface="Courier New" panose="02070309020205020404" pitchFamily="49" charset="0"/>
+                <a:cs typeface="Courier New" panose="02070309020205020404" pitchFamily="49" charset="0"/>
+              </a:rPr>
+              <a:t>mydir</a:t>
+            </a:r>
+            <a:r>
+              <a:rPr lang="en-US" sz="1800" dirty="0">
+                <a:solidFill>
+                  <a:srgbClr val="66FA66"/>
+                </a:solidFill>
+                <a:latin typeface="Courier New" panose="02070309020205020404" pitchFamily="49" charset="0"/>
+                <a:cs typeface="Courier New" panose="02070309020205020404" pitchFamily="49" charset="0"/>
+              </a:rPr>
+              <a:t>/t1.txt</a:t>
+            </a:r>
+          </a:p>
+          <a:p>
+            <a:pPr marL="0" indent="0">
+              <a:buNone/>
+            </a:pPr>
+            <a:r>
+              <a:rPr lang="en-US" sz="1800" dirty="0">
+                <a:solidFill>
+                  <a:srgbClr val="66FA66"/>
+                </a:solidFill>
+                <a:latin typeface="Courier New" panose="02070309020205020404" pitchFamily="49" charset="0"/>
+                <a:cs typeface="Courier New" panose="02070309020205020404" pitchFamily="49" charset="0"/>
+              </a:rPr>
+              <a:t>	new file:   </a:t>
+            </a:r>
+            <a:r>
+              <a:rPr lang="en-US" sz="1800" dirty="0" err="1">
+                <a:solidFill>
+                  <a:srgbClr val="66FA66"/>
+                </a:solidFill>
+                <a:latin typeface="Courier New" panose="02070309020205020404" pitchFamily="49" charset="0"/>
+                <a:cs typeface="Courier New" panose="02070309020205020404" pitchFamily="49" charset="0"/>
+              </a:rPr>
+              <a:t>mydir</a:t>
+            </a:r>
+            <a:r>
+              <a:rPr lang="en-US" sz="1800" dirty="0">
+                <a:solidFill>
+                  <a:srgbClr val="66FA66"/>
+                </a:solidFill>
+                <a:latin typeface="Courier New" panose="02070309020205020404" pitchFamily="49" charset="0"/>
+                <a:cs typeface="Courier New" panose="02070309020205020404" pitchFamily="49" charset="0"/>
+              </a:rPr>
+              <a:t>/t2.txt</a:t>
+            </a:r>
+          </a:p>
+          <a:p>
+            <a:pPr marL="0" indent="0">
+              <a:buNone/>
+            </a:pPr>
+            <a:endParaRPr lang="en-US" dirty="0">
+              <a:latin typeface="Courier New" panose="02070309020205020404" pitchFamily="49" charset="0"/>
+              <a:cs typeface="Courier New" panose="02070309020205020404" pitchFamily="49" charset="0"/>
+            </a:endParaRPr>
+          </a:p>
+          <a:p>
+            <a:pPr marL="0" indent="0">
+              <a:buNone/>
+            </a:pPr>
+            <a:endParaRPr lang="en-US" dirty="0">
+              <a:latin typeface="Courier New" panose="02070309020205020404" pitchFamily="49" charset="0"/>
+              <a:cs typeface="Courier New" panose="02070309020205020404" pitchFamily="49" charset="0"/>
+            </a:endParaRPr>
+          </a:p>
+        </p:txBody>
+      </p:sp>
+      <p:sp>
+        <p:nvSpPr>
+          <p:cNvPr id="4" name="TextBox 3"/>
+          <p:cNvSpPr txBox="1"/>
+          <p:nvPr/>
+        </p:nvSpPr>
+        <p:spPr>
+          <a:xfrm>
+            <a:off x="457200" y="1286609"/>
+            <a:ext cx="8293100" cy="400110"/>
+          </a:xfrm>
+          <a:prstGeom prst="rect">
+            <a:avLst/>
+          </a:prstGeom>
+          <a:noFill/>
+        </p:spPr>
+        <p:txBody>
+          <a:bodyPr wrap="square" rtlCol="0">
+            <a:spAutoFit/>
+          </a:bodyPr>
+          <a:lstStyle/>
+          <a:p>
+            <a:r>
+              <a:rPr lang="en-US" sz="2000" dirty="0" smtClean="0">
+                <a:latin typeface="+mn-lt"/>
+              </a:rPr>
+              <a:t>These files are all staged to go into the repository, but are not committed yet.</a:t>
+            </a:r>
+            <a:endParaRPr lang="en-US" sz="2000" dirty="0">
+              <a:latin typeface="+mn-lt"/>
+            </a:endParaRPr>
+          </a:p>
+        </p:txBody>
+      </p:sp>
+    </p:spTree>
+    <p:extLst>
+      <p:ext uri="{BB962C8B-B14F-4D97-AF65-F5344CB8AC3E}">
+        <p14:creationId xmlns:p14="http://schemas.microsoft.com/office/powerpoint/2010/main" val="2616453291"/>
+      </p:ext>
+    </p:extLst>
+  </p:cSld>
+  <p:clrMapOvr>
+    <a:masterClrMapping/>
+  </p:clrMapOvr>
+</p:sld>
+</file>
+
+<file path=ppt/slides/slide27.xml><?xml version="1.0" encoding="utf-8"?>
+<p:sld xmlns:a="http://schemas.openxmlformats.org/drawingml/2006/main" xmlns:r="http://schemas.openxmlformats.org/officeDocument/2006/relationships" xmlns:p="http://schemas.openxmlformats.org/presentationml/2006/main">
+  <p:cSld>
+    <p:spTree>
+      <p:nvGrpSpPr>
+        <p:cNvPr id="1" name=""/>
+        <p:cNvGrpSpPr/>
+        <p:nvPr/>
+      </p:nvGrpSpPr>
+      <p:grpSpPr>
+        <a:xfrm>
+          <a:off x="0" y="0"/>
+          <a:ext cx="0" cy="0"/>
+          <a:chOff x="0" y="0"/>
+          <a:chExt cx="0" cy="0"/>
+        </a:xfrm>
+      </p:grpSpPr>
+      <p:sp>
+        <p:nvSpPr>
+          <p:cNvPr id="2" name="Title 1"/>
+          <p:cNvSpPr>
+            <a:spLocks noGrp="1"/>
+          </p:cNvSpPr>
+          <p:nvPr>
+            <p:ph type="title"/>
+          </p:nvPr>
+        </p:nvSpPr>
+        <p:spPr/>
+        <p:txBody>
+          <a:bodyPr/>
+          <a:lstStyle/>
+          <a:p>
+            <a:r>
+              <a:rPr lang="en-US" dirty="0" smtClean="0"/>
+              <a:t>Lets commit </a:t>
+            </a:r>
+            <a:endParaRPr lang="en-US" dirty="0"/>
+          </a:p>
+        </p:txBody>
+      </p:sp>
+      <p:sp>
+        <p:nvSpPr>
+          <p:cNvPr id="3" name="Content Placeholder 2"/>
+          <p:cNvSpPr>
+            <a:spLocks noGrp="1"/>
+          </p:cNvSpPr>
+          <p:nvPr>
+            <p:ph idx="1"/>
+          </p:nvPr>
+        </p:nvSpPr>
+        <p:spPr>
+          <a:xfrm>
+            <a:off x="469900" y="1930547"/>
+            <a:ext cx="8229600" cy="4038600"/>
+          </a:xfrm>
+        </p:spPr>
+        <p:style>
+          <a:lnRef idx="2">
+            <a:schemeClr val="dk1">
+              <a:shade val="50000"/>
+            </a:schemeClr>
+          </a:lnRef>
+          <a:fillRef idx="1">
+            <a:schemeClr val="dk1"/>
+          </a:fillRef>
+          <a:effectRef idx="0">
+            <a:schemeClr val="dk1"/>
+          </a:effectRef>
+          <a:fontRef idx="minor">
+            <a:schemeClr val="lt1"/>
+          </a:fontRef>
+        </p:style>
+        <p:txBody>
+          <a:bodyPr>
+            <a:normAutofit fontScale="92500" lnSpcReduction="10000"/>
+          </a:bodyPr>
+          <a:lstStyle/>
+          <a:p>
+            <a:pPr marL="0" indent="0">
+              <a:buNone/>
+            </a:pPr>
+            <a:r>
+              <a:rPr lang="en-US" sz="1800" dirty="0">
+                <a:latin typeface="Courier New" panose="02070309020205020404" pitchFamily="49" charset="0"/>
+                <a:cs typeface="Courier New" panose="02070309020205020404" pitchFamily="49" charset="0"/>
+              </a:rPr>
+              <a:t>$ </a:t>
+            </a:r>
+            <a:r>
+              <a:rPr lang="en-US" sz="1800" b="1" dirty="0" err="1">
+                <a:solidFill>
+                  <a:srgbClr val="FFFF00"/>
+                </a:solidFill>
+                <a:latin typeface="Courier New" panose="02070309020205020404" pitchFamily="49" charset="0"/>
+                <a:cs typeface="Courier New" panose="02070309020205020404" pitchFamily="49" charset="0"/>
+              </a:rPr>
+              <a:t>git</a:t>
+            </a:r>
+            <a:r>
+              <a:rPr lang="en-US" sz="1800" b="1" dirty="0">
+                <a:solidFill>
+                  <a:srgbClr val="FFFF00"/>
+                </a:solidFill>
+                <a:latin typeface="Courier New" panose="02070309020205020404" pitchFamily="49" charset="0"/>
+                <a:cs typeface="Courier New" panose="02070309020205020404" pitchFamily="49" charset="0"/>
+              </a:rPr>
+              <a:t> commit -m </a:t>
+            </a:r>
+            <a:r>
+              <a:rPr lang="en-US" sz="1800" b="1" dirty="0" smtClean="0">
+                <a:solidFill>
+                  <a:srgbClr val="FFFF00"/>
+                </a:solidFill>
+                <a:latin typeface="Courier New" panose="02070309020205020404" pitchFamily="49" charset="0"/>
+                <a:cs typeface="Courier New" panose="02070309020205020404" pitchFamily="49" charset="0"/>
+              </a:rPr>
+              <a:t>'Adding </a:t>
+            </a:r>
+            <a:r>
+              <a:rPr lang="en-US" sz="1800" b="1" dirty="0">
+                <a:solidFill>
+                  <a:srgbClr val="FFFF00"/>
+                </a:solidFill>
+                <a:latin typeface="Courier New" panose="02070309020205020404" pitchFamily="49" charset="0"/>
+                <a:cs typeface="Courier New" panose="02070309020205020404" pitchFamily="49" charset="0"/>
+              </a:rPr>
+              <a:t>my new greetings </a:t>
+            </a:r>
+            <a:r>
+              <a:rPr lang="en-US" sz="1800" b="1" dirty="0" smtClean="0">
+                <a:solidFill>
+                  <a:srgbClr val="FFFF00"/>
+                </a:solidFill>
+                <a:latin typeface="Courier New" panose="02070309020205020404" pitchFamily="49" charset="0"/>
+                <a:cs typeface="Courier New" panose="02070309020205020404" pitchFamily="49" charset="0"/>
+              </a:rPr>
+              <a:t>files'</a:t>
+            </a:r>
+            <a:endParaRPr lang="en-US" sz="1800" b="1" dirty="0">
+              <a:solidFill>
+                <a:srgbClr val="FFFF00"/>
+              </a:solidFill>
+              <a:latin typeface="Courier New" panose="02070309020205020404" pitchFamily="49" charset="0"/>
+              <a:cs typeface="Courier New" panose="02070309020205020404" pitchFamily="49" charset="0"/>
+            </a:endParaRPr>
+          </a:p>
+          <a:p>
+            <a:pPr marL="0" indent="0">
+              <a:buNone/>
+            </a:pPr>
+            <a:r>
+              <a:rPr lang="en-US" sz="1800" dirty="0">
+                <a:latin typeface="Courier New" panose="02070309020205020404" pitchFamily="49" charset="0"/>
+                <a:cs typeface="Courier New" panose="02070309020205020404" pitchFamily="49" charset="0"/>
+              </a:rPr>
+              <a:t>[master fe70026] Adding my new greetings files</a:t>
+            </a:r>
+          </a:p>
+          <a:p>
+            <a:pPr marL="0" indent="0">
+              <a:buNone/>
+            </a:pPr>
+            <a:r>
+              <a:rPr lang="en-US" sz="1800" dirty="0">
+                <a:latin typeface="Courier New" panose="02070309020205020404" pitchFamily="49" charset="0"/>
+                <a:cs typeface="Courier New" panose="02070309020205020404" pitchFamily="49" charset="0"/>
+              </a:rPr>
+              <a:t> 3 files changed, 3 insertions(+)</a:t>
+            </a:r>
+          </a:p>
+          <a:p>
+            <a:pPr marL="0" indent="0">
+              <a:buNone/>
+            </a:pPr>
+            <a:r>
+              <a:rPr lang="en-US" sz="1800" dirty="0">
+                <a:latin typeface="Courier New" panose="02070309020205020404" pitchFamily="49" charset="0"/>
+                <a:cs typeface="Courier New" panose="02070309020205020404" pitchFamily="49" charset="0"/>
+              </a:rPr>
+              <a:t> create mode 100644 </a:t>
+            </a:r>
+            <a:r>
+              <a:rPr lang="en-US" sz="1800" dirty="0" err="1">
+                <a:latin typeface="Courier New" panose="02070309020205020404" pitchFamily="49" charset="0"/>
+                <a:cs typeface="Courier New" panose="02070309020205020404" pitchFamily="49" charset="0"/>
+              </a:rPr>
+              <a:t>hi.txt</a:t>
+            </a:r>
+            <a:endParaRPr lang="en-US" sz="1800" dirty="0">
+              <a:latin typeface="Courier New" panose="02070309020205020404" pitchFamily="49" charset="0"/>
+              <a:cs typeface="Courier New" panose="02070309020205020404" pitchFamily="49" charset="0"/>
+            </a:endParaRPr>
+          </a:p>
+          <a:p>
+            <a:pPr marL="0" indent="0">
+              <a:buNone/>
+            </a:pPr>
+            <a:r>
+              <a:rPr lang="en-US" sz="1800" dirty="0">
+                <a:latin typeface="Courier New" panose="02070309020205020404" pitchFamily="49" charset="0"/>
+                <a:cs typeface="Courier New" panose="02070309020205020404" pitchFamily="49" charset="0"/>
+              </a:rPr>
+              <a:t> create mode 100644 </a:t>
+            </a:r>
+            <a:r>
+              <a:rPr lang="en-US" sz="1800" dirty="0" err="1">
+                <a:latin typeface="Courier New" panose="02070309020205020404" pitchFamily="49" charset="0"/>
+                <a:cs typeface="Courier New" panose="02070309020205020404" pitchFamily="49" charset="0"/>
+              </a:rPr>
+              <a:t>mydir</a:t>
+            </a:r>
+            <a:r>
+              <a:rPr lang="en-US" sz="1800" dirty="0">
+                <a:latin typeface="Courier New" panose="02070309020205020404" pitchFamily="49" charset="0"/>
+                <a:cs typeface="Courier New" panose="02070309020205020404" pitchFamily="49" charset="0"/>
+              </a:rPr>
+              <a:t>/t1.txt</a:t>
+            </a:r>
+          </a:p>
+          <a:p>
+            <a:pPr marL="0" indent="0">
+              <a:buNone/>
+            </a:pPr>
+            <a:r>
+              <a:rPr lang="en-US" sz="1800" dirty="0">
+                <a:latin typeface="Courier New" panose="02070309020205020404" pitchFamily="49" charset="0"/>
+                <a:cs typeface="Courier New" panose="02070309020205020404" pitchFamily="49" charset="0"/>
+              </a:rPr>
+              <a:t> create mode 100644 </a:t>
+            </a:r>
+            <a:r>
+              <a:rPr lang="en-US" sz="1800" dirty="0" err="1">
+                <a:latin typeface="Courier New" panose="02070309020205020404" pitchFamily="49" charset="0"/>
+                <a:cs typeface="Courier New" panose="02070309020205020404" pitchFamily="49" charset="0"/>
+              </a:rPr>
+              <a:t>mydir</a:t>
+            </a:r>
+            <a:r>
+              <a:rPr lang="en-US" sz="1800" dirty="0">
+                <a:latin typeface="Courier New" panose="02070309020205020404" pitchFamily="49" charset="0"/>
+                <a:cs typeface="Courier New" panose="02070309020205020404" pitchFamily="49" charset="0"/>
+              </a:rPr>
+              <a:t>/t2.txt</a:t>
+            </a:r>
+          </a:p>
+          <a:p>
+            <a:pPr marL="0" indent="0">
+              <a:buNone/>
+            </a:pPr>
+            <a:endParaRPr lang="en-US" sz="1800" dirty="0" smtClean="0">
+              <a:latin typeface="Courier New" panose="02070309020205020404" pitchFamily="49" charset="0"/>
+              <a:cs typeface="Courier New" panose="02070309020205020404" pitchFamily="49" charset="0"/>
+            </a:endParaRPr>
+          </a:p>
+          <a:p>
+            <a:pPr marL="0" indent="0">
+              <a:buNone/>
+            </a:pPr>
+            <a:r>
+              <a:rPr lang="en-US" sz="1800" dirty="0" smtClean="0">
+                <a:latin typeface="Courier New" panose="02070309020205020404" pitchFamily="49" charset="0"/>
+                <a:cs typeface="Courier New" panose="02070309020205020404" pitchFamily="49" charset="0"/>
+              </a:rPr>
+              <a:t>$ </a:t>
+            </a:r>
+            <a:r>
+              <a:rPr lang="en-US" sz="1800" b="1" dirty="0" err="1">
+                <a:solidFill>
+                  <a:srgbClr val="FFFF00"/>
+                </a:solidFill>
+                <a:latin typeface="Courier New" panose="02070309020205020404" pitchFamily="49" charset="0"/>
+                <a:cs typeface="Courier New" panose="02070309020205020404" pitchFamily="49" charset="0"/>
+              </a:rPr>
+              <a:t>git</a:t>
+            </a:r>
+            <a:r>
+              <a:rPr lang="en-US" sz="1800" b="1" dirty="0">
+                <a:solidFill>
+                  <a:srgbClr val="FFFF00"/>
+                </a:solidFill>
+                <a:latin typeface="Courier New" panose="02070309020205020404" pitchFamily="49" charset="0"/>
+                <a:cs typeface="Courier New" panose="02070309020205020404" pitchFamily="49" charset="0"/>
+              </a:rPr>
+              <a:t> status</a:t>
+            </a:r>
+          </a:p>
+          <a:p>
+            <a:pPr marL="0" indent="0">
+              <a:buNone/>
+            </a:pPr>
+            <a:r>
+              <a:rPr lang="en-US" sz="1800" dirty="0">
+                <a:latin typeface="Courier New" panose="02070309020205020404" pitchFamily="49" charset="0"/>
+                <a:cs typeface="Courier New" panose="02070309020205020404" pitchFamily="49" charset="0"/>
+              </a:rPr>
+              <a:t>On branch master</a:t>
+            </a:r>
+          </a:p>
+          <a:p>
+            <a:pPr marL="0" indent="0">
+              <a:buNone/>
+            </a:pPr>
+            <a:r>
+              <a:rPr lang="en-US" sz="1800" dirty="0">
+                <a:latin typeface="Courier New" panose="02070309020205020404" pitchFamily="49" charset="0"/>
+                <a:cs typeface="Courier New" panose="02070309020205020404" pitchFamily="49" charset="0"/>
+              </a:rPr>
+              <a:t>Your branch is ahead of </a:t>
+            </a:r>
+            <a:r>
+              <a:rPr lang="en-US" sz="1800" dirty="0" smtClean="0">
+                <a:latin typeface="Courier New" panose="02070309020205020404" pitchFamily="49" charset="0"/>
+                <a:cs typeface="Courier New" panose="02070309020205020404" pitchFamily="49" charset="0"/>
+              </a:rPr>
+              <a:t>'origin/master' </a:t>
+            </a:r>
+            <a:r>
+              <a:rPr lang="en-US" sz="1800" dirty="0">
+                <a:latin typeface="Courier New" panose="02070309020205020404" pitchFamily="49" charset="0"/>
+                <a:cs typeface="Courier New" panose="02070309020205020404" pitchFamily="49" charset="0"/>
+              </a:rPr>
+              <a:t>by 1 commit.</a:t>
+            </a:r>
+          </a:p>
+          <a:p>
+            <a:pPr marL="0" indent="0">
+              <a:buNone/>
+            </a:pPr>
+            <a:r>
+              <a:rPr lang="en-US" sz="1800" dirty="0">
+                <a:latin typeface="Courier New" panose="02070309020205020404" pitchFamily="49" charset="0"/>
+                <a:cs typeface="Courier New" panose="02070309020205020404" pitchFamily="49" charset="0"/>
+              </a:rPr>
+              <a:t>  (use </a:t>
+            </a:r>
+            <a:r>
+              <a:rPr lang="en-US" sz="1800" dirty="0" smtClean="0">
+                <a:latin typeface="Courier New" panose="02070309020205020404" pitchFamily="49" charset="0"/>
+                <a:cs typeface="Courier New" panose="02070309020205020404" pitchFamily="49" charset="0"/>
+              </a:rPr>
+              <a:t>"</a:t>
+            </a:r>
+            <a:r>
+              <a:rPr lang="en-US" sz="1800" dirty="0" err="1" smtClean="0">
+                <a:latin typeface="Courier New" panose="02070309020205020404" pitchFamily="49" charset="0"/>
+                <a:cs typeface="Courier New" panose="02070309020205020404" pitchFamily="49" charset="0"/>
+              </a:rPr>
+              <a:t>git</a:t>
+            </a:r>
+            <a:r>
+              <a:rPr lang="en-US" sz="1800" dirty="0" smtClean="0">
+                <a:latin typeface="Courier New" panose="02070309020205020404" pitchFamily="49" charset="0"/>
+                <a:cs typeface="Courier New" panose="02070309020205020404" pitchFamily="49" charset="0"/>
+              </a:rPr>
+              <a:t> push" </a:t>
+            </a:r>
+            <a:r>
+              <a:rPr lang="en-US" sz="1800" dirty="0">
+                <a:latin typeface="Courier New" panose="02070309020205020404" pitchFamily="49" charset="0"/>
+                <a:cs typeface="Courier New" panose="02070309020205020404" pitchFamily="49" charset="0"/>
+              </a:rPr>
+              <a:t>to publish your local commits)</a:t>
+            </a:r>
+          </a:p>
+          <a:p>
+            <a:pPr marL="0" indent="0">
+              <a:buNone/>
+            </a:pPr>
+            <a:r>
+              <a:rPr lang="en-US" sz="1800" dirty="0">
+                <a:latin typeface="Courier New" panose="02070309020205020404" pitchFamily="49" charset="0"/>
+                <a:cs typeface="Courier New" panose="02070309020205020404" pitchFamily="49" charset="0"/>
+              </a:rPr>
+              <a:t>nothing to commit, working tree clean</a:t>
+            </a:r>
+          </a:p>
+        </p:txBody>
+      </p:sp>
+      <p:sp>
+        <p:nvSpPr>
+          <p:cNvPr id="4" name="TextBox 3"/>
+          <p:cNvSpPr txBox="1"/>
+          <p:nvPr/>
+        </p:nvSpPr>
+        <p:spPr>
+          <a:xfrm>
+            <a:off x="457200" y="1239749"/>
+            <a:ext cx="8293100" cy="707886"/>
+          </a:xfrm>
+          <a:prstGeom prst="rect">
+            <a:avLst/>
+          </a:prstGeom>
+          <a:noFill/>
+        </p:spPr>
+        <p:txBody>
+          <a:bodyPr wrap="square" rtlCol="0">
+            <a:spAutoFit/>
+          </a:bodyPr>
+          <a:lstStyle/>
+          <a:p>
+            <a:r>
+              <a:rPr lang="en-US" sz="2000" dirty="0" smtClean="0">
+                <a:latin typeface="+mn-lt"/>
+              </a:rPr>
+              <a:t>Now the files are in the local repository. The working tree is the same as repository. </a:t>
+            </a:r>
+            <a:endParaRPr lang="en-US" sz="2000" dirty="0">
+              <a:latin typeface="+mn-lt"/>
+            </a:endParaRPr>
+          </a:p>
+        </p:txBody>
+      </p:sp>
+    </p:spTree>
+    <p:extLst>
+      <p:ext uri="{BB962C8B-B14F-4D97-AF65-F5344CB8AC3E}">
+        <p14:creationId xmlns:p14="http://schemas.microsoft.com/office/powerpoint/2010/main" val="2525722507"/>
+      </p:ext>
+    </p:extLst>
+  </p:cSld>
+  <p:clrMapOvr>
+    <a:masterClrMapping/>
+  </p:clrMapOvr>
+</p:sld>
+</file>
+
+<file path=ppt/slides/slide28.xml><?xml version="1.0" encoding="utf-8"?>
+<p:sld xmlns:a="http://schemas.openxmlformats.org/drawingml/2006/main" xmlns:r="http://schemas.openxmlformats.org/officeDocument/2006/relationships" xmlns:p="http://schemas.openxmlformats.org/presentationml/2006/main">
+  <p:cSld>
+    <p:spTree>
+      <p:nvGrpSpPr>
+        <p:cNvPr id="1" name=""/>
+        <p:cNvGrpSpPr/>
+        <p:nvPr/>
+      </p:nvGrpSpPr>
+      <p:grpSpPr>
+        <a:xfrm>
+          <a:off x="0" y="0"/>
+          <a:ext cx="0" cy="0"/>
+          <a:chOff x="0" y="0"/>
+          <a:chExt cx="0" cy="0"/>
+        </a:xfrm>
+      </p:grpSpPr>
+      <p:sp>
+        <p:nvSpPr>
+          <p:cNvPr id="2" name="Title 1"/>
+          <p:cNvSpPr>
+            <a:spLocks noGrp="1"/>
+          </p:cNvSpPr>
+          <p:nvPr>
+            <p:ph type="title"/>
+          </p:nvPr>
+        </p:nvSpPr>
+        <p:spPr/>
+        <p:txBody>
+          <a:bodyPr/>
+          <a:lstStyle/>
+          <a:p>
+            <a:r>
+              <a:rPr lang="en-US" dirty="0" smtClean="0"/>
+              <a:t>Push the new version back to </a:t>
+            </a:r>
+            <a:r>
+              <a:rPr lang="en-US" dirty="0" err="1" smtClean="0"/>
+              <a:t>Github</a:t>
+            </a:r>
+            <a:endParaRPr lang="en-US" dirty="0"/>
+          </a:p>
+        </p:txBody>
+      </p:sp>
+      <p:sp>
+        <p:nvSpPr>
+          <p:cNvPr id="3" name="Content Placeholder 2"/>
+          <p:cNvSpPr>
+            <a:spLocks noGrp="1"/>
+          </p:cNvSpPr>
+          <p:nvPr>
+            <p:ph idx="1"/>
+          </p:nvPr>
+        </p:nvSpPr>
+        <p:spPr>
+          <a:xfrm>
+            <a:off x="355600" y="1594353"/>
+            <a:ext cx="8229600" cy="3086100"/>
+          </a:xfrm>
+        </p:spPr>
+        <p:style>
+          <a:lnRef idx="2">
+            <a:schemeClr val="dk1">
+              <a:shade val="50000"/>
+            </a:schemeClr>
+          </a:lnRef>
+          <a:fillRef idx="1">
+            <a:schemeClr val="dk1"/>
+          </a:fillRef>
+          <a:effectRef idx="0">
+            <a:schemeClr val="dk1"/>
+          </a:effectRef>
+          <a:fontRef idx="minor">
+            <a:schemeClr val="lt1"/>
+          </a:fontRef>
+        </p:style>
+        <p:txBody>
+          <a:bodyPr/>
+          <a:lstStyle/>
+          <a:p>
+            <a:pPr marL="0" indent="0">
+              <a:buNone/>
+            </a:pPr>
+            <a:r>
+              <a:rPr lang="en-US" sz="1800" dirty="0" smtClean="0">
+                <a:latin typeface="Courier New" panose="02070309020205020404" pitchFamily="49" charset="0"/>
+                <a:cs typeface="Courier New" panose="02070309020205020404" pitchFamily="49" charset="0"/>
+              </a:rPr>
+              <a:t>$ </a:t>
+            </a:r>
+            <a:r>
+              <a:rPr lang="en-US" sz="1800" b="1" dirty="0" err="1">
+                <a:solidFill>
+                  <a:srgbClr val="FFFF00"/>
+                </a:solidFill>
+                <a:latin typeface="Courier New" panose="02070309020205020404" pitchFamily="49" charset="0"/>
+                <a:cs typeface="Courier New" panose="02070309020205020404" pitchFamily="49" charset="0"/>
+              </a:rPr>
+              <a:t>git</a:t>
+            </a:r>
+            <a:r>
+              <a:rPr lang="en-US" sz="1800" b="1" dirty="0">
+                <a:solidFill>
+                  <a:srgbClr val="FFFF00"/>
+                </a:solidFill>
+                <a:latin typeface="Courier New" panose="02070309020205020404" pitchFamily="49" charset="0"/>
+                <a:cs typeface="Courier New" panose="02070309020205020404" pitchFamily="49" charset="0"/>
+              </a:rPr>
+              <a:t> push</a:t>
+            </a:r>
+          </a:p>
+          <a:p>
+            <a:pPr marL="0" indent="0">
+              <a:buNone/>
+            </a:pPr>
+            <a:r>
+              <a:rPr lang="en-US" sz="1800" dirty="0">
+                <a:latin typeface="Courier New" panose="02070309020205020404" pitchFamily="49" charset="0"/>
+                <a:cs typeface="Courier New" panose="02070309020205020404" pitchFamily="49" charset="0"/>
+              </a:rPr>
+              <a:t>Counting objects: 5, done.</a:t>
+            </a:r>
+          </a:p>
+          <a:p>
+            <a:pPr marL="0" indent="0">
+              <a:buNone/>
+            </a:pPr>
+            <a:r>
+              <a:rPr lang="en-US" sz="1800" dirty="0">
+                <a:latin typeface="Courier New" panose="02070309020205020404" pitchFamily="49" charset="0"/>
+                <a:cs typeface="Courier New" panose="02070309020205020404" pitchFamily="49" charset="0"/>
+              </a:rPr>
+              <a:t>Delta compression using up to 4 threads.</a:t>
+            </a:r>
+          </a:p>
+          <a:p>
+            <a:pPr marL="0" indent="0">
+              <a:buNone/>
+            </a:pPr>
+            <a:r>
+              <a:rPr lang="en-US" sz="1800" dirty="0">
+                <a:latin typeface="Courier New" panose="02070309020205020404" pitchFamily="49" charset="0"/>
+                <a:cs typeface="Courier New" panose="02070309020205020404" pitchFamily="49" charset="0"/>
+              </a:rPr>
+              <a:t>Compressing objects: 100% (3/3), done.</a:t>
+            </a:r>
+          </a:p>
+          <a:p>
+            <a:pPr marL="0" indent="0">
+              <a:buNone/>
+            </a:pPr>
+            <a:r>
+              <a:rPr lang="en-US" sz="1800" dirty="0">
+                <a:latin typeface="Courier New" panose="02070309020205020404" pitchFamily="49" charset="0"/>
+                <a:cs typeface="Courier New" panose="02070309020205020404" pitchFamily="49" charset="0"/>
+              </a:rPr>
+              <a:t>Writing objects: 100% (5/5), 465 bytes | 0 bytes/s, done.</a:t>
+            </a:r>
+          </a:p>
+          <a:p>
+            <a:pPr marL="0" indent="0">
+              <a:buNone/>
+            </a:pPr>
+            <a:r>
+              <a:rPr lang="en-US" sz="1800" dirty="0">
+                <a:latin typeface="Courier New" panose="02070309020205020404" pitchFamily="49" charset="0"/>
+                <a:cs typeface="Courier New" panose="02070309020205020404" pitchFamily="49" charset="0"/>
+              </a:rPr>
+              <a:t>Total 5 (delta 0), reused 0 (delta 0)</a:t>
+            </a:r>
+          </a:p>
+          <a:p>
+            <a:pPr marL="0" indent="0">
+              <a:buNone/>
+            </a:pPr>
+            <a:r>
+              <a:rPr lang="en-US" sz="1800" dirty="0">
+                <a:latin typeface="Courier New" panose="02070309020205020404" pitchFamily="49" charset="0"/>
+                <a:cs typeface="Courier New" panose="02070309020205020404" pitchFamily="49" charset="0"/>
+              </a:rPr>
+              <a:t>To </a:t>
+            </a:r>
+            <a:r>
+              <a:rPr lang="en-US" sz="1800" dirty="0" err="1">
+                <a:latin typeface="Courier New" panose="02070309020205020404" pitchFamily="49" charset="0"/>
+                <a:cs typeface="Courier New" panose="02070309020205020404" pitchFamily="49" charset="0"/>
+              </a:rPr>
+              <a:t>github.com:spepler</a:t>
+            </a:r>
+            <a:r>
+              <a:rPr lang="en-US" sz="1800" dirty="0">
+                <a:latin typeface="Courier New" panose="02070309020205020404" pitchFamily="49" charset="0"/>
+                <a:cs typeface="Courier New" panose="02070309020205020404" pitchFamily="49" charset="0"/>
+              </a:rPr>
+              <a:t>/</a:t>
+            </a:r>
+            <a:r>
+              <a:rPr lang="en-US" sz="1800" dirty="0" err="1">
+                <a:latin typeface="Courier New" panose="02070309020205020404" pitchFamily="49" charset="0"/>
+                <a:cs typeface="Courier New" panose="02070309020205020404" pitchFamily="49" charset="0"/>
+              </a:rPr>
+              <a:t>ncas-isc.git</a:t>
+            </a:r>
+            <a:endParaRPr lang="en-US" sz="1800" dirty="0">
+              <a:latin typeface="Courier New" panose="02070309020205020404" pitchFamily="49" charset="0"/>
+              <a:cs typeface="Courier New" panose="02070309020205020404" pitchFamily="49" charset="0"/>
+            </a:endParaRPr>
+          </a:p>
+          <a:p>
+            <a:pPr marL="0" indent="0">
+              <a:buNone/>
+            </a:pPr>
+            <a:r>
+              <a:rPr lang="mr-IN" sz="1800" dirty="0">
+                <a:latin typeface="Courier New" panose="02070309020205020404" pitchFamily="49" charset="0"/>
+                <a:cs typeface="Courier"/>
+              </a:rPr>
+              <a:t>   fdd3c9e..fe70026  master -&gt; </a:t>
+            </a:r>
+            <a:r>
+              <a:rPr lang="mr-IN" sz="1800" dirty="0" smtClean="0">
+                <a:latin typeface="Courier New" panose="02070309020205020404" pitchFamily="49" charset="0"/>
+                <a:cs typeface="Courier"/>
+              </a:rPr>
+              <a:t>master</a:t>
+            </a:r>
+            <a:endParaRPr lang="mr-IN" sz="1800" dirty="0">
+              <a:latin typeface="Courier New" panose="02070309020205020404" pitchFamily="49" charset="0"/>
+              <a:cs typeface="Courier"/>
+            </a:endParaRPr>
+          </a:p>
+        </p:txBody>
+      </p:sp>
+      <p:sp>
+        <p:nvSpPr>
+          <p:cNvPr id="4" name="TextBox 3"/>
+          <p:cNvSpPr txBox="1"/>
+          <p:nvPr/>
+        </p:nvSpPr>
+        <p:spPr>
+          <a:xfrm>
+            <a:off x="292100" y="1225065"/>
+            <a:ext cx="8293100" cy="400110"/>
+          </a:xfrm>
+          <a:prstGeom prst="rect">
+            <a:avLst/>
+          </a:prstGeom>
+          <a:noFill/>
+        </p:spPr>
+        <p:txBody>
+          <a:bodyPr wrap="square" rtlCol="0">
+            <a:spAutoFit/>
+          </a:bodyPr>
+          <a:lstStyle/>
+          <a:p>
+            <a:r>
+              <a:rPr lang="en-US" sz="2000" dirty="0" smtClean="0">
+                <a:latin typeface="+mn-lt"/>
+              </a:rPr>
+              <a:t>Make the repo on </a:t>
+            </a:r>
+            <a:r>
+              <a:rPr lang="en-US" sz="2000" dirty="0" err="1" smtClean="0">
+                <a:latin typeface="+mn-lt"/>
+              </a:rPr>
+              <a:t>Github</a:t>
+            </a:r>
+            <a:r>
+              <a:rPr lang="en-US" sz="2000" dirty="0" smtClean="0">
+                <a:latin typeface="+mn-lt"/>
+              </a:rPr>
+              <a:t> match the local repo.  </a:t>
+            </a:r>
+            <a:endParaRPr lang="en-US" sz="2000" dirty="0">
+              <a:latin typeface="+mn-lt"/>
+            </a:endParaRPr>
+          </a:p>
+        </p:txBody>
+      </p:sp>
+      <p:pic>
+        <p:nvPicPr>
+          <p:cNvPr id="5" name="Picture 4" descr="Screen Shot 2017-02-24 at 12.07.08.png"/>
+          <p:cNvPicPr>
+            <a:picLocks noChangeAspect="1"/>
+          </p:cNvPicPr>
+          <p:nvPr/>
+        </p:nvPicPr>
+        <p:blipFill>
+          <a:blip r:embed="rId2" cstate="email">
+            <a:extLst>
+              <a:ext uri="{28A0092B-C50C-407E-A947-70E740481C1C}">
+                <a14:useLocalDpi xmlns:a14="http://schemas.microsoft.com/office/drawing/2010/main" val="0"/>
+              </a:ext>
+            </a:extLst>
+          </a:blip>
+          <a:stretch>
+            <a:fillRect/>
+          </a:stretch>
+        </p:blipFill>
+        <p:spPr>
+          <a:xfrm>
+            <a:off x="0" y="4643919"/>
+            <a:ext cx="9144000" cy="2214081"/>
+          </a:xfrm>
+          <a:prstGeom prst="rect">
+            <a:avLst/>
+          </a:prstGeom>
+        </p:spPr>
+      </p:pic>
+    </p:spTree>
+    <p:extLst>
+      <p:ext uri="{BB962C8B-B14F-4D97-AF65-F5344CB8AC3E}">
+        <p14:creationId xmlns:p14="http://schemas.microsoft.com/office/powerpoint/2010/main" val="97994793"/>
+      </p:ext>
+    </p:extLst>
+  </p:cSld>
+  <p:clrMapOvr>
+    <a:masterClrMapping/>
+  </p:clrMapOvr>
+</p:sld>
+</file>
+
+<file path=ppt/slides/slide29.xml><?xml version="1.0" encoding="utf-8"?>
+<p:sld xmlns:a="http://schemas.openxmlformats.org/drawingml/2006/main" xmlns:r="http://schemas.openxmlformats.org/officeDocument/2006/relationships" xmlns:p="http://schemas.openxmlformats.org/presentationml/2006/main">
+  <p:cSld>
+    <p:spTree>
+      <p:nvGrpSpPr>
+        <p:cNvPr id="1" name=""/>
+        <p:cNvGrpSpPr/>
+        <p:nvPr/>
+      </p:nvGrpSpPr>
+      <p:grpSpPr>
+        <a:xfrm>
+          <a:off x="0" y="0"/>
+          <a:ext cx="0" cy="0"/>
+          <a:chOff x="0" y="0"/>
+          <a:chExt cx="0" cy="0"/>
+        </a:xfrm>
+      </p:grpSpPr>
+      <p:sp>
+        <p:nvSpPr>
+          <p:cNvPr id="2" name="Title 1"/>
+          <p:cNvSpPr>
+            <a:spLocks noGrp="1"/>
+          </p:cNvSpPr>
+          <p:nvPr>
+            <p:ph type="title"/>
+          </p:nvPr>
+        </p:nvSpPr>
+        <p:spPr/>
+        <p:txBody>
+          <a:bodyPr/>
+          <a:lstStyle/>
+          <a:p>
+            <a:r>
+              <a:rPr lang="en-US" dirty="0" smtClean="0"/>
+              <a:t>Enough?</a:t>
+            </a:r>
+            <a:endParaRPr lang="en-US" dirty="0"/>
+          </a:p>
+        </p:txBody>
+      </p:sp>
+      <p:sp>
+        <p:nvSpPr>
+          <p:cNvPr id="3" name="Content Placeholder 2"/>
+          <p:cNvSpPr>
+            <a:spLocks noGrp="1"/>
+          </p:cNvSpPr>
+          <p:nvPr>
+            <p:ph idx="1"/>
+          </p:nvPr>
+        </p:nvSpPr>
+        <p:spPr/>
+        <p:txBody>
+          <a:bodyPr/>
+          <a:lstStyle/>
+          <a:p>
+            <a:r>
+              <a:rPr lang="en-US" dirty="0" smtClean="0"/>
+              <a:t>If you are working on your own then that is all you need to know.</a:t>
+            </a:r>
+          </a:p>
+          <a:p>
+            <a:r>
+              <a:rPr lang="en-US" dirty="0" smtClean="0"/>
+              <a:t>You can keep track of changes in your code, you know its safe and you can share it with people.</a:t>
+            </a:r>
+          </a:p>
+          <a:p>
+            <a:endParaRPr lang="en-US" dirty="0" smtClean="0"/>
+          </a:p>
+          <a:p>
+            <a:endParaRPr lang="en-US" dirty="0"/>
+          </a:p>
+        </p:txBody>
+      </p:sp>
+    </p:spTree>
+    <p:extLst>
+      <p:ext uri="{BB962C8B-B14F-4D97-AF65-F5344CB8AC3E}">
+        <p14:creationId xmlns:p14="http://schemas.microsoft.com/office/powerpoint/2010/main" val="3313336411"/>
+      </p:ext>
+    </p:extLst>
+  </p:cSld>
+  <p:clrMapOvr>
+    <a:masterClrMapping/>
+  </p:clrMapOvr>
+</p:sld>
+</file>
+
+<file path=ppt/slides/slide3.xml><?xml version="1.0" encoding="utf-8"?>
 <p:sld xmlns:a="http://schemas.openxmlformats.org/drawingml/2006/main" xmlns:r="http://schemas.openxmlformats.org/officeDocument/2006/relationships" xmlns:p="http://schemas.openxmlformats.org/presentationml/2006/main">
   <p:cSld>
     <p:spTree>
@@ -12950,3085 +16465,7 @@
 </p:sld>
 </file>
 
-<file path=ppt/slides/slide20.xml><?xml version="1.0" encoding="utf-8"?>
-<p:sld xmlns:a="http://schemas.openxmlformats.org/drawingml/2006/main" xmlns:r="http://schemas.openxmlformats.org/officeDocument/2006/relationships" xmlns:p="http://schemas.openxmlformats.org/presentationml/2006/main">
-  <p:cSld>
-    <p:spTree>
-      <p:nvGrpSpPr>
-        <p:cNvPr id="1" name=""/>
-        <p:cNvGrpSpPr/>
-        <p:nvPr/>
-      </p:nvGrpSpPr>
-      <p:grpSpPr>
-        <a:xfrm>
-          <a:off x="0" y="0"/>
-          <a:ext cx="0" cy="0"/>
-          <a:chOff x="0" y="0"/>
-          <a:chExt cx="0" cy="0"/>
-        </a:xfrm>
-      </p:grpSpPr>
-      <p:sp>
-        <p:nvSpPr>
-          <p:cNvPr id="27650" name="Title 1"/>
-          <p:cNvSpPr>
-            <a:spLocks noGrp="1"/>
-          </p:cNvSpPr>
-          <p:nvPr>
-            <p:ph type="title"/>
-          </p:nvPr>
-        </p:nvSpPr>
-        <p:spPr/>
-        <p:txBody>
-          <a:bodyPr/>
-          <a:lstStyle/>
-          <a:p>
-            <a:r>
-              <a:rPr lang="en-GB" dirty="0" smtClean="0">
-                <a:latin typeface="Calibri" charset="0"/>
-              </a:rPr>
-              <a:t>Let's </a:t>
-            </a:r>
-            <a:r>
-              <a:rPr lang="en-GB" dirty="0">
-                <a:latin typeface="Calibri" charset="0"/>
-              </a:rPr>
-              <a:t>look on GitHub</a:t>
-            </a:r>
-          </a:p>
-        </p:txBody>
-      </p:sp>
-      <p:sp>
-        <p:nvSpPr>
-          <p:cNvPr id="27651" name="Content Placeholder 2"/>
-          <p:cNvSpPr>
-            <a:spLocks noGrp="1"/>
-          </p:cNvSpPr>
-          <p:nvPr>
-            <p:ph idx="1"/>
-          </p:nvPr>
-        </p:nvSpPr>
-        <p:spPr>
-          <a:xfrm>
-            <a:off x="376518" y="1255997"/>
-            <a:ext cx="7899400" cy="850900"/>
-          </a:xfrm>
-        </p:spPr>
-        <p:txBody>
-          <a:bodyPr/>
-          <a:lstStyle/>
-          <a:p>
-            <a:pPr marL="0" indent="0">
-              <a:buFont typeface="Arial" charset="0"/>
-              <a:buNone/>
-            </a:pPr>
-            <a:r>
-              <a:rPr lang="en-GB" dirty="0" smtClean="0">
-                <a:latin typeface="Calibri" charset="0"/>
-              </a:rPr>
-              <a:t>Before</a:t>
-            </a:r>
-            <a:r>
-              <a:rPr lang="mr-IN" dirty="0" smtClean="0">
-                <a:latin typeface="Calibri" charset="0"/>
-              </a:rPr>
-              <a:t>…</a:t>
-            </a:r>
-            <a:endParaRPr lang="en-GB" dirty="0">
-              <a:latin typeface="Calibri" charset="0"/>
-            </a:endParaRPr>
-          </a:p>
-        </p:txBody>
-      </p:sp>
-      <p:pic>
-        <p:nvPicPr>
-          <p:cNvPr id="2" name="Picture 1" descr="Screen Shot 2017-02-23 at 11.11.53.png"/>
-          <p:cNvPicPr>
-            <a:picLocks noChangeAspect="1"/>
-          </p:cNvPicPr>
-          <p:nvPr/>
-        </p:nvPicPr>
-        <p:blipFill>
-          <a:blip r:embed="rId2" cstate="email">
-            <a:extLst>
-              <a:ext uri="{28A0092B-C50C-407E-A947-70E740481C1C}">
-                <a14:useLocalDpi xmlns:a14="http://schemas.microsoft.com/office/drawing/2010/main" val="0"/>
-              </a:ext>
-            </a:extLst>
-          </a:blip>
-          <a:stretch>
-            <a:fillRect/>
-          </a:stretch>
-        </p:blipFill>
-        <p:spPr>
-          <a:xfrm>
-            <a:off x="26894" y="1739901"/>
-            <a:ext cx="9117106" cy="1796474"/>
-          </a:xfrm>
-          <a:prstGeom prst="rect">
-            <a:avLst/>
-          </a:prstGeom>
-        </p:spPr>
-      </p:pic>
-      <p:sp>
-        <p:nvSpPr>
-          <p:cNvPr id="5" name="Content Placeholder 2"/>
-          <p:cNvSpPr txBox="1">
-            <a:spLocks/>
-          </p:cNvSpPr>
-          <p:nvPr/>
-        </p:nvSpPr>
-        <p:spPr bwMode="auto">
-          <a:xfrm>
-            <a:off x="376518" y="3536375"/>
-            <a:ext cx="7899400" cy="850900"/>
-          </a:xfrm>
-          <a:prstGeom prst="rect">
-            <a:avLst/>
-          </a:prstGeom>
-          <a:noFill/>
-          <a:ln>
-            <a:noFill/>
-          </a:ln>
-          <a:extLst>
-            <a:ext uri="{FAA26D3D-D897-4be2-8F04-BA451C77F1D7}">
-              <ma14:placeholderFlag xmlns:ma14="http://schemas.microsoft.com/office/mac/drawingml/2011/main" xmlns="" val="1"/>
-            </a:ext>
-            <a:ext uri="{909E8E84-426E-40dd-AFC4-6F175D3DCCD1}">
-              <a14:hiddenFill xmlns="" xmlns:a14="http://schemas.microsoft.com/office/drawing/2010/main">
-                <a:solidFill>
-                  <a:srgbClr val="FFFFFF"/>
-                </a:solidFill>
-              </a14:hiddenFill>
-            </a:ext>
-            <a:ext uri="{91240B29-F687-4f45-9708-019B960494DF}">
-              <a14:hiddenLine xmlns="" xmlns:a14="http://schemas.microsoft.com/office/drawing/2010/main" w="9525">
-                <a:solidFill>
-                  <a:srgbClr val="000000"/>
-                </a:solidFill>
-                <a:miter lim="800000"/>
-                <a:headEnd/>
-                <a:tailEnd/>
-              </a14:hiddenLine>
-            </a:ext>
-          </a:extLst>
-        </p:spPr>
-        <p:txBody>
-          <a:bodyPr vert="horz" wrap="square" lIns="91440" tIns="45720" rIns="91440" bIns="45720" numCol="1" anchor="t" anchorCtr="0" compatLnSpc="1">
-            <a:prstTxWarp prst="textNoShape">
-              <a:avLst/>
-            </a:prstTxWarp>
-          </a:bodyPr>
-          <a:lstStyle>
-            <a:lvl1pPr marL="342900" indent="-342900" algn="l" rtl="0" eaLnBrk="0" fontAlgn="base" hangingPunct="0">
-              <a:spcBef>
-                <a:spcPct val="20000"/>
-              </a:spcBef>
-              <a:spcAft>
-                <a:spcPct val="0"/>
-              </a:spcAft>
-              <a:buFont typeface="Arial" charset="0"/>
-              <a:buChar char="•"/>
-              <a:defRPr sz="3200" kern="1200">
-                <a:solidFill>
-                  <a:schemeClr val="tx1"/>
-                </a:solidFill>
-                <a:latin typeface="+mn-lt"/>
-                <a:ea typeface="ＭＳ Ｐゴシック" charset="0"/>
-                <a:cs typeface="+mn-cs"/>
-              </a:defRPr>
-            </a:lvl1pPr>
-            <a:lvl2pPr marL="742950" indent="-285750" algn="l" rtl="0" eaLnBrk="0" fontAlgn="base" hangingPunct="0">
-              <a:spcBef>
-                <a:spcPct val="20000"/>
-              </a:spcBef>
-              <a:spcAft>
-                <a:spcPct val="0"/>
-              </a:spcAft>
-              <a:buFont typeface="Arial" charset="0"/>
-              <a:buChar char="–"/>
-              <a:defRPr sz="2800" kern="1200">
-                <a:solidFill>
-                  <a:schemeClr val="tx1"/>
-                </a:solidFill>
-                <a:latin typeface="+mn-lt"/>
-                <a:ea typeface="ＭＳ Ｐゴシック" charset="0"/>
-                <a:cs typeface="+mn-cs"/>
-              </a:defRPr>
-            </a:lvl2pPr>
-            <a:lvl3pPr marL="1143000" indent="-228600" algn="l" rtl="0" eaLnBrk="0" fontAlgn="base" hangingPunct="0">
-              <a:spcBef>
-                <a:spcPct val="20000"/>
-              </a:spcBef>
-              <a:spcAft>
-                <a:spcPct val="0"/>
-              </a:spcAft>
-              <a:buFont typeface="Arial" charset="0"/>
-              <a:buChar char="•"/>
-              <a:defRPr sz="2400" kern="1200">
-                <a:solidFill>
-                  <a:schemeClr val="tx1"/>
-                </a:solidFill>
-                <a:latin typeface="+mn-lt"/>
-                <a:ea typeface="ＭＳ Ｐゴシック" charset="0"/>
-                <a:cs typeface="+mn-cs"/>
-              </a:defRPr>
-            </a:lvl3pPr>
-            <a:lvl4pPr marL="1600200" indent="-228600" algn="l" rtl="0" eaLnBrk="0" fontAlgn="base" hangingPunct="0">
-              <a:spcBef>
-                <a:spcPct val="20000"/>
-              </a:spcBef>
-              <a:spcAft>
-                <a:spcPct val="0"/>
-              </a:spcAft>
-              <a:buFont typeface="Arial" charset="0"/>
-              <a:buChar char="–"/>
-              <a:defRPr sz="2000" kern="1200">
-                <a:solidFill>
-                  <a:schemeClr val="tx1"/>
-                </a:solidFill>
-                <a:latin typeface="+mn-lt"/>
-                <a:ea typeface="ＭＳ Ｐゴシック" charset="0"/>
-                <a:cs typeface="+mn-cs"/>
-              </a:defRPr>
-            </a:lvl4pPr>
-            <a:lvl5pPr marL="2057400" indent="-228600" algn="l" rtl="0" eaLnBrk="0" fontAlgn="base" hangingPunct="0">
-              <a:spcBef>
-                <a:spcPct val="20000"/>
-              </a:spcBef>
-              <a:spcAft>
-                <a:spcPct val="0"/>
-              </a:spcAft>
-              <a:buFont typeface="Arial" charset="0"/>
-              <a:buChar char="»"/>
-              <a:defRPr sz="2000" kern="1200">
-                <a:solidFill>
-                  <a:schemeClr val="tx1"/>
-                </a:solidFill>
-                <a:latin typeface="+mn-lt"/>
-                <a:ea typeface="ＭＳ Ｐゴシック" charset="0"/>
-                <a:cs typeface="+mn-cs"/>
-              </a:defRPr>
-            </a:lvl5pPr>
-            <a:lvl6pPr marL="2514600" indent="-228600" algn="l" defTabSz="914400" rtl="0" eaLnBrk="1" latinLnBrk="0" hangingPunct="1">
-              <a:spcBef>
-                <a:spcPct val="20000"/>
-              </a:spcBef>
-              <a:buFont typeface="Arial" pitchFamily="34" charset="0"/>
-              <a:buChar char="•"/>
-              <a:defRPr sz="2000" kern="1200">
-                <a:solidFill>
-                  <a:schemeClr val="tx1"/>
-                </a:solidFill>
-                <a:latin typeface="+mn-lt"/>
-                <a:ea typeface="+mn-ea"/>
-                <a:cs typeface="+mn-cs"/>
-              </a:defRPr>
-            </a:lvl6pPr>
-            <a:lvl7pPr marL="2971800" indent="-228600" algn="l" defTabSz="914400" rtl="0" eaLnBrk="1" latinLnBrk="0" hangingPunct="1">
-              <a:spcBef>
-                <a:spcPct val="20000"/>
-              </a:spcBef>
-              <a:buFont typeface="Arial" pitchFamily="34" charset="0"/>
-              <a:buChar char="•"/>
-              <a:defRPr sz="2000" kern="1200">
-                <a:solidFill>
-                  <a:schemeClr val="tx1"/>
-                </a:solidFill>
-                <a:latin typeface="+mn-lt"/>
-                <a:ea typeface="+mn-ea"/>
-                <a:cs typeface="+mn-cs"/>
-              </a:defRPr>
-            </a:lvl7pPr>
-            <a:lvl8pPr marL="3429000" indent="-228600" algn="l" defTabSz="914400" rtl="0" eaLnBrk="1" latinLnBrk="0" hangingPunct="1">
-              <a:spcBef>
-                <a:spcPct val="20000"/>
-              </a:spcBef>
-              <a:buFont typeface="Arial" pitchFamily="34" charset="0"/>
-              <a:buChar char="•"/>
-              <a:defRPr sz="2000" kern="1200">
-                <a:solidFill>
-                  <a:schemeClr val="tx1"/>
-                </a:solidFill>
-                <a:latin typeface="+mn-lt"/>
-                <a:ea typeface="+mn-ea"/>
-                <a:cs typeface="+mn-cs"/>
-              </a:defRPr>
-            </a:lvl8pPr>
-            <a:lvl9pPr marL="3886200" indent="-228600" algn="l" defTabSz="914400" rtl="0" eaLnBrk="1" latinLnBrk="0" hangingPunct="1">
-              <a:spcBef>
-                <a:spcPct val="20000"/>
-              </a:spcBef>
-              <a:buFont typeface="Arial" pitchFamily="34" charset="0"/>
-              <a:buChar char="•"/>
-              <a:defRPr sz="2000" kern="1200">
-                <a:solidFill>
-                  <a:schemeClr val="tx1"/>
-                </a:solidFill>
-                <a:latin typeface="+mn-lt"/>
-                <a:ea typeface="+mn-ea"/>
-                <a:cs typeface="+mn-cs"/>
-              </a:defRPr>
-            </a:lvl9pPr>
-          </a:lstStyle>
-          <a:p>
-            <a:pPr marL="0" indent="0">
-              <a:buFont typeface="Arial" charset="0"/>
-              <a:buNone/>
-            </a:pPr>
-            <a:r>
-              <a:rPr lang="en-GB" sz="2800" dirty="0" smtClean="0">
-                <a:latin typeface="Calibri" charset="0"/>
-              </a:rPr>
-              <a:t>After</a:t>
-            </a:r>
-            <a:r>
-              <a:rPr lang="mr-IN" sz="2800" dirty="0" smtClean="0">
-                <a:latin typeface="Calibri" charset="0"/>
-              </a:rPr>
-              <a:t>…</a:t>
-            </a:r>
-            <a:endParaRPr lang="en-GB" sz="2800" dirty="0">
-              <a:latin typeface="Calibri" charset="0"/>
-            </a:endParaRPr>
-          </a:p>
-        </p:txBody>
-      </p:sp>
-      <p:pic>
-        <p:nvPicPr>
-          <p:cNvPr id="3" name="Picture 2" descr="Screen Shot 2017-02-23 at 11.13.40.png"/>
-          <p:cNvPicPr>
-            <a:picLocks noChangeAspect="1"/>
-          </p:cNvPicPr>
-          <p:nvPr/>
-        </p:nvPicPr>
-        <p:blipFill>
-          <a:blip r:embed="rId3" cstate="email">
-            <a:extLst>
-              <a:ext uri="{28A0092B-C50C-407E-A947-70E740481C1C}">
-                <a14:useLocalDpi xmlns:a14="http://schemas.microsoft.com/office/drawing/2010/main" val="0"/>
-              </a:ext>
-            </a:extLst>
-          </a:blip>
-          <a:stretch>
-            <a:fillRect/>
-          </a:stretch>
-        </p:blipFill>
-        <p:spPr>
-          <a:xfrm>
-            <a:off x="26894" y="4020279"/>
-            <a:ext cx="8767482" cy="1928155"/>
-          </a:xfrm>
-          <a:prstGeom prst="rect">
-            <a:avLst/>
-          </a:prstGeom>
-        </p:spPr>
-      </p:pic>
-    </p:spTree>
-  </p:cSld>
-  <p:clrMapOvr>
-    <a:masterClrMapping/>
-  </p:clrMapOvr>
-</p:sld>
-</file>
-
-<file path=ppt/slides/slide21.xml><?xml version="1.0" encoding="utf-8"?>
-<p:sld xmlns:a="http://schemas.openxmlformats.org/drawingml/2006/main" xmlns:r="http://schemas.openxmlformats.org/officeDocument/2006/relationships" xmlns:p="http://schemas.openxmlformats.org/presentationml/2006/main">
-  <p:cSld>
-    <p:spTree>
-      <p:nvGrpSpPr>
-        <p:cNvPr id="1" name=""/>
-        <p:cNvGrpSpPr/>
-        <p:nvPr/>
-      </p:nvGrpSpPr>
-      <p:grpSpPr>
-        <a:xfrm>
-          <a:off x="0" y="0"/>
-          <a:ext cx="0" cy="0"/>
-          <a:chOff x="0" y="0"/>
-          <a:chExt cx="0" cy="0"/>
-        </a:xfrm>
-      </p:grpSpPr>
-      <p:sp>
-        <p:nvSpPr>
-          <p:cNvPr id="29698" name="Title 1"/>
-          <p:cNvSpPr>
-            <a:spLocks noGrp="1"/>
-          </p:cNvSpPr>
-          <p:nvPr>
-            <p:ph type="title"/>
-          </p:nvPr>
-        </p:nvSpPr>
-        <p:spPr/>
-        <p:txBody>
-          <a:bodyPr/>
-          <a:lstStyle/>
-          <a:p>
-            <a:r>
-              <a:rPr lang="en-GB" dirty="0" smtClean="0">
-                <a:latin typeface="Calibri" charset="0"/>
-              </a:rPr>
-              <a:t>The Plan: Use </a:t>
-            </a:r>
-            <a:r>
-              <a:rPr lang="en-GB" dirty="0">
-                <a:latin typeface="Calibri" charset="0"/>
-              </a:rPr>
-              <a:t>Git/</a:t>
-            </a:r>
-            <a:r>
-              <a:rPr lang="en-GB" dirty="0" err="1">
-                <a:latin typeface="Calibri" charset="0"/>
-              </a:rPr>
-              <a:t>GitHub</a:t>
-            </a:r>
-            <a:r>
-              <a:rPr lang="en-GB" dirty="0">
-                <a:latin typeface="Calibri" charset="0"/>
-              </a:rPr>
-              <a:t> all week</a:t>
-            </a:r>
-          </a:p>
-        </p:txBody>
-      </p:sp>
-      <p:sp>
-        <p:nvSpPr>
-          <p:cNvPr id="3" name="Content Placeholder 2"/>
-          <p:cNvSpPr>
-            <a:spLocks noGrp="1"/>
-          </p:cNvSpPr>
-          <p:nvPr>
-            <p:ph idx="1"/>
-          </p:nvPr>
-        </p:nvSpPr>
-        <p:spPr/>
-        <p:txBody>
-          <a:bodyPr/>
-          <a:lstStyle/>
-          <a:p>
-            <a:pPr>
-              <a:buFont typeface="Arial" pitchFamily="34" charset="0"/>
-              <a:buChar char="•"/>
-              <a:defRPr/>
-            </a:pPr>
-            <a:r>
-              <a:rPr lang="en-GB" dirty="0" smtClean="0">
-                <a:ea typeface="+mn-ea"/>
-              </a:rPr>
-              <a:t>This stuff is hard to learn - we know that from experience.</a:t>
-            </a:r>
-          </a:p>
-          <a:p>
-            <a:pPr>
-              <a:buFont typeface="Arial" pitchFamily="34" charset="0"/>
-              <a:buChar char="•"/>
-              <a:defRPr/>
-            </a:pPr>
-            <a:r>
-              <a:rPr lang="en-GB" dirty="0" smtClean="0">
-                <a:ea typeface="+mn-ea"/>
-              </a:rPr>
-              <a:t>A presentation is quickly forgotten.</a:t>
-            </a:r>
-          </a:p>
-          <a:p>
-            <a:pPr>
-              <a:buFont typeface="Arial" pitchFamily="34" charset="0"/>
-              <a:buChar char="•"/>
-              <a:defRPr/>
-            </a:pPr>
-            <a:r>
-              <a:rPr lang="en-GB" dirty="0" smtClean="0">
-                <a:ea typeface="+mn-ea"/>
-              </a:rPr>
-              <a:t>So, we propose that you use Git/GitHub for every exercise.</a:t>
-            </a:r>
-          </a:p>
-          <a:p>
-            <a:pPr>
-              <a:buFont typeface="Arial" pitchFamily="34" charset="0"/>
-              <a:buChar char="•"/>
-              <a:defRPr/>
-            </a:pPr>
-            <a:r>
-              <a:rPr lang="en-GB" dirty="0" smtClean="0">
-                <a:ea typeface="+mn-ea"/>
-              </a:rPr>
-              <a:t>You are going to create and update your own </a:t>
-            </a:r>
-            <a:r>
-              <a:rPr lang="en-GB" dirty="0" err="1">
-                <a:ea typeface="+mn-ea"/>
-              </a:rPr>
-              <a:t>G</a:t>
-            </a:r>
-            <a:r>
-              <a:rPr lang="en-GB" dirty="0" err="1" smtClean="0">
-                <a:ea typeface="+mn-ea"/>
-              </a:rPr>
-              <a:t>ithub</a:t>
-            </a:r>
-            <a:r>
-              <a:rPr lang="en-GB" dirty="0" smtClean="0">
-                <a:ea typeface="+mn-ea"/>
-              </a:rPr>
-              <a:t> repository with files from exercises throughout the course.</a:t>
-            </a:r>
-          </a:p>
-          <a:p>
-            <a:pPr marL="0" indent="0">
-              <a:buFont typeface="Arial" pitchFamily="34" charset="0"/>
-              <a:buNone/>
-              <a:defRPr/>
-            </a:pPr>
-            <a:endParaRPr lang="en-GB" dirty="0">
-              <a:ea typeface="+mn-ea"/>
-            </a:endParaRPr>
-          </a:p>
-        </p:txBody>
-      </p:sp>
-    </p:spTree>
-  </p:cSld>
-  <p:clrMapOvr>
-    <a:masterClrMapping/>
-  </p:clrMapOvr>
-</p:sld>
-</file>
-
-<file path=ppt/slides/slide22.xml><?xml version="1.0" encoding="utf-8"?>
-<p:sld xmlns:a="http://schemas.openxmlformats.org/drawingml/2006/main" xmlns:r="http://schemas.openxmlformats.org/officeDocument/2006/relationships" xmlns:p="http://schemas.openxmlformats.org/presentationml/2006/main">
-  <p:cSld>
-    <p:spTree>
-      <p:nvGrpSpPr>
-        <p:cNvPr id="1" name=""/>
-        <p:cNvGrpSpPr/>
-        <p:nvPr/>
-      </p:nvGrpSpPr>
-      <p:grpSpPr>
-        <a:xfrm>
-          <a:off x="0" y="0"/>
-          <a:ext cx="0" cy="0"/>
-          <a:chOff x="0" y="0"/>
-          <a:chExt cx="0" cy="0"/>
-        </a:xfrm>
-      </p:grpSpPr>
-      <p:sp>
-        <p:nvSpPr>
-          <p:cNvPr id="2" name="Title 1"/>
-          <p:cNvSpPr>
-            <a:spLocks noGrp="1"/>
-          </p:cNvSpPr>
-          <p:nvPr>
-            <p:ph type="title"/>
-          </p:nvPr>
-        </p:nvSpPr>
-        <p:spPr/>
-        <p:txBody>
-          <a:bodyPr/>
-          <a:lstStyle/>
-          <a:p>
-            <a:r>
-              <a:rPr lang="en-US" dirty="0" smtClean="0"/>
-              <a:t>Lets make some test files</a:t>
-            </a:r>
-            <a:endParaRPr lang="en-US" dirty="0"/>
-          </a:p>
-        </p:txBody>
-      </p:sp>
-      <p:sp>
-        <p:nvSpPr>
-          <p:cNvPr id="3" name="Content Placeholder 2"/>
-          <p:cNvSpPr>
-            <a:spLocks noGrp="1"/>
-          </p:cNvSpPr>
-          <p:nvPr>
-            <p:ph idx="1"/>
-          </p:nvPr>
-        </p:nvSpPr>
-        <p:spPr>
-          <a:xfrm>
-            <a:off x="457200" y="1600200"/>
-            <a:ext cx="8229600" cy="3225799"/>
-          </a:xfrm>
-        </p:spPr>
-        <p:style>
-          <a:lnRef idx="2">
-            <a:schemeClr val="dk1">
-              <a:shade val="50000"/>
-            </a:schemeClr>
-          </a:lnRef>
-          <a:fillRef idx="1">
-            <a:schemeClr val="dk1"/>
-          </a:fillRef>
-          <a:effectRef idx="0">
-            <a:schemeClr val="dk1"/>
-          </a:effectRef>
-          <a:fontRef idx="minor">
-            <a:schemeClr val="lt1"/>
-          </a:fontRef>
-        </p:style>
-        <p:txBody>
-          <a:bodyPr/>
-          <a:lstStyle/>
-          <a:p>
-            <a:pPr marL="0" indent="0">
-              <a:buNone/>
-            </a:pPr>
-            <a:r>
-              <a:rPr lang="en-US" sz="2400" dirty="0" smtClean="0">
-                <a:latin typeface="Courier New" panose="02070309020205020404" pitchFamily="49" charset="0"/>
-                <a:cs typeface="Courier New" panose="02070309020205020404" pitchFamily="49" charset="0"/>
-              </a:rPr>
-              <a:t>$ </a:t>
-            </a:r>
-            <a:r>
-              <a:rPr lang="en-US" sz="2400" b="1" dirty="0" err="1">
-                <a:solidFill>
-                  <a:srgbClr val="FFFF00"/>
-                </a:solidFill>
-                <a:latin typeface="Courier New" panose="02070309020205020404" pitchFamily="49" charset="0"/>
-                <a:cs typeface="Courier New" panose="02070309020205020404" pitchFamily="49" charset="0"/>
-              </a:rPr>
-              <a:t>mkdir</a:t>
-            </a:r>
-            <a:r>
-              <a:rPr lang="en-US" sz="2400" b="1" dirty="0">
-                <a:solidFill>
-                  <a:srgbClr val="FFFF00"/>
-                </a:solidFill>
-                <a:latin typeface="Courier New" panose="02070309020205020404" pitchFamily="49" charset="0"/>
-                <a:cs typeface="Courier New" panose="02070309020205020404" pitchFamily="49" charset="0"/>
-              </a:rPr>
-              <a:t> </a:t>
-            </a:r>
-            <a:r>
-              <a:rPr lang="en-US" sz="2400" b="1" dirty="0" err="1">
-                <a:solidFill>
-                  <a:srgbClr val="FFFF00"/>
-                </a:solidFill>
-                <a:latin typeface="Courier New" panose="02070309020205020404" pitchFamily="49" charset="0"/>
-                <a:cs typeface="Courier New" panose="02070309020205020404" pitchFamily="49" charset="0"/>
-              </a:rPr>
-              <a:t>mydir</a:t>
-            </a:r>
-            <a:endParaRPr lang="en-US" sz="2400" b="1" dirty="0">
-              <a:solidFill>
-                <a:srgbClr val="FFFF00"/>
-              </a:solidFill>
-              <a:latin typeface="Courier New" panose="02070309020205020404" pitchFamily="49" charset="0"/>
-              <a:cs typeface="Courier New" panose="02070309020205020404" pitchFamily="49" charset="0"/>
-            </a:endParaRPr>
-          </a:p>
-          <a:p>
-            <a:pPr marL="0" indent="0">
-              <a:buNone/>
-            </a:pPr>
-            <a:r>
-              <a:rPr lang="en-US" sz="2400" dirty="0" smtClean="0">
-                <a:latin typeface="Courier New" panose="02070309020205020404" pitchFamily="49" charset="0"/>
-                <a:cs typeface="Courier New" panose="02070309020205020404" pitchFamily="49" charset="0"/>
-              </a:rPr>
-              <a:t>$ </a:t>
-            </a:r>
-            <a:r>
-              <a:rPr lang="en-US" sz="2400" b="1" dirty="0">
-                <a:solidFill>
-                  <a:srgbClr val="FFFF00"/>
-                </a:solidFill>
-                <a:latin typeface="Courier New" panose="02070309020205020404" pitchFamily="49" charset="0"/>
-                <a:cs typeface="Courier New" panose="02070309020205020404" pitchFamily="49" charset="0"/>
-              </a:rPr>
-              <a:t>echo </a:t>
-            </a:r>
-            <a:r>
-              <a:rPr lang="en-US" sz="2400" b="1" dirty="0" smtClean="0">
-                <a:solidFill>
-                  <a:srgbClr val="FFFF00"/>
-                </a:solidFill>
-                <a:latin typeface="Courier New" panose="02070309020205020404" pitchFamily="49" charset="0"/>
-                <a:cs typeface="Courier New" panose="02070309020205020404" pitchFamily="49" charset="0"/>
-              </a:rPr>
-              <a:t>"hi" </a:t>
-            </a:r>
-            <a:r>
-              <a:rPr lang="en-US" sz="2400" b="1" dirty="0">
-                <a:solidFill>
-                  <a:srgbClr val="FFFF00"/>
-                </a:solidFill>
-                <a:latin typeface="Courier New" panose="02070309020205020404" pitchFamily="49" charset="0"/>
-                <a:cs typeface="Courier New" panose="02070309020205020404" pitchFamily="49" charset="0"/>
-              </a:rPr>
-              <a:t>&gt; hi.txt</a:t>
-            </a:r>
-          </a:p>
-          <a:p>
-            <a:pPr marL="0" indent="0">
-              <a:buNone/>
-            </a:pPr>
-            <a:r>
-              <a:rPr lang="en-US" sz="2400" dirty="0" smtClean="0">
-                <a:latin typeface="Courier New" panose="02070309020205020404" pitchFamily="49" charset="0"/>
-                <a:cs typeface="Courier New" panose="02070309020205020404" pitchFamily="49" charset="0"/>
-              </a:rPr>
-              <a:t>$ </a:t>
-            </a:r>
-            <a:r>
-              <a:rPr lang="en-US" sz="2400" b="1" dirty="0">
-                <a:solidFill>
-                  <a:srgbClr val="FFFF00"/>
-                </a:solidFill>
-                <a:latin typeface="Courier New" panose="02070309020205020404" pitchFamily="49" charset="0"/>
-                <a:cs typeface="Courier New" panose="02070309020205020404" pitchFamily="49" charset="0"/>
-              </a:rPr>
-              <a:t>echo </a:t>
-            </a:r>
-            <a:r>
-              <a:rPr lang="en-US" sz="2400" b="1" dirty="0" smtClean="0">
-                <a:solidFill>
-                  <a:srgbClr val="FFFF00"/>
-                </a:solidFill>
-                <a:latin typeface="Courier New" panose="02070309020205020404" pitchFamily="49" charset="0"/>
-                <a:cs typeface="Courier New" panose="02070309020205020404" pitchFamily="49" charset="0"/>
-              </a:rPr>
-              <a:t>"testing..." </a:t>
-            </a:r>
-            <a:r>
-              <a:rPr lang="en-US" sz="2400" b="1" dirty="0">
-                <a:solidFill>
-                  <a:srgbClr val="FFFF00"/>
-                </a:solidFill>
-                <a:latin typeface="Courier New" panose="02070309020205020404" pitchFamily="49" charset="0"/>
-                <a:cs typeface="Courier New" panose="02070309020205020404" pitchFamily="49" charset="0"/>
-              </a:rPr>
-              <a:t>&gt; </a:t>
-            </a:r>
-            <a:r>
-              <a:rPr lang="en-US" sz="2400" b="1" dirty="0" err="1">
-                <a:solidFill>
-                  <a:srgbClr val="FFFF00"/>
-                </a:solidFill>
-                <a:latin typeface="Courier New" panose="02070309020205020404" pitchFamily="49" charset="0"/>
-                <a:cs typeface="Courier New" panose="02070309020205020404" pitchFamily="49" charset="0"/>
-              </a:rPr>
-              <a:t>mydir</a:t>
-            </a:r>
-            <a:r>
-              <a:rPr lang="en-US" sz="2400" b="1" dirty="0">
-                <a:solidFill>
-                  <a:srgbClr val="FFFF00"/>
-                </a:solidFill>
-                <a:latin typeface="Courier New" panose="02070309020205020404" pitchFamily="49" charset="0"/>
-                <a:cs typeface="Courier New" panose="02070309020205020404" pitchFamily="49" charset="0"/>
-              </a:rPr>
-              <a:t>/t1.</a:t>
-            </a:r>
-            <a:r>
-              <a:rPr lang="en-US" sz="2400" b="1" dirty="0" smtClean="0">
-                <a:solidFill>
-                  <a:srgbClr val="FFFF00"/>
-                </a:solidFill>
-                <a:latin typeface="Courier New" panose="02070309020205020404" pitchFamily="49" charset="0"/>
-                <a:cs typeface="Courier New" panose="02070309020205020404" pitchFamily="49" charset="0"/>
-              </a:rPr>
-              <a:t>txt</a:t>
-            </a:r>
-          </a:p>
-          <a:p>
-            <a:pPr marL="0" indent="0">
-              <a:buNone/>
-            </a:pPr>
-            <a:r>
-              <a:rPr lang="en-US" sz="2400" dirty="0">
-                <a:latin typeface="Courier New" panose="02070309020205020404" pitchFamily="49" charset="0"/>
-                <a:cs typeface="Courier New" panose="02070309020205020404" pitchFamily="49" charset="0"/>
-              </a:rPr>
-              <a:t>$ </a:t>
-            </a:r>
-            <a:r>
-              <a:rPr lang="en-US" sz="2400" b="1" dirty="0" err="1">
-                <a:solidFill>
-                  <a:srgbClr val="FFFF00"/>
-                </a:solidFill>
-                <a:latin typeface="Courier New" panose="02070309020205020404" pitchFamily="49" charset="0"/>
-                <a:cs typeface="Courier New" panose="02070309020205020404" pitchFamily="49" charset="0"/>
-              </a:rPr>
-              <a:t>ls</a:t>
-            </a:r>
-            <a:endParaRPr lang="en-US" sz="2400" b="1" dirty="0">
-              <a:solidFill>
-                <a:srgbClr val="FFFF00"/>
-              </a:solidFill>
-              <a:latin typeface="Courier New" panose="02070309020205020404" pitchFamily="49" charset="0"/>
-              <a:cs typeface="Courier New" panose="02070309020205020404" pitchFamily="49" charset="0"/>
-            </a:endParaRPr>
-          </a:p>
-          <a:p>
-            <a:pPr marL="0" indent="0">
-              <a:buNone/>
-            </a:pPr>
-            <a:r>
-              <a:rPr lang="en-US" sz="2400" dirty="0" err="1" smtClean="0">
-                <a:latin typeface="Courier New" panose="02070309020205020404" pitchFamily="49" charset="0"/>
-                <a:cs typeface="Courier New" panose="02070309020205020404" pitchFamily="49" charset="0"/>
-              </a:rPr>
-              <a:t>hi.txt</a:t>
-            </a:r>
-            <a:r>
-              <a:rPr lang="en-US" sz="2400" dirty="0">
-                <a:latin typeface="Courier New" panose="02070309020205020404" pitchFamily="49" charset="0"/>
-                <a:cs typeface="Courier New" panose="02070309020205020404" pitchFamily="49" charset="0"/>
-              </a:rPr>
-              <a:t>	</a:t>
-            </a:r>
-            <a:r>
-              <a:rPr lang="en-US" sz="2400" dirty="0" err="1" smtClean="0">
-                <a:latin typeface="Courier New" panose="02070309020205020404" pitchFamily="49" charset="0"/>
-                <a:cs typeface="Courier New" panose="02070309020205020404" pitchFamily="49" charset="0"/>
-              </a:rPr>
-              <a:t>hello.txt</a:t>
-            </a:r>
-            <a:r>
-              <a:rPr lang="en-US" sz="2400" dirty="0">
-                <a:latin typeface="Courier New" panose="02070309020205020404" pitchFamily="49" charset="0"/>
-                <a:cs typeface="Courier New" panose="02070309020205020404" pitchFamily="49" charset="0"/>
-              </a:rPr>
-              <a:t>	</a:t>
-            </a:r>
-            <a:r>
-              <a:rPr lang="en-US" sz="2400" dirty="0" smtClean="0">
-                <a:latin typeface="Courier New" panose="02070309020205020404" pitchFamily="49" charset="0"/>
-                <a:cs typeface="Courier New" panose="02070309020205020404" pitchFamily="49" charset="0"/>
-              </a:rPr>
-              <a:t> </a:t>
-            </a:r>
-            <a:r>
-              <a:rPr lang="en-US" sz="2400" dirty="0" err="1" smtClean="0">
-                <a:latin typeface="Courier New" panose="02070309020205020404" pitchFamily="49" charset="0"/>
-                <a:cs typeface="Courier New" panose="02070309020205020404" pitchFamily="49" charset="0"/>
-              </a:rPr>
-              <a:t>mydir</a:t>
-            </a:r>
-            <a:endParaRPr lang="en-US" sz="2400" dirty="0">
-              <a:latin typeface="Courier New" panose="02070309020205020404" pitchFamily="49" charset="0"/>
-              <a:cs typeface="Courier New" panose="02070309020205020404" pitchFamily="49" charset="0"/>
-            </a:endParaRPr>
-          </a:p>
-        </p:txBody>
-      </p:sp>
-    </p:spTree>
-    <p:extLst>
-      <p:ext uri="{BB962C8B-B14F-4D97-AF65-F5344CB8AC3E}">
-        <p14:creationId xmlns:p14="http://schemas.microsoft.com/office/powerpoint/2010/main" val="4273298645"/>
-      </p:ext>
-    </p:extLst>
-  </p:cSld>
-  <p:clrMapOvr>
-    <a:masterClrMapping/>
-  </p:clrMapOvr>
-</p:sld>
-</file>
-
-<file path=ppt/slides/slide23.xml><?xml version="1.0" encoding="utf-8"?>
-<p:sld xmlns:a="http://schemas.openxmlformats.org/drawingml/2006/main" xmlns:r="http://schemas.openxmlformats.org/officeDocument/2006/relationships" xmlns:p="http://schemas.openxmlformats.org/presentationml/2006/main">
-  <p:cSld>
-    <p:spTree>
-      <p:nvGrpSpPr>
-        <p:cNvPr id="1" name=""/>
-        <p:cNvGrpSpPr/>
-        <p:nvPr/>
-      </p:nvGrpSpPr>
-      <p:grpSpPr>
-        <a:xfrm>
-          <a:off x="0" y="0"/>
-          <a:ext cx="0" cy="0"/>
-          <a:chOff x="0" y="0"/>
-          <a:chExt cx="0" cy="0"/>
-        </a:xfrm>
-      </p:grpSpPr>
-      <p:sp>
-        <p:nvSpPr>
-          <p:cNvPr id="2" name="Title 1"/>
-          <p:cNvSpPr>
-            <a:spLocks noGrp="1"/>
-          </p:cNvSpPr>
-          <p:nvPr>
-            <p:ph type="title"/>
-          </p:nvPr>
-        </p:nvSpPr>
-        <p:spPr/>
-        <p:txBody>
-          <a:bodyPr/>
-          <a:lstStyle/>
-          <a:p>
-            <a:r>
-              <a:rPr lang="en-US" dirty="0" err="1" smtClean="0"/>
-              <a:t>Git</a:t>
-            </a:r>
-            <a:r>
-              <a:rPr lang="en-US" dirty="0" smtClean="0"/>
-              <a:t> Status</a:t>
-            </a:r>
-            <a:endParaRPr lang="en-US" dirty="0"/>
-          </a:p>
-        </p:txBody>
-      </p:sp>
-      <p:sp>
-        <p:nvSpPr>
-          <p:cNvPr id="4" name="TextBox 3"/>
-          <p:cNvSpPr txBox="1"/>
-          <p:nvPr/>
-        </p:nvSpPr>
-        <p:spPr>
-          <a:xfrm>
-            <a:off x="609600" y="2222500"/>
-            <a:ext cx="8051800" cy="3416320"/>
-          </a:xfrm>
-          <a:prstGeom prst="rect">
-            <a:avLst/>
-          </a:prstGeom>
-          <a:solidFill>
-            <a:schemeClr val="tx1"/>
-          </a:solidFill>
-          <a:ln>
-            <a:noFill/>
-          </a:ln>
-        </p:spPr>
-        <p:style>
-          <a:lnRef idx="2">
-            <a:schemeClr val="dk1">
-              <a:shade val="50000"/>
-            </a:schemeClr>
-          </a:lnRef>
-          <a:fillRef idx="1">
-            <a:schemeClr val="dk1"/>
-          </a:fillRef>
-          <a:effectRef idx="0">
-            <a:schemeClr val="dk1"/>
-          </a:effectRef>
-          <a:fontRef idx="minor">
-            <a:schemeClr val="lt1"/>
-          </a:fontRef>
-        </p:style>
-        <p:txBody>
-          <a:bodyPr wrap="square" rtlCol="0">
-            <a:spAutoFit/>
-          </a:bodyPr>
-          <a:lstStyle/>
-          <a:p>
-            <a:r>
-              <a:rPr lang="en-US" dirty="0">
-                <a:solidFill>
-                  <a:srgbClr val="FFFFFF"/>
-                </a:solidFill>
-                <a:latin typeface="Courier New" panose="02070309020205020404" pitchFamily="49" charset="0"/>
-                <a:cs typeface="Courier New" panose="02070309020205020404" pitchFamily="49" charset="0"/>
-              </a:rPr>
-              <a:t>$ </a:t>
-            </a:r>
-            <a:r>
-              <a:rPr lang="en-US" b="1" dirty="0" err="1">
-                <a:solidFill>
-                  <a:srgbClr val="FFFF00"/>
-                </a:solidFill>
-                <a:latin typeface="Courier New" panose="02070309020205020404" pitchFamily="49" charset="0"/>
-                <a:cs typeface="Courier New" panose="02070309020205020404" pitchFamily="49" charset="0"/>
-              </a:rPr>
-              <a:t>git</a:t>
-            </a:r>
-            <a:r>
-              <a:rPr lang="en-US" b="1" dirty="0">
-                <a:solidFill>
-                  <a:srgbClr val="FFFF00"/>
-                </a:solidFill>
-                <a:latin typeface="Courier New" panose="02070309020205020404" pitchFamily="49" charset="0"/>
-                <a:cs typeface="Courier New" panose="02070309020205020404" pitchFamily="49" charset="0"/>
-              </a:rPr>
-              <a:t> status</a:t>
-            </a:r>
-          </a:p>
-          <a:p>
-            <a:r>
-              <a:rPr lang="en-US" dirty="0">
-                <a:solidFill>
-                  <a:srgbClr val="FFFFFF"/>
-                </a:solidFill>
-                <a:latin typeface="Courier New" panose="02070309020205020404" pitchFamily="49" charset="0"/>
-                <a:cs typeface="Courier New" panose="02070309020205020404" pitchFamily="49" charset="0"/>
-              </a:rPr>
-              <a:t>On branch master</a:t>
-            </a:r>
-          </a:p>
-          <a:p>
-            <a:r>
-              <a:rPr lang="en-US" dirty="0">
-                <a:solidFill>
-                  <a:srgbClr val="FFFFFF"/>
-                </a:solidFill>
-                <a:latin typeface="Courier New" panose="02070309020205020404" pitchFamily="49" charset="0"/>
-                <a:cs typeface="Courier New" panose="02070309020205020404" pitchFamily="49" charset="0"/>
-              </a:rPr>
-              <a:t>Your branch is up-to-date with </a:t>
-            </a:r>
-            <a:r>
-              <a:rPr lang="en-US" dirty="0" smtClean="0">
-                <a:solidFill>
-                  <a:srgbClr val="FFFFFF"/>
-                </a:solidFill>
-                <a:latin typeface="Courier New" panose="02070309020205020404" pitchFamily="49" charset="0"/>
-                <a:cs typeface="Courier New" panose="02070309020205020404" pitchFamily="49" charset="0"/>
-              </a:rPr>
-              <a:t>'origin/master'.</a:t>
-            </a:r>
-            <a:endParaRPr lang="en-US" dirty="0">
-              <a:solidFill>
-                <a:srgbClr val="FFFFFF"/>
-              </a:solidFill>
-              <a:latin typeface="Courier New" panose="02070309020205020404" pitchFamily="49" charset="0"/>
-              <a:cs typeface="Courier New" panose="02070309020205020404" pitchFamily="49" charset="0"/>
-            </a:endParaRPr>
-          </a:p>
-          <a:p>
-            <a:r>
-              <a:rPr lang="en-US" dirty="0">
-                <a:solidFill>
-                  <a:srgbClr val="FFFFFF"/>
-                </a:solidFill>
-                <a:latin typeface="Courier New" panose="02070309020205020404" pitchFamily="49" charset="0"/>
-                <a:cs typeface="Courier New" panose="02070309020205020404" pitchFamily="49" charset="0"/>
-              </a:rPr>
-              <a:t>Untracked files:</a:t>
-            </a:r>
-          </a:p>
-          <a:p>
-            <a:r>
-              <a:rPr lang="en-US" dirty="0">
-                <a:solidFill>
-                  <a:srgbClr val="FFFFFF"/>
-                </a:solidFill>
-                <a:latin typeface="Courier New" panose="02070309020205020404" pitchFamily="49" charset="0"/>
-                <a:cs typeface="Courier New" panose="02070309020205020404" pitchFamily="49" charset="0"/>
-              </a:rPr>
-              <a:t>  (use </a:t>
-            </a:r>
-            <a:r>
-              <a:rPr lang="en-US" dirty="0" smtClean="0">
-                <a:solidFill>
-                  <a:srgbClr val="FFFFFF"/>
-                </a:solidFill>
-                <a:latin typeface="Courier New" panose="02070309020205020404" pitchFamily="49" charset="0"/>
-                <a:cs typeface="Courier New" panose="02070309020205020404" pitchFamily="49" charset="0"/>
-              </a:rPr>
-              <a:t>"</a:t>
-            </a:r>
-            <a:r>
-              <a:rPr lang="en-US" dirty="0" err="1" smtClean="0">
-                <a:solidFill>
-                  <a:srgbClr val="FFFFFF"/>
-                </a:solidFill>
-                <a:latin typeface="Courier New" panose="02070309020205020404" pitchFamily="49" charset="0"/>
-                <a:cs typeface="Courier New" panose="02070309020205020404" pitchFamily="49" charset="0"/>
-              </a:rPr>
-              <a:t>git</a:t>
-            </a:r>
-            <a:r>
-              <a:rPr lang="en-US" dirty="0" smtClean="0">
-                <a:solidFill>
-                  <a:srgbClr val="FFFFFF"/>
-                </a:solidFill>
-                <a:latin typeface="Courier New" panose="02070309020205020404" pitchFamily="49" charset="0"/>
-                <a:cs typeface="Courier New" panose="02070309020205020404" pitchFamily="49" charset="0"/>
-              </a:rPr>
-              <a:t> </a:t>
-            </a:r>
-            <a:r>
-              <a:rPr lang="en-US" dirty="0">
-                <a:solidFill>
-                  <a:srgbClr val="FFFFFF"/>
-                </a:solidFill>
-                <a:latin typeface="Courier New" panose="02070309020205020404" pitchFamily="49" charset="0"/>
-                <a:cs typeface="Courier New" panose="02070309020205020404" pitchFamily="49" charset="0"/>
-              </a:rPr>
-              <a:t>add &lt;file</a:t>
-            </a:r>
-            <a:r>
-              <a:rPr lang="en-US" dirty="0" smtClean="0">
-                <a:solidFill>
-                  <a:srgbClr val="FFFFFF"/>
-                </a:solidFill>
-                <a:latin typeface="Courier New" panose="02070309020205020404" pitchFamily="49" charset="0"/>
-                <a:cs typeface="Courier New" panose="02070309020205020404" pitchFamily="49" charset="0"/>
-              </a:rPr>
-              <a:t>&gt;..." </a:t>
-            </a:r>
-            <a:r>
-              <a:rPr lang="en-US" dirty="0">
-                <a:solidFill>
-                  <a:srgbClr val="FFFFFF"/>
-                </a:solidFill>
-                <a:latin typeface="Courier New" panose="02070309020205020404" pitchFamily="49" charset="0"/>
-                <a:cs typeface="Courier New" panose="02070309020205020404" pitchFamily="49" charset="0"/>
-              </a:rPr>
-              <a:t>to include in what will be committed)</a:t>
-            </a:r>
-          </a:p>
-          <a:p>
-            <a:endParaRPr lang="en-US" dirty="0">
-              <a:solidFill>
-                <a:srgbClr val="FFFFFF"/>
-              </a:solidFill>
-              <a:latin typeface="Courier New" panose="02070309020205020404" pitchFamily="49" charset="0"/>
-              <a:cs typeface="Courier New" panose="02070309020205020404" pitchFamily="49" charset="0"/>
-            </a:endParaRPr>
-          </a:p>
-          <a:p>
-            <a:r>
-              <a:rPr lang="en-US" dirty="0">
-                <a:solidFill>
-                  <a:srgbClr val="FFFFFF"/>
-                </a:solidFill>
-                <a:latin typeface="Courier New" panose="02070309020205020404" pitchFamily="49" charset="0"/>
-                <a:cs typeface="Courier New" panose="02070309020205020404" pitchFamily="49" charset="0"/>
-              </a:rPr>
-              <a:t>	</a:t>
-            </a:r>
-            <a:r>
-              <a:rPr lang="en-US" dirty="0" err="1">
-                <a:solidFill>
-                  <a:srgbClr val="FF0000"/>
-                </a:solidFill>
-                <a:latin typeface="Courier New" panose="02070309020205020404" pitchFamily="49" charset="0"/>
-                <a:cs typeface="Courier New" panose="02070309020205020404" pitchFamily="49" charset="0"/>
-              </a:rPr>
-              <a:t>hi.txt</a:t>
-            </a:r>
-            <a:endParaRPr lang="en-US" dirty="0">
-              <a:solidFill>
-                <a:srgbClr val="FF0000"/>
-              </a:solidFill>
-              <a:latin typeface="Courier New" panose="02070309020205020404" pitchFamily="49" charset="0"/>
-              <a:cs typeface="Courier New" panose="02070309020205020404" pitchFamily="49" charset="0"/>
-            </a:endParaRPr>
-          </a:p>
-          <a:p>
-            <a:r>
-              <a:rPr lang="en-US" dirty="0">
-                <a:solidFill>
-                  <a:srgbClr val="FF0000"/>
-                </a:solidFill>
-                <a:latin typeface="Courier New" panose="02070309020205020404" pitchFamily="49" charset="0"/>
-                <a:cs typeface="Courier New" panose="02070309020205020404" pitchFamily="49" charset="0"/>
-              </a:rPr>
-              <a:t>	</a:t>
-            </a:r>
-            <a:r>
-              <a:rPr lang="en-US" dirty="0" err="1">
-                <a:solidFill>
-                  <a:srgbClr val="FF0000"/>
-                </a:solidFill>
-                <a:latin typeface="Courier New" panose="02070309020205020404" pitchFamily="49" charset="0"/>
-                <a:cs typeface="Courier New" panose="02070309020205020404" pitchFamily="49" charset="0"/>
-              </a:rPr>
-              <a:t>mydir</a:t>
-            </a:r>
-            <a:r>
-              <a:rPr lang="en-US" dirty="0">
-                <a:solidFill>
-                  <a:srgbClr val="FF0000"/>
-                </a:solidFill>
-                <a:latin typeface="Courier New" panose="02070309020205020404" pitchFamily="49" charset="0"/>
-                <a:cs typeface="Courier New" panose="02070309020205020404" pitchFamily="49" charset="0"/>
-              </a:rPr>
-              <a:t>/</a:t>
-            </a:r>
-          </a:p>
-          <a:p>
-            <a:endParaRPr lang="en-US" dirty="0">
-              <a:solidFill>
-                <a:srgbClr val="FFFFFF"/>
-              </a:solidFill>
-              <a:latin typeface="Courier New" panose="02070309020205020404" pitchFamily="49" charset="0"/>
-              <a:cs typeface="Courier New" panose="02070309020205020404" pitchFamily="49" charset="0"/>
-            </a:endParaRPr>
-          </a:p>
-          <a:p>
-            <a:r>
-              <a:rPr lang="en-US" dirty="0">
-                <a:solidFill>
-                  <a:srgbClr val="FFFFFF"/>
-                </a:solidFill>
-                <a:latin typeface="Courier New" panose="02070309020205020404" pitchFamily="49" charset="0"/>
-                <a:cs typeface="Courier New" panose="02070309020205020404" pitchFamily="49" charset="0"/>
-              </a:rPr>
-              <a:t>nothing added to commit but untracked files present (use </a:t>
-            </a:r>
-            <a:r>
-              <a:rPr lang="en-US" dirty="0" smtClean="0">
-                <a:solidFill>
-                  <a:srgbClr val="FFFFFF"/>
-                </a:solidFill>
-                <a:latin typeface="Courier New" panose="02070309020205020404" pitchFamily="49" charset="0"/>
-                <a:cs typeface="Courier New" panose="02070309020205020404" pitchFamily="49" charset="0"/>
-              </a:rPr>
-              <a:t>"</a:t>
-            </a:r>
-            <a:r>
-              <a:rPr lang="en-US" dirty="0" err="1" smtClean="0">
-                <a:solidFill>
-                  <a:srgbClr val="FFFFFF"/>
-                </a:solidFill>
-                <a:latin typeface="Courier New" panose="02070309020205020404" pitchFamily="49" charset="0"/>
-                <a:cs typeface="Courier New" panose="02070309020205020404" pitchFamily="49" charset="0"/>
-              </a:rPr>
-              <a:t>git</a:t>
-            </a:r>
-            <a:r>
-              <a:rPr lang="en-US" dirty="0" smtClean="0">
-                <a:solidFill>
-                  <a:srgbClr val="FFFFFF"/>
-                </a:solidFill>
-                <a:latin typeface="Courier New" panose="02070309020205020404" pitchFamily="49" charset="0"/>
-                <a:cs typeface="Courier New" panose="02070309020205020404" pitchFamily="49" charset="0"/>
-              </a:rPr>
-              <a:t> add" </a:t>
-            </a:r>
-            <a:r>
-              <a:rPr lang="en-US" dirty="0">
-                <a:solidFill>
-                  <a:srgbClr val="FFFFFF"/>
-                </a:solidFill>
-                <a:latin typeface="Courier New" panose="02070309020205020404" pitchFamily="49" charset="0"/>
-                <a:cs typeface="Courier New" panose="02070309020205020404" pitchFamily="49" charset="0"/>
-              </a:rPr>
-              <a:t>to track)</a:t>
-            </a:r>
-          </a:p>
-        </p:txBody>
-      </p:sp>
-      <p:sp>
-        <p:nvSpPr>
-          <p:cNvPr id="6" name="TextBox 5"/>
-          <p:cNvSpPr txBox="1"/>
-          <p:nvPr/>
-        </p:nvSpPr>
-        <p:spPr>
-          <a:xfrm>
-            <a:off x="609600" y="1516152"/>
-            <a:ext cx="4343400" cy="400110"/>
-          </a:xfrm>
-          <a:prstGeom prst="rect">
-            <a:avLst/>
-          </a:prstGeom>
-          <a:noFill/>
-        </p:spPr>
-        <p:txBody>
-          <a:bodyPr wrap="square" rtlCol="0">
-            <a:spAutoFit/>
-          </a:bodyPr>
-          <a:lstStyle/>
-          <a:p>
-            <a:r>
-              <a:rPr lang="en-US" sz="2000" dirty="0" smtClean="0">
-                <a:latin typeface="+mn-lt"/>
-              </a:rPr>
-              <a:t>Use to see what stage files are at</a:t>
-            </a:r>
-            <a:endParaRPr lang="en-US" sz="2000" dirty="0">
-              <a:latin typeface="+mn-lt"/>
-            </a:endParaRPr>
-          </a:p>
-        </p:txBody>
-      </p:sp>
-    </p:spTree>
-    <p:extLst>
-      <p:ext uri="{BB962C8B-B14F-4D97-AF65-F5344CB8AC3E}">
-        <p14:creationId xmlns:p14="http://schemas.microsoft.com/office/powerpoint/2010/main" val="2920327806"/>
-      </p:ext>
-    </p:extLst>
-  </p:cSld>
-  <p:clrMapOvr>
-    <a:masterClrMapping/>
-  </p:clrMapOvr>
-</p:sld>
-</file>
-
-<file path=ppt/slides/slide24.xml><?xml version="1.0" encoding="utf-8"?>
-<p:sld xmlns:a="http://schemas.openxmlformats.org/drawingml/2006/main" xmlns:r="http://schemas.openxmlformats.org/officeDocument/2006/relationships" xmlns:p="http://schemas.openxmlformats.org/presentationml/2006/main">
-  <p:cSld>
-    <p:spTree>
-      <p:nvGrpSpPr>
-        <p:cNvPr id="1" name=""/>
-        <p:cNvGrpSpPr/>
-        <p:nvPr/>
-      </p:nvGrpSpPr>
-      <p:grpSpPr>
-        <a:xfrm>
-          <a:off x="0" y="0"/>
-          <a:ext cx="0" cy="0"/>
-          <a:chOff x="0" y="0"/>
-          <a:chExt cx="0" cy="0"/>
-        </a:xfrm>
-      </p:grpSpPr>
-      <p:sp>
-        <p:nvSpPr>
-          <p:cNvPr id="2" name="Title 1"/>
-          <p:cNvSpPr>
-            <a:spLocks noGrp="1"/>
-          </p:cNvSpPr>
-          <p:nvPr>
-            <p:ph type="title"/>
-          </p:nvPr>
-        </p:nvSpPr>
-        <p:spPr/>
-        <p:txBody>
-          <a:bodyPr/>
-          <a:lstStyle/>
-          <a:p>
-            <a:r>
-              <a:rPr lang="en-US" dirty="0" err="1" smtClean="0"/>
-              <a:t>Git</a:t>
-            </a:r>
-            <a:r>
-              <a:rPr lang="en-US" dirty="0" smtClean="0"/>
-              <a:t> add</a:t>
-            </a:r>
-            <a:endParaRPr lang="en-US" dirty="0"/>
-          </a:p>
-        </p:txBody>
-      </p:sp>
-      <p:sp>
-        <p:nvSpPr>
-          <p:cNvPr id="3" name="Content Placeholder 2"/>
-          <p:cNvSpPr>
-            <a:spLocks noGrp="1"/>
-          </p:cNvSpPr>
-          <p:nvPr>
-            <p:ph idx="1"/>
-          </p:nvPr>
-        </p:nvSpPr>
-        <p:spPr>
-          <a:xfrm>
-            <a:off x="457200" y="2171701"/>
-            <a:ext cx="8229600" cy="3340099"/>
-          </a:xfrm>
-        </p:spPr>
-        <p:style>
-          <a:lnRef idx="2">
-            <a:schemeClr val="dk1">
-              <a:shade val="50000"/>
-            </a:schemeClr>
-          </a:lnRef>
-          <a:fillRef idx="1">
-            <a:schemeClr val="dk1"/>
-          </a:fillRef>
-          <a:effectRef idx="0">
-            <a:schemeClr val="dk1"/>
-          </a:effectRef>
-          <a:fontRef idx="minor">
-            <a:schemeClr val="lt1"/>
-          </a:fontRef>
-        </p:style>
-        <p:txBody>
-          <a:bodyPr/>
-          <a:lstStyle/>
-          <a:p>
-            <a:pPr marL="0" indent="0">
-              <a:buNone/>
-            </a:pPr>
-            <a:r>
-              <a:rPr lang="en-US" sz="1800" dirty="0" smtClean="0">
-                <a:latin typeface="Courier New" panose="02070309020205020404" pitchFamily="49" charset="0"/>
-                <a:cs typeface="Courier New" panose="02070309020205020404" pitchFamily="49" charset="0"/>
-              </a:rPr>
-              <a:t>$ </a:t>
-            </a:r>
-            <a:r>
-              <a:rPr lang="en-US" sz="1800" b="1" dirty="0" err="1">
-                <a:solidFill>
-                  <a:srgbClr val="FFFF00"/>
-                </a:solidFill>
-                <a:latin typeface="Courier New" panose="02070309020205020404" pitchFamily="49" charset="0"/>
-                <a:cs typeface="Courier New" panose="02070309020205020404" pitchFamily="49" charset="0"/>
-              </a:rPr>
-              <a:t>git</a:t>
-            </a:r>
-            <a:r>
-              <a:rPr lang="en-US" sz="1800" b="1" dirty="0">
-                <a:solidFill>
-                  <a:srgbClr val="FFFF00"/>
-                </a:solidFill>
-                <a:latin typeface="Courier New" panose="02070309020205020404" pitchFamily="49" charset="0"/>
-                <a:cs typeface="Courier New" panose="02070309020205020404" pitchFamily="49" charset="0"/>
-              </a:rPr>
-              <a:t> add .</a:t>
-            </a:r>
-          </a:p>
-          <a:p>
-            <a:pPr marL="0" indent="0">
-              <a:buNone/>
-            </a:pPr>
-            <a:r>
-              <a:rPr lang="en-US" sz="1800" dirty="0" smtClean="0">
-                <a:latin typeface="Courier New" panose="02070309020205020404" pitchFamily="49" charset="0"/>
-                <a:cs typeface="Courier New" panose="02070309020205020404" pitchFamily="49" charset="0"/>
-              </a:rPr>
-              <a:t>$ </a:t>
-            </a:r>
-            <a:r>
-              <a:rPr lang="en-US" sz="1800" b="1" dirty="0" err="1">
-                <a:solidFill>
-                  <a:srgbClr val="FFFF00"/>
-                </a:solidFill>
-                <a:latin typeface="Courier New" panose="02070309020205020404" pitchFamily="49" charset="0"/>
-                <a:cs typeface="Courier New" panose="02070309020205020404" pitchFamily="49" charset="0"/>
-              </a:rPr>
-              <a:t>git</a:t>
-            </a:r>
-            <a:r>
-              <a:rPr lang="en-US" sz="1800" b="1" dirty="0">
-                <a:solidFill>
-                  <a:srgbClr val="FFFF00"/>
-                </a:solidFill>
-                <a:latin typeface="Courier New" panose="02070309020205020404" pitchFamily="49" charset="0"/>
-                <a:cs typeface="Courier New" panose="02070309020205020404" pitchFamily="49" charset="0"/>
-              </a:rPr>
-              <a:t> status</a:t>
-            </a:r>
-          </a:p>
-          <a:p>
-            <a:pPr marL="0" indent="0">
-              <a:buNone/>
-            </a:pPr>
-            <a:r>
-              <a:rPr lang="en-US" sz="1800" dirty="0">
-                <a:latin typeface="Courier New" panose="02070309020205020404" pitchFamily="49" charset="0"/>
-                <a:cs typeface="Courier New" panose="02070309020205020404" pitchFamily="49" charset="0"/>
-              </a:rPr>
-              <a:t>On branch master</a:t>
-            </a:r>
-          </a:p>
-          <a:p>
-            <a:pPr marL="0" indent="0">
-              <a:buNone/>
-            </a:pPr>
-            <a:r>
-              <a:rPr lang="en-US" sz="1800" dirty="0">
-                <a:latin typeface="Courier New" panose="02070309020205020404" pitchFamily="49" charset="0"/>
-                <a:cs typeface="Courier New" panose="02070309020205020404" pitchFamily="49" charset="0"/>
-              </a:rPr>
-              <a:t>Your branch is up-to-date with </a:t>
-            </a:r>
-            <a:r>
-              <a:rPr lang="en-US" sz="1800" dirty="0" smtClean="0">
-                <a:latin typeface="Courier New" panose="02070309020205020404" pitchFamily="49" charset="0"/>
-                <a:cs typeface="Courier New" panose="02070309020205020404" pitchFamily="49" charset="0"/>
-              </a:rPr>
-              <a:t>'origin/master'.</a:t>
-            </a:r>
-            <a:endParaRPr lang="en-US" sz="1800" dirty="0">
-              <a:latin typeface="Courier New" panose="02070309020205020404" pitchFamily="49" charset="0"/>
-              <a:cs typeface="Courier New" panose="02070309020205020404" pitchFamily="49" charset="0"/>
-            </a:endParaRPr>
-          </a:p>
-          <a:p>
-            <a:pPr marL="0" indent="0">
-              <a:buNone/>
-            </a:pPr>
-            <a:r>
-              <a:rPr lang="en-US" sz="1800" dirty="0">
-                <a:latin typeface="Courier New" panose="02070309020205020404" pitchFamily="49" charset="0"/>
-                <a:cs typeface="Courier New" panose="02070309020205020404" pitchFamily="49" charset="0"/>
-              </a:rPr>
-              <a:t>Changes to be committed:</a:t>
-            </a:r>
-          </a:p>
-          <a:p>
-            <a:pPr marL="0" indent="0">
-              <a:buNone/>
-            </a:pPr>
-            <a:r>
-              <a:rPr lang="en-US" sz="1800" dirty="0">
-                <a:latin typeface="Courier New" panose="02070309020205020404" pitchFamily="49" charset="0"/>
-                <a:cs typeface="Courier New" panose="02070309020205020404" pitchFamily="49" charset="0"/>
-              </a:rPr>
-              <a:t>  (use </a:t>
-            </a:r>
-            <a:r>
-              <a:rPr lang="en-US" sz="1800" dirty="0" smtClean="0">
-                <a:latin typeface="Courier New" panose="02070309020205020404" pitchFamily="49" charset="0"/>
-                <a:cs typeface="Courier New" panose="02070309020205020404" pitchFamily="49" charset="0"/>
-              </a:rPr>
-              <a:t>"</a:t>
-            </a:r>
-            <a:r>
-              <a:rPr lang="en-US" sz="1800" dirty="0" err="1" smtClean="0">
-                <a:latin typeface="Courier New" panose="02070309020205020404" pitchFamily="49" charset="0"/>
-                <a:cs typeface="Courier New" panose="02070309020205020404" pitchFamily="49" charset="0"/>
-              </a:rPr>
-              <a:t>git</a:t>
-            </a:r>
-            <a:r>
-              <a:rPr lang="en-US" sz="1800" dirty="0" smtClean="0">
-                <a:latin typeface="Courier New" panose="02070309020205020404" pitchFamily="49" charset="0"/>
-                <a:cs typeface="Courier New" panose="02070309020205020404" pitchFamily="49" charset="0"/>
-              </a:rPr>
-              <a:t> </a:t>
-            </a:r>
-            <a:r>
-              <a:rPr lang="en-US" sz="1800" dirty="0">
-                <a:latin typeface="Courier New" panose="02070309020205020404" pitchFamily="49" charset="0"/>
-                <a:cs typeface="Courier New" panose="02070309020205020404" pitchFamily="49" charset="0"/>
-              </a:rPr>
-              <a:t>reset HEAD &lt;file</a:t>
-            </a:r>
-            <a:r>
-              <a:rPr lang="en-US" sz="1800" dirty="0" smtClean="0">
-                <a:latin typeface="Courier New" panose="02070309020205020404" pitchFamily="49" charset="0"/>
-                <a:cs typeface="Courier New" panose="02070309020205020404" pitchFamily="49" charset="0"/>
-              </a:rPr>
-              <a:t>&gt;..." </a:t>
-            </a:r>
-            <a:r>
-              <a:rPr lang="en-US" sz="1800" dirty="0">
-                <a:latin typeface="Courier New" panose="02070309020205020404" pitchFamily="49" charset="0"/>
-                <a:cs typeface="Courier New" panose="02070309020205020404" pitchFamily="49" charset="0"/>
-              </a:rPr>
-              <a:t>to </a:t>
-            </a:r>
-            <a:r>
-              <a:rPr lang="en-US" sz="1800" dirty="0" err="1">
-                <a:latin typeface="Courier New" panose="02070309020205020404" pitchFamily="49" charset="0"/>
-                <a:cs typeface="Courier New" panose="02070309020205020404" pitchFamily="49" charset="0"/>
-              </a:rPr>
-              <a:t>unstage</a:t>
-            </a:r>
-            <a:r>
-              <a:rPr lang="en-US" sz="1800" dirty="0">
-                <a:latin typeface="Courier New" panose="02070309020205020404" pitchFamily="49" charset="0"/>
-                <a:cs typeface="Courier New" panose="02070309020205020404" pitchFamily="49" charset="0"/>
-              </a:rPr>
-              <a:t>)</a:t>
-            </a:r>
-          </a:p>
-          <a:p>
-            <a:pPr marL="0" indent="0">
-              <a:buNone/>
-            </a:pPr>
-            <a:endParaRPr lang="en-US" sz="1800" dirty="0">
-              <a:latin typeface="Courier New" panose="02070309020205020404" pitchFamily="49" charset="0"/>
-              <a:cs typeface="Courier New" panose="02070309020205020404" pitchFamily="49" charset="0"/>
-            </a:endParaRPr>
-          </a:p>
-          <a:p>
-            <a:pPr marL="0" indent="0">
-              <a:buNone/>
-            </a:pPr>
-            <a:r>
-              <a:rPr lang="en-US" sz="1800" dirty="0">
-                <a:latin typeface="Courier New" panose="02070309020205020404" pitchFamily="49" charset="0"/>
-                <a:cs typeface="Courier New" panose="02070309020205020404" pitchFamily="49" charset="0"/>
-              </a:rPr>
-              <a:t>	</a:t>
-            </a:r>
-            <a:r>
-              <a:rPr lang="en-US" sz="1800" dirty="0">
-                <a:solidFill>
-                  <a:srgbClr val="66FA66"/>
-                </a:solidFill>
-                <a:latin typeface="Courier New" panose="02070309020205020404" pitchFamily="49" charset="0"/>
-                <a:cs typeface="Courier New" panose="02070309020205020404" pitchFamily="49" charset="0"/>
-              </a:rPr>
-              <a:t>new file:   </a:t>
-            </a:r>
-            <a:r>
-              <a:rPr lang="en-US" sz="1800" dirty="0" err="1">
-                <a:solidFill>
-                  <a:srgbClr val="66FA66"/>
-                </a:solidFill>
-                <a:latin typeface="Courier New" panose="02070309020205020404" pitchFamily="49" charset="0"/>
-                <a:cs typeface="Courier New" panose="02070309020205020404" pitchFamily="49" charset="0"/>
-              </a:rPr>
-              <a:t>hi.txt</a:t>
-            </a:r>
-            <a:endParaRPr lang="en-US" sz="1800" dirty="0">
-              <a:solidFill>
-                <a:srgbClr val="66FA66"/>
-              </a:solidFill>
-              <a:latin typeface="Courier New" panose="02070309020205020404" pitchFamily="49" charset="0"/>
-              <a:cs typeface="Courier New" panose="02070309020205020404" pitchFamily="49" charset="0"/>
-            </a:endParaRPr>
-          </a:p>
-          <a:p>
-            <a:pPr marL="0" indent="0">
-              <a:buNone/>
-            </a:pPr>
-            <a:r>
-              <a:rPr lang="en-US" sz="1800" dirty="0">
-                <a:solidFill>
-                  <a:srgbClr val="66FA66"/>
-                </a:solidFill>
-                <a:latin typeface="Courier New" panose="02070309020205020404" pitchFamily="49" charset="0"/>
-                <a:cs typeface="Courier New" panose="02070309020205020404" pitchFamily="49" charset="0"/>
-              </a:rPr>
-              <a:t>	new file:   </a:t>
-            </a:r>
-            <a:r>
-              <a:rPr lang="en-US" sz="1800" dirty="0" err="1">
-                <a:solidFill>
-                  <a:srgbClr val="66FA66"/>
-                </a:solidFill>
-                <a:latin typeface="Courier New" panose="02070309020205020404" pitchFamily="49" charset="0"/>
-                <a:cs typeface="Courier New" panose="02070309020205020404" pitchFamily="49" charset="0"/>
-              </a:rPr>
-              <a:t>mydir</a:t>
-            </a:r>
-            <a:r>
-              <a:rPr lang="en-US" sz="1800" dirty="0">
-                <a:solidFill>
-                  <a:srgbClr val="66FA66"/>
-                </a:solidFill>
-                <a:latin typeface="Courier New" panose="02070309020205020404" pitchFamily="49" charset="0"/>
-                <a:cs typeface="Courier New" panose="02070309020205020404" pitchFamily="49" charset="0"/>
-              </a:rPr>
-              <a:t>/t1.txt</a:t>
-            </a:r>
-          </a:p>
-          <a:p>
-            <a:endParaRPr lang="en-US" sz="1800" dirty="0">
-              <a:latin typeface="Courier New" panose="02070309020205020404" pitchFamily="49" charset="0"/>
-              <a:cs typeface="Courier New" panose="02070309020205020404" pitchFamily="49" charset="0"/>
-            </a:endParaRPr>
-          </a:p>
-          <a:p>
-            <a:pPr marL="0" indent="0">
-              <a:buNone/>
-            </a:pPr>
-            <a:endParaRPr lang="en-US" sz="1800" dirty="0">
-              <a:latin typeface="Courier New" panose="02070309020205020404" pitchFamily="49" charset="0"/>
-              <a:cs typeface="Courier New" panose="02070309020205020404" pitchFamily="49" charset="0"/>
-            </a:endParaRPr>
-          </a:p>
-        </p:txBody>
-      </p:sp>
-      <p:sp>
-        <p:nvSpPr>
-          <p:cNvPr id="4" name="TextBox 3"/>
-          <p:cNvSpPr txBox="1"/>
-          <p:nvPr/>
-        </p:nvSpPr>
-        <p:spPr>
-          <a:xfrm>
-            <a:off x="457200" y="1331074"/>
-            <a:ext cx="6045200" cy="707886"/>
-          </a:xfrm>
-          <a:prstGeom prst="rect">
-            <a:avLst/>
-          </a:prstGeom>
-          <a:noFill/>
-        </p:spPr>
-        <p:txBody>
-          <a:bodyPr wrap="square" rtlCol="0">
-            <a:spAutoFit/>
-          </a:bodyPr>
-          <a:lstStyle/>
-          <a:p>
-            <a:r>
-              <a:rPr lang="en-US" sz="2000" dirty="0" smtClean="0">
-                <a:latin typeface="+mn-lt"/>
-              </a:rPr>
-              <a:t>Adding files tells </a:t>
-            </a:r>
-            <a:r>
-              <a:rPr lang="en-US" sz="2000" dirty="0" err="1" smtClean="0">
-                <a:latin typeface="+mn-lt"/>
-              </a:rPr>
-              <a:t>git</a:t>
-            </a:r>
-            <a:r>
-              <a:rPr lang="en-US" sz="2000" dirty="0" smtClean="0">
-                <a:latin typeface="+mn-lt"/>
-              </a:rPr>
-              <a:t> to start looking after them or add a new version if it already knows about it.</a:t>
-            </a:r>
-            <a:endParaRPr lang="en-US" sz="2000" dirty="0">
-              <a:latin typeface="+mn-lt"/>
-            </a:endParaRPr>
-          </a:p>
-        </p:txBody>
-      </p:sp>
-    </p:spTree>
-    <p:extLst>
-      <p:ext uri="{BB962C8B-B14F-4D97-AF65-F5344CB8AC3E}">
-        <p14:creationId xmlns:p14="http://schemas.microsoft.com/office/powerpoint/2010/main" val="2983270938"/>
-      </p:ext>
-    </p:extLst>
-  </p:cSld>
-  <p:clrMapOvr>
-    <a:masterClrMapping/>
-  </p:clrMapOvr>
-</p:sld>
-</file>
-
-<file path=ppt/slides/slide25.xml><?xml version="1.0" encoding="utf-8"?>
-<p:sld xmlns:a="http://schemas.openxmlformats.org/drawingml/2006/main" xmlns:r="http://schemas.openxmlformats.org/officeDocument/2006/relationships" xmlns:p="http://schemas.openxmlformats.org/presentationml/2006/main">
-  <p:cSld>
-    <p:spTree>
-      <p:nvGrpSpPr>
-        <p:cNvPr id="1" name=""/>
-        <p:cNvGrpSpPr/>
-        <p:nvPr/>
-      </p:nvGrpSpPr>
-      <p:grpSpPr>
-        <a:xfrm>
-          <a:off x="0" y="0"/>
-          <a:ext cx="0" cy="0"/>
-          <a:chOff x="0" y="0"/>
-          <a:chExt cx="0" cy="0"/>
-        </a:xfrm>
-      </p:grpSpPr>
-      <p:sp>
-        <p:nvSpPr>
-          <p:cNvPr id="2" name="Title 1"/>
-          <p:cNvSpPr>
-            <a:spLocks noGrp="1"/>
-          </p:cNvSpPr>
-          <p:nvPr>
-            <p:ph type="title"/>
-          </p:nvPr>
-        </p:nvSpPr>
-        <p:spPr/>
-        <p:txBody>
-          <a:bodyPr/>
-          <a:lstStyle/>
-          <a:p>
-            <a:r>
-              <a:rPr lang="en-US" dirty="0"/>
-              <a:t>A</a:t>
-            </a:r>
-            <a:r>
-              <a:rPr lang="en-US" dirty="0" smtClean="0"/>
-              <a:t>dd another file</a:t>
-            </a:r>
-            <a:endParaRPr lang="en-US" dirty="0"/>
-          </a:p>
-        </p:txBody>
-      </p:sp>
-      <p:sp>
-        <p:nvSpPr>
-          <p:cNvPr id="3" name="Content Placeholder 2"/>
-          <p:cNvSpPr>
-            <a:spLocks noGrp="1"/>
-          </p:cNvSpPr>
-          <p:nvPr>
-            <p:ph idx="1"/>
-          </p:nvPr>
-        </p:nvSpPr>
-        <p:spPr>
-          <a:xfrm>
-            <a:off x="457200" y="1955801"/>
-            <a:ext cx="8229600" cy="4064000"/>
-          </a:xfrm>
-        </p:spPr>
-        <p:style>
-          <a:lnRef idx="2">
-            <a:schemeClr val="dk1">
-              <a:shade val="50000"/>
-            </a:schemeClr>
-          </a:lnRef>
-          <a:fillRef idx="1">
-            <a:schemeClr val="dk1"/>
-          </a:fillRef>
-          <a:effectRef idx="0">
-            <a:schemeClr val="dk1"/>
-          </a:effectRef>
-          <a:fontRef idx="minor">
-            <a:schemeClr val="lt1"/>
-          </a:fontRef>
-        </p:style>
-        <p:txBody>
-          <a:bodyPr>
-            <a:normAutofit lnSpcReduction="10000"/>
-          </a:bodyPr>
-          <a:lstStyle/>
-          <a:p>
-            <a:pPr marL="0" indent="0">
-              <a:buNone/>
-            </a:pPr>
-            <a:r>
-              <a:rPr lang="en-US" sz="1800" dirty="0" smtClean="0">
-                <a:latin typeface="Courier New" panose="02070309020205020404" pitchFamily="49" charset="0"/>
-                <a:cs typeface="Courier New" panose="02070309020205020404" pitchFamily="49" charset="0"/>
-              </a:rPr>
-              <a:t>$ </a:t>
-            </a:r>
-            <a:r>
-              <a:rPr lang="en-US" sz="1800" b="1" dirty="0">
-                <a:solidFill>
-                  <a:srgbClr val="FFFF00"/>
-                </a:solidFill>
-                <a:latin typeface="Courier New" panose="02070309020205020404" pitchFamily="49" charset="0"/>
-                <a:cs typeface="Courier New" panose="02070309020205020404" pitchFamily="49" charset="0"/>
-              </a:rPr>
-              <a:t>echo </a:t>
-            </a:r>
-            <a:r>
-              <a:rPr lang="en-US" sz="1800" b="1" dirty="0" smtClean="0">
-                <a:solidFill>
-                  <a:srgbClr val="FFFF00"/>
-                </a:solidFill>
-                <a:latin typeface="Courier New" panose="02070309020205020404" pitchFamily="49" charset="0"/>
-                <a:cs typeface="Courier New" panose="02070309020205020404" pitchFamily="49" charset="0"/>
-              </a:rPr>
-              <a:t>"testing..." </a:t>
-            </a:r>
-            <a:r>
-              <a:rPr lang="en-US" sz="1800" b="1" dirty="0">
-                <a:solidFill>
-                  <a:srgbClr val="FFFF00"/>
-                </a:solidFill>
-                <a:latin typeface="Courier New" panose="02070309020205020404" pitchFamily="49" charset="0"/>
-                <a:cs typeface="Courier New" panose="02070309020205020404" pitchFamily="49" charset="0"/>
-              </a:rPr>
-              <a:t>&gt; </a:t>
-            </a:r>
-            <a:r>
-              <a:rPr lang="en-US" sz="1800" b="1" dirty="0" err="1">
-                <a:solidFill>
-                  <a:srgbClr val="FFFF00"/>
-                </a:solidFill>
-                <a:latin typeface="Courier New" panose="02070309020205020404" pitchFamily="49" charset="0"/>
-                <a:cs typeface="Courier New" panose="02070309020205020404" pitchFamily="49" charset="0"/>
-              </a:rPr>
-              <a:t>mydir</a:t>
-            </a:r>
-            <a:r>
-              <a:rPr lang="en-US" sz="1800" b="1" dirty="0">
-                <a:solidFill>
-                  <a:srgbClr val="FFFF00"/>
-                </a:solidFill>
-                <a:latin typeface="Courier New" panose="02070309020205020404" pitchFamily="49" charset="0"/>
-                <a:cs typeface="Courier New" panose="02070309020205020404" pitchFamily="49" charset="0"/>
-              </a:rPr>
-              <a:t>/t2.txt</a:t>
-            </a:r>
-          </a:p>
-          <a:p>
-            <a:pPr marL="0" indent="0">
-              <a:buNone/>
-            </a:pPr>
-            <a:r>
-              <a:rPr lang="en-US" sz="1800" dirty="0" smtClean="0">
-                <a:latin typeface="Courier New" panose="02070309020205020404" pitchFamily="49" charset="0"/>
-                <a:cs typeface="Courier New" panose="02070309020205020404" pitchFamily="49" charset="0"/>
-              </a:rPr>
-              <a:t>$ </a:t>
-            </a:r>
-            <a:r>
-              <a:rPr lang="en-US" sz="1800" b="1" dirty="0" err="1">
-                <a:solidFill>
-                  <a:srgbClr val="FFFF00"/>
-                </a:solidFill>
-                <a:latin typeface="Courier New" panose="02070309020205020404" pitchFamily="49" charset="0"/>
-                <a:cs typeface="Courier New" panose="02070309020205020404" pitchFamily="49" charset="0"/>
-              </a:rPr>
-              <a:t>git</a:t>
-            </a:r>
-            <a:r>
-              <a:rPr lang="en-US" sz="1800" b="1" dirty="0">
-                <a:solidFill>
-                  <a:srgbClr val="FFFF00"/>
-                </a:solidFill>
-                <a:latin typeface="Courier New" panose="02070309020205020404" pitchFamily="49" charset="0"/>
-                <a:cs typeface="Courier New" panose="02070309020205020404" pitchFamily="49" charset="0"/>
-              </a:rPr>
-              <a:t> add </a:t>
-            </a:r>
-            <a:r>
-              <a:rPr lang="en-US" sz="1800" b="1" dirty="0" err="1">
-                <a:solidFill>
-                  <a:srgbClr val="FFFF00"/>
-                </a:solidFill>
-                <a:latin typeface="Courier New" panose="02070309020205020404" pitchFamily="49" charset="0"/>
-                <a:cs typeface="Courier New" panose="02070309020205020404" pitchFamily="49" charset="0"/>
-              </a:rPr>
-              <a:t>mydir</a:t>
-            </a:r>
-            <a:r>
-              <a:rPr lang="en-US" sz="1800" b="1" dirty="0">
-                <a:solidFill>
-                  <a:srgbClr val="FFFF00"/>
-                </a:solidFill>
-                <a:latin typeface="Courier New" panose="02070309020205020404" pitchFamily="49" charset="0"/>
-                <a:cs typeface="Courier New" panose="02070309020205020404" pitchFamily="49" charset="0"/>
-              </a:rPr>
-              <a:t>/t2.txt </a:t>
-            </a:r>
-          </a:p>
-          <a:p>
-            <a:pPr marL="0" indent="0">
-              <a:buNone/>
-            </a:pPr>
-            <a:r>
-              <a:rPr lang="en-US" sz="1800" dirty="0" smtClean="0">
-                <a:latin typeface="Courier New" panose="02070309020205020404" pitchFamily="49" charset="0"/>
-                <a:cs typeface="Courier New" panose="02070309020205020404" pitchFamily="49" charset="0"/>
-              </a:rPr>
-              <a:t>$ </a:t>
-            </a:r>
-            <a:r>
-              <a:rPr lang="en-US" sz="1800" b="1" dirty="0" err="1">
-                <a:solidFill>
-                  <a:srgbClr val="FFFF00"/>
-                </a:solidFill>
-                <a:latin typeface="Courier New" panose="02070309020205020404" pitchFamily="49" charset="0"/>
-                <a:cs typeface="Courier New" panose="02070309020205020404" pitchFamily="49" charset="0"/>
-              </a:rPr>
-              <a:t>git</a:t>
-            </a:r>
-            <a:r>
-              <a:rPr lang="en-US" sz="1800" b="1" dirty="0">
-                <a:solidFill>
-                  <a:srgbClr val="FFFF00"/>
-                </a:solidFill>
-                <a:latin typeface="Courier New" panose="02070309020205020404" pitchFamily="49" charset="0"/>
-                <a:cs typeface="Courier New" panose="02070309020205020404" pitchFamily="49" charset="0"/>
-              </a:rPr>
-              <a:t> status</a:t>
-            </a:r>
-          </a:p>
-          <a:p>
-            <a:pPr marL="0" indent="0">
-              <a:buNone/>
-            </a:pPr>
-            <a:r>
-              <a:rPr lang="en-US" sz="1800" dirty="0">
-                <a:latin typeface="Courier New" panose="02070309020205020404" pitchFamily="49" charset="0"/>
-                <a:cs typeface="Courier New" panose="02070309020205020404" pitchFamily="49" charset="0"/>
-              </a:rPr>
-              <a:t>On branch master</a:t>
-            </a:r>
-          </a:p>
-          <a:p>
-            <a:pPr marL="0" indent="0">
-              <a:buNone/>
-            </a:pPr>
-            <a:r>
-              <a:rPr lang="en-US" sz="1800" dirty="0">
-                <a:latin typeface="Courier New" panose="02070309020205020404" pitchFamily="49" charset="0"/>
-                <a:cs typeface="Courier New" panose="02070309020205020404" pitchFamily="49" charset="0"/>
-              </a:rPr>
-              <a:t>Your branch is up-to-date with </a:t>
-            </a:r>
-            <a:r>
-              <a:rPr lang="en-US" sz="1800" dirty="0" smtClean="0">
-                <a:latin typeface="Courier New" panose="02070309020205020404" pitchFamily="49" charset="0"/>
-                <a:cs typeface="Courier New" panose="02070309020205020404" pitchFamily="49" charset="0"/>
-              </a:rPr>
-              <a:t>'origin/master'.</a:t>
-            </a:r>
-            <a:endParaRPr lang="en-US" sz="1800" dirty="0">
-              <a:latin typeface="Courier New" panose="02070309020205020404" pitchFamily="49" charset="0"/>
-              <a:cs typeface="Courier New" panose="02070309020205020404" pitchFamily="49" charset="0"/>
-            </a:endParaRPr>
-          </a:p>
-          <a:p>
-            <a:pPr marL="0" indent="0">
-              <a:buNone/>
-            </a:pPr>
-            <a:r>
-              <a:rPr lang="en-US" sz="1800" dirty="0">
-                <a:latin typeface="Courier New" panose="02070309020205020404" pitchFamily="49" charset="0"/>
-                <a:cs typeface="Courier New" panose="02070309020205020404" pitchFamily="49" charset="0"/>
-              </a:rPr>
-              <a:t>Changes to be committed:</a:t>
-            </a:r>
-          </a:p>
-          <a:p>
-            <a:pPr marL="0" indent="0">
-              <a:buNone/>
-            </a:pPr>
-            <a:r>
-              <a:rPr lang="en-US" sz="1800" dirty="0">
-                <a:latin typeface="Courier New" panose="02070309020205020404" pitchFamily="49" charset="0"/>
-                <a:cs typeface="Courier New" panose="02070309020205020404" pitchFamily="49" charset="0"/>
-              </a:rPr>
-              <a:t>  (use </a:t>
-            </a:r>
-            <a:r>
-              <a:rPr lang="en-US" sz="1800" dirty="0" smtClean="0">
-                <a:latin typeface="Courier New" panose="02070309020205020404" pitchFamily="49" charset="0"/>
-                <a:cs typeface="Courier New" panose="02070309020205020404" pitchFamily="49" charset="0"/>
-              </a:rPr>
-              <a:t>"</a:t>
-            </a:r>
-            <a:r>
-              <a:rPr lang="en-US" sz="1800" dirty="0" err="1" smtClean="0">
-                <a:latin typeface="Courier New" panose="02070309020205020404" pitchFamily="49" charset="0"/>
-                <a:cs typeface="Courier New" panose="02070309020205020404" pitchFamily="49" charset="0"/>
-              </a:rPr>
-              <a:t>git</a:t>
-            </a:r>
-            <a:r>
-              <a:rPr lang="en-US" sz="1800" dirty="0" smtClean="0">
-                <a:latin typeface="Courier New" panose="02070309020205020404" pitchFamily="49" charset="0"/>
-                <a:cs typeface="Courier New" panose="02070309020205020404" pitchFamily="49" charset="0"/>
-              </a:rPr>
-              <a:t> </a:t>
-            </a:r>
-            <a:r>
-              <a:rPr lang="en-US" sz="1800" dirty="0">
-                <a:latin typeface="Courier New" panose="02070309020205020404" pitchFamily="49" charset="0"/>
-                <a:cs typeface="Courier New" panose="02070309020205020404" pitchFamily="49" charset="0"/>
-              </a:rPr>
-              <a:t>reset HEAD &lt;file</a:t>
-            </a:r>
-            <a:r>
-              <a:rPr lang="en-US" sz="1800" dirty="0" smtClean="0">
-                <a:latin typeface="Courier New" panose="02070309020205020404" pitchFamily="49" charset="0"/>
-                <a:cs typeface="Courier New" panose="02070309020205020404" pitchFamily="49" charset="0"/>
-              </a:rPr>
-              <a:t>&gt;..." </a:t>
-            </a:r>
-            <a:r>
-              <a:rPr lang="en-US" sz="1800" dirty="0">
-                <a:latin typeface="Courier New" panose="02070309020205020404" pitchFamily="49" charset="0"/>
-                <a:cs typeface="Courier New" panose="02070309020205020404" pitchFamily="49" charset="0"/>
-              </a:rPr>
-              <a:t>to </a:t>
-            </a:r>
-            <a:r>
-              <a:rPr lang="en-US" sz="1800" dirty="0" err="1">
-                <a:latin typeface="Courier New" panose="02070309020205020404" pitchFamily="49" charset="0"/>
-                <a:cs typeface="Courier New" panose="02070309020205020404" pitchFamily="49" charset="0"/>
-              </a:rPr>
-              <a:t>unstage</a:t>
-            </a:r>
-            <a:r>
-              <a:rPr lang="en-US" sz="1800" dirty="0">
-                <a:latin typeface="Courier New" panose="02070309020205020404" pitchFamily="49" charset="0"/>
-                <a:cs typeface="Courier New" panose="02070309020205020404" pitchFamily="49" charset="0"/>
-              </a:rPr>
-              <a:t>)</a:t>
-            </a:r>
-          </a:p>
-          <a:p>
-            <a:pPr marL="0" indent="0">
-              <a:buNone/>
-            </a:pPr>
-            <a:endParaRPr lang="en-US" sz="1800" dirty="0">
-              <a:latin typeface="Courier New" panose="02070309020205020404" pitchFamily="49" charset="0"/>
-              <a:cs typeface="Courier New" panose="02070309020205020404" pitchFamily="49" charset="0"/>
-            </a:endParaRPr>
-          </a:p>
-          <a:p>
-            <a:pPr marL="0" indent="0">
-              <a:buNone/>
-            </a:pPr>
-            <a:r>
-              <a:rPr lang="en-US" sz="1800" dirty="0">
-                <a:latin typeface="Courier New" panose="02070309020205020404" pitchFamily="49" charset="0"/>
-                <a:cs typeface="Courier New" panose="02070309020205020404" pitchFamily="49" charset="0"/>
-              </a:rPr>
-              <a:t>	</a:t>
-            </a:r>
-            <a:r>
-              <a:rPr lang="en-US" sz="1800" dirty="0">
-                <a:solidFill>
-                  <a:srgbClr val="66FA66"/>
-                </a:solidFill>
-                <a:latin typeface="Courier New" panose="02070309020205020404" pitchFamily="49" charset="0"/>
-                <a:cs typeface="Courier New" panose="02070309020205020404" pitchFamily="49" charset="0"/>
-              </a:rPr>
-              <a:t>new file:   </a:t>
-            </a:r>
-            <a:r>
-              <a:rPr lang="en-US" sz="1800" dirty="0" err="1">
-                <a:solidFill>
-                  <a:srgbClr val="66FA66"/>
-                </a:solidFill>
-                <a:latin typeface="Courier New" panose="02070309020205020404" pitchFamily="49" charset="0"/>
-                <a:cs typeface="Courier New" panose="02070309020205020404" pitchFamily="49" charset="0"/>
-              </a:rPr>
-              <a:t>hi.txt</a:t>
-            </a:r>
-            <a:endParaRPr lang="en-US" sz="1800" dirty="0">
-              <a:solidFill>
-                <a:srgbClr val="66FA66"/>
-              </a:solidFill>
-              <a:latin typeface="Courier New" panose="02070309020205020404" pitchFamily="49" charset="0"/>
-              <a:cs typeface="Courier New" panose="02070309020205020404" pitchFamily="49" charset="0"/>
-            </a:endParaRPr>
-          </a:p>
-          <a:p>
-            <a:pPr marL="0" indent="0">
-              <a:buNone/>
-            </a:pPr>
-            <a:r>
-              <a:rPr lang="en-US" sz="1800" dirty="0">
-                <a:solidFill>
-                  <a:srgbClr val="66FA66"/>
-                </a:solidFill>
-                <a:latin typeface="Courier New" panose="02070309020205020404" pitchFamily="49" charset="0"/>
-                <a:cs typeface="Courier New" panose="02070309020205020404" pitchFamily="49" charset="0"/>
-              </a:rPr>
-              <a:t>	new file:   </a:t>
-            </a:r>
-            <a:r>
-              <a:rPr lang="en-US" sz="1800" dirty="0" err="1">
-                <a:solidFill>
-                  <a:srgbClr val="66FA66"/>
-                </a:solidFill>
-                <a:latin typeface="Courier New" panose="02070309020205020404" pitchFamily="49" charset="0"/>
-                <a:cs typeface="Courier New" panose="02070309020205020404" pitchFamily="49" charset="0"/>
-              </a:rPr>
-              <a:t>mydir</a:t>
-            </a:r>
-            <a:r>
-              <a:rPr lang="en-US" sz="1800" dirty="0">
-                <a:solidFill>
-                  <a:srgbClr val="66FA66"/>
-                </a:solidFill>
-                <a:latin typeface="Courier New" panose="02070309020205020404" pitchFamily="49" charset="0"/>
-                <a:cs typeface="Courier New" panose="02070309020205020404" pitchFamily="49" charset="0"/>
-              </a:rPr>
-              <a:t>/t1.txt</a:t>
-            </a:r>
-          </a:p>
-          <a:p>
-            <a:pPr marL="0" indent="0">
-              <a:buNone/>
-            </a:pPr>
-            <a:r>
-              <a:rPr lang="en-US" sz="1800" dirty="0">
-                <a:solidFill>
-                  <a:srgbClr val="66FA66"/>
-                </a:solidFill>
-                <a:latin typeface="Courier New" panose="02070309020205020404" pitchFamily="49" charset="0"/>
-                <a:cs typeface="Courier New" panose="02070309020205020404" pitchFamily="49" charset="0"/>
-              </a:rPr>
-              <a:t>	new file:   </a:t>
-            </a:r>
-            <a:r>
-              <a:rPr lang="en-US" sz="1800" dirty="0" err="1">
-                <a:solidFill>
-                  <a:srgbClr val="66FA66"/>
-                </a:solidFill>
-                <a:latin typeface="Courier New" panose="02070309020205020404" pitchFamily="49" charset="0"/>
-                <a:cs typeface="Courier New" panose="02070309020205020404" pitchFamily="49" charset="0"/>
-              </a:rPr>
-              <a:t>mydir</a:t>
-            </a:r>
-            <a:r>
-              <a:rPr lang="en-US" sz="1800" dirty="0">
-                <a:solidFill>
-                  <a:srgbClr val="66FA66"/>
-                </a:solidFill>
-                <a:latin typeface="Courier New" panose="02070309020205020404" pitchFamily="49" charset="0"/>
-                <a:cs typeface="Courier New" panose="02070309020205020404" pitchFamily="49" charset="0"/>
-              </a:rPr>
-              <a:t>/t2.txt</a:t>
-            </a:r>
-          </a:p>
-          <a:p>
-            <a:pPr marL="0" indent="0">
-              <a:buNone/>
-            </a:pPr>
-            <a:endParaRPr lang="en-US" dirty="0">
-              <a:latin typeface="Courier New" panose="02070309020205020404" pitchFamily="49" charset="0"/>
-              <a:cs typeface="Courier New" panose="02070309020205020404" pitchFamily="49" charset="0"/>
-            </a:endParaRPr>
-          </a:p>
-          <a:p>
-            <a:pPr marL="0" indent="0">
-              <a:buNone/>
-            </a:pPr>
-            <a:endParaRPr lang="en-US" dirty="0">
-              <a:latin typeface="Courier New" panose="02070309020205020404" pitchFamily="49" charset="0"/>
-              <a:cs typeface="Courier New" panose="02070309020205020404" pitchFamily="49" charset="0"/>
-            </a:endParaRPr>
-          </a:p>
-        </p:txBody>
-      </p:sp>
-      <p:sp>
-        <p:nvSpPr>
-          <p:cNvPr id="4" name="TextBox 3"/>
-          <p:cNvSpPr txBox="1"/>
-          <p:nvPr/>
-        </p:nvSpPr>
-        <p:spPr>
-          <a:xfrm>
-            <a:off x="457200" y="1286609"/>
-            <a:ext cx="8293100" cy="400110"/>
-          </a:xfrm>
-          <a:prstGeom prst="rect">
-            <a:avLst/>
-          </a:prstGeom>
-          <a:noFill/>
-        </p:spPr>
-        <p:txBody>
-          <a:bodyPr wrap="square" rtlCol="0">
-            <a:spAutoFit/>
-          </a:bodyPr>
-          <a:lstStyle/>
-          <a:p>
-            <a:r>
-              <a:rPr lang="en-US" sz="2000" dirty="0" smtClean="0">
-                <a:latin typeface="+mn-lt"/>
-              </a:rPr>
-              <a:t>These files are all staged to go into the repository, but are not committed yet.</a:t>
-            </a:r>
-            <a:endParaRPr lang="en-US" sz="2000" dirty="0">
-              <a:latin typeface="+mn-lt"/>
-            </a:endParaRPr>
-          </a:p>
-        </p:txBody>
-      </p:sp>
-    </p:spTree>
-    <p:extLst>
-      <p:ext uri="{BB962C8B-B14F-4D97-AF65-F5344CB8AC3E}">
-        <p14:creationId xmlns:p14="http://schemas.microsoft.com/office/powerpoint/2010/main" val="2616453291"/>
-      </p:ext>
-    </p:extLst>
-  </p:cSld>
-  <p:clrMapOvr>
-    <a:masterClrMapping/>
-  </p:clrMapOvr>
-</p:sld>
-</file>
-
-<file path=ppt/slides/slide26.xml><?xml version="1.0" encoding="utf-8"?>
-<p:sld xmlns:a="http://schemas.openxmlformats.org/drawingml/2006/main" xmlns:r="http://schemas.openxmlformats.org/officeDocument/2006/relationships" xmlns:p="http://schemas.openxmlformats.org/presentationml/2006/main">
-  <p:cSld>
-    <p:spTree>
-      <p:nvGrpSpPr>
-        <p:cNvPr id="1" name=""/>
-        <p:cNvGrpSpPr/>
-        <p:nvPr/>
-      </p:nvGrpSpPr>
-      <p:grpSpPr>
-        <a:xfrm>
-          <a:off x="0" y="0"/>
-          <a:ext cx="0" cy="0"/>
-          <a:chOff x="0" y="0"/>
-          <a:chExt cx="0" cy="0"/>
-        </a:xfrm>
-      </p:grpSpPr>
-      <p:sp>
-        <p:nvSpPr>
-          <p:cNvPr id="2" name="Title 1"/>
-          <p:cNvSpPr>
-            <a:spLocks noGrp="1"/>
-          </p:cNvSpPr>
-          <p:nvPr>
-            <p:ph type="title"/>
-          </p:nvPr>
-        </p:nvSpPr>
-        <p:spPr/>
-        <p:txBody>
-          <a:bodyPr/>
-          <a:lstStyle/>
-          <a:p>
-            <a:r>
-              <a:rPr lang="en-US" dirty="0" smtClean="0"/>
-              <a:t>Lets commit </a:t>
-            </a:r>
-            <a:endParaRPr lang="en-US" dirty="0"/>
-          </a:p>
-        </p:txBody>
-      </p:sp>
-      <p:sp>
-        <p:nvSpPr>
-          <p:cNvPr id="3" name="Content Placeholder 2"/>
-          <p:cNvSpPr>
-            <a:spLocks noGrp="1"/>
-          </p:cNvSpPr>
-          <p:nvPr>
-            <p:ph idx="1"/>
-          </p:nvPr>
-        </p:nvSpPr>
-        <p:spPr>
-          <a:xfrm>
-            <a:off x="469900" y="1930547"/>
-            <a:ext cx="8229600" cy="4038600"/>
-          </a:xfrm>
-        </p:spPr>
-        <p:style>
-          <a:lnRef idx="2">
-            <a:schemeClr val="dk1">
-              <a:shade val="50000"/>
-            </a:schemeClr>
-          </a:lnRef>
-          <a:fillRef idx="1">
-            <a:schemeClr val="dk1"/>
-          </a:fillRef>
-          <a:effectRef idx="0">
-            <a:schemeClr val="dk1"/>
-          </a:effectRef>
-          <a:fontRef idx="minor">
-            <a:schemeClr val="lt1"/>
-          </a:fontRef>
-        </p:style>
-        <p:txBody>
-          <a:bodyPr>
-            <a:normAutofit fontScale="92500" lnSpcReduction="10000"/>
-          </a:bodyPr>
-          <a:lstStyle/>
-          <a:p>
-            <a:pPr marL="0" indent="0">
-              <a:buNone/>
-            </a:pPr>
-            <a:r>
-              <a:rPr lang="en-US" sz="1800" dirty="0">
-                <a:latin typeface="Courier New" panose="02070309020205020404" pitchFamily="49" charset="0"/>
-                <a:cs typeface="Courier New" panose="02070309020205020404" pitchFamily="49" charset="0"/>
-              </a:rPr>
-              <a:t>$ </a:t>
-            </a:r>
-            <a:r>
-              <a:rPr lang="en-US" sz="1800" b="1" dirty="0" err="1">
-                <a:solidFill>
-                  <a:srgbClr val="FFFF00"/>
-                </a:solidFill>
-                <a:latin typeface="Courier New" panose="02070309020205020404" pitchFamily="49" charset="0"/>
-                <a:cs typeface="Courier New" panose="02070309020205020404" pitchFamily="49" charset="0"/>
-              </a:rPr>
-              <a:t>git</a:t>
-            </a:r>
-            <a:r>
-              <a:rPr lang="en-US" sz="1800" b="1" dirty="0">
-                <a:solidFill>
-                  <a:srgbClr val="FFFF00"/>
-                </a:solidFill>
-                <a:latin typeface="Courier New" panose="02070309020205020404" pitchFamily="49" charset="0"/>
-                <a:cs typeface="Courier New" panose="02070309020205020404" pitchFamily="49" charset="0"/>
-              </a:rPr>
-              <a:t> commit -m </a:t>
-            </a:r>
-            <a:r>
-              <a:rPr lang="en-US" sz="1800" b="1" dirty="0" smtClean="0">
-                <a:solidFill>
-                  <a:srgbClr val="FFFF00"/>
-                </a:solidFill>
-                <a:latin typeface="Courier New" panose="02070309020205020404" pitchFamily="49" charset="0"/>
-                <a:cs typeface="Courier New" panose="02070309020205020404" pitchFamily="49" charset="0"/>
-              </a:rPr>
-              <a:t>'Adding </a:t>
-            </a:r>
-            <a:r>
-              <a:rPr lang="en-US" sz="1800" b="1" dirty="0">
-                <a:solidFill>
-                  <a:srgbClr val="FFFF00"/>
-                </a:solidFill>
-                <a:latin typeface="Courier New" panose="02070309020205020404" pitchFamily="49" charset="0"/>
-                <a:cs typeface="Courier New" panose="02070309020205020404" pitchFamily="49" charset="0"/>
-              </a:rPr>
-              <a:t>my new greetings </a:t>
-            </a:r>
-            <a:r>
-              <a:rPr lang="en-US" sz="1800" b="1" dirty="0" smtClean="0">
-                <a:solidFill>
-                  <a:srgbClr val="FFFF00"/>
-                </a:solidFill>
-                <a:latin typeface="Courier New" panose="02070309020205020404" pitchFamily="49" charset="0"/>
-                <a:cs typeface="Courier New" panose="02070309020205020404" pitchFamily="49" charset="0"/>
-              </a:rPr>
-              <a:t>files'</a:t>
-            </a:r>
-            <a:endParaRPr lang="en-US" sz="1800" b="1" dirty="0">
-              <a:solidFill>
-                <a:srgbClr val="FFFF00"/>
-              </a:solidFill>
-              <a:latin typeface="Courier New" panose="02070309020205020404" pitchFamily="49" charset="0"/>
-              <a:cs typeface="Courier New" panose="02070309020205020404" pitchFamily="49" charset="0"/>
-            </a:endParaRPr>
-          </a:p>
-          <a:p>
-            <a:pPr marL="0" indent="0">
-              <a:buNone/>
-            </a:pPr>
-            <a:r>
-              <a:rPr lang="en-US" sz="1800" dirty="0">
-                <a:latin typeface="Courier New" panose="02070309020205020404" pitchFamily="49" charset="0"/>
-                <a:cs typeface="Courier New" panose="02070309020205020404" pitchFamily="49" charset="0"/>
-              </a:rPr>
-              <a:t>[master fe70026] Adding my new greetings files</a:t>
-            </a:r>
-          </a:p>
-          <a:p>
-            <a:pPr marL="0" indent="0">
-              <a:buNone/>
-            </a:pPr>
-            <a:r>
-              <a:rPr lang="en-US" sz="1800" dirty="0">
-                <a:latin typeface="Courier New" panose="02070309020205020404" pitchFamily="49" charset="0"/>
-                <a:cs typeface="Courier New" panose="02070309020205020404" pitchFamily="49" charset="0"/>
-              </a:rPr>
-              <a:t> 3 files changed, 3 insertions(+)</a:t>
-            </a:r>
-          </a:p>
-          <a:p>
-            <a:pPr marL="0" indent="0">
-              <a:buNone/>
-            </a:pPr>
-            <a:r>
-              <a:rPr lang="en-US" sz="1800" dirty="0">
-                <a:latin typeface="Courier New" panose="02070309020205020404" pitchFamily="49" charset="0"/>
-                <a:cs typeface="Courier New" panose="02070309020205020404" pitchFamily="49" charset="0"/>
-              </a:rPr>
-              <a:t> create mode 100644 </a:t>
-            </a:r>
-            <a:r>
-              <a:rPr lang="en-US" sz="1800" dirty="0" err="1">
-                <a:latin typeface="Courier New" panose="02070309020205020404" pitchFamily="49" charset="0"/>
-                <a:cs typeface="Courier New" panose="02070309020205020404" pitchFamily="49" charset="0"/>
-              </a:rPr>
-              <a:t>hi.txt</a:t>
-            </a:r>
-            <a:endParaRPr lang="en-US" sz="1800" dirty="0">
-              <a:latin typeface="Courier New" panose="02070309020205020404" pitchFamily="49" charset="0"/>
-              <a:cs typeface="Courier New" panose="02070309020205020404" pitchFamily="49" charset="0"/>
-            </a:endParaRPr>
-          </a:p>
-          <a:p>
-            <a:pPr marL="0" indent="0">
-              <a:buNone/>
-            </a:pPr>
-            <a:r>
-              <a:rPr lang="en-US" sz="1800" dirty="0">
-                <a:latin typeface="Courier New" panose="02070309020205020404" pitchFamily="49" charset="0"/>
-                <a:cs typeface="Courier New" panose="02070309020205020404" pitchFamily="49" charset="0"/>
-              </a:rPr>
-              <a:t> create mode 100644 </a:t>
-            </a:r>
-            <a:r>
-              <a:rPr lang="en-US" sz="1800" dirty="0" err="1">
-                <a:latin typeface="Courier New" panose="02070309020205020404" pitchFamily="49" charset="0"/>
-                <a:cs typeface="Courier New" panose="02070309020205020404" pitchFamily="49" charset="0"/>
-              </a:rPr>
-              <a:t>mydir</a:t>
-            </a:r>
-            <a:r>
-              <a:rPr lang="en-US" sz="1800" dirty="0">
-                <a:latin typeface="Courier New" panose="02070309020205020404" pitchFamily="49" charset="0"/>
-                <a:cs typeface="Courier New" panose="02070309020205020404" pitchFamily="49" charset="0"/>
-              </a:rPr>
-              <a:t>/t1.txt</a:t>
-            </a:r>
-          </a:p>
-          <a:p>
-            <a:pPr marL="0" indent="0">
-              <a:buNone/>
-            </a:pPr>
-            <a:r>
-              <a:rPr lang="en-US" sz="1800" dirty="0">
-                <a:latin typeface="Courier New" panose="02070309020205020404" pitchFamily="49" charset="0"/>
-                <a:cs typeface="Courier New" panose="02070309020205020404" pitchFamily="49" charset="0"/>
-              </a:rPr>
-              <a:t> create mode 100644 </a:t>
-            </a:r>
-            <a:r>
-              <a:rPr lang="en-US" sz="1800" dirty="0" err="1">
-                <a:latin typeface="Courier New" panose="02070309020205020404" pitchFamily="49" charset="0"/>
-                <a:cs typeface="Courier New" panose="02070309020205020404" pitchFamily="49" charset="0"/>
-              </a:rPr>
-              <a:t>mydir</a:t>
-            </a:r>
-            <a:r>
-              <a:rPr lang="en-US" sz="1800" dirty="0">
-                <a:latin typeface="Courier New" panose="02070309020205020404" pitchFamily="49" charset="0"/>
-                <a:cs typeface="Courier New" panose="02070309020205020404" pitchFamily="49" charset="0"/>
-              </a:rPr>
-              <a:t>/t2.txt</a:t>
-            </a:r>
-          </a:p>
-          <a:p>
-            <a:pPr marL="0" indent="0">
-              <a:buNone/>
-            </a:pPr>
-            <a:endParaRPr lang="en-US" sz="1800" dirty="0" smtClean="0">
-              <a:latin typeface="Courier New" panose="02070309020205020404" pitchFamily="49" charset="0"/>
-              <a:cs typeface="Courier New" panose="02070309020205020404" pitchFamily="49" charset="0"/>
-            </a:endParaRPr>
-          </a:p>
-          <a:p>
-            <a:pPr marL="0" indent="0">
-              <a:buNone/>
-            </a:pPr>
-            <a:r>
-              <a:rPr lang="en-US" sz="1800" dirty="0" smtClean="0">
-                <a:latin typeface="Courier New" panose="02070309020205020404" pitchFamily="49" charset="0"/>
-                <a:cs typeface="Courier New" panose="02070309020205020404" pitchFamily="49" charset="0"/>
-              </a:rPr>
-              <a:t>$ </a:t>
-            </a:r>
-            <a:r>
-              <a:rPr lang="en-US" sz="1800" b="1" dirty="0" err="1">
-                <a:solidFill>
-                  <a:srgbClr val="FFFF00"/>
-                </a:solidFill>
-                <a:latin typeface="Courier New" panose="02070309020205020404" pitchFamily="49" charset="0"/>
-                <a:cs typeface="Courier New" panose="02070309020205020404" pitchFamily="49" charset="0"/>
-              </a:rPr>
-              <a:t>git</a:t>
-            </a:r>
-            <a:r>
-              <a:rPr lang="en-US" sz="1800" b="1" dirty="0">
-                <a:solidFill>
-                  <a:srgbClr val="FFFF00"/>
-                </a:solidFill>
-                <a:latin typeface="Courier New" panose="02070309020205020404" pitchFamily="49" charset="0"/>
-                <a:cs typeface="Courier New" panose="02070309020205020404" pitchFamily="49" charset="0"/>
-              </a:rPr>
-              <a:t> status</a:t>
-            </a:r>
-          </a:p>
-          <a:p>
-            <a:pPr marL="0" indent="0">
-              <a:buNone/>
-            </a:pPr>
-            <a:r>
-              <a:rPr lang="en-US" sz="1800" dirty="0">
-                <a:latin typeface="Courier New" panose="02070309020205020404" pitchFamily="49" charset="0"/>
-                <a:cs typeface="Courier New" panose="02070309020205020404" pitchFamily="49" charset="0"/>
-              </a:rPr>
-              <a:t>On branch master</a:t>
-            </a:r>
-          </a:p>
-          <a:p>
-            <a:pPr marL="0" indent="0">
-              <a:buNone/>
-            </a:pPr>
-            <a:r>
-              <a:rPr lang="en-US" sz="1800" dirty="0">
-                <a:latin typeface="Courier New" panose="02070309020205020404" pitchFamily="49" charset="0"/>
-                <a:cs typeface="Courier New" panose="02070309020205020404" pitchFamily="49" charset="0"/>
-              </a:rPr>
-              <a:t>Your branch is ahead of </a:t>
-            </a:r>
-            <a:r>
-              <a:rPr lang="en-US" sz="1800" dirty="0" smtClean="0">
-                <a:latin typeface="Courier New" panose="02070309020205020404" pitchFamily="49" charset="0"/>
-                <a:cs typeface="Courier New" panose="02070309020205020404" pitchFamily="49" charset="0"/>
-              </a:rPr>
-              <a:t>'origin/master' </a:t>
-            </a:r>
-            <a:r>
-              <a:rPr lang="en-US" sz="1800" dirty="0">
-                <a:latin typeface="Courier New" panose="02070309020205020404" pitchFamily="49" charset="0"/>
-                <a:cs typeface="Courier New" panose="02070309020205020404" pitchFamily="49" charset="0"/>
-              </a:rPr>
-              <a:t>by 1 commit.</a:t>
-            </a:r>
-          </a:p>
-          <a:p>
-            <a:pPr marL="0" indent="0">
-              <a:buNone/>
-            </a:pPr>
-            <a:r>
-              <a:rPr lang="en-US" sz="1800" dirty="0">
-                <a:latin typeface="Courier New" panose="02070309020205020404" pitchFamily="49" charset="0"/>
-                <a:cs typeface="Courier New" panose="02070309020205020404" pitchFamily="49" charset="0"/>
-              </a:rPr>
-              <a:t>  (use </a:t>
-            </a:r>
-            <a:r>
-              <a:rPr lang="en-US" sz="1800" dirty="0" smtClean="0">
-                <a:latin typeface="Courier New" panose="02070309020205020404" pitchFamily="49" charset="0"/>
-                <a:cs typeface="Courier New" panose="02070309020205020404" pitchFamily="49" charset="0"/>
-              </a:rPr>
-              <a:t>"</a:t>
-            </a:r>
-            <a:r>
-              <a:rPr lang="en-US" sz="1800" dirty="0" err="1" smtClean="0">
-                <a:latin typeface="Courier New" panose="02070309020205020404" pitchFamily="49" charset="0"/>
-                <a:cs typeface="Courier New" panose="02070309020205020404" pitchFamily="49" charset="0"/>
-              </a:rPr>
-              <a:t>git</a:t>
-            </a:r>
-            <a:r>
-              <a:rPr lang="en-US" sz="1800" dirty="0" smtClean="0">
-                <a:latin typeface="Courier New" panose="02070309020205020404" pitchFamily="49" charset="0"/>
-                <a:cs typeface="Courier New" panose="02070309020205020404" pitchFamily="49" charset="0"/>
-              </a:rPr>
-              <a:t> push" </a:t>
-            </a:r>
-            <a:r>
-              <a:rPr lang="en-US" sz="1800" dirty="0">
-                <a:latin typeface="Courier New" panose="02070309020205020404" pitchFamily="49" charset="0"/>
-                <a:cs typeface="Courier New" panose="02070309020205020404" pitchFamily="49" charset="0"/>
-              </a:rPr>
-              <a:t>to publish your local commits)</a:t>
-            </a:r>
-          </a:p>
-          <a:p>
-            <a:pPr marL="0" indent="0">
-              <a:buNone/>
-            </a:pPr>
-            <a:r>
-              <a:rPr lang="en-US" sz="1800" dirty="0">
-                <a:latin typeface="Courier New" panose="02070309020205020404" pitchFamily="49" charset="0"/>
-                <a:cs typeface="Courier New" panose="02070309020205020404" pitchFamily="49" charset="0"/>
-              </a:rPr>
-              <a:t>nothing to commit, working tree clean</a:t>
-            </a:r>
-          </a:p>
-        </p:txBody>
-      </p:sp>
-      <p:sp>
-        <p:nvSpPr>
-          <p:cNvPr id="4" name="TextBox 3"/>
-          <p:cNvSpPr txBox="1"/>
-          <p:nvPr/>
-        </p:nvSpPr>
-        <p:spPr>
-          <a:xfrm>
-            <a:off x="457200" y="1239749"/>
-            <a:ext cx="8293100" cy="707886"/>
-          </a:xfrm>
-          <a:prstGeom prst="rect">
-            <a:avLst/>
-          </a:prstGeom>
-          <a:noFill/>
-        </p:spPr>
-        <p:txBody>
-          <a:bodyPr wrap="square" rtlCol="0">
-            <a:spAutoFit/>
-          </a:bodyPr>
-          <a:lstStyle/>
-          <a:p>
-            <a:r>
-              <a:rPr lang="en-US" sz="2000" dirty="0" smtClean="0">
-                <a:latin typeface="+mn-lt"/>
-              </a:rPr>
-              <a:t>Now the files are in the local repository. The working tree is the same as repository. </a:t>
-            </a:r>
-            <a:endParaRPr lang="en-US" sz="2000" dirty="0">
-              <a:latin typeface="+mn-lt"/>
-            </a:endParaRPr>
-          </a:p>
-        </p:txBody>
-      </p:sp>
-    </p:spTree>
-    <p:extLst>
-      <p:ext uri="{BB962C8B-B14F-4D97-AF65-F5344CB8AC3E}">
-        <p14:creationId xmlns:p14="http://schemas.microsoft.com/office/powerpoint/2010/main" val="2525722507"/>
-      </p:ext>
-    </p:extLst>
-  </p:cSld>
-  <p:clrMapOvr>
-    <a:masterClrMapping/>
-  </p:clrMapOvr>
-</p:sld>
-</file>
-
-<file path=ppt/slides/slide27.xml><?xml version="1.0" encoding="utf-8"?>
-<p:sld xmlns:a="http://schemas.openxmlformats.org/drawingml/2006/main" xmlns:r="http://schemas.openxmlformats.org/officeDocument/2006/relationships" xmlns:p="http://schemas.openxmlformats.org/presentationml/2006/main">
-  <p:cSld>
-    <p:spTree>
-      <p:nvGrpSpPr>
-        <p:cNvPr id="1" name=""/>
-        <p:cNvGrpSpPr/>
-        <p:nvPr/>
-      </p:nvGrpSpPr>
-      <p:grpSpPr>
-        <a:xfrm>
-          <a:off x="0" y="0"/>
-          <a:ext cx="0" cy="0"/>
-          <a:chOff x="0" y="0"/>
-          <a:chExt cx="0" cy="0"/>
-        </a:xfrm>
-      </p:grpSpPr>
-      <p:sp>
-        <p:nvSpPr>
-          <p:cNvPr id="2" name="Title 1"/>
-          <p:cNvSpPr>
-            <a:spLocks noGrp="1"/>
-          </p:cNvSpPr>
-          <p:nvPr>
-            <p:ph type="title"/>
-          </p:nvPr>
-        </p:nvSpPr>
-        <p:spPr/>
-        <p:txBody>
-          <a:bodyPr/>
-          <a:lstStyle/>
-          <a:p>
-            <a:r>
-              <a:rPr lang="en-US" dirty="0" smtClean="0"/>
-              <a:t>Push the new version back to </a:t>
-            </a:r>
-            <a:r>
-              <a:rPr lang="en-US" dirty="0" err="1" smtClean="0"/>
-              <a:t>Github</a:t>
-            </a:r>
-            <a:endParaRPr lang="en-US" dirty="0"/>
-          </a:p>
-        </p:txBody>
-      </p:sp>
-      <p:sp>
-        <p:nvSpPr>
-          <p:cNvPr id="3" name="Content Placeholder 2"/>
-          <p:cNvSpPr>
-            <a:spLocks noGrp="1"/>
-          </p:cNvSpPr>
-          <p:nvPr>
-            <p:ph idx="1"/>
-          </p:nvPr>
-        </p:nvSpPr>
-        <p:spPr>
-          <a:xfrm>
-            <a:off x="355600" y="1594353"/>
-            <a:ext cx="8229600" cy="3086100"/>
-          </a:xfrm>
-        </p:spPr>
-        <p:style>
-          <a:lnRef idx="2">
-            <a:schemeClr val="dk1">
-              <a:shade val="50000"/>
-            </a:schemeClr>
-          </a:lnRef>
-          <a:fillRef idx="1">
-            <a:schemeClr val="dk1"/>
-          </a:fillRef>
-          <a:effectRef idx="0">
-            <a:schemeClr val="dk1"/>
-          </a:effectRef>
-          <a:fontRef idx="minor">
-            <a:schemeClr val="lt1"/>
-          </a:fontRef>
-        </p:style>
-        <p:txBody>
-          <a:bodyPr/>
-          <a:lstStyle/>
-          <a:p>
-            <a:pPr marL="0" indent="0">
-              <a:buNone/>
-            </a:pPr>
-            <a:r>
-              <a:rPr lang="en-US" sz="1800" dirty="0" smtClean="0">
-                <a:latin typeface="Courier New" panose="02070309020205020404" pitchFamily="49" charset="0"/>
-                <a:cs typeface="Courier New" panose="02070309020205020404" pitchFamily="49" charset="0"/>
-              </a:rPr>
-              <a:t>$ </a:t>
-            </a:r>
-            <a:r>
-              <a:rPr lang="en-US" sz="1800" b="1" dirty="0" err="1">
-                <a:solidFill>
-                  <a:srgbClr val="FFFF00"/>
-                </a:solidFill>
-                <a:latin typeface="Courier New" panose="02070309020205020404" pitchFamily="49" charset="0"/>
-                <a:cs typeface="Courier New" panose="02070309020205020404" pitchFamily="49" charset="0"/>
-              </a:rPr>
-              <a:t>git</a:t>
-            </a:r>
-            <a:r>
-              <a:rPr lang="en-US" sz="1800" b="1" dirty="0">
-                <a:solidFill>
-                  <a:srgbClr val="FFFF00"/>
-                </a:solidFill>
-                <a:latin typeface="Courier New" panose="02070309020205020404" pitchFamily="49" charset="0"/>
-                <a:cs typeface="Courier New" panose="02070309020205020404" pitchFamily="49" charset="0"/>
-              </a:rPr>
-              <a:t> push</a:t>
-            </a:r>
-          </a:p>
-          <a:p>
-            <a:pPr marL="0" indent="0">
-              <a:buNone/>
-            </a:pPr>
-            <a:r>
-              <a:rPr lang="en-US" sz="1800" dirty="0">
-                <a:latin typeface="Courier New" panose="02070309020205020404" pitchFamily="49" charset="0"/>
-                <a:cs typeface="Courier New" panose="02070309020205020404" pitchFamily="49" charset="0"/>
-              </a:rPr>
-              <a:t>Counting objects: 5, done.</a:t>
-            </a:r>
-          </a:p>
-          <a:p>
-            <a:pPr marL="0" indent="0">
-              <a:buNone/>
-            </a:pPr>
-            <a:r>
-              <a:rPr lang="en-US" sz="1800" dirty="0">
-                <a:latin typeface="Courier New" panose="02070309020205020404" pitchFamily="49" charset="0"/>
-                <a:cs typeface="Courier New" panose="02070309020205020404" pitchFamily="49" charset="0"/>
-              </a:rPr>
-              <a:t>Delta compression using up to 4 threads.</a:t>
-            </a:r>
-          </a:p>
-          <a:p>
-            <a:pPr marL="0" indent="0">
-              <a:buNone/>
-            </a:pPr>
-            <a:r>
-              <a:rPr lang="en-US" sz="1800" dirty="0">
-                <a:latin typeface="Courier New" panose="02070309020205020404" pitchFamily="49" charset="0"/>
-                <a:cs typeface="Courier New" panose="02070309020205020404" pitchFamily="49" charset="0"/>
-              </a:rPr>
-              <a:t>Compressing objects: 100% (3/3), done.</a:t>
-            </a:r>
-          </a:p>
-          <a:p>
-            <a:pPr marL="0" indent="0">
-              <a:buNone/>
-            </a:pPr>
-            <a:r>
-              <a:rPr lang="en-US" sz="1800" dirty="0">
-                <a:latin typeface="Courier New" panose="02070309020205020404" pitchFamily="49" charset="0"/>
-                <a:cs typeface="Courier New" panose="02070309020205020404" pitchFamily="49" charset="0"/>
-              </a:rPr>
-              <a:t>Writing objects: 100% (5/5), 465 bytes | 0 bytes/s, done.</a:t>
-            </a:r>
-          </a:p>
-          <a:p>
-            <a:pPr marL="0" indent="0">
-              <a:buNone/>
-            </a:pPr>
-            <a:r>
-              <a:rPr lang="en-US" sz="1800" dirty="0">
-                <a:latin typeface="Courier New" panose="02070309020205020404" pitchFamily="49" charset="0"/>
-                <a:cs typeface="Courier New" panose="02070309020205020404" pitchFamily="49" charset="0"/>
-              </a:rPr>
-              <a:t>Total 5 (delta 0), reused 0 (delta 0)</a:t>
-            </a:r>
-          </a:p>
-          <a:p>
-            <a:pPr marL="0" indent="0">
-              <a:buNone/>
-            </a:pPr>
-            <a:r>
-              <a:rPr lang="en-US" sz="1800" dirty="0">
-                <a:latin typeface="Courier New" panose="02070309020205020404" pitchFamily="49" charset="0"/>
-                <a:cs typeface="Courier New" panose="02070309020205020404" pitchFamily="49" charset="0"/>
-              </a:rPr>
-              <a:t>To </a:t>
-            </a:r>
-            <a:r>
-              <a:rPr lang="en-US" sz="1800" dirty="0" err="1">
-                <a:latin typeface="Courier New" panose="02070309020205020404" pitchFamily="49" charset="0"/>
-                <a:cs typeface="Courier New" panose="02070309020205020404" pitchFamily="49" charset="0"/>
-              </a:rPr>
-              <a:t>github.com:spepler</a:t>
-            </a:r>
-            <a:r>
-              <a:rPr lang="en-US" sz="1800" dirty="0">
-                <a:latin typeface="Courier New" panose="02070309020205020404" pitchFamily="49" charset="0"/>
-                <a:cs typeface="Courier New" panose="02070309020205020404" pitchFamily="49" charset="0"/>
-              </a:rPr>
-              <a:t>/</a:t>
-            </a:r>
-            <a:r>
-              <a:rPr lang="en-US" sz="1800" dirty="0" err="1">
-                <a:latin typeface="Courier New" panose="02070309020205020404" pitchFamily="49" charset="0"/>
-                <a:cs typeface="Courier New" panose="02070309020205020404" pitchFamily="49" charset="0"/>
-              </a:rPr>
-              <a:t>ncas-isc.git</a:t>
-            </a:r>
-            <a:endParaRPr lang="en-US" sz="1800" dirty="0">
-              <a:latin typeface="Courier New" panose="02070309020205020404" pitchFamily="49" charset="0"/>
-              <a:cs typeface="Courier New" panose="02070309020205020404" pitchFamily="49" charset="0"/>
-            </a:endParaRPr>
-          </a:p>
-          <a:p>
-            <a:pPr marL="0" indent="0">
-              <a:buNone/>
-            </a:pPr>
-            <a:r>
-              <a:rPr lang="mr-IN" sz="1800" dirty="0">
-                <a:latin typeface="Courier New" panose="02070309020205020404" pitchFamily="49" charset="0"/>
-                <a:cs typeface="Courier"/>
-              </a:rPr>
-              <a:t>   fdd3c9e..fe70026  master -&gt; </a:t>
-            </a:r>
-            <a:r>
-              <a:rPr lang="mr-IN" sz="1800" dirty="0" smtClean="0">
-                <a:latin typeface="Courier New" panose="02070309020205020404" pitchFamily="49" charset="0"/>
-                <a:cs typeface="Courier"/>
-              </a:rPr>
-              <a:t>master</a:t>
-            </a:r>
-            <a:endParaRPr lang="mr-IN" sz="1800" dirty="0">
-              <a:latin typeface="Courier New" panose="02070309020205020404" pitchFamily="49" charset="0"/>
-              <a:cs typeface="Courier"/>
-            </a:endParaRPr>
-          </a:p>
-        </p:txBody>
-      </p:sp>
-      <p:sp>
-        <p:nvSpPr>
-          <p:cNvPr id="4" name="TextBox 3"/>
-          <p:cNvSpPr txBox="1"/>
-          <p:nvPr/>
-        </p:nvSpPr>
-        <p:spPr>
-          <a:xfrm>
-            <a:off x="292100" y="1225065"/>
-            <a:ext cx="8293100" cy="400110"/>
-          </a:xfrm>
-          <a:prstGeom prst="rect">
-            <a:avLst/>
-          </a:prstGeom>
-          <a:noFill/>
-        </p:spPr>
-        <p:txBody>
-          <a:bodyPr wrap="square" rtlCol="0">
-            <a:spAutoFit/>
-          </a:bodyPr>
-          <a:lstStyle/>
-          <a:p>
-            <a:r>
-              <a:rPr lang="en-US" sz="2000" dirty="0" smtClean="0">
-                <a:latin typeface="+mn-lt"/>
-              </a:rPr>
-              <a:t>Make the repo on </a:t>
-            </a:r>
-            <a:r>
-              <a:rPr lang="en-US" sz="2000" dirty="0" err="1" smtClean="0">
-                <a:latin typeface="+mn-lt"/>
-              </a:rPr>
-              <a:t>Github</a:t>
-            </a:r>
-            <a:r>
-              <a:rPr lang="en-US" sz="2000" dirty="0" smtClean="0">
-                <a:latin typeface="+mn-lt"/>
-              </a:rPr>
-              <a:t> match the local repo.  </a:t>
-            </a:r>
-            <a:endParaRPr lang="en-US" sz="2000" dirty="0">
-              <a:latin typeface="+mn-lt"/>
-            </a:endParaRPr>
-          </a:p>
-        </p:txBody>
-      </p:sp>
-      <p:pic>
-        <p:nvPicPr>
-          <p:cNvPr id="5" name="Picture 4" descr="Screen Shot 2017-02-24 at 12.07.08.png"/>
-          <p:cNvPicPr>
-            <a:picLocks noChangeAspect="1"/>
-          </p:cNvPicPr>
-          <p:nvPr/>
-        </p:nvPicPr>
-        <p:blipFill>
-          <a:blip r:embed="rId2" cstate="email">
-            <a:extLst>
-              <a:ext uri="{28A0092B-C50C-407E-A947-70E740481C1C}">
-                <a14:useLocalDpi xmlns:a14="http://schemas.microsoft.com/office/drawing/2010/main" val="0"/>
-              </a:ext>
-            </a:extLst>
-          </a:blip>
-          <a:stretch>
-            <a:fillRect/>
-          </a:stretch>
-        </p:blipFill>
-        <p:spPr>
-          <a:xfrm>
-            <a:off x="0" y="4643919"/>
-            <a:ext cx="9144000" cy="2214081"/>
-          </a:xfrm>
-          <a:prstGeom prst="rect">
-            <a:avLst/>
-          </a:prstGeom>
-        </p:spPr>
-      </p:pic>
-    </p:spTree>
-    <p:extLst>
-      <p:ext uri="{BB962C8B-B14F-4D97-AF65-F5344CB8AC3E}">
-        <p14:creationId xmlns:p14="http://schemas.microsoft.com/office/powerpoint/2010/main" val="97994793"/>
-      </p:ext>
-    </p:extLst>
-  </p:cSld>
-  <p:clrMapOvr>
-    <a:masterClrMapping/>
-  </p:clrMapOvr>
-</p:sld>
-</file>
-
-<file path=ppt/slides/slide28.xml><?xml version="1.0" encoding="utf-8"?>
-<p:sld xmlns:a="http://schemas.openxmlformats.org/drawingml/2006/main" xmlns:r="http://schemas.openxmlformats.org/officeDocument/2006/relationships" xmlns:p="http://schemas.openxmlformats.org/presentationml/2006/main">
-  <p:cSld>
-    <p:spTree>
-      <p:nvGrpSpPr>
-        <p:cNvPr id="1" name=""/>
-        <p:cNvGrpSpPr/>
-        <p:nvPr/>
-      </p:nvGrpSpPr>
-      <p:grpSpPr>
-        <a:xfrm>
-          <a:off x="0" y="0"/>
-          <a:ext cx="0" cy="0"/>
-          <a:chOff x="0" y="0"/>
-          <a:chExt cx="0" cy="0"/>
-        </a:xfrm>
-      </p:grpSpPr>
-      <p:sp>
-        <p:nvSpPr>
-          <p:cNvPr id="2" name="Title 1"/>
-          <p:cNvSpPr>
-            <a:spLocks noGrp="1"/>
-          </p:cNvSpPr>
-          <p:nvPr>
-            <p:ph type="title"/>
-          </p:nvPr>
-        </p:nvSpPr>
-        <p:spPr/>
-        <p:txBody>
-          <a:bodyPr/>
-          <a:lstStyle/>
-          <a:p>
-            <a:r>
-              <a:rPr lang="en-US" dirty="0" smtClean="0"/>
-              <a:t>Enough?</a:t>
-            </a:r>
-            <a:endParaRPr lang="en-US" dirty="0"/>
-          </a:p>
-        </p:txBody>
-      </p:sp>
-      <p:sp>
-        <p:nvSpPr>
-          <p:cNvPr id="3" name="Content Placeholder 2"/>
-          <p:cNvSpPr>
-            <a:spLocks noGrp="1"/>
-          </p:cNvSpPr>
-          <p:nvPr>
-            <p:ph idx="1"/>
-          </p:nvPr>
-        </p:nvSpPr>
-        <p:spPr/>
-        <p:txBody>
-          <a:bodyPr/>
-          <a:lstStyle/>
-          <a:p>
-            <a:r>
-              <a:rPr lang="en-US" dirty="0" smtClean="0"/>
-              <a:t>If you are working on your own then that is all you need to know.</a:t>
-            </a:r>
-          </a:p>
-          <a:p>
-            <a:r>
-              <a:rPr lang="en-US" dirty="0" smtClean="0"/>
-              <a:t>You can keep track of changes in your code, you know its safe and you can share it with people.</a:t>
-            </a:r>
-          </a:p>
-          <a:p>
-            <a:endParaRPr lang="en-US" dirty="0" smtClean="0"/>
-          </a:p>
-          <a:p>
-            <a:endParaRPr lang="en-US" dirty="0"/>
-          </a:p>
-        </p:txBody>
-      </p:sp>
-    </p:spTree>
-    <p:extLst>
-      <p:ext uri="{BB962C8B-B14F-4D97-AF65-F5344CB8AC3E}">
-        <p14:creationId xmlns:p14="http://schemas.microsoft.com/office/powerpoint/2010/main" val="3313336411"/>
-      </p:ext>
-    </p:extLst>
-  </p:cSld>
-  <p:clrMapOvr>
-    <a:masterClrMapping/>
-  </p:clrMapOvr>
-</p:sld>
-</file>
-
-<file path=ppt/slides/slide29.xml><?xml version="1.0" encoding="utf-8"?>
+<file path=ppt/slides/slide30.xml><?xml version="1.0" encoding="utf-8"?>
 <p:sld xmlns:a="http://schemas.openxmlformats.org/drawingml/2006/main" xmlns:r="http://schemas.openxmlformats.org/officeDocument/2006/relationships" xmlns:p="http://schemas.openxmlformats.org/presentationml/2006/main">
   <p:cSld>
     <p:spTree>
@@ -16553,292 +16990,7 @@
 </p:sld>
 </file>
 
-<file path=ppt/slides/slide3.xml><?xml version="1.0" encoding="utf-8"?>
-<p:sld xmlns:a="http://schemas.openxmlformats.org/drawingml/2006/main" xmlns:r="http://schemas.openxmlformats.org/officeDocument/2006/relationships" xmlns:p="http://schemas.openxmlformats.org/presentationml/2006/main">
-  <p:cSld>
-    <p:spTree>
-      <p:nvGrpSpPr>
-        <p:cNvPr id="1" name=""/>
-        <p:cNvGrpSpPr/>
-        <p:nvPr/>
-      </p:nvGrpSpPr>
-      <p:grpSpPr>
-        <a:xfrm>
-          <a:off x="0" y="0"/>
-          <a:ext cx="0" cy="0"/>
-          <a:chOff x="0" y="0"/>
-          <a:chExt cx="0" cy="0"/>
-        </a:xfrm>
-      </p:grpSpPr>
-      <p:sp>
-        <p:nvSpPr>
-          <p:cNvPr id="5122" name="Title 1"/>
-          <p:cNvSpPr>
-            <a:spLocks noGrp="1"/>
-          </p:cNvSpPr>
-          <p:nvPr>
-            <p:ph type="title"/>
-          </p:nvPr>
-        </p:nvSpPr>
-        <p:spPr>
-          <a:xfrm>
-            <a:off x="457200" y="125413"/>
-            <a:ext cx="8229600" cy="1143000"/>
-          </a:xfrm>
-        </p:spPr>
-        <p:txBody>
-          <a:bodyPr/>
-          <a:lstStyle/>
-          <a:p>
-            <a:r>
-              <a:rPr lang="en-GB" dirty="0">
-                <a:latin typeface="Calibri" charset="0"/>
-              </a:rPr>
-              <a:t>But those days are gone!</a:t>
-            </a:r>
-          </a:p>
-        </p:txBody>
-      </p:sp>
-      <p:sp>
-        <p:nvSpPr>
-          <p:cNvPr id="5123" name="Content Placeholder 2"/>
-          <p:cNvSpPr>
-            <a:spLocks noGrp="1"/>
-          </p:cNvSpPr>
-          <p:nvPr>
-            <p:ph idx="1"/>
-          </p:nvPr>
-        </p:nvSpPr>
-        <p:spPr>
-          <a:xfrm>
-            <a:off x="206375" y="1268413"/>
-            <a:ext cx="8686800" cy="5257800"/>
-          </a:xfrm>
-        </p:spPr>
-        <p:txBody>
-          <a:bodyPr/>
-          <a:lstStyle/>
-          <a:p>
-            <a:r>
-              <a:rPr lang="en-GB" dirty="0">
-                <a:latin typeface="Calibri" charset="0"/>
-              </a:rPr>
-              <a:t>Scientists are typically </a:t>
-            </a:r>
-            <a:r>
-              <a:rPr lang="en-GB" b="1" dirty="0">
-                <a:latin typeface="Calibri" charset="0"/>
-              </a:rPr>
-              <a:t>required to publish data and code</a:t>
-            </a:r>
-            <a:r>
-              <a:rPr lang="en-GB" dirty="0">
-                <a:latin typeface="Calibri" charset="0"/>
-              </a:rPr>
-              <a:t> (by their funders/institutions).</a:t>
-            </a:r>
-          </a:p>
-          <a:p>
-            <a:endParaRPr lang="en-GB" sz="1200" dirty="0">
-              <a:latin typeface="Calibri" charset="0"/>
-            </a:endParaRPr>
-          </a:p>
-          <a:p>
-            <a:r>
-              <a:rPr lang="en-GB" dirty="0">
-                <a:latin typeface="Calibri" charset="0"/>
-              </a:rPr>
-              <a:t>Collaboration between scientists requires data-sharing; this implicitly relies on </a:t>
-            </a:r>
-            <a:r>
-              <a:rPr lang="en-GB" b="1" dirty="0">
-                <a:latin typeface="Calibri" charset="0"/>
-              </a:rPr>
-              <a:t>code-sharing</a:t>
-            </a:r>
-            <a:r>
-              <a:rPr lang="en-GB" dirty="0">
-                <a:latin typeface="Calibri" charset="0"/>
-              </a:rPr>
-              <a:t>.</a:t>
-            </a:r>
-          </a:p>
-          <a:p>
-            <a:endParaRPr lang="en-GB" sz="1200" dirty="0">
-              <a:latin typeface="Calibri" charset="0"/>
-            </a:endParaRPr>
-          </a:p>
-          <a:p>
-            <a:r>
-              <a:rPr lang="en-GB" dirty="0">
-                <a:latin typeface="Calibri" charset="0"/>
-              </a:rPr>
-              <a:t>There are </a:t>
-            </a:r>
-            <a:r>
-              <a:rPr lang="en-GB" b="1" dirty="0">
-                <a:latin typeface="Calibri" charset="0"/>
-              </a:rPr>
-              <a:t>tools that make it easy </a:t>
-            </a:r>
-            <a:r>
-              <a:rPr lang="en-GB" dirty="0">
-                <a:latin typeface="Calibri" charset="0"/>
-              </a:rPr>
-              <a:t>to record our changes, document our workflow and </a:t>
-            </a:r>
-            <a:r>
-              <a:rPr lang="en-GB" dirty="0" smtClean="0">
-                <a:latin typeface="Calibri" charset="0"/>
-              </a:rPr>
-              <a:t>"fix" </a:t>
-            </a:r>
-            <a:r>
-              <a:rPr lang="en-GB" dirty="0">
-                <a:latin typeface="Calibri" charset="0"/>
-              </a:rPr>
-              <a:t>releases of our code at important steps along the way.</a:t>
-            </a:r>
-          </a:p>
-        </p:txBody>
-      </p:sp>
-    </p:spTree>
-  </p:cSld>
-  <p:clrMapOvr>
-    <a:masterClrMapping/>
-  </p:clrMapOvr>
-  <p:timing>
-    <p:tnLst>
-      <p:par>
-        <p:cTn id="1" dur="indefinite" restart="never" nodeType="tmRoot">
-          <p:childTnLst>
-            <p:seq concurrent="1" nextAc="seek">
-              <p:cTn id="2" dur="indefinite" nodeType="mainSeq">
-                <p:childTnLst>
-                  <p:par>
-                    <p:cTn id="3" fill="hold" nodeType="clickPar">
-                      <p:stCondLst>
-                        <p:cond delay="indefinite"/>
-                      </p:stCondLst>
-                      <p:childTnLst>
-                        <p:par>
-                          <p:cTn id="4" fill="hold" nodeType="withGroup">
-                            <p:stCondLst>
-                              <p:cond delay="0"/>
-                            </p:stCondLst>
-                            <p:childTnLst>
-                              <p:par>
-                                <p:cTn id="5" presetID="1" presetClass="entr" presetSubtype="0" fill="hold" nodeType="clickEffect">
-                                  <p:stCondLst>
-                                    <p:cond delay="0"/>
-                                  </p:stCondLst>
-                                  <p:childTnLst>
-                                    <p:set>
-                                      <p:cBhvr>
-                                        <p:cTn id="6" dur="1" fill="hold">
-                                          <p:stCondLst>
-                                            <p:cond delay="0"/>
-                                          </p:stCondLst>
-                                        </p:cTn>
-                                        <p:tgtEl>
-                                          <p:spTgt spid="5123">
-                                            <p:txEl>
-                                              <p:pRg st="2" end="2"/>
-                                            </p:txEl>
-                                          </p:spTgt>
-                                        </p:tgtEl>
-                                        <p:attrNameLst>
-                                          <p:attrName>style.visibility</p:attrName>
-                                        </p:attrNameLst>
-                                      </p:cBhvr>
-                                      <p:to>
-                                        <p:strVal val="visible"/>
-                                      </p:to>
-                                    </p:set>
-                                  </p:childTnLst>
-                                </p:cTn>
-                              </p:par>
-                            </p:childTnLst>
-                          </p:cTn>
-                        </p:par>
-                      </p:childTnLst>
-                    </p:cTn>
-                  </p:par>
-                  <p:par>
-                    <p:cTn id="7" fill="hold" nodeType="clickPar">
-                      <p:stCondLst>
-                        <p:cond delay="indefinite"/>
-                      </p:stCondLst>
-                      <p:childTnLst>
-                        <p:par>
-                          <p:cTn id="8" fill="hold" nodeType="withGroup">
-                            <p:stCondLst>
-                              <p:cond delay="0"/>
-                            </p:stCondLst>
-                            <p:childTnLst>
-                              <p:par>
-                                <p:cTn id="9" presetID="1" presetClass="entr" presetSubtype="0" fill="hold" nodeType="clickEffect">
-                                  <p:stCondLst>
-                                    <p:cond delay="0"/>
-                                  </p:stCondLst>
-                                  <p:childTnLst>
-                                    <p:set>
-                                      <p:cBhvr>
-                                        <p:cTn id="10" dur="1" fill="hold">
-                                          <p:stCondLst>
-                                            <p:cond delay="0"/>
-                                          </p:stCondLst>
-                                        </p:cTn>
-                                        <p:tgtEl>
-                                          <p:spTgt spid="5123">
-                                            <p:txEl>
-                                              <p:pRg st="4" end="4"/>
-                                            </p:txEl>
-                                          </p:spTgt>
-                                        </p:tgtEl>
-                                        <p:attrNameLst>
-                                          <p:attrName>style.visibility</p:attrName>
-                                        </p:attrNameLst>
-                                      </p:cBhvr>
-                                      <p:to>
-                                        <p:strVal val="visible"/>
-                                      </p:to>
-                                    </p:set>
-                                  </p:childTnLst>
-                                </p:cTn>
-                              </p:par>
-                            </p:childTnLst>
-                          </p:cTn>
-                        </p:par>
-                      </p:childTnLst>
-                    </p:cTn>
-                  </p:par>
-                </p:childTnLst>
-              </p:cTn>
-              <p:prevCondLst>
-                <p:cond evt="onPrev" delay="0">
-                  <p:tgtEl>
-                    <p:sldTgt/>
-                  </p:tgtEl>
-                </p:cond>
-              </p:prevCondLst>
-              <p:nextCondLst>
-                <p:cond evt="onNext" delay="0">
-                  <p:tgtEl>
-                    <p:sldTgt/>
-                  </p:tgtEl>
-                </p:cond>
-              </p:nextCondLst>
-            </p:seq>
-          </p:childTnLst>
-        </p:cTn>
-      </p:par>
-    </p:tnLst>
-  </p:timing>
-</p:sld>
-</file>
-
-<file path=ppt/slides/slide30.xml><?xml version="1.0" encoding="utf-8"?>
+<file path=ppt/slides/slide31.xml><?xml version="1.0" encoding="utf-8"?>
 <p:sld xmlns:a="http://schemas.openxmlformats.org/drawingml/2006/main" xmlns:r="http://schemas.openxmlformats.org/officeDocument/2006/relationships" xmlns:p="http://schemas.openxmlformats.org/presentationml/2006/main">
   <p:cSld>
     <p:spTree>
@@ -17221,283 +17373,6 @@
     <p:extLst>
       <p:ext uri="{BB962C8B-B14F-4D97-AF65-F5344CB8AC3E}">
         <p14:creationId xmlns:p14="http://schemas.microsoft.com/office/powerpoint/2010/main" val="1320198394"/>
-      </p:ext>
-    </p:extLst>
-  </p:cSld>
-  <p:clrMapOvr>
-    <a:masterClrMapping/>
-  </p:clrMapOvr>
-</p:sld>
-</file>
-
-<file path=ppt/slides/slide31.xml><?xml version="1.0" encoding="utf-8"?>
-<p:sld xmlns:a="http://schemas.openxmlformats.org/drawingml/2006/main" xmlns:r="http://schemas.openxmlformats.org/officeDocument/2006/relationships" xmlns:p="http://schemas.openxmlformats.org/presentationml/2006/main">
-  <p:cSld>
-    <p:spTree>
-      <p:nvGrpSpPr>
-        <p:cNvPr id="1" name=""/>
-        <p:cNvGrpSpPr/>
-        <p:nvPr/>
-      </p:nvGrpSpPr>
-      <p:grpSpPr>
-        <a:xfrm>
-          <a:off x="0" y="0"/>
-          <a:ext cx="0" cy="0"/>
-          <a:chOff x="0" y="0"/>
-          <a:chExt cx="0" cy="0"/>
-        </a:xfrm>
-      </p:grpSpPr>
-      <p:sp>
-        <p:nvSpPr>
-          <p:cNvPr id="2" name="Title 1"/>
-          <p:cNvSpPr>
-            <a:spLocks noGrp="1"/>
-          </p:cNvSpPr>
-          <p:nvPr>
-            <p:ph type="title"/>
-          </p:nvPr>
-        </p:nvSpPr>
-        <p:spPr/>
-        <p:txBody>
-          <a:bodyPr/>
-          <a:lstStyle/>
-          <a:p>
-            <a:r>
-              <a:rPr lang="en-US" dirty="0" smtClean="0"/>
-              <a:t>Black Bob downloads changes using </a:t>
-            </a:r>
-            <a:r>
-              <a:rPr lang="en-US" dirty="0" err="1" smtClean="0"/>
-              <a:t>git</a:t>
-            </a:r>
-            <a:r>
-              <a:rPr lang="en-US" dirty="0" smtClean="0"/>
-              <a:t> pull </a:t>
-            </a:r>
-            <a:endParaRPr lang="en-US" dirty="0"/>
-          </a:p>
-        </p:txBody>
-      </p:sp>
-      <p:sp>
-        <p:nvSpPr>
-          <p:cNvPr id="3" name="Content Placeholder 2"/>
-          <p:cNvSpPr>
-            <a:spLocks noGrp="1"/>
-          </p:cNvSpPr>
-          <p:nvPr>
-            <p:ph idx="1"/>
-          </p:nvPr>
-        </p:nvSpPr>
-        <p:spPr/>
-        <p:style>
-          <a:lnRef idx="2">
-            <a:schemeClr val="dk1">
-              <a:shade val="50000"/>
-            </a:schemeClr>
-          </a:lnRef>
-          <a:fillRef idx="1">
-            <a:schemeClr val="dk1"/>
-          </a:fillRef>
-          <a:effectRef idx="0">
-            <a:schemeClr val="dk1"/>
-          </a:effectRef>
-          <a:fontRef idx="minor">
-            <a:schemeClr val="lt1"/>
-          </a:fontRef>
-        </p:style>
-        <p:txBody>
-          <a:bodyPr/>
-          <a:lstStyle/>
-          <a:p>
-            <a:pPr marL="0" indent="0">
-              <a:buNone/>
-            </a:pPr>
-            <a:r>
-              <a:rPr lang="en-US" sz="1800" dirty="0">
-                <a:latin typeface="Courier New" panose="02070309020205020404" pitchFamily="49" charset="0"/>
-                <a:cs typeface="Courier New" panose="02070309020205020404" pitchFamily="49" charset="0"/>
-              </a:rPr>
-              <a:t>$ </a:t>
-            </a:r>
-            <a:r>
-              <a:rPr lang="en-US" sz="1800" b="1" dirty="0" err="1">
-                <a:solidFill>
-                  <a:srgbClr val="FFFF00"/>
-                </a:solidFill>
-                <a:latin typeface="Courier New" panose="02070309020205020404" pitchFamily="49" charset="0"/>
-                <a:cs typeface="Courier New" panose="02070309020205020404" pitchFamily="49" charset="0"/>
-              </a:rPr>
-              <a:t>git</a:t>
-            </a:r>
-            <a:r>
-              <a:rPr lang="en-US" sz="1800" b="1" dirty="0">
-                <a:solidFill>
-                  <a:srgbClr val="FFFF00"/>
-                </a:solidFill>
-                <a:latin typeface="Courier New" panose="02070309020205020404" pitchFamily="49" charset="0"/>
-                <a:cs typeface="Courier New" panose="02070309020205020404" pitchFamily="49" charset="0"/>
-              </a:rPr>
-              <a:t> pull</a:t>
-            </a:r>
-          </a:p>
-          <a:p>
-            <a:pPr marL="0" indent="0">
-              <a:buNone/>
-            </a:pPr>
-            <a:r>
-              <a:rPr lang="en-US" sz="1800" dirty="0">
-                <a:latin typeface="Courier New" panose="02070309020205020404" pitchFamily="49" charset="0"/>
-                <a:cs typeface="Courier New" panose="02070309020205020404" pitchFamily="49" charset="0"/>
-              </a:rPr>
-              <a:t>remote: Counting objects: 3, done.</a:t>
-            </a:r>
-          </a:p>
-          <a:p>
-            <a:pPr marL="0" indent="0">
-              <a:buNone/>
-            </a:pPr>
-            <a:r>
-              <a:rPr lang="en-US" sz="1800" dirty="0">
-                <a:latin typeface="Courier New" panose="02070309020205020404" pitchFamily="49" charset="0"/>
-                <a:cs typeface="Courier New" panose="02070309020205020404" pitchFamily="49" charset="0"/>
-              </a:rPr>
-              <a:t>remote: Compressing objects: 100% (1/1), done.</a:t>
-            </a:r>
-          </a:p>
-          <a:p>
-            <a:pPr marL="0" indent="0">
-              <a:buNone/>
-            </a:pPr>
-            <a:r>
-              <a:rPr lang="en-US" sz="1800" dirty="0">
-                <a:latin typeface="Courier New" panose="02070309020205020404" pitchFamily="49" charset="0"/>
-                <a:cs typeface="Courier New" panose="02070309020205020404" pitchFamily="49" charset="0"/>
-              </a:rPr>
-              <a:t>remote: Total 3 (delta 1), reused 3 (delta 1), pack-reused 0</a:t>
-            </a:r>
-          </a:p>
-          <a:p>
-            <a:pPr marL="0" indent="0">
-              <a:buNone/>
-            </a:pPr>
-            <a:r>
-              <a:rPr lang="en-US" sz="1800" dirty="0">
-                <a:latin typeface="Courier New" panose="02070309020205020404" pitchFamily="49" charset="0"/>
-                <a:cs typeface="Courier New" panose="02070309020205020404" pitchFamily="49" charset="0"/>
-              </a:rPr>
-              <a:t>Unpacking objects: 100% (3/3), done.</a:t>
-            </a:r>
-          </a:p>
-          <a:p>
-            <a:pPr marL="0" indent="0">
-              <a:buNone/>
-            </a:pPr>
-            <a:r>
-              <a:rPr lang="en-US" sz="1800" dirty="0">
-                <a:latin typeface="Courier New" panose="02070309020205020404" pitchFamily="49" charset="0"/>
-                <a:cs typeface="Courier New" panose="02070309020205020404" pitchFamily="49" charset="0"/>
-              </a:rPr>
-              <a:t>From </a:t>
-            </a:r>
-            <a:r>
-              <a:rPr lang="en-US" sz="1800" dirty="0" err="1">
-                <a:latin typeface="Courier New" panose="02070309020205020404" pitchFamily="49" charset="0"/>
-                <a:cs typeface="Courier New" panose="02070309020205020404" pitchFamily="49" charset="0"/>
-              </a:rPr>
-              <a:t>github.com:spepler</a:t>
-            </a:r>
-            <a:r>
-              <a:rPr lang="en-US" sz="1800" dirty="0">
-                <a:latin typeface="Courier New" panose="02070309020205020404" pitchFamily="49" charset="0"/>
-                <a:cs typeface="Courier New" panose="02070309020205020404" pitchFamily="49" charset="0"/>
-              </a:rPr>
-              <a:t>/</a:t>
-            </a:r>
-            <a:r>
-              <a:rPr lang="en-US" sz="1800" dirty="0" err="1">
-                <a:latin typeface="Courier New" panose="02070309020205020404" pitchFamily="49" charset="0"/>
-                <a:cs typeface="Courier New" panose="02070309020205020404" pitchFamily="49" charset="0"/>
-              </a:rPr>
-              <a:t>ncas-isc</a:t>
-            </a:r>
-            <a:endParaRPr lang="en-US" sz="1800" dirty="0">
-              <a:latin typeface="Courier New" panose="02070309020205020404" pitchFamily="49" charset="0"/>
-              <a:cs typeface="Courier New" panose="02070309020205020404" pitchFamily="49" charset="0"/>
-            </a:endParaRPr>
-          </a:p>
-          <a:p>
-            <a:pPr marL="0" indent="0">
-              <a:buNone/>
-            </a:pPr>
-            <a:r>
-              <a:rPr lang="mr-IN" sz="1800" dirty="0">
-                <a:latin typeface="Courier New" panose="02070309020205020404" pitchFamily="49" charset="0"/>
-                <a:cs typeface="Courier"/>
-              </a:rPr>
-              <a:t>   fe70026..d274491  master     -&gt; origin/master</a:t>
-            </a:r>
-          </a:p>
-          <a:p>
-            <a:pPr marL="0" indent="0">
-              <a:buNone/>
-            </a:pPr>
-            <a:r>
-              <a:rPr lang="en-US" sz="1800" dirty="0">
-                <a:latin typeface="Courier New" panose="02070309020205020404" pitchFamily="49" charset="0"/>
-                <a:cs typeface="Courier New" panose="02070309020205020404" pitchFamily="49" charset="0"/>
-              </a:rPr>
-              <a:t>Updating fe70026..d274491</a:t>
-            </a:r>
-          </a:p>
-          <a:p>
-            <a:pPr marL="0" indent="0">
-              <a:buNone/>
-            </a:pPr>
-            <a:r>
-              <a:rPr lang="en-US" sz="1800" dirty="0">
-                <a:latin typeface="Courier New" panose="02070309020205020404" pitchFamily="49" charset="0"/>
-                <a:cs typeface="Courier New" panose="02070309020205020404" pitchFamily="49" charset="0"/>
-              </a:rPr>
-              <a:t>Fast-forward</a:t>
-            </a:r>
-          </a:p>
-          <a:p>
-            <a:pPr marL="0" indent="0">
-              <a:buNone/>
-            </a:pPr>
-            <a:r>
-              <a:rPr lang="hr-HR" sz="1800" dirty="0">
-                <a:latin typeface="Courier New" panose="02070309020205020404" pitchFamily="49" charset="0"/>
-                <a:cs typeface="Courier New" panose="02070309020205020404" pitchFamily="49" charset="0"/>
-              </a:rPr>
-              <a:t> hello.txt | 1 +</a:t>
-            </a:r>
-          </a:p>
-          <a:p>
-            <a:pPr marL="0" indent="0">
-              <a:buNone/>
-            </a:pPr>
-            <a:r>
-              <a:rPr lang="en-US" sz="1800" dirty="0">
-                <a:latin typeface="Courier New" panose="02070309020205020404" pitchFamily="49" charset="0"/>
-                <a:cs typeface="Courier New" panose="02070309020205020404" pitchFamily="49" charset="0"/>
-              </a:rPr>
-              <a:t> 1 file changed, 1 insertion(</a:t>
-            </a:r>
-            <a:r>
-              <a:rPr lang="en-US" sz="1800" dirty="0" smtClean="0">
-                <a:latin typeface="Courier New" panose="02070309020205020404" pitchFamily="49" charset="0"/>
-                <a:cs typeface="Courier New" panose="02070309020205020404" pitchFamily="49" charset="0"/>
-              </a:rPr>
-              <a:t>+)</a:t>
-            </a:r>
-          </a:p>
-        </p:txBody>
-      </p:sp>
-    </p:spTree>
-    <p:extLst>
-      <p:ext uri="{BB962C8B-B14F-4D97-AF65-F5344CB8AC3E}">
-        <p14:creationId xmlns:p14="http://schemas.microsoft.com/office/powerpoint/2010/main" val="9053277"/>
       </p:ext>
     </p:extLst>
   </p:cSld>
@@ -17541,6 +17416,283 @@
           <a:p>
             <a:r>
               <a:rPr lang="en-US" dirty="0" smtClean="0"/>
+              <a:t>Black Bob downloads changes using </a:t>
+            </a:r>
+            <a:r>
+              <a:rPr lang="en-US" dirty="0" err="1" smtClean="0"/>
+              <a:t>git</a:t>
+            </a:r>
+            <a:r>
+              <a:rPr lang="en-US" dirty="0" smtClean="0"/>
+              <a:t> pull </a:t>
+            </a:r>
+            <a:endParaRPr lang="en-US" dirty="0"/>
+          </a:p>
+        </p:txBody>
+      </p:sp>
+      <p:sp>
+        <p:nvSpPr>
+          <p:cNvPr id="3" name="Content Placeholder 2"/>
+          <p:cNvSpPr>
+            <a:spLocks noGrp="1"/>
+          </p:cNvSpPr>
+          <p:nvPr>
+            <p:ph idx="1"/>
+          </p:nvPr>
+        </p:nvSpPr>
+        <p:spPr/>
+        <p:style>
+          <a:lnRef idx="2">
+            <a:schemeClr val="dk1">
+              <a:shade val="50000"/>
+            </a:schemeClr>
+          </a:lnRef>
+          <a:fillRef idx="1">
+            <a:schemeClr val="dk1"/>
+          </a:fillRef>
+          <a:effectRef idx="0">
+            <a:schemeClr val="dk1"/>
+          </a:effectRef>
+          <a:fontRef idx="minor">
+            <a:schemeClr val="lt1"/>
+          </a:fontRef>
+        </p:style>
+        <p:txBody>
+          <a:bodyPr/>
+          <a:lstStyle/>
+          <a:p>
+            <a:pPr marL="0" indent="0">
+              <a:buNone/>
+            </a:pPr>
+            <a:r>
+              <a:rPr lang="en-US" sz="1800" dirty="0">
+                <a:latin typeface="Courier New" panose="02070309020205020404" pitchFamily="49" charset="0"/>
+                <a:cs typeface="Courier New" panose="02070309020205020404" pitchFamily="49" charset="0"/>
+              </a:rPr>
+              <a:t>$ </a:t>
+            </a:r>
+            <a:r>
+              <a:rPr lang="en-US" sz="1800" b="1" dirty="0" err="1">
+                <a:solidFill>
+                  <a:srgbClr val="FFFF00"/>
+                </a:solidFill>
+                <a:latin typeface="Courier New" panose="02070309020205020404" pitchFamily="49" charset="0"/>
+                <a:cs typeface="Courier New" panose="02070309020205020404" pitchFamily="49" charset="0"/>
+              </a:rPr>
+              <a:t>git</a:t>
+            </a:r>
+            <a:r>
+              <a:rPr lang="en-US" sz="1800" b="1" dirty="0">
+                <a:solidFill>
+                  <a:srgbClr val="FFFF00"/>
+                </a:solidFill>
+                <a:latin typeface="Courier New" panose="02070309020205020404" pitchFamily="49" charset="0"/>
+                <a:cs typeface="Courier New" panose="02070309020205020404" pitchFamily="49" charset="0"/>
+              </a:rPr>
+              <a:t> pull</a:t>
+            </a:r>
+          </a:p>
+          <a:p>
+            <a:pPr marL="0" indent="0">
+              <a:buNone/>
+            </a:pPr>
+            <a:r>
+              <a:rPr lang="en-US" sz="1800" dirty="0">
+                <a:latin typeface="Courier New" panose="02070309020205020404" pitchFamily="49" charset="0"/>
+                <a:cs typeface="Courier New" panose="02070309020205020404" pitchFamily="49" charset="0"/>
+              </a:rPr>
+              <a:t>remote: Counting objects: 3, done.</a:t>
+            </a:r>
+          </a:p>
+          <a:p>
+            <a:pPr marL="0" indent="0">
+              <a:buNone/>
+            </a:pPr>
+            <a:r>
+              <a:rPr lang="en-US" sz="1800" dirty="0">
+                <a:latin typeface="Courier New" panose="02070309020205020404" pitchFamily="49" charset="0"/>
+                <a:cs typeface="Courier New" panose="02070309020205020404" pitchFamily="49" charset="0"/>
+              </a:rPr>
+              <a:t>remote: Compressing objects: 100% (1/1), done.</a:t>
+            </a:r>
+          </a:p>
+          <a:p>
+            <a:pPr marL="0" indent="0">
+              <a:buNone/>
+            </a:pPr>
+            <a:r>
+              <a:rPr lang="en-US" sz="1800" dirty="0">
+                <a:latin typeface="Courier New" panose="02070309020205020404" pitchFamily="49" charset="0"/>
+                <a:cs typeface="Courier New" panose="02070309020205020404" pitchFamily="49" charset="0"/>
+              </a:rPr>
+              <a:t>remote: Total 3 (delta 1), reused 3 (delta 1), pack-reused 0</a:t>
+            </a:r>
+          </a:p>
+          <a:p>
+            <a:pPr marL="0" indent="0">
+              <a:buNone/>
+            </a:pPr>
+            <a:r>
+              <a:rPr lang="en-US" sz="1800" dirty="0">
+                <a:latin typeface="Courier New" panose="02070309020205020404" pitchFamily="49" charset="0"/>
+                <a:cs typeface="Courier New" panose="02070309020205020404" pitchFamily="49" charset="0"/>
+              </a:rPr>
+              <a:t>Unpacking objects: 100% (3/3), done.</a:t>
+            </a:r>
+          </a:p>
+          <a:p>
+            <a:pPr marL="0" indent="0">
+              <a:buNone/>
+            </a:pPr>
+            <a:r>
+              <a:rPr lang="en-US" sz="1800" dirty="0">
+                <a:latin typeface="Courier New" panose="02070309020205020404" pitchFamily="49" charset="0"/>
+                <a:cs typeface="Courier New" panose="02070309020205020404" pitchFamily="49" charset="0"/>
+              </a:rPr>
+              <a:t>From </a:t>
+            </a:r>
+            <a:r>
+              <a:rPr lang="en-US" sz="1800" dirty="0" err="1">
+                <a:latin typeface="Courier New" panose="02070309020205020404" pitchFamily="49" charset="0"/>
+                <a:cs typeface="Courier New" panose="02070309020205020404" pitchFamily="49" charset="0"/>
+              </a:rPr>
+              <a:t>github.com:spepler</a:t>
+            </a:r>
+            <a:r>
+              <a:rPr lang="en-US" sz="1800" dirty="0">
+                <a:latin typeface="Courier New" panose="02070309020205020404" pitchFamily="49" charset="0"/>
+                <a:cs typeface="Courier New" panose="02070309020205020404" pitchFamily="49" charset="0"/>
+              </a:rPr>
+              <a:t>/</a:t>
+            </a:r>
+            <a:r>
+              <a:rPr lang="en-US" sz="1800" dirty="0" err="1">
+                <a:latin typeface="Courier New" panose="02070309020205020404" pitchFamily="49" charset="0"/>
+                <a:cs typeface="Courier New" panose="02070309020205020404" pitchFamily="49" charset="0"/>
+              </a:rPr>
+              <a:t>ncas-isc</a:t>
+            </a:r>
+            <a:endParaRPr lang="en-US" sz="1800" dirty="0">
+              <a:latin typeface="Courier New" panose="02070309020205020404" pitchFamily="49" charset="0"/>
+              <a:cs typeface="Courier New" panose="02070309020205020404" pitchFamily="49" charset="0"/>
+            </a:endParaRPr>
+          </a:p>
+          <a:p>
+            <a:pPr marL="0" indent="0">
+              <a:buNone/>
+            </a:pPr>
+            <a:r>
+              <a:rPr lang="mr-IN" sz="1800" dirty="0">
+                <a:latin typeface="Courier New" panose="02070309020205020404" pitchFamily="49" charset="0"/>
+                <a:cs typeface="Courier"/>
+              </a:rPr>
+              <a:t>   fe70026..d274491  master     -&gt; origin/master</a:t>
+            </a:r>
+          </a:p>
+          <a:p>
+            <a:pPr marL="0" indent="0">
+              <a:buNone/>
+            </a:pPr>
+            <a:r>
+              <a:rPr lang="en-US" sz="1800" dirty="0">
+                <a:latin typeface="Courier New" panose="02070309020205020404" pitchFamily="49" charset="0"/>
+                <a:cs typeface="Courier New" panose="02070309020205020404" pitchFamily="49" charset="0"/>
+              </a:rPr>
+              <a:t>Updating fe70026..d274491</a:t>
+            </a:r>
+          </a:p>
+          <a:p>
+            <a:pPr marL="0" indent="0">
+              <a:buNone/>
+            </a:pPr>
+            <a:r>
+              <a:rPr lang="en-US" sz="1800" dirty="0">
+                <a:latin typeface="Courier New" panose="02070309020205020404" pitchFamily="49" charset="0"/>
+                <a:cs typeface="Courier New" panose="02070309020205020404" pitchFamily="49" charset="0"/>
+              </a:rPr>
+              <a:t>Fast-forward</a:t>
+            </a:r>
+          </a:p>
+          <a:p>
+            <a:pPr marL="0" indent="0">
+              <a:buNone/>
+            </a:pPr>
+            <a:r>
+              <a:rPr lang="hr-HR" sz="1800" dirty="0">
+                <a:latin typeface="Courier New" panose="02070309020205020404" pitchFamily="49" charset="0"/>
+                <a:cs typeface="Courier New" panose="02070309020205020404" pitchFamily="49" charset="0"/>
+              </a:rPr>
+              <a:t> hello.txt | 1 +</a:t>
+            </a:r>
+          </a:p>
+          <a:p>
+            <a:pPr marL="0" indent="0">
+              <a:buNone/>
+            </a:pPr>
+            <a:r>
+              <a:rPr lang="en-US" sz="1800" dirty="0">
+                <a:latin typeface="Courier New" panose="02070309020205020404" pitchFamily="49" charset="0"/>
+                <a:cs typeface="Courier New" panose="02070309020205020404" pitchFamily="49" charset="0"/>
+              </a:rPr>
+              <a:t> 1 file changed, 1 insertion(</a:t>
+            </a:r>
+            <a:r>
+              <a:rPr lang="en-US" sz="1800" dirty="0" smtClean="0">
+                <a:latin typeface="Courier New" panose="02070309020205020404" pitchFamily="49" charset="0"/>
+                <a:cs typeface="Courier New" panose="02070309020205020404" pitchFamily="49" charset="0"/>
+              </a:rPr>
+              <a:t>+)</a:t>
+            </a:r>
+          </a:p>
+        </p:txBody>
+      </p:sp>
+    </p:spTree>
+    <p:extLst>
+      <p:ext uri="{BB962C8B-B14F-4D97-AF65-F5344CB8AC3E}">
+        <p14:creationId xmlns:p14="http://schemas.microsoft.com/office/powerpoint/2010/main" val="9053277"/>
+      </p:ext>
+    </p:extLst>
+  </p:cSld>
+  <p:clrMapOvr>
+    <a:masterClrMapping/>
+  </p:clrMapOvr>
+</p:sld>
+</file>
+
+<file path=ppt/slides/slide33.xml><?xml version="1.0" encoding="utf-8"?>
+<p:sld xmlns:a="http://schemas.openxmlformats.org/drawingml/2006/main" xmlns:r="http://schemas.openxmlformats.org/officeDocument/2006/relationships" xmlns:p="http://schemas.openxmlformats.org/presentationml/2006/main">
+  <p:cSld>
+    <p:spTree>
+      <p:nvGrpSpPr>
+        <p:cNvPr id="1" name=""/>
+        <p:cNvGrpSpPr/>
+        <p:nvPr/>
+      </p:nvGrpSpPr>
+      <p:grpSpPr>
+        <a:xfrm>
+          <a:off x="0" y="0"/>
+          <a:ext cx="0" cy="0"/>
+          <a:chOff x="0" y="0"/>
+          <a:chExt cx="0" cy="0"/>
+        </a:xfrm>
+      </p:grpSpPr>
+      <p:sp>
+        <p:nvSpPr>
+          <p:cNvPr id="2" name="Title 1"/>
+          <p:cNvSpPr>
+            <a:spLocks noGrp="1"/>
+          </p:cNvSpPr>
+          <p:nvPr>
+            <p:ph type="title"/>
+          </p:nvPr>
+        </p:nvSpPr>
+        <p:spPr/>
+        <p:txBody>
+          <a:bodyPr/>
+          <a:lstStyle/>
+          <a:p>
+            <a:r>
+              <a:rPr lang="en-US" dirty="0" smtClean="0"/>
               <a:t>Black Bob looks at change log</a:t>
             </a:r>
             <a:endParaRPr lang="en-US" dirty="0"/>
@@ -17900,7 +18052,7 @@
 </p:sld>
 </file>
 
-<file path=ppt/slides/slide33.xml><?xml version="1.0" encoding="utf-8"?>
+<file path=ppt/slides/slide34.xml><?xml version="1.0" encoding="utf-8"?>
 <p:sld xmlns:a="http://schemas.openxmlformats.org/drawingml/2006/main" xmlns:r="http://schemas.openxmlformats.org/officeDocument/2006/relationships" xmlns:p="http://schemas.openxmlformats.org/presentationml/2006/main">
   <p:cSld>
     <p:spTree>
@@ -18447,17 +18599,17 @@
           </a:prstGeom>
           <a:extLst>
             <a:ext uri="{FAA26D3D-D897-4be2-8F04-BA451C77F1D7}">
-              <ma14:placeholderFlag xmlns:ma14="http://schemas.microsoft.com/office/mac/drawingml/2011/main" xmlns="" val="1"/>
+              <ma14:placeholderFlag xmlns="" xmlns:ma14="http://schemas.microsoft.com/office/mac/drawingml/2011/main" val="1"/>
             </a:ext>
             <a:ext uri="{909E8E84-426E-40dd-AFC4-6F175D3DCCD1}">
-              <a14:hiddenFill xmlns="" xmlns:a14="http://schemas.microsoft.com/office/drawing/2010/main">
+              <a14:hiddenFill xmlns:a14="http://schemas.microsoft.com/office/drawing/2010/main" xmlns="">
                 <a:solidFill>
                   <a:srgbClr val="FFFFFF"/>
                 </a:solidFill>
               </a14:hiddenFill>
             </a:ext>
             <a:ext uri="{91240B29-F687-4f45-9708-019B960494DF}">
-              <a14:hiddenLine xmlns="" xmlns:a14="http://schemas.microsoft.com/office/drawing/2010/main" w="9525">
+              <a14:hiddenLine xmlns:a14="http://schemas.microsoft.com/office/drawing/2010/main" xmlns="" w="9525">
                 <a:solidFill>
                   <a:srgbClr val="000000"/>
                 </a:solidFill>
@@ -18661,7 +18813,7 @@
 </p:sld>
 </file>
 
-<file path=ppt/slides/slide34.xml><?xml version="1.0" encoding="utf-8"?>
+<file path=ppt/slides/slide35.xml><?xml version="1.0" encoding="utf-8"?>
 <p:sld xmlns:a="http://schemas.openxmlformats.org/drawingml/2006/main" xmlns:r="http://schemas.openxmlformats.org/officeDocument/2006/relationships" xmlns:p="http://schemas.openxmlformats.org/presentationml/2006/main">
   <p:cSld>
     <p:spTree>
@@ -18722,7 +18874,7 @@
 </p:sld>
 </file>
 
-<file path=ppt/slides/slide35.xml><?xml version="1.0" encoding="utf-8"?>
+<file path=ppt/slides/slide36.xml><?xml version="1.0" encoding="utf-8"?>
 <p:sld xmlns:a="http://schemas.openxmlformats.org/drawingml/2006/main" xmlns:r="http://schemas.openxmlformats.org/officeDocument/2006/relationships" xmlns:p="http://schemas.openxmlformats.org/presentationml/2006/main">
   <p:cSld>
     <p:spTree>
@@ -18761,14 +18913,14 @@
           </a:ln>
           <a:extLst>
             <a:ext uri="{909E8E84-426E-40dd-AFC4-6F175D3DCCD1}">
-              <a14:hiddenFill xmlns="" xmlns:a14="http://schemas.microsoft.com/office/drawing/2010/main">
+              <a14:hiddenFill xmlns:a14="http://schemas.microsoft.com/office/drawing/2010/main" xmlns="">
                 <a:solidFill>
                   <a:srgbClr val="FFFFFF"/>
                 </a:solidFill>
               </a14:hiddenFill>
             </a:ext>
             <a:ext uri="{91240B29-F687-4f45-9708-019B960494DF}">
-              <a14:hiddenLine xmlns="" xmlns:a14="http://schemas.microsoft.com/office/drawing/2010/main" w="9525">
+              <a14:hiddenLine xmlns:a14="http://schemas.microsoft.com/office/drawing/2010/main" xmlns="" w="9525">
                 <a:solidFill>
                   <a:srgbClr val="000000"/>
                 </a:solidFill>
@@ -18997,7 +19149,7 @@
 </p:sld>
 </file>
 
-<file path=ppt/slides/slide36.xml><?xml version="1.0" encoding="utf-8"?>
+<file path=ppt/slides/slide37.xml><?xml version="1.0" encoding="utf-8"?>
 <p:sld xmlns:a="http://schemas.openxmlformats.org/drawingml/2006/main" xmlns:r="http://schemas.openxmlformats.org/officeDocument/2006/relationships" xmlns:p="http://schemas.openxmlformats.org/presentationml/2006/main">
   <p:cSld>
     <p:spTree>
@@ -19109,14 +19261,14 @@
           </a:ln>
           <a:extLst>
             <a:ext uri="{909E8E84-426E-40dd-AFC4-6F175D3DCCD1}">
-              <a14:hiddenFill xmlns="" xmlns:a14="http://schemas.microsoft.com/office/drawing/2010/main">
+              <a14:hiddenFill xmlns:a14="http://schemas.microsoft.com/office/drawing/2010/main" xmlns="">
                 <a:solidFill>
                   <a:srgbClr val="FFFFFF"/>
                 </a:solidFill>
               </a14:hiddenFill>
             </a:ext>
             <a:ext uri="{91240B29-F687-4f45-9708-019B960494DF}">
-              <a14:hiddenLine xmlns="" xmlns:a14="http://schemas.microsoft.com/office/drawing/2010/main" w="9525">
+              <a14:hiddenLine xmlns:a14="http://schemas.microsoft.com/office/drawing/2010/main" xmlns="" w="9525">
                 <a:solidFill>
                   <a:srgbClr val="000000"/>
                 </a:solidFill>
@@ -19264,7 +19416,7 @@
 </p:sld>
 </file>
 
-<file path=ppt/slides/slide37.xml><?xml version="1.0" encoding="utf-8"?>
+<file path=ppt/slides/slide38.xml><?xml version="1.0" encoding="utf-8"?>
 <p:sld xmlns:a="http://schemas.openxmlformats.org/drawingml/2006/main" xmlns:r="http://schemas.openxmlformats.org/officeDocument/2006/relationships" xmlns:p="http://schemas.openxmlformats.org/presentationml/2006/main">
   <p:cSld>
     <p:spTree>
@@ -19722,7 +19874,7 @@
 </p:sld>
 </file>
 
-<file path=ppt/slides/slide38.xml><?xml version="1.0" encoding="utf-8"?>
+<file path=ppt/slides/slide39.xml><?xml version="1.0" encoding="utf-8"?>
 <p:sld xmlns:a="http://schemas.openxmlformats.org/drawingml/2006/main" xmlns:r="http://schemas.openxmlformats.org/officeDocument/2006/relationships" xmlns:p="http://schemas.openxmlformats.org/presentationml/2006/main">
   <p:cSld>
     <p:spTree>
@@ -19832,7 +19984,292 @@
 </p:sld>
 </file>
 
-<file path=ppt/slides/slide39.xml><?xml version="1.0" encoding="utf-8"?>
+<file path=ppt/slides/slide4.xml><?xml version="1.0" encoding="utf-8"?>
+<p:sld xmlns:a="http://schemas.openxmlformats.org/drawingml/2006/main" xmlns:r="http://schemas.openxmlformats.org/officeDocument/2006/relationships" xmlns:p="http://schemas.openxmlformats.org/presentationml/2006/main">
+  <p:cSld>
+    <p:spTree>
+      <p:nvGrpSpPr>
+        <p:cNvPr id="1" name=""/>
+        <p:cNvGrpSpPr/>
+        <p:nvPr/>
+      </p:nvGrpSpPr>
+      <p:grpSpPr>
+        <a:xfrm>
+          <a:off x="0" y="0"/>
+          <a:ext cx="0" cy="0"/>
+          <a:chOff x="0" y="0"/>
+          <a:chExt cx="0" cy="0"/>
+        </a:xfrm>
+      </p:grpSpPr>
+      <p:sp>
+        <p:nvSpPr>
+          <p:cNvPr id="5122" name="Title 1"/>
+          <p:cNvSpPr>
+            <a:spLocks noGrp="1"/>
+          </p:cNvSpPr>
+          <p:nvPr>
+            <p:ph type="title"/>
+          </p:nvPr>
+        </p:nvSpPr>
+        <p:spPr>
+          <a:xfrm>
+            <a:off x="457200" y="125413"/>
+            <a:ext cx="8229600" cy="1143000"/>
+          </a:xfrm>
+        </p:spPr>
+        <p:txBody>
+          <a:bodyPr/>
+          <a:lstStyle/>
+          <a:p>
+            <a:r>
+              <a:rPr lang="en-GB" dirty="0">
+                <a:latin typeface="Calibri" charset="0"/>
+              </a:rPr>
+              <a:t>But those days are gone!</a:t>
+            </a:r>
+          </a:p>
+        </p:txBody>
+      </p:sp>
+      <p:sp>
+        <p:nvSpPr>
+          <p:cNvPr id="5123" name="Content Placeholder 2"/>
+          <p:cNvSpPr>
+            <a:spLocks noGrp="1"/>
+          </p:cNvSpPr>
+          <p:nvPr>
+            <p:ph idx="1"/>
+          </p:nvPr>
+        </p:nvSpPr>
+        <p:spPr>
+          <a:xfrm>
+            <a:off x="206375" y="1268413"/>
+            <a:ext cx="8686800" cy="5257800"/>
+          </a:xfrm>
+        </p:spPr>
+        <p:txBody>
+          <a:bodyPr/>
+          <a:lstStyle/>
+          <a:p>
+            <a:r>
+              <a:rPr lang="en-GB" dirty="0">
+                <a:latin typeface="Calibri" charset="0"/>
+              </a:rPr>
+              <a:t>Scientists are typically </a:t>
+            </a:r>
+            <a:r>
+              <a:rPr lang="en-GB" b="1" dirty="0">
+                <a:latin typeface="Calibri" charset="0"/>
+              </a:rPr>
+              <a:t>required to publish data and code</a:t>
+            </a:r>
+            <a:r>
+              <a:rPr lang="en-GB" dirty="0">
+                <a:latin typeface="Calibri" charset="0"/>
+              </a:rPr>
+              <a:t> (by their funders/institutions).</a:t>
+            </a:r>
+          </a:p>
+          <a:p>
+            <a:endParaRPr lang="en-GB" sz="1200" dirty="0">
+              <a:latin typeface="Calibri" charset="0"/>
+            </a:endParaRPr>
+          </a:p>
+          <a:p>
+            <a:r>
+              <a:rPr lang="en-GB" dirty="0">
+                <a:latin typeface="Calibri" charset="0"/>
+              </a:rPr>
+              <a:t>Collaboration between scientists requires data-sharing; this implicitly relies on </a:t>
+            </a:r>
+            <a:r>
+              <a:rPr lang="en-GB" b="1" dirty="0">
+                <a:latin typeface="Calibri" charset="0"/>
+              </a:rPr>
+              <a:t>code-sharing</a:t>
+            </a:r>
+            <a:r>
+              <a:rPr lang="en-GB" dirty="0">
+                <a:latin typeface="Calibri" charset="0"/>
+              </a:rPr>
+              <a:t>.</a:t>
+            </a:r>
+          </a:p>
+          <a:p>
+            <a:endParaRPr lang="en-GB" sz="1200" dirty="0">
+              <a:latin typeface="Calibri" charset="0"/>
+            </a:endParaRPr>
+          </a:p>
+          <a:p>
+            <a:r>
+              <a:rPr lang="en-GB" dirty="0">
+                <a:latin typeface="Calibri" charset="0"/>
+              </a:rPr>
+              <a:t>There are </a:t>
+            </a:r>
+            <a:r>
+              <a:rPr lang="en-GB" b="1" dirty="0">
+                <a:latin typeface="Calibri" charset="0"/>
+              </a:rPr>
+              <a:t>tools that make it easy </a:t>
+            </a:r>
+            <a:r>
+              <a:rPr lang="en-GB" dirty="0">
+                <a:latin typeface="Calibri" charset="0"/>
+              </a:rPr>
+              <a:t>to record our changes, document our workflow and </a:t>
+            </a:r>
+            <a:r>
+              <a:rPr lang="en-GB" dirty="0" smtClean="0">
+                <a:latin typeface="Calibri" charset="0"/>
+              </a:rPr>
+              <a:t>"fix" </a:t>
+            </a:r>
+            <a:r>
+              <a:rPr lang="en-GB" dirty="0">
+                <a:latin typeface="Calibri" charset="0"/>
+              </a:rPr>
+              <a:t>releases of our code at important steps along the way.</a:t>
+            </a:r>
+          </a:p>
+        </p:txBody>
+      </p:sp>
+    </p:spTree>
+  </p:cSld>
+  <p:clrMapOvr>
+    <a:masterClrMapping/>
+  </p:clrMapOvr>
+  <p:timing>
+    <p:tnLst>
+      <p:par>
+        <p:cTn id="1" dur="indefinite" restart="never" nodeType="tmRoot">
+          <p:childTnLst>
+            <p:seq concurrent="1" nextAc="seek">
+              <p:cTn id="2" dur="indefinite" nodeType="mainSeq">
+                <p:childTnLst>
+                  <p:par>
+                    <p:cTn id="3" fill="hold" nodeType="clickPar">
+                      <p:stCondLst>
+                        <p:cond delay="indefinite"/>
+                      </p:stCondLst>
+                      <p:childTnLst>
+                        <p:par>
+                          <p:cTn id="4" fill="hold" nodeType="withGroup">
+                            <p:stCondLst>
+                              <p:cond delay="0"/>
+                            </p:stCondLst>
+                            <p:childTnLst>
+                              <p:par>
+                                <p:cTn id="5" presetID="1" presetClass="entr" presetSubtype="0" fill="hold" nodeType="clickEffect">
+                                  <p:stCondLst>
+                                    <p:cond delay="0"/>
+                                  </p:stCondLst>
+                                  <p:childTnLst>
+                                    <p:set>
+                                      <p:cBhvr>
+                                        <p:cTn id="6" dur="1" fill="hold">
+                                          <p:stCondLst>
+                                            <p:cond delay="0"/>
+                                          </p:stCondLst>
+                                        </p:cTn>
+                                        <p:tgtEl>
+                                          <p:spTgt spid="5123">
+                                            <p:txEl>
+                                              <p:pRg st="2" end="2"/>
+                                            </p:txEl>
+                                          </p:spTgt>
+                                        </p:tgtEl>
+                                        <p:attrNameLst>
+                                          <p:attrName>style.visibility</p:attrName>
+                                        </p:attrNameLst>
+                                      </p:cBhvr>
+                                      <p:to>
+                                        <p:strVal val="visible"/>
+                                      </p:to>
+                                    </p:set>
+                                  </p:childTnLst>
+                                </p:cTn>
+                              </p:par>
+                            </p:childTnLst>
+                          </p:cTn>
+                        </p:par>
+                      </p:childTnLst>
+                    </p:cTn>
+                  </p:par>
+                  <p:par>
+                    <p:cTn id="7" fill="hold" nodeType="clickPar">
+                      <p:stCondLst>
+                        <p:cond delay="indefinite"/>
+                      </p:stCondLst>
+                      <p:childTnLst>
+                        <p:par>
+                          <p:cTn id="8" fill="hold" nodeType="withGroup">
+                            <p:stCondLst>
+                              <p:cond delay="0"/>
+                            </p:stCondLst>
+                            <p:childTnLst>
+                              <p:par>
+                                <p:cTn id="9" presetID="1" presetClass="entr" presetSubtype="0" fill="hold" nodeType="clickEffect">
+                                  <p:stCondLst>
+                                    <p:cond delay="0"/>
+                                  </p:stCondLst>
+                                  <p:childTnLst>
+                                    <p:set>
+                                      <p:cBhvr>
+                                        <p:cTn id="10" dur="1" fill="hold">
+                                          <p:stCondLst>
+                                            <p:cond delay="0"/>
+                                          </p:stCondLst>
+                                        </p:cTn>
+                                        <p:tgtEl>
+                                          <p:spTgt spid="5123">
+                                            <p:txEl>
+                                              <p:pRg st="4" end="4"/>
+                                            </p:txEl>
+                                          </p:spTgt>
+                                        </p:tgtEl>
+                                        <p:attrNameLst>
+                                          <p:attrName>style.visibility</p:attrName>
+                                        </p:attrNameLst>
+                                      </p:cBhvr>
+                                      <p:to>
+                                        <p:strVal val="visible"/>
+                                      </p:to>
+                                    </p:set>
+                                  </p:childTnLst>
+                                </p:cTn>
+                              </p:par>
+                            </p:childTnLst>
+                          </p:cTn>
+                        </p:par>
+                      </p:childTnLst>
+                    </p:cTn>
+                  </p:par>
+                </p:childTnLst>
+              </p:cTn>
+              <p:prevCondLst>
+                <p:cond evt="onPrev" delay="0">
+                  <p:tgtEl>
+                    <p:sldTgt/>
+                  </p:tgtEl>
+                </p:cond>
+              </p:prevCondLst>
+              <p:nextCondLst>
+                <p:cond evt="onNext" delay="0">
+                  <p:tgtEl>
+                    <p:sldTgt/>
+                  </p:tgtEl>
+                </p:cond>
+              </p:nextCondLst>
+            </p:seq>
+          </p:childTnLst>
+        </p:cTn>
+      </p:par>
+    </p:tnLst>
+  </p:timing>
+</p:sld>
+</file>
+
+<file path=ppt/slides/slide40.xml><?xml version="1.0" encoding="utf-8"?>
 <p:sld xmlns:a="http://schemas.openxmlformats.org/drawingml/2006/main" xmlns:r="http://schemas.openxmlformats.org/officeDocument/2006/relationships" xmlns:p="http://schemas.openxmlformats.org/presentationml/2006/main">
   <p:cSld>
     <p:spTree>
@@ -20018,183 +20455,7 @@
 </p:sld>
 </file>
 
-<file path=ppt/slides/slide4.xml><?xml version="1.0" encoding="utf-8"?>
-<p:sld xmlns:a="http://schemas.openxmlformats.org/drawingml/2006/main" xmlns:r="http://schemas.openxmlformats.org/officeDocument/2006/relationships" xmlns:p="http://schemas.openxmlformats.org/presentationml/2006/main">
-  <p:cSld>
-    <p:spTree>
-      <p:nvGrpSpPr>
-        <p:cNvPr id="1" name=""/>
-        <p:cNvGrpSpPr/>
-        <p:nvPr/>
-      </p:nvGrpSpPr>
-      <p:grpSpPr>
-        <a:xfrm>
-          <a:off x="0" y="0"/>
-          <a:ext cx="0" cy="0"/>
-          <a:chOff x="0" y="0"/>
-          <a:chExt cx="0" cy="0"/>
-        </a:xfrm>
-      </p:grpSpPr>
-      <p:sp>
-        <p:nvSpPr>
-          <p:cNvPr id="8194" name="Title 1"/>
-          <p:cNvSpPr>
-            <a:spLocks noGrp="1"/>
-          </p:cNvSpPr>
-          <p:nvPr>
-            <p:ph type="title"/>
-          </p:nvPr>
-        </p:nvSpPr>
-        <p:spPr>
-          <a:xfrm>
-            <a:off x="457200" y="44450"/>
-            <a:ext cx="8229600" cy="1143000"/>
-          </a:xfrm>
-        </p:spPr>
-        <p:txBody>
-          <a:bodyPr/>
-          <a:lstStyle/>
-          <a:p>
-            <a:r>
-              <a:rPr lang="en-GB" b="1" dirty="0">
-                <a:latin typeface="Calibri" charset="0"/>
-              </a:rPr>
-              <a:t>Introducing Git</a:t>
-            </a:r>
-          </a:p>
-        </p:txBody>
-      </p:sp>
-      <p:sp>
-        <p:nvSpPr>
-          <p:cNvPr id="8195" name="Content Placeholder 2"/>
-          <p:cNvSpPr>
-            <a:spLocks noGrp="1"/>
-          </p:cNvSpPr>
-          <p:nvPr>
-            <p:ph idx="1"/>
-          </p:nvPr>
-        </p:nvSpPr>
-        <p:spPr>
-          <a:xfrm>
-            <a:off x="457200" y="1341438"/>
-            <a:ext cx="8229600" cy="4924425"/>
-          </a:xfrm>
-        </p:spPr>
-        <p:txBody>
-          <a:bodyPr/>
-          <a:lstStyle/>
-          <a:p>
-            <a:pPr>
-              <a:buFont typeface="Arial" charset="0"/>
-              <a:buNone/>
-            </a:pPr>
-            <a:r>
-              <a:rPr lang="en-GB" dirty="0">
-                <a:latin typeface="Calibri" charset="0"/>
-              </a:rPr>
-              <a:t>There are many different Version Control tools:</a:t>
-            </a:r>
-          </a:p>
-          <a:p>
-            <a:r>
-              <a:rPr lang="en-GB" b="1" dirty="0">
-                <a:latin typeface="Calibri" charset="0"/>
-              </a:rPr>
-              <a:t>SVN</a:t>
-            </a:r>
-            <a:r>
-              <a:rPr lang="en-GB" dirty="0">
-                <a:latin typeface="Calibri" charset="0"/>
-              </a:rPr>
-              <a:t> (Subversion) is very popular and (relatively) easy to grasp; eclipsed by…</a:t>
-            </a:r>
-          </a:p>
-          <a:p>
-            <a:r>
-              <a:rPr lang="en-GB" b="1" dirty="0">
-                <a:latin typeface="Calibri" charset="0"/>
-              </a:rPr>
-              <a:t>Git, </a:t>
-            </a:r>
-            <a:r>
-              <a:rPr lang="en-GB" dirty="0">
-                <a:latin typeface="Calibri" charset="0"/>
-              </a:rPr>
-              <a:t>which is also:</a:t>
-            </a:r>
-          </a:p>
-          <a:p>
-            <a:pPr lvl="1"/>
-            <a:r>
-              <a:rPr lang="en-GB" dirty="0">
-                <a:latin typeface="Calibri" charset="0"/>
-              </a:rPr>
-              <a:t>More useful for collaboration</a:t>
-            </a:r>
-          </a:p>
-          <a:p>
-            <a:pPr lvl="1"/>
-            <a:r>
-              <a:rPr lang="en-GB" dirty="0">
-                <a:latin typeface="Calibri" charset="0"/>
-              </a:rPr>
-              <a:t>Distributed and </a:t>
-            </a:r>
-            <a:r>
-              <a:rPr lang="en-GB" i="1" dirty="0">
-                <a:latin typeface="Calibri" charset="0"/>
-              </a:rPr>
-              <a:t>fast</a:t>
-            </a:r>
-          </a:p>
-          <a:p>
-            <a:pPr lvl="1"/>
-            <a:r>
-              <a:rPr lang="en-GB" dirty="0">
-                <a:latin typeface="Calibri" charset="0"/>
-              </a:rPr>
-              <a:t>Very well supported in terms of tooling</a:t>
-            </a:r>
-          </a:p>
-          <a:p>
-            <a:pPr lvl="1"/>
-            <a:r>
-              <a:rPr lang="en-GB" dirty="0">
-                <a:latin typeface="Calibri" charset="0"/>
-              </a:rPr>
-              <a:t>Has free repository hosts  on the web (GitHub, </a:t>
-            </a:r>
-            <a:r>
-              <a:rPr lang="en-GB" dirty="0" err="1">
-                <a:latin typeface="Calibri" charset="0"/>
-              </a:rPr>
-              <a:t>BitBucket</a:t>
-            </a:r>
-            <a:r>
-              <a:rPr lang="en-GB" dirty="0">
-                <a:latin typeface="Calibri" charset="0"/>
-              </a:rPr>
-              <a:t> etc.,).</a:t>
-            </a:r>
-          </a:p>
-        </p:txBody>
-      </p:sp>
-    </p:spTree>
-  </p:cSld>
-  <p:clrMapOvr>
-    <a:masterClrMapping/>
-  </p:clrMapOvr>
-  <p:timing>
-    <p:tnLst>
-      <p:par>
-        <p:cTn id="1" dur="indefinite" restart="never" nodeType="tmRoot"/>
-      </p:par>
-    </p:tnLst>
-  </p:timing>
-</p:sld>
-</file>
-
-<file path=ppt/slides/slide40.xml><?xml version="1.0" encoding="utf-8"?>
+<file path=ppt/slides/slide41.xml><?xml version="1.0" encoding="utf-8"?>
 <p:sld xmlns:a="http://schemas.openxmlformats.org/drawingml/2006/main" xmlns:r="http://schemas.openxmlformats.org/officeDocument/2006/relationships" xmlns:p="http://schemas.openxmlformats.org/presentationml/2006/main">
   <p:cSld>
     <p:spTree>
@@ -20430,7 +20691,7 @@
       </p:grpSpPr>
       <p:sp>
         <p:nvSpPr>
-          <p:cNvPr id="9218" name="Title 1"/>
+          <p:cNvPr id="8194" name="Title 1"/>
           <p:cNvSpPr>
             <a:spLocks noGrp="1"/>
           </p:cNvSpPr>
@@ -20438,7 +20699,12 @@
             <p:ph type="title"/>
           </p:nvPr>
         </p:nvSpPr>
-        <p:spPr/>
+        <p:spPr>
+          <a:xfrm>
+            <a:off x="457200" y="44450"/>
+            <a:ext cx="8229600" cy="1143000"/>
+          </a:xfrm>
+        </p:spPr>
         <p:txBody>
           <a:bodyPr/>
           <a:lstStyle/>
@@ -20447,14 +20713,14 @@
               <a:rPr lang="en-GB" b="1" dirty="0">
                 <a:latin typeface="Calibri" charset="0"/>
               </a:rPr>
-              <a:t>More about Git</a:t>
+              <a:t>Introducing Git</a:t>
             </a:r>
           </a:p>
         </p:txBody>
       </p:sp>
       <p:sp>
         <p:nvSpPr>
-          <p:cNvPr id="9219" name="Content Placeholder 2"/>
+          <p:cNvPr id="8195" name="Content Placeholder 2"/>
           <p:cNvSpPr>
             <a:spLocks noGrp="1"/>
           </p:cNvSpPr>
@@ -20462,7 +20728,12 @@
             <p:ph idx="1"/>
           </p:nvPr>
         </p:nvSpPr>
-        <p:spPr/>
+        <p:spPr>
+          <a:xfrm>
+            <a:off x="457200" y="1341438"/>
+            <a:ext cx="8229600" cy="4924425"/>
+          </a:xfrm>
+        </p:spPr>
         <p:txBody>
           <a:bodyPr/>
           <a:lstStyle/>
@@ -20475,56 +20746,89 @@
               <a:rPr lang="en-GB" dirty="0">
                 <a:latin typeface="Calibri" charset="0"/>
               </a:rPr>
-              <a:t>Git is a </a:t>
+              <a:t>There are many different Version Control tools:</a:t>
+            </a:r>
+          </a:p>
+          <a:p>
+            <a:r>
+              <a:rPr lang="en-GB" b="1" dirty="0">
+                <a:latin typeface="Calibri" charset="0"/>
+              </a:rPr>
+              <a:t>SVN</a:t>
+            </a:r>
+            <a:r>
+              <a:rPr lang="en-GB" dirty="0">
+                <a:latin typeface="Calibri" charset="0"/>
+              </a:rPr>
+              <a:t> (Subversion) is very popular and (relatively) easy to grasp; eclipsed by…</a:t>
+            </a:r>
+          </a:p>
+          <a:p>
+            <a:r>
+              <a:rPr lang="en-GB" b="1" dirty="0">
+                <a:latin typeface="Calibri" charset="0"/>
+              </a:rPr>
+              <a:t>Git, </a:t>
+            </a:r>
+            <a:r>
+              <a:rPr lang="en-GB" dirty="0">
+                <a:latin typeface="Calibri" charset="0"/>
+              </a:rPr>
+              <a:t>which is also:</a:t>
+            </a:r>
+          </a:p>
+          <a:p>
+            <a:pPr lvl="1"/>
+            <a:r>
+              <a:rPr lang="en-GB" dirty="0">
+                <a:latin typeface="Calibri" charset="0"/>
+              </a:rPr>
+              <a:t>More useful for collaboration</a:t>
+            </a:r>
+          </a:p>
+          <a:p>
+            <a:pPr lvl="1"/>
+            <a:r>
+              <a:rPr lang="en-GB" dirty="0">
+                <a:latin typeface="Calibri" charset="0"/>
+              </a:rPr>
+              <a:t>Distributed and </a:t>
             </a:r>
             <a:r>
               <a:rPr lang="en-GB" i="1" dirty="0">
                 <a:latin typeface="Calibri" charset="0"/>
               </a:rPr>
-              <a:t>distributed</a:t>
-            </a:r>
+              <a:t>fast</a:t>
+            </a:r>
+          </a:p>
+          <a:p>
+            <a:pPr lvl="1"/>
             <a:r>
               <a:rPr lang="en-GB" dirty="0">
                 <a:latin typeface="Calibri" charset="0"/>
               </a:rPr>
-              <a:t> Version Control System (VCS):</a:t>
-            </a:r>
-          </a:p>
-          <a:p>
+              <a:t>Very well supported in terms of tooling</a:t>
+            </a:r>
+          </a:p>
+          <a:p>
+            <a:pPr lvl="1"/>
             <a:r>
               <a:rPr lang="en-GB" dirty="0">
                 <a:latin typeface="Calibri" charset="0"/>
               </a:rPr>
-              <a:t>you store a complete copy of a repository within your working copy.</a:t>
-            </a:r>
-          </a:p>
-          <a:p>
+              <a:t>Has free repository hosts  on the web (GitHub, </a:t>
+            </a:r>
+            <a:r>
+              <a:rPr lang="en-GB" dirty="0" err="1">
+                <a:latin typeface="Calibri" charset="0"/>
+              </a:rPr>
+              <a:t>BitBucket</a:t>
+            </a:r>
             <a:r>
               <a:rPr lang="en-GB" dirty="0">
                 <a:latin typeface="Calibri" charset="0"/>
               </a:rPr>
-              <a:t>this means you can work offline:</a:t>
-            </a:r>
-          </a:p>
-          <a:p>
-            <a:pPr lvl="1"/>
-            <a:r>
-              <a:rPr lang="en-GB" dirty="0">
-                <a:latin typeface="Calibri" charset="0"/>
-              </a:rPr>
-              <a:t>there is no default </a:t>
-            </a:r>
-            <a:r>
-              <a:rPr lang="en-GB" dirty="0" smtClean="0">
-                <a:latin typeface="Calibri" charset="0"/>
-              </a:rPr>
-              <a:t>'central' </a:t>
-            </a:r>
-            <a:r>
-              <a:rPr lang="en-GB" dirty="0">
-                <a:latin typeface="Calibri" charset="0"/>
-              </a:rPr>
-              <a:t>server - if you want one, you (and your team) just nominate where it is - typically GitHub!</a:t>
+              <a:t> etc.,).</a:t>
             </a:r>
           </a:p>
         </p:txBody>
@@ -20563,6 +20867,139 @@
       </p:grpSpPr>
       <p:sp>
         <p:nvSpPr>
+          <p:cNvPr id="9218" name="Title 1"/>
+          <p:cNvSpPr>
+            <a:spLocks noGrp="1"/>
+          </p:cNvSpPr>
+          <p:nvPr>
+            <p:ph type="title"/>
+          </p:nvPr>
+        </p:nvSpPr>
+        <p:spPr/>
+        <p:txBody>
+          <a:bodyPr/>
+          <a:lstStyle/>
+          <a:p>
+            <a:r>
+              <a:rPr lang="en-GB" b="1" dirty="0">
+                <a:latin typeface="Calibri" charset="0"/>
+              </a:rPr>
+              <a:t>More about Git</a:t>
+            </a:r>
+          </a:p>
+        </p:txBody>
+      </p:sp>
+      <p:sp>
+        <p:nvSpPr>
+          <p:cNvPr id="9219" name="Content Placeholder 2"/>
+          <p:cNvSpPr>
+            <a:spLocks noGrp="1"/>
+          </p:cNvSpPr>
+          <p:nvPr>
+            <p:ph idx="1"/>
+          </p:nvPr>
+        </p:nvSpPr>
+        <p:spPr/>
+        <p:txBody>
+          <a:bodyPr/>
+          <a:lstStyle/>
+          <a:p>
+            <a:pPr>
+              <a:buFont typeface="Arial" charset="0"/>
+              <a:buNone/>
+            </a:pPr>
+            <a:r>
+              <a:rPr lang="en-GB" dirty="0">
+                <a:latin typeface="Calibri" charset="0"/>
+              </a:rPr>
+              <a:t>Git is a </a:t>
+            </a:r>
+            <a:r>
+              <a:rPr lang="en-GB" i="1" dirty="0">
+                <a:latin typeface="Calibri" charset="0"/>
+              </a:rPr>
+              <a:t>distributed</a:t>
+            </a:r>
+            <a:r>
+              <a:rPr lang="en-GB" dirty="0">
+                <a:latin typeface="Calibri" charset="0"/>
+              </a:rPr>
+              <a:t> Version Control System (VCS):</a:t>
+            </a:r>
+          </a:p>
+          <a:p>
+            <a:r>
+              <a:rPr lang="en-GB" dirty="0">
+                <a:latin typeface="Calibri" charset="0"/>
+              </a:rPr>
+              <a:t>you store a complete copy of a repository within your working copy.</a:t>
+            </a:r>
+          </a:p>
+          <a:p>
+            <a:r>
+              <a:rPr lang="en-GB" dirty="0">
+                <a:latin typeface="Calibri" charset="0"/>
+              </a:rPr>
+              <a:t>this means you can work offline:</a:t>
+            </a:r>
+          </a:p>
+          <a:p>
+            <a:pPr lvl="1"/>
+            <a:r>
+              <a:rPr lang="en-GB" dirty="0">
+                <a:latin typeface="Calibri" charset="0"/>
+              </a:rPr>
+              <a:t>there is no default </a:t>
+            </a:r>
+            <a:r>
+              <a:rPr lang="en-GB" dirty="0" smtClean="0">
+                <a:latin typeface="Calibri" charset="0"/>
+              </a:rPr>
+              <a:t>'central' </a:t>
+            </a:r>
+            <a:r>
+              <a:rPr lang="en-GB" dirty="0">
+                <a:latin typeface="Calibri" charset="0"/>
+              </a:rPr>
+              <a:t>server - if you want one, you (and your team) just nominate where it is - typically GitHub!</a:t>
+            </a:r>
+          </a:p>
+        </p:txBody>
+      </p:sp>
+    </p:spTree>
+  </p:cSld>
+  <p:clrMapOvr>
+    <a:masterClrMapping/>
+  </p:clrMapOvr>
+  <p:timing>
+    <p:tnLst>
+      <p:par>
+        <p:cTn id="1" dur="indefinite" restart="never" nodeType="tmRoot"/>
+      </p:par>
+    </p:tnLst>
+  </p:timing>
+</p:sld>
+</file>
+
+<file path=ppt/slides/slide7.xml><?xml version="1.0" encoding="utf-8"?>
+<p:sld xmlns:a="http://schemas.openxmlformats.org/drawingml/2006/main" xmlns:r="http://schemas.openxmlformats.org/officeDocument/2006/relationships" xmlns:p="http://schemas.openxmlformats.org/presentationml/2006/main">
+  <p:cSld>
+    <p:spTree>
+      <p:nvGrpSpPr>
+        <p:cNvPr id="1" name=""/>
+        <p:cNvGrpSpPr/>
+        <p:nvPr/>
+      </p:nvGrpSpPr>
+      <p:grpSpPr>
+        <a:xfrm>
+          <a:off x="0" y="0"/>
+          <a:ext cx="0" cy="0"/>
+          <a:chOff x="0" y="0"/>
+          <a:chExt cx="0" cy="0"/>
+        </a:xfrm>
+      </p:grpSpPr>
+      <p:sp>
+        <p:nvSpPr>
           <p:cNvPr id="2" name="Title 1"/>
           <p:cNvSpPr>
             <a:spLocks noGrp="1"/>
@@ -20644,7 +21081,7 @@
 </p:sld>
 </file>
 
-<file path=ppt/slides/slide7.xml><?xml version="1.0" encoding="utf-8"?>
+<file path=ppt/slides/slide8.xml><?xml version="1.0" encoding="utf-8"?>
 <p:sld xmlns:a="http://schemas.openxmlformats.org/drawingml/2006/main" xmlns:r="http://schemas.openxmlformats.org/officeDocument/2006/relationships" xmlns:p="http://schemas.openxmlformats.org/presentationml/2006/main">
   <p:cSld>
     <p:spTree>
@@ -20765,14 +21202,14 @@
           </a:ln>
           <a:extLst>
             <a:ext uri="{909E8E84-426E-40dd-AFC4-6F175D3DCCD1}">
-              <a14:hiddenFill xmlns="" xmlns:a14="http://schemas.microsoft.com/office/drawing/2010/main">
+              <a14:hiddenFill xmlns:a14="http://schemas.microsoft.com/office/drawing/2010/main" xmlns="">
                 <a:solidFill>
                   <a:srgbClr val="FFFFFF"/>
                 </a:solidFill>
               </a14:hiddenFill>
             </a:ext>
             <a:ext uri="{91240B29-F687-4f45-9708-019B960494DF}">
-              <a14:hiddenLine xmlns="" xmlns:a14="http://schemas.microsoft.com/office/drawing/2010/main" w="9525">
+              <a14:hiddenLine xmlns:a14="http://schemas.microsoft.com/office/drawing/2010/main" xmlns="" w="9525">
                 <a:solidFill>
                   <a:srgbClr val="000000"/>
                 </a:solidFill>
@@ -20928,7 +21365,7 @@
 </p:sld>
 </file>
 
-<file path=ppt/slides/slide8.xml><?xml version="1.0" encoding="utf-8"?>
+<file path=ppt/slides/slide9.xml><?xml version="1.0" encoding="utf-8"?>
 <p:sld xmlns:a="http://schemas.openxmlformats.org/drawingml/2006/main" xmlns:r="http://schemas.openxmlformats.org/officeDocument/2006/relationships" xmlns:p="http://schemas.openxmlformats.org/presentationml/2006/main">
   <p:cSld>
     <p:spTree>
@@ -21035,103 +21472,7 @@
           </a:ln>
           <a:extLst>
             <a:ext uri="{909E8E84-426E-40dd-AFC4-6F175D3DCCD1}">
-              <a14:hiddenFill xmlns="" xmlns:a14="http://schemas.microsoft.com/office/drawing/2010/main">
-                <a:solidFill>
-                  <a:schemeClr val="accent1"/>
-                </a:solidFill>
-              </a14:hiddenFill>
-            </a:ext>
-          </a:extLst>
-        </p:spPr>
-      </p:pic>
-    </p:spTree>
-  </p:cSld>
-  <p:clrMapOvr>
-    <a:masterClrMapping/>
-  </p:clrMapOvr>
-</p:sld>
-</file>
-
-<file path=ppt/slides/slide9.xml><?xml version="1.0" encoding="utf-8"?>
-<p:sld xmlns:a="http://schemas.openxmlformats.org/drawingml/2006/main" xmlns:r="http://schemas.openxmlformats.org/officeDocument/2006/relationships" xmlns:p="http://schemas.openxmlformats.org/presentationml/2006/main">
-  <p:cSld>
-    <p:spTree>
-      <p:nvGrpSpPr>
-        <p:cNvPr id="1" name=""/>
-        <p:cNvGrpSpPr/>
-        <p:nvPr/>
-      </p:nvGrpSpPr>
-      <p:grpSpPr>
-        <a:xfrm>
-          <a:off x="0" y="0"/>
-          <a:ext cx="0" cy="0"/>
-          <a:chOff x="0" y="0"/>
-          <a:chExt cx="0" cy="0"/>
-        </a:xfrm>
-      </p:grpSpPr>
-      <p:sp>
-        <p:nvSpPr>
-          <p:cNvPr id="12290" name="Title 1"/>
-          <p:cNvSpPr>
-            <a:spLocks noGrp="1"/>
-          </p:cNvSpPr>
-          <p:nvPr>
-            <p:ph type="title"/>
-          </p:nvPr>
-        </p:nvSpPr>
-        <p:spPr/>
-        <p:txBody>
-          <a:bodyPr/>
-          <a:lstStyle/>
-          <a:p>
-            <a:r>
-              <a:rPr lang="en-GB" dirty="0">
-                <a:latin typeface="Calibri" charset="0"/>
-              </a:rPr>
-              <a:t>GitHub: organisations</a:t>
-            </a:r>
-          </a:p>
-        </p:txBody>
-      </p:sp>
-      <p:pic>
-        <p:nvPicPr>
-          <p:cNvPr id="12291" name="Picture 2"/>
-          <p:cNvPicPr>
-            <a:picLocks noGrp="1" noChangeAspect="1" noChangeArrowheads="1"/>
-          </p:cNvPicPr>
-          <p:nvPr>
-            <p:ph idx="1"/>
-          </p:nvPr>
-        </p:nvPicPr>
-        <p:blipFill>
-          <a:blip r:embed="rId3" cstate="email">
-            <a:extLst>
-              <a:ext uri="{28A0092B-C50C-407E-A947-70E740481C1C}">
-                <a14:useLocalDpi xmlns:a14="http://schemas.microsoft.com/office/drawing/2010/main" val="0"/>
-              </a:ext>
-            </a:extLst>
-          </a:blip>
-          <a:stretch>
-            <a:fillRect/>
-          </a:stretch>
-        </p:blipFill>
-        <p:spPr>
-          <a:xfrm>
-            <a:off x="1537068" y="1383204"/>
-            <a:ext cx="6096851" cy="4334480"/>
-          </a:xfrm>
-          <a:noFill/>
-          <a:ln>
-            <a:solidFill>
-              <a:schemeClr val="tx1"/>
-            </a:solidFill>
-            <a:miter lim="800000"/>
-            <a:headEnd/>
-            <a:tailEnd/>
-          </a:ln>
-          <a:extLst>
-            <a:ext uri="{909E8E84-426E-40dd-AFC4-6F175D3DCCD1}">
-              <a14:hiddenFill xmlns="" xmlns:a14="http://schemas.microsoft.com/office/drawing/2010/main">
+              <a14:hiddenFill xmlns:a14="http://schemas.microsoft.com/office/drawing/2010/main" xmlns="">
                 <a:solidFill>
                   <a:schemeClr val="accent1"/>
                 </a:solidFill>
